--- a/predavanja/prezentacije/OOP07-1-Predefinisani tipovi u Javi.pptx
+++ b/predavanja/prezentacije/OOP07-1-Predefinisani tipovi u Javi.pptx
@@ -5,10 +5,10 @@
     <p:sldMasterId id="2147483721" r:id="rId1"/>
   </p:sldMasterIdLst>
   <p:notesMasterIdLst>
-    <p:notesMasterId r:id="rId23"/>
+    <p:notesMasterId r:id="rId25"/>
   </p:notesMasterIdLst>
   <p:handoutMasterIdLst>
-    <p:handoutMasterId r:id="rId24"/>
+    <p:handoutMasterId r:id="rId26"/>
   </p:handoutMasterIdLst>
   <p:sldIdLst>
     <p:sldId id="284" r:id="rId2"/>
@@ -19,28 +19,30 @@
     <p:sldId id="288" r:id="rId7"/>
     <p:sldId id="290" r:id="rId8"/>
     <p:sldId id="291" r:id="rId9"/>
-    <p:sldId id="287" r:id="rId10"/>
-    <p:sldId id="293" r:id="rId11"/>
-    <p:sldId id="292" r:id="rId12"/>
-    <p:sldId id="294" r:id="rId13"/>
-    <p:sldId id="295" r:id="rId14"/>
-    <p:sldId id="296" r:id="rId15"/>
-    <p:sldId id="297" r:id="rId16"/>
-    <p:sldId id="298" r:id="rId17"/>
-    <p:sldId id="299" r:id="rId18"/>
-    <p:sldId id="300" r:id="rId19"/>
-    <p:sldId id="302" r:id="rId20"/>
-    <p:sldId id="303" r:id="rId21"/>
-    <p:sldId id="283" r:id="rId22"/>
+    <p:sldId id="304" r:id="rId10"/>
+    <p:sldId id="287" r:id="rId11"/>
+    <p:sldId id="293" r:id="rId12"/>
+    <p:sldId id="292" r:id="rId13"/>
+    <p:sldId id="294" r:id="rId14"/>
+    <p:sldId id="295" r:id="rId15"/>
+    <p:sldId id="305" r:id="rId16"/>
+    <p:sldId id="296" r:id="rId17"/>
+    <p:sldId id="297" r:id="rId18"/>
+    <p:sldId id="298" r:id="rId19"/>
+    <p:sldId id="299" r:id="rId20"/>
+    <p:sldId id="300" r:id="rId21"/>
+    <p:sldId id="302" r:id="rId22"/>
+    <p:sldId id="303" r:id="rId23"/>
+    <p:sldId id="283" r:id="rId24"/>
   </p:sldIdLst>
   <p:sldSz cx="9144000" cy="6858000" type="screen4x3"/>
   <p:notesSz cx="6858000" cy="9144000"/>
   <p:embeddedFontLst>
     <p:embeddedFont>
       <p:font typeface="Garamond" panose="02020404030301010803" pitchFamily="18" charset="0"/>
-      <p:regular r:id="rId25"/>
-      <p:bold r:id="rId26"/>
-      <p:italic r:id="rId27"/>
+      <p:regular r:id="rId27"/>
+      <p:bold r:id="rId28"/>
+      <p:italic r:id="rId29"/>
     </p:embeddedFont>
   </p:embeddedFontLst>
   <p:kinsoku lang="ja-JP" invalStChars="、。，．・：；？！゛゜ヽヾゝゞ々ー’”）〕］｝〉》」』】°‰′″℃￠％ぁぃぅぇぉっゃゅょゎァィゥェォッャュョヮヵヶ!%),.:;?]}｡｣､･ｧｨｩｪｫｬｭｮｯｰﾞﾟ" invalEndChars="‘“（〔［｛〈《「『【￥＄$([\{｢￡"/>
@@ -3838,6 +3840,1396 @@
 </file>
 
 <file path=ppt/slides/slide10.xml><?xml version="1.0" encoding="utf-8"?>
+<p:sld xmlns:a="http://schemas.openxmlformats.org/drawingml/2006/main" xmlns:r="http://schemas.openxmlformats.org/officeDocument/2006/relationships" xmlns:p="http://schemas.openxmlformats.org/presentationml/2006/main">
+  <p:cSld>
+    <p:spTree>
+      <p:nvGrpSpPr>
+        <p:cNvPr id="1" name=""/>
+        <p:cNvGrpSpPr/>
+        <p:nvPr/>
+      </p:nvGrpSpPr>
+      <p:grpSpPr>
+        <a:xfrm>
+          <a:off x="0" y="0"/>
+          <a:ext cx="0" cy="0"/>
+          <a:chOff x="0" y="0"/>
+          <a:chExt cx="0" cy="0"/>
+        </a:xfrm>
+      </p:grpSpPr>
+      <p:sp>
+        <p:nvSpPr>
+          <p:cNvPr id="5122" name="Text Box 2"/>
+          <p:cNvSpPr txBox="1">
+            <a:spLocks noChangeArrowheads="1"/>
+          </p:cNvSpPr>
+          <p:nvPr/>
+        </p:nvSpPr>
+        <p:spPr bwMode="auto">
+          <a:xfrm>
+            <a:off x="1219200" y="685800"/>
+            <a:ext cx="6705600" cy="457200"/>
+          </a:xfrm>
+          <a:prstGeom prst="rect">
+            <a:avLst/>
+          </a:prstGeom>
+          <a:noFill/>
+          <a:ln>
+            <a:noFill/>
+          </a:ln>
+          <a:extLst>
+            <a:ext uri="{909E8E84-426E-40DD-AFC4-6F175D3DCCD1}">
+              <a14:hiddenFill xmlns:a14="http://schemas.microsoft.com/office/drawing/2010/main">
+                <a:solidFill>
+                  <a:srgbClr val="FFFFFF"/>
+                </a:solidFill>
+              </a14:hiddenFill>
+            </a:ext>
+            <a:ext uri="{91240B29-F687-4F45-9708-019B960494DF}">
+              <a14:hiddenLine xmlns:a14="http://schemas.microsoft.com/office/drawing/2010/main" w="12700">
+                <a:solidFill>
+                  <a:srgbClr val="000000"/>
+                </a:solidFill>
+                <a:miter lim="800000"/>
+                <a:headEnd/>
+                <a:tailEnd/>
+              </a14:hiddenLine>
+            </a:ext>
+          </a:extLst>
+        </p:spPr>
+        <p:txBody>
+          <a:bodyPr>
+            <a:spAutoFit/>
+          </a:bodyPr>
+          <a:lstStyle>
+            <a:lvl1pPr>
+              <a:spcBef>
+                <a:spcPct val="20000"/>
+              </a:spcBef>
+              <a:buClr>
+                <a:schemeClr val="accent1"/>
+              </a:buClr>
+              <a:buFont typeface="Wingdings" panose="05000000000000000000" pitchFamily="2" charset="2"/>
+              <a:buChar char="l"/>
+              <a:defRPr sz="3200">
+                <a:solidFill>
+                  <a:schemeClr val="tx1"/>
+                </a:solidFill>
+                <a:latin typeface="Arial" panose="020B0604020202020204" pitchFamily="34" charset="0"/>
+              </a:defRPr>
+            </a:lvl1pPr>
+            <a:lvl2pPr marL="742950" indent="-285750">
+              <a:spcBef>
+                <a:spcPct val="20000"/>
+              </a:spcBef>
+              <a:buClr>
+                <a:schemeClr val="accent1"/>
+              </a:buClr>
+              <a:buFont typeface="Wingdings" panose="05000000000000000000" pitchFamily="2" charset="2"/>
+              <a:buChar char="¡"/>
+              <a:defRPr sz="2700">
+                <a:solidFill>
+                  <a:schemeClr val="tx1"/>
+                </a:solidFill>
+                <a:latin typeface="Arial" panose="020B0604020202020204" pitchFamily="34" charset="0"/>
+              </a:defRPr>
+            </a:lvl2pPr>
+            <a:lvl3pPr marL="1143000" indent="-228600">
+              <a:spcBef>
+                <a:spcPct val="20000"/>
+              </a:spcBef>
+              <a:buClr>
+                <a:schemeClr val="accent1"/>
+              </a:buClr>
+              <a:buFont typeface="Wingdings" panose="05000000000000000000" pitchFamily="2" charset="2"/>
+              <a:buChar char="l"/>
+              <a:defRPr sz="2300">
+                <a:solidFill>
+                  <a:schemeClr val="tx1"/>
+                </a:solidFill>
+                <a:latin typeface="Arial" panose="020B0604020202020204" pitchFamily="34" charset="0"/>
+              </a:defRPr>
+            </a:lvl3pPr>
+            <a:lvl4pPr marL="1600200" indent="-228600">
+              <a:spcBef>
+                <a:spcPct val="20000"/>
+              </a:spcBef>
+              <a:buClr>
+                <a:schemeClr val="accent1"/>
+              </a:buClr>
+              <a:buChar char="•"/>
+              <a:defRPr sz="2000">
+                <a:solidFill>
+                  <a:schemeClr val="tx1"/>
+                </a:solidFill>
+                <a:latin typeface="Arial" panose="020B0604020202020204" pitchFamily="34" charset="0"/>
+              </a:defRPr>
+            </a:lvl4pPr>
+            <a:lvl5pPr marL="2057400" indent="-228600">
+              <a:spcBef>
+                <a:spcPct val="20000"/>
+              </a:spcBef>
+              <a:buClr>
+                <a:schemeClr val="accent1"/>
+              </a:buClr>
+              <a:buFont typeface="Wingdings" panose="05000000000000000000" pitchFamily="2" charset="2"/>
+              <a:buChar char=""/>
+              <a:defRPr sz="2000">
+                <a:solidFill>
+                  <a:schemeClr val="tx1"/>
+                </a:solidFill>
+                <a:latin typeface="Arial" panose="020B0604020202020204" pitchFamily="34" charset="0"/>
+              </a:defRPr>
+            </a:lvl5pPr>
+            <a:lvl6pPr marL="2514600" indent="-228600" eaLnBrk="0" fontAlgn="base" hangingPunct="0">
+              <a:spcBef>
+                <a:spcPct val="20000"/>
+              </a:spcBef>
+              <a:spcAft>
+                <a:spcPct val="0"/>
+              </a:spcAft>
+              <a:buClr>
+                <a:schemeClr val="accent1"/>
+              </a:buClr>
+              <a:buFont typeface="Wingdings" panose="05000000000000000000" pitchFamily="2" charset="2"/>
+              <a:buChar char=""/>
+              <a:defRPr sz="2000">
+                <a:solidFill>
+                  <a:schemeClr val="tx1"/>
+                </a:solidFill>
+                <a:latin typeface="Arial" panose="020B0604020202020204" pitchFamily="34" charset="0"/>
+              </a:defRPr>
+            </a:lvl6pPr>
+            <a:lvl7pPr marL="2971800" indent="-228600" eaLnBrk="0" fontAlgn="base" hangingPunct="0">
+              <a:spcBef>
+                <a:spcPct val="20000"/>
+              </a:spcBef>
+              <a:spcAft>
+                <a:spcPct val="0"/>
+              </a:spcAft>
+              <a:buClr>
+                <a:schemeClr val="accent1"/>
+              </a:buClr>
+              <a:buFont typeface="Wingdings" panose="05000000000000000000" pitchFamily="2" charset="2"/>
+              <a:buChar char=""/>
+              <a:defRPr sz="2000">
+                <a:solidFill>
+                  <a:schemeClr val="tx1"/>
+                </a:solidFill>
+                <a:latin typeface="Arial" panose="020B0604020202020204" pitchFamily="34" charset="0"/>
+              </a:defRPr>
+            </a:lvl7pPr>
+            <a:lvl8pPr marL="3429000" indent="-228600" eaLnBrk="0" fontAlgn="base" hangingPunct="0">
+              <a:spcBef>
+                <a:spcPct val="20000"/>
+              </a:spcBef>
+              <a:spcAft>
+                <a:spcPct val="0"/>
+              </a:spcAft>
+              <a:buClr>
+                <a:schemeClr val="accent1"/>
+              </a:buClr>
+              <a:buFont typeface="Wingdings" panose="05000000000000000000" pitchFamily="2" charset="2"/>
+              <a:buChar char=""/>
+              <a:defRPr sz="2000">
+                <a:solidFill>
+                  <a:schemeClr val="tx1"/>
+                </a:solidFill>
+                <a:latin typeface="Arial" panose="020B0604020202020204" pitchFamily="34" charset="0"/>
+              </a:defRPr>
+            </a:lvl8pPr>
+            <a:lvl9pPr marL="3886200" indent="-228600" eaLnBrk="0" fontAlgn="base" hangingPunct="0">
+              <a:spcBef>
+                <a:spcPct val="20000"/>
+              </a:spcBef>
+              <a:spcAft>
+                <a:spcPct val="0"/>
+              </a:spcAft>
+              <a:buClr>
+                <a:schemeClr val="accent1"/>
+              </a:buClr>
+              <a:buFont typeface="Wingdings" panose="05000000000000000000" pitchFamily="2" charset="2"/>
+              <a:buChar char=""/>
+              <a:defRPr sz="2000">
+                <a:solidFill>
+                  <a:schemeClr val="tx1"/>
+                </a:solidFill>
+                <a:latin typeface="Arial" panose="020B0604020202020204" pitchFamily="34" charset="0"/>
+              </a:defRPr>
+            </a:lvl9pPr>
+          </a:lstStyle>
+          <a:p>
+            <a:pPr>
+              <a:spcBef>
+                <a:spcPct val="50000"/>
+              </a:spcBef>
+              <a:buClrTx/>
+              <a:buFontTx/>
+              <a:buNone/>
+            </a:pPr>
+            <a:endParaRPr lang="sr-Latn-CS" altLang="en-US" sz="2400">
+              <a:latin typeface="Times New Roman" panose="02020603050405020304" pitchFamily="18" charset="0"/>
+            </a:endParaRPr>
+          </a:p>
+        </p:txBody>
+      </p:sp>
+      <p:sp>
+        <p:nvSpPr>
+          <p:cNvPr id="5123" name="Text Box 3"/>
+          <p:cNvSpPr txBox="1">
+            <a:spLocks noChangeArrowheads="1"/>
+          </p:cNvSpPr>
+          <p:nvPr/>
+        </p:nvSpPr>
+        <p:spPr bwMode="auto">
+          <a:xfrm>
+            <a:off x="685800" y="838200"/>
+            <a:ext cx="7620000" cy="457200"/>
+          </a:xfrm>
+          <a:prstGeom prst="rect">
+            <a:avLst/>
+          </a:prstGeom>
+          <a:noFill/>
+          <a:ln>
+            <a:noFill/>
+          </a:ln>
+          <a:extLst>
+            <a:ext uri="{909E8E84-426E-40DD-AFC4-6F175D3DCCD1}">
+              <a14:hiddenFill xmlns:a14="http://schemas.microsoft.com/office/drawing/2010/main">
+                <a:solidFill>
+                  <a:srgbClr val="FFFFFF"/>
+                </a:solidFill>
+              </a14:hiddenFill>
+            </a:ext>
+            <a:ext uri="{91240B29-F687-4F45-9708-019B960494DF}">
+              <a14:hiddenLine xmlns:a14="http://schemas.microsoft.com/office/drawing/2010/main" w="12700">
+                <a:solidFill>
+                  <a:srgbClr val="000000"/>
+                </a:solidFill>
+                <a:miter lim="800000"/>
+                <a:headEnd/>
+                <a:tailEnd/>
+              </a14:hiddenLine>
+            </a:ext>
+          </a:extLst>
+        </p:spPr>
+        <p:txBody>
+          <a:bodyPr>
+            <a:spAutoFit/>
+          </a:bodyPr>
+          <a:lstStyle>
+            <a:lvl1pPr>
+              <a:spcBef>
+                <a:spcPct val="20000"/>
+              </a:spcBef>
+              <a:buClr>
+                <a:schemeClr val="accent1"/>
+              </a:buClr>
+              <a:buFont typeface="Wingdings" panose="05000000000000000000" pitchFamily="2" charset="2"/>
+              <a:buChar char="l"/>
+              <a:defRPr sz="3200">
+                <a:solidFill>
+                  <a:schemeClr val="tx1"/>
+                </a:solidFill>
+                <a:latin typeface="Arial" panose="020B0604020202020204" pitchFamily="34" charset="0"/>
+              </a:defRPr>
+            </a:lvl1pPr>
+            <a:lvl2pPr marL="742950" indent="-285750">
+              <a:spcBef>
+                <a:spcPct val="20000"/>
+              </a:spcBef>
+              <a:buClr>
+                <a:schemeClr val="accent1"/>
+              </a:buClr>
+              <a:buFont typeface="Wingdings" panose="05000000000000000000" pitchFamily="2" charset="2"/>
+              <a:buChar char="¡"/>
+              <a:defRPr sz="2700">
+                <a:solidFill>
+                  <a:schemeClr val="tx1"/>
+                </a:solidFill>
+                <a:latin typeface="Arial" panose="020B0604020202020204" pitchFamily="34" charset="0"/>
+              </a:defRPr>
+            </a:lvl2pPr>
+            <a:lvl3pPr marL="1143000" indent="-228600">
+              <a:spcBef>
+                <a:spcPct val="20000"/>
+              </a:spcBef>
+              <a:buClr>
+                <a:schemeClr val="accent1"/>
+              </a:buClr>
+              <a:buFont typeface="Wingdings" panose="05000000000000000000" pitchFamily="2" charset="2"/>
+              <a:buChar char="l"/>
+              <a:defRPr sz="2300">
+                <a:solidFill>
+                  <a:schemeClr val="tx1"/>
+                </a:solidFill>
+                <a:latin typeface="Arial" panose="020B0604020202020204" pitchFamily="34" charset="0"/>
+              </a:defRPr>
+            </a:lvl3pPr>
+            <a:lvl4pPr marL="1600200" indent="-228600">
+              <a:spcBef>
+                <a:spcPct val="20000"/>
+              </a:spcBef>
+              <a:buClr>
+                <a:schemeClr val="accent1"/>
+              </a:buClr>
+              <a:buChar char="•"/>
+              <a:defRPr sz="2000">
+                <a:solidFill>
+                  <a:schemeClr val="tx1"/>
+                </a:solidFill>
+                <a:latin typeface="Arial" panose="020B0604020202020204" pitchFamily="34" charset="0"/>
+              </a:defRPr>
+            </a:lvl4pPr>
+            <a:lvl5pPr marL="2057400" indent="-228600">
+              <a:spcBef>
+                <a:spcPct val="20000"/>
+              </a:spcBef>
+              <a:buClr>
+                <a:schemeClr val="accent1"/>
+              </a:buClr>
+              <a:buFont typeface="Wingdings" panose="05000000000000000000" pitchFamily="2" charset="2"/>
+              <a:buChar char=""/>
+              <a:defRPr sz="2000">
+                <a:solidFill>
+                  <a:schemeClr val="tx1"/>
+                </a:solidFill>
+                <a:latin typeface="Arial" panose="020B0604020202020204" pitchFamily="34" charset="0"/>
+              </a:defRPr>
+            </a:lvl5pPr>
+            <a:lvl6pPr marL="2514600" indent="-228600" eaLnBrk="0" fontAlgn="base" hangingPunct="0">
+              <a:spcBef>
+                <a:spcPct val="20000"/>
+              </a:spcBef>
+              <a:spcAft>
+                <a:spcPct val="0"/>
+              </a:spcAft>
+              <a:buClr>
+                <a:schemeClr val="accent1"/>
+              </a:buClr>
+              <a:buFont typeface="Wingdings" panose="05000000000000000000" pitchFamily="2" charset="2"/>
+              <a:buChar char=""/>
+              <a:defRPr sz="2000">
+                <a:solidFill>
+                  <a:schemeClr val="tx1"/>
+                </a:solidFill>
+                <a:latin typeface="Arial" panose="020B0604020202020204" pitchFamily="34" charset="0"/>
+              </a:defRPr>
+            </a:lvl6pPr>
+            <a:lvl7pPr marL="2971800" indent="-228600" eaLnBrk="0" fontAlgn="base" hangingPunct="0">
+              <a:spcBef>
+                <a:spcPct val="20000"/>
+              </a:spcBef>
+              <a:spcAft>
+                <a:spcPct val="0"/>
+              </a:spcAft>
+              <a:buClr>
+                <a:schemeClr val="accent1"/>
+              </a:buClr>
+              <a:buFont typeface="Wingdings" panose="05000000000000000000" pitchFamily="2" charset="2"/>
+              <a:buChar char=""/>
+              <a:defRPr sz="2000">
+                <a:solidFill>
+                  <a:schemeClr val="tx1"/>
+                </a:solidFill>
+                <a:latin typeface="Arial" panose="020B0604020202020204" pitchFamily="34" charset="0"/>
+              </a:defRPr>
+            </a:lvl7pPr>
+            <a:lvl8pPr marL="3429000" indent="-228600" eaLnBrk="0" fontAlgn="base" hangingPunct="0">
+              <a:spcBef>
+                <a:spcPct val="20000"/>
+              </a:spcBef>
+              <a:spcAft>
+                <a:spcPct val="0"/>
+              </a:spcAft>
+              <a:buClr>
+                <a:schemeClr val="accent1"/>
+              </a:buClr>
+              <a:buFont typeface="Wingdings" panose="05000000000000000000" pitchFamily="2" charset="2"/>
+              <a:buChar char=""/>
+              <a:defRPr sz="2000">
+                <a:solidFill>
+                  <a:schemeClr val="tx1"/>
+                </a:solidFill>
+                <a:latin typeface="Arial" panose="020B0604020202020204" pitchFamily="34" charset="0"/>
+              </a:defRPr>
+            </a:lvl8pPr>
+            <a:lvl9pPr marL="3886200" indent="-228600" eaLnBrk="0" fontAlgn="base" hangingPunct="0">
+              <a:spcBef>
+                <a:spcPct val="20000"/>
+              </a:spcBef>
+              <a:spcAft>
+                <a:spcPct val="0"/>
+              </a:spcAft>
+              <a:buClr>
+                <a:schemeClr val="accent1"/>
+              </a:buClr>
+              <a:buFont typeface="Wingdings" panose="05000000000000000000" pitchFamily="2" charset="2"/>
+              <a:buChar char=""/>
+              <a:defRPr sz="2000">
+                <a:solidFill>
+                  <a:schemeClr val="tx1"/>
+                </a:solidFill>
+                <a:latin typeface="Arial" panose="020B0604020202020204" pitchFamily="34" charset="0"/>
+              </a:defRPr>
+            </a:lvl9pPr>
+          </a:lstStyle>
+          <a:p>
+            <a:pPr>
+              <a:spcBef>
+                <a:spcPct val="50000"/>
+              </a:spcBef>
+              <a:buClrTx/>
+              <a:buFontTx/>
+              <a:buNone/>
+            </a:pPr>
+            <a:endParaRPr lang="sr-Latn-CS" altLang="en-US" sz="2400">
+              <a:latin typeface="Times New Roman" panose="02020603050405020304" pitchFamily="18" charset="0"/>
+            </a:endParaRPr>
+          </a:p>
+        </p:txBody>
+      </p:sp>
+      <p:sp>
+        <p:nvSpPr>
+          <p:cNvPr id="18437" name="Rectangle 5"/>
+          <p:cNvSpPr>
+            <a:spLocks noChangeArrowheads="1"/>
+          </p:cNvSpPr>
+          <p:nvPr/>
+        </p:nvSpPr>
+        <p:spPr bwMode="auto">
+          <a:xfrm>
+            <a:off x="655638" y="1429027"/>
+            <a:ext cx="8380412" cy="4970591"/>
+          </a:xfrm>
+          <a:prstGeom prst="rect">
+            <a:avLst/>
+          </a:prstGeom>
+          <a:noFill/>
+          <a:ln>
+            <a:noFill/>
+          </a:ln>
+          <a:extLst>
+            <a:ext uri="{909E8E84-426E-40DD-AFC4-6F175D3DCCD1}">
+              <a14:hiddenFill xmlns:a14="http://schemas.microsoft.com/office/drawing/2010/main">
+                <a:solidFill>
+                  <a:srgbClr val="FFFFFF"/>
+                </a:solidFill>
+              </a14:hiddenFill>
+            </a:ext>
+            <a:ext uri="{91240B29-F687-4F45-9708-019B960494DF}">
+              <a14:hiddenLine xmlns:a14="http://schemas.microsoft.com/office/drawing/2010/main" w="12700">
+                <a:solidFill>
+                  <a:srgbClr val="000000"/>
+                </a:solidFill>
+                <a:miter lim="800000"/>
+                <a:headEnd/>
+                <a:tailEnd/>
+              </a14:hiddenLine>
+            </a:ext>
+          </a:extLst>
+        </p:spPr>
+        <p:txBody>
+          <a:bodyPr>
+            <a:spAutoFit/>
+          </a:bodyPr>
+          <a:lstStyle/>
+          <a:p>
+            <a:pPr marL="342900" indent="-342900">
+              <a:spcAft>
+                <a:spcPts val="600"/>
+              </a:spcAft>
+              <a:buFont typeface="Arial" panose="020B0604020202020204" pitchFamily="34" charset="0"/>
+              <a:buChar char="•"/>
+              <a:defRPr/>
+            </a:pPr>
+            <a:r>
+              <a:rPr lang="sr-Cyrl-RS" dirty="0">
+                <a:solidFill>
+                  <a:schemeClr val="tx1"/>
+                </a:solidFill>
+                <a:latin typeface="Garamond" pitchFamily="18" charset="0"/>
+              </a:rPr>
+              <a:t>Класа</a:t>
+            </a:r>
+            <a:r>
+              <a:rPr lang="en-US" dirty="0">
+                <a:solidFill>
+                  <a:schemeClr val="tx1"/>
+                </a:solidFill>
+                <a:latin typeface="Garamond" pitchFamily="18" charset="0"/>
+              </a:rPr>
+              <a:t> </a:t>
+            </a:r>
+            <a:r>
+              <a:rPr lang="en-US" sz="2000" dirty="0">
+                <a:solidFill>
+                  <a:schemeClr val="tx1"/>
+                </a:solidFill>
+                <a:latin typeface="+mn-lt"/>
+              </a:rPr>
+              <a:t>System</a:t>
+            </a:r>
+            <a:r>
+              <a:rPr lang="sr-Cyrl-RS" dirty="0">
+                <a:solidFill>
+                  <a:schemeClr val="tx1"/>
+                </a:solidFill>
+                <a:latin typeface="Garamond" pitchFamily="18" charset="0"/>
+              </a:rPr>
+              <a:t> садржи више корисних објеката и </a:t>
+            </a:r>
+            <a:r>
+              <a:rPr lang="sr-Cyrl-RS" dirty="0" smtClean="0">
+                <a:solidFill>
+                  <a:schemeClr val="tx1"/>
+                </a:solidFill>
+                <a:latin typeface="Garamond" pitchFamily="18" charset="0"/>
+              </a:rPr>
+              <a:t>метода</a:t>
+            </a:r>
+          </a:p>
+          <a:p>
+            <a:pPr marL="342900" indent="-342900">
+              <a:spcAft>
+                <a:spcPts val="600"/>
+              </a:spcAft>
+              <a:buFont typeface="Arial" panose="020B0604020202020204" pitchFamily="34" charset="0"/>
+              <a:buChar char="•"/>
+              <a:defRPr/>
+            </a:pPr>
+            <a:r>
+              <a:rPr lang="sr-Cyrl-RS" dirty="0" smtClean="0">
+                <a:solidFill>
+                  <a:schemeClr val="tx1"/>
+                </a:solidFill>
+                <a:latin typeface="Garamond" pitchFamily="18" charset="0"/>
+              </a:rPr>
+              <a:t>Ова класа, тј. њена функционалност</a:t>
+            </a:r>
+            <a:r>
+              <a:rPr lang="en-US" dirty="0" smtClean="0">
+                <a:solidFill>
+                  <a:schemeClr val="tx1"/>
+                </a:solidFill>
+                <a:latin typeface="Garamond" pitchFamily="18" charset="0"/>
+              </a:rPr>
+              <a:t> </a:t>
+            </a:r>
+            <a:r>
+              <a:rPr lang="sr-Cyrl-RS" dirty="0" smtClean="0">
+                <a:solidFill>
+                  <a:schemeClr val="tx1"/>
+                </a:solidFill>
+                <a:latin typeface="Garamond" pitchFamily="18" charset="0"/>
+              </a:rPr>
+              <a:t>је </a:t>
+            </a:r>
+            <a:r>
+              <a:rPr lang="sr-Cyrl-RS" dirty="0">
+                <a:solidFill>
+                  <a:schemeClr val="tx1"/>
+                </a:solidFill>
+                <a:latin typeface="Garamond" pitchFamily="18" charset="0"/>
+              </a:rPr>
+              <a:t>одмах на располагању програмеру </a:t>
+            </a:r>
+          </a:p>
+          <a:p>
+            <a:pPr marL="342900" indent="-342900">
+              <a:spcAft>
+                <a:spcPts val="600"/>
+              </a:spcAft>
+              <a:buFont typeface="Arial" panose="020B0604020202020204" pitchFamily="34" charset="0"/>
+              <a:buChar char="•"/>
+              <a:defRPr/>
+            </a:pPr>
+            <a:r>
+              <a:rPr lang="sr-Cyrl-RS" dirty="0">
+                <a:solidFill>
+                  <a:schemeClr val="tx1"/>
+                </a:solidFill>
+                <a:latin typeface="Garamond" pitchFamily="18" charset="0"/>
+              </a:rPr>
+              <a:t>Нема могућности </a:t>
+            </a:r>
+            <a:r>
+              <a:rPr lang="sr-Cyrl-RS" dirty="0" smtClean="0">
+                <a:solidFill>
+                  <a:schemeClr val="tx1"/>
+                </a:solidFill>
+                <a:latin typeface="Garamond" pitchFamily="18" charset="0"/>
+              </a:rPr>
+              <a:t>да се креира примерак </a:t>
+            </a:r>
+            <a:r>
+              <a:rPr lang="sr-Cyrl-RS" dirty="0">
+                <a:solidFill>
+                  <a:schemeClr val="tx1"/>
+                </a:solidFill>
+                <a:latin typeface="Garamond" pitchFamily="18" charset="0"/>
+              </a:rPr>
+              <a:t>ове класе</a:t>
+            </a:r>
+          </a:p>
+          <a:p>
+            <a:pPr marL="342900" indent="-342900">
+              <a:spcAft>
+                <a:spcPts val="600"/>
+              </a:spcAft>
+              <a:buFont typeface="Arial" panose="020B0604020202020204" pitchFamily="34" charset="0"/>
+              <a:buChar char="•"/>
+              <a:defRPr/>
+            </a:pPr>
+            <a:r>
+              <a:rPr lang="sr-Cyrl-RS" dirty="0" smtClean="0">
+                <a:solidFill>
+                  <a:schemeClr val="tx1"/>
+                </a:solidFill>
+                <a:latin typeface="Garamond" pitchFamily="18" charset="0"/>
+              </a:rPr>
+              <a:t>Пун назив ове класе је </a:t>
+            </a:r>
+            <a:r>
+              <a:rPr lang="en-US" sz="2000" dirty="0" err="1" smtClean="0">
+                <a:solidFill>
+                  <a:schemeClr val="tx1"/>
+                </a:solidFill>
+                <a:latin typeface="+mn-lt"/>
+              </a:rPr>
+              <a:t>java.lang.System</a:t>
+            </a:r>
+            <a:r>
+              <a:rPr lang="sr-Cyrl-RS" sz="2000" dirty="0" smtClean="0">
+                <a:solidFill>
+                  <a:schemeClr val="tx1"/>
+                </a:solidFill>
+                <a:latin typeface="Garamond" pitchFamily="18" charset="0"/>
+              </a:rPr>
+              <a:t> </a:t>
+            </a:r>
+          </a:p>
+          <a:p>
+            <a:pPr marL="800100" lvl="1" indent="-342900">
+              <a:spcAft>
+                <a:spcPts val="600"/>
+              </a:spcAft>
+              <a:buFont typeface="Arial" panose="020B0604020202020204" pitchFamily="34" charset="0"/>
+              <a:buChar char="•"/>
+              <a:defRPr/>
+            </a:pPr>
+            <a:r>
+              <a:rPr lang="sr-Cyrl-RS" dirty="0" smtClean="0">
+                <a:solidFill>
+                  <a:schemeClr val="tx1"/>
+                </a:solidFill>
+                <a:latin typeface="Garamond" pitchFamily="18" charset="0"/>
+              </a:rPr>
+              <a:t>она</a:t>
+            </a:r>
+            <a:r>
+              <a:rPr lang="sr-Cyrl-RS" sz="2800" dirty="0" smtClean="0">
+                <a:solidFill>
+                  <a:schemeClr val="tx1"/>
+                </a:solidFill>
+                <a:latin typeface="Garamond" pitchFamily="18" charset="0"/>
+              </a:rPr>
+              <a:t> </a:t>
+            </a:r>
+            <a:r>
+              <a:rPr lang="sr-Cyrl-RS" dirty="0" smtClean="0">
+                <a:solidFill>
+                  <a:schemeClr val="tx1"/>
+                </a:solidFill>
+                <a:latin typeface="Garamond" pitchFamily="18" charset="0"/>
+              </a:rPr>
+              <a:t>се налази у пакету </a:t>
+            </a:r>
+            <a:r>
+              <a:rPr lang="en-US" sz="2000" dirty="0" err="1" smtClean="0">
+                <a:solidFill>
+                  <a:schemeClr val="tx1"/>
+                </a:solidFill>
+                <a:latin typeface="+mn-lt"/>
+              </a:rPr>
+              <a:t>lang</a:t>
+            </a:r>
+            <a:r>
+              <a:rPr lang="sr-Cyrl-RS" dirty="0" smtClean="0">
+                <a:solidFill>
+                  <a:schemeClr val="tx1"/>
+                </a:solidFill>
+                <a:latin typeface="Garamond" pitchFamily="18" charset="0"/>
+              </a:rPr>
+              <a:t> унутар пакета </a:t>
+            </a:r>
+            <a:r>
+              <a:rPr lang="en-US" sz="2000" dirty="0">
+                <a:solidFill>
+                  <a:schemeClr val="tx1"/>
+                </a:solidFill>
+                <a:latin typeface="+mn-lt"/>
+              </a:rPr>
+              <a:t>java</a:t>
+            </a:r>
+            <a:r>
+              <a:rPr lang="sr-Cyrl-RS" dirty="0" smtClean="0">
+                <a:solidFill>
+                  <a:schemeClr val="tx1"/>
+                </a:solidFill>
+                <a:latin typeface="Garamond" pitchFamily="18" charset="0"/>
+              </a:rPr>
+              <a:t> и на њу се може реферисати коришћењем пуног имена тј. помоћу </a:t>
+            </a:r>
+            <a:r>
+              <a:rPr lang="en-US" sz="2000" dirty="0" err="1">
+                <a:solidFill>
+                  <a:schemeClr val="tx1"/>
+                </a:solidFill>
+                <a:latin typeface="+mn-lt"/>
+              </a:rPr>
+              <a:t>java.lang.System</a:t>
+            </a:r>
+            <a:r>
+              <a:rPr lang="sr-Cyrl-RS" dirty="0" smtClean="0">
+                <a:solidFill>
+                  <a:schemeClr val="tx1"/>
+                </a:solidFill>
+                <a:latin typeface="Garamond" pitchFamily="18" charset="0"/>
+              </a:rPr>
+              <a:t>  </a:t>
+            </a:r>
+          </a:p>
+          <a:p>
+            <a:pPr marL="800100" lvl="1" indent="-342900">
+              <a:spcAft>
+                <a:spcPts val="600"/>
+              </a:spcAft>
+              <a:buFont typeface="Arial" panose="020B0604020202020204" pitchFamily="34" charset="0"/>
+              <a:buChar char="•"/>
+              <a:defRPr/>
+            </a:pPr>
+            <a:r>
+              <a:rPr lang="sr-Cyrl-RS" dirty="0">
+                <a:solidFill>
+                  <a:schemeClr val="tx1"/>
+                </a:solidFill>
+                <a:latin typeface="Garamond" pitchFamily="18" charset="0"/>
+              </a:rPr>
+              <a:t>м</a:t>
+            </a:r>
+            <a:r>
+              <a:rPr lang="sr-Cyrl-RS" dirty="0" smtClean="0">
+                <a:solidFill>
+                  <a:schemeClr val="tx1"/>
+                </a:solidFill>
+                <a:latin typeface="Garamond" pitchFamily="18" charset="0"/>
+              </a:rPr>
+              <a:t>еђутим, за њу, као и за остале класе из пакета </a:t>
+            </a:r>
+            <a:r>
+              <a:rPr lang="en-US" sz="2000" dirty="0" err="1">
+                <a:solidFill>
+                  <a:schemeClr val="tx1"/>
+                </a:solidFill>
+                <a:latin typeface="+mn-lt"/>
+              </a:rPr>
+              <a:t>java.lang</a:t>
+            </a:r>
+            <a:r>
+              <a:rPr lang="sr-Cyrl-RS" dirty="0" smtClean="0">
+                <a:solidFill>
+                  <a:schemeClr val="tx1"/>
+                </a:solidFill>
+                <a:latin typeface="Garamond" pitchFamily="18" charset="0"/>
+              </a:rPr>
+              <a:t> (и само за њих) важи да не мора да се користи пуно име, већ може да се реферише на класу коришћењем скраћеног назив класе тј. помоћу </a:t>
+            </a:r>
+            <a:r>
+              <a:rPr lang="en-US" sz="2000" dirty="0" smtClean="0">
+                <a:solidFill>
+                  <a:schemeClr val="tx1"/>
+                </a:solidFill>
+                <a:latin typeface="+mn-lt"/>
+              </a:rPr>
+              <a:t>System</a:t>
+            </a:r>
+            <a:r>
+              <a:rPr lang="sr-Cyrl-RS" dirty="0" smtClean="0">
+                <a:solidFill>
+                  <a:schemeClr val="tx1"/>
+                </a:solidFill>
+                <a:latin typeface="Garamond" pitchFamily="18" charset="0"/>
+              </a:rPr>
+              <a:t>.   </a:t>
+            </a:r>
+            <a:endParaRPr lang="sr-Cyrl-RS" dirty="0">
+              <a:solidFill>
+                <a:schemeClr val="tx1"/>
+              </a:solidFill>
+              <a:latin typeface="Garamond" pitchFamily="18" charset="0"/>
+            </a:endParaRPr>
+          </a:p>
+        </p:txBody>
+      </p:sp>
+      <p:sp>
+        <p:nvSpPr>
+          <p:cNvPr id="6" name="Title 1"/>
+          <p:cNvSpPr txBox="1">
+            <a:spLocks/>
+          </p:cNvSpPr>
+          <p:nvPr/>
+        </p:nvSpPr>
+        <p:spPr>
+          <a:xfrm>
+            <a:off x="1403350" y="538163"/>
+            <a:ext cx="7751763" cy="868362"/>
+          </a:xfrm>
+          <a:prstGeom prst="rect">
+            <a:avLst/>
+          </a:prstGeom>
+        </p:spPr>
+        <p:txBody>
+          <a:bodyPr/>
+          <a:lstStyle>
+            <a:lvl1pPr algn="l" rtl="0" eaLnBrk="0" fontAlgn="base" hangingPunct="0">
+              <a:spcBef>
+                <a:spcPct val="0"/>
+              </a:spcBef>
+              <a:spcAft>
+                <a:spcPct val="0"/>
+              </a:spcAft>
+              <a:defRPr sz="3800">
+                <a:solidFill>
+                  <a:schemeClr val="tx2"/>
+                </a:solidFill>
+                <a:latin typeface="+mj-lt"/>
+                <a:ea typeface="+mj-ea"/>
+                <a:cs typeface="+mj-cs"/>
+              </a:defRPr>
+            </a:lvl1pPr>
+            <a:lvl2pPr algn="l" rtl="0" eaLnBrk="0" fontAlgn="base" hangingPunct="0">
+              <a:spcBef>
+                <a:spcPct val="0"/>
+              </a:spcBef>
+              <a:spcAft>
+                <a:spcPct val="0"/>
+              </a:spcAft>
+              <a:defRPr sz="3800">
+                <a:solidFill>
+                  <a:schemeClr val="tx2"/>
+                </a:solidFill>
+                <a:latin typeface="Arial" charset="0"/>
+              </a:defRPr>
+            </a:lvl2pPr>
+            <a:lvl3pPr algn="l" rtl="0" eaLnBrk="0" fontAlgn="base" hangingPunct="0">
+              <a:spcBef>
+                <a:spcPct val="0"/>
+              </a:spcBef>
+              <a:spcAft>
+                <a:spcPct val="0"/>
+              </a:spcAft>
+              <a:defRPr sz="3800">
+                <a:solidFill>
+                  <a:schemeClr val="tx2"/>
+                </a:solidFill>
+                <a:latin typeface="Arial" charset="0"/>
+              </a:defRPr>
+            </a:lvl3pPr>
+            <a:lvl4pPr algn="l" rtl="0" eaLnBrk="0" fontAlgn="base" hangingPunct="0">
+              <a:spcBef>
+                <a:spcPct val="0"/>
+              </a:spcBef>
+              <a:spcAft>
+                <a:spcPct val="0"/>
+              </a:spcAft>
+              <a:defRPr sz="3800">
+                <a:solidFill>
+                  <a:schemeClr val="tx2"/>
+                </a:solidFill>
+                <a:latin typeface="Arial" charset="0"/>
+              </a:defRPr>
+            </a:lvl4pPr>
+            <a:lvl5pPr algn="l" rtl="0" eaLnBrk="0" fontAlgn="base" hangingPunct="0">
+              <a:spcBef>
+                <a:spcPct val="0"/>
+              </a:spcBef>
+              <a:spcAft>
+                <a:spcPct val="0"/>
+              </a:spcAft>
+              <a:defRPr sz="3800">
+                <a:solidFill>
+                  <a:schemeClr val="tx2"/>
+                </a:solidFill>
+                <a:latin typeface="Arial" charset="0"/>
+              </a:defRPr>
+            </a:lvl5pPr>
+            <a:lvl6pPr marL="457200" algn="l" rtl="0" fontAlgn="base">
+              <a:spcBef>
+                <a:spcPct val="0"/>
+              </a:spcBef>
+              <a:spcAft>
+                <a:spcPct val="0"/>
+              </a:spcAft>
+              <a:defRPr sz="3800">
+                <a:solidFill>
+                  <a:schemeClr val="tx2"/>
+                </a:solidFill>
+                <a:latin typeface="Arial" charset="0"/>
+              </a:defRPr>
+            </a:lvl6pPr>
+            <a:lvl7pPr marL="914400" algn="l" rtl="0" fontAlgn="base">
+              <a:spcBef>
+                <a:spcPct val="0"/>
+              </a:spcBef>
+              <a:spcAft>
+                <a:spcPct val="0"/>
+              </a:spcAft>
+              <a:defRPr sz="3800">
+                <a:solidFill>
+                  <a:schemeClr val="tx2"/>
+                </a:solidFill>
+                <a:latin typeface="Arial" charset="0"/>
+              </a:defRPr>
+            </a:lvl7pPr>
+            <a:lvl8pPr marL="1371600" algn="l" rtl="0" fontAlgn="base">
+              <a:spcBef>
+                <a:spcPct val="0"/>
+              </a:spcBef>
+              <a:spcAft>
+                <a:spcPct val="0"/>
+              </a:spcAft>
+              <a:defRPr sz="3800">
+                <a:solidFill>
+                  <a:schemeClr val="tx2"/>
+                </a:solidFill>
+                <a:latin typeface="Arial" charset="0"/>
+              </a:defRPr>
+            </a:lvl8pPr>
+            <a:lvl9pPr marL="1828800" algn="l" rtl="0" fontAlgn="base">
+              <a:spcBef>
+                <a:spcPct val="0"/>
+              </a:spcBef>
+              <a:spcAft>
+                <a:spcPct val="0"/>
+              </a:spcAft>
+              <a:defRPr sz="3800">
+                <a:solidFill>
+                  <a:schemeClr val="tx2"/>
+                </a:solidFill>
+                <a:latin typeface="Arial" charset="0"/>
+              </a:defRPr>
+            </a:lvl9pPr>
+          </a:lstStyle>
+          <a:p>
+            <a:pPr>
+              <a:defRPr/>
+            </a:pPr>
+            <a:r>
+              <a:rPr lang="sr-Cyrl-RS" sz="3600" b="1" kern="0" dirty="0" smtClean="0">
+                <a:solidFill>
+                  <a:srgbClr val="0070C0"/>
+                </a:solidFill>
+              </a:rPr>
+              <a:t>Класа </a:t>
+            </a:r>
+            <a:r>
+              <a:rPr lang="en-US" sz="3600" b="1" kern="0" dirty="0" smtClean="0">
+                <a:solidFill>
+                  <a:srgbClr val="0070C0"/>
+                </a:solidFill>
+              </a:rPr>
+              <a:t>System</a:t>
+            </a:r>
+            <a:r>
+              <a:rPr lang="sr-Cyrl-RS" sz="3600" b="1" kern="0" dirty="0" smtClean="0">
+                <a:solidFill>
+                  <a:srgbClr val="0070C0"/>
+                </a:solidFill>
+              </a:rPr>
+              <a:t> </a:t>
+            </a:r>
+            <a:endParaRPr lang="en-US" sz="3600" b="1" kern="0" dirty="0" smtClean="0">
+              <a:solidFill>
+                <a:srgbClr val="0070C0"/>
+              </a:solidFill>
+            </a:endParaRPr>
+          </a:p>
+        </p:txBody>
+      </p:sp>
+    </p:spTree>
+    <p:extLst>
+      <p:ext uri="{BB962C8B-B14F-4D97-AF65-F5344CB8AC3E}">
+        <p14:creationId xmlns:p14="http://schemas.microsoft.com/office/powerpoint/2010/main" val="4273811767"/>
+      </p:ext>
+    </p:extLst>
+  </p:cSld>
+  <p:clrMapOvr>
+    <a:masterClrMapping/>
+  </p:clrMapOvr>
+  <p:timing>
+    <p:tnLst>
+      <p:par>
+        <p:cTn id="1" dur="indefinite" restart="never" nodeType="tmRoot">
+          <p:childTnLst>
+            <p:seq concurrent="1" nextAc="seek">
+              <p:cTn id="2" dur="indefinite" nodeType="mainSeq">
+                <p:childTnLst>
+                  <p:par>
+                    <p:cTn id="3" fill="hold">
+                      <p:stCondLst>
+                        <p:cond delay="indefinite"/>
+                      </p:stCondLst>
+                      <p:childTnLst>
+                        <p:par>
+                          <p:cTn id="4" fill="hold">
+                            <p:stCondLst>
+                              <p:cond delay="0"/>
+                            </p:stCondLst>
+                            <p:childTnLst>
+                              <p:par>
+                                <p:cTn id="5" presetID="10" presetClass="entr" presetSubtype="0" fill="hold" nodeType="clickEffect">
+                                  <p:stCondLst>
+                                    <p:cond delay="0"/>
+                                  </p:stCondLst>
+                                  <p:childTnLst>
+                                    <p:set>
+                                      <p:cBhvr>
+                                        <p:cTn id="6" dur="1" fill="hold">
+                                          <p:stCondLst>
+                                            <p:cond delay="0"/>
+                                          </p:stCondLst>
+                                        </p:cTn>
+                                        <p:tgtEl>
+                                          <p:spTgt spid="18437">
+                                            <p:txEl>
+                                              <p:pRg st="0" end="0"/>
+                                            </p:txEl>
+                                          </p:spTgt>
+                                        </p:tgtEl>
+                                        <p:attrNameLst>
+                                          <p:attrName>style.visibility</p:attrName>
+                                        </p:attrNameLst>
+                                      </p:cBhvr>
+                                      <p:to>
+                                        <p:strVal val="visible"/>
+                                      </p:to>
+                                    </p:set>
+                                    <p:animEffect transition="in" filter="fade">
+                                      <p:cBhvr>
+                                        <p:cTn id="7" dur="500"/>
+                                        <p:tgtEl>
+                                          <p:spTgt spid="18437">
+                                            <p:txEl>
+                                              <p:pRg st="0" end="0"/>
+                                            </p:txEl>
+                                          </p:spTgt>
+                                        </p:tgtEl>
+                                      </p:cBhvr>
+                                    </p:animEffect>
+                                  </p:childTnLst>
+                                </p:cTn>
+                              </p:par>
+                            </p:childTnLst>
+                          </p:cTn>
+                        </p:par>
+                      </p:childTnLst>
+                    </p:cTn>
+                  </p:par>
+                  <p:par>
+                    <p:cTn id="8" fill="hold">
+                      <p:stCondLst>
+                        <p:cond delay="indefinite"/>
+                      </p:stCondLst>
+                      <p:childTnLst>
+                        <p:par>
+                          <p:cTn id="9" fill="hold">
+                            <p:stCondLst>
+                              <p:cond delay="0"/>
+                            </p:stCondLst>
+                            <p:childTnLst>
+                              <p:par>
+                                <p:cTn id="10" presetID="10" presetClass="entr" presetSubtype="0" fill="hold" nodeType="clickEffect">
+                                  <p:stCondLst>
+                                    <p:cond delay="0"/>
+                                  </p:stCondLst>
+                                  <p:childTnLst>
+                                    <p:set>
+                                      <p:cBhvr>
+                                        <p:cTn id="11" dur="1" fill="hold">
+                                          <p:stCondLst>
+                                            <p:cond delay="0"/>
+                                          </p:stCondLst>
+                                        </p:cTn>
+                                        <p:tgtEl>
+                                          <p:spTgt spid="18437">
+                                            <p:txEl>
+                                              <p:pRg st="1" end="1"/>
+                                            </p:txEl>
+                                          </p:spTgt>
+                                        </p:tgtEl>
+                                        <p:attrNameLst>
+                                          <p:attrName>style.visibility</p:attrName>
+                                        </p:attrNameLst>
+                                      </p:cBhvr>
+                                      <p:to>
+                                        <p:strVal val="visible"/>
+                                      </p:to>
+                                    </p:set>
+                                    <p:animEffect transition="in" filter="fade">
+                                      <p:cBhvr>
+                                        <p:cTn id="12" dur="500"/>
+                                        <p:tgtEl>
+                                          <p:spTgt spid="18437">
+                                            <p:txEl>
+                                              <p:pRg st="1" end="1"/>
+                                            </p:txEl>
+                                          </p:spTgt>
+                                        </p:tgtEl>
+                                      </p:cBhvr>
+                                    </p:animEffect>
+                                  </p:childTnLst>
+                                </p:cTn>
+                              </p:par>
+                            </p:childTnLst>
+                          </p:cTn>
+                        </p:par>
+                      </p:childTnLst>
+                    </p:cTn>
+                  </p:par>
+                  <p:par>
+                    <p:cTn id="13" fill="hold">
+                      <p:stCondLst>
+                        <p:cond delay="indefinite"/>
+                      </p:stCondLst>
+                      <p:childTnLst>
+                        <p:par>
+                          <p:cTn id="14" fill="hold">
+                            <p:stCondLst>
+                              <p:cond delay="0"/>
+                            </p:stCondLst>
+                            <p:childTnLst>
+                              <p:par>
+                                <p:cTn id="15" presetID="10" presetClass="entr" presetSubtype="0" fill="hold" nodeType="clickEffect">
+                                  <p:stCondLst>
+                                    <p:cond delay="0"/>
+                                  </p:stCondLst>
+                                  <p:childTnLst>
+                                    <p:set>
+                                      <p:cBhvr>
+                                        <p:cTn id="16" dur="1" fill="hold">
+                                          <p:stCondLst>
+                                            <p:cond delay="0"/>
+                                          </p:stCondLst>
+                                        </p:cTn>
+                                        <p:tgtEl>
+                                          <p:spTgt spid="18437">
+                                            <p:txEl>
+                                              <p:pRg st="2" end="2"/>
+                                            </p:txEl>
+                                          </p:spTgt>
+                                        </p:tgtEl>
+                                        <p:attrNameLst>
+                                          <p:attrName>style.visibility</p:attrName>
+                                        </p:attrNameLst>
+                                      </p:cBhvr>
+                                      <p:to>
+                                        <p:strVal val="visible"/>
+                                      </p:to>
+                                    </p:set>
+                                    <p:animEffect transition="in" filter="fade">
+                                      <p:cBhvr>
+                                        <p:cTn id="17" dur="500"/>
+                                        <p:tgtEl>
+                                          <p:spTgt spid="18437">
+                                            <p:txEl>
+                                              <p:pRg st="2" end="2"/>
+                                            </p:txEl>
+                                          </p:spTgt>
+                                        </p:tgtEl>
+                                      </p:cBhvr>
+                                    </p:animEffect>
+                                  </p:childTnLst>
+                                </p:cTn>
+                              </p:par>
+                              <p:par>
+                                <p:cTn id="18" presetID="10" presetClass="entr" presetSubtype="0" fill="hold" nodeType="withEffect">
+                                  <p:stCondLst>
+                                    <p:cond delay="0"/>
+                                  </p:stCondLst>
+                                  <p:childTnLst>
+                                    <p:set>
+                                      <p:cBhvr>
+                                        <p:cTn id="19" dur="1" fill="hold">
+                                          <p:stCondLst>
+                                            <p:cond delay="0"/>
+                                          </p:stCondLst>
+                                        </p:cTn>
+                                        <p:tgtEl>
+                                          <p:spTgt spid="18437">
+                                            <p:txEl>
+                                              <p:pRg st="3" end="3"/>
+                                            </p:txEl>
+                                          </p:spTgt>
+                                        </p:tgtEl>
+                                        <p:attrNameLst>
+                                          <p:attrName>style.visibility</p:attrName>
+                                        </p:attrNameLst>
+                                      </p:cBhvr>
+                                      <p:to>
+                                        <p:strVal val="visible"/>
+                                      </p:to>
+                                    </p:set>
+                                    <p:animEffect transition="in" filter="fade">
+                                      <p:cBhvr>
+                                        <p:cTn id="20" dur="500"/>
+                                        <p:tgtEl>
+                                          <p:spTgt spid="18437">
+                                            <p:txEl>
+                                              <p:pRg st="3" end="3"/>
+                                            </p:txEl>
+                                          </p:spTgt>
+                                        </p:tgtEl>
+                                      </p:cBhvr>
+                                    </p:animEffect>
+                                  </p:childTnLst>
+                                </p:cTn>
+                              </p:par>
+                              <p:par>
+                                <p:cTn id="21" presetID="10" presetClass="entr" presetSubtype="0" fill="hold" nodeType="withEffect">
+                                  <p:stCondLst>
+                                    <p:cond delay="0"/>
+                                  </p:stCondLst>
+                                  <p:childTnLst>
+                                    <p:set>
+                                      <p:cBhvr>
+                                        <p:cTn id="22" dur="1" fill="hold">
+                                          <p:stCondLst>
+                                            <p:cond delay="0"/>
+                                          </p:stCondLst>
+                                        </p:cTn>
+                                        <p:tgtEl>
+                                          <p:spTgt spid="18437">
+                                            <p:txEl>
+                                              <p:pRg st="4" end="4"/>
+                                            </p:txEl>
+                                          </p:spTgt>
+                                        </p:tgtEl>
+                                        <p:attrNameLst>
+                                          <p:attrName>style.visibility</p:attrName>
+                                        </p:attrNameLst>
+                                      </p:cBhvr>
+                                      <p:to>
+                                        <p:strVal val="visible"/>
+                                      </p:to>
+                                    </p:set>
+                                    <p:animEffect transition="in" filter="fade">
+                                      <p:cBhvr>
+                                        <p:cTn id="23" dur="500"/>
+                                        <p:tgtEl>
+                                          <p:spTgt spid="18437">
+                                            <p:txEl>
+                                              <p:pRg st="4" end="4"/>
+                                            </p:txEl>
+                                          </p:spTgt>
+                                        </p:tgtEl>
+                                      </p:cBhvr>
+                                    </p:animEffect>
+                                  </p:childTnLst>
+                                </p:cTn>
+                              </p:par>
+                            </p:childTnLst>
+                          </p:cTn>
+                        </p:par>
+                      </p:childTnLst>
+                    </p:cTn>
+                  </p:par>
+                  <p:par>
+                    <p:cTn id="24" fill="hold">
+                      <p:stCondLst>
+                        <p:cond delay="indefinite"/>
+                      </p:stCondLst>
+                      <p:childTnLst>
+                        <p:par>
+                          <p:cTn id="25" fill="hold">
+                            <p:stCondLst>
+                              <p:cond delay="0"/>
+                            </p:stCondLst>
+                            <p:childTnLst>
+                              <p:par>
+                                <p:cTn id="26" presetID="10" presetClass="entr" presetSubtype="0" fill="hold" nodeType="clickEffect">
+                                  <p:stCondLst>
+                                    <p:cond delay="0"/>
+                                  </p:stCondLst>
+                                  <p:childTnLst>
+                                    <p:set>
+                                      <p:cBhvr>
+                                        <p:cTn id="27" dur="1" fill="hold">
+                                          <p:stCondLst>
+                                            <p:cond delay="0"/>
+                                          </p:stCondLst>
+                                        </p:cTn>
+                                        <p:tgtEl>
+                                          <p:spTgt spid="18437">
+                                            <p:txEl>
+                                              <p:pRg st="5" end="5"/>
+                                            </p:txEl>
+                                          </p:spTgt>
+                                        </p:tgtEl>
+                                        <p:attrNameLst>
+                                          <p:attrName>style.visibility</p:attrName>
+                                        </p:attrNameLst>
+                                      </p:cBhvr>
+                                      <p:to>
+                                        <p:strVal val="visible"/>
+                                      </p:to>
+                                    </p:set>
+                                    <p:animEffect transition="in" filter="fade">
+                                      <p:cBhvr>
+                                        <p:cTn id="28" dur="500"/>
+                                        <p:tgtEl>
+                                          <p:spTgt spid="18437">
+                                            <p:txEl>
+                                              <p:pRg st="5" end="5"/>
+                                            </p:txEl>
+                                          </p:spTgt>
+                                        </p:tgtEl>
+                                      </p:cBhvr>
+                                    </p:animEffect>
+                                  </p:childTnLst>
+                                </p:cTn>
+                              </p:par>
+                            </p:childTnLst>
+                          </p:cTn>
+                        </p:par>
+                      </p:childTnLst>
+                    </p:cTn>
+                  </p:par>
+                </p:childTnLst>
+              </p:cTn>
+              <p:prevCondLst>
+                <p:cond evt="onPrev" delay="0">
+                  <p:tgtEl>
+                    <p:sldTgt/>
+                  </p:tgtEl>
+                </p:cond>
+              </p:prevCondLst>
+              <p:nextCondLst>
+                <p:cond evt="onNext" delay="0">
+                  <p:tgtEl>
+                    <p:sldTgt/>
+                  </p:tgtEl>
+                </p:cond>
+              </p:nextCondLst>
+            </p:seq>
+          </p:childTnLst>
+        </p:cTn>
+      </p:par>
+    </p:tnLst>
+  </p:timing>
+</p:sld>
+</file>
+
+<file path=ppt/slides/slide11.xml><?xml version="1.0" encoding="utf-8"?>
 <p:sld xmlns:a="http://schemas.openxmlformats.org/drawingml/2006/main" xmlns:r="http://schemas.openxmlformats.org/officeDocument/2006/relationships" xmlns:p="http://schemas.openxmlformats.org/presentationml/2006/main">
   <p:cSld>
     <p:spTree>
@@ -5511,7 +6903,7 @@
 </p:sld>
 </file>
 
-<file path=ppt/slides/slide11.xml><?xml version="1.0" encoding="utf-8"?>
+<file path=ppt/slides/slide12.xml><?xml version="1.0" encoding="utf-8"?>
 <p:sld xmlns:a="http://schemas.openxmlformats.org/drawingml/2006/main" xmlns:r="http://schemas.openxmlformats.org/officeDocument/2006/relationships" xmlns:p="http://schemas.openxmlformats.org/presentationml/2006/main">
   <p:cSld>
     <p:spTree>
@@ -6671,7 +8063,7 @@
 </p:sld>
 </file>
 
-<file path=ppt/slides/slide12.xml><?xml version="1.0" encoding="utf-8"?>
+<file path=ppt/slides/slide13.xml><?xml version="1.0" encoding="utf-8"?>
 <p:sld xmlns:a="http://schemas.openxmlformats.org/drawingml/2006/main" xmlns:r="http://schemas.openxmlformats.org/officeDocument/2006/relationships" xmlns:p="http://schemas.openxmlformats.org/presentationml/2006/main">
   <p:cSld>
     <p:spTree>
@@ -7977,7 +9369,7 @@
 </p:sld>
 </file>
 
-<file path=ppt/slides/slide13.xml><?xml version="1.0" encoding="utf-8"?>
+<file path=ppt/slides/slide14.xml><?xml version="1.0" encoding="utf-8"?>
 <p:sld xmlns:a="http://schemas.openxmlformats.org/drawingml/2006/main" xmlns:r="http://schemas.openxmlformats.org/officeDocument/2006/relationships" xmlns:p="http://schemas.openxmlformats.org/presentationml/2006/main">
   <p:cSld>
     <p:spTree>
@@ -9256,7 +10648,420 @@
 </p:sld>
 </file>
 
-<file path=ppt/slides/slide14.xml><?xml version="1.0" encoding="utf-8"?>
+<file path=ppt/slides/slide15.xml><?xml version="1.0" encoding="utf-8"?>
+<p:sld xmlns:a="http://schemas.openxmlformats.org/drawingml/2006/main" xmlns:r="http://schemas.openxmlformats.org/officeDocument/2006/relationships" xmlns:p="http://schemas.openxmlformats.org/presentationml/2006/main">
+  <p:cSld>
+    <p:spTree>
+      <p:nvGrpSpPr>
+        <p:cNvPr id="1" name=""/>
+        <p:cNvGrpSpPr/>
+        <p:nvPr/>
+      </p:nvGrpSpPr>
+      <p:grpSpPr>
+        <a:xfrm>
+          <a:off x="0" y="0"/>
+          <a:ext cx="0" cy="0"/>
+          <a:chOff x="0" y="0"/>
+          <a:chExt cx="0" cy="0"/>
+        </a:xfrm>
+      </p:grpSpPr>
+      <p:sp>
+        <p:nvSpPr>
+          <p:cNvPr id="4098" name="Rectangle 2"/>
+          <p:cNvSpPr>
+            <a:spLocks noGrp="1" noChangeArrowheads="1"/>
+          </p:cNvSpPr>
+          <p:nvPr>
+            <p:ph type="ctrTitle"/>
+          </p:nvPr>
+        </p:nvSpPr>
+        <p:spPr>
+          <a:xfrm>
+            <a:off x="395288" y="1628775"/>
+            <a:ext cx="8569325" cy="1144588"/>
+          </a:xfrm>
+        </p:spPr>
+        <p:txBody>
+          <a:bodyPr/>
+          <a:lstStyle/>
+          <a:p>
+            <a:pPr eaLnBrk="1" hangingPunct="1"/>
+            <a:r>
+              <a:rPr lang="sr-Cyrl-RS" altLang="en-US" sz="5400" dirty="0" smtClean="0">
+                <a:solidFill>
+                  <a:srgbClr val="3366FF"/>
+                </a:solidFill>
+              </a:rPr>
+              <a:t>Предефинисани </a:t>
+            </a:r>
+            <a:r>
+              <a:rPr lang="en-US" altLang="en-US" sz="5400" dirty="0" smtClean="0">
+                <a:solidFill>
+                  <a:srgbClr val="3366FF"/>
+                </a:solidFill>
+              </a:rPr>
+              <a:t/>
+            </a:r>
+            <a:br>
+              <a:rPr lang="en-US" altLang="en-US" sz="5400" dirty="0" smtClean="0">
+                <a:solidFill>
+                  <a:srgbClr val="3366FF"/>
+                </a:solidFill>
+              </a:rPr>
+            </a:br>
+            <a:r>
+              <a:rPr lang="sr-Cyrl-RS" altLang="en-US" sz="5400" dirty="0" smtClean="0">
+                <a:solidFill>
+                  <a:srgbClr val="3366FF"/>
+                </a:solidFill>
+              </a:rPr>
+              <a:t>типови и објекти </a:t>
+            </a:r>
+            <a:br>
+              <a:rPr lang="sr-Cyrl-RS" altLang="en-US" sz="5400" dirty="0" smtClean="0">
+                <a:solidFill>
+                  <a:srgbClr val="3366FF"/>
+                </a:solidFill>
+              </a:rPr>
+            </a:br>
+            <a:r>
+              <a:rPr lang="sr-Cyrl-RS" altLang="en-US" sz="5400" dirty="0" smtClean="0">
+                <a:solidFill>
+                  <a:srgbClr val="3366FF"/>
+                </a:solidFill>
+              </a:rPr>
+              <a:t>у програмском језику Јава</a:t>
+            </a:r>
+            <a:endParaRPr lang="sr-Latn-CS" altLang="en-US" sz="5400" dirty="0" smtClean="0">
+              <a:solidFill>
+                <a:srgbClr val="3366FF"/>
+              </a:solidFill>
+            </a:endParaRPr>
+          </a:p>
+        </p:txBody>
+      </p:sp>
+      <p:sp>
+        <p:nvSpPr>
+          <p:cNvPr id="5" name="Rectangle 3"/>
+          <p:cNvSpPr txBox="1">
+            <a:spLocks noChangeArrowheads="1"/>
+          </p:cNvSpPr>
+          <p:nvPr/>
+        </p:nvSpPr>
+        <p:spPr bwMode="auto">
+          <a:xfrm>
+            <a:off x="3563888" y="3356992"/>
+            <a:ext cx="5110162" cy="1752600"/>
+          </a:xfrm>
+          <a:prstGeom prst="rect">
+            <a:avLst/>
+          </a:prstGeom>
+          <a:noFill/>
+          <a:ln>
+            <a:noFill/>
+          </a:ln>
+          <a:extLst>
+            <a:ext uri="{909E8E84-426E-40DD-AFC4-6F175D3DCCD1}">
+              <a14:hiddenFill xmlns:a14="http://schemas.microsoft.com/office/drawing/2010/main">
+                <a:solidFill>
+                  <a:srgbClr val="FFFFFF"/>
+                </a:solidFill>
+              </a14:hiddenFill>
+            </a:ext>
+            <a:ext uri="{91240B29-F687-4F45-9708-019B960494DF}">
+              <a14:hiddenLine xmlns:a14="http://schemas.microsoft.com/office/drawing/2010/main" w="9525">
+                <a:solidFill>
+                  <a:srgbClr val="000000"/>
+                </a:solidFill>
+                <a:miter lim="800000"/>
+                <a:headEnd/>
+                <a:tailEnd/>
+              </a14:hiddenLine>
+            </a:ext>
+          </a:extLst>
+        </p:spPr>
+        <p:txBody>
+          <a:bodyPr vert="horz" wrap="square" lIns="91440" tIns="45720" rIns="91440" bIns="45720" numCol="1" anchor="t" anchorCtr="0" compatLnSpc="1">
+            <a:prstTxWarp prst="textNoShape">
+              <a:avLst/>
+            </a:prstTxWarp>
+          </a:bodyPr>
+          <a:lstStyle>
+            <a:lvl1pPr marL="0" indent="0" algn="r" rtl="0" eaLnBrk="0" fontAlgn="base" hangingPunct="0">
+              <a:spcBef>
+                <a:spcPct val="20000"/>
+              </a:spcBef>
+              <a:spcAft>
+                <a:spcPct val="0"/>
+              </a:spcAft>
+              <a:buClr>
+                <a:schemeClr val="accent1"/>
+              </a:buClr>
+              <a:buFont typeface="Wingdings" panose="05000000000000000000" pitchFamily="2" charset="2"/>
+              <a:buNone/>
+              <a:defRPr sz="3200">
+                <a:solidFill>
+                  <a:schemeClr val="tx1"/>
+                </a:solidFill>
+                <a:latin typeface="+mn-lt"/>
+                <a:ea typeface="+mn-ea"/>
+                <a:cs typeface="+mn-cs"/>
+              </a:defRPr>
+            </a:lvl1pPr>
+            <a:lvl2pPr marL="742950" indent="-285750" algn="l" rtl="0" eaLnBrk="0" fontAlgn="base" hangingPunct="0">
+              <a:spcBef>
+                <a:spcPct val="20000"/>
+              </a:spcBef>
+              <a:spcAft>
+                <a:spcPct val="0"/>
+              </a:spcAft>
+              <a:buClr>
+                <a:schemeClr val="accent1"/>
+              </a:buClr>
+              <a:buFont typeface="Wingdings" panose="05000000000000000000" pitchFamily="2" charset="2"/>
+              <a:buChar char="¡"/>
+              <a:defRPr sz="2700">
+                <a:solidFill>
+                  <a:schemeClr val="tx1"/>
+                </a:solidFill>
+                <a:latin typeface="+mn-lt"/>
+              </a:defRPr>
+            </a:lvl2pPr>
+            <a:lvl3pPr marL="1143000" indent="-228600" algn="l" rtl="0" eaLnBrk="0" fontAlgn="base" hangingPunct="0">
+              <a:spcBef>
+                <a:spcPct val="20000"/>
+              </a:spcBef>
+              <a:spcAft>
+                <a:spcPct val="0"/>
+              </a:spcAft>
+              <a:buClr>
+                <a:schemeClr val="accent1"/>
+              </a:buClr>
+              <a:buFont typeface="Wingdings" panose="05000000000000000000" pitchFamily="2" charset="2"/>
+              <a:buChar char="l"/>
+              <a:defRPr sz="2300">
+                <a:solidFill>
+                  <a:schemeClr val="tx1"/>
+                </a:solidFill>
+                <a:latin typeface="+mn-lt"/>
+              </a:defRPr>
+            </a:lvl3pPr>
+            <a:lvl4pPr marL="1600200" indent="-228600" algn="l" rtl="0" eaLnBrk="0" fontAlgn="base" hangingPunct="0">
+              <a:spcBef>
+                <a:spcPct val="20000"/>
+              </a:spcBef>
+              <a:spcAft>
+                <a:spcPct val="0"/>
+              </a:spcAft>
+              <a:buClr>
+                <a:schemeClr val="accent1"/>
+              </a:buClr>
+              <a:buChar char="•"/>
+              <a:defRPr sz="2000">
+                <a:solidFill>
+                  <a:schemeClr val="tx1"/>
+                </a:solidFill>
+                <a:latin typeface="+mn-lt"/>
+              </a:defRPr>
+            </a:lvl4pPr>
+            <a:lvl5pPr marL="2057400" indent="-228600" algn="l" rtl="0" eaLnBrk="0" fontAlgn="base" hangingPunct="0">
+              <a:spcBef>
+                <a:spcPct val="20000"/>
+              </a:spcBef>
+              <a:spcAft>
+                <a:spcPct val="0"/>
+              </a:spcAft>
+              <a:buClr>
+                <a:schemeClr val="accent1"/>
+              </a:buClr>
+              <a:buFont typeface="Wingdings" panose="05000000000000000000" pitchFamily="2" charset="2"/>
+              <a:buChar char=""/>
+              <a:defRPr sz="2000">
+                <a:solidFill>
+                  <a:schemeClr val="tx1"/>
+                </a:solidFill>
+                <a:latin typeface="+mn-lt"/>
+              </a:defRPr>
+            </a:lvl5pPr>
+            <a:lvl6pPr marL="2514600" indent="-228600" algn="l" rtl="0" fontAlgn="base">
+              <a:spcBef>
+                <a:spcPct val="20000"/>
+              </a:spcBef>
+              <a:spcAft>
+                <a:spcPct val="0"/>
+              </a:spcAft>
+              <a:buClr>
+                <a:schemeClr val="accent1"/>
+              </a:buClr>
+              <a:buFont typeface="Wingdings" pitchFamily="2" charset="2"/>
+              <a:buChar char=""/>
+              <a:defRPr sz="2000">
+                <a:solidFill>
+                  <a:schemeClr val="tx1"/>
+                </a:solidFill>
+                <a:latin typeface="+mn-lt"/>
+              </a:defRPr>
+            </a:lvl6pPr>
+            <a:lvl7pPr marL="2971800" indent="-228600" algn="l" rtl="0" fontAlgn="base">
+              <a:spcBef>
+                <a:spcPct val="20000"/>
+              </a:spcBef>
+              <a:spcAft>
+                <a:spcPct val="0"/>
+              </a:spcAft>
+              <a:buClr>
+                <a:schemeClr val="accent1"/>
+              </a:buClr>
+              <a:buFont typeface="Wingdings" pitchFamily="2" charset="2"/>
+              <a:buChar char=""/>
+              <a:defRPr sz="2000">
+                <a:solidFill>
+                  <a:schemeClr val="tx1"/>
+                </a:solidFill>
+                <a:latin typeface="+mn-lt"/>
+              </a:defRPr>
+            </a:lvl7pPr>
+            <a:lvl8pPr marL="3429000" indent="-228600" algn="l" rtl="0" fontAlgn="base">
+              <a:spcBef>
+                <a:spcPct val="20000"/>
+              </a:spcBef>
+              <a:spcAft>
+                <a:spcPct val="0"/>
+              </a:spcAft>
+              <a:buClr>
+                <a:schemeClr val="accent1"/>
+              </a:buClr>
+              <a:buFont typeface="Wingdings" pitchFamily="2" charset="2"/>
+              <a:buChar char=""/>
+              <a:defRPr sz="2000">
+                <a:solidFill>
+                  <a:schemeClr val="tx1"/>
+                </a:solidFill>
+                <a:latin typeface="+mn-lt"/>
+              </a:defRPr>
+            </a:lvl8pPr>
+            <a:lvl9pPr marL="3886200" indent="-228600" algn="l" rtl="0" fontAlgn="base">
+              <a:spcBef>
+                <a:spcPct val="20000"/>
+              </a:spcBef>
+              <a:spcAft>
+                <a:spcPct val="0"/>
+              </a:spcAft>
+              <a:buClr>
+                <a:schemeClr val="accent1"/>
+              </a:buClr>
+              <a:buFont typeface="Wingdings" pitchFamily="2" charset="2"/>
+              <a:buChar char=""/>
+              <a:defRPr sz="2000">
+                <a:solidFill>
+                  <a:schemeClr val="tx1"/>
+                </a:solidFill>
+                <a:latin typeface="+mn-lt"/>
+              </a:defRPr>
+            </a:lvl9pPr>
+          </a:lstStyle>
+          <a:p>
+            <a:pPr eaLnBrk="1" hangingPunct="1"/>
+            <a:r>
+              <a:rPr lang="sr-Cyrl-RS" altLang="en-US" kern="0" dirty="0" smtClean="0">
+                <a:solidFill>
+                  <a:srgbClr val="993300"/>
+                </a:solidFill>
+                <a:latin typeface="Times New Roman" panose="02020603050405020304" pitchFamily="18" charset="0"/>
+                <a:cs typeface="Times New Roman" panose="02020603050405020304" pitchFamily="18" charset="0"/>
+              </a:rPr>
+              <a:t>Владимир Филиповић</a:t>
+            </a:r>
+            <a:endParaRPr lang="en-US" altLang="en-US" kern="0" dirty="0" smtClean="0">
+              <a:solidFill>
+                <a:srgbClr val="993300"/>
+              </a:solidFill>
+              <a:latin typeface="Times New Roman" panose="02020603050405020304" pitchFamily="18" charset="0"/>
+              <a:cs typeface="Times New Roman" panose="02020603050405020304" pitchFamily="18" charset="0"/>
+            </a:endParaRPr>
+          </a:p>
+          <a:p>
+            <a:pPr eaLnBrk="1" hangingPunct="1"/>
+            <a:r>
+              <a:rPr lang="sr-Latn-CS" altLang="en-US" kern="0" dirty="0" smtClean="0">
+                <a:hlinkClick r:id="rId2"/>
+              </a:rPr>
+              <a:t>vladaf@matf.bg.ac.</a:t>
+            </a:r>
+            <a:r>
+              <a:rPr lang="en-US" altLang="en-US" kern="0" dirty="0" err="1" smtClean="0">
+                <a:hlinkClick r:id="rId2"/>
+              </a:rPr>
+              <a:t>rs</a:t>
+            </a:r>
+            <a:endParaRPr lang="sr-Latn-RS" altLang="en-US" kern="0" dirty="0" smtClean="0"/>
+          </a:p>
+          <a:p>
+            <a:pPr eaLnBrk="1" hangingPunct="1"/>
+            <a:r>
+              <a:rPr lang="sr-Cyrl-RS" altLang="en-US" kern="0" dirty="0" smtClean="0">
+                <a:solidFill>
+                  <a:srgbClr val="993300"/>
+                </a:solidFill>
+                <a:latin typeface="Times New Roman" panose="02020603050405020304" pitchFamily="18" charset="0"/>
+                <a:cs typeface="Times New Roman" panose="02020603050405020304" pitchFamily="18" charset="0"/>
+              </a:rPr>
+              <a:t>Александар Картељ</a:t>
+            </a:r>
+            <a:endParaRPr lang="en-US" altLang="en-US" kern="0" dirty="0" smtClean="0">
+              <a:solidFill>
+                <a:srgbClr val="993300"/>
+              </a:solidFill>
+              <a:latin typeface="Times New Roman" panose="02020603050405020304" pitchFamily="18" charset="0"/>
+              <a:cs typeface="Times New Roman" panose="02020603050405020304" pitchFamily="18" charset="0"/>
+            </a:endParaRPr>
+          </a:p>
+          <a:p>
+            <a:pPr eaLnBrk="1" hangingPunct="1"/>
+            <a:r>
+              <a:rPr lang="en-US" altLang="en-US" kern="0" dirty="0" smtClean="0">
+                <a:hlinkClick r:id="rId3"/>
+              </a:rPr>
+              <a:t>k</a:t>
+            </a:r>
+            <a:r>
+              <a:rPr lang="sr-Latn-RS" altLang="en-US" kern="0" dirty="0" smtClean="0">
+                <a:hlinkClick r:id="rId3"/>
+              </a:rPr>
+              <a:t>artelj</a:t>
+            </a:r>
+            <a:r>
+              <a:rPr lang="en-US" altLang="en-US" kern="0" dirty="0" smtClean="0">
+                <a:hlinkClick r:id="rId3"/>
+              </a:rPr>
+              <a:t>@matf.bg.ac.rs</a:t>
+            </a:r>
+            <a:endParaRPr lang="en-US" altLang="en-US" kern="0" dirty="0"/>
+          </a:p>
+        </p:txBody>
+      </p:sp>
+    </p:spTree>
+    <p:extLst>
+      <p:ext uri="{BB962C8B-B14F-4D97-AF65-F5344CB8AC3E}">
+        <p14:creationId xmlns:p14="http://schemas.microsoft.com/office/powerpoint/2010/main" val="4260721986"/>
+      </p:ext>
+    </p:extLst>
+  </p:cSld>
+  <p:clrMapOvr>
+    <a:masterClrMapping/>
+  </p:clrMapOvr>
+  <p:transition spd="slow"/>
+  <p:timing>
+    <p:tnLst>
+      <p:par>
+        <p:cTn id="1" dur="indefinite" restart="never" nodeType="tmRoot"/>
+      </p:par>
+    </p:tnLst>
+  </p:timing>
+</p:sld>
+</file>
+
+<file path=ppt/slides/slide16.xml><?xml version="1.0" encoding="utf-8"?>
 <p:sld xmlns:a="http://schemas.openxmlformats.org/drawingml/2006/main" xmlns:r="http://schemas.openxmlformats.org/officeDocument/2006/relationships" xmlns:p="http://schemas.openxmlformats.org/presentationml/2006/main">
   <p:cSld>
     <p:spTree>
@@ -10826,7 +12631,7 @@
 </p:sld>
 </file>
 
-<file path=ppt/slides/slide15.xml><?xml version="1.0" encoding="utf-8"?>
+<file path=ppt/slides/slide17.xml><?xml version="1.0" encoding="utf-8"?>
 <p:sld xmlns:a="http://schemas.openxmlformats.org/drawingml/2006/main" xmlns:r="http://schemas.openxmlformats.org/officeDocument/2006/relationships" xmlns:p="http://schemas.openxmlformats.org/presentationml/2006/main">
   <p:cSld>
     <p:spTree>
@@ -12395,7 +14200,7 @@
 </p:sld>
 </file>
 
-<file path=ppt/slides/slide16.xml><?xml version="1.0" encoding="utf-8"?>
+<file path=ppt/slides/slide18.xml><?xml version="1.0" encoding="utf-8"?>
 <p:sld xmlns:a="http://schemas.openxmlformats.org/drawingml/2006/main" xmlns:r="http://schemas.openxmlformats.org/officeDocument/2006/relationships" xmlns:p="http://schemas.openxmlformats.org/presentationml/2006/main">
   <p:cSld>
     <p:spTree>
@@ -13953,7 +15758,7 @@
 </p:sld>
 </file>
 
-<file path=ppt/slides/slide17.xml><?xml version="1.0" encoding="utf-8"?>
+<file path=ppt/slides/slide19.xml><?xml version="1.0" encoding="utf-8"?>
 <p:sld xmlns:a="http://schemas.openxmlformats.org/drawingml/2006/main" xmlns:r="http://schemas.openxmlformats.org/officeDocument/2006/relationships" xmlns:p="http://schemas.openxmlformats.org/presentationml/2006/main">
   <p:cSld>
     <p:spTree>
@@ -15370,7 +17175,392 @@
 </p:sld>
 </file>
 
-<file path=ppt/slides/slide18.xml><?xml version="1.0" encoding="utf-8"?>
+<file path=ppt/slides/slide2.xml><?xml version="1.0" encoding="utf-8"?>
+<p:sld xmlns:a="http://schemas.openxmlformats.org/drawingml/2006/main" xmlns:r="http://schemas.openxmlformats.org/officeDocument/2006/relationships" xmlns:p="http://schemas.openxmlformats.org/presentationml/2006/main">
+  <p:cSld>
+    <p:spTree>
+      <p:nvGrpSpPr>
+        <p:cNvPr id="1" name=""/>
+        <p:cNvGrpSpPr/>
+        <p:nvPr/>
+      </p:nvGrpSpPr>
+      <p:grpSpPr>
+        <a:xfrm>
+          <a:off x="0" y="0"/>
+          <a:ext cx="0" cy="0"/>
+          <a:chOff x="0" y="0"/>
+          <a:chExt cx="0" cy="0"/>
+        </a:xfrm>
+      </p:grpSpPr>
+      <p:sp>
+        <p:nvSpPr>
+          <p:cNvPr id="4098" name="Rectangle 2"/>
+          <p:cNvSpPr>
+            <a:spLocks noGrp="1" noChangeArrowheads="1"/>
+          </p:cNvSpPr>
+          <p:nvPr>
+            <p:ph type="ctrTitle"/>
+          </p:nvPr>
+        </p:nvSpPr>
+        <p:spPr>
+          <a:xfrm>
+            <a:off x="395288" y="1628775"/>
+            <a:ext cx="8569325" cy="1144588"/>
+          </a:xfrm>
+        </p:spPr>
+        <p:txBody>
+          <a:bodyPr/>
+          <a:lstStyle/>
+          <a:p>
+            <a:pPr eaLnBrk="1" hangingPunct="1"/>
+            <a:r>
+              <a:rPr lang="sr-Cyrl-RS" altLang="en-US" sz="5400" dirty="0" smtClean="0">
+                <a:solidFill>
+                  <a:srgbClr val="3366FF"/>
+                </a:solidFill>
+              </a:rPr>
+              <a:t>Улазна тачка Јава програма</a:t>
+            </a:r>
+            <a:br>
+              <a:rPr lang="sr-Cyrl-RS" altLang="en-US" sz="5400" dirty="0" smtClean="0">
+                <a:solidFill>
+                  <a:srgbClr val="3366FF"/>
+                </a:solidFill>
+              </a:rPr>
+            </a:br>
+            <a:r>
+              <a:rPr lang="sr-Cyrl-RS" altLang="en-US" sz="5400" dirty="0" smtClean="0">
+                <a:solidFill>
+                  <a:srgbClr val="3366FF"/>
+                </a:solidFill>
+              </a:rPr>
+              <a:t>Статичке функције</a:t>
+            </a:r>
+            <a:endParaRPr lang="sr-Latn-CS" altLang="en-US" sz="5400" dirty="0" smtClean="0">
+              <a:solidFill>
+                <a:srgbClr val="3366FF"/>
+              </a:solidFill>
+            </a:endParaRPr>
+          </a:p>
+        </p:txBody>
+      </p:sp>
+      <p:sp>
+        <p:nvSpPr>
+          <p:cNvPr id="5" name="Rectangle 3"/>
+          <p:cNvSpPr txBox="1">
+            <a:spLocks noChangeArrowheads="1"/>
+          </p:cNvSpPr>
+          <p:nvPr/>
+        </p:nvSpPr>
+        <p:spPr bwMode="auto">
+          <a:xfrm>
+            <a:off x="3563888" y="3356992"/>
+            <a:ext cx="5110162" cy="1752600"/>
+          </a:xfrm>
+          <a:prstGeom prst="rect">
+            <a:avLst/>
+          </a:prstGeom>
+          <a:noFill/>
+          <a:ln>
+            <a:noFill/>
+          </a:ln>
+          <a:extLst>
+            <a:ext uri="{909E8E84-426E-40DD-AFC4-6F175D3DCCD1}">
+              <a14:hiddenFill xmlns:a14="http://schemas.microsoft.com/office/drawing/2010/main">
+                <a:solidFill>
+                  <a:srgbClr val="FFFFFF"/>
+                </a:solidFill>
+              </a14:hiddenFill>
+            </a:ext>
+            <a:ext uri="{91240B29-F687-4F45-9708-019B960494DF}">
+              <a14:hiddenLine xmlns:a14="http://schemas.microsoft.com/office/drawing/2010/main" w="9525">
+                <a:solidFill>
+                  <a:srgbClr val="000000"/>
+                </a:solidFill>
+                <a:miter lim="800000"/>
+                <a:headEnd/>
+                <a:tailEnd/>
+              </a14:hiddenLine>
+            </a:ext>
+          </a:extLst>
+        </p:spPr>
+        <p:txBody>
+          <a:bodyPr vert="horz" wrap="square" lIns="91440" tIns="45720" rIns="91440" bIns="45720" numCol="1" anchor="t" anchorCtr="0" compatLnSpc="1">
+            <a:prstTxWarp prst="textNoShape">
+              <a:avLst/>
+            </a:prstTxWarp>
+          </a:bodyPr>
+          <a:lstStyle>
+            <a:lvl1pPr marL="0" indent="0" algn="r" rtl="0" eaLnBrk="0" fontAlgn="base" hangingPunct="0">
+              <a:spcBef>
+                <a:spcPct val="20000"/>
+              </a:spcBef>
+              <a:spcAft>
+                <a:spcPct val="0"/>
+              </a:spcAft>
+              <a:buClr>
+                <a:schemeClr val="accent1"/>
+              </a:buClr>
+              <a:buFont typeface="Wingdings" panose="05000000000000000000" pitchFamily="2" charset="2"/>
+              <a:buNone/>
+              <a:defRPr sz="3200">
+                <a:solidFill>
+                  <a:schemeClr val="tx1"/>
+                </a:solidFill>
+                <a:latin typeface="+mn-lt"/>
+                <a:ea typeface="+mn-ea"/>
+                <a:cs typeface="+mn-cs"/>
+              </a:defRPr>
+            </a:lvl1pPr>
+            <a:lvl2pPr marL="742950" indent="-285750" algn="l" rtl="0" eaLnBrk="0" fontAlgn="base" hangingPunct="0">
+              <a:spcBef>
+                <a:spcPct val="20000"/>
+              </a:spcBef>
+              <a:spcAft>
+                <a:spcPct val="0"/>
+              </a:spcAft>
+              <a:buClr>
+                <a:schemeClr val="accent1"/>
+              </a:buClr>
+              <a:buFont typeface="Wingdings" panose="05000000000000000000" pitchFamily="2" charset="2"/>
+              <a:buChar char="¡"/>
+              <a:defRPr sz="2700">
+                <a:solidFill>
+                  <a:schemeClr val="tx1"/>
+                </a:solidFill>
+                <a:latin typeface="+mn-lt"/>
+              </a:defRPr>
+            </a:lvl2pPr>
+            <a:lvl3pPr marL="1143000" indent="-228600" algn="l" rtl="0" eaLnBrk="0" fontAlgn="base" hangingPunct="0">
+              <a:spcBef>
+                <a:spcPct val="20000"/>
+              </a:spcBef>
+              <a:spcAft>
+                <a:spcPct val="0"/>
+              </a:spcAft>
+              <a:buClr>
+                <a:schemeClr val="accent1"/>
+              </a:buClr>
+              <a:buFont typeface="Wingdings" panose="05000000000000000000" pitchFamily="2" charset="2"/>
+              <a:buChar char="l"/>
+              <a:defRPr sz="2300">
+                <a:solidFill>
+                  <a:schemeClr val="tx1"/>
+                </a:solidFill>
+                <a:latin typeface="+mn-lt"/>
+              </a:defRPr>
+            </a:lvl3pPr>
+            <a:lvl4pPr marL="1600200" indent="-228600" algn="l" rtl="0" eaLnBrk="0" fontAlgn="base" hangingPunct="0">
+              <a:spcBef>
+                <a:spcPct val="20000"/>
+              </a:spcBef>
+              <a:spcAft>
+                <a:spcPct val="0"/>
+              </a:spcAft>
+              <a:buClr>
+                <a:schemeClr val="accent1"/>
+              </a:buClr>
+              <a:buChar char="•"/>
+              <a:defRPr sz="2000">
+                <a:solidFill>
+                  <a:schemeClr val="tx1"/>
+                </a:solidFill>
+                <a:latin typeface="+mn-lt"/>
+              </a:defRPr>
+            </a:lvl4pPr>
+            <a:lvl5pPr marL="2057400" indent="-228600" algn="l" rtl="0" eaLnBrk="0" fontAlgn="base" hangingPunct="0">
+              <a:spcBef>
+                <a:spcPct val="20000"/>
+              </a:spcBef>
+              <a:spcAft>
+                <a:spcPct val="0"/>
+              </a:spcAft>
+              <a:buClr>
+                <a:schemeClr val="accent1"/>
+              </a:buClr>
+              <a:buFont typeface="Wingdings" panose="05000000000000000000" pitchFamily="2" charset="2"/>
+              <a:buChar char=""/>
+              <a:defRPr sz="2000">
+                <a:solidFill>
+                  <a:schemeClr val="tx1"/>
+                </a:solidFill>
+                <a:latin typeface="+mn-lt"/>
+              </a:defRPr>
+            </a:lvl5pPr>
+            <a:lvl6pPr marL="2514600" indent="-228600" algn="l" rtl="0" fontAlgn="base">
+              <a:spcBef>
+                <a:spcPct val="20000"/>
+              </a:spcBef>
+              <a:spcAft>
+                <a:spcPct val="0"/>
+              </a:spcAft>
+              <a:buClr>
+                <a:schemeClr val="accent1"/>
+              </a:buClr>
+              <a:buFont typeface="Wingdings" pitchFamily="2" charset="2"/>
+              <a:buChar char=""/>
+              <a:defRPr sz="2000">
+                <a:solidFill>
+                  <a:schemeClr val="tx1"/>
+                </a:solidFill>
+                <a:latin typeface="+mn-lt"/>
+              </a:defRPr>
+            </a:lvl6pPr>
+            <a:lvl7pPr marL="2971800" indent="-228600" algn="l" rtl="0" fontAlgn="base">
+              <a:spcBef>
+                <a:spcPct val="20000"/>
+              </a:spcBef>
+              <a:spcAft>
+                <a:spcPct val="0"/>
+              </a:spcAft>
+              <a:buClr>
+                <a:schemeClr val="accent1"/>
+              </a:buClr>
+              <a:buFont typeface="Wingdings" pitchFamily="2" charset="2"/>
+              <a:buChar char=""/>
+              <a:defRPr sz="2000">
+                <a:solidFill>
+                  <a:schemeClr val="tx1"/>
+                </a:solidFill>
+                <a:latin typeface="+mn-lt"/>
+              </a:defRPr>
+            </a:lvl7pPr>
+            <a:lvl8pPr marL="3429000" indent="-228600" algn="l" rtl="0" fontAlgn="base">
+              <a:spcBef>
+                <a:spcPct val="20000"/>
+              </a:spcBef>
+              <a:spcAft>
+                <a:spcPct val="0"/>
+              </a:spcAft>
+              <a:buClr>
+                <a:schemeClr val="accent1"/>
+              </a:buClr>
+              <a:buFont typeface="Wingdings" pitchFamily="2" charset="2"/>
+              <a:buChar char=""/>
+              <a:defRPr sz="2000">
+                <a:solidFill>
+                  <a:schemeClr val="tx1"/>
+                </a:solidFill>
+                <a:latin typeface="+mn-lt"/>
+              </a:defRPr>
+            </a:lvl8pPr>
+            <a:lvl9pPr marL="3886200" indent="-228600" algn="l" rtl="0" fontAlgn="base">
+              <a:spcBef>
+                <a:spcPct val="20000"/>
+              </a:spcBef>
+              <a:spcAft>
+                <a:spcPct val="0"/>
+              </a:spcAft>
+              <a:buClr>
+                <a:schemeClr val="accent1"/>
+              </a:buClr>
+              <a:buFont typeface="Wingdings" pitchFamily="2" charset="2"/>
+              <a:buChar char=""/>
+              <a:defRPr sz="2000">
+                <a:solidFill>
+                  <a:schemeClr val="tx1"/>
+                </a:solidFill>
+                <a:latin typeface="+mn-lt"/>
+              </a:defRPr>
+            </a:lvl9pPr>
+          </a:lstStyle>
+          <a:p>
+            <a:pPr eaLnBrk="1" hangingPunct="1"/>
+            <a:r>
+              <a:rPr lang="sr-Cyrl-RS" altLang="en-US" kern="0" dirty="0" smtClean="0">
+                <a:solidFill>
+                  <a:srgbClr val="993300"/>
+                </a:solidFill>
+                <a:latin typeface="Times New Roman" panose="02020603050405020304" pitchFamily="18" charset="0"/>
+                <a:cs typeface="Times New Roman" panose="02020603050405020304" pitchFamily="18" charset="0"/>
+              </a:rPr>
+              <a:t>Владимир Филиповић</a:t>
+            </a:r>
+            <a:endParaRPr lang="en-US" altLang="en-US" kern="0" dirty="0" smtClean="0">
+              <a:solidFill>
+                <a:srgbClr val="993300"/>
+              </a:solidFill>
+              <a:latin typeface="Times New Roman" panose="02020603050405020304" pitchFamily="18" charset="0"/>
+              <a:cs typeface="Times New Roman" panose="02020603050405020304" pitchFamily="18" charset="0"/>
+            </a:endParaRPr>
+          </a:p>
+          <a:p>
+            <a:pPr eaLnBrk="1" hangingPunct="1"/>
+            <a:r>
+              <a:rPr lang="sr-Latn-CS" altLang="en-US" kern="0" dirty="0" smtClean="0">
+                <a:hlinkClick r:id="rId2"/>
+              </a:rPr>
+              <a:t>vladaf@matf.bg.ac.</a:t>
+            </a:r>
+            <a:r>
+              <a:rPr lang="en-US" altLang="en-US" kern="0" dirty="0" err="1" smtClean="0">
+                <a:hlinkClick r:id="rId2"/>
+              </a:rPr>
+              <a:t>rs</a:t>
+            </a:r>
+            <a:endParaRPr lang="sr-Latn-RS" altLang="en-US" kern="0" dirty="0" smtClean="0"/>
+          </a:p>
+          <a:p>
+            <a:pPr eaLnBrk="1" hangingPunct="1"/>
+            <a:r>
+              <a:rPr lang="sr-Cyrl-RS" altLang="en-US" kern="0" dirty="0" smtClean="0">
+                <a:solidFill>
+                  <a:srgbClr val="993300"/>
+                </a:solidFill>
+                <a:latin typeface="Times New Roman" panose="02020603050405020304" pitchFamily="18" charset="0"/>
+                <a:cs typeface="Times New Roman" panose="02020603050405020304" pitchFamily="18" charset="0"/>
+              </a:rPr>
+              <a:t>Александар Картељ</a:t>
+            </a:r>
+            <a:endParaRPr lang="en-US" altLang="en-US" kern="0" dirty="0" smtClean="0">
+              <a:solidFill>
+                <a:srgbClr val="993300"/>
+              </a:solidFill>
+              <a:latin typeface="Times New Roman" panose="02020603050405020304" pitchFamily="18" charset="0"/>
+              <a:cs typeface="Times New Roman" panose="02020603050405020304" pitchFamily="18" charset="0"/>
+            </a:endParaRPr>
+          </a:p>
+          <a:p>
+            <a:pPr eaLnBrk="1" hangingPunct="1"/>
+            <a:r>
+              <a:rPr lang="en-US" altLang="en-US" kern="0" dirty="0" smtClean="0">
+                <a:hlinkClick r:id="rId3"/>
+              </a:rPr>
+              <a:t>k</a:t>
+            </a:r>
+            <a:r>
+              <a:rPr lang="sr-Latn-RS" altLang="en-US" kern="0" dirty="0" smtClean="0">
+                <a:hlinkClick r:id="rId3"/>
+              </a:rPr>
+              <a:t>artelj</a:t>
+            </a:r>
+            <a:r>
+              <a:rPr lang="en-US" altLang="en-US" kern="0" dirty="0" smtClean="0">
+                <a:hlinkClick r:id="rId3"/>
+              </a:rPr>
+              <a:t>@matf.bg.ac.rs</a:t>
+            </a:r>
+            <a:endParaRPr lang="en-US" altLang="en-US" kern="0" dirty="0"/>
+          </a:p>
+        </p:txBody>
+      </p:sp>
+    </p:spTree>
+  </p:cSld>
+  <p:clrMapOvr>
+    <a:masterClrMapping/>
+  </p:clrMapOvr>
+  <p:transition spd="slow"/>
+  <p:timing>
+    <p:tnLst>
+      <p:par>
+        <p:cTn id="1" dur="indefinite" restart="never" nodeType="tmRoot"/>
+      </p:par>
+    </p:tnLst>
+  </p:timing>
+</p:sld>
+</file>
+
+<file path=ppt/slides/slide20.xml><?xml version="1.0" encoding="utf-8"?>
 <p:sld xmlns:a="http://schemas.openxmlformats.org/drawingml/2006/main" xmlns:r="http://schemas.openxmlformats.org/officeDocument/2006/relationships" xmlns:p="http://schemas.openxmlformats.org/presentationml/2006/main">
   <p:cSld>
     <p:spTree>
@@ -16534,7 +18724,7 @@
 </p:sld>
 </file>
 
-<file path=ppt/slides/slide19.xml><?xml version="1.0" encoding="utf-8"?>
+<file path=ppt/slides/slide21.xml><?xml version="1.0" encoding="utf-8"?>
 <p:sld xmlns:a="http://schemas.openxmlformats.org/drawingml/2006/main" xmlns:r="http://schemas.openxmlformats.org/officeDocument/2006/relationships" xmlns:p="http://schemas.openxmlformats.org/presentationml/2006/main">
   <p:cSld>
     <p:spTree>
@@ -17812,423 +20002,7 @@
 </p:sld>
 </file>
 
-<file path=ppt/slides/slide2.xml><?xml version="1.0" encoding="utf-8"?>
-<p:sld xmlns:a="http://schemas.openxmlformats.org/drawingml/2006/main" xmlns:r="http://schemas.openxmlformats.org/officeDocument/2006/relationships" xmlns:p="http://schemas.openxmlformats.org/presentationml/2006/main">
-  <p:cSld>
-    <p:spTree>
-      <p:nvGrpSpPr>
-        <p:cNvPr id="1" name=""/>
-        <p:cNvGrpSpPr/>
-        <p:nvPr/>
-      </p:nvGrpSpPr>
-      <p:grpSpPr>
-        <a:xfrm>
-          <a:off x="0" y="0"/>
-          <a:ext cx="0" cy="0"/>
-          <a:chOff x="0" y="0"/>
-          <a:chExt cx="0" cy="0"/>
-        </a:xfrm>
-      </p:grpSpPr>
-      <p:sp>
-        <p:nvSpPr>
-          <p:cNvPr id="4098" name="Rectangle 2"/>
-          <p:cNvSpPr>
-            <a:spLocks noGrp="1" noChangeArrowheads="1"/>
-          </p:cNvSpPr>
-          <p:nvPr>
-            <p:ph type="ctrTitle"/>
-          </p:nvPr>
-        </p:nvSpPr>
-        <p:spPr>
-          <a:xfrm>
-            <a:off x="395288" y="1628775"/>
-            <a:ext cx="8569325" cy="1144588"/>
-          </a:xfrm>
-        </p:spPr>
-        <p:txBody>
-          <a:bodyPr/>
-          <a:lstStyle/>
-          <a:p>
-            <a:pPr eaLnBrk="1" hangingPunct="1"/>
-            <a:r>
-              <a:rPr lang="sr-Cyrl-RS" altLang="en-US" sz="5400" dirty="0" smtClean="0">
-                <a:solidFill>
-                  <a:srgbClr val="3366FF"/>
-                </a:solidFill>
-              </a:rPr>
-              <a:t>Предефинисани </a:t>
-            </a:r>
-            <a:r>
-              <a:rPr lang="en-US" altLang="en-US" sz="5400" dirty="0" smtClean="0">
-                <a:solidFill>
-                  <a:srgbClr val="3366FF"/>
-                </a:solidFill>
-              </a:rPr>
-              <a:t/>
-            </a:r>
-            <a:br>
-              <a:rPr lang="en-US" altLang="en-US" sz="5400" dirty="0" smtClean="0">
-                <a:solidFill>
-                  <a:srgbClr val="3366FF"/>
-                </a:solidFill>
-              </a:rPr>
-            </a:br>
-            <a:r>
-              <a:rPr lang="sr-Cyrl-RS" altLang="en-US" sz="5400" dirty="0" smtClean="0">
-                <a:solidFill>
-                  <a:srgbClr val="3366FF"/>
-                </a:solidFill>
-              </a:rPr>
-              <a:t>типови </a:t>
-            </a:r>
-            <a:r>
-              <a:rPr lang="sr-Cyrl-RS" altLang="en-US" sz="5400" dirty="0" smtClean="0">
-                <a:solidFill>
-                  <a:srgbClr val="3366FF"/>
-                </a:solidFill>
-              </a:rPr>
-              <a:t>и објекти </a:t>
-            </a:r>
-            <a:br>
-              <a:rPr lang="sr-Cyrl-RS" altLang="en-US" sz="5400" dirty="0" smtClean="0">
-                <a:solidFill>
-                  <a:srgbClr val="3366FF"/>
-                </a:solidFill>
-              </a:rPr>
-            </a:br>
-            <a:r>
-              <a:rPr lang="sr-Cyrl-RS" altLang="en-US" sz="5400" dirty="0" smtClean="0">
-                <a:solidFill>
-                  <a:srgbClr val="3366FF"/>
-                </a:solidFill>
-              </a:rPr>
-              <a:t>у програмском језику Јава</a:t>
-            </a:r>
-            <a:endParaRPr lang="sr-Latn-CS" altLang="en-US" sz="5400" dirty="0" smtClean="0">
-              <a:solidFill>
-                <a:srgbClr val="3366FF"/>
-              </a:solidFill>
-            </a:endParaRPr>
-          </a:p>
-        </p:txBody>
-      </p:sp>
-      <p:sp>
-        <p:nvSpPr>
-          <p:cNvPr id="5" name="Rectangle 3"/>
-          <p:cNvSpPr txBox="1">
-            <a:spLocks noChangeArrowheads="1"/>
-          </p:cNvSpPr>
-          <p:nvPr/>
-        </p:nvSpPr>
-        <p:spPr bwMode="auto">
-          <a:xfrm>
-            <a:off x="3563888" y="3356992"/>
-            <a:ext cx="5110162" cy="1752600"/>
-          </a:xfrm>
-          <a:prstGeom prst="rect">
-            <a:avLst/>
-          </a:prstGeom>
-          <a:noFill/>
-          <a:ln>
-            <a:noFill/>
-          </a:ln>
-          <a:extLst>
-            <a:ext uri="{909E8E84-426E-40DD-AFC4-6F175D3DCCD1}">
-              <a14:hiddenFill xmlns:a14="http://schemas.microsoft.com/office/drawing/2010/main">
-                <a:solidFill>
-                  <a:srgbClr val="FFFFFF"/>
-                </a:solidFill>
-              </a14:hiddenFill>
-            </a:ext>
-            <a:ext uri="{91240B29-F687-4F45-9708-019B960494DF}">
-              <a14:hiddenLine xmlns:a14="http://schemas.microsoft.com/office/drawing/2010/main" w="9525">
-                <a:solidFill>
-                  <a:srgbClr val="000000"/>
-                </a:solidFill>
-                <a:miter lim="800000"/>
-                <a:headEnd/>
-                <a:tailEnd/>
-              </a14:hiddenLine>
-            </a:ext>
-          </a:extLst>
-        </p:spPr>
-        <p:txBody>
-          <a:bodyPr vert="horz" wrap="square" lIns="91440" tIns="45720" rIns="91440" bIns="45720" numCol="1" anchor="t" anchorCtr="0" compatLnSpc="1">
-            <a:prstTxWarp prst="textNoShape">
-              <a:avLst/>
-            </a:prstTxWarp>
-          </a:bodyPr>
-          <a:lstStyle>
-            <a:lvl1pPr marL="0" indent="0" algn="r" rtl="0" eaLnBrk="0" fontAlgn="base" hangingPunct="0">
-              <a:spcBef>
-                <a:spcPct val="20000"/>
-              </a:spcBef>
-              <a:spcAft>
-                <a:spcPct val="0"/>
-              </a:spcAft>
-              <a:buClr>
-                <a:schemeClr val="accent1"/>
-              </a:buClr>
-              <a:buFont typeface="Wingdings" panose="05000000000000000000" pitchFamily="2" charset="2"/>
-              <a:buNone/>
-              <a:defRPr sz="3200">
-                <a:solidFill>
-                  <a:schemeClr val="tx1"/>
-                </a:solidFill>
-                <a:latin typeface="+mn-lt"/>
-                <a:ea typeface="+mn-ea"/>
-                <a:cs typeface="+mn-cs"/>
-              </a:defRPr>
-            </a:lvl1pPr>
-            <a:lvl2pPr marL="742950" indent="-285750" algn="l" rtl="0" eaLnBrk="0" fontAlgn="base" hangingPunct="0">
-              <a:spcBef>
-                <a:spcPct val="20000"/>
-              </a:spcBef>
-              <a:spcAft>
-                <a:spcPct val="0"/>
-              </a:spcAft>
-              <a:buClr>
-                <a:schemeClr val="accent1"/>
-              </a:buClr>
-              <a:buFont typeface="Wingdings" panose="05000000000000000000" pitchFamily="2" charset="2"/>
-              <a:buChar char="¡"/>
-              <a:defRPr sz="2700">
-                <a:solidFill>
-                  <a:schemeClr val="tx1"/>
-                </a:solidFill>
-                <a:latin typeface="+mn-lt"/>
-              </a:defRPr>
-            </a:lvl2pPr>
-            <a:lvl3pPr marL="1143000" indent="-228600" algn="l" rtl="0" eaLnBrk="0" fontAlgn="base" hangingPunct="0">
-              <a:spcBef>
-                <a:spcPct val="20000"/>
-              </a:spcBef>
-              <a:spcAft>
-                <a:spcPct val="0"/>
-              </a:spcAft>
-              <a:buClr>
-                <a:schemeClr val="accent1"/>
-              </a:buClr>
-              <a:buFont typeface="Wingdings" panose="05000000000000000000" pitchFamily="2" charset="2"/>
-              <a:buChar char="l"/>
-              <a:defRPr sz="2300">
-                <a:solidFill>
-                  <a:schemeClr val="tx1"/>
-                </a:solidFill>
-                <a:latin typeface="+mn-lt"/>
-              </a:defRPr>
-            </a:lvl3pPr>
-            <a:lvl4pPr marL="1600200" indent="-228600" algn="l" rtl="0" eaLnBrk="0" fontAlgn="base" hangingPunct="0">
-              <a:spcBef>
-                <a:spcPct val="20000"/>
-              </a:spcBef>
-              <a:spcAft>
-                <a:spcPct val="0"/>
-              </a:spcAft>
-              <a:buClr>
-                <a:schemeClr val="accent1"/>
-              </a:buClr>
-              <a:buChar char="•"/>
-              <a:defRPr sz="2000">
-                <a:solidFill>
-                  <a:schemeClr val="tx1"/>
-                </a:solidFill>
-                <a:latin typeface="+mn-lt"/>
-              </a:defRPr>
-            </a:lvl4pPr>
-            <a:lvl5pPr marL="2057400" indent="-228600" algn="l" rtl="0" eaLnBrk="0" fontAlgn="base" hangingPunct="0">
-              <a:spcBef>
-                <a:spcPct val="20000"/>
-              </a:spcBef>
-              <a:spcAft>
-                <a:spcPct val="0"/>
-              </a:spcAft>
-              <a:buClr>
-                <a:schemeClr val="accent1"/>
-              </a:buClr>
-              <a:buFont typeface="Wingdings" panose="05000000000000000000" pitchFamily="2" charset="2"/>
-              <a:buChar char=""/>
-              <a:defRPr sz="2000">
-                <a:solidFill>
-                  <a:schemeClr val="tx1"/>
-                </a:solidFill>
-                <a:latin typeface="+mn-lt"/>
-              </a:defRPr>
-            </a:lvl5pPr>
-            <a:lvl6pPr marL="2514600" indent="-228600" algn="l" rtl="0" fontAlgn="base">
-              <a:spcBef>
-                <a:spcPct val="20000"/>
-              </a:spcBef>
-              <a:spcAft>
-                <a:spcPct val="0"/>
-              </a:spcAft>
-              <a:buClr>
-                <a:schemeClr val="accent1"/>
-              </a:buClr>
-              <a:buFont typeface="Wingdings" pitchFamily="2" charset="2"/>
-              <a:buChar char=""/>
-              <a:defRPr sz="2000">
-                <a:solidFill>
-                  <a:schemeClr val="tx1"/>
-                </a:solidFill>
-                <a:latin typeface="+mn-lt"/>
-              </a:defRPr>
-            </a:lvl6pPr>
-            <a:lvl7pPr marL="2971800" indent="-228600" algn="l" rtl="0" fontAlgn="base">
-              <a:spcBef>
-                <a:spcPct val="20000"/>
-              </a:spcBef>
-              <a:spcAft>
-                <a:spcPct val="0"/>
-              </a:spcAft>
-              <a:buClr>
-                <a:schemeClr val="accent1"/>
-              </a:buClr>
-              <a:buFont typeface="Wingdings" pitchFamily="2" charset="2"/>
-              <a:buChar char=""/>
-              <a:defRPr sz="2000">
-                <a:solidFill>
-                  <a:schemeClr val="tx1"/>
-                </a:solidFill>
-                <a:latin typeface="+mn-lt"/>
-              </a:defRPr>
-            </a:lvl7pPr>
-            <a:lvl8pPr marL="3429000" indent="-228600" algn="l" rtl="0" fontAlgn="base">
-              <a:spcBef>
-                <a:spcPct val="20000"/>
-              </a:spcBef>
-              <a:spcAft>
-                <a:spcPct val="0"/>
-              </a:spcAft>
-              <a:buClr>
-                <a:schemeClr val="accent1"/>
-              </a:buClr>
-              <a:buFont typeface="Wingdings" pitchFamily="2" charset="2"/>
-              <a:buChar char=""/>
-              <a:defRPr sz="2000">
-                <a:solidFill>
-                  <a:schemeClr val="tx1"/>
-                </a:solidFill>
-                <a:latin typeface="+mn-lt"/>
-              </a:defRPr>
-            </a:lvl8pPr>
-            <a:lvl9pPr marL="3886200" indent="-228600" algn="l" rtl="0" fontAlgn="base">
-              <a:spcBef>
-                <a:spcPct val="20000"/>
-              </a:spcBef>
-              <a:spcAft>
-                <a:spcPct val="0"/>
-              </a:spcAft>
-              <a:buClr>
-                <a:schemeClr val="accent1"/>
-              </a:buClr>
-              <a:buFont typeface="Wingdings" pitchFamily="2" charset="2"/>
-              <a:buChar char=""/>
-              <a:defRPr sz="2000">
-                <a:solidFill>
-                  <a:schemeClr val="tx1"/>
-                </a:solidFill>
-                <a:latin typeface="+mn-lt"/>
-              </a:defRPr>
-            </a:lvl9pPr>
-          </a:lstStyle>
-          <a:p>
-            <a:pPr eaLnBrk="1" hangingPunct="1"/>
-            <a:r>
-              <a:rPr lang="sr-Cyrl-RS" altLang="en-US" kern="0" dirty="0" smtClean="0">
-                <a:solidFill>
-                  <a:srgbClr val="993300"/>
-                </a:solidFill>
-                <a:latin typeface="Times New Roman" panose="02020603050405020304" pitchFamily="18" charset="0"/>
-                <a:cs typeface="Times New Roman" panose="02020603050405020304" pitchFamily="18" charset="0"/>
-              </a:rPr>
-              <a:t>Владимир Филиповић</a:t>
-            </a:r>
-            <a:endParaRPr lang="en-US" altLang="en-US" kern="0" dirty="0" smtClean="0">
-              <a:solidFill>
-                <a:srgbClr val="993300"/>
-              </a:solidFill>
-              <a:latin typeface="Times New Roman" panose="02020603050405020304" pitchFamily="18" charset="0"/>
-              <a:cs typeface="Times New Roman" panose="02020603050405020304" pitchFamily="18" charset="0"/>
-            </a:endParaRPr>
-          </a:p>
-          <a:p>
-            <a:pPr eaLnBrk="1" hangingPunct="1"/>
-            <a:r>
-              <a:rPr lang="sr-Latn-CS" altLang="en-US" kern="0" dirty="0" smtClean="0">
-                <a:hlinkClick r:id="rId2"/>
-              </a:rPr>
-              <a:t>vladaf@matf.bg.ac.</a:t>
-            </a:r>
-            <a:r>
-              <a:rPr lang="en-US" altLang="en-US" kern="0" dirty="0" err="1" smtClean="0">
-                <a:hlinkClick r:id="rId2"/>
-              </a:rPr>
-              <a:t>rs</a:t>
-            </a:r>
-            <a:endParaRPr lang="sr-Latn-RS" altLang="en-US" kern="0" dirty="0" smtClean="0"/>
-          </a:p>
-          <a:p>
-            <a:pPr eaLnBrk="1" hangingPunct="1"/>
-            <a:r>
-              <a:rPr lang="sr-Cyrl-RS" altLang="en-US" kern="0" dirty="0" smtClean="0">
-                <a:solidFill>
-                  <a:srgbClr val="993300"/>
-                </a:solidFill>
-                <a:latin typeface="Times New Roman" panose="02020603050405020304" pitchFamily="18" charset="0"/>
-                <a:cs typeface="Times New Roman" panose="02020603050405020304" pitchFamily="18" charset="0"/>
-              </a:rPr>
-              <a:t>Александар Картељ</a:t>
-            </a:r>
-            <a:endParaRPr lang="en-US" altLang="en-US" kern="0" dirty="0" smtClean="0">
-              <a:solidFill>
-                <a:srgbClr val="993300"/>
-              </a:solidFill>
-              <a:latin typeface="Times New Roman" panose="02020603050405020304" pitchFamily="18" charset="0"/>
-              <a:cs typeface="Times New Roman" panose="02020603050405020304" pitchFamily="18" charset="0"/>
-            </a:endParaRPr>
-          </a:p>
-          <a:p>
-            <a:pPr eaLnBrk="1" hangingPunct="1"/>
-            <a:r>
-              <a:rPr lang="en-US" altLang="en-US" kern="0" dirty="0" smtClean="0">
-                <a:hlinkClick r:id="rId3"/>
-              </a:rPr>
-              <a:t>k</a:t>
-            </a:r>
-            <a:r>
-              <a:rPr lang="sr-Latn-RS" altLang="en-US" kern="0" dirty="0" smtClean="0">
-                <a:hlinkClick r:id="rId3"/>
-              </a:rPr>
-              <a:t>artelj</a:t>
-            </a:r>
-            <a:r>
-              <a:rPr lang="en-US" altLang="en-US" kern="0" dirty="0" smtClean="0">
-                <a:hlinkClick r:id="rId3"/>
-              </a:rPr>
-              <a:t>@matf.bg.ac.rs</a:t>
-            </a:r>
-            <a:endParaRPr lang="en-US" altLang="en-US" kern="0" dirty="0"/>
-          </a:p>
-        </p:txBody>
-      </p:sp>
-    </p:spTree>
-  </p:cSld>
-  <p:clrMapOvr>
-    <a:masterClrMapping/>
-  </p:clrMapOvr>
-  <p:transition spd="slow"/>
-  <p:timing>
-    <p:tnLst>
-      <p:par>
-        <p:cTn id="1" dur="indefinite" restart="never" nodeType="tmRoot"/>
-      </p:par>
-    </p:tnLst>
-  </p:timing>
-</p:sld>
-</file>
-
-<file path=ppt/slides/slide20.xml><?xml version="1.0" encoding="utf-8"?>
+<file path=ppt/slides/slide22.xml><?xml version="1.0" encoding="utf-8"?>
 <p:sld xmlns:a="http://schemas.openxmlformats.org/drawingml/2006/main" xmlns:r="http://schemas.openxmlformats.org/officeDocument/2006/relationships" xmlns:p="http://schemas.openxmlformats.org/presentationml/2006/main">
   <p:cSld>
     <p:spTree>
@@ -19801,7 +21575,7 @@
 </p:sld>
 </file>
 
-<file path=ppt/slides/slide21.xml><?xml version="1.0" encoding="utf-8"?>
+<file path=ppt/slides/slide23.xml><?xml version="1.0" encoding="utf-8"?>
 <p:sld xmlns:a="http://schemas.openxmlformats.org/drawingml/2006/main" xmlns:r="http://schemas.openxmlformats.org/officeDocument/2006/relationships" xmlns:p="http://schemas.openxmlformats.org/presentationml/2006/main">
   <p:cSld>
     <p:spTree>
@@ -20764,34 +22538,7 @@
                 </a:solidFill>
                 <a:latin typeface="Garamond" pitchFamily="18" charset="0"/>
               </a:rPr>
-              <a:t>Целокупан Јава програмски </a:t>
-            </a:r>
-            <a:r>
-              <a:rPr lang="sr-Cyrl-RS" dirty="0" smtClean="0">
-                <a:solidFill>
-                  <a:schemeClr val="tx1"/>
-                </a:solidFill>
-                <a:latin typeface="Garamond" pitchFamily="18" charset="0"/>
-              </a:rPr>
-              <a:t>код се налази у </a:t>
-            </a:r>
-            <a:r>
-              <a:rPr lang="sr-Cyrl-RS" dirty="0" smtClean="0">
-                <a:solidFill>
-                  <a:schemeClr val="tx1"/>
-                </a:solidFill>
-                <a:latin typeface="Garamond" pitchFamily="18" charset="0"/>
-              </a:rPr>
-              <a:t>класама</a:t>
-            </a:r>
-            <a:r>
-              <a:rPr lang="sr-Cyrl-RS" dirty="0" smtClean="0">
-                <a:solidFill>
-                  <a:schemeClr val="tx1"/>
-                </a:solidFill>
-                <a:latin typeface="Garamond" pitchFamily="18" charset="0"/>
-              </a:rPr>
-              <a:t>.</a:t>
+              <a:t>Целокупан Јава програмски код се налази у класама.</a:t>
             </a:r>
           </a:p>
           <a:p>
@@ -20819,24 +22566,15 @@
                 </a:solidFill>
                 <a:latin typeface="+mn-lt"/>
               </a:rPr>
-              <a:t>main</a:t>
-            </a:r>
-            <a:r>
-              <a:rPr lang="en-US" sz="2000" dirty="0" smtClean="0">
+              <a:t>main()</a:t>
+            </a:r>
+            <a:r>
+              <a:rPr lang="sr-Cyrl-RS" sz="2000" dirty="0" smtClean="0">
                 <a:solidFill>
                   <a:schemeClr val="tx1"/>
                 </a:solidFill>
                 <a:latin typeface="+mn-lt"/>
               </a:rPr>
-              <a:t>()</a:t>
-            </a:r>
-            <a:r>
-              <a:rPr lang="sr-Cyrl-RS" sz="2000" dirty="0" smtClean="0">
-                <a:solidFill>
-                  <a:schemeClr val="tx1"/>
-                </a:solidFill>
-                <a:latin typeface="+mn-lt"/>
-              </a:rPr>
               <a:t>, </a:t>
             </a:r>
             <a:r>
@@ -20846,16 +22584,7 @@
                 </a:solidFill>
                 <a:latin typeface="Garamond" panose="02020404030301010803" pitchFamily="18" charset="0"/>
               </a:rPr>
-              <a:t>тј. извршавање </a:t>
-            </a:r>
-            <a:r>
-              <a:rPr lang="sr-Cyrl-RS" dirty="0" smtClean="0">
-                <a:solidFill>
-                  <a:schemeClr val="tx1"/>
-                </a:solidFill>
-                <a:latin typeface="Garamond" pitchFamily="18" charset="0"/>
-              </a:rPr>
-              <a:t>програма почиње извршавањем ове методе (функције)</a:t>
+              <a:t>тј. извршавање програма почиње извршавањем ове методе (функције)</a:t>
             </a:r>
             <a:endParaRPr lang="ru-RU" dirty="0">
               <a:solidFill>
@@ -20968,16 +22697,7 @@
                 </a:solidFill>
                 <a:latin typeface="Garamond" pitchFamily="18" charset="0"/>
               </a:rPr>
-              <a:t>а </a:t>
-            </a:r>
-            <a:r>
-              <a:rPr lang="sr-Cyrl-RS" dirty="0" smtClean="0">
-                <a:solidFill>
-                  <a:schemeClr val="tx1"/>
-                </a:solidFill>
-                <a:latin typeface="Garamond" pitchFamily="18" charset="0"/>
-              </a:rPr>
-              <a:t>би се програм могао извршити, метод </a:t>
+              <a:t>а би се програм могао извршити, метод </a:t>
             </a:r>
             <a:r>
               <a:rPr lang="en-US" sz="2000" dirty="0" smtClean="0">
@@ -20986,25 +22706,7 @@
                 </a:solidFill>
                 <a:latin typeface="+mn-lt"/>
               </a:rPr>
-              <a:t>main</a:t>
-            </a:r>
-            <a:r>
-              <a:rPr lang="en-US" sz="2000" dirty="0" smtClean="0">
-                <a:solidFill>
-                  <a:schemeClr val="tx1"/>
-                </a:solidFill>
-                <a:latin typeface="+mn-lt"/>
-              </a:rPr>
-              <a:t>()</a:t>
-            </a:r>
-            <a:r>
-              <a:rPr lang="en-US" sz="2000" dirty="0" smtClean="0">
-                <a:solidFill>
-                  <a:schemeClr val="tx1"/>
-                </a:solidFill>
-                <a:latin typeface="+mn-lt"/>
-              </a:rPr>
-              <a:t> </a:t>
+              <a:t>main() </a:t>
             </a:r>
             <a:r>
               <a:rPr lang="sr-Cyrl-RS" dirty="0" smtClean="0">
@@ -21117,25 +22819,7 @@
                 </a:solidFill>
                 <a:latin typeface="Garamond" panose="02020404030301010803" pitchFamily="18" charset="0"/>
               </a:rPr>
-              <a:t>а крају, </a:t>
-            </a:r>
-            <a:r>
-              <a:rPr lang="sr-Cyrl-RS" dirty="0" smtClean="0">
-                <a:solidFill>
-                  <a:schemeClr val="tx1"/>
-                </a:solidFill>
-                <a:latin typeface="Garamond" panose="02020404030301010803" pitchFamily="18" charset="0"/>
-              </a:rPr>
-              <a:t>метод </a:t>
-            </a:r>
-            <a:r>
-              <a:rPr lang="sr-Cyrl-RS" dirty="0" smtClean="0">
-                <a:solidFill>
-                  <a:schemeClr val="tx1"/>
-                </a:solidFill>
-                <a:latin typeface="Garamond" panose="02020404030301010803" pitchFamily="18" charset="0"/>
-              </a:rPr>
-              <a:t>мора имати један параметар који омогућује да се прочитају вредности прослеђена преко командне линије приликом покретања програма</a:t>
+              <a:t>а крају, метод мора имати један параметар који омогућује да се прочитају вредности прослеђена преко командне линије приликом покретања програма</a:t>
             </a:r>
             <a:endParaRPr lang="en-US" dirty="0" smtClean="0">
               <a:solidFill>
@@ -21160,43 +22844,7 @@
                 </a:solidFill>
                 <a:latin typeface="Garamond" pitchFamily="18" charset="0"/>
               </a:rPr>
-              <a:t>Дакле, з</a:t>
-            </a:r>
-            <a:r>
-              <a:rPr lang="sr-Cyrl-RS" dirty="0" smtClean="0">
-                <a:solidFill>
-                  <a:schemeClr val="tx1"/>
-                </a:solidFill>
-                <a:latin typeface="Garamond" pitchFamily="18" charset="0"/>
-              </a:rPr>
-              <a:t>аглавље </a:t>
-            </a:r>
-            <a:r>
-              <a:rPr lang="sr-Cyrl-RS" dirty="0" smtClean="0">
-                <a:solidFill>
-                  <a:schemeClr val="tx1"/>
-                </a:solidFill>
-                <a:latin typeface="Garamond" pitchFamily="18" charset="0"/>
-              </a:rPr>
-              <a:t>овог метода </a:t>
-            </a:r>
-            <a:r>
-              <a:rPr lang="sr-Cyrl-RS" dirty="0" smtClean="0">
-                <a:solidFill>
-                  <a:schemeClr val="tx1"/>
-                </a:solidFill>
-                <a:latin typeface="Garamond" pitchFamily="18" charset="0"/>
-              </a:rPr>
-              <a:t>мора да има </a:t>
-            </a:r>
-            <a:r>
-              <a:rPr lang="sr-Cyrl-RS" dirty="0" smtClean="0">
-                <a:solidFill>
-                  <a:schemeClr val="tx1"/>
-                </a:solidFill>
-                <a:latin typeface="Garamond" pitchFamily="18" charset="0"/>
-              </a:rPr>
-              <a:t>следећи облик:</a:t>
+              <a:t>Дакле, заглавље овог метода мора да има следећи облик:</a:t>
             </a:r>
           </a:p>
           <a:p>
@@ -22525,7 +24173,33 @@
                 </a:solidFill>
                 <a:latin typeface="Garamond" pitchFamily="18" charset="0"/>
               </a:rPr>
-              <a:t>у </a:t>
+              <a:t>у том случају се реализација издвојених функцоналности  измешта из метода </a:t>
+            </a:r>
+            <a:r>
+              <a:rPr lang="en-US" sz="2000" dirty="0" smtClean="0">
+                <a:solidFill>
+                  <a:schemeClr val="tx1"/>
+                </a:solidFill>
+                <a:latin typeface="+mn-lt"/>
+              </a:rPr>
+              <a:t>main</a:t>
+            </a:r>
+            <a:r>
+              <a:rPr lang="sr-Cyrl-RS" sz="2000" dirty="0" smtClean="0">
+                <a:solidFill>
+                  <a:schemeClr val="tx1"/>
+                </a:solidFill>
+                <a:latin typeface="+mn-lt"/>
+              </a:rPr>
+              <a:t>()</a:t>
+            </a:r>
+            <a:r>
+              <a:rPr lang="en-US" dirty="0" smtClean="0">
+                <a:solidFill>
+                  <a:schemeClr val="tx1"/>
+                </a:solidFill>
+              </a:rPr>
+              <a:t> </a:t>
             </a:r>
             <a:r>
               <a:rPr lang="sr-Cyrl-RS" dirty="0" smtClean="0">
@@ -22534,60 +24208,7 @@
                 </a:solidFill>
                 <a:latin typeface="Garamond" pitchFamily="18" charset="0"/>
               </a:rPr>
-              <a:t>том случају се реализација издвојених функцоналности  измешта из метода </a:t>
-            </a:r>
-            <a:r>
-              <a:rPr lang="en-US" sz="2000" dirty="0" smtClean="0">
-                <a:solidFill>
-                  <a:schemeClr val="tx1"/>
-                </a:solidFill>
-                <a:latin typeface="+mn-lt"/>
-              </a:rPr>
-              <a:t>main</a:t>
-            </a:r>
-            <a:r>
-              <a:rPr lang="sr-Cyrl-RS" sz="2000" dirty="0" smtClean="0">
-                <a:solidFill>
-                  <a:schemeClr val="tx1"/>
-                </a:solidFill>
-                <a:latin typeface="+mn-lt"/>
-              </a:rPr>
-              <a:t>()</a:t>
-            </a:r>
-            <a:r>
-              <a:rPr lang="en-US" dirty="0" smtClean="0">
-                <a:solidFill>
-                  <a:schemeClr val="tx1"/>
-                </a:solidFill>
-              </a:rPr>
-              <a:t> </a:t>
-            </a:r>
-            <a:r>
-              <a:rPr lang="sr-Cyrl-RS" dirty="0" smtClean="0">
-                <a:solidFill>
-                  <a:schemeClr val="tx1"/>
-                </a:solidFill>
-                <a:latin typeface="Garamond" pitchFamily="18" charset="0"/>
-              </a:rPr>
-              <a:t>у </a:t>
-            </a:r>
-            <a:r>
-              <a:rPr lang="sr-Cyrl-RS" dirty="0" smtClean="0">
-                <a:solidFill>
-                  <a:schemeClr val="tx1"/>
-                </a:solidFill>
-                <a:latin typeface="Garamond" pitchFamily="18" charset="0"/>
-              </a:rPr>
-              <a:t>посебни издвојени </a:t>
-            </a:r>
-            <a:r>
-              <a:rPr lang="sr-Cyrl-RS" dirty="0" smtClean="0">
-                <a:solidFill>
-                  <a:schemeClr val="tx1"/>
-                </a:solidFill>
-                <a:latin typeface="Garamond" pitchFamily="18" charset="0"/>
-              </a:rPr>
-              <a:t>метод (такође маркиран кључном речју </a:t>
+              <a:t>у посебни издвојени метод (такође маркиран кључном речју </a:t>
             </a:r>
             <a:r>
               <a:rPr lang="en-US" sz="2000" dirty="0" smtClean="0">
@@ -22633,79 +24254,52 @@
                 </a:solidFill>
                 <a:latin typeface="Garamond" pitchFamily="18" charset="0"/>
               </a:rPr>
+              <a:t> методу </a:t>
+            </a:r>
+            <a:r>
+              <a:rPr lang="en-US" sz="2000" dirty="0" smtClean="0">
+                <a:solidFill>
+                  <a:schemeClr val="tx1"/>
+                </a:solidFill>
+                <a:latin typeface="+mn-lt"/>
+              </a:rPr>
+              <a:t>main</a:t>
+            </a:r>
+            <a:r>
+              <a:rPr lang="sr-Cyrl-RS" sz="2000" dirty="0">
+                <a:solidFill>
+                  <a:schemeClr val="tx1"/>
+                </a:solidFill>
+                <a:latin typeface="+mn-lt"/>
+              </a:rPr>
+              <a:t>()</a:t>
+            </a:r>
+            <a:r>
+              <a:rPr lang="en-US" sz="2000" dirty="0">
+                <a:solidFill>
+                  <a:schemeClr val="tx1"/>
+                </a:solidFill>
+                <a:latin typeface="+mn-lt"/>
+              </a:rPr>
               <a:t> </a:t>
             </a:r>
             <a:r>
+              <a:rPr lang="sr-Cyrl-RS" dirty="0">
+                <a:solidFill>
+                  <a:schemeClr val="tx1"/>
+                </a:solidFill>
+                <a:latin typeface="Garamond" pitchFamily="18" charset="0"/>
+              </a:rPr>
+              <a:t>остаје само </a:t>
+            </a:r>
+            <a:r>
               <a:rPr lang="sr-Cyrl-RS" dirty="0" smtClean="0">
                 <a:solidFill>
                   <a:schemeClr val="tx1"/>
                 </a:solidFill>
                 <a:latin typeface="Garamond" pitchFamily="18" charset="0"/>
               </a:rPr>
-              <a:t>методу </a:t>
-            </a:r>
-            <a:r>
-              <a:rPr lang="en-US" sz="2000" dirty="0" smtClean="0">
-                <a:solidFill>
-                  <a:schemeClr val="tx1"/>
-                </a:solidFill>
-                <a:latin typeface="+mn-lt"/>
-              </a:rPr>
-              <a:t>main</a:t>
-            </a:r>
-            <a:r>
-              <a:rPr lang="sr-Cyrl-RS" sz="2000" dirty="0">
-                <a:solidFill>
-                  <a:schemeClr val="tx1"/>
-                </a:solidFill>
-                <a:latin typeface="+mn-lt"/>
-              </a:rPr>
-              <a:t>()</a:t>
-            </a:r>
-            <a:r>
-              <a:rPr lang="en-US" sz="2000" dirty="0">
-                <a:solidFill>
-                  <a:schemeClr val="tx1"/>
-                </a:solidFill>
-                <a:latin typeface="+mn-lt"/>
-              </a:rPr>
-              <a:t> </a:t>
-            </a:r>
-            <a:r>
-              <a:rPr lang="sr-Cyrl-RS" dirty="0">
-                <a:solidFill>
-                  <a:schemeClr val="tx1"/>
-                </a:solidFill>
-                <a:latin typeface="Garamond" pitchFamily="18" charset="0"/>
-              </a:rPr>
-              <a:t>остаје само </a:t>
-            </a:r>
-            <a:r>
-              <a:rPr lang="sr-Cyrl-RS" dirty="0" smtClean="0">
-                <a:solidFill>
-                  <a:schemeClr val="tx1"/>
-                </a:solidFill>
-                <a:latin typeface="Garamond" pitchFamily="18" charset="0"/>
-              </a:rPr>
-              <a:t>позив тог </a:t>
-            </a:r>
-            <a:r>
-              <a:rPr lang="sr-Cyrl-RS" dirty="0" smtClean="0">
-                <a:solidFill>
-                  <a:schemeClr val="tx1"/>
-                </a:solidFill>
-                <a:latin typeface="Garamond" pitchFamily="18" charset="0"/>
-              </a:rPr>
-              <a:t>издвојеног статичког </a:t>
-            </a:r>
-            <a:r>
-              <a:rPr lang="sr-Cyrl-RS" dirty="0" smtClean="0">
-                <a:solidFill>
-                  <a:schemeClr val="tx1"/>
-                </a:solidFill>
-                <a:latin typeface="Garamond" pitchFamily="18" charset="0"/>
-              </a:rPr>
-              <a:t>метода</a:t>
+              <a:t>позив тог издвојеног статичког метода</a:t>
             </a:r>
           </a:p>
           <a:p>
@@ -22724,7 +24318,16 @@
                 </a:solidFill>
                 <a:latin typeface="Garamond" pitchFamily="18" charset="0"/>
               </a:rPr>
-              <a:t>Поступак декомпозиције се може даље </a:t>
+              <a:t>Поступак декомпозиције се може даље наставити</a:t>
+            </a:r>
+            <a:r>
+              <a:rPr lang="en-US" dirty="0" smtClean="0">
+                <a:solidFill>
+                  <a:schemeClr val="tx1"/>
+                </a:solidFill>
+                <a:latin typeface="Garamond" pitchFamily="18" charset="0"/>
+              </a:rPr>
+              <a:t>, </a:t>
             </a:r>
             <a:r>
               <a:rPr lang="sr-Cyrl-RS" dirty="0" smtClean="0">
@@ -22733,32 +24336,8 @@
                 </a:solidFill>
                 <a:latin typeface="Garamond" pitchFamily="18" charset="0"/>
               </a:rPr>
-              <a:t>наставити</a:t>
-            </a:r>
-            <a:r>
-              <a:rPr lang="en-US" dirty="0" smtClean="0">
-                <a:solidFill>
-                  <a:schemeClr val="tx1"/>
-                </a:solidFill>
-                <a:latin typeface="Garamond" pitchFamily="18" charset="0"/>
-              </a:rPr>
-              <a:t>, </a:t>
-            </a:r>
-            <a:r>
-              <a:rPr lang="sr-Cyrl-RS" dirty="0" smtClean="0">
-                <a:solidFill>
-                  <a:schemeClr val="tx1"/>
-                </a:solidFill>
-                <a:latin typeface="Garamond" pitchFamily="18" charset="0"/>
-              </a:rPr>
               <a:t>ако има потребе за тим</a:t>
             </a:r>
-            <a:endParaRPr lang="sr-Cyrl-RS" dirty="0" smtClean="0">
-              <a:solidFill>
-                <a:schemeClr val="tx1"/>
-              </a:solidFill>
-              <a:latin typeface="Garamond" pitchFamily="18" charset="0"/>
-            </a:endParaRPr>
           </a:p>
         </p:txBody>
       </p:sp>
@@ -23533,13 +25112,7 @@
               <a:rPr lang="ru-RU" altLang="en-US" sz="2400" dirty="0" smtClean="0">
                 <a:latin typeface="Garamond" panose="02020404030301010803" pitchFamily="18" charset="0"/>
               </a:rPr>
-              <a:t>Код функционалне декомпозиције, статички м</a:t>
-            </a:r>
-            <a:r>
-              <a:rPr lang="ru-RU" altLang="en-US" sz="2400" dirty="0" smtClean="0">
-                <a:latin typeface="Garamond" panose="02020404030301010803" pitchFamily="18" charset="0"/>
-              </a:rPr>
-              <a:t>етоди</a:t>
+              <a:t>Код функционалне декомпозиције, статички методи</a:t>
             </a:r>
             <a:r>
               <a:rPr lang="en-US" altLang="en-US" sz="2400" dirty="0" smtClean="0">
@@ -28325,16 +29898,7 @@
                 </a:solidFill>
                 <a:latin typeface="Garamond" pitchFamily="18" charset="0"/>
               </a:rPr>
-              <a:t> </a:t>
-            </a:r>
-            <a:r>
-              <a:rPr lang="en-US" dirty="0" smtClean="0">
-                <a:solidFill>
-                  <a:schemeClr val="tx1"/>
-                </a:solidFill>
-                <a:latin typeface="Garamond" pitchFamily="18" charset="0"/>
-              </a:rPr>
-              <a:t>(</a:t>
+              <a:t> (</a:t>
             </a:r>
             <a:r>
               <a:rPr lang="sr-Cyrl-RS" dirty="0" smtClean="0">
@@ -29112,7 +30676,82 @@
       </p:grpSpPr>
       <p:sp>
         <p:nvSpPr>
-          <p:cNvPr id="5122" name="Text Box 2"/>
+          <p:cNvPr id="4098" name="Rectangle 2"/>
+          <p:cNvSpPr>
+            <a:spLocks noGrp="1" noChangeArrowheads="1"/>
+          </p:cNvSpPr>
+          <p:nvPr>
+            <p:ph type="ctrTitle"/>
+          </p:nvPr>
+        </p:nvSpPr>
+        <p:spPr>
+          <a:xfrm>
+            <a:off x="395288" y="1628775"/>
+            <a:ext cx="8569325" cy="1144588"/>
+          </a:xfrm>
+        </p:spPr>
+        <p:txBody>
+          <a:bodyPr/>
+          <a:lstStyle/>
+          <a:p>
+            <a:pPr eaLnBrk="1" hangingPunct="1"/>
+            <a:r>
+              <a:rPr lang="sr-Cyrl-RS" altLang="en-US" sz="5400" dirty="0" smtClean="0">
+                <a:solidFill>
+                  <a:srgbClr val="3366FF"/>
+                </a:solidFill>
+              </a:rPr>
+              <a:t>Предефинисани </a:t>
+            </a:r>
+            <a:r>
+              <a:rPr lang="en-US" altLang="en-US" sz="5400" dirty="0" smtClean="0">
+                <a:solidFill>
+                  <a:srgbClr val="3366FF"/>
+                </a:solidFill>
+              </a:rPr>
+              <a:t/>
+            </a:r>
+            <a:br>
+              <a:rPr lang="en-US" altLang="en-US" sz="5400" dirty="0" smtClean="0">
+                <a:solidFill>
+                  <a:srgbClr val="3366FF"/>
+                </a:solidFill>
+              </a:rPr>
+            </a:br>
+            <a:r>
+              <a:rPr lang="sr-Cyrl-RS" altLang="en-US" sz="5400" dirty="0" smtClean="0">
+                <a:solidFill>
+                  <a:srgbClr val="3366FF"/>
+                </a:solidFill>
+              </a:rPr>
+              <a:t>типови и објекти </a:t>
+            </a:r>
+            <a:br>
+              <a:rPr lang="sr-Cyrl-RS" altLang="en-US" sz="5400" dirty="0" smtClean="0">
+                <a:solidFill>
+                  <a:srgbClr val="3366FF"/>
+                </a:solidFill>
+              </a:rPr>
+            </a:br>
+            <a:r>
+              <a:rPr lang="sr-Cyrl-RS" altLang="en-US" sz="5400" dirty="0" smtClean="0">
+                <a:solidFill>
+                  <a:srgbClr val="3366FF"/>
+                </a:solidFill>
+              </a:rPr>
+              <a:t>у програмском језику Јава</a:t>
+            </a:r>
+            <a:endParaRPr lang="sr-Latn-CS" altLang="en-US" sz="5400" dirty="0" smtClean="0">
+              <a:solidFill>
+                <a:srgbClr val="3366FF"/>
+              </a:solidFill>
+            </a:endParaRPr>
+          </a:p>
+        </p:txBody>
+      </p:sp>
+      <p:sp>
+        <p:nvSpPr>
+          <p:cNvPr id="5" name="Rectangle 3"/>
           <p:cNvSpPr txBox="1">
             <a:spLocks noChangeArrowheads="1"/>
           </p:cNvSpPr>
@@ -29120,8 +30759,8 @@
         </p:nvSpPr>
         <p:spPr bwMode="auto">
           <a:xfrm>
-            <a:off x="1219200" y="685800"/>
-            <a:ext cx="6705600" cy="457200"/>
+            <a:off x="3563888" y="3356992"/>
+            <a:ext cx="5110162" cy="1752600"/>
           </a:xfrm>
           <a:prstGeom prst="rect">
             <a:avLst/>
@@ -29139,7 +30778,7 @@
               </a14:hiddenFill>
             </a:ext>
             <a:ext uri="{91240B29-F687-4F45-9708-019B960494DF}">
-              <a14:hiddenLine xmlns:a14="http://schemas.microsoft.com/office/drawing/2010/main" w="12700">
+              <a14:hiddenLine xmlns:a14="http://schemas.microsoft.com/office/drawing/2010/main" w="9525">
                 <a:solidFill>
                   <a:srgbClr val="000000"/>
                 </a:solidFill>
@@ -29151,30 +30790,40 @@
           </a:extLst>
         </p:spPr>
         <p:txBody>
-          <a:bodyPr>
-            <a:spAutoFit/>
+          <a:bodyPr vert="horz" wrap="square" lIns="91440" tIns="45720" rIns="91440" bIns="45720" numCol="1" anchor="t" anchorCtr="0" compatLnSpc="1">
+            <a:prstTxWarp prst="textNoShape">
+              <a:avLst/>
+            </a:prstTxWarp>
           </a:bodyPr>
           <a:lstStyle>
-            <a:lvl1pPr>
-              <a:spcBef>
-                <a:spcPct val="20000"/>
-              </a:spcBef>
+            <a:lvl1pPr marL="0" indent="0" algn="r" rtl="0" eaLnBrk="0" fontAlgn="base" hangingPunct="0">
+              <a:spcBef>
+                <a:spcPct val="20000"/>
+              </a:spcBef>
+              <a:spcAft>
+                <a:spcPct val="0"/>
+              </a:spcAft>
               <a:buClr>
                 <a:schemeClr val="accent1"/>
               </a:buClr>
               <a:buFont typeface="Wingdings" panose="05000000000000000000" pitchFamily="2" charset="2"/>
-              <a:buChar char="l"/>
+              <a:buNone/>
               <a:defRPr sz="3200">
                 <a:solidFill>
                   <a:schemeClr val="tx1"/>
                 </a:solidFill>
-                <a:latin typeface="Arial" panose="020B0604020202020204" pitchFamily="34" charset="0"/>
+                <a:latin typeface="+mn-lt"/>
+                <a:ea typeface="+mn-ea"/>
+                <a:cs typeface="+mn-cs"/>
               </a:defRPr>
             </a:lvl1pPr>
-            <a:lvl2pPr marL="742950" indent="-285750">
-              <a:spcBef>
-                <a:spcPct val="20000"/>
-              </a:spcBef>
+            <a:lvl2pPr marL="742950" indent="-285750" algn="l" rtl="0" eaLnBrk="0" fontAlgn="base" hangingPunct="0">
+              <a:spcBef>
+                <a:spcPct val="20000"/>
+              </a:spcBef>
+              <a:spcAft>
+                <a:spcPct val="0"/>
+              </a:spcAft>
               <a:buClr>
                 <a:schemeClr val="accent1"/>
               </a:buClr>
@@ -29184,13 +30833,16 @@
                 <a:solidFill>
                   <a:schemeClr val="tx1"/>
                 </a:solidFill>
-                <a:latin typeface="Arial" panose="020B0604020202020204" pitchFamily="34" charset="0"/>
+                <a:latin typeface="+mn-lt"/>
               </a:defRPr>
             </a:lvl2pPr>
-            <a:lvl3pPr marL="1143000" indent="-228600">
-              <a:spcBef>
-                <a:spcPct val="20000"/>
-              </a:spcBef>
+            <a:lvl3pPr marL="1143000" indent="-228600" algn="l" rtl="0" eaLnBrk="0" fontAlgn="base" hangingPunct="0">
+              <a:spcBef>
+                <a:spcPct val="20000"/>
+              </a:spcBef>
+              <a:spcAft>
+                <a:spcPct val="0"/>
+              </a:spcAft>
               <a:buClr>
                 <a:schemeClr val="accent1"/>
               </a:buClr>
@@ -29200,13 +30852,16 @@
                 <a:solidFill>
                   <a:schemeClr val="tx1"/>
                 </a:solidFill>
-                <a:latin typeface="Arial" panose="020B0604020202020204" pitchFamily="34" charset="0"/>
+                <a:latin typeface="+mn-lt"/>
               </a:defRPr>
             </a:lvl3pPr>
-            <a:lvl4pPr marL="1600200" indent="-228600">
-              <a:spcBef>
-                <a:spcPct val="20000"/>
-              </a:spcBef>
+            <a:lvl4pPr marL="1600200" indent="-228600" algn="l" rtl="0" eaLnBrk="0" fontAlgn="base" hangingPunct="0">
+              <a:spcBef>
+                <a:spcPct val="20000"/>
+              </a:spcBef>
+              <a:spcAft>
+                <a:spcPct val="0"/>
+              </a:spcAft>
               <a:buClr>
                 <a:schemeClr val="accent1"/>
               </a:buClr>
@@ -29215,13 +30870,16 @@
                 <a:solidFill>
                   <a:schemeClr val="tx1"/>
                 </a:solidFill>
-                <a:latin typeface="Arial" panose="020B0604020202020204" pitchFamily="34" charset="0"/>
+                <a:latin typeface="+mn-lt"/>
               </a:defRPr>
             </a:lvl4pPr>
-            <a:lvl5pPr marL="2057400" indent="-228600">
-              <a:spcBef>
-                <a:spcPct val="20000"/>
-              </a:spcBef>
+            <a:lvl5pPr marL="2057400" indent="-228600" algn="l" rtl="0" eaLnBrk="0" fontAlgn="base" hangingPunct="0">
+              <a:spcBef>
+                <a:spcPct val="20000"/>
+              </a:spcBef>
+              <a:spcAft>
+                <a:spcPct val="0"/>
+              </a:spcAft>
               <a:buClr>
                 <a:schemeClr val="accent1"/>
               </a:buClr>
@@ -29231,1252 +30889,181 @@
                 <a:solidFill>
                   <a:schemeClr val="tx1"/>
                 </a:solidFill>
-                <a:latin typeface="Arial" panose="020B0604020202020204" pitchFamily="34" charset="0"/>
+                <a:latin typeface="+mn-lt"/>
               </a:defRPr>
             </a:lvl5pPr>
-            <a:lvl6pPr marL="2514600" indent="-228600" eaLnBrk="0" fontAlgn="base" hangingPunct="0">
-              <a:spcBef>
-                <a:spcPct val="20000"/>
-              </a:spcBef>
-              <a:spcAft>
-                <a:spcPct val="0"/>
-              </a:spcAft>
-              <a:buClr>
-                <a:schemeClr val="accent1"/>
-              </a:buClr>
-              <a:buFont typeface="Wingdings" panose="05000000000000000000" pitchFamily="2" charset="2"/>
+            <a:lvl6pPr marL="2514600" indent="-228600" algn="l" rtl="0" fontAlgn="base">
+              <a:spcBef>
+                <a:spcPct val="20000"/>
+              </a:spcBef>
+              <a:spcAft>
+                <a:spcPct val="0"/>
+              </a:spcAft>
+              <a:buClr>
+                <a:schemeClr val="accent1"/>
+              </a:buClr>
+              <a:buFont typeface="Wingdings" pitchFamily="2" charset="2"/>
               <a:buChar char=""/>
               <a:defRPr sz="2000">
                 <a:solidFill>
                   <a:schemeClr val="tx1"/>
                 </a:solidFill>
-                <a:latin typeface="Arial" panose="020B0604020202020204" pitchFamily="34" charset="0"/>
+                <a:latin typeface="+mn-lt"/>
               </a:defRPr>
             </a:lvl6pPr>
-            <a:lvl7pPr marL="2971800" indent="-228600" eaLnBrk="0" fontAlgn="base" hangingPunct="0">
-              <a:spcBef>
-                <a:spcPct val="20000"/>
-              </a:spcBef>
-              <a:spcAft>
-                <a:spcPct val="0"/>
-              </a:spcAft>
-              <a:buClr>
-                <a:schemeClr val="accent1"/>
-              </a:buClr>
-              <a:buFont typeface="Wingdings" panose="05000000000000000000" pitchFamily="2" charset="2"/>
+            <a:lvl7pPr marL="2971800" indent="-228600" algn="l" rtl="0" fontAlgn="base">
+              <a:spcBef>
+                <a:spcPct val="20000"/>
+              </a:spcBef>
+              <a:spcAft>
+                <a:spcPct val="0"/>
+              </a:spcAft>
+              <a:buClr>
+                <a:schemeClr val="accent1"/>
+              </a:buClr>
+              <a:buFont typeface="Wingdings" pitchFamily="2" charset="2"/>
               <a:buChar char=""/>
               <a:defRPr sz="2000">
                 <a:solidFill>
                   <a:schemeClr val="tx1"/>
                 </a:solidFill>
-                <a:latin typeface="Arial" panose="020B0604020202020204" pitchFamily="34" charset="0"/>
+                <a:latin typeface="+mn-lt"/>
               </a:defRPr>
             </a:lvl7pPr>
-            <a:lvl8pPr marL="3429000" indent="-228600" eaLnBrk="0" fontAlgn="base" hangingPunct="0">
-              <a:spcBef>
-                <a:spcPct val="20000"/>
-              </a:spcBef>
-              <a:spcAft>
-                <a:spcPct val="0"/>
-              </a:spcAft>
-              <a:buClr>
-                <a:schemeClr val="accent1"/>
-              </a:buClr>
-              <a:buFont typeface="Wingdings" panose="05000000000000000000" pitchFamily="2" charset="2"/>
+            <a:lvl8pPr marL="3429000" indent="-228600" algn="l" rtl="0" fontAlgn="base">
+              <a:spcBef>
+                <a:spcPct val="20000"/>
+              </a:spcBef>
+              <a:spcAft>
+                <a:spcPct val="0"/>
+              </a:spcAft>
+              <a:buClr>
+                <a:schemeClr val="accent1"/>
+              </a:buClr>
+              <a:buFont typeface="Wingdings" pitchFamily="2" charset="2"/>
               <a:buChar char=""/>
               <a:defRPr sz="2000">
                 <a:solidFill>
                   <a:schemeClr val="tx1"/>
                 </a:solidFill>
-                <a:latin typeface="Arial" panose="020B0604020202020204" pitchFamily="34" charset="0"/>
+                <a:latin typeface="+mn-lt"/>
               </a:defRPr>
             </a:lvl8pPr>
-            <a:lvl9pPr marL="3886200" indent="-228600" eaLnBrk="0" fontAlgn="base" hangingPunct="0">
-              <a:spcBef>
-                <a:spcPct val="20000"/>
-              </a:spcBef>
-              <a:spcAft>
-                <a:spcPct val="0"/>
-              </a:spcAft>
-              <a:buClr>
-                <a:schemeClr val="accent1"/>
-              </a:buClr>
-              <a:buFont typeface="Wingdings" panose="05000000000000000000" pitchFamily="2" charset="2"/>
+            <a:lvl9pPr marL="3886200" indent="-228600" algn="l" rtl="0" fontAlgn="base">
+              <a:spcBef>
+                <a:spcPct val="20000"/>
+              </a:spcBef>
+              <a:spcAft>
+                <a:spcPct val="0"/>
+              </a:spcAft>
+              <a:buClr>
+                <a:schemeClr val="accent1"/>
+              </a:buClr>
+              <a:buFont typeface="Wingdings" pitchFamily="2" charset="2"/>
               <a:buChar char=""/>
               <a:defRPr sz="2000">
                 <a:solidFill>
                   <a:schemeClr val="tx1"/>
                 </a:solidFill>
-                <a:latin typeface="Arial" panose="020B0604020202020204" pitchFamily="34" charset="0"/>
+                <a:latin typeface="+mn-lt"/>
               </a:defRPr>
             </a:lvl9pPr>
           </a:lstStyle>
           <a:p>
-            <a:pPr>
-              <a:spcBef>
-                <a:spcPct val="50000"/>
-              </a:spcBef>
-              <a:buClrTx/>
-              <a:buFontTx/>
-              <a:buNone/>
-            </a:pPr>
-            <a:endParaRPr lang="sr-Latn-CS" altLang="en-US" sz="2400">
+            <a:pPr eaLnBrk="1" hangingPunct="1"/>
+            <a:r>
+              <a:rPr lang="sr-Cyrl-RS" altLang="en-US" kern="0" dirty="0" smtClean="0">
+                <a:solidFill>
+                  <a:srgbClr val="993300"/>
+                </a:solidFill>
+                <a:latin typeface="Times New Roman" panose="02020603050405020304" pitchFamily="18" charset="0"/>
+                <a:cs typeface="Times New Roman" panose="02020603050405020304" pitchFamily="18" charset="0"/>
+              </a:rPr>
+              <a:t>Владимир Филиповић</a:t>
+            </a:r>
+            <a:endParaRPr lang="en-US" altLang="en-US" kern="0" dirty="0" smtClean="0">
+              <a:solidFill>
+                <a:srgbClr val="993300"/>
+              </a:solidFill>
               <a:latin typeface="Times New Roman" panose="02020603050405020304" pitchFamily="18" charset="0"/>
+              <a:cs typeface="Times New Roman" panose="02020603050405020304" pitchFamily="18" charset="0"/>
             </a:endParaRPr>
           </a:p>
-        </p:txBody>
-      </p:sp>
-      <p:sp>
-        <p:nvSpPr>
-          <p:cNvPr id="5123" name="Text Box 3"/>
-          <p:cNvSpPr txBox="1">
-            <a:spLocks noChangeArrowheads="1"/>
-          </p:cNvSpPr>
-          <p:nvPr/>
-        </p:nvSpPr>
-        <p:spPr bwMode="auto">
-          <a:xfrm>
-            <a:off x="685800" y="838200"/>
-            <a:ext cx="7620000" cy="457200"/>
-          </a:xfrm>
-          <a:prstGeom prst="rect">
-            <a:avLst/>
-          </a:prstGeom>
-          <a:noFill/>
-          <a:ln>
-            <a:noFill/>
-          </a:ln>
-          <a:extLst>
-            <a:ext uri="{909E8E84-426E-40DD-AFC4-6F175D3DCCD1}">
-              <a14:hiddenFill xmlns:a14="http://schemas.microsoft.com/office/drawing/2010/main">
-                <a:solidFill>
-                  <a:srgbClr val="FFFFFF"/>
-                </a:solidFill>
-              </a14:hiddenFill>
-            </a:ext>
-            <a:ext uri="{91240B29-F687-4F45-9708-019B960494DF}">
-              <a14:hiddenLine xmlns:a14="http://schemas.microsoft.com/office/drawing/2010/main" w="12700">
-                <a:solidFill>
-                  <a:srgbClr val="000000"/>
-                </a:solidFill>
-                <a:miter lim="800000"/>
-                <a:headEnd/>
-                <a:tailEnd/>
-              </a14:hiddenLine>
-            </a:ext>
-          </a:extLst>
-        </p:spPr>
-        <p:txBody>
-          <a:bodyPr>
-            <a:spAutoFit/>
-          </a:bodyPr>
-          <a:lstStyle>
-            <a:lvl1pPr>
-              <a:spcBef>
-                <a:spcPct val="20000"/>
-              </a:spcBef>
-              <a:buClr>
-                <a:schemeClr val="accent1"/>
-              </a:buClr>
-              <a:buFont typeface="Wingdings" panose="05000000000000000000" pitchFamily="2" charset="2"/>
-              <a:buChar char="l"/>
-              <a:defRPr sz="3200">
-                <a:solidFill>
-                  <a:schemeClr val="tx1"/>
-                </a:solidFill>
-                <a:latin typeface="Arial" panose="020B0604020202020204" pitchFamily="34" charset="0"/>
-              </a:defRPr>
-            </a:lvl1pPr>
-            <a:lvl2pPr marL="742950" indent="-285750">
-              <a:spcBef>
-                <a:spcPct val="20000"/>
-              </a:spcBef>
-              <a:buClr>
-                <a:schemeClr val="accent1"/>
-              </a:buClr>
-              <a:buFont typeface="Wingdings" panose="05000000000000000000" pitchFamily="2" charset="2"/>
-              <a:buChar char="¡"/>
-              <a:defRPr sz="2700">
-                <a:solidFill>
-                  <a:schemeClr val="tx1"/>
-                </a:solidFill>
-                <a:latin typeface="Arial" panose="020B0604020202020204" pitchFamily="34" charset="0"/>
-              </a:defRPr>
-            </a:lvl2pPr>
-            <a:lvl3pPr marL="1143000" indent="-228600">
-              <a:spcBef>
-                <a:spcPct val="20000"/>
-              </a:spcBef>
-              <a:buClr>
-                <a:schemeClr val="accent1"/>
-              </a:buClr>
-              <a:buFont typeface="Wingdings" panose="05000000000000000000" pitchFamily="2" charset="2"/>
-              <a:buChar char="l"/>
-              <a:defRPr sz="2300">
-                <a:solidFill>
-                  <a:schemeClr val="tx1"/>
-                </a:solidFill>
-                <a:latin typeface="Arial" panose="020B0604020202020204" pitchFamily="34" charset="0"/>
-              </a:defRPr>
-            </a:lvl3pPr>
-            <a:lvl4pPr marL="1600200" indent="-228600">
-              <a:spcBef>
-                <a:spcPct val="20000"/>
-              </a:spcBef>
-              <a:buClr>
-                <a:schemeClr val="accent1"/>
-              </a:buClr>
-              <a:buChar char="•"/>
-              <a:defRPr sz="2000">
-                <a:solidFill>
-                  <a:schemeClr val="tx1"/>
-                </a:solidFill>
-                <a:latin typeface="Arial" panose="020B0604020202020204" pitchFamily="34" charset="0"/>
-              </a:defRPr>
-            </a:lvl4pPr>
-            <a:lvl5pPr marL="2057400" indent="-228600">
-              <a:spcBef>
-                <a:spcPct val="20000"/>
-              </a:spcBef>
-              <a:buClr>
-                <a:schemeClr val="accent1"/>
-              </a:buClr>
-              <a:buFont typeface="Wingdings" panose="05000000000000000000" pitchFamily="2" charset="2"/>
-              <a:buChar char=""/>
-              <a:defRPr sz="2000">
-                <a:solidFill>
-                  <a:schemeClr val="tx1"/>
-                </a:solidFill>
-                <a:latin typeface="Arial" panose="020B0604020202020204" pitchFamily="34" charset="0"/>
-              </a:defRPr>
-            </a:lvl5pPr>
-            <a:lvl6pPr marL="2514600" indent="-228600" eaLnBrk="0" fontAlgn="base" hangingPunct="0">
-              <a:spcBef>
-                <a:spcPct val="20000"/>
-              </a:spcBef>
-              <a:spcAft>
-                <a:spcPct val="0"/>
-              </a:spcAft>
-              <a:buClr>
-                <a:schemeClr val="accent1"/>
-              </a:buClr>
-              <a:buFont typeface="Wingdings" panose="05000000000000000000" pitchFamily="2" charset="2"/>
-              <a:buChar char=""/>
-              <a:defRPr sz="2000">
-                <a:solidFill>
-                  <a:schemeClr val="tx1"/>
-                </a:solidFill>
-                <a:latin typeface="Arial" panose="020B0604020202020204" pitchFamily="34" charset="0"/>
-              </a:defRPr>
-            </a:lvl6pPr>
-            <a:lvl7pPr marL="2971800" indent="-228600" eaLnBrk="0" fontAlgn="base" hangingPunct="0">
-              <a:spcBef>
-                <a:spcPct val="20000"/>
-              </a:spcBef>
-              <a:spcAft>
-                <a:spcPct val="0"/>
-              </a:spcAft>
-              <a:buClr>
-                <a:schemeClr val="accent1"/>
-              </a:buClr>
-              <a:buFont typeface="Wingdings" panose="05000000000000000000" pitchFamily="2" charset="2"/>
-              <a:buChar char=""/>
-              <a:defRPr sz="2000">
-                <a:solidFill>
-                  <a:schemeClr val="tx1"/>
-                </a:solidFill>
-                <a:latin typeface="Arial" panose="020B0604020202020204" pitchFamily="34" charset="0"/>
-              </a:defRPr>
-            </a:lvl7pPr>
-            <a:lvl8pPr marL="3429000" indent="-228600" eaLnBrk="0" fontAlgn="base" hangingPunct="0">
-              <a:spcBef>
-                <a:spcPct val="20000"/>
-              </a:spcBef>
-              <a:spcAft>
-                <a:spcPct val="0"/>
-              </a:spcAft>
-              <a:buClr>
-                <a:schemeClr val="accent1"/>
-              </a:buClr>
-              <a:buFont typeface="Wingdings" panose="05000000000000000000" pitchFamily="2" charset="2"/>
-              <a:buChar char=""/>
-              <a:defRPr sz="2000">
-                <a:solidFill>
-                  <a:schemeClr val="tx1"/>
-                </a:solidFill>
-                <a:latin typeface="Arial" panose="020B0604020202020204" pitchFamily="34" charset="0"/>
-              </a:defRPr>
-            </a:lvl8pPr>
-            <a:lvl9pPr marL="3886200" indent="-228600" eaLnBrk="0" fontAlgn="base" hangingPunct="0">
-              <a:spcBef>
-                <a:spcPct val="20000"/>
-              </a:spcBef>
-              <a:spcAft>
-                <a:spcPct val="0"/>
-              </a:spcAft>
-              <a:buClr>
-                <a:schemeClr val="accent1"/>
-              </a:buClr>
-              <a:buFont typeface="Wingdings" panose="05000000000000000000" pitchFamily="2" charset="2"/>
-              <a:buChar char=""/>
-              <a:defRPr sz="2000">
-                <a:solidFill>
-                  <a:schemeClr val="tx1"/>
-                </a:solidFill>
-                <a:latin typeface="Arial" panose="020B0604020202020204" pitchFamily="34" charset="0"/>
-              </a:defRPr>
-            </a:lvl9pPr>
-          </a:lstStyle>
           <a:p>
-            <a:pPr>
-              <a:spcBef>
-                <a:spcPct val="50000"/>
-              </a:spcBef>
-              <a:buClrTx/>
-              <a:buFontTx/>
-              <a:buNone/>
-            </a:pPr>
-            <a:endParaRPr lang="sr-Latn-CS" altLang="en-US" sz="2400">
+            <a:pPr eaLnBrk="1" hangingPunct="1"/>
+            <a:r>
+              <a:rPr lang="sr-Latn-CS" altLang="en-US" kern="0" dirty="0" smtClean="0">
+                <a:hlinkClick r:id="rId2"/>
+              </a:rPr>
+              <a:t>vladaf@matf.bg.ac.</a:t>
+            </a:r>
+            <a:r>
+              <a:rPr lang="en-US" altLang="en-US" kern="0" dirty="0" err="1" smtClean="0">
+                <a:hlinkClick r:id="rId2"/>
+              </a:rPr>
+              <a:t>rs</a:t>
+            </a:r>
+            <a:endParaRPr lang="sr-Latn-RS" altLang="en-US" kern="0" dirty="0" smtClean="0"/>
+          </a:p>
+          <a:p>
+            <a:pPr eaLnBrk="1" hangingPunct="1"/>
+            <a:r>
+              <a:rPr lang="sr-Cyrl-RS" altLang="en-US" kern="0" dirty="0" smtClean="0">
+                <a:solidFill>
+                  <a:srgbClr val="993300"/>
+                </a:solidFill>
+                <a:latin typeface="Times New Roman" panose="02020603050405020304" pitchFamily="18" charset="0"/>
+                <a:cs typeface="Times New Roman" panose="02020603050405020304" pitchFamily="18" charset="0"/>
+              </a:rPr>
+              <a:t>Александар Картељ</a:t>
+            </a:r>
+            <a:endParaRPr lang="en-US" altLang="en-US" kern="0" dirty="0" smtClean="0">
+              <a:solidFill>
+                <a:srgbClr val="993300"/>
+              </a:solidFill>
               <a:latin typeface="Times New Roman" panose="02020603050405020304" pitchFamily="18" charset="0"/>
+              <a:cs typeface="Times New Roman" panose="02020603050405020304" pitchFamily="18" charset="0"/>
             </a:endParaRPr>
           </a:p>
-        </p:txBody>
-      </p:sp>
-      <p:sp>
-        <p:nvSpPr>
-          <p:cNvPr id="18437" name="Rectangle 5"/>
-          <p:cNvSpPr>
-            <a:spLocks noChangeArrowheads="1"/>
-          </p:cNvSpPr>
-          <p:nvPr/>
-        </p:nvSpPr>
-        <p:spPr bwMode="auto">
-          <a:xfrm>
-            <a:off x="655638" y="1429027"/>
-            <a:ext cx="8380412" cy="4970591"/>
-          </a:xfrm>
-          <a:prstGeom prst="rect">
-            <a:avLst/>
-          </a:prstGeom>
-          <a:noFill/>
-          <a:ln>
-            <a:noFill/>
-          </a:ln>
-          <a:extLst>
-            <a:ext uri="{909E8E84-426E-40DD-AFC4-6F175D3DCCD1}">
-              <a14:hiddenFill xmlns:a14="http://schemas.microsoft.com/office/drawing/2010/main">
-                <a:solidFill>
-                  <a:srgbClr val="FFFFFF"/>
-                </a:solidFill>
-              </a14:hiddenFill>
-            </a:ext>
-            <a:ext uri="{91240B29-F687-4F45-9708-019B960494DF}">
-              <a14:hiddenLine xmlns:a14="http://schemas.microsoft.com/office/drawing/2010/main" w="12700">
-                <a:solidFill>
-                  <a:srgbClr val="000000"/>
-                </a:solidFill>
-                <a:miter lim="800000"/>
-                <a:headEnd/>
-                <a:tailEnd/>
-              </a14:hiddenLine>
-            </a:ext>
-          </a:extLst>
-        </p:spPr>
-        <p:txBody>
-          <a:bodyPr>
-            <a:spAutoFit/>
-          </a:bodyPr>
-          <a:lstStyle/>
           <a:p>
-            <a:pPr marL="342900" indent="-342900">
-              <a:spcAft>
-                <a:spcPts val="600"/>
-              </a:spcAft>
-              <a:buFont typeface="Arial" panose="020B0604020202020204" pitchFamily="34" charset="0"/>
-              <a:buChar char="•"/>
-              <a:defRPr/>
-            </a:pPr>
-            <a:r>
-              <a:rPr lang="sr-Cyrl-RS" dirty="0">
-                <a:solidFill>
-                  <a:schemeClr val="tx1"/>
-                </a:solidFill>
-                <a:latin typeface="Garamond" pitchFamily="18" charset="0"/>
-              </a:rPr>
-              <a:t>Класа</a:t>
-            </a:r>
-            <a:r>
-              <a:rPr lang="en-US" dirty="0">
-                <a:solidFill>
-                  <a:schemeClr val="tx1"/>
-                </a:solidFill>
-                <a:latin typeface="Garamond" pitchFamily="18" charset="0"/>
-              </a:rPr>
-              <a:t> </a:t>
-            </a:r>
-            <a:r>
-              <a:rPr lang="en-US" sz="2000" dirty="0">
-                <a:solidFill>
-                  <a:schemeClr val="tx1"/>
-                </a:solidFill>
-                <a:latin typeface="+mn-lt"/>
-              </a:rPr>
-              <a:t>System</a:t>
-            </a:r>
-            <a:r>
-              <a:rPr lang="sr-Cyrl-RS" dirty="0">
-                <a:solidFill>
-                  <a:schemeClr val="tx1"/>
-                </a:solidFill>
-                <a:latin typeface="Garamond" pitchFamily="18" charset="0"/>
-              </a:rPr>
-              <a:t> садржи више корисних објеката и </a:t>
-            </a:r>
-            <a:r>
-              <a:rPr lang="sr-Cyrl-RS" dirty="0" smtClean="0">
-                <a:solidFill>
-                  <a:schemeClr val="tx1"/>
-                </a:solidFill>
-                <a:latin typeface="Garamond" pitchFamily="18" charset="0"/>
-              </a:rPr>
-              <a:t>метода</a:t>
-            </a:r>
-          </a:p>
-          <a:p>
-            <a:pPr marL="342900" indent="-342900">
-              <a:spcAft>
-                <a:spcPts val="600"/>
-              </a:spcAft>
-              <a:buFont typeface="Arial" panose="020B0604020202020204" pitchFamily="34" charset="0"/>
-              <a:buChar char="•"/>
-              <a:defRPr/>
-            </a:pPr>
-            <a:r>
-              <a:rPr lang="sr-Cyrl-RS" dirty="0" smtClean="0">
-                <a:solidFill>
-                  <a:schemeClr val="tx1"/>
-                </a:solidFill>
-                <a:latin typeface="Garamond" pitchFamily="18" charset="0"/>
-              </a:rPr>
-              <a:t>Ова класа, тј. њена функционалност</a:t>
-            </a:r>
-            <a:r>
-              <a:rPr lang="en-US" dirty="0" smtClean="0">
-                <a:solidFill>
-                  <a:schemeClr val="tx1"/>
-                </a:solidFill>
-                <a:latin typeface="Garamond" pitchFamily="18" charset="0"/>
-              </a:rPr>
-              <a:t> </a:t>
-            </a:r>
-            <a:r>
-              <a:rPr lang="sr-Cyrl-RS" dirty="0" smtClean="0">
-                <a:solidFill>
-                  <a:schemeClr val="tx1"/>
-                </a:solidFill>
-                <a:latin typeface="Garamond" pitchFamily="18" charset="0"/>
-              </a:rPr>
-              <a:t>је </a:t>
-            </a:r>
-            <a:r>
-              <a:rPr lang="sr-Cyrl-RS" dirty="0">
-                <a:solidFill>
-                  <a:schemeClr val="tx1"/>
-                </a:solidFill>
-                <a:latin typeface="Garamond" pitchFamily="18" charset="0"/>
-              </a:rPr>
-              <a:t>одмах на располагању програмеру </a:t>
-            </a:r>
-          </a:p>
-          <a:p>
-            <a:pPr marL="342900" indent="-342900">
-              <a:spcAft>
-                <a:spcPts val="600"/>
-              </a:spcAft>
-              <a:buFont typeface="Arial" panose="020B0604020202020204" pitchFamily="34" charset="0"/>
-              <a:buChar char="•"/>
-              <a:defRPr/>
-            </a:pPr>
-            <a:r>
-              <a:rPr lang="sr-Cyrl-RS" dirty="0">
-                <a:solidFill>
-                  <a:schemeClr val="tx1"/>
-                </a:solidFill>
-                <a:latin typeface="Garamond" pitchFamily="18" charset="0"/>
-              </a:rPr>
-              <a:t>Нема могућности </a:t>
-            </a:r>
-            <a:r>
-              <a:rPr lang="sr-Cyrl-RS" dirty="0" smtClean="0">
-                <a:solidFill>
-                  <a:schemeClr val="tx1"/>
-                </a:solidFill>
-                <a:latin typeface="Garamond" pitchFamily="18" charset="0"/>
-              </a:rPr>
-              <a:t>да се креира примерак </a:t>
-            </a:r>
-            <a:r>
-              <a:rPr lang="sr-Cyrl-RS" dirty="0">
-                <a:solidFill>
-                  <a:schemeClr val="tx1"/>
-                </a:solidFill>
-                <a:latin typeface="Garamond" pitchFamily="18" charset="0"/>
-              </a:rPr>
-              <a:t>ове класе</a:t>
-            </a:r>
-          </a:p>
-          <a:p>
-            <a:pPr marL="342900" indent="-342900">
-              <a:spcAft>
-                <a:spcPts val="600"/>
-              </a:spcAft>
-              <a:buFont typeface="Arial" panose="020B0604020202020204" pitchFamily="34" charset="0"/>
-              <a:buChar char="•"/>
-              <a:defRPr/>
-            </a:pPr>
-            <a:r>
-              <a:rPr lang="sr-Cyrl-RS" dirty="0" smtClean="0">
-                <a:solidFill>
-                  <a:schemeClr val="tx1"/>
-                </a:solidFill>
-                <a:latin typeface="Garamond" pitchFamily="18" charset="0"/>
-              </a:rPr>
-              <a:t>Пун назив ове класе је </a:t>
-            </a:r>
-            <a:r>
-              <a:rPr lang="en-US" sz="2000" dirty="0" err="1" smtClean="0">
-                <a:solidFill>
-                  <a:schemeClr val="tx1"/>
-                </a:solidFill>
-                <a:latin typeface="+mn-lt"/>
-              </a:rPr>
-              <a:t>java.lang.System</a:t>
-            </a:r>
-            <a:r>
-              <a:rPr lang="sr-Cyrl-RS" sz="2000" dirty="0" smtClean="0">
-                <a:solidFill>
-                  <a:schemeClr val="tx1"/>
-                </a:solidFill>
-                <a:latin typeface="Garamond" pitchFamily="18" charset="0"/>
-              </a:rPr>
-              <a:t> </a:t>
-            </a:r>
-          </a:p>
-          <a:p>
-            <a:pPr marL="800100" lvl="1" indent="-342900">
-              <a:spcAft>
-                <a:spcPts val="600"/>
-              </a:spcAft>
-              <a:buFont typeface="Arial" panose="020B0604020202020204" pitchFamily="34" charset="0"/>
-              <a:buChar char="•"/>
-              <a:defRPr/>
-            </a:pPr>
-            <a:r>
-              <a:rPr lang="sr-Cyrl-RS" dirty="0" smtClean="0">
-                <a:solidFill>
-                  <a:schemeClr val="tx1"/>
-                </a:solidFill>
-                <a:latin typeface="Garamond" pitchFamily="18" charset="0"/>
-              </a:rPr>
-              <a:t>она</a:t>
-            </a:r>
-            <a:r>
-              <a:rPr lang="sr-Cyrl-RS" sz="2800" dirty="0" smtClean="0">
-                <a:solidFill>
-                  <a:schemeClr val="tx1"/>
-                </a:solidFill>
-                <a:latin typeface="Garamond" pitchFamily="18" charset="0"/>
-              </a:rPr>
-              <a:t> </a:t>
-            </a:r>
-            <a:r>
-              <a:rPr lang="sr-Cyrl-RS" dirty="0" smtClean="0">
-                <a:solidFill>
-                  <a:schemeClr val="tx1"/>
-                </a:solidFill>
-                <a:latin typeface="Garamond" pitchFamily="18" charset="0"/>
-              </a:rPr>
-              <a:t>се налази у пакету </a:t>
-            </a:r>
-            <a:r>
-              <a:rPr lang="en-US" sz="2000" dirty="0" err="1" smtClean="0">
-                <a:solidFill>
-                  <a:schemeClr val="tx1"/>
-                </a:solidFill>
-                <a:latin typeface="+mn-lt"/>
-              </a:rPr>
-              <a:t>lang</a:t>
-            </a:r>
-            <a:r>
-              <a:rPr lang="sr-Cyrl-RS" dirty="0" smtClean="0">
-                <a:solidFill>
-                  <a:schemeClr val="tx1"/>
-                </a:solidFill>
-                <a:latin typeface="Garamond" pitchFamily="18" charset="0"/>
-              </a:rPr>
-              <a:t> унутар пакета </a:t>
-            </a:r>
-            <a:r>
-              <a:rPr lang="en-US" sz="2000" dirty="0">
-                <a:solidFill>
-                  <a:schemeClr val="tx1"/>
-                </a:solidFill>
-                <a:latin typeface="+mn-lt"/>
-              </a:rPr>
-              <a:t>java</a:t>
-            </a:r>
-            <a:r>
-              <a:rPr lang="sr-Cyrl-RS" dirty="0" smtClean="0">
-                <a:solidFill>
-                  <a:schemeClr val="tx1"/>
-                </a:solidFill>
-                <a:latin typeface="Garamond" pitchFamily="18" charset="0"/>
-              </a:rPr>
-              <a:t> и на њу се може реферисати коришћењем пуног имена тј. помоћу </a:t>
-            </a:r>
-            <a:r>
-              <a:rPr lang="en-US" sz="2000" dirty="0" err="1">
-                <a:solidFill>
-                  <a:schemeClr val="tx1"/>
-                </a:solidFill>
-                <a:latin typeface="+mn-lt"/>
-              </a:rPr>
-              <a:t>java.lang.System</a:t>
-            </a:r>
-            <a:r>
-              <a:rPr lang="sr-Cyrl-RS" dirty="0" smtClean="0">
-                <a:solidFill>
-                  <a:schemeClr val="tx1"/>
-                </a:solidFill>
-                <a:latin typeface="Garamond" pitchFamily="18" charset="0"/>
-              </a:rPr>
-              <a:t>  </a:t>
-            </a:r>
-          </a:p>
-          <a:p>
-            <a:pPr marL="800100" lvl="1" indent="-342900">
-              <a:spcAft>
-                <a:spcPts val="600"/>
-              </a:spcAft>
-              <a:buFont typeface="Arial" panose="020B0604020202020204" pitchFamily="34" charset="0"/>
-              <a:buChar char="•"/>
-              <a:defRPr/>
-            </a:pPr>
-            <a:r>
-              <a:rPr lang="sr-Cyrl-RS" dirty="0">
-                <a:solidFill>
-                  <a:schemeClr val="tx1"/>
-                </a:solidFill>
-                <a:latin typeface="Garamond" pitchFamily="18" charset="0"/>
-              </a:rPr>
-              <a:t>м</a:t>
-            </a:r>
-            <a:r>
-              <a:rPr lang="sr-Cyrl-RS" dirty="0" smtClean="0">
-                <a:solidFill>
-                  <a:schemeClr val="tx1"/>
-                </a:solidFill>
-                <a:latin typeface="Garamond" pitchFamily="18" charset="0"/>
-              </a:rPr>
-              <a:t>еђутим, за њу, као и за остале класе из пакета </a:t>
-            </a:r>
-            <a:r>
-              <a:rPr lang="en-US" sz="2000" dirty="0" err="1">
-                <a:solidFill>
-                  <a:schemeClr val="tx1"/>
-                </a:solidFill>
-                <a:latin typeface="+mn-lt"/>
-              </a:rPr>
-              <a:t>java.lang</a:t>
-            </a:r>
-            <a:r>
-              <a:rPr lang="sr-Cyrl-RS" dirty="0" smtClean="0">
-                <a:solidFill>
-                  <a:schemeClr val="tx1"/>
-                </a:solidFill>
-                <a:latin typeface="Garamond" pitchFamily="18" charset="0"/>
-              </a:rPr>
-              <a:t> (и само за њих) важи да не мора да се користи пуно име, већ може да се реферише на класу коришћењем скраћеног назив класе тј. помоћу </a:t>
-            </a:r>
-            <a:r>
-              <a:rPr lang="en-US" sz="2000" dirty="0" smtClean="0">
-                <a:solidFill>
-                  <a:schemeClr val="tx1"/>
-                </a:solidFill>
-                <a:latin typeface="+mn-lt"/>
-              </a:rPr>
-              <a:t>System</a:t>
-            </a:r>
-            <a:r>
-              <a:rPr lang="sr-Cyrl-RS" dirty="0" smtClean="0">
-                <a:solidFill>
-                  <a:schemeClr val="tx1"/>
-                </a:solidFill>
-                <a:latin typeface="Garamond" pitchFamily="18" charset="0"/>
-              </a:rPr>
-              <a:t>.   </a:t>
-            </a:r>
-            <a:endParaRPr lang="sr-Cyrl-RS" dirty="0">
-              <a:solidFill>
-                <a:schemeClr val="tx1"/>
-              </a:solidFill>
-              <a:latin typeface="Garamond" pitchFamily="18" charset="0"/>
-            </a:endParaRPr>
-          </a:p>
-        </p:txBody>
-      </p:sp>
-      <p:sp>
-        <p:nvSpPr>
-          <p:cNvPr id="6" name="Title 1"/>
-          <p:cNvSpPr txBox="1">
-            <a:spLocks/>
-          </p:cNvSpPr>
-          <p:nvPr/>
-        </p:nvSpPr>
-        <p:spPr>
-          <a:xfrm>
-            <a:off x="1403350" y="538163"/>
-            <a:ext cx="7751763" cy="868362"/>
-          </a:xfrm>
-          <a:prstGeom prst="rect">
-            <a:avLst/>
-          </a:prstGeom>
-        </p:spPr>
-        <p:txBody>
-          <a:bodyPr/>
-          <a:lstStyle>
-            <a:lvl1pPr algn="l" rtl="0" eaLnBrk="0" fontAlgn="base" hangingPunct="0">
-              <a:spcBef>
-                <a:spcPct val="0"/>
-              </a:spcBef>
-              <a:spcAft>
-                <a:spcPct val="0"/>
-              </a:spcAft>
-              <a:defRPr sz="3800">
-                <a:solidFill>
-                  <a:schemeClr val="tx2"/>
-                </a:solidFill>
-                <a:latin typeface="+mj-lt"/>
-                <a:ea typeface="+mj-ea"/>
-                <a:cs typeface="+mj-cs"/>
-              </a:defRPr>
-            </a:lvl1pPr>
-            <a:lvl2pPr algn="l" rtl="0" eaLnBrk="0" fontAlgn="base" hangingPunct="0">
-              <a:spcBef>
-                <a:spcPct val="0"/>
-              </a:spcBef>
-              <a:spcAft>
-                <a:spcPct val="0"/>
-              </a:spcAft>
-              <a:defRPr sz="3800">
-                <a:solidFill>
-                  <a:schemeClr val="tx2"/>
-                </a:solidFill>
-                <a:latin typeface="Arial" charset="0"/>
-              </a:defRPr>
-            </a:lvl2pPr>
-            <a:lvl3pPr algn="l" rtl="0" eaLnBrk="0" fontAlgn="base" hangingPunct="0">
-              <a:spcBef>
-                <a:spcPct val="0"/>
-              </a:spcBef>
-              <a:spcAft>
-                <a:spcPct val="0"/>
-              </a:spcAft>
-              <a:defRPr sz="3800">
-                <a:solidFill>
-                  <a:schemeClr val="tx2"/>
-                </a:solidFill>
-                <a:latin typeface="Arial" charset="0"/>
-              </a:defRPr>
-            </a:lvl3pPr>
-            <a:lvl4pPr algn="l" rtl="0" eaLnBrk="0" fontAlgn="base" hangingPunct="0">
-              <a:spcBef>
-                <a:spcPct val="0"/>
-              </a:spcBef>
-              <a:spcAft>
-                <a:spcPct val="0"/>
-              </a:spcAft>
-              <a:defRPr sz="3800">
-                <a:solidFill>
-                  <a:schemeClr val="tx2"/>
-                </a:solidFill>
-                <a:latin typeface="Arial" charset="0"/>
-              </a:defRPr>
-            </a:lvl4pPr>
-            <a:lvl5pPr algn="l" rtl="0" eaLnBrk="0" fontAlgn="base" hangingPunct="0">
-              <a:spcBef>
-                <a:spcPct val="0"/>
-              </a:spcBef>
-              <a:spcAft>
-                <a:spcPct val="0"/>
-              </a:spcAft>
-              <a:defRPr sz="3800">
-                <a:solidFill>
-                  <a:schemeClr val="tx2"/>
-                </a:solidFill>
-                <a:latin typeface="Arial" charset="0"/>
-              </a:defRPr>
-            </a:lvl5pPr>
-            <a:lvl6pPr marL="457200" algn="l" rtl="0" fontAlgn="base">
-              <a:spcBef>
-                <a:spcPct val="0"/>
-              </a:spcBef>
-              <a:spcAft>
-                <a:spcPct val="0"/>
-              </a:spcAft>
-              <a:defRPr sz="3800">
-                <a:solidFill>
-                  <a:schemeClr val="tx2"/>
-                </a:solidFill>
-                <a:latin typeface="Arial" charset="0"/>
-              </a:defRPr>
-            </a:lvl6pPr>
-            <a:lvl7pPr marL="914400" algn="l" rtl="0" fontAlgn="base">
-              <a:spcBef>
-                <a:spcPct val="0"/>
-              </a:spcBef>
-              <a:spcAft>
-                <a:spcPct val="0"/>
-              </a:spcAft>
-              <a:defRPr sz="3800">
-                <a:solidFill>
-                  <a:schemeClr val="tx2"/>
-                </a:solidFill>
-                <a:latin typeface="Arial" charset="0"/>
-              </a:defRPr>
-            </a:lvl7pPr>
-            <a:lvl8pPr marL="1371600" algn="l" rtl="0" fontAlgn="base">
-              <a:spcBef>
-                <a:spcPct val="0"/>
-              </a:spcBef>
-              <a:spcAft>
-                <a:spcPct val="0"/>
-              </a:spcAft>
-              <a:defRPr sz="3800">
-                <a:solidFill>
-                  <a:schemeClr val="tx2"/>
-                </a:solidFill>
-                <a:latin typeface="Arial" charset="0"/>
-              </a:defRPr>
-            </a:lvl8pPr>
-            <a:lvl9pPr marL="1828800" algn="l" rtl="0" fontAlgn="base">
-              <a:spcBef>
-                <a:spcPct val="0"/>
-              </a:spcBef>
-              <a:spcAft>
-                <a:spcPct val="0"/>
-              </a:spcAft>
-              <a:defRPr sz="3800">
-                <a:solidFill>
-                  <a:schemeClr val="tx2"/>
-                </a:solidFill>
-                <a:latin typeface="Arial" charset="0"/>
-              </a:defRPr>
-            </a:lvl9pPr>
-          </a:lstStyle>
-          <a:p>
-            <a:pPr>
-              <a:defRPr/>
-            </a:pPr>
-            <a:r>
-              <a:rPr lang="sr-Cyrl-RS" sz="3600" b="1" kern="0" dirty="0" smtClean="0">
-                <a:solidFill>
-                  <a:srgbClr val="0070C0"/>
-                </a:solidFill>
-              </a:rPr>
-              <a:t>Класа </a:t>
-            </a:r>
-            <a:r>
-              <a:rPr lang="en-US" sz="3600" b="1" kern="0" dirty="0" smtClean="0">
-                <a:solidFill>
-                  <a:srgbClr val="0070C0"/>
-                </a:solidFill>
-              </a:rPr>
-              <a:t>System</a:t>
-            </a:r>
-            <a:r>
-              <a:rPr lang="sr-Cyrl-RS" sz="3600" b="1" kern="0" dirty="0" smtClean="0">
-                <a:solidFill>
-                  <a:srgbClr val="0070C0"/>
-                </a:solidFill>
-              </a:rPr>
-              <a:t> </a:t>
-            </a:r>
-            <a:endParaRPr lang="en-US" sz="3600" b="1" kern="0" dirty="0" smtClean="0">
-              <a:solidFill>
-                <a:srgbClr val="0070C0"/>
-              </a:solidFill>
-            </a:endParaRPr>
+            <a:pPr eaLnBrk="1" hangingPunct="1"/>
+            <a:r>
+              <a:rPr lang="en-US" altLang="en-US" kern="0" dirty="0" smtClean="0">
+                <a:hlinkClick r:id="rId3"/>
+              </a:rPr>
+              <a:t>k</a:t>
+            </a:r>
+            <a:r>
+              <a:rPr lang="sr-Latn-RS" altLang="en-US" kern="0" dirty="0" smtClean="0">
+                <a:hlinkClick r:id="rId3"/>
+              </a:rPr>
+              <a:t>artelj</a:t>
+            </a:r>
+            <a:r>
+              <a:rPr lang="en-US" altLang="en-US" kern="0" dirty="0" smtClean="0">
+                <a:hlinkClick r:id="rId3"/>
+              </a:rPr>
+              <a:t>@matf.bg.ac.rs</a:t>
+            </a:r>
+            <a:endParaRPr lang="en-US" altLang="en-US" kern="0" dirty="0"/>
           </a:p>
         </p:txBody>
       </p:sp>
     </p:spTree>
     <p:extLst>
       <p:ext uri="{BB962C8B-B14F-4D97-AF65-F5344CB8AC3E}">
-        <p14:creationId xmlns:p14="http://schemas.microsoft.com/office/powerpoint/2010/main" val="4273811767"/>
+        <p14:creationId xmlns:p14="http://schemas.microsoft.com/office/powerpoint/2010/main" val="756229801"/>
       </p:ext>
     </p:extLst>
   </p:cSld>
   <p:clrMapOvr>
     <a:masterClrMapping/>
   </p:clrMapOvr>
+  <p:transition spd="slow"/>
   <p:timing>
     <p:tnLst>
       <p:par>
-        <p:cTn id="1" dur="indefinite" restart="never" nodeType="tmRoot">
-          <p:childTnLst>
-            <p:seq concurrent="1" nextAc="seek">
-              <p:cTn id="2" dur="indefinite" nodeType="mainSeq">
-                <p:childTnLst>
-                  <p:par>
-                    <p:cTn id="3" fill="hold">
-                      <p:stCondLst>
-                        <p:cond delay="indefinite"/>
-                      </p:stCondLst>
-                      <p:childTnLst>
-                        <p:par>
-                          <p:cTn id="4" fill="hold">
-                            <p:stCondLst>
-                              <p:cond delay="0"/>
-                            </p:stCondLst>
-                            <p:childTnLst>
-                              <p:par>
-                                <p:cTn id="5" presetID="10" presetClass="entr" presetSubtype="0" fill="hold" nodeType="clickEffect">
-                                  <p:stCondLst>
-                                    <p:cond delay="0"/>
-                                  </p:stCondLst>
-                                  <p:childTnLst>
-                                    <p:set>
-                                      <p:cBhvr>
-                                        <p:cTn id="6" dur="1" fill="hold">
-                                          <p:stCondLst>
-                                            <p:cond delay="0"/>
-                                          </p:stCondLst>
-                                        </p:cTn>
-                                        <p:tgtEl>
-                                          <p:spTgt spid="18437">
-                                            <p:txEl>
-                                              <p:pRg st="0" end="0"/>
-                                            </p:txEl>
-                                          </p:spTgt>
-                                        </p:tgtEl>
-                                        <p:attrNameLst>
-                                          <p:attrName>style.visibility</p:attrName>
-                                        </p:attrNameLst>
-                                      </p:cBhvr>
-                                      <p:to>
-                                        <p:strVal val="visible"/>
-                                      </p:to>
-                                    </p:set>
-                                    <p:animEffect transition="in" filter="fade">
-                                      <p:cBhvr>
-                                        <p:cTn id="7" dur="500"/>
-                                        <p:tgtEl>
-                                          <p:spTgt spid="18437">
-                                            <p:txEl>
-                                              <p:pRg st="0" end="0"/>
-                                            </p:txEl>
-                                          </p:spTgt>
-                                        </p:tgtEl>
-                                      </p:cBhvr>
-                                    </p:animEffect>
-                                  </p:childTnLst>
-                                </p:cTn>
-                              </p:par>
-                            </p:childTnLst>
-                          </p:cTn>
-                        </p:par>
-                      </p:childTnLst>
-                    </p:cTn>
-                  </p:par>
-                  <p:par>
-                    <p:cTn id="8" fill="hold">
-                      <p:stCondLst>
-                        <p:cond delay="indefinite"/>
-                      </p:stCondLst>
-                      <p:childTnLst>
-                        <p:par>
-                          <p:cTn id="9" fill="hold">
-                            <p:stCondLst>
-                              <p:cond delay="0"/>
-                            </p:stCondLst>
-                            <p:childTnLst>
-                              <p:par>
-                                <p:cTn id="10" presetID="10" presetClass="entr" presetSubtype="0" fill="hold" nodeType="clickEffect">
-                                  <p:stCondLst>
-                                    <p:cond delay="0"/>
-                                  </p:stCondLst>
-                                  <p:childTnLst>
-                                    <p:set>
-                                      <p:cBhvr>
-                                        <p:cTn id="11" dur="1" fill="hold">
-                                          <p:stCondLst>
-                                            <p:cond delay="0"/>
-                                          </p:stCondLst>
-                                        </p:cTn>
-                                        <p:tgtEl>
-                                          <p:spTgt spid="18437">
-                                            <p:txEl>
-                                              <p:pRg st="1" end="1"/>
-                                            </p:txEl>
-                                          </p:spTgt>
-                                        </p:tgtEl>
-                                        <p:attrNameLst>
-                                          <p:attrName>style.visibility</p:attrName>
-                                        </p:attrNameLst>
-                                      </p:cBhvr>
-                                      <p:to>
-                                        <p:strVal val="visible"/>
-                                      </p:to>
-                                    </p:set>
-                                    <p:animEffect transition="in" filter="fade">
-                                      <p:cBhvr>
-                                        <p:cTn id="12" dur="500"/>
-                                        <p:tgtEl>
-                                          <p:spTgt spid="18437">
-                                            <p:txEl>
-                                              <p:pRg st="1" end="1"/>
-                                            </p:txEl>
-                                          </p:spTgt>
-                                        </p:tgtEl>
-                                      </p:cBhvr>
-                                    </p:animEffect>
-                                  </p:childTnLst>
-                                </p:cTn>
-                              </p:par>
-                            </p:childTnLst>
-                          </p:cTn>
-                        </p:par>
-                      </p:childTnLst>
-                    </p:cTn>
-                  </p:par>
-                  <p:par>
-                    <p:cTn id="13" fill="hold">
-                      <p:stCondLst>
-                        <p:cond delay="indefinite"/>
-                      </p:stCondLst>
-                      <p:childTnLst>
-                        <p:par>
-                          <p:cTn id="14" fill="hold">
-                            <p:stCondLst>
-                              <p:cond delay="0"/>
-                            </p:stCondLst>
-                            <p:childTnLst>
-                              <p:par>
-                                <p:cTn id="15" presetID="10" presetClass="entr" presetSubtype="0" fill="hold" nodeType="clickEffect">
-                                  <p:stCondLst>
-                                    <p:cond delay="0"/>
-                                  </p:stCondLst>
-                                  <p:childTnLst>
-                                    <p:set>
-                                      <p:cBhvr>
-                                        <p:cTn id="16" dur="1" fill="hold">
-                                          <p:stCondLst>
-                                            <p:cond delay="0"/>
-                                          </p:stCondLst>
-                                        </p:cTn>
-                                        <p:tgtEl>
-                                          <p:spTgt spid="18437">
-                                            <p:txEl>
-                                              <p:pRg st="2" end="2"/>
-                                            </p:txEl>
-                                          </p:spTgt>
-                                        </p:tgtEl>
-                                        <p:attrNameLst>
-                                          <p:attrName>style.visibility</p:attrName>
-                                        </p:attrNameLst>
-                                      </p:cBhvr>
-                                      <p:to>
-                                        <p:strVal val="visible"/>
-                                      </p:to>
-                                    </p:set>
-                                    <p:animEffect transition="in" filter="fade">
-                                      <p:cBhvr>
-                                        <p:cTn id="17" dur="500"/>
-                                        <p:tgtEl>
-                                          <p:spTgt spid="18437">
-                                            <p:txEl>
-                                              <p:pRg st="2" end="2"/>
-                                            </p:txEl>
-                                          </p:spTgt>
-                                        </p:tgtEl>
-                                      </p:cBhvr>
-                                    </p:animEffect>
-                                  </p:childTnLst>
-                                </p:cTn>
-                              </p:par>
-                              <p:par>
-                                <p:cTn id="18" presetID="10" presetClass="entr" presetSubtype="0" fill="hold" nodeType="withEffect">
-                                  <p:stCondLst>
-                                    <p:cond delay="0"/>
-                                  </p:stCondLst>
-                                  <p:childTnLst>
-                                    <p:set>
-                                      <p:cBhvr>
-                                        <p:cTn id="19" dur="1" fill="hold">
-                                          <p:stCondLst>
-                                            <p:cond delay="0"/>
-                                          </p:stCondLst>
-                                        </p:cTn>
-                                        <p:tgtEl>
-                                          <p:spTgt spid="18437">
-                                            <p:txEl>
-                                              <p:pRg st="3" end="3"/>
-                                            </p:txEl>
-                                          </p:spTgt>
-                                        </p:tgtEl>
-                                        <p:attrNameLst>
-                                          <p:attrName>style.visibility</p:attrName>
-                                        </p:attrNameLst>
-                                      </p:cBhvr>
-                                      <p:to>
-                                        <p:strVal val="visible"/>
-                                      </p:to>
-                                    </p:set>
-                                    <p:animEffect transition="in" filter="fade">
-                                      <p:cBhvr>
-                                        <p:cTn id="20" dur="500"/>
-                                        <p:tgtEl>
-                                          <p:spTgt spid="18437">
-                                            <p:txEl>
-                                              <p:pRg st="3" end="3"/>
-                                            </p:txEl>
-                                          </p:spTgt>
-                                        </p:tgtEl>
-                                      </p:cBhvr>
-                                    </p:animEffect>
-                                  </p:childTnLst>
-                                </p:cTn>
-                              </p:par>
-                              <p:par>
-                                <p:cTn id="21" presetID="10" presetClass="entr" presetSubtype="0" fill="hold" nodeType="withEffect">
-                                  <p:stCondLst>
-                                    <p:cond delay="0"/>
-                                  </p:stCondLst>
-                                  <p:childTnLst>
-                                    <p:set>
-                                      <p:cBhvr>
-                                        <p:cTn id="22" dur="1" fill="hold">
-                                          <p:stCondLst>
-                                            <p:cond delay="0"/>
-                                          </p:stCondLst>
-                                        </p:cTn>
-                                        <p:tgtEl>
-                                          <p:spTgt spid="18437">
-                                            <p:txEl>
-                                              <p:pRg st="4" end="4"/>
-                                            </p:txEl>
-                                          </p:spTgt>
-                                        </p:tgtEl>
-                                        <p:attrNameLst>
-                                          <p:attrName>style.visibility</p:attrName>
-                                        </p:attrNameLst>
-                                      </p:cBhvr>
-                                      <p:to>
-                                        <p:strVal val="visible"/>
-                                      </p:to>
-                                    </p:set>
-                                    <p:animEffect transition="in" filter="fade">
-                                      <p:cBhvr>
-                                        <p:cTn id="23" dur="500"/>
-                                        <p:tgtEl>
-                                          <p:spTgt spid="18437">
-                                            <p:txEl>
-                                              <p:pRg st="4" end="4"/>
-                                            </p:txEl>
-                                          </p:spTgt>
-                                        </p:tgtEl>
-                                      </p:cBhvr>
-                                    </p:animEffect>
-                                  </p:childTnLst>
-                                </p:cTn>
-                              </p:par>
-                            </p:childTnLst>
-                          </p:cTn>
-                        </p:par>
-                      </p:childTnLst>
-                    </p:cTn>
-                  </p:par>
-                  <p:par>
-                    <p:cTn id="24" fill="hold">
-                      <p:stCondLst>
-                        <p:cond delay="indefinite"/>
-                      </p:stCondLst>
-                      <p:childTnLst>
-                        <p:par>
-                          <p:cTn id="25" fill="hold">
-                            <p:stCondLst>
-                              <p:cond delay="0"/>
-                            </p:stCondLst>
-                            <p:childTnLst>
-                              <p:par>
-                                <p:cTn id="26" presetID="10" presetClass="entr" presetSubtype="0" fill="hold" nodeType="clickEffect">
-                                  <p:stCondLst>
-                                    <p:cond delay="0"/>
-                                  </p:stCondLst>
-                                  <p:childTnLst>
-                                    <p:set>
-                                      <p:cBhvr>
-                                        <p:cTn id="27" dur="1" fill="hold">
-                                          <p:stCondLst>
-                                            <p:cond delay="0"/>
-                                          </p:stCondLst>
-                                        </p:cTn>
-                                        <p:tgtEl>
-                                          <p:spTgt spid="18437">
-                                            <p:txEl>
-                                              <p:pRg st="5" end="5"/>
-                                            </p:txEl>
-                                          </p:spTgt>
-                                        </p:tgtEl>
-                                        <p:attrNameLst>
-                                          <p:attrName>style.visibility</p:attrName>
-                                        </p:attrNameLst>
-                                      </p:cBhvr>
-                                      <p:to>
-                                        <p:strVal val="visible"/>
-                                      </p:to>
-                                    </p:set>
-                                    <p:animEffect transition="in" filter="fade">
-                                      <p:cBhvr>
-                                        <p:cTn id="28" dur="500"/>
-                                        <p:tgtEl>
-                                          <p:spTgt spid="18437">
-                                            <p:txEl>
-                                              <p:pRg st="5" end="5"/>
-                                            </p:txEl>
-                                          </p:spTgt>
-                                        </p:tgtEl>
-                                      </p:cBhvr>
-                                    </p:animEffect>
-                                  </p:childTnLst>
-                                </p:cTn>
-                              </p:par>
-                            </p:childTnLst>
-                          </p:cTn>
-                        </p:par>
-                      </p:childTnLst>
-                    </p:cTn>
-                  </p:par>
-                </p:childTnLst>
-              </p:cTn>
-              <p:prevCondLst>
-                <p:cond evt="onPrev" delay="0">
-                  <p:tgtEl>
-                    <p:sldTgt/>
-                  </p:tgtEl>
-                </p:cond>
-              </p:prevCondLst>
-              <p:nextCondLst>
-                <p:cond evt="onNext" delay="0">
-                  <p:tgtEl>
-                    <p:sldTgt/>
-                  </p:tgtEl>
-                </p:cond>
-              </p:nextCondLst>
-            </p:seq>
-          </p:childTnLst>
-        </p:cTn>
+        <p:cTn id="1" dur="indefinite" restart="never" nodeType="tmRoot"/>
       </p:par>
     </p:tnLst>
   </p:timing>

--- a/predavanja/prezentacije/OOP07-1-Predefinisani tipovi u Javi.pptx
+++ b/predavanja/prezentacije/OOP07-1-Predefinisani tipovi u Javi.pptx
@@ -5,10 +5,10 @@
     <p:sldMasterId id="2147483721" r:id="rId1"/>
   </p:sldMasterIdLst>
   <p:notesMasterIdLst>
-    <p:notesMasterId r:id="rId25"/>
+    <p:notesMasterId r:id="rId27"/>
   </p:notesMasterIdLst>
   <p:handoutMasterIdLst>
-    <p:handoutMasterId r:id="rId26"/>
+    <p:handoutMasterId r:id="rId28"/>
   </p:handoutMasterIdLst>
   <p:sldIdLst>
     <p:sldId id="284" r:id="rId2"/>
@@ -30,19 +30,21 @@
     <p:sldId id="297" r:id="rId18"/>
     <p:sldId id="298" r:id="rId19"/>
     <p:sldId id="299" r:id="rId20"/>
-    <p:sldId id="300" r:id="rId21"/>
-    <p:sldId id="302" r:id="rId22"/>
-    <p:sldId id="303" r:id="rId23"/>
-    <p:sldId id="283" r:id="rId24"/>
+    <p:sldId id="306" r:id="rId21"/>
+    <p:sldId id="300" r:id="rId22"/>
+    <p:sldId id="307" r:id="rId23"/>
+    <p:sldId id="302" r:id="rId24"/>
+    <p:sldId id="303" r:id="rId25"/>
+    <p:sldId id="283" r:id="rId26"/>
   </p:sldIdLst>
   <p:sldSz cx="9144000" cy="6858000" type="screen4x3"/>
   <p:notesSz cx="6858000" cy="9144000"/>
   <p:embeddedFontLst>
     <p:embeddedFont>
       <p:font typeface="Garamond" panose="02020404030301010803" pitchFamily="18" charset="0"/>
-      <p:regular r:id="rId27"/>
-      <p:bold r:id="rId28"/>
-      <p:italic r:id="rId29"/>
+      <p:regular r:id="rId29"/>
+      <p:bold r:id="rId30"/>
+      <p:italic r:id="rId31"/>
     </p:embeddedFont>
   </p:embeddedFontLst>
   <p:kinsoku lang="ja-JP" invalStChars="、。，．・：；？！゛゜ヽヾゝゞ々ー’”）〕］｝〉》」』】°‰′″℃￠％ぁぃぅぇぉっゃゅょゎァィゥェォッャュョヮヵヶ!%),.:;?]}｡｣､･ｧｨｩｪｫｬｭｮｯｰﾞﾟ" invalEndChars="‘“（〔［｛〈《「『【￥＄$([\{｢￡"/>
@@ -17579,6 +17581,419 @@
       </p:grpSpPr>
       <p:sp>
         <p:nvSpPr>
+          <p:cNvPr id="4098" name="Rectangle 2"/>
+          <p:cNvSpPr>
+            <a:spLocks noGrp="1" noChangeArrowheads="1"/>
+          </p:cNvSpPr>
+          <p:nvPr>
+            <p:ph type="ctrTitle"/>
+          </p:nvPr>
+        </p:nvSpPr>
+        <p:spPr>
+          <a:xfrm>
+            <a:off x="395288" y="1628775"/>
+            <a:ext cx="8569325" cy="1144588"/>
+          </a:xfrm>
+        </p:spPr>
+        <p:txBody>
+          <a:bodyPr/>
+          <a:lstStyle/>
+          <a:p>
+            <a:pPr eaLnBrk="1" hangingPunct="1"/>
+            <a:r>
+              <a:rPr lang="sr-Cyrl-RS" altLang="en-US" sz="5400" dirty="0" smtClean="0">
+                <a:solidFill>
+                  <a:srgbClr val="3366FF"/>
+                </a:solidFill>
+              </a:rPr>
+              <a:t>Предефинисани </a:t>
+            </a:r>
+            <a:r>
+              <a:rPr lang="en-US" altLang="en-US" sz="5400" dirty="0" smtClean="0">
+                <a:solidFill>
+                  <a:srgbClr val="3366FF"/>
+                </a:solidFill>
+              </a:rPr>
+              <a:t/>
+            </a:r>
+            <a:br>
+              <a:rPr lang="en-US" altLang="en-US" sz="5400" dirty="0" smtClean="0">
+                <a:solidFill>
+                  <a:srgbClr val="3366FF"/>
+                </a:solidFill>
+              </a:rPr>
+            </a:br>
+            <a:r>
+              <a:rPr lang="sr-Cyrl-RS" altLang="en-US" sz="5400" dirty="0" smtClean="0">
+                <a:solidFill>
+                  <a:srgbClr val="3366FF"/>
+                </a:solidFill>
+              </a:rPr>
+              <a:t>типови и објекти </a:t>
+            </a:r>
+            <a:br>
+              <a:rPr lang="sr-Cyrl-RS" altLang="en-US" sz="5400" dirty="0" smtClean="0">
+                <a:solidFill>
+                  <a:srgbClr val="3366FF"/>
+                </a:solidFill>
+              </a:rPr>
+            </a:br>
+            <a:r>
+              <a:rPr lang="sr-Cyrl-RS" altLang="en-US" sz="5400" dirty="0" smtClean="0">
+                <a:solidFill>
+                  <a:srgbClr val="3366FF"/>
+                </a:solidFill>
+              </a:rPr>
+              <a:t>у програмском језику Јава</a:t>
+            </a:r>
+            <a:endParaRPr lang="sr-Latn-CS" altLang="en-US" sz="5400" dirty="0" smtClean="0">
+              <a:solidFill>
+                <a:srgbClr val="3366FF"/>
+              </a:solidFill>
+            </a:endParaRPr>
+          </a:p>
+        </p:txBody>
+      </p:sp>
+      <p:sp>
+        <p:nvSpPr>
+          <p:cNvPr id="5" name="Rectangle 3"/>
+          <p:cNvSpPr txBox="1">
+            <a:spLocks noChangeArrowheads="1"/>
+          </p:cNvSpPr>
+          <p:nvPr/>
+        </p:nvSpPr>
+        <p:spPr bwMode="auto">
+          <a:xfrm>
+            <a:off x="3563888" y="3356992"/>
+            <a:ext cx="5110162" cy="1752600"/>
+          </a:xfrm>
+          <a:prstGeom prst="rect">
+            <a:avLst/>
+          </a:prstGeom>
+          <a:noFill/>
+          <a:ln>
+            <a:noFill/>
+          </a:ln>
+          <a:extLst>
+            <a:ext uri="{909E8E84-426E-40DD-AFC4-6F175D3DCCD1}">
+              <a14:hiddenFill xmlns:a14="http://schemas.microsoft.com/office/drawing/2010/main">
+                <a:solidFill>
+                  <a:srgbClr val="FFFFFF"/>
+                </a:solidFill>
+              </a14:hiddenFill>
+            </a:ext>
+            <a:ext uri="{91240B29-F687-4F45-9708-019B960494DF}">
+              <a14:hiddenLine xmlns:a14="http://schemas.microsoft.com/office/drawing/2010/main" w="9525">
+                <a:solidFill>
+                  <a:srgbClr val="000000"/>
+                </a:solidFill>
+                <a:miter lim="800000"/>
+                <a:headEnd/>
+                <a:tailEnd/>
+              </a14:hiddenLine>
+            </a:ext>
+          </a:extLst>
+        </p:spPr>
+        <p:txBody>
+          <a:bodyPr vert="horz" wrap="square" lIns="91440" tIns="45720" rIns="91440" bIns="45720" numCol="1" anchor="t" anchorCtr="0" compatLnSpc="1">
+            <a:prstTxWarp prst="textNoShape">
+              <a:avLst/>
+            </a:prstTxWarp>
+          </a:bodyPr>
+          <a:lstStyle>
+            <a:lvl1pPr marL="0" indent="0" algn="r" rtl="0" eaLnBrk="0" fontAlgn="base" hangingPunct="0">
+              <a:spcBef>
+                <a:spcPct val="20000"/>
+              </a:spcBef>
+              <a:spcAft>
+                <a:spcPct val="0"/>
+              </a:spcAft>
+              <a:buClr>
+                <a:schemeClr val="accent1"/>
+              </a:buClr>
+              <a:buFont typeface="Wingdings" panose="05000000000000000000" pitchFamily="2" charset="2"/>
+              <a:buNone/>
+              <a:defRPr sz="3200">
+                <a:solidFill>
+                  <a:schemeClr val="tx1"/>
+                </a:solidFill>
+                <a:latin typeface="+mn-lt"/>
+                <a:ea typeface="+mn-ea"/>
+                <a:cs typeface="+mn-cs"/>
+              </a:defRPr>
+            </a:lvl1pPr>
+            <a:lvl2pPr marL="742950" indent="-285750" algn="l" rtl="0" eaLnBrk="0" fontAlgn="base" hangingPunct="0">
+              <a:spcBef>
+                <a:spcPct val="20000"/>
+              </a:spcBef>
+              <a:spcAft>
+                <a:spcPct val="0"/>
+              </a:spcAft>
+              <a:buClr>
+                <a:schemeClr val="accent1"/>
+              </a:buClr>
+              <a:buFont typeface="Wingdings" panose="05000000000000000000" pitchFamily="2" charset="2"/>
+              <a:buChar char="¡"/>
+              <a:defRPr sz="2700">
+                <a:solidFill>
+                  <a:schemeClr val="tx1"/>
+                </a:solidFill>
+                <a:latin typeface="+mn-lt"/>
+              </a:defRPr>
+            </a:lvl2pPr>
+            <a:lvl3pPr marL="1143000" indent="-228600" algn="l" rtl="0" eaLnBrk="0" fontAlgn="base" hangingPunct="0">
+              <a:spcBef>
+                <a:spcPct val="20000"/>
+              </a:spcBef>
+              <a:spcAft>
+                <a:spcPct val="0"/>
+              </a:spcAft>
+              <a:buClr>
+                <a:schemeClr val="accent1"/>
+              </a:buClr>
+              <a:buFont typeface="Wingdings" panose="05000000000000000000" pitchFamily="2" charset="2"/>
+              <a:buChar char="l"/>
+              <a:defRPr sz="2300">
+                <a:solidFill>
+                  <a:schemeClr val="tx1"/>
+                </a:solidFill>
+                <a:latin typeface="+mn-lt"/>
+              </a:defRPr>
+            </a:lvl3pPr>
+            <a:lvl4pPr marL="1600200" indent="-228600" algn="l" rtl="0" eaLnBrk="0" fontAlgn="base" hangingPunct="0">
+              <a:spcBef>
+                <a:spcPct val="20000"/>
+              </a:spcBef>
+              <a:spcAft>
+                <a:spcPct val="0"/>
+              </a:spcAft>
+              <a:buClr>
+                <a:schemeClr val="accent1"/>
+              </a:buClr>
+              <a:buChar char="•"/>
+              <a:defRPr sz="2000">
+                <a:solidFill>
+                  <a:schemeClr val="tx1"/>
+                </a:solidFill>
+                <a:latin typeface="+mn-lt"/>
+              </a:defRPr>
+            </a:lvl4pPr>
+            <a:lvl5pPr marL="2057400" indent="-228600" algn="l" rtl="0" eaLnBrk="0" fontAlgn="base" hangingPunct="0">
+              <a:spcBef>
+                <a:spcPct val="20000"/>
+              </a:spcBef>
+              <a:spcAft>
+                <a:spcPct val="0"/>
+              </a:spcAft>
+              <a:buClr>
+                <a:schemeClr val="accent1"/>
+              </a:buClr>
+              <a:buFont typeface="Wingdings" panose="05000000000000000000" pitchFamily="2" charset="2"/>
+              <a:buChar char=""/>
+              <a:defRPr sz="2000">
+                <a:solidFill>
+                  <a:schemeClr val="tx1"/>
+                </a:solidFill>
+                <a:latin typeface="+mn-lt"/>
+              </a:defRPr>
+            </a:lvl5pPr>
+            <a:lvl6pPr marL="2514600" indent="-228600" algn="l" rtl="0" fontAlgn="base">
+              <a:spcBef>
+                <a:spcPct val="20000"/>
+              </a:spcBef>
+              <a:spcAft>
+                <a:spcPct val="0"/>
+              </a:spcAft>
+              <a:buClr>
+                <a:schemeClr val="accent1"/>
+              </a:buClr>
+              <a:buFont typeface="Wingdings" pitchFamily="2" charset="2"/>
+              <a:buChar char=""/>
+              <a:defRPr sz="2000">
+                <a:solidFill>
+                  <a:schemeClr val="tx1"/>
+                </a:solidFill>
+                <a:latin typeface="+mn-lt"/>
+              </a:defRPr>
+            </a:lvl6pPr>
+            <a:lvl7pPr marL="2971800" indent="-228600" algn="l" rtl="0" fontAlgn="base">
+              <a:spcBef>
+                <a:spcPct val="20000"/>
+              </a:spcBef>
+              <a:spcAft>
+                <a:spcPct val="0"/>
+              </a:spcAft>
+              <a:buClr>
+                <a:schemeClr val="accent1"/>
+              </a:buClr>
+              <a:buFont typeface="Wingdings" pitchFamily="2" charset="2"/>
+              <a:buChar char=""/>
+              <a:defRPr sz="2000">
+                <a:solidFill>
+                  <a:schemeClr val="tx1"/>
+                </a:solidFill>
+                <a:latin typeface="+mn-lt"/>
+              </a:defRPr>
+            </a:lvl7pPr>
+            <a:lvl8pPr marL="3429000" indent="-228600" algn="l" rtl="0" fontAlgn="base">
+              <a:spcBef>
+                <a:spcPct val="20000"/>
+              </a:spcBef>
+              <a:spcAft>
+                <a:spcPct val="0"/>
+              </a:spcAft>
+              <a:buClr>
+                <a:schemeClr val="accent1"/>
+              </a:buClr>
+              <a:buFont typeface="Wingdings" pitchFamily="2" charset="2"/>
+              <a:buChar char=""/>
+              <a:defRPr sz="2000">
+                <a:solidFill>
+                  <a:schemeClr val="tx1"/>
+                </a:solidFill>
+                <a:latin typeface="+mn-lt"/>
+              </a:defRPr>
+            </a:lvl8pPr>
+            <a:lvl9pPr marL="3886200" indent="-228600" algn="l" rtl="0" fontAlgn="base">
+              <a:spcBef>
+                <a:spcPct val="20000"/>
+              </a:spcBef>
+              <a:spcAft>
+                <a:spcPct val="0"/>
+              </a:spcAft>
+              <a:buClr>
+                <a:schemeClr val="accent1"/>
+              </a:buClr>
+              <a:buFont typeface="Wingdings" pitchFamily="2" charset="2"/>
+              <a:buChar char=""/>
+              <a:defRPr sz="2000">
+                <a:solidFill>
+                  <a:schemeClr val="tx1"/>
+                </a:solidFill>
+                <a:latin typeface="+mn-lt"/>
+              </a:defRPr>
+            </a:lvl9pPr>
+          </a:lstStyle>
+          <a:p>
+            <a:pPr eaLnBrk="1" hangingPunct="1"/>
+            <a:r>
+              <a:rPr lang="sr-Cyrl-RS" altLang="en-US" kern="0" dirty="0" smtClean="0">
+                <a:solidFill>
+                  <a:srgbClr val="993300"/>
+                </a:solidFill>
+                <a:latin typeface="Times New Roman" panose="02020603050405020304" pitchFamily="18" charset="0"/>
+                <a:cs typeface="Times New Roman" panose="02020603050405020304" pitchFamily="18" charset="0"/>
+              </a:rPr>
+              <a:t>Владимир Филиповић</a:t>
+            </a:r>
+            <a:endParaRPr lang="en-US" altLang="en-US" kern="0" dirty="0" smtClean="0">
+              <a:solidFill>
+                <a:srgbClr val="993300"/>
+              </a:solidFill>
+              <a:latin typeface="Times New Roman" panose="02020603050405020304" pitchFamily="18" charset="0"/>
+              <a:cs typeface="Times New Roman" panose="02020603050405020304" pitchFamily="18" charset="0"/>
+            </a:endParaRPr>
+          </a:p>
+          <a:p>
+            <a:pPr eaLnBrk="1" hangingPunct="1"/>
+            <a:r>
+              <a:rPr lang="sr-Latn-CS" altLang="en-US" kern="0" dirty="0" smtClean="0">
+                <a:hlinkClick r:id="rId2"/>
+              </a:rPr>
+              <a:t>vladaf@matf.bg.ac.</a:t>
+            </a:r>
+            <a:r>
+              <a:rPr lang="en-US" altLang="en-US" kern="0" dirty="0" err="1" smtClean="0">
+                <a:hlinkClick r:id="rId2"/>
+              </a:rPr>
+              <a:t>rs</a:t>
+            </a:r>
+            <a:endParaRPr lang="sr-Latn-RS" altLang="en-US" kern="0" dirty="0" smtClean="0"/>
+          </a:p>
+          <a:p>
+            <a:pPr eaLnBrk="1" hangingPunct="1"/>
+            <a:r>
+              <a:rPr lang="sr-Cyrl-RS" altLang="en-US" kern="0" dirty="0" smtClean="0">
+                <a:solidFill>
+                  <a:srgbClr val="993300"/>
+                </a:solidFill>
+                <a:latin typeface="Times New Roman" panose="02020603050405020304" pitchFamily="18" charset="0"/>
+                <a:cs typeface="Times New Roman" panose="02020603050405020304" pitchFamily="18" charset="0"/>
+              </a:rPr>
+              <a:t>Александар Картељ</a:t>
+            </a:r>
+            <a:endParaRPr lang="en-US" altLang="en-US" kern="0" dirty="0" smtClean="0">
+              <a:solidFill>
+                <a:srgbClr val="993300"/>
+              </a:solidFill>
+              <a:latin typeface="Times New Roman" panose="02020603050405020304" pitchFamily="18" charset="0"/>
+              <a:cs typeface="Times New Roman" panose="02020603050405020304" pitchFamily="18" charset="0"/>
+            </a:endParaRPr>
+          </a:p>
+          <a:p>
+            <a:pPr eaLnBrk="1" hangingPunct="1"/>
+            <a:r>
+              <a:rPr lang="en-US" altLang="en-US" kern="0" dirty="0" smtClean="0">
+                <a:hlinkClick r:id="rId3"/>
+              </a:rPr>
+              <a:t>k</a:t>
+            </a:r>
+            <a:r>
+              <a:rPr lang="sr-Latn-RS" altLang="en-US" kern="0" dirty="0" smtClean="0">
+                <a:hlinkClick r:id="rId3"/>
+              </a:rPr>
+              <a:t>artelj</a:t>
+            </a:r>
+            <a:r>
+              <a:rPr lang="en-US" altLang="en-US" kern="0" dirty="0" smtClean="0">
+                <a:hlinkClick r:id="rId3"/>
+              </a:rPr>
+              <a:t>@matf.bg.ac.rs</a:t>
+            </a:r>
+            <a:endParaRPr lang="en-US" altLang="en-US" kern="0" dirty="0"/>
+          </a:p>
+        </p:txBody>
+      </p:sp>
+    </p:spTree>
+    <p:extLst>
+      <p:ext uri="{BB962C8B-B14F-4D97-AF65-F5344CB8AC3E}">
+        <p14:creationId xmlns:p14="http://schemas.microsoft.com/office/powerpoint/2010/main" val="1648489107"/>
+      </p:ext>
+    </p:extLst>
+  </p:cSld>
+  <p:clrMapOvr>
+    <a:masterClrMapping/>
+  </p:clrMapOvr>
+  <p:transition spd="slow"/>
+  <p:timing>
+    <p:tnLst>
+      <p:par>
+        <p:cTn id="1" dur="indefinite" restart="never" nodeType="tmRoot"/>
+      </p:par>
+    </p:tnLst>
+  </p:timing>
+</p:sld>
+</file>
+
+<file path=ppt/slides/slide21.xml><?xml version="1.0" encoding="utf-8"?>
+<p:sld xmlns:a="http://schemas.openxmlformats.org/drawingml/2006/main" xmlns:r="http://schemas.openxmlformats.org/officeDocument/2006/relationships" xmlns:p="http://schemas.openxmlformats.org/presentationml/2006/main">
+  <p:cSld>
+    <p:spTree>
+      <p:nvGrpSpPr>
+        <p:cNvPr id="1" name=""/>
+        <p:cNvGrpSpPr/>
+        <p:nvPr/>
+      </p:nvGrpSpPr>
+      <p:grpSpPr>
+        <a:xfrm>
+          <a:off x="0" y="0"/>
+          <a:ext cx="0" cy="0"/>
+          <a:chOff x="0" y="0"/>
+          <a:chExt cx="0" cy="0"/>
+        </a:xfrm>
+      </p:grpSpPr>
+      <p:sp>
+        <p:nvSpPr>
           <p:cNvPr id="5122" name="Text Box 2"/>
           <p:cNvSpPr txBox="1">
             <a:spLocks noChangeArrowheads="1"/>
@@ -18724,7 +19139,420 @@
 </p:sld>
 </file>
 
-<file path=ppt/slides/slide21.xml><?xml version="1.0" encoding="utf-8"?>
+<file path=ppt/slides/slide22.xml><?xml version="1.0" encoding="utf-8"?>
+<p:sld xmlns:a="http://schemas.openxmlformats.org/drawingml/2006/main" xmlns:r="http://schemas.openxmlformats.org/officeDocument/2006/relationships" xmlns:p="http://schemas.openxmlformats.org/presentationml/2006/main">
+  <p:cSld>
+    <p:spTree>
+      <p:nvGrpSpPr>
+        <p:cNvPr id="1" name=""/>
+        <p:cNvGrpSpPr/>
+        <p:nvPr/>
+      </p:nvGrpSpPr>
+      <p:grpSpPr>
+        <a:xfrm>
+          <a:off x="0" y="0"/>
+          <a:ext cx="0" cy="0"/>
+          <a:chOff x="0" y="0"/>
+          <a:chExt cx="0" cy="0"/>
+        </a:xfrm>
+      </p:grpSpPr>
+      <p:sp>
+        <p:nvSpPr>
+          <p:cNvPr id="4098" name="Rectangle 2"/>
+          <p:cNvSpPr>
+            <a:spLocks noGrp="1" noChangeArrowheads="1"/>
+          </p:cNvSpPr>
+          <p:nvPr>
+            <p:ph type="ctrTitle"/>
+          </p:nvPr>
+        </p:nvSpPr>
+        <p:spPr>
+          <a:xfrm>
+            <a:off x="395288" y="1628775"/>
+            <a:ext cx="8569325" cy="1144588"/>
+          </a:xfrm>
+        </p:spPr>
+        <p:txBody>
+          <a:bodyPr/>
+          <a:lstStyle/>
+          <a:p>
+            <a:pPr eaLnBrk="1" hangingPunct="1"/>
+            <a:r>
+              <a:rPr lang="sr-Cyrl-RS" altLang="en-US" sz="5400" dirty="0" smtClean="0">
+                <a:solidFill>
+                  <a:srgbClr val="3366FF"/>
+                </a:solidFill>
+              </a:rPr>
+              <a:t>Предефинисани </a:t>
+            </a:r>
+            <a:r>
+              <a:rPr lang="en-US" altLang="en-US" sz="5400" dirty="0" smtClean="0">
+                <a:solidFill>
+                  <a:srgbClr val="3366FF"/>
+                </a:solidFill>
+              </a:rPr>
+              <a:t/>
+            </a:r>
+            <a:br>
+              <a:rPr lang="en-US" altLang="en-US" sz="5400" dirty="0" smtClean="0">
+                <a:solidFill>
+                  <a:srgbClr val="3366FF"/>
+                </a:solidFill>
+              </a:rPr>
+            </a:br>
+            <a:r>
+              <a:rPr lang="sr-Cyrl-RS" altLang="en-US" sz="5400" dirty="0" smtClean="0">
+                <a:solidFill>
+                  <a:srgbClr val="3366FF"/>
+                </a:solidFill>
+              </a:rPr>
+              <a:t>типови и објекти </a:t>
+            </a:r>
+            <a:br>
+              <a:rPr lang="sr-Cyrl-RS" altLang="en-US" sz="5400" dirty="0" smtClean="0">
+                <a:solidFill>
+                  <a:srgbClr val="3366FF"/>
+                </a:solidFill>
+              </a:rPr>
+            </a:br>
+            <a:r>
+              <a:rPr lang="sr-Cyrl-RS" altLang="en-US" sz="5400" dirty="0" smtClean="0">
+                <a:solidFill>
+                  <a:srgbClr val="3366FF"/>
+                </a:solidFill>
+              </a:rPr>
+              <a:t>у програмском језику Јава</a:t>
+            </a:r>
+            <a:endParaRPr lang="sr-Latn-CS" altLang="en-US" sz="5400" dirty="0" smtClean="0">
+              <a:solidFill>
+                <a:srgbClr val="3366FF"/>
+              </a:solidFill>
+            </a:endParaRPr>
+          </a:p>
+        </p:txBody>
+      </p:sp>
+      <p:sp>
+        <p:nvSpPr>
+          <p:cNvPr id="5" name="Rectangle 3"/>
+          <p:cNvSpPr txBox="1">
+            <a:spLocks noChangeArrowheads="1"/>
+          </p:cNvSpPr>
+          <p:nvPr/>
+        </p:nvSpPr>
+        <p:spPr bwMode="auto">
+          <a:xfrm>
+            <a:off x="3563888" y="3356992"/>
+            <a:ext cx="5110162" cy="1752600"/>
+          </a:xfrm>
+          <a:prstGeom prst="rect">
+            <a:avLst/>
+          </a:prstGeom>
+          <a:noFill/>
+          <a:ln>
+            <a:noFill/>
+          </a:ln>
+          <a:extLst>
+            <a:ext uri="{909E8E84-426E-40DD-AFC4-6F175D3DCCD1}">
+              <a14:hiddenFill xmlns:a14="http://schemas.microsoft.com/office/drawing/2010/main">
+                <a:solidFill>
+                  <a:srgbClr val="FFFFFF"/>
+                </a:solidFill>
+              </a14:hiddenFill>
+            </a:ext>
+            <a:ext uri="{91240B29-F687-4F45-9708-019B960494DF}">
+              <a14:hiddenLine xmlns:a14="http://schemas.microsoft.com/office/drawing/2010/main" w="9525">
+                <a:solidFill>
+                  <a:srgbClr val="000000"/>
+                </a:solidFill>
+                <a:miter lim="800000"/>
+                <a:headEnd/>
+                <a:tailEnd/>
+              </a14:hiddenLine>
+            </a:ext>
+          </a:extLst>
+        </p:spPr>
+        <p:txBody>
+          <a:bodyPr vert="horz" wrap="square" lIns="91440" tIns="45720" rIns="91440" bIns="45720" numCol="1" anchor="t" anchorCtr="0" compatLnSpc="1">
+            <a:prstTxWarp prst="textNoShape">
+              <a:avLst/>
+            </a:prstTxWarp>
+          </a:bodyPr>
+          <a:lstStyle>
+            <a:lvl1pPr marL="0" indent="0" algn="r" rtl="0" eaLnBrk="0" fontAlgn="base" hangingPunct="0">
+              <a:spcBef>
+                <a:spcPct val="20000"/>
+              </a:spcBef>
+              <a:spcAft>
+                <a:spcPct val="0"/>
+              </a:spcAft>
+              <a:buClr>
+                <a:schemeClr val="accent1"/>
+              </a:buClr>
+              <a:buFont typeface="Wingdings" panose="05000000000000000000" pitchFamily="2" charset="2"/>
+              <a:buNone/>
+              <a:defRPr sz="3200">
+                <a:solidFill>
+                  <a:schemeClr val="tx1"/>
+                </a:solidFill>
+                <a:latin typeface="+mn-lt"/>
+                <a:ea typeface="+mn-ea"/>
+                <a:cs typeface="+mn-cs"/>
+              </a:defRPr>
+            </a:lvl1pPr>
+            <a:lvl2pPr marL="742950" indent="-285750" algn="l" rtl="0" eaLnBrk="0" fontAlgn="base" hangingPunct="0">
+              <a:spcBef>
+                <a:spcPct val="20000"/>
+              </a:spcBef>
+              <a:spcAft>
+                <a:spcPct val="0"/>
+              </a:spcAft>
+              <a:buClr>
+                <a:schemeClr val="accent1"/>
+              </a:buClr>
+              <a:buFont typeface="Wingdings" panose="05000000000000000000" pitchFamily="2" charset="2"/>
+              <a:buChar char="¡"/>
+              <a:defRPr sz="2700">
+                <a:solidFill>
+                  <a:schemeClr val="tx1"/>
+                </a:solidFill>
+                <a:latin typeface="+mn-lt"/>
+              </a:defRPr>
+            </a:lvl2pPr>
+            <a:lvl3pPr marL="1143000" indent="-228600" algn="l" rtl="0" eaLnBrk="0" fontAlgn="base" hangingPunct="0">
+              <a:spcBef>
+                <a:spcPct val="20000"/>
+              </a:spcBef>
+              <a:spcAft>
+                <a:spcPct val="0"/>
+              </a:spcAft>
+              <a:buClr>
+                <a:schemeClr val="accent1"/>
+              </a:buClr>
+              <a:buFont typeface="Wingdings" panose="05000000000000000000" pitchFamily="2" charset="2"/>
+              <a:buChar char="l"/>
+              <a:defRPr sz="2300">
+                <a:solidFill>
+                  <a:schemeClr val="tx1"/>
+                </a:solidFill>
+                <a:latin typeface="+mn-lt"/>
+              </a:defRPr>
+            </a:lvl3pPr>
+            <a:lvl4pPr marL="1600200" indent="-228600" algn="l" rtl="0" eaLnBrk="0" fontAlgn="base" hangingPunct="0">
+              <a:spcBef>
+                <a:spcPct val="20000"/>
+              </a:spcBef>
+              <a:spcAft>
+                <a:spcPct val="0"/>
+              </a:spcAft>
+              <a:buClr>
+                <a:schemeClr val="accent1"/>
+              </a:buClr>
+              <a:buChar char="•"/>
+              <a:defRPr sz="2000">
+                <a:solidFill>
+                  <a:schemeClr val="tx1"/>
+                </a:solidFill>
+                <a:latin typeface="+mn-lt"/>
+              </a:defRPr>
+            </a:lvl4pPr>
+            <a:lvl5pPr marL="2057400" indent="-228600" algn="l" rtl="0" eaLnBrk="0" fontAlgn="base" hangingPunct="0">
+              <a:spcBef>
+                <a:spcPct val="20000"/>
+              </a:spcBef>
+              <a:spcAft>
+                <a:spcPct val="0"/>
+              </a:spcAft>
+              <a:buClr>
+                <a:schemeClr val="accent1"/>
+              </a:buClr>
+              <a:buFont typeface="Wingdings" panose="05000000000000000000" pitchFamily="2" charset="2"/>
+              <a:buChar char=""/>
+              <a:defRPr sz="2000">
+                <a:solidFill>
+                  <a:schemeClr val="tx1"/>
+                </a:solidFill>
+                <a:latin typeface="+mn-lt"/>
+              </a:defRPr>
+            </a:lvl5pPr>
+            <a:lvl6pPr marL="2514600" indent="-228600" algn="l" rtl="0" fontAlgn="base">
+              <a:spcBef>
+                <a:spcPct val="20000"/>
+              </a:spcBef>
+              <a:spcAft>
+                <a:spcPct val="0"/>
+              </a:spcAft>
+              <a:buClr>
+                <a:schemeClr val="accent1"/>
+              </a:buClr>
+              <a:buFont typeface="Wingdings" pitchFamily="2" charset="2"/>
+              <a:buChar char=""/>
+              <a:defRPr sz="2000">
+                <a:solidFill>
+                  <a:schemeClr val="tx1"/>
+                </a:solidFill>
+                <a:latin typeface="+mn-lt"/>
+              </a:defRPr>
+            </a:lvl6pPr>
+            <a:lvl7pPr marL="2971800" indent="-228600" algn="l" rtl="0" fontAlgn="base">
+              <a:spcBef>
+                <a:spcPct val="20000"/>
+              </a:spcBef>
+              <a:spcAft>
+                <a:spcPct val="0"/>
+              </a:spcAft>
+              <a:buClr>
+                <a:schemeClr val="accent1"/>
+              </a:buClr>
+              <a:buFont typeface="Wingdings" pitchFamily="2" charset="2"/>
+              <a:buChar char=""/>
+              <a:defRPr sz="2000">
+                <a:solidFill>
+                  <a:schemeClr val="tx1"/>
+                </a:solidFill>
+                <a:latin typeface="+mn-lt"/>
+              </a:defRPr>
+            </a:lvl7pPr>
+            <a:lvl8pPr marL="3429000" indent="-228600" algn="l" rtl="0" fontAlgn="base">
+              <a:spcBef>
+                <a:spcPct val="20000"/>
+              </a:spcBef>
+              <a:spcAft>
+                <a:spcPct val="0"/>
+              </a:spcAft>
+              <a:buClr>
+                <a:schemeClr val="accent1"/>
+              </a:buClr>
+              <a:buFont typeface="Wingdings" pitchFamily="2" charset="2"/>
+              <a:buChar char=""/>
+              <a:defRPr sz="2000">
+                <a:solidFill>
+                  <a:schemeClr val="tx1"/>
+                </a:solidFill>
+                <a:latin typeface="+mn-lt"/>
+              </a:defRPr>
+            </a:lvl8pPr>
+            <a:lvl9pPr marL="3886200" indent="-228600" algn="l" rtl="0" fontAlgn="base">
+              <a:spcBef>
+                <a:spcPct val="20000"/>
+              </a:spcBef>
+              <a:spcAft>
+                <a:spcPct val="0"/>
+              </a:spcAft>
+              <a:buClr>
+                <a:schemeClr val="accent1"/>
+              </a:buClr>
+              <a:buFont typeface="Wingdings" pitchFamily="2" charset="2"/>
+              <a:buChar char=""/>
+              <a:defRPr sz="2000">
+                <a:solidFill>
+                  <a:schemeClr val="tx1"/>
+                </a:solidFill>
+                <a:latin typeface="+mn-lt"/>
+              </a:defRPr>
+            </a:lvl9pPr>
+          </a:lstStyle>
+          <a:p>
+            <a:pPr eaLnBrk="1" hangingPunct="1"/>
+            <a:r>
+              <a:rPr lang="sr-Cyrl-RS" altLang="en-US" kern="0" dirty="0" smtClean="0">
+                <a:solidFill>
+                  <a:srgbClr val="993300"/>
+                </a:solidFill>
+                <a:latin typeface="Times New Roman" panose="02020603050405020304" pitchFamily="18" charset="0"/>
+                <a:cs typeface="Times New Roman" panose="02020603050405020304" pitchFamily="18" charset="0"/>
+              </a:rPr>
+              <a:t>Владимир Филиповић</a:t>
+            </a:r>
+            <a:endParaRPr lang="en-US" altLang="en-US" kern="0" dirty="0" smtClean="0">
+              <a:solidFill>
+                <a:srgbClr val="993300"/>
+              </a:solidFill>
+              <a:latin typeface="Times New Roman" panose="02020603050405020304" pitchFamily="18" charset="0"/>
+              <a:cs typeface="Times New Roman" panose="02020603050405020304" pitchFamily="18" charset="0"/>
+            </a:endParaRPr>
+          </a:p>
+          <a:p>
+            <a:pPr eaLnBrk="1" hangingPunct="1"/>
+            <a:r>
+              <a:rPr lang="sr-Latn-CS" altLang="en-US" kern="0" dirty="0" smtClean="0">
+                <a:hlinkClick r:id="rId2"/>
+              </a:rPr>
+              <a:t>vladaf@matf.bg.ac.</a:t>
+            </a:r>
+            <a:r>
+              <a:rPr lang="en-US" altLang="en-US" kern="0" dirty="0" err="1" smtClean="0">
+                <a:hlinkClick r:id="rId2"/>
+              </a:rPr>
+              <a:t>rs</a:t>
+            </a:r>
+            <a:endParaRPr lang="sr-Latn-RS" altLang="en-US" kern="0" dirty="0" smtClean="0"/>
+          </a:p>
+          <a:p>
+            <a:pPr eaLnBrk="1" hangingPunct="1"/>
+            <a:r>
+              <a:rPr lang="sr-Cyrl-RS" altLang="en-US" kern="0" dirty="0" smtClean="0">
+                <a:solidFill>
+                  <a:srgbClr val="993300"/>
+                </a:solidFill>
+                <a:latin typeface="Times New Roman" panose="02020603050405020304" pitchFamily="18" charset="0"/>
+                <a:cs typeface="Times New Roman" panose="02020603050405020304" pitchFamily="18" charset="0"/>
+              </a:rPr>
+              <a:t>Александар Картељ</a:t>
+            </a:r>
+            <a:endParaRPr lang="en-US" altLang="en-US" kern="0" dirty="0" smtClean="0">
+              <a:solidFill>
+                <a:srgbClr val="993300"/>
+              </a:solidFill>
+              <a:latin typeface="Times New Roman" panose="02020603050405020304" pitchFamily="18" charset="0"/>
+              <a:cs typeface="Times New Roman" panose="02020603050405020304" pitchFamily="18" charset="0"/>
+            </a:endParaRPr>
+          </a:p>
+          <a:p>
+            <a:pPr eaLnBrk="1" hangingPunct="1"/>
+            <a:r>
+              <a:rPr lang="en-US" altLang="en-US" kern="0" dirty="0" smtClean="0">
+                <a:hlinkClick r:id="rId3"/>
+              </a:rPr>
+              <a:t>k</a:t>
+            </a:r>
+            <a:r>
+              <a:rPr lang="sr-Latn-RS" altLang="en-US" kern="0" dirty="0" smtClean="0">
+                <a:hlinkClick r:id="rId3"/>
+              </a:rPr>
+              <a:t>artelj</a:t>
+            </a:r>
+            <a:r>
+              <a:rPr lang="en-US" altLang="en-US" kern="0" dirty="0" smtClean="0">
+                <a:hlinkClick r:id="rId3"/>
+              </a:rPr>
+              <a:t>@matf.bg.ac.rs</a:t>
+            </a:r>
+            <a:endParaRPr lang="en-US" altLang="en-US" kern="0" dirty="0"/>
+          </a:p>
+        </p:txBody>
+      </p:sp>
+    </p:spTree>
+    <p:extLst>
+      <p:ext uri="{BB962C8B-B14F-4D97-AF65-F5344CB8AC3E}">
+        <p14:creationId xmlns:p14="http://schemas.microsoft.com/office/powerpoint/2010/main" val="2298026132"/>
+      </p:ext>
+    </p:extLst>
+  </p:cSld>
+  <p:clrMapOvr>
+    <a:masterClrMapping/>
+  </p:clrMapOvr>
+  <p:transition spd="slow"/>
+  <p:timing>
+    <p:tnLst>
+      <p:par>
+        <p:cTn id="1" dur="indefinite" restart="never" nodeType="tmRoot"/>
+      </p:par>
+    </p:tnLst>
+  </p:timing>
+</p:sld>
+</file>
+
+<file path=ppt/slides/slide23.xml><?xml version="1.0" encoding="utf-8"?>
 <p:sld xmlns:a="http://schemas.openxmlformats.org/drawingml/2006/main" xmlns:r="http://schemas.openxmlformats.org/officeDocument/2006/relationships" xmlns:p="http://schemas.openxmlformats.org/presentationml/2006/main">
   <p:cSld>
     <p:spTree>
@@ -20002,7 +20830,7 @@
 </p:sld>
 </file>
 
-<file path=ppt/slides/slide22.xml><?xml version="1.0" encoding="utf-8"?>
+<file path=ppt/slides/slide24.xml><?xml version="1.0" encoding="utf-8"?>
 <p:sld xmlns:a="http://schemas.openxmlformats.org/drawingml/2006/main" xmlns:r="http://schemas.openxmlformats.org/officeDocument/2006/relationships" xmlns:p="http://schemas.openxmlformats.org/presentationml/2006/main">
   <p:cSld>
     <p:spTree>
@@ -21575,7 +22403,7 @@
 </p:sld>
 </file>
 
-<file path=ppt/slides/slide23.xml><?xml version="1.0" encoding="utf-8"?>
+<file path=ppt/slides/slide25.xml><?xml version="1.0" encoding="utf-8"?>
 <p:sld xmlns:a="http://schemas.openxmlformats.org/drawingml/2006/main" xmlns:r="http://schemas.openxmlformats.org/officeDocument/2006/relationships" xmlns:p="http://schemas.openxmlformats.org/presentationml/2006/main">
   <p:cSld>
     <p:spTree>

--- a/predavanja/prezentacije/OOP07-1-Predefinisani tipovi u Javi.pptx
+++ b/predavanja/prezentacije/OOP07-1-Predefinisani tipovi u Javi.pptx
@@ -5,10 +5,10 @@
     <p:sldMasterId id="2147483721" r:id="rId1"/>
   </p:sldMasterIdLst>
   <p:notesMasterIdLst>
-    <p:notesMasterId r:id="rId27"/>
+    <p:notesMasterId r:id="rId24"/>
   </p:notesMasterIdLst>
   <p:handoutMasterIdLst>
-    <p:handoutMasterId r:id="rId28"/>
+    <p:handoutMasterId r:id="rId25"/>
   </p:handoutMasterIdLst>
   <p:sldIdLst>
     <p:sldId id="284" r:id="rId2"/>
@@ -25,26 +25,23 @@
     <p:sldId id="292" r:id="rId13"/>
     <p:sldId id="294" r:id="rId14"/>
     <p:sldId id="295" r:id="rId15"/>
-    <p:sldId id="305" r:id="rId16"/>
-    <p:sldId id="296" r:id="rId17"/>
-    <p:sldId id="297" r:id="rId18"/>
-    <p:sldId id="298" r:id="rId19"/>
-    <p:sldId id="299" r:id="rId20"/>
-    <p:sldId id="306" r:id="rId21"/>
-    <p:sldId id="300" r:id="rId22"/>
-    <p:sldId id="307" r:id="rId23"/>
-    <p:sldId id="302" r:id="rId24"/>
-    <p:sldId id="303" r:id="rId25"/>
-    <p:sldId id="283" r:id="rId26"/>
+    <p:sldId id="296" r:id="rId16"/>
+    <p:sldId id="297" r:id="rId17"/>
+    <p:sldId id="298" r:id="rId18"/>
+    <p:sldId id="299" r:id="rId19"/>
+    <p:sldId id="300" r:id="rId20"/>
+    <p:sldId id="302" r:id="rId21"/>
+    <p:sldId id="303" r:id="rId22"/>
+    <p:sldId id="283" r:id="rId23"/>
   </p:sldIdLst>
   <p:sldSz cx="9144000" cy="6858000" type="screen4x3"/>
   <p:notesSz cx="6858000" cy="9144000"/>
   <p:embeddedFontLst>
     <p:embeddedFont>
       <p:font typeface="Garamond" panose="02020404030301010803" pitchFamily="18" charset="0"/>
-      <p:regular r:id="rId29"/>
-      <p:bold r:id="rId30"/>
-      <p:italic r:id="rId31"/>
+      <p:regular r:id="rId26"/>
+      <p:bold r:id="rId27"/>
+      <p:italic r:id="rId28"/>
     </p:embeddedFont>
   </p:embeddedFontLst>
   <p:kinsoku lang="ja-JP" invalStChars="、。，．・：；？！゛゜ヽヾゝゞ々ー’”）〕］｝〉》」』】°‰′″℃￠％ぁぃぅぇぉっゃゅょゎァィゥェォッャュョヮヵヶ!%),.:;?]}｡｣､･ｧｨｩｪｫｬｭｮｯｰﾞﾟ" invalEndChars="‘“（〔［｛〈《「『【￥＄$([\{｢￡"/>
@@ -10669,419 +10666,6 @@
       </p:grpSpPr>
       <p:sp>
         <p:nvSpPr>
-          <p:cNvPr id="4098" name="Rectangle 2"/>
-          <p:cNvSpPr>
-            <a:spLocks noGrp="1" noChangeArrowheads="1"/>
-          </p:cNvSpPr>
-          <p:nvPr>
-            <p:ph type="ctrTitle"/>
-          </p:nvPr>
-        </p:nvSpPr>
-        <p:spPr>
-          <a:xfrm>
-            <a:off x="395288" y="1628775"/>
-            <a:ext cx="8569325" cy="1144588"/>
-          </a:xfrm>
-        </p:spPr>
-        <p:txBody>
-          <a:bodyPr/>
-          <a:lstStyle/>
-          <a:p>
-            <a:pPr eaLnBrk="1" hangingPunct="1"/>
-            <a:r>
-              <a:rPr lang="sr-Cyrl-RS" altLang="en-US" sz="5400" dirty="0" smtClean="0">
-                <a:solidFill>
-                  <a:srgbClr val="3366FF"/>
-                </a:solidFill>
-              </a:rPr>
-              <a:t>Предефинисани </a:t>
-            </a:r>
-            <a:r>
-              <a:rPr lang="en-US" altLang="en-US" sz="5400" dirty="0" smtClean="0">
-                <a:solidFill>
-                  <a:srgbClr val="3366FF"/>
-                </a:solidFill>
-              </a:rPr>
-              <a:t/>
-            </a:r>
-            <a:br>
-              <a:rPr lang="en-US" altLang="en-US" sz="5400" dirty="0" smtClean="0">
-                <a:solidFill>
-                  <a:srgbClr val="3366FF"/>
-                </a:solidFill>
-              </a:rPr>
-            </a:br>
-            <a:r>
-              <a:rPr lang="sr-Cyrl-RS" altLang="en-US" sz="5400" dirty="0" smtClean="0">
-                <a:solidFill>
-                  <a:srgbClr val="3366FF"/>
-                </a:solidFill>
-              </a:rPr>
-              <a:t>типови и објекти </a:t>
-            </a:r>
-            <a:br>
-              <a:rPr lang="sr-Cyrl-RS" altLang="en-US" sz="5400" dirty="0" smtClean="0">
-                <a:solidFill>
-                  <a:srgbClr val="3366FF"/>
-                </a:solidFill>
-              </a:rPr>
-            </a:br>
-            <a:r>
-              <a:rPr lang="sr-Cyrl-RS" altLang="en-US" sz="5400" dirty="0" smtClean="0">
-                <a:solidFill>
-                  <a:srgbClr val="3366FF"/>
-                </a:solidFill>
-              </a:rPr>
-              <a:t>у програмском језику Јава</a:t>
-            </a:r>
-            <a:endParaRPr lang="sr-Latn-CS" altLang="en-US" sz="5400" dirty="0" smtClean="0">
-              <a:solidFill>
-                <a:srgbClr val="3366FF"/>
-              </a:solidFill>
-            </a:endParaRPr>
-          </a:p>
-        </p:txBody>
-      </p:sp>
-      <p:sp>
-        <p:nvSpPr>
-          <p:cNvPr id="5" name="Rectangle 3"/>
-          <p:cNvSpPr txBox="1">
-            <a:spLocks noChangeArrowheads="1"/>
-          </p:cNvSpPr>
-          <p:nvPr/>
-        </p:nvSpPr>
-        <p:spPr bwMode="auto">
-          <a:xfrm>
-            <a:off x="3563888" y="3356992"/>
-            <a:ext cx="5110162" cy="1752600"/>
-          </a:xfrm>
-          <a:prstGeom prst="rect">
-            <a:avLst/>
-          </a:prstGeom>
-          <a:noFill/>
-          <a:ln>
-            <a:noFill/>
-          </a:ln>
-          <a:extLst>
-            <a:ext uri="{909E8E84-426E-40DD-AFC4-6F175D3DCCD1}">
-              <a14:hiddenFill xmlns:a14="http://schemas.microsoft.com/office/drawing/2010/main">
-                <a:solidFill>
-                  <a:srgbClr val="FFFFFF"/>
-                </a:solidFill>
-              </a14:hiddenFill>
-            </a:ext>
-            <a:ext uri="{91240B29-F687-4F45-9708-019B960494DF}">
-              <a14:hiddenLine xmlns:a14="http://schemas.microsoft.com/office/drawing/2010/main" w="9525">
-                <a:solidFill>
-                  <a:srgbClr val="000000"/>
-                </a:solidFill>
-                <a:miter lim="800000"/>
-                <a:headEnd/>
-                <a:tailEnd/>
-              </a14:hiddenLine>
-            </a:ext>
-          </a:extLst>
-        </p:spPr>
-        <p:txBody>
-          <a:bodyPr vert="horz" wrap="square" lIns="91440" tIns="45720" rIns="91440" bIns="45720" numCol="1" anchor="t" anchorCtr="0" compatLnSpc="1">
-            <a:prstTxWarp prst="textNoShape">
-              <a:avLst/>
-            </a:prstTxWarp>
-          </a:bodyPr>
-          <a:lstStyle>
-            <a:lvl1pPr marL="0" indent="0" algn="r" rtl="0" eaLnBrk="0" fontAlgn="base" hangingPunct="0">
-              <a:spcBef>
-                <a:spcPct val="20000"/>
-              </a:spcBef>
-              <a:spcAft>
-                <a:spcPct val="0"/>
-              </a:spcAft>
-              <a:buClr>
-                <a:schemeClr val="accent1"/>
-              </a:buClr>
-              <a:buFont typeface="Wingdings" panose="05000000000000000000" pitchFamily="2" charset="2"/>
-              <a:buNone/>
-              <a:defRPr sz="3200">
-                <a:solidFill>
-                  <a:schemeClr val="tx1"/>
-                </a:solidFill>
-                <a:latin typeface="+mn-lt"/>
-                <a:ea typeface="+mn-ea"/>
-                <a:cs typeface="+mn-cs"/>
-              </a:defRPr>
-            </a:lvl1pPr>
-            <a:lvl2pPr marL="742950" indent="-285750" algn="l" rtl="0" eaLnBrk="0" fontAlgn="base" hangingPunct="0">
-              <a:spcBef>
-                <a:spcPct val="20000"/>
-              </a:spcBef>
-              <a:spcAft>
-                <a:spcPct val="0"/>
-              </a:spcAft>
-              <a:buClr>
-                <a:schemeClr val="accent1"/>
-              </a:buClr>
-              <a:buFont typeface="Wingdings" panose="05000000000000000000" pitchFamily="2" charset="2"/>
-              <a:buChar char="¡"/>
-              <a:defRPr sz="2700">
-                <a:solidFill>
-                  <a:schemeClr val="tx1"/>
-                </a:solidFill>
-                <a:latin typeface="+mn-lt"/>
-              </a:defRPr>
-            </a:lvl2pPr>
-            <a:lvl3pPr marL="1143000" indent="-228600" algn="l" rtl="0" eaLnBrk="0" fontAlgn="base" hangingPunct="0">
-              <a:spcBef>
-                <a:spcPct val="20000"/>
-              </a:spcBef>
-              <a:spcAft>
-                <a:spcPct val="0"/>
-              </a:spcAft>
-              <a:buClr>
-                <a:schemeClr val="accent1"/>
-              </a:buClr>
-              <a:buFont typeface="Wingdings" panose="05000000000000000000" pitchFamily="2" charset="2"/>
-              <a:buChar char="l"/>
-              <a:defRPr sz="2300">
-                <a:solidFill>
-                  <a:schemeClr val="tx1"/>
-                </a:solidFill>
-                <a:latin typeface="+mn-lt"/>
-              </a:defRPr>
-            </a:lvl3pPr>
-            <a:lvl4pPr marL="1600200" indent="-228600" algn="l" rtl="0" eaLnBrk="0" fontAlgn="base" hangingPunct="0">
-              <a:spcBef>
-                <a:spcPct val="20000"/>
-              </a:spcBef>
-              <a:spcAft>
-                <a:spcPct val="0"/>
-              </a:spcAft>
-              <a:buClr>
-                <a:schemeClr val="accent1"/>
-              </a:buClr>
-              <a:buChar char="•"/>
-              <a:defRPr sz="2000">
-                <a:solidFill>
-                  <a:schemeClr val="tx1"/>
-                </a:solidFill>
-                <a:latin typeface="+mn-lt"/>
-              </a:defRPr>
-            </a:lvl4pPr>
-            <a:lvl5pPr marL="2057400" indent="-228600" algn="l" rtl="0" eaLnBrk="0" fontAlgn="base" hangingPunct="0">
-              <a:spcBef>
-                <a:spcPct val="20000"/>
-              </a:spcBef>
-              <a:spcAft>
-                <a:spcPct val="0"/>
-              </a:spcAft>
-              <a:buClr>
-                <a:schemeClr val="accent1"/>
-              </a:buClr>
-              <a:buFont typeface="Wingdings" panose="05000000000000000000" pitchFamily="2" charset="2"/>
-              <a:buChar char=""/>
-              <a:defRPr sz="2000">
-                <a:solidFill>
-                  <a:schemeClr val="tx1"/>
-                </a:solidFill>
-                <a:latin typeface="+mn-lt"/>
-              </a:defRPr>
-            </a:lvl5pPr>
-            <a:lvl6pPr marL="2514600" indent="-228600" algn="l" rtl="0" fontAlgn="base">
-              <a:spcBef>
-                <a:spcPct val="20000"/>
-              </a:spcBef>
-              <a:spcAft>
-                <a:spcPct val="0"/>
-              </a:spcAft>
-              <a:buClr>
-                <a:schemeClr val="accent1"/>
-              </a:buClr>
-              <a:buFont typeface="Wingdings" pitchFamily="2" charset="2"/>
-              <a:buChar char=""/>
-              <a:defRPr sz="2000">
-                <a:solidFill>
-                  <a:schemeClr val="tx1"/>
-                </a:solidFill>
-                <a:latin typeface="+mn-lt"/>
-              </a:defRPr>
-            </a:lvl6pPr>
-            <a:lvl7pPr marL="2971800" indent="-228600" algn="l" rtl="0" fontAlgn="base">
-              <a:spcBef>
-                <a:spcPct val="20000"/>
-              </a:spcBef>
-              <a:spcAft>
-                <a:spcPct val="0"/>
-              </a:spcAft>
-              <a:buClr>
-                <a:schemeClr val="accent1"/>
-              </a:buClr>
-              <a:buFont typeface="Wingdings" pitchFamily="2" charset="2"/>
-              <a:buChar char=""/>
-              <a:defRPr sz="2000">
-                <a:solidFill>
-                  <a:schemeClr val="tx1"/>
-                </a:solidFill>
-                <a:latin typeface="+mn-lt"/>
-              </a:defRPr>
-            </a:lvl7pPr>
-            <a:lvl8pPr marL="3429000" indent="-228600" algn="l" rtl="0" fontAlgn="base">
-              <a:spcBef>
-                <a:spcPct val="20000"/>
-              </a:spcBef>
-              <a:spcAft>
-                <a:spcPct val="0"/>
-              </a:spcAft>
-              <a:buClr>
-                <a:schemeClr val="accent1"/>
-              </a:buClr>
-              <a:buFont typeface="Wingdings" pitchFamily="2" charset="2"/>
-              <a:buChar char=""/>
-              <a:defRPr sz="2000">
-                <a:solidFill>
-                  <a:schemeClr val="tx1"/>
-                </a:solidFill>
-                <a:latin typeface="+mn-lt"/>
-              </a:defRPr>
-            </a:lvl8pPr>
-            <a:lvl9pPr marL="3886200" indent="-228600" algn="l" rtl="0" fontAlgn="base">
-              <a:spcBef>
-                <a:spcPct val="20000"/>
-              </a:spcBef>
-              <a:spcAft>
-                <a:spcPct val="0"/>
-              </a:spcAft>
-              <a:buClr>
-                <a:schemeClr val="accent1"/>
-              </a:buClr>
-              <a:buFont typeface="Wingdings" pitchFamily="2" charset="2"/>
-              <a:buChar char=""/>
-              <a:defRPr sz="2000">
-                <a:solidFill>
-                  <a:schemeClr val="tx1"/>
-                </a:solidFill>
-                <a:latin typeface="+mn-lt"/>
-              </a:defRPr>
-            </a:lvl9pPr>
-          </a:lstStyle>
-          <a:p>
-            <a:pPr eaLnBrk="1" hangingPunct="1"/>
-            <a:r>
-              <a:rPr lang="sr-Cyrl-RS" altLang="en-US" kern="0" dirty="0" smtClean="0">
-                <a:solidFill>
-                  <a:srgbClr val="993300"/>
-                </a:solidFill>
-                <a:latin typeface="Times New Roman" panose="02020603050405020304" pitchFamily="18" charset="0"/>
-                <a:cs typeface="Times New Roman" panose="02020603050405020304" pitchFamily="18" charset="0"/>
-              </a:rPr>
-              <a:t>Владимир Филиповић</a:t>
-            </a:r>
-            <a:endParaRPr lang="en-US" altLang="en-US" kern="0" dirty="0" smtClean="0">
-              <a:solidFill>
-                <a:srgbClr val="993300"/>
-              </a:solidFill>
-              <a:latin typeface="Times New Roman" panose="02020603050405020304" pitchFamily="18" charset="0"/>
-              <a:cs typeface="Times New Roman" panose="02020603050405020304" pitchFamily="18" charset="0"/>
-            </a:endParaRPr>
-          </a:p>
-          <a:p>
-            <a:pPr eaLnBrk="1" hangingPunct="1"/>
-            <a:r>
-              <a:rPr lang="sr-Latn-CS" altLang="en-US" kern="0" dirty="0" smtClean="0">
-                <a:hlinkClick r:id="rId2"/>
-              </a:rPr>
-              <a:t>vladaf@matf.bg.ac.</a:t>
-            </a:r>
-            <a:r>
-              <a:rPr lang="en-US" altLang="en-US" kern="0" dirty="0" err="1" smtClean="0">
-                <a:hlinkClick r:id="rId2"/>
-              </a:rPr>
-              <a:t>rs</a:t>
-            </a:r>
-            <a:endParaRPr lang="sr-Latn-RS" altLang="en-US" kern="0" dirty="0" smtClean="0"/>
-          </a:p>
-          <a:p>
-            <a:pPr eaLnBrk="1" hangingPunct="1"/>
-            <a:r>
-              <a:rPr lang="sr-Cyrl-RS" altLang="en-US" kern="0" dirty="0" smtClean="0">
-                <a:solidFill>
-                  <a:srgbClr val="993300"/>
-                </a:solidFill>
-                <a:latin typeface="Times New Roman" panose="02020603050405020304" pitchFamily="18" charset="0"/>
-                <a:cs typeface="Times New Roman" panose="02020603050405020304" pitchFamily="18" charset="0"/>
-              </a:rPr>
-              <a:t>Александар Картељ</a:t>
-            </a:r>
-            <a:endParaRPr lang="en-US" altLang="en-US" kern="0" dirty="0" smtClean="0">
-              <a:solidFill>
-                <a:srgbClr val="993300"/>
-              </a:solidFill>
-              <a:latin typeface="Times New Roman" panose="02020603050405020304" pitchFamily="18" charset="0"/>
-              <a:cs typeface="Times New Roman" panose="02020603050405020304" pitchFamily="18" charset="0"/>
-            </a:endParaRPr>
-          </a:p>
-          <a:p>
-            <a:pPr eaLnBrk="1" hangingPunct="1"/>
-            <a:r>
-              <a:rPr lang="en-US" altLang="en-US" kern="0" dirty="0" smtClean="0">
-                <a:hlinkClick r:id="rId3"/>
-              </a:rPr>
-              <a:t>k</a:t>
-            </a:r>
-            <a:r>
-              <a:rPr lang="sr-Latn-RS" altLang="en-US" kern="0" dirty="0" smtClean="0">
-                <a:hlinkClick r:id="rId3"/>
-              </a:rPr>
-              <a:t>artelj</a:t>
-            </a:r>
-            <a:r>
-              <a:rPr lang="en-US" altLang="en-US" kern="0" dirty="0" smtClean="0">
-                <a:hlinkClick r:id="rId3"/>
-              </a:rPr>
-              <a:t>@matf.bg.ac.rs</a:t>
-            </a:r>
-            <a:endParaRPr lang="en-US" altLang="en-US" kern="0" dirty="0"/>
-          </a:p>
-        </p:txBody>
-      </p:sp>
-    </p:spTree>
-    <p:extLst>
-      <p:ext uri="{BB962C8B-B14F-4D97-AF65-F5344CB8AC3E}">
-        <p14:creationId xmlns:p14="http://schemas.microsoft.com/office/powerpoint/2010/main" val="4260721986"/>
-      </p:ext>
-    </p:extLst>
-  </p:cSld>
-  <p:clrMapOvr>
-    <a:masterClrMapping/>
-  </p:clrMapOvr>
-  <p:transition spd="slow"/>
-  <p:timing>
-    <p:tnLst>
-      <p:par>
-        <p:cTn id="1" dur="indefinite" restart="never" nodeType="tmRoot"/>
-      </p:par>
-    </p:tnLst>
-  </p:timing>
-</p:sld>
-</file>
-
-<file path=ppt/slides/slide16.xml><?xml version="1.0" encoding="utf-8"?>
-<p:sld xmlns:a="http://schemas.openxmlformats.org/drawingml/2006/main" xmlns:r="http://schemas.openxmlformats.org/officeDocument/2006/relationships" xmlns:p="http://schemas.openxmlformats.org/presentationml/2006/main">
-  <p:cSld>
-    <p:spTree>
-      <p:nvGrpSpPr>
-        <p:cNvPr id="1" name=""/>
-        <p:cNvGrpSpPr/>
-        <p:nvPr/>
-      </p:nvGrpSpPr>
-      <p:grpSpPr>
-        <a:xfrm>
-          <a:off x="0" y="0"/>
-          <a:ext cx="0" cy="0"/>
-          <a:chOff x="0" y="0"/>
-          <a:chExt cx="0" cy="0"/>
-        </a:xfrm>
-      </p:grpSpPr>
-      <p:sp>
-        <p:nvSpPr>
           <p:cNvPr id="5122" name="Text Box 2"/>
           <p:cNvSpPr txBox="1">
             <a:spLocks noChangeArrowheads="1"/>
@@ -12633,7 +12217,7 @@
 </p:sld>
 </file>
 
-<file path=ppt/slides/slide17.xml><?xml version="1.0" encoding="utf-8"?>
+<file path=ppt/slides/slide16.xml><?xml version="1.0" encoding="utf-8"?>
 <p:sld xmlns:a="http://schemas.openxmlformats.org/drawingml/2006/main" xmlns:r="http://schemas.openxmlformats.org/officeDocument/2006/relationships" xmlns:p="http://schemas.openxmlformats.org/presentationml/2006/main">
   <p:cSld>
     <p:spTree>
@@ -14202,7 +13786,7 @@
 </p:sld>
 </file>
 
-<file path=ppt/slides/slide18.xml><?xml version="1.0" encoding="utf-8"?>
+<file path=ppt/slides/slide17.xml><?xml version="1.0" encoding="utf-8"?>
 <p:sld xmlns:a="http://schemas.openxmlformats.org/drawingml/2006/main" xmlns:r="http://schemas.openxmlformats.org/officeDocument/2006/relationships" xmlns:p="http://schemas.openxmlformats.org/presentationml/2006/main">
   <p:cSld>
     <p:spTree>
@@ -15760,7 +15344,7 @@
 </p:sld>
 </file>
 
-<file path=ppt/slides/slide19.xml><?xml version="1.0" encoding="utf-8"?>
+<file path=ppt/slides/slide18.xml><?xml version="1.0" encoding="utf-8"?>
 <p:sld xmlns:a="http://schemas.openxmlformats.org/drawingml/2006/main" xmlns:r="http://schemas.openxmlformats.org/officeDocument/2006/relationships" xmlns:p="http://schemas.openxmlformats.org/presentationml/2006/main">
   <p:cSld>
     <p:spTree>
@@ -17177,805 +16761,7 @@
 </p:sld>
 </file>
 
-<file path=ppt/slides/slide2.xml><?xml version="1.0" encoding="utf-8"?>
-<p:sld xmlns:a="http://schemas.openxmlformats.org/drawingml/2006/main" xmlns:r="http://schemas.openxmlformats.org/officeDocument/2006/relationships" xmlns:p="http://schemas.openxmlformats.org/presentationml/2006/main">
-  <p:cSld>
-    <p:spTree>
-      <p:nvGrpSpPr>
-        <p:cNvPr id="1" name=""/>
-        <p:cNvGrpSpPr/>
-        <p:nvPr/>
-      </p:nvGrpSpPr>
-      <p:grpSpPr>
-        <a:xfrm>
-          <a:off x="0" y="0"/>
-          <a:ext cx="0" cy="0"/>
-          <a:chOff x="0" y="0"/>
-          <a:chExt cx="0" cy="0"/>
-        </a:xfrm>
-      </p:grpSpPr>
-      <p:sp>
-        <p:nvSpPr>
-          <p:cNvPr id="4098" name="Rectangle 2"/>
-          <p:cNvSpPr>
-            <a:spLocks noGrp="1" noChangeArrowheads="1"/>
-          </p:cNvSpPr>
-          <p:nvPr>
-            <p:ph type="ctrTitle"/>
-          </p:nvPr>
-        </p:nvSpPr>
-        <p:spPr>
-          <a:xfrm>
-            <a:off x="395288" y="1628775"/>
-            <a:ext cx="8569325" cy="1144588"/>
-          </a:xfrm>
-        </p:spPr>
-        <p:txBody>
-          <a:bodyPr/>
-          <a:lstStyle/>
-          <a:p>
-            <a:pPr eaLnBrk="1" hangingPunct="1"/>
-            <a:r>
-              <a:rPr lang="sr-Cyrl-RS" altLang="en-US" sz="5400" dirty="0" smtClean="0">
-                <a:solidFill>
-                  <a:srgbClr val="3366FF"/>
-                </a:solidFill>
-              </a:rPr>
-              <a:t>Улазна тачка Јава програма</a:t>
-            </a:r>
-            <a:br>
-              <a:rPr lang="sr-Cyrl-RS" altLang="en-US" sz="5400" dirty="0" smtClean="0">
-                <a:solidFill>
-                  <a:srgbClr val="3366FF"/>
-                </a:solidFill>
-              </a:rPr>
-            </a:br>
-            <a:r>
-              <a:rPr lang="sr-Cyrl-RS" altLang="en-US" sz="5400" dirty="0" smtClean="0">
-                <a:solidFill>
-                  <a:srgbClr val="3366FF"/>
-                </a:solidFill>
-              </a:rPr>
-              <a:t>Статичке функције</a:t>
-            </a:r>
-            <a:endParaRPr lang="sr-Latn-CS" altLang="en-US" sz="5400" dirty="0" smtClean="0">
-              <a:solidFill>
-                <a:srgbClr val="3366FF"/>
-              </a:solidFill>
-            </a:endParaRPr>
-          </a:p>
-        </p:txBody>
-      </p:sp>
-      <p:sp>
-        <p:nvSpPr>
-          <p:cNvPr id="5" name="Rectangle 3"/>
-          <p:cNvSpPr txBox="1">
-            <a:spLocks noChangeArrowheads="1"/>
-          </p:cNvSpPr>
-          <p:nvPr/>
-        </p:nvSpPr>
-        <p:spPr bwMode="auto">
-          <a:xfrm>
-            <a:off x="3563888" y="3356992"/>
-            <a:ext cx="5110162" cy="1752600"/>
-          </a:xfrm>
-          <a:prstGeom prst="rect">
-            <a:avLst/>
-          </a:prstGeom>
-          <a:noFill/>
-          <a:ln>
-            <a:noFill/>
-          </a:ln>
-          <a:extLst>
-            <a:ext uri="{909E8E84-426E-40DD-AFC4-6F175D3DCCD1}">
-              <a14:hiddenFill xmlns:a14="http://schemas.microsoft.com/office/drawing/2010/main">
-                <a:solidFill>
-                  <a:srgbClr val="FFFFFF"/>
-                </a:solidFill>
-              </a14:hiddenFill>
-            </a:ext>
-            <a:ext uri="{91240B29-F687-4F45-9708-019B960494DF}">
-              <a14:hiddenLine xmlns:a14="http://schemas.microsoft.com/office/drawing/2010/main" w="9525">
-                <a:solidFill>
-                  <a:srgbClr val="000000"/>
-                </a:solidFill>
-                <a:miter lim="800000"/>
-                <a:headEnd/>
-                <a:tailEnd/>
-              </a14:hiddenLine>
-            </a:ext>
-          </a:extLst>
-        </p:spPr>
-        <p:txBody>
-          <a:bodyPr vert="horz" wrap="square" lIns="91440" tIns="45720" rIns="91440" bIns="45720" numCol="1" anchor="t" anchorCtr="0" compatLnSpc="1">
-            <a:prstTxWarp prst="textNoShape">
-              <a:avLst/>
-            </a:prstTxWarp>
-          </a:bodyPr>
-          <a:lstStyle>
-            <a:lvl1pPr marL="0" indent="0" algn="r" rtl="0" eaLnBrk="0" fontAlgn="base" hangingPunct="0">
-              <a:spcBef>
-                <a:spcPct val="20000"/>
-              </a:spcBef>
-              <a:spcAft>
-                <a:spcPct val="0"/>
-              </a:spcAft>
-              <a:buClr>
-                <a:schemeClr val="accent1"/>
-              </a:buClr>
-              <a:buFont typeface="Wingdings" panose="05000000000000000000" pitchFamily="2" charset="2"/>
-              <a:buNone/>
-              <a:defRPr sz="3200">
-                <a:solidFill>
-                  <a:schemeClr val="tx1"/>
-                </a:solidFill>
-                <a:latin typeface="+mn-lt"/>
-                <a:ea typeface="+mn-ea"/>
-                <a:cs typeface="+mn-cs"/>
-              </a:defRPr>
-            </a:lvl1pPr>
-            <a:lvl2pPr marL="742950" indent="-285750" algn="l" rtl="0" eaLnBrk="0" fontAlgn="base" hangingPunct="0">
-              <a:spcBef>
-                <a:spcPct val="20000"/>
-              </a:spcBef>
-              <a:spcAft>
-                <a:spcPct val="0"/>
-              </a:spcAft>
-              <a:buClr>
-                <a:schemeClr val="accent1"/>
-              </a:buClr>
-              <a:buFont typeface="Wingdings" panose="05000000000000000000" pitchFamily="2" charset="2"/>
-              <a:buChar char="¡"/>
-              <a:defRPr sz="2700">
-                <a:solidFill>
-                  <a:schemeClr val="tx1"/>
-                </a:solidFill>
-                <a:latin typeface="+mn-lt"/>
-              </a:defRPr>
-            </a:lvl2pPr>
-            <a:lvl3pPr marL="1143000" indent="-228600" algn="l" rtl="0" eaLnBrk="0" fontAlgn="base" hangingPunct="0">
-              <a:spcBef>
-                <a:spcPct val="20000"/>
-              </a:spcBef>
-              <a:spcAft>
-                <a:spcPct val="0"/>
-              </a:spcAft>
-              <a:buClr>
-                <a:schemeClr val="accent1"/>
-              </a:buClr>
-              <a:buFont typeface="Wingdings" panose="05000000000000000000" pitchFamily="2" charset="2"/>
-              <a:buChar char="l"/>
-              <a:defRPr sz="2300">
-                <a:solidFill>
-                  <a:schemeClr val="tx1"/>
-                </a:solidFill>
-                <a:latin typeface="+mn-lt"/>
-              </a:defRPr>
-            </a:lvl3pPr>
-            <a:lvl4pPr marL="1600200" indent="-228600" algn="l" rtl="0" eaLnBrk="0" fontAlgn="base" hangingPunct="0">
-              <a:spcBef>
-                <a:spcPct val="20000"/>
-              </a:spcBef>
-              <a:spcAft>
-                <a:spcPct val="0"/>
-              </a:spcAft>
-              <a:buClr>
-                <a:schemeClr val="accent1"/>
-              </a:buClr>
-              <a:buChar char="•"/>
-              <a:defRPr sz="2000">
-                <a:solidFill>
-                  <a:schemeClr val="tx1"/>
-                </a:solidFill>
-                <a:latin typeface="+mn-lt"/>
-              </a:defRPr>
-            </a:lvl4pPr>
-            <a:lvl5pPr marL="2057400" indent="-228600" algn="l" rtl="0" eaLnBrk="0" fontAlgn="base" hangingPunct="0">
-              <a:spcBef>
-                <a:spcPct val="20000"/>
-              </a:spcBef>
-              <a:spcAft>
-                <a:spcPct val="0"/>
-              </a:spcAft>
-              <a:buClr>
-                <a:schemeClr val="accent1"/>
-              </a:buClr>
-              <a:buFont typeface="Wingdings" panose="05000000000000000000" pitchFamily="2" charset="2"/>
-              <a:buChar char=""/>
-              <a:defRPr sz="2000">
-                <a:solidFill>
-                  <a:schemeClr val="tx1"/>
-                </a:solidFill>
-                <a:latin typeface="+mn-lt"/>
-              </a:defRPr>
-            </a:lvl5pPr>
-            <a:lvl6pPr marL="2514600" indent="-228600" algn="l" rtl="0" fontAlgn="base">
-              <a:spcBef>
-                <a:spcPct val="20000"/>
-              </a:spcBef>
-              <a:spcAft>
-                <a:spcPct val="0"/>
-              </a:spcAft>
-              <a:buClr>
-                <a:schemeClr val="accent1"/>
-              </a:buClr>
-              <a:buFont typeface="Wingdings" pitchFamily="2" charset="2"/>
-              <a:buChar char=""/>
-              <a:defRPr sz="2000">
-                <a:solidFill>
-                  <a:schemeClr val="tx1"/>
-                </a:solidFill>
-                <a:latin typeface="+mn-lt"/>
-              </a:defRPr>
-            </a:lvl6pPr>
-            <a:lvl7pPr marL="2971800" indent="-228600" algn="l" rtl="0" fontAlgn="base">
-              <a:spcBef>
-                <a:spcPct val="20000"/>
-              </a:spcBef>
-              <a:spcAft>
-                <a:spcPct val="0"/>
-              </a:spcAft>
-              <a:buClr>
-                <a:schemeClr val="accent1"/>
-              </a:buClr>
-              <a:buFont typeface="Wingdings" pitchFamily="2" charset="2"/>
-              <a:buChar char=""/>
-              <a:defRPr sz="2000">
-                <a:solidFill>
-                  <a:schemeClr val="tx1"/>
-                </a:solidFill>
-                <a:latin typeface="+mn-lt"/>
-              </a:defRPr>
-            </a:lvl7pPr>
-            <a:lvl8pPr marL="3429000" indent="-228600" algn="l" rtl="0" fontAlgn="base">
-              <a:spcBef>
-                <a:spcPct val="20000"/>
-              </a:spcBef>
-              <a:spcAft>
-                <a:spcPct val="0"/>
-              </a:spcAft>
-              <a:buClr>
-                <a:schemeClr val="accent1"/>
-              </a:buClr>
-              <a:buFont typeface="Wingdings" pitchFamily="2" charset="2"/>
-              <a:buChar char=""/>
-              <a:defRPr sz="2000">
-                <a:solidFill>
-                  <a:schemeClr val="tx1"/>
-                </a:solidFill>
-                <a:latin typeface="+mn-lt"/>
-              </a:defRPr>
-            </a:lvl8pPr>
-            <a:lvl9pPr marL="3886200" indent="-228600" algn="l" rtl="0" fontAlgn="base">
-              <a:spcBef>
-                <a:spcPct val="20000"/>
-              </a:spcBef>
-              <a:spcAft>
-                <a:spcPct val="0"/>
-              </a:spcAft>
-              <a:buClr>
-                <a:schemeClr val="accent1"/>
-              </a:buClr>
-              <a:buFont typeface="Wingdings" pitchFamily="2" charset="2"/>
-              <a:buChar char=""/>
-              <a:defRPr sz="2000">
-                <a:solidFill>
-                  <a:schemeClr val="tx1"/>
-                </a:solidFill>
-                <a:latin typeface="+mn-lt"/>
-              </a:defRPr>
-            </a:lvl9pPr>
-          </a:lstStyle>
-          <a:p>
-            <a:pPr eaLnBrk="1" hangingPunct="1"/>
-            <a:r>
-              <a:rPr lang="sr-Cyrl-RS" altLang="en-US" kern="0" dirty="0" smtClean="0">
-                <a:solidFill>
-                  <a:srgbClr val="993300"/>
-                </a:solidFill>
-                <a:latin typeface="Times New Roman" panose="02020603050405020304" pitchFamily="18" charset="0"/>
-                <a:cs typeface="Times New Roman" panose="02020603050405020304" pitchFamily="18" charset="0"/>
-              </a:rPr>
-              <a:t>Владимир Филиповић</a:t>
-            </a:r>
-            <a:endParaRPr lang="en-US" altLang="en-US" kern="0" dirty="0" smtClean="0">
-              <a:solidFill>
-                <a:srgbClr val="993300"/>
-              </a:solidFill>
-              <a:latin typeface="Times New Roman" panose="02020603050405020304" pitchFamily="18" charset="0"/>
-              <a:cs typeface="Times New Roman" panose="02020603050405020304" pitchFamily="18" charset="0"/>
-            </a:endParaRPr>
-          </a:p>
-          <a:p>
-            <a:pPr eaLnBrk="1" hangingPunct="1"/>
-            <a:r>
-              <a:rPr lang="sr-Latn-CS" altLang="en-US" kern="0" dirty="0" smtClean="0">
-                <a:hlinkClick r:id="rId2"/>
-              </a:rPr>
-              <a:t>vladaf@matf.bg.ac.</a:t>
-            </a:r>
-            <a:r>
-              <a:rPr lang="en-US" altLang="en-US" kern="0" dirty="0" err="1" smtClean="0">
-                <a:hlinkClick r:id="rId2"/>
-              </a:rPr>
-              <a:t>rs</a:t>
-            </a:r>
-            <a:endParaRPr lang="sr-Latn-RS" altLang="en-US" kern="0" dirty="0" smtClean="0"/>
-          </a:p>
-          <a:p>
-            <a:pPr eaLnBrk="1" hangingPunct="1"/>
-            <a:r>
-              <a:rPr lang="sr-Cyrl-RS" altLang="en-US" kern="0" dirty="0" smtClean="0">
-                <a:solidFill>
-                  <a:srgbClr val="993300"/>
-                </a:solidFill>
-                <a:latin typeface="Times New Roman" panose="02020603050405020304" pitchFamily="18" charset="0"/>
-                <a:cs typeface="Times New Roman" panose="02020603050405020304" pitchFamily="18" charset="0"/>
-              </a:rPr>
-              <a:t>Александар Картељ</a:t>
-            </a:r>
-            <a:endParaRPr lang="en-US" altLang="en-US" kern="0" dirty="0" smtClean="0">
-              <a:solidFill>
-                <a:srgbClr val="993300"/>
-              </a:solidFill>
-              <a:latin typeface="Times New Roman" panose="02020603050405020304" pitchFamily="18" charset="0"/>
-              <a:cs typeface="Times New Roman" panose="02020603050405020304" pitchFamily="18" charset="0"/>
-            </a:endParaRPr>
-          </a:p>
-          <a:p>
-            <a:pPr eaLnBrk="1" hangingPunct="1"/>
-            <a:r>
-              <a:rPr lang="en-US" altLang="en-US" kern="0" dirty="0" smtClean="0">
-                <a:hlinkClick r:id="rId3"/>
-              </a:rPr>
-              <a:t>k</a:t>
-            </a:r>
-            <a:r>
-              <a:rPr lang="sr-Latn-RS" altLang="en-US" kern="0" dirty="0" smtClean="0">
-                <a:hlinkClick r:id="rId3"/>
-              </a:rPr>
-              <a:t>artelj</a:t>
-            </a:r>
-            <a:r>
-              <a:rPr lang="en-US" altLang="en-US" kern="0" dirty="0" smtClean="0">
-                <a:hlinkClick r:id="rId3"/>
-              </a:rPr>
-              <a:t>@matf.bg.ac.rs</a:t>
-            </a:r>
-            <a:endParaRPr lang="en-US" altLang="en-US" kern="0" dirty="0"/>
-          </a:p>
-        </p:txBody>
-      </p:sp>
-    </p:spTree>
-  </p:cSld>
-  <p:clrMapOvr>
-    <a:masterClrMapping/>
-  </p:clrMapOvr>
-  <p:transition spd="slow"/>
-  <p:timing>
-    <p:tnLst>
-      <p:par>
-        <p:cTn id="1" dur="indefinite" restart="never" nodeType="tmRoot"/>
-      </p:par>
-    </p:tnLst>
-  </p:timing>
-</p:sld>
-</file>
-
-<file path=ppt/slides/slide20.xml><?xml version="1.0" encoding="utf-8"?>
-<p:sld xmlns:a="http://schemas.openxmlformats.org/drawingml/2006/main" xmlns:r="http://schemas.openxmlformats.org/officeDocument/2006/relationships" xmlns:p="http://schemas.openxmlformats.org/presentationml/2006/main">
-  <p:cSld>
-    <p:spTree>
-      <p:nvGrpSpPr>
-        <p:cNvPr id="1" name=""/>
-        <p:cNvGrpSpPr/>
-        <p:nvPr/>
-      </p:nvGrpSpPr>
-      <p:grpSpPr>
-        <a:xfrm>
-          <a:off x="0" y="0"/>
-          <a:ext cx="0" cy="0"/>
-          <a:chOff x="0" y="0"/>
-          <a:chExt cx="0" cy="0"/>
-        </a:xfrm>
-      </p:grpSpPr>
-      <p:sp>
-        <p:nvSpPr>
-          <p:cNvPr id="4098" name="Rectangle 2"/>
-          <p:cNvSpPr>
-            <a:spLocks noGrp="1" noChangeArrowheads="1"/>
-          </p:cNvSpPr>
-          <p:nvPr>
-            <p:ph type="ctrTitle"/>
-          </p:nvPr>
-        </p:nvSpPr>
-        <p:spPr>
-          <a:xfrm>
-            <a:off x="395288" y="1628775"/>
-            <a:ext cx="8569325" cy="1144588"/>
-          </a:xfrm>
-        </p:spPr>
-        <p:txBody>
-          <a:bodyPr/>
-          <a:lstStyle/>
-          <a:p>
-            <a:pPr eaLnBrk="1" hangingPunct="1"/>
-            <a:r>
-              <a:rPr lang="sr-Cyrl-RS" altLang="en-US" sz="5400" dirty="0" smtClean="0">
-                <a:solidFill>
-                  <a:srgbClr val="3366FF"/>
-                </a:solidFill>
-              </a:rPr>
-              <a:t>Предефинисани </a:t>
-            </a:r>
-            <a:r>
-              <a:rPr lang="en-US" altLang="en-US" sz="5400" dirty="0" smtClean="0">
-                <a:solidFill>
-                  <a:srgbClr val="3366FF"/>
-                </a:solidFill>
-              </a:rPr>
-              <a:t/>
-            </a:r>
-            <a:br>
-              <a:rPr lang="en-US" altLang="en-US" sz="5400" dirty="0" smtClean="0">
-                <a:solidFill>
-                  <a:srgbClr val="3366FF"/>
-                </a:solidFill>
-              </a:rPr>
-            </a:br>
-            <a:r>
-              <a:rPr lang="sr-Cyrl-RS" altLang="en-US" sz="5400" dirty="0" smtClean="0">
-                <a:solidFill>
-                  <a:srgbClr val="3366FF"/>
-                </a:solidFill>
-              </a:rPr>
-              <a:t>типови и објекти </a:t>
-            </a:r>
-            <a:br>
-              <a:rPr lang="sr-Cyrl-RS" altLang="en-US" sz="5400" dirty="0" smtClean="0">
-                <a:solidFill>
-                  <a:srgbClr val="3366FF"/>
-                </a:solidFill>
-              </a:rPr>
-            </a:br>
-            <a:r>
-              <a:rPr lang="sr-Cyrl-RS" altLang="en-US" sz="5400" dirty="0" smtClean="0">
-                <a:solidFill>
-                  <a:srgbClr val="3366FF"/>
-                </a:solidFill>
-              </a:rPr>
-              <a:t>у програмском језику Јава</a:t>
-            </a:r>
-            <a:endParaRPr lang="sr-Latn-CS" altLang="en-US" sz="5400" dirty="0" smtClean="0">
-              <a:solidFill>
-                <a:srgbClr val="3366FF"/>
-              </a:solidFill>
-            </a:endParaRPr>
-          </a:p>
-        </p:txBody>
-      </p:sp>
-      <p:sp>
-        <p:nvSpPr>
-          <p:cNvPr id="5" name="Rectangle 3"/>
-          <p:cNvSpPr txBox="1">
-            <a:spLocks noChangeArrowheads="1"/>
-          </p:cNvSpPr>
-          <p:nvPr/>
-        </p:nvSpPr>
-        <p:spPr bwMode="auto">
-          <a:xfrm>
-            <a:off x="3563888" y="3356992"/>
-            <a:ext cx="5110162" cy="1752600"/>
-          </a:xfrm>
-          <a:prstGeom prst="rect">
-            <a:avLst/>
-          </a:prstGeom>
-          <a:noFill/>
-          <a:ln>
-            <a:noFill/>
-          </a:ln>
-          <a:extLst>
-            <a:ext uri="{909E8E84-426E-40DD-AFC4-6F175D3DCCD1}">
-              <a14:hiddenFill xmlns:a14="http://schemas.microsoft.com/office/drawing/2010/main">
-                <a:solidFill>
-                  <a:srgbClr val="FFFFFF"/>
-                </a:solidFill>
-              </a14:hiddenFill>
-            </a:ext>
-            <a:ext uri="{91240B29-F687-4F45-9708-019B960494DF}">
-              <a14:hiddenLine xmlns:a14="http://schemas.microsoft.com/office/drawing/2010/main" w="9525">
-                <a:solidFill>
-                  <a:srgbClr val="000000"/>
-                </a:solidFill>
-                <a:miter lim="800000"/>
-                <a:headEnd/>
-                <a:tailEnd/>
-              </a14:hiddenLine>
-            </a:ext>
-          </a:extLst>
-        </p:spPr>
-        <p:txBody>
-          <a:bodyPr vert="horz" wrap="square" lIns="91440" tIns="45720" rIns="91440" bIns="45720" numCol="1" anchor="t" anchorCtr="0" compatLnSpc="1">
-            <a:prstTxWarp prst="textNoShape">
-              <a:avLst/>
-            </a:prstTxWarp>
-          </a:bodyPr>
-          <a:lstStyle>
-            <a:lvl1pPr marL="0" indent="0" algn="r" rtl="0" eaLnBrk="0" fontAlgn="base" hangingPunct="0">
-              <a:spcBef>
-                <a:spcPct val="20000"/>
-              </a:spcBef>
-              <a:spcAft>
-                <a:spcPct val="0"/>
-              </a:spcAft>
-              <a:buClr>
-                <a:schemeClr val="accent1"/>
-              </a:buClr>
-              <a:buFont typeface="Wingdings" panose="05000000000000000000" pitchFamily="2" charset="2"/>
-              <a:buNone/>
-              <a:defRPr sz="3200">
-                <a:solidFill>
-                  <a:schemeClr val="tx1"/>
-                </a:solidFill>
-                <a:latin typeface="+mn-lt"/>
-                <a:ea typeface="+mn-ea"/>
-                <a:cs typeface="+mn-cs"/>
-              </a:defRPr>
-            </a:lvl1pPr>
-            <a:lvl2pPr marL="742950" indent="-285750" algn="l" rtl="0" eaLnBrk="0" fontAlgn="base" hangingPunct="0">
-              <a:spcBef>
-                <a:spcPct val="20000"/>
-              </a:spcBef>
-              <a:spcAft>
-                <a:spcPct val="0"/>
-              </a:spcAft>
-              <a:buClr>
-                <a:schemeClr val="accent1"/>
-              </a:buClr>
-              <a:buFont typeface="Wingdings" panose="05000000000000000000" pitchFamily="2" charset="2"/>
-              <a:buChar char="¡"/>
-              <a:defRPr sz="2700">
-                <a:solidFill>
-                  <a:schemeClr val="tx1"/>
-                </a:solidFill>
-                <a:latin typeface="+mn-lt"/>
-              </a:defRPr>
-            </a:lvl2pPr>
-            <a:lvl3pPr marL="1143000" indent="-228600" algn="l" rtl="0" eaLnBrk="0" fontAlgn="base" hangingPunct="0">
-              <a:spcBef>
-                <a:spcPct val="20000"/>
-              </a:spcBef>
-              <a:spcAft>
-                <a:spcPct val="0"/>
-              </a:spcAft>
-              <a:buClr>
-                <a:schemeClr val="accent1"/>
-              </a:buClr>
-              <a:buFont typeface="Wingdings" panose="05000000000000000000" pitchFamily="2" charset="2"/>
-              <a:buChar char="l"/>
-              <a:defRPr sz="2300">
-                <a:solidFill>
-                  <a:schemeClr val="tx1"/>
-                </a:solidFill>
-                <a:latin typeface="+mn-lt"/>
-              </a:defRPr>
-            </a:lvl3pPr>
-            <a:lvl4pPr marL="1600200" indent="-228600" algn="l" rtl="0" eaLnBrk="0" fontAlgn="base" hangingPunct="0">
-              <a:spcBef>
-                <a:spcPct val="20000"/>
-              </a:spcBef>
-              <a:spcAft>
-                <a:spcPct val="0"/>
-              </a:spcAft>
-              <a:buClr>
-                <a:schemeClr val="accent1"/>
-              </a:buClr>
-              <a:buChar char="•"/>
-              <a:defRPr sz="2000">
-                <a:solidFill>
-                  <a:schemeClr val="tx1"/>
-                </a:solidFill>
-                <a:latin typeface="+mn-lt"/>
-              </a:defRPr>
-            </a:lvl4pPr>
-            <a:lvl5pPr marL="2057400" indent="-228600" algn="l" rtl="0" eaLnBrk="0" fontAlgn="base" hangingPunct="0">
-              <a:spcBef>
-                <a:spcPct val="20000"/>
-              </a:spcBef>
-              <a:spcAft>
-                <a:spcPct val="0"/>
-              </a:spcAft>
-              <a:buClr>
-                <a:schemeClr val="accent1"/>
-              </a:buClr>
-              <a:buFont typeface="Wingdings" panose="05000000000000000000" pitchFamily="2" charset="2"/>
-              <a:buChar char=""/>
-              <a:defRPr sz="2000">
-                <a:solidFill>
-                  <a:schemeClr val="tx1"/>
-                </a:solidFill>
-                <a:latin typeface="+mn-lt"/>
-              </a:defRPr>
-            </a:lvl5pPr>
-            <a:lvl6pPr marL="2514600" indent="-228600" algn="l" rtl="0" fontAlgn="base">
-              <a:spcBef>
-                <a:spcPct val="20000"/>
-              </a:spcBef>
-              <a:spcAft>
-                <a:spcPct val="0"/>
-              </a:spcAft>
-              <a:buClr>
-                <a:schemeClr val="accent1"/>
-              </a:buClr>
-              <a:buFont typeface="Wingdings" pitchFamily="2" charset="2"/>
-              <a:buChar char=""/>
-              <a:defRPr sz="2000">
-                <a:solidFill>
-                  <a:schemeClr val="tx1"/>
-                </a:solidFill>
-                <a:latin typeface="+mn-lt"/>
-              </a:defRPr>
-            </a:lvl6pPr>
-            <a:lvl7pPr marL="2971800" indent="-228600" algn="l" rtl="0" fontAlgn="base">
-              <a:spcBef>
-                <a:spcPct val="20000"/>
-              </a:spcBef>
-              <a:spcAft>
-                <a:spcPct val="0"/>
-              </a:spcAft>
-              <a:buClr>
-                <a:schemeClr val="accent1"/>
-              </a:buClr>
-              <a:buFont typeface="Wingdings" pitchFamily="2" charset="2"/>
-              <a:buChar char=""/>
-              <a:defRPr sz="2000">
-                <a:solidFill>
-                  <a:schemeClr val="tx1"/>
-                </a:solidFill>
-                <a:latin typeface="+mn-lt"/>
-              </a:defRPr>
-            </a:lvl7pPr>
-            <a:lvl8pPr marL="3429000" indent="-228600" algn="l" rtl="0" fontAlgn="base">
-              <a:spcBef>
-                <a:spcPct val="20000"/>
-              </a:spcBef>
-              <a:spcAft>
-                <a:spcPct val="0"/>
-              </a:spcAft>
-              <a:buClr>
-                <a:schemeClr val="accent1"/>
-              </a:buClr>
-              <a:buFont typeface="Wingdings" pitchFamily="2" charset="2"/>
-              <a:buChar char=""/>
-              <a:defRPr sz="2000">
-                <a:solidFill>
-                  <a:schemeClr val="tx1"/>
-                </a:solidFill>
-                <a:latin typeface="+mn-lt"/>
-              </a:defRPr>
-            </a:lvl8pPr>
-            <a:lvl9pPr marL="3886200" indent="-228600" algn="l" rtl="0" fontAlgn="base">
-              <a:spcBef>
-                <a:spcPct val="20000"/>
-              </a:spcBef>
-              <a:spcAft>
-                <a:spcPct val="0"/>
-              </a:spcAft>
-              <a:buClr>
-                <a:schemeClr val="accent1"/>
-              </a:buClr>
-              <a:buFont typeface="Wingdings" pitchFamily="2" charset="2"/>
-              <a:buChar char=""/>
-              <a:defRPr sz="2000">
-                <a:solidFill>
-                  <a:schemeClr val="tx1"/>
-                </a:solidFill>
-                <a:latin typeface="+mn-lt"/>
-              </a:defRPr>
-            </a:lvl9pPr>
-          </a:lstStyle>
-          <a:p>
-            <a:pPr eaLnBrk="1" hangingPunct="1"/>
-            <a:r>
-              <a:rPr lang="sr-Cyrl-RS" altLang="en-US" kern="0" dirty="0" smtClean="0">
-                <a:solidFill>
-                  <a:srgbClr val="993300"/>
-                </a:solidFill>
-                <a:latin typeface="Times New Roman" panose="02020603050405020304" pitchFamily="18" charset="0"/>
-                <a:cs typeface="Times New Roman" panose="02020603050405020304" pitchFamily="18" charset="0"/>
-              </a:rPr>
-              <a:t>Владимир Филиповић</a:t>
-            </a:r>
-            <a:endParaRPr lang="en-US" altLang="en-US" kern="0" dirty="0" smtClean="0">
-              <a:solidFill>
-                <a:srgbClr val="993300"/>
-              </a:solidFill>
-              <a:latin typeface="Times New Roman" panose="02020603050405020304" pitchFamily="18" charset="0"/>
-              <a:cs typeface="Times New Roman" panose="02020603050405020304" pitchFamily="18" charset="0"/>
-            </a:endParaRPr>
-          </a:p>
-          <a:p>
-            <a:pPr eaLnBrk="1" hangingPunct="1"/>
-            <a:r>
-              <a:rPr lang="sr-Latn-CS" altLang="en-US" kern="0" dirty="0" smtClean="0">
-                <a:hlinkClick r:id="rId2"/>
-              </a:rPr>
-              <a:t>vladaf@matf.bg.ac.</a:t>
-            </a:r>
-            <a:r>
-              <a:rPr lang="en-US" altLang="en-US" kern="0" dirty="0" err="1" smtClean="0">
-                <a:hlinkClick r:id="rId2"/>
-              </a:rPr>
-              <a:t>rs</a:t>
-            </a:r>
-            <a:endParaRPr lang="sr-Latn-RS" altLang="en-US" kern="0" dirty="0" smtClean="0"/>
-          </a:p>
-          <a:p>
-            <a:pPr eaLnBrk="1" hangingPunct="1"/>
-            <a:r>
-              <a:rPr lang="sr-Cyrl-RS" altLang="en-US" kern="0" dirty="0" smtClean="0">
-                <a:solidFill>
-                  <a:srgbClr val="993300"/>
-                </a:solidFill>
-                <a:latin typeface="Times New Roman" panose="02020603050405020304" pitchFamily="18" charset="0"/>
-                <a:cs typeface="Times New Roman" panose="02020603050405020304" pitchFamily="18" charset="0"/>
-              </a:rPr>
-              <a:t>Александар Картељ</a:t>
-            </a:r>
-            <a:endParaRPr lang="en-US" altLang="en-US" kern="0" dirty="0" smtClean="0">
-              <a:solidFill>
-                <a:srgbClr val="993300"/>
-              </a:solidFill>
-              <a:latin typeface="Times New Roman" panose="02020603050405020304" pitchFamily="18" charset="0"/>
-              <a:cs typeface="Times New Roman" panose="02020603050405020304" pitchFamily="18" charset="0"/>
-            </a:endParaRPr>
-          </a:p>
-          <a:p>
-            <a:pPr eaLnBrk="1" hangingPunct="1"/>
-            <a:r>
-              <a:rPr lang="en-US" altLang="en-US" kern="0" dirty="0" smtClean="0">
-                <a:hlinkClick r:id="rId3"/>
-              </a:rPr>
-              <a:t>k</a:t>
-            </a:r>
-            <a:r>
-              <a:rPr lang="sr-Latn-RS" altLang="en-US" kern="0" dirty="0" smtClean="0">
-                <a:hlinkClick r:id="rId3"/>
-              </a:rPr>
-              <a:t>artelj</a:t>
-            </a:r>
-            <a:r>
-              <a:rPr lang="en-US" altLang="en-US" kern="0" dirty="0" smtClean="0">
-                <a:hlinkClick r:id="rId3"/>
-              </a:rPr>
-              <a:t>@matf.bg.ac.rs</a:t>
-            </a:r>
-            <a:endParaRPr lang="en-US" altLang="en-US" kern="0" dirty="0"/>
-          </a:p>
-        </p:txBody>
-      </p:sp>
-    </p:spTree>
-    <p:extLst>
-      <p:ext uri="{BB962C8B-B14F-4D97-AF65-F5344CB8AC3E}">
-        <p14:creationId xmlns:p14="http://schemas.microsoft.com/office/powerpoint/2010/main" val="1648489107"/>
-      </p:ext>
-    </p:extLst>
-  </p:cSld>
-  <p:clrMapOvr>
-    <a:masterClrMapping/>
-  </p:clrMapOvr>
-  <p:transition spd="slow"/>
-  <p:timing>
-    <p:tnLst>
-      <p:par>
-        <p:cTn id="1" dur="indefinite" restart="never" nodeType="tmRoot"/>
-      </p:par>
-    </p:tnLst>
-  </p:timing>
-</p:sld>
-</file>
-
-<file path=ppt/slides/slide21.xml><?xml version="1.0" encoding="utf-8"?>
+<file path=ppt/slides/slide19.xml><?xml version="1.0" encoding="utf-8"?>
 <p:sld xmlns:a="http://schemas.openxmlformats.org/drawingml/2006/main" xmlns:r="http://schemas.openxmlformats.org/officeDocument/2006/relationships" xmlns:p="http://schemas.openxmlformats.org/presentationml/2006/main">
   <p:cSld>
     <p:spTree>
@@ -19139,7 +17925,7 @@
 </p:sld>
 </file>
 
-<file path=ppt/slides/slide22.xml><?xml version="1.0" encoding="utf-8"?>
+<file path=ppt/slides/slide2.xml><?xml version="1.0" encoding="utf-8"?>
 <p:sld xmlns:a="http://schemas.openxmlformats.org/drawingml/2006/main" xmlns:r="http://schemas.openxmlformats.org/officeDocument/2006/relationships" xmlns:p="http://schemas.openxmlformats.org/presentationml/2006/main">
   <p:cSld>
     <p:spTree>
@@ -19183,30 +17969,7 @@
                   <a:srgbClr val="3366FF"/>
                 </a:solidFill>
               </a:rPr>
-              <a:t>Предефинисани </a:t>
-            </a:r>
-            <a:r>
-              <a:rPr lang="en-US" altLang="en-US" sz="5400" dirty="0" smtClean="0">
-                <a:solidFill>
-                  <a:srgbClr val="3366FF"/>
-                </a:solidFill>
-              </a:rPr>
-              <a:t/>
-            </a:r>
-            <a:br>
-              <a:rPr lang="en-US" altLang="en-US" sz="5400" dirty="0" smtClean="0">
-                <a:solidFill>
-                  <a:srgbClr val="3366FF"/>
-                </a:solidFill>
-              </a:rPr>
-            </a:br>
-            <a:r>
-              <a:rPr lang="sr-Cyrl-RS" altLang="en-US" sz="5400" dirty="0" smtClean="0">
-                <a:solidFill>
-                  <a:srgbClr val="3366FF"/>
-                </a:solidFill>
-              </a:rPr>
-              <a:t>типови и објекти </a:t>
+              <a:t>Улазна тачка Јава програма</a:t>
             </a:r>
             <a:br>
               <a:rPr lang="sr-Cyrl-RS" altLang="en-US" sz="5400" dirty="0" smtClean="0">
@@ -19221,7 +17984,7 @@
                   <a:srgbClr val="3366FF"/>
                 </a:solidFill>
               </a:rPr>
-              <a:t>у програмском језику Јава</a:t>
+              <a:t>Статичке функције</a:t>
             </a:r>
             <a:endParaRPr lang="sr-Latn-CS" altLang="en-US" sz="5400" dirty="0" smtClean="0">
               <a:solidFill>
@@ -19532,11 +18295,6 @@
         </p:txBody>
       </p:sp>
     </p:spTree>
-    <p:extLst>
-      <p:ext uri="{BB962C8B-B14F-4D97-AF65-F5344CB8AC3E}">
-        <p14:creationId xmlns:p14="http://schemas.microsoft.com/office/powerpoint/2010/main" val="2298026132"/>
-      </p:ext>
-    </p:extLst>
   </p:cSld>
   <p:clrMapOvr>
     <a:masterClrMapping/>
@@ -19552,7 +18310,7 @@
 </p:sld>
 </file>
 
-<file path=ppt/slides/slide23.xml><?xml version="1.0" encoding="utf-8"?>
+<file path=ppt/slides/slide20.xml><?xml version="1.0" encoding="utf-8"?>
 <p:sld xmlns:a="http://schemas.openxmlformats.org/drawingml/2006/main" xmlns:r="http://schemas.openxmlformats.org/officeDocument/2006/relationships" xmlns:p="http://schemas.openxmlformats.org/presentationml/2006/main">
   <p:cSld>
     <p:spTree>
@@ -20830,7 +19588,7 @@
 </p:sld>
 </file>
 
-<file path=ppt/slides/slide24.xml><?xml version="1.0" encoding="utf-8"?>
+<file path=ppt/slides/slide21.xml><?xml version="1.0" encoding="utf-8"?>
 <p:sld xmlns:a="http://schemas.openxmlformats.org/drawingml/2006/main" xmlns:r="http://schemas.openxmlformats.org/officeDocument/2006/relationships" xmlns:p="http://schemas.openxmlformats.org/presentationml/2006/main">
   <p:cSld>
     <p:spTree>
@@ -22403,7 +21161,7 @@
 </p:sld>
 </file>
 
-<file path=ppt/slides/slide25.xml><?xml version="1.0" encoding="utf-8"?>
+<file path=ppt/slides/slide22.xml><?xml version="1.0" encoding="utf-8"?>
 <p:sld xmlns:a="http://schemas.openxmlformats.org/drawingml/2006/main" xmlns:r="http://schemas.openxmlformats.org/officeDocument/2006/relationships" xmlns:p="http://schemas.openxmlformats.org/presentationml/2006/main">
   <p:cSld>
     <p:spTree>

--- a/predavanja/prezentacije/OOP07-1-Predefinisani tipovi u Javi.pptx
+++ b/predavanja/prezentacije/OOP07-1-Predefinisani tipovi u Javi.pptx
@@ -29,9 +29,9 @@
     <p:sldId id="297" r:id="rId17"/>
     <p:sldId id="298" r:id="rId18"/>
     <p:sldId id="299" r:id="rId19"/>
-    <p:sldId id="300" r:id="rId20"/>
-    <p:sldId id="302" r:id="rId21"/>
-    <p:sldId id="303" r:id="rId22"/>
+    <p:sldId id="303" r:id="rId20"/>
+    <p:sldId id="300" r:id="rId21"/>
+    <p:sldId id="302" r:id="rId22"/>
     <p:sldId id="283" r:id="rId23"/>
   </p:sldIdLst>
   <p:sldSz cx="9144000" cy="6858000" type="screen4x3"/>
@@ -17220,2833 +17220,6 @@
         </p:nvSpPr>
         <p:spPr bwMode="auto">
           <a:xfrm>
-            <a:off x="655638" y="1412875"/>
-            <a:ext cx="8380412" cy="3647152"/>
-          </a:xfrm>
-          <a:prstGeom prst="rect">
-            <a:avLst/>
-          </a:prstGeom>
-          <a:noFill/>
-          <a:ln>
-            <a:noFill/>
-          </a:ln>
-          <a:extLst>
-            <a:ext uri="{909E8E84-426E-40DD-AFC4-6F175D3DCCD1}">
-              <a14:hiddenFill xmlns:a14="http://schemas.microsoft.com/office/drawing/2010/main">
-                <a:solidFill>
-                  <a:srgbClr val="FFFFFF"/>
-                </a:solidFill>
-              </a14:hiddenFill>
-            </a:ext>
-            <a:ext uri="{91240B29-F687-4F45-9708-019B960494DF}">
-              <a14:hiddenLine xmlns:a14="http://schemas.microsoft.com/office/drawing/2010/main" w="12700">
-                <a:solidFill>
-                  <a:srgbClr val="000000"/>
-                </a:solidFill>
-                <a:miter lim="800000"/>
-                <a:headEnd/>
-                <a:tailEnd/>
-              </a14:hiddenLine>
-            </a:ext>
-          </a:extLst>
-        </p:spPr>
-        <p:txBody>
-          <a:bodyPr>
-            <a:spAutoFit/>
-          </a:bodyPr>
-          <a:lstStyle/>
-          <a:p>
-            <a:pPr marL="342900" indent="-342900">
-              <a:spcAft>
-                <a:spcPts val="600"/>
-              </a:spcAft>
-              <a:buFont typeface="Arial" panose="020B0604020202020204" pitchFamily="34" charset="0"/>
-              <a:buChar char="•"/>
-              <a:defRPr/>
-            </a:pPr>
-            <a:r>
-              <a:rPr lang="sr-Cyrl-RS" dirty="0" smtClean="0">
-                <a:solidFill>
-                  <a:schemeClr val="tx1"/>
-                </a:solidFill>
-                <a:latin typeface="Garamond" panose="02020404030301010803" pitchFamily="18" charset="0"/>
-              </a:rPr>
-              <a:t>Класа</a:t>
-            </a:r>
-            <a:r>
-              <a:rPr lang="en-US" dirty="0" smtClean="0">
-                <a:solidFill>
-                  <a:schemeClr val="tx1"/>
-                </a:solidFill>
-                <a:latin typeface="Garamond" panose="02020404030301010803" pitchFamily="18" charset="0"/>
-              </a:rPr>
-              <a:t> </a:t>
-            </a:r>
-            <a:r>
-              <a:rPr lang="en-US" sz="2000" dirty="0" err="1">
-                <a:solidFill>
-                  <a:schemeClr val="tx1"/>
-                </a:solidFill>
-                <a:latin typeface="+mn-lt"/>
-              </a:rPr>
-              <a:t>java.lang.Math</a:t>
-            </a:r>
-            <a:r>
-              <a:rPr lang="en-US" dirty="0">
-                <a:solidFill>
-                  <a:schemeClr val="tx1"/>
-                </a:solidFill>
-                <a:latin typeface="Garamond" panose="02020404030301010803" pitchFamily="18" charset="0"/>
-              </a:rPr>
-              <a:t> </a:t>
-            </a:r>
-            <a:r>
-              <a:rPr lang="sr-Cyrl-RS" dirty="0" smtClean="0">
-                <a:solidFill>
-                  <a:schemeClr val="tx1"/>
-                </a:solidFill>
-                <a:latin typeface="Garamond" panose="02020404030301010803" pitchFamily="18" charset="0"/>
-              </a:rPr>
-              <a:t>садржи:</a:t>
-            </a:r>
-          </a:p>
-          <a:p>
-            <a:pPr marL="800100" lvl="1" indent="-342900">
-              <a:spcAft>
-                <a:spcPts val="600"/>
-              </a:spcAft>
-              <a:buFont typeface="Arial" panose="020B0604020202020204" pitchFamily="34" charset="0"/>
-              <a:buChar char="•"/>
-              <a:defRPr/>
-            </a:pPr>
-            <a:r>
-              <a:rPr lang="sr-Cyrl-RS" dirty="0" smtClean="0">
-                <a:solidFill>
-                  <a:schemeClr val="tx1"/>
-                </a:solidFill>
-                <a:latin typeface="Garamond" panose="02020404030301010803" pitchFamily="18" charset="0"/>
-              </a:rPr>
-              <a:t>математичке константе </a:t>
-            </a:r>
-            <a:r>
-              <a:rPr lang="sr-Cyrl-RS" sz="2000" dirty="0" smtClean="0">
-                <a:solidFill>
-                  <a:schemeClr val="tx1"/>
-                </a:solidFill>
-                <a:latin typeface="+mn-lt"/>
-              </a:rPr>
-              <a:t>е</a:t>
-            </a:r>
-            <a:r>
-              <a:rPr lang="sr-Cyrl-RS" dirty="0" smtClean="0">
-                <a:solidFill>
-                  <a:schemeClr val="tx1"/>
-                </a:solidFill>
-                <a:latin typeface="Garamond" panose="02020404030301010803" pitchFamily="18" charset="0"/>
-              </a:rPr>
-              <a:t> и </a:t>
-            </a:r>
-            <a:r>
-              <a:rPr lang="el-GR" b="1" dirty="0" smtClean="0">
-                <a:solidFill>
-                  <a:schemeClr val="tx1"/>
-                </a:solidFill>
-                <a:latin typeface="Garamond" panose="02020404030301010803" pitchFamily="18" charset="0"/>
-              </a:rPr>
-              <a:t>π</a:t>
-            </a:r>
-            <a:r>
-              <a:rPr lang="sr-Cyrl-RS" dirty="0" smtClean="0">
-                <a:solidFill>
-                  <a:schemeClr val="tx1"/>
-                </a:solidFill>
-                <a:latin typeface="Garamond" panose="02020404030301010803" pitchFamily="18" charset="0"/>
-              </a:rPr>
-              <a:t>, исказане као бројеве у покретном зарезу двоструке тачности (64 бита по формату </a:t>
-            </a:r>
-            <a:r>
-              <a:rPr lang="en-US" dirty="0" smtClean="0">
-                <a:solidFill>
-                  <a:schemeClr val="tx1"/>
-                </a:solidFill>
-                <a:latin typeface="Garamond" panose="02020404030301010803" pitchFamily="18" charset="0"/>
-              </a:rPr>
-              <a:t>IEEE 754</a:t>
-            </a:r>
-            <a:r>
-              <a:rPr lang="sr-Cyrl-RS" dirty="0" smtClean="0">
-                <a:solidFill>
-                  <a:schemeClr val="tx1"/>
-                </a:solidFill>
-                <a:latin typeface="Garamond" panose="02020404030301010803" pitchFamily="18" charset="0"/>
-              </a:rPr>
-              <a:t>)</a:t>
-            </a:r>
-          </a:p>
-          <a:p>
-            <a:pPr marL="800100" lvl="1" indent="-342900">
-              <a:spcAft>
-                <a:spcPts val="600"/>
-              </a:spcAft>
-              <a:buFont typeface="Arial" panose="020B0604020202020204" pitchFamily="34" charset="0"/>
-              <a:buChar char="•"/>
-              <a:defRPr/>
-            </a:pPr>
-            <a:r>
-              <a:rPr lang="sr-Cyrl-RS" dirty="0" smtClean="0">
-                <a:solidFill>
-                  <a:schemeClr val="tx1"/>
-                </a:solidFill>
-                <a:latin typeface="Garamond" panose="02020404030301010803" pitchFamily="18" charset="0"/>
-              </a:rPr>
-              <a:t>методе за реализацију основних математичких операција, као што су експоненцијалне и логаритамске функције, степеновање, тригонометрија и сл.</a:t>
-            </a:r>
-          </a:p>
-          <a:p>
-            <a:pPr marL="800100" lvl="1" indent="-342900">
-              <a:spcAft>
-                <a:spcPts val="600"/>
-              </a:spcAft>
-              <a:buFont typeface="Arial" panose="020B0604020202020204" pitchFamily="34" charset="0"/>
-              <a:buChar char="•"/>
-              <a:defRPr/>
-            </a:pPr>
-            <a:r>
-              <a:rPr lang="sr-Cyrl-RS" dirty="0">
-                <a:solidFill>
-                  <a:schemeClr val="tx1"/>
-                </a:solidFill>
-                <a:latin typeface="Garamond" panose="02020404030301010803" pitchFamily="18" charset="0"/>
-              </a:rPr>
-              <a:t>м</a:t>
-            </a:r>
-            <a:r>
-              <a:rPr lang="sr-Cyrl-RS" dirty="0" smtClean="0">
-                <a:solidFill>
-                  <a:schemeClr val="tx1"/>
-                </a:solidFill>
-                <a:latin typeface="Garamond" panose="02020404030301010803" pitchFamily="18" charset="0"/>
-              </a:rPr>
-              <a:t>етоде за генерисање псеудо-случајних бројева из интервала </a:t>
-            </a:r>
-            <a:r>
-              <a:rPr lang="en-US" b="1" dirty="0" smtClean="0">
-                <a:solidFill>
-                  <a:schemeClr val="tx1"/>
-                </a:solidFill>
-                <a:latin typeface="Garamond" panose="02020404030301010803" pitchFamily="18" charset="0"/>
-              </a:rPr>
-              <a:t>[</a:t>
-            </a:r>
-            <a:r>
-              <a:rPr lang="sr-Cyrl-RS" b="1" dirty="0" smtClean="0">
-                <a:solidFill>
-                  <a:schemeClr val="tx1"/>
-                </a:solidFill>
-                <a:latin typeface="Garamond" panose="02020404030301010803" pitchFamily="18" charset="0"/>
-              </a:rPr>
-              <a:t>0,1)</a:t>
-            </a:r>
-            <a:r>
-              <a:rPr lang="en-US" b="1" dirty="0" smtClean="0">
-                <a:solidFill>
-                  <a:schemeClr val="tx1"/>
-                </a:solidFill>
-                <a:latin typeface="Garamond" panose="02020404030301010803" pitchFamily="18" charset="0"/>
-              </a:rPr>
-              <a:t> </a:t>
-            </a:r>
-            <a:r>
-              <a:rPr lang="sr-Cyrl-RS" dirty="0" smtClean="0">
-                <a:solidFill>
-                  <a:schemeClr val="tx1"/>
-                </a:solidFill>
-                <a:latin typeface="Garamond" panose="02020404030301010803" pitchFamily="18" charset="0"/>
-              </a:rPr>
-              <a:t>по униформној расподели</a:t>
-            </a:r>
-          </a:p>
-        </p:txBody>
-      </p:sp>
-      <p:sp>
-        <p:nvSpPr>
-          <p:cNvPr id="6" name="Title 1"/>
-          <p:cNvSpPr txBox="1">
-            <a:spLocks/>
-          </p:cNvSpPr>
-          <p:nvPr/>
-        </p:nvSpPr>
-        <p:spPr>
-          <a:xfrm>
-            <a:off x="1403350" y="538163"/>
-            <a:ext cx="7751763" cy="868362"/>
-          </a:xfrm>
-          <a:prstGeom prst="rect">
-            <a:avLst/>
-          </a:prstGeom>
-        </p:spPr>
-        <p:txBody>
-          <a:bodyPr/>
-          <a:lstStyle>
-            <a:lvl1pPr algn="l" rtl="0" eaLnBrk="0" fontAlgn="base" hangingPunct="0">
-              <a:spcBef>
-                <a:spcPct val="0"/>
-              </a:spcBef>
-              <a:spcAft>
-                <a:spcPct val="0"/>
-              </a:spcAft>
-              <a:defRPr sz="3800">
-                <a:solidFill>
-                  <a:schemeClr val="tx2"/>
-                </a:solidFill>
-                <a:latin typeface="+mj-lt"/>
-                <a:ea typeface="+mj-ea"/>
-                <a:cs typeface="+mj-cs"/>
-              </a:defRPr>
-            </a:lvl1pPr>
-            <a:lvl2pPr algn="l" rtl="0" eaLnBrk="0" fontAlgn="base" hangingPunct="0">
-              <a:spcBef>
-                <a:spcPct val="0"/>
-              </a:spcBef>
-              <a:spcAft>
-                <a:spcPct val="0"/>
-              </a:spcAft>
-              <a:defRPr sz="3800">
-                <a:solidFill>
-                  <a:schemeClr val="tx2"/>
-                </a:solidFill>
-                <a:latin typeface="Arial" charset="0"/>
-              </a:defRPr>
-            </a:lvl2pPr>
-            <a:lvl3pPr algn="l" rtl="0" eaLnBrk="0" fontAlgn="base" hangingPunct="0">
-              <a:spcBef>
-                <a:spcPct val="0"/>
-              </a:spcBef>
-              <a:spcAft>
-                <a:spcPct val="0"/>
-              </a:spcAft>
-              <a:defRPr sz="3800">
-                <a:solidFill>
-                  <a:schemeClr val="tx2"/>
-                </a:solidFill>
-                <a:latin typeface="Arial" charset="0"/>
-              </a:defRPr>
-            </a:lvl3pPr>
-            <a:lvl4pPr algn="l" rtl="0" eaLnBrk="0" fontAlgn="base" hangingPunct="0">
-              <a:spcBef>
-                <a:spcPct val="0"/>
-              </a:spcBef>
-              <a:spcAft>
-                <a:spcPct val="0"/>
-              </a:spcAft>
-              <a:defRPr sz="3800">
-                <a:solidFill>
-                  <a:schemeClr val="tx2"/>
-                </a:solidFill>
-                <a:latin typeface="Arial" charset="0"/>
-              </a:defRPr>
-            </a:lvl4pPr>
-            <a:lvl5pPr algn="l" rtl="0" eaLnBrk="0" fontAlgn="base" hangingPunct="0">
-              <a:spcBef>
-                <a:spcPct val="0"/>
-              </a:spcBef>
-              <a:spcAft>
-                <a:spcPct val="0"/>
-              </a:spcAft>
-              <a:defRPr sz="3800">
-                <a:solidFill>
-                  <a:schemeClr val="tx2"/>
-                </a:solidFill>
-                <a:latin typeface="Arial" charset="0"/>
-              </a:defRPr>
-            </a:lvl5pPr>
-            <a:lvl6pPr marL="457200" algn="l" rtl="0" fontAlgn="base">
-              <a:spcBef>
-                <a:spcPct val="0"/>
-              </a:spcBef>
-              <a:spcAft>
-                <a:spcPct val="0"/>
-              </a:spcAft>
-              <a:defRPr sz="3800">
-                <a:solidFill>
-                  <a:schemeClr val="tx2"/>
-                </a:solidFill>
-                <a:latin typeface="Arial" charset="0"/>
-              </a:defRPr>
-            </a:lvl6pPr>
-            <a:lvl7pPr marL="914400" algn="l" rtl="0" fontAlgn="base">
-              <a:spcBef>
-                <a:spcPct val="0"/>
-              </a:spcBef>
-              <a:spcAft>
-                <a:spcPct val="0"/>
-              </a:spcAft>
-              <a:defRPr sz="3800">
-                <a:solidFill>
-                  <a:schemeClr val="tx2"/>
-                </a:solidFill>
-                <a:latin typeface="Arial" charset="0"/>
-              </a:defRPr>
-            </a:lvl7pPr>
-            <a:lvl8pPr marL="1371600" algn="l" rtl="0" fontAlgn="base">
-              <a:spcBef>
-                <a:spcPct val="0"/>
-              </a:spcBef>
-              <a:spcAft>
-                <a:spcPct val="0"/>
-              </a:spcAft>
-              <a:defRPr sz="3800">
-                <a:solidFill>
-                  <a:schemeClr val="tx2"/>
-                </a:solidFill>
-                <a:latin typeface="Arial" charset="0"/>
-              </a:defRPr>
-            </a:lvl8pPr>
-            <a:lvl9pPr marL="1828800" algn="l" rtl="0" fontAlgn="base">
-              <a:spcBef>
-                <a:spcPct val="0"/>
-              </a:spcBef>
-              <a:spcAft>
-                <a:spcPct val="0"/>
-              </a:spcAft>
-              <a:defRPr sz="3800">
-                <a:solidFill>
-                  <a:schemeClr val="tx2"/>
-                </a:solidFill>
-                <a:latin typeface="Arial" charset="0"/>
-              </a:defRPr>
-            </a:lvl9pPr>
-          </a:lstStyle>
-          <a:p>
-            <a:pPr>
-              <a:defRPr/>
-            </a:pPr>
-            <a:r>
-              <a:rPr lang="sr-Cyrl-RS" sz="3600" b="1" kern="0" dirty="0" smtClean="0">
-                <a:solidFill>
-                  <a:srgbClr val="0070C0"/>
-                </a:solidFill>
-              </a:rPr>
-              <a:t>Клас</a:t>
-            </a:r>
-            <a:r>
-              <a:rPr lang="sr-Cyrl-RS" sz="3600" b="1" kern="0" dirty="0">
-                <a:solidFill>
-                  <a:srgbClr val="0070C0"/>
-                </a:solidFill>
-              </a:rPr>
-              <a:t>а</a:t>
-            </a:r>
-            <a:r>
-              <a:rPr lang="sr-Cyrl-RS" sz="3600" b="1" kern="0" dirty="0" smtClean="0">
-                <a:solidFill>
-                  <a:srgbClr val="0070C0"/>
-                </a:solidFill>
-              </a:rPr>
-              <a:t> </a:t>
-            </a:r>
-            <a:r>
-              <a:rPr lang="en-US" sz="3600" b="1" kern="0" dirty="0" smtClean="0">
-                <a:solidFill>
-                  <a:srgbClr val="0070C0"/>
-                </a:solidFill>
-              </a:rPr>
-              <a:t>Math</a:t>
-            </a:r>
-          </a:p>
-        </p:txBody>
-      </p:sp>
-    </p:spTree>
-    <p:extLst>
-      <p:ext uri="{BB962C8B-B14F-4D97-AF65-F5344CB8AC3E}">
-        <p14:creationId xmlns:p14="http://schemas.microsoft.com/office/powerpoint/2010/main" val="4057926643"/>
-      </p:ext>
-    </p:extLst>
-  </p:cSld>
-  <p:clrMapOvr>
-    <a:masterClrMapping/>
-  </p:clrMapOvr>
-  <p:timing>
-    <p:tnLst>
-      <p:par>
-        <p:cTn id="1" dur="indefinite" restart="never" nodeType="tmRoot">
-          <p:childTnLst>
-            <p:seq concurrent="1" nextAc="seek">
-              <p:cTn id="2" dur="indefinite" nodeType="mainSeq">
-                <p:childTnLst>
-                  <p:par>
-                    <p:cTn id="3" fill="hold">
-                      <p:stCondLst>
-                        <p:cond delay="indefinite"/>
-                      </p:stCondLst>
-                      <p:childTnLst>
-                        <p:par>
-                          <p:cTn id="4" fill="hold">
-                            <p:stCondLst>
-                              <p:cond delay="0"/>
-                            </p:stCondLst>
-                            <p:childTnLst>
-                              <p:par>
-                                <p:cTn id="5" presetID="10" presetClass="entr" presetSubtype="0" fill="hold" nodeType="clickEffect">
-                                  <p:stCondLst>
-                                    <p:cond delay="0"/>
-                                  </p:stCondLst>
-                                  <p:childTnLst>
-                                    <p:set>
-                                      <p:cBhvr>
-                                        <p:cTn id="6" dur="1" fill="hold">
-                                          <p:stCondLst>
-                                            <p:cond delay="0"/>
-                                          </p:stCondLst>
-                                        </p:cTn>
-                                        <p:tgtEl>
-                                          <p:spTgt spid="18437">
-                                            <p:txEl>
-                                              <p:pRg st="0" end="0"/>
-                                            </p:txEl>
-                                          </p:spTgt>
-                                        </p:tgtEl>
-                                        <p:attrNameLst>
-                                          <p:attrName>style.visibility</p:attrName>
-                                        </p:attrNameLst>
-                                      </p:cBhvr>
-                                      <p:to>
-                                        <p:strVal val="visible"/>
-                                      </p:to>
-                                    </p:set>
-                                    <p:animEffect transition="in" filter="fade">
-                                      <p:cBhvr>
-                                        <p:cTn id="7" dur="500"/>
-                                        <p:tgtEl>
-                                          <p:spTgt spid="18437">
-                                            <p:txEl>
-                                              <p:pRg st="0" end="0"/>
-                                            </p:txEl>
-                                          </p:spTgt>
-                                        </p:tgtEl>
-                                      </p:cBhvr>
-                                    </p:animEffect>
-                                  </p:childTnLst>
-                                </p:cTn>
-                              </p:par>
-                              <p:par>
-                                <p:cTn id="8" presetID="10" presetClass="entr" presetSubtype="0" fill="hold" nodeType="withEffect">
-                                  <p:stCondLst>
-                                    <p:cond delay="0"/>
-                                  </p:stCondLst>
-                                  <p:childTnLst>
-                                    <p:set>
-                                      <p:cBhvr>
-                                        <p:cTn id="9" dur="1" fill="hold">
-                                          <p:stCondLst>
-                                            <p:cond delay="0"/>
-                                          </p:stCondLst>
-                                        </p:cTn>
-                                        <p:tgtEl>
-                                          <p:spTgt spid="18437">
-                                            <p:txEl>
-                                              <p:pRg st="1" end="1"/>
-                                            </p:txEl>
-                                          </p:spTgt>
-                                        </p:tgtEl>
-                                        <p:attrNameLst>
-                                          <p:attrName>style.visibility</p:attrName>
-                                        </p:attrNameLst>
-                                      </p:cBhvr>
-                                      <p:to>
-                                        <p:strVal val="visible"/>
-                                      </p:to>
-                                    </p:set>
-                                    <p:animEffect transition="in" filter="fade">
-                                      <p:cBhvr>
-                                        <p:cTn id="10" dur="500"/>
-                                        <p:tgtEl>
-                                          <p:spTgt spid="18437">
-                                            <p:txEl>
-                                              <p:pRg st="1" end="1"/>
-                                            </p:txEl>
-                                          </p:spTgt>
-                                        </p:tgtEl>
-                                      </p:cBhvr>
-                                    </p:animEffect>
-                                  </p:childTnLst>
-                                </p:cTn>
-                              </p:par>
-                            </p:childTnLst>
-                          </p:cTn>
-                        </p:par>
-                      </p:childTnLst>
-                    </p:cTn>
-                  </p:par>
-                  <p:par>
-                    <p:cTn id="11" fill="hold">
-                      <p:stCondLst>
-                        <p:cond delay="indefinite"/>
-                      </p:stCondLst>
-                      <p:childTnLst>
-                        <p:par>
-                          <p:cTn id="12" fill="hold">
-                            <p:stCondLst>
-                              <p:cond delay="0"/>
-                            </p:stCondLst>
-                            <p:childTnLst>
-                              <p:par>
-                                <p:cTn id="13" presetID="10" presetClass="entr" presetSubtype="0" fill="hold" nodeType="clickEffect">
-                                  <p:stCondLst>
-                                    <p:cond delay="0"/>
-                                  </p:stCondLst>
-                                  <p:childTnLst>
-                                    <p:set>
-                                      <p:cBhvr>
-                                        <p:cTn id="14" dur="1" fill="hold">
-                                          <p:stCondLst>
-                                            <p:cond delay="0"/>
-                                          </p:stCondLst>
-                                        </p:cTn>
-                                        <p:tgtEl>
-                                          <p:spTgt spid="18437">
-                                            <p:txEl>
-                                              <p:pRg st="2" end="2"/>
-                                            </p:txEl>
-                                          </p:spTgt>
-                                        </p:tgtEl>
-                                        <p:attrNameLst>
-                                          <p:attrName>style.visibility</p:attrName>
-                                        </p:attrNameLst>
-                                      </p:cBhvr>
-                                      <p:to>
-                                        <p:strVal val="visible"/>
-                                      </p:to>
-                                    </p:set>
-                                    <p:animEffect transition="in" filter="fade">
-                                      <p:cBhvr>
-                                        <p:cTn id="15" dur="500"/>
-                                        <p:tgtEl>
-                                          <p:spTgt spid="18437">
-                                            <p:txEl>
-                                              <p:pRg st="2" end="2"/>
-                                            </p:txEl>
-                                          </p:spTgt>
-                                        </p:tgtEl>
-                                      </p:cBhvr>
-                                    </p:animEffect>
-                                  </p:childTnLst>
-                                </p:cTn>
-                              </p:par>
-                            </p:childTnLst>
-                          </p:cTn>
-                        </p:par>
-                      </p:childTnLst>
-                    </p:cTn>
-                  </p:par>
-                  <p:par>
-                    <p:cTn id="16" fill="hold">
-                      <p:stCondLst>
-                        <p:cond delay="indefinite"/>
-                      </p:stCondLst>
-                      <p:childTnLst>
-                        <p:par>
-                          <p:cTn id="17" fill="hold">
-                            <p:stCondLst>
-                              <p:cond delay="0"/>
-                            </p:stCondLst>
-                            <p:childTnLst>
-                              <p:par>
-                                <p:cTn id="18" presetID="10" presetClass="entr" presetSubtype="0" fill="hold" nodeType="clickEffect">
-                                  <p:stCondLst>
-                                    <p:cond delay="0"/>
-                                  </p:stCondLst>
-                                  <p:childTnLst>
-                                    <p:set>
-                                      <p:cBhvr>
-                                        <p:cTn id="19" dur="1" fill="hold">
-                                          <p:stCondLst>
-                                            <p:cond delay="0"/>
-                                          </p:stCondLst>
-                                        </p:cTn>
-                                        <p:tgtEl>
-                                          <p:spTgt spid="18437">
-                                            <p:txEl>
-                                              <p:pRg st="3" end="3"/>
-                                            </p:txEl>
-                                          </p:spTgt>
-                                        </p:tgtEl>
-                                        <p:attrNameLst>
-                                          <p:attrName>style.visibility</p:attrName>
-                                        </p:attrNameLst>
-                                      </p:cBhvr>
-                                      <p:to>
-                                        <p:strVal val="visible"/>
-                                      </p:to>
-                                    </p:set>
-                                    <p:animEffect transition="in" filter="fade">
-                                      <p:cBhvr>
-                                        <p:cTn id="20" dur="500"/>
-                                        <p:tgtEl>
-                                          <p:spTgt spid="18437">
-                                            <p:txEl>
-                                              <p:pRg st="3" end="3"/>
-                                            </p:txEl>
-                                          </p:spTgt>
-                                        </p:tgtEl>
-                                      </p:cBhvr>
-                                    </p:animEffect>
-                                  </p:childTnLst>
-                                </p:cTn>
-                              </p:par>
-                            </p:childTnLst>
-                          </p:cTn>
-                        </p:par>
-                      </p:childTnLst>
-                    </p:cTn>
-                  </p:par>
-                </p:childTnLst>
-              </p:cTn>
-              <p:prevCondLst>
-                <p:cond evt="onPrev" delay="0">
-                  <p:tgtEl>
-                    <p:sldTgt/>
-                  </p:tgtEl>
-                </p:cond>
-              </p:prevCondLst>
-              <p:nextCondLst>
-                <p:cond evt="onNext" delay="0">
-                  <p:tgtEl>
-                    <p:sldTgt/>
-                  </p:tgtEl>
-                </p:cond>
-              </p:nextCondLst>
-            </p:seq>
-          </p:childTnLst>
-        </p:cTn>
-      </p:par>
-    </p:tnLst>
-  </p:timing>
-</p:sld>
-</file>
-
-<file path=ppt/slides/slide2.xml><?xml version="1.0" encoding="utf-8"?>
-<p:sld xmlns:a="http://schemas.openxmlformats.org/drawingml/2006/main" xmlns:r="http://schemas.openxmlformats.org/officeDocument/2006/relationships" xmlns:p="http://schemas.openxmlformats.org/presentationml/2006/main">
-  <p:cSld>
-    <p:spTree>
-      <p:nvGrpSpPr>
-        <p:cNvPr id="1" name=""/>
-        <p:cNvGrpSpPr/>
-        <p:nvPr/>
-      </p:nvGrpSpPr>
-      <p:grpSpPr>
-        <a:xfrm>
-          <a:off x="0" y="0"/>
-          <a:ext cx="0" cy="0"/>
-          <a:chOff x="0" y="0"/>
-          <a:chExt cx="0" cy="0"/>
-        </a:xfrm>
-      </p:grpSpPr>
-      <p:sp>
-        <p:nvSpPr>
-          <p:cNvPr id="4098" name="Rectangle 2"/>
-          <p:cNvSpPr>
-            <a:spLocks noGrp="1" noChangeArrowheads="1"/>
-          </p:cNvSpPr>
-          <p:nvPr>
-            <p:ph type="ctrTitle"/>
-          </p:nvPr>
-        </p:nvSpPr>
-        <p:spPr>
-          <a:xfrm>
-            <a:off x="395288" y="1628775"/>
-            <a:ext cx="8569325" cy="1144588"/>
-          </a:xfrm>
-        </p:spPr>
-        <p:txBody>
-          <a:bodyPr/>
-          <a:lstStyle/>
-          <a:p>
-            <a:pPr eaLnBrk="1" hangingPunct="1"/>
-            <a:r>
-              <a:rPr lang="sr-Cyrl-RS" altLang="en-US" sz="5400" dirty="0" smtClean="0">
-                <a:solidFill>
-                  <a:srgbClr val="3366FF"/>
-                </a:solidFill>
-              </a:rPr>
-              <a:t>Улазна тачка Јава програма</a:t>
-            </a:r>
-            <a:br>
-              <a:rPr lang="sr-Cyrl-RS" altLang="en-US" sz="5400" dirty="0" smtClean="0">
-                <a:solidFill>
-                  <a:srgbClr val="3366FF"/>
-                </a:solidFill>
-              </a:rPr>
-            </a:br>
-            <a:r>
-              <a:rPr lang="sr-Cyrl-RS" altLang="en-US" sz="5400" dirty="0" smtClean="0">
-                <a:solidFill>
-                  <a:srgbClr val="3366FF"/>
-                </a:solidFill>
-              </a:rPr>
-              <a:t>Статичке функције</a:t>
-            </a:r>
-            <a:endParaRPr lang="sr-Latn-CS" altLang="en-US" sz="5400" dirty="0" smtClean="0">
-              <a:solidFill>
-                <a:srgbClr val="3366FF"/>
-              </a:solidFill>
-            </a:endParaRPr>
-          </a:p>
-        </p:txBody>
-      </p:sp>
-      <p:sp>
-        <p:nvSpPr>
-          <p:cNvPr id="5" name="Rectangle 3"/>
-          <p:cNvSpPr txBox="1">
-            <a:spLocks noChangeArrowheads="1"/>
-          </p:cNvSpPr>
-          <p:nvPr/>
-        </p:nvSpPr>
-        <p:spPr bwMode="auto">
-          <a:xfrm>
-            <a:off x="3563888" y="3356992"/>
-            <a:ext cx="5110162" cy="1752600"/>
-          </a:xfrm>
-          <a:prstGeom prst="rect">
-            <a:avLst/>
-          </a:prstGeom>
-          <a:noFill/>
-          <a:ln>
-            <a:noFill/>
-          </a:ln>
-          <a:extLst>
-            <a:ext uri="{909E8E84-426E-40DD-AFC4-6F175D3DCCD1}">
-              <a14:hiddenFill xmlns:a14="http://schemas.microsoft.com/office/drawing/2010/main">
-                <a:solidFill>
-                  <a:srgbClr val="FFFFFF"/>
-                </a:solidFill>
-              </a14:hiddenFill>
-            </a:ext>
-            <a:ext uri="{91240B29-F687-4F45-9708-019B960494DF}">
-              <a14:hiddenLine xmlns:a14="http://schemas.microsoft.com/office/drawing/2010/main" w="9525">
-                <a:solidFill>
-                  <a:srgbClr val="000000"/>
-                </a:solidFill>
-                <a:miter lim="800000"/>
-                <a:headEnd/>
-                <a:tailEnd/>
-              </a14:hiddenLine>
-            </a:ext>
-          </a:extLst>
-        </p:spPr>
-        <p:txBody>
-          <a:bodyPr vert="horz" wrap="square" lIns="91440" tIns="45720" rIns="91440" bIns="45720" numCol="1" anchor="t" anchorCtr="0" compatLnSpc="1">
-            <a:prstTxWarp prst="textNoShape">
-              <a:avLst/>
-            </a:prstTxWarp>
-          </a:bodyPr>
-          <a:lstStyle>
-            <a:lvl1pPr marL="0" indent="0" algn="r" rtl="0" eaLnBrk="0" fontAlgn="base" hangingPunct="0">
-              <a:spcBef>
-                <a:spcPct val="20000"/>
-              </a:spcBef>
-              <a:spcAft>
-                <a:spcPct val="0"/>
-              </a:spcAft>
-              <a:buClr>
-                <a:schemeClr val="accent1"/>
-              </a:buClr>
-              <a:buFont typeface="Wingdings" panose="05000000000000000000" pitchFamily="2" charset="2"/>
-              <a:buNone/>
-              <a:defRPr sz="3200">
-                <a:solidFill>
-                  <a:schemeClr val="tx1"/>
-                </a:solidFill>
-                <a:latin typeface="+mn-lt"/>
-                <a:ea typeface="+mn-ea"/>
-                <a:cs typeface="+mn-cs"/>
-              </a:defRPr>
-            </a:lvl1pPr>
-            <a:lvl2pPr marL="742950" indent="-285750" algn="l" rtl="0" eaLnBrk="0" fontAlgn="base" hangingPunct="0">
-              <a:spcBef>
-                <a:spcPct val="20000"/>
-              </a:spcBef>
-              <a:spcAft>
-                <a:spcPct val="0"/>
-              </a:spcAft>
-              <a:buClr>
-                <a:schemeClr val="accent1"/>
-              </a:buClr>
-              <a:buFont typeface="Wingdings" panose="05000000000000000000" pitchFamily="2" charset="2"/>
-              <a:buChar char="¡"/>
-              <a:defRPr sz="2700">
-                <a:solidFill>
-                  <a:schemeClr val="tx1"/>
-                </a:solidFill>
-                <a:latin typeface="+mn-lt"/>
-              </a:defRPr>
-            </a:lvl2pPr>
-            <a:lvl3pPr marL="1143000" indent="-228600" algn="l" rtl="0" eaLnBrk="0" fontAlgn="base" hangingPunct="0">
-              <a:spcBef>
-                <a:spcPct val="20000"/>
-              </a:spcBef>
-              <a:spcAft>
-                <a:spcPct val="0"/>
-              </a:spcAft>
-              <a:buClr>
-                <a:schemeClr val="accent1"/>
-              </a:buClr>
-              <a:buFont typeface="Wingdings" panose="05000000000000000000" pitchFamily="2" charset="2"/>
-              <a:buChar char="l"/>
-              <a:defRPr sz="2300">
-                <a:solidFill>
-                  <a:schemeClr val="tx1"/>
-                </a:solidFill>
-                <a:latin typeface="+mn-lt"/>
-              </a:defRPr>
-            </a:lvl3pPr>
-            <a:lvl4pPr marL="1600200" indent="-228600" algn="l" rtl="0" eaLnBrk="0" fontAlgn="base" hangingPunct="0">
-              <a:spcBef>
-                <a:spcPct val="20000"/>
-              </a:spcBef>
-              <a:spcAft>
-                <a:spcPct val="0"/>
-              </a:spcAft>
-              <a:buClr>
-                <a:schemeClr val="accent1"/>
-              </a:buClr>
-              <a:buChar char="•"/>
-              <a:defRPr sz="2000">
-                <a:solidFill>
-                  <a:schemeClr val="tx1"/>
-                </a:solidFill>
-                <a:latin typeface="+mn-lt"/>
-              </a:defRPr>
-            </a:lvl4pPr>
-            <a:lvl5pPr marL="2057400" indent="-228600" algn="l" rtl="0" eaLnBrk="0" fontAlgn="base" hangingPunct="0">
-              <a:spcBef>
-                <a:spcPct val="20000"/>
-              </a:spcBef>
-              <a:spcAft>
-                <a:spcPct val="0"/>
-              </a:spcAft>
-              <a:buClr>
-                <a:schemeClr val="accent1"/>
-              </a:buClr>
-              <a:buFont typeface="Wingdings" panose="05000000000000000000" pitchFamily="2" charset="2"/>
-              <a:buChar char=""/>
-              <a:defRPr sz="2000">
-                <a:solidFill>
-                  <a:schemeClr val="tx1"/>
-                </a:solidFill>
-                <a:latin typeface="+mn-lt"/>
-              </a:defRPr>
-            </a:lvl5pPr>
-            <a:lvl6pPr marL="2514600" indent="-228600" algn="l" rtl="0" fontAlgn="base">
-              <a:spcBef>
-                <a:spcPct val="20000"/>
-              </a:spcBef>
-              <a:spcAft>
-                <a:spcPct val="0"/>
-              </a:spcAft>
-              <a:buClr>
-                <a:schemeClr val="accent1"/>
-              </a:buClr>
-              <a:buFont typeface="Wingdings" pitchFamily="2" charset="2"/>
-              <a:buChar char=""/>
-              <a:defRPr sz="2000">
-                <a:solidFill>
-                  <a:schemeClr val="tx1"/>
-                </a:solidFill>
-                <a:latin typeface="+mn-lt"/>
-              </a:defRPr>
-            </a:lvl6pPr>
-            <a:lvl7pPr marL="2971800" indent="-228600" algn="l" rtl="0" fontAlgn="base">
-              <a:spcBef>
-                <a:spcPct val="20000"/>
-              </a:spcBef>
-              <a:spcAft>
-                <a:spcPct val="0"/>
-              </a:spcAft>
-              <a:buClr>
-                <a:schemeClr val="accent1"/>
-              </a:buClr>
-              <a:buFont typeface="Wingdings" pitchFamily="2" charset="2"/>
-              <a:buChar char=""/>
-              <a:defRPr sz="2000">
-                <a:solidFill>
-                  <a:schemeClr val="tx1"/>
-                </a:solidFill>
-                <a:latin typeface="+mn-lt"/>
-              </a:defRPr>
-            </a:lvl7pPr>
-            <a:lvl8pPr marL="3429000" indent="-228600" algn="l" rtl="0" fontAlgn="base">
-              <a:spcBef>
-                <a:spcPct val="20000"/>
-              </a:spcBef>
-              <a:spcAft>
-                <a:spcPct val="0"/>
-              </a:spcAft>
-              <a:buClr>
-                <a:schemeClr val="accent1"/>
-              </a:buClr>
-              <a:buFont typeface="Wingdings" pitchFamily="2" charset="2"/>
-              <a:buChar char=""/>
-              <a:defRPr sz="2000">
-                <a:solidFill>
-                  <a:schemeClr val="tx1"/>
-                </a:solidFill>
-                <a:latin typeface="+mn-lt"/>
-              </a:defRPr>
-            </a:lvl8pPr>
-            <a:lvl9pPr marL="3886200" indent="-228600" algn="l" rtl="0" fontAlgn="base">
-              <a:spcBef>
-                <a:spcPct val="20000"/>
-              </a:spcBef>
-              <a:spcAft>
-                <a:spcPct val="0"/>
-              </a:spcAft>
-              <a:buClr>
-                <a:schemeClr val="accent1"/>
-              </a:buClr>
-              <a:buFont typeface="Wingdings" pitchFamily="2" charset="2"/>
-              <a:buChar char=""/>
-              <a:defRPr sz="2000">
-                <a:solidFill>
-                  <a:schemeClr val="tx1"/>
-                </a:solidFill>
-                <a:latin typeface="+mn-lt"/>
-              </a:defRPr>
-            </a:lvl9pPr>
-          </a:lstStyle>
-          <a:p>
-            <a:pPr eaLnBrk="1" hangingPunct="1"/>
-            <a:r>
-              <a:rPr lang="sr-Cyrl-RS" altLang="en-US" kern="0" dirty="0" smtClean="0">
-                <a:solidFill>
-                  <a:srgbClr val="993300"/>
-                </a:solidFill>
-                <a:latin typeface="Times New Roman" panose="02020603050405020304" pitchFamily="18" charset="0"/>
-                <a:cs typeface="Times New Roman" panose="02020603050405020304" pitchFamily="18" charset="0"/>
-              </a:rPr>
-              <a:t>Владимир Филиповић</a:t>
-            </a:r>
-            <a:endParaRPr lang="en-US" altLang="en-US" kern="0" dirty="0" smtClean="0">
-              <a:solidFill>
-                <a:srgbClr val="993300"/>
-              </a:solidFill>
-              <a:latin typeface="Times New Roman" panose="02020603050405020304" pitchFamily="18" charset="0"/>
-              <a:cs typeface="Times New Roman" panose="02020603050405020304" pitchFamily="18" charset="0"/>
-            </a:endParaRPr>
-          </a:p>
-          <a:p>
-            <a:pPr eaLnBrk="1" hangingPunct="1"/>
-            <a:r>
-              <a:rPr lang="sr-Latn-CS" altLang="en-US" kern="0" dirty="0" smtClean="0">
-                <a:hlinkClick r:id="rId2"/>
-              </a:rPr>
-              <a:t>vladaf@matf.bg.ac.</a:t>
-            </a:r>
-            <a:r>
-              <a:rPr lang="en-US" altLang="en-US" kern="0" dirty="0" err="1" smtClean="0">
-                <a:hlinkClick r:id="rId2"/>
-              </a:rPr>
-              <a:t>rs</a:t>
-            </a:r>
-            <a:endParaRPr lang="sr-Latn-RS" altLang="en-US" kern="0" dirty="0" smtClean="0"/>
-          </a:p>
-          <a:p>
-            <a:pPr eaLnBrk="1" hangingPunct="1"/>
-            <a:r>
-              <a:rPr lang="sr-Cyrl-RS" altLang="en-US" kern="0" dirty="0" smtClean="0">
-                <a:solidFill>
-                  <a:srgbClr val="993300"/>
-                </a:solidFill>
-                <a:latin typeface="Times New Roman" panose="02020603050405020304" pitchFamily="18" charset="0"/>
-                <a:cs typeface="Times New Roman" panose="02020603050405020304" pitchFamily="18" charset="0"/>
-              </a:rPr>
-              <a:t>Александар Картељ</a:t>
-            </a:r>
-            <a:endParaRPr lang="en-US" altLang="en-US" kern="0" dirty="0" smtClean="0">
-              <a:solidFill>
-                <a:srgbClr val="993300"/>
-              </a:solidFill>
-              <a:latin typeface="Times New Roman" panose="02020603050405020304" pitchFamily="18" charset="0"/>
-              <a:cs typeface="Times New Roman" panose="02020603050405020304" pitchFamily="18" charset="0"/>
-            </a:endParaRPr>
-          </a:p>
-          <a:p>
-            <a:pPr eaLnBrk="1" hangingPunct="1"/>
-            <a:r>
-              <a:rPr lang="en-US" altLang="en-US" kern="0" dirty="0" smtClean="0">
-                <a:hlinkClick r:id="rId3"/>
-              </a:rPr>
-              <a:t>k</a:t>
-            </a:r>
-            <a:r>
-              <a:rPr lang="sr-Latn-RS" altLang="en-US" kern="0" dirty="0" smtClean="0">
-                <a:hlinkClick r:id="rId3"/>
-              </a:rPr>
-              <a:t>artelj</a:t>
-            </a:r>
-            <a:r>
-              <a:rPr lang="en-US" altLang="en-US" kern="0" dirty="0" smtClean="0">
-                <a:hlinkClick r:id="rId3"/>
-              </a:rPr>
-              <a:t>@matf.bg.ac.rs</a:t>
-            </a:r>
-            <a:endParaRPr lang="en-US" altLang="en-US" kern="0" dirty="0"/>
-          </a:p>
-        </p:txBody>
-      </p:sp>
-    </p:spTree>
-  </p:cSld>
-  <p:clrMapOvr>
-    <a:masterClrMapping/>
-  </p:clrMapOvr>
-  <p:transition spd="slow"/>
-  <p:timing>
-    <p:tnLst>
-      <p:par>
-        <p:cTn id="1" dur="indefinite" restart="never" nodeType="tmRoot"/>
-      </p:par>
-    </p:tnLst>
-  </p:timing>
-</p:sld>
-</file>
-
-<file path=ppt/slides/slide20.xml><?xml version="1.0" encoding="utf-8"?>
-<p:sld xmlns:a="http://schemas.openxmlformats.org/drawingml/2006/main" xmlns:r="http://schemas.openxmlformats.org/officeDocument/2006/relationships" xmlns:p="http://schemas.openxmlformats.org/presentationml/2006/main">
-  <p:cSld>
-    <p:spTree>
-      <p:nvGrpSpPr>
-        <p:cNvPr id="1" name=""/>
-        <p:cNvGrpSpPr/>
-        <p:nvPr/>
-      </p:nvGrpSpPr>
-      <p:grpSpPr>
-        <a:xfrm>
-          <a:off x="0" y="0"/>
-          <a:ext cx="0" cy="0"/>
-          <a:chOff x="0" y="0"/>
-          <a:chExt cx="0" cy="0"/>
-        </a:xfrm>
-      </p:grpSpPr>
-      <p:sp>
-        <p:nvSpPr>
-          <p:cNvPr id="5122" name="Text Box 2"/>
-          <p:cNvSpPr txBox="1">
-            <a:spLocks noChangeArrowheads="1"/>
-          </p:cNvSpPr>
-          <p:nvPr/>
-        </p:nvSpPr>
-        <p:spPr bwMode="auto">
-          <a:xfrm>
-            <a:off x="1219200" y="685800"/>
-            <a:ext cx="6705600" cy="457200"/>
-          </a:xfrm>
-          <a:prstGeom prst="rect">
-            <a:avLst/>
-          </a:prstGeom>
-          <a:noFill/>
-          <a:ln>
-            <a:noFill/>
-          </a:ln>
-          <a:extLst>
-            <a:ext uri="{909E8E84-426E-40DD-AFC4-6F175D3DCCD1}">
-              <a14:hiddenFill xmlns:a14="http://schemas.microsoft.com/office/drawing/2010/main">
-                <a:solidFill>
-                  <a:srgbClr val="FFFFFF"/>
-                </a:solidFill>
-              </a14:hiddenFill>
-            </a:ext>
-            <a:ext uri="{91240B29-F687-4F45-9708-019B960494DF}">
-              <a14:hiddenLine xmlns:a14="http://schemas.microsoft.com/office/drawing/2010/main" w="12700">
-                <a:solidFill>
-                  <a:srgbClr val="000000"/>
-                </a:solidFill>
-                <a:miter lim="800000"/>
-                <a:headEnd/>
-                <a:tailEnd/>
-              </a14:hiddenLine>
-            </a:ext>
-          </a:extLst>
-        </p:spPr>
-        <p:txBody>
-          <a:bodyPr>
-            <a:spAutoFit/>
-          </a:bodyPr>
-          <a:lstStyle>
-            <a:lvl1pPr>
-              <a:spcBef>
-                <a:spcPct val="20000"/>
-              </a:spcBef>
-              <a:buClr>
-                <a:schemeClr val="accent1"/>
-              </a:buClr>
-              <a:buFont typeface="Wingdings" panose="05000000000000000000" pitchFamily="2" charset="2"/>
-              <a:buChar char="l"/>
-              <a:defRPr sz="3200">
-                <a:solidFill>
-                  <a:schemeClr val="tx1"/>
-                </a:solidFill>
-                <a:latin typeface="Arial" panose="020B0604020202020204" pitchFamily="34" charset="0"/>
-              </a:defRPr>
-            </a:lvl1pPr>
-            <a:lvl2pPr marL="742950" indent="-285750">
-              <a:spcBef>
-                <a:spcPct val="20000"/>
-              </a:spcBef>
-              <a:buClr>
-                <a:schemeClr val="accent1"/>
-              </a:buClr>
-              <a:buFont typeface="Wingdings" panose="05000000000000000000" pitchFamily="2" charset="2"/>
-              <a:buChar char="¡"/>
-              <a:defRPr sz="2700">
-                <a:solidFill>
-                  <a:schemeClr val="tx1"/>
-                </a:solidFill>
-                <a:latin typeface="Arial" panose="020B0604020202020204" pitchFamily="34" charset="0"/>
-              </a:defRPr>
-            </a:lvl2pPr>
-            <a:lvl3pPr marL="1143000" indent="-228600">
-              <a:spcBef>
-                <a:spcPct val="20000"/>
-              </a:spcBef>
-              <a:buClr>
-                <a:schemeClr val="accent1"/>
-              </a:buClr>
-              <a:buFont typeface="Wingdings" panose="05000000000000000000" pitchFamily="2" charset="2"/>
-              <a:buChar char="l"/>
-              <a:defRPr sz="2300">
-                <a:solidFill>
-                  <a:schemeClr val="tx1"/>
-                </a:solidFill>
-                <a:latin typeface="Arial" panose="020B0604020202020204" pitchFamily="34" charset="0"/>
-              </a:defRPr>
-            </a:lvl3pPr>
-            <a:lvl4pPr marL="1600200" indent="-228600">
-              <a:spcBef>
-                <a:spcPct val="20000"/>
-              </a:spcBef>
-              <a:buClr>
-                <a:schemeClr val="accent1"/>
-              </a:buClr>
-              <a:buChar char="•"/>
-              <a:defRPr sz="2000">
-                <a:solidFill>
-                  <a:schemeClr val="tx1"/>
-                </a:solidFill>
-                <a:latin typeface="Arial" panose="020B0604020202020204" pitchFamily="34" charset="0"/>
-              </a:defRPr>
-            </a:lvl4pPr>
-            <a:lvl5pPr marL="2057400" indent="-228600">
-              <a:spcBef>
-                <a:spcPct val="20000"/>
-              </a:spcBef>
-              <a:buClr>
-                <a:schemeClr val="accent1"/>
-              </a:buClr>
-              <a:buFont typeface="Wingdings" panose="05000000000000000000" pitchFamily="2" charset="2"/>
-              <a:buChar char=""/>
-              <a:defRPr sz="2000">
-                <a:solidFill>
-                  <a:schemeClr val="tx1"/>
-                </a:solidFill>
-                <a:latin typeface="Arial" panose="020B0604020202020204" pitchFamily="34" charset="0"/>
-              </a:defRPr>
-            </a:lvl5pPr>
-            <a:lvl6pPr marL="2514600" indent="-228600" eaLnBrk="0" fontAlgn="base" hangingPunct="0">
-              <a:spcBef>
-                <a:spcPct val="20000"/>
-              </a:spcBef>
-              <a:spcAft>
-                <a:spcPct val="0"/>
-              </a:spcAft>
-              <a:buClr>
-                <a:schemeClr val="accent1"/>
-              </a:buClr>
-              <a:buFont typeface="Wingdings" panose="05000000000000000000" pitchFamily="2" charset="2"/>
-              <a:buChar char=""/>
-              <a:defRPr sz="2000">
-                <a:solidFill>
-                  <a:schemeClr val="tx1"/>
-                </a:solidFill>
-                <a:latin typeface="Arial" panose="020B0604020202020204" pitchFamily="34" charset="0"/>
-              </a:defRPr>
-            </a:lvl6pPr>
-            <a:lvl7pPr marL="2971800" indent="-228600" eaLnBrk="0" fontAlgn="base" hangingPunct="0">
-              <a:spcBef>
-                <a:spcPct val="20000"/>
-              </a:spcBef>
-              <a:spcAft>
-                <a:spcPct val="0"/>
-              </a:spcAft>
-              <a:buClr>
-                <a:schemeClr val="accent1"/>
-              </a:buClr>
-              <a:buFont typeface="Wingdings" panose="05000000000000000000" pitchFamily="2" charset="2"/>
-              <a:buChar char=""/>
-              <a:defRPr sz="2000">
-                <a:solidFill>
-                  <a:schemeClr val="tx1"/>
-                </a:solidFill>
-                <a:latin typeface="Arial" panose="020B0604020202020204" pitchFamily="34" charset="0"/>
-              </a:defRPr>
-            </a:lvl7pPr>
-            <a:lvl8pPr marL="3429000" indent="-228600" eaLnBrk="0" fontAlgn="base" hangingPunct="0">
-              <a:spcBef>
-                <a:spcPct val="20000"/>
-              </a:spcBef>
-              <a:spcAft>
-                <a:spcPct val="0"/>
-              </a:spcAft>
-              <a:buClr>
-                <a:schemeClr val="accent1"/>
-              </a:buClr>
-              <a:buFont typeface="Wingdings" panose="05000000000000000000" pitchFamily="2" charset="2"/>
-              <a:buChar char=""/>
-              <a:defRPr sz="2000">
-                <a:solidFill>
-                  <a:schemeClr val="tx1"/>
-                </a:solidFill>
-                <a:latin typeface="Arial" panose="020B0604020202020204" pitchFamily="34" charset="0"/>
-              </a:defRPr>
-            </a:lvl8pPr>
-            <a:lvl9pPr marL="3886200" indent="-228600" eaLnBrk="0" fontAlgn="base" hangingPunct="0">
-              <a:spcBef>
-                <a:spcPct val="20000"/>
-              </a:spcBef>
-              <a:spcAft>
-                <a:spcPct val="0"/>
-              </a:spcAft>
-              <a:buClr>
-                <a:schemeClr val="accent1"/>
-              </a:buClr>
-              <a:buFont typeface="Wingdings" panose="05000000000000000000" pitchFamily="2" charset="2"/>
-              <a:buChar char=""/>
-              <a:defRPr sz="2000">
-                <a:solidFill>
-                  <a:schemeClr val="tx1"/>
-                </a:solidFill>
-                <a:latin typeface="Arial" panose="020B0604020202020204" pitchFamily="34" charset="0"/>
-              </a:defRPr>
-            </a:lvl9pPr>
-          </a:lstStyle>
-          <a:p>
-            <a:pPr>
-              <a:spcBef>
-                <a:spcPct val="50000"/>
-              </a:spcBef>
-              <a:buClrTx/>
-              <a:buFontTx/>
-              <a:buNone/>
-            </a:pPr>
-            <a:endParaRPr lang="sr-Latn-CS" altLang="en-US" sz="2400">
-              <a:latin typeface="Times New Roman" panose="02020603050405020304" pitchFamily="18" charset="0"/>
-            </a:endParaRPr>
-          </a:p>
-        </p:txBody>
-      </p:sp>
-      <p:sp>
-        <p:nvSpPr>
-          <p:cNvPr id="5123" name="Text Box 3"/>
-          <p:cNvSpPr txBox="1">
-            <a:spLocks noChangeArrowheads="1"/>
-          </p:cNvSpPr>
-          <p:nvPr/>
-        </p:nvSpPr>
-        <p:spPr bwMode="auto">
-          <a:xfrm>
-            <a:off x="685800" y="838200"/>
-            <a:ext cx="7620000" cy="457200"/>
-          </a:xfrm>
-          <a:prstGeom prst="rect">
-            <a:avLst/>
-          </a:prstGeom>
-          <a:noFill/>
-          <a:ln>
-            <a:noFill/>
-          </a:ln>
-          <a:extLst>
-            <a:ext uri="{909E8E84-426E-40DD-AFC4-6F175D3DCCD1}">
-              <a14:hiddenFill xmlns:a14="http://schemas.microsoft.com/office/drawing/2010/main">
-                <a:solidFill>
-                  <a:srgbClr val="FFFFFF"/>
-                </a:solidFill>
-              </a14:hiddenFill>
-            </a:ext>
-            <a:ext uri="{91240B29-F687-4F45-9708-019B960494DF}">
-              <a14:hiddenLine xmlns:a14="http://schemas.microsoft.com/office/drawing/2010/main" w="12700">
-                <a:solidFill>
-                  <a:srgbClr val="000000"/>
-                </a:solidFill>
-                <a:miter lim="800000"/>
-                <a:headEnd/>
-                <a:tailEnd/>
-              </a14:hiddenLine>
-            </a:ext>
-          </a:extLst>
-        </p:spPr>
-        <p:txBody>
-          <a:bodyPr>
-            <a:spAutoFit/>
-          </a:bodyPr>
-          <a:lstStyle>
-            <a:lvl1pPr>
-              <a:spcBef>
-                <a:spcPct val="20000"/>
-              </a:spcBef>
-              <a:buClr>
-                <a:schemeClr val="accent1"/>
-              </a:buClr>
-              <a:buFont typeface="Wingdings" panose="05000000000000000000" pitchFamily="2" charset="2"/>
-              <a:buChar char="l"/>
-              <a:defRPr sz="3200">
-                <a:solidFill>
-                  <a:schemeClr val="tx1"/>
-                </a:solidFill>
-                <a:latin typeface="Arial" panose="020B0604020202020204" pitchFamily="34" charset="0"/>
-              </a:defRPr>
-            </a:lvl1pPr>
-            <a:lvl2pPr marL="742950" indent="-285750">
-              <a:spcBef>
-                <a:spcPct val="20000"/>
-              </a:spcBef>
-              <a:buClr>
-                <a:schemeClr val="accent1"/>
-              </a:buClr>
-              <a:buFont typeface="Wingdings" panose="05000000000000000000" pitchFamily="2" charset="2"/>
-              <a:buChar char="¡"/>
-              <a:defRPr sz="2700">
-                <a:solidFill>
-                  <a:schemeClr val="tx1"/>
-                </a:solidFill>
-                <a:latin typeface="Arial" panose="020B0604020202020204" pitchFamily="34" charset="0"/>
-              </a:defRPr>
-            </a:lvl2pPr>
-            <a:lvl3pPr marL="1143000" indent="-228600">
-              <a:spcBef>
-                <a:spcPct val="20000"/>
-              </a:spcBef>
-              <a:buClr>
-                <a:schemeClr val="accent1"/>
-              </a:buClr>
-              <a:buFont typeface="Wingdings" panose="05000000000000000000" pitchFamily="2" charset="2"/>
-              <a:buChar char="l"/>
-              <a:defRPr sz="2300">
-                <a:solidFill>
-                  <a:schemeClr val="tx1"/>
-                </a:solidFill>
-                <a:latin typeface="Arial" panose="020B0604020202020204" pitchFamily="34" charset="0"/>
-              </a:defRPr>
-            </a:lvl3pPr>
-            <a:lvl4pPr marL="1600200" indent="-228600">
-              <a:spcBef>
-                <a:spcPct val="20000"/>
-              </a:spcBef>
-              <a:buClr>
-                <a:schemeClr val="accent1"/>
-              </a:buClr>
-              <a:buChar char="•"/>
-              <a:defRPr sz="2000">
-                <a:solidFill>
-                  <a:schemeClr val="tx1"/>
-                </a:solidFill>
-                <a:latin typeface="Arial" panose="020B0604020202020204" pitchFamily="34" charset="0"/>
-              </a:defRPr>
-            </a:lvl4pPr>
-            <a:lvl5pPr marL="2057400" indent="-228600">
-              <a:spcBef>
-                <a:spcPct val="20000"/>
-              </a:spcBef>
-              <a:buClr>
-                <a:schemeClr val="accent1"/>
-              </a:buClr>
-              <a:buFont typeface="Wingdings" panose="05000000000000000000" pitchFamily="2" charset="2"/>
-              <a:buChar char=""/>
-              <a:defRPr sz="2000">
-                <a:solidFill>
-                  <a:schemeClr val="tx1"/>
-                </a:solidFill>
-                <a:latin typeface="Arial" panose="020B0604020202020204" pitchFamily="34" charset="0"/>
-              </a:defRPr>
-            </a:lvl5pPr>
-            <a:lvl6pPr marL="2514600" indent="-228600" eaLnBrk="0" fontAlgn="base" hangingPunct="0">
-              <a:spcBef>
-                <a:spcPct val="20000"/>
-              </a:spcBef>
-              <a:spcAft>
-                <a:spcPct val="0"/>
-              </a:spcAft>
-              <a:buClr>
-                <a:schemeClr val="accent1"/>
-              </a:buClr>
-              <a:buFont typeface="Wingdings" panose="05000000000000000000" pitchFamily="2" charset="2"/>
-              <a:buChar char=""/>
-              <a:defRPr sz="2000">
-                <a:solidFill>
-                  <a:schemeClr val="tx1"/>
-                </a:solidFill>
-                <a:latin typeface="Arial" panose="020B0604020202020204" pitchFamily="34" charset="0"/>
-              </a:defRPr>
-            </a:lvl6pPr>
-            <a:lvl7pPr marL="2971800" indent="-228600" eaLnBrk="0" fontAlgn="base" hangingPunct="0">
-              <a:spcBef>
-                <a:spcPct val="20000"/>
-              </a:spcBef>
-              <a:spcAft>
-                <a:spcPct val="0"/>
-              </a:spcAft>
-              <a:buClr>
-                <a:schemeClr val="accent1"/>
-              </a:buClr>
-              <a:buFont typeface="Wingdings" panose="05000000000000000000" pitchFamily="2" charset="2"/>
-              <a:buChar char=""/>
-              <a:defRPr sz="2000">
-                <a:solidFill>
-                  <a:schemeClr val="tx1"/>
-                </a:solidFill>
-                <a:latin typeface="Arial" panose="020B0604020202020204" pitchFamily="34" charset="0"/>
-              </a:defRPr>
-            </a:lvl7pPr>
-            <a:lvl8pPr marL="3429000" indent="-228600" eaLnBrk="0" fontAlgn="base" hangingPunct="0">
-              <a:spcBef>
-                <a:spcPct val="20000"/>
-              </a:spcBef>
-              <a:spcAft>
-                <a:spcPct val="0"/>
-              </a:spcAft>
-              <a:buClr>
-                <a:schemeClr val="accent1"/>
-              </a:buClr>
-              <a:buFont typeface="Wingdings" panose="05000000000000000000" pitchFamily="2" charset="2"/>
-              <a:buChar char=""/>
-              <a:defRPr sz="2000">
-                <a:solidFill>
-                  <a:schemeClr val="tx1"/>
-                </a:solidFill>
-                <a:latin typeface="Arial" panose="020B0604020202020204" pitchFamily="34" charset="0"/>
-              </a:defRPr>
-            </a:lvl8pPr>
-            <a:lvl9pPr marL="3886200" indent="-228600" eaLnBrk="0" fontAlgn="base" hangingPunct="0">
-              <a:spcBef>
-                <a:spcPct val="20000"/>
-              </a:spcBef>
-              <a:spcAft>
-                <a:spcPct val="0"/>
-              </a:spcAft>
-              <a:buClr>
-                <a:schemeClr val="accent1"/>
-              </a:buClr>
-              <a:buFont typeface="Wingdings" panose="05000000000000000000" pitchFamily="2" charset="2"/>
-              <a:buChar char=""/>
-              <a:defRPr sz="2000">
-                <a:solidFill>
-                  <a:schemeClr val="tx1"/>
-                </a:solidFill>
-                <a:latin typeface="Arial" panose="020B0604020202020204" pitchFamily="34" charset="0"/>
-              </a:defRPr>
-            </a:lvl9pPr>
-          </a:lstStyle>
-          <a:p>
-            <a:pPr>
-              <a:spcBef>
-                <a:spcPct val="50000"/>
-              </a:spcBef>
-              <a:buClrTx/>
-              <a:buFontTx/>
-              <a:buNone/>
-            </a:pPr>
-            <a:endParaRPr lang="sr-Latn-CS" altLang="en-US" sz="2400">
-              <a:latin typeface="Times New Roman" panose="02020603050405020304" pitchFamily="18" charset="0"/>
-            </a:endParaRPr>
-          </a:p>
-        </p:txBody>
-      </p:sp>
-      <p:sp>
-        <p:nvSpPr>
-          <p:cNvPr id="18437" name="Rectangle 5"/>
-          <p:cNvSpPr>
-            <a:spLocks noChangeArrowheads="1"/>
-          </p:cNvSpPr>
-          <p:nvPr/>
-        </p:nvSpPr>
-        <p:spPr bwMode="auto">
-          <a:xfrm>
-            <a:off x="655638" y="1654056"/>
-            <a:ext cx="8380412" cy="5201424"/>
-          </a:xfrm>
-          <a:prstGeom prst="rect">
-            <a:avLst/>
-          </a:prstGeom>
-          <a:noFill/>
-          <a:ln>
-            <a:noFill/>
-          </a:ln>
-          <a:extLst>
-            <a:ext uri="{909E8E84-426E-40DD-AFC4-6F175D3DCCD1}">
-              <a14:hiddenFill xmlns:a14="http://schemas.microsoft.com/office/drawing/2010/main">
-                <a:solidFill>
-                  <a:srgbClr val="FFFFFF"/>
-                </a:solidFill>
-              </a14:hiddenFill>
-            </a:ext>
-            <a:ext uri="{91240B29-F687-4F45-9708-019B960494DF}">
-              <a14:hiddenLine xmlns:a14="http://schemas.microsoft.com/office/drawing/2010/main" w="12700">
-                <a:solidFill>
-                  <a:srgbClr val="000000"/>
-                </a:solidFill>
-                <a:miter lim="800000"/>
-                <a:headEnd/>
-                <a:tailEnd/>
-              </a14:hiddenLine>
-            </a:ext>
-          </a:extLst>
-        </p:spPr>
-        <p:txBody>
-          <a:bodyPr>
-            <a:spAutoFit/>
-          </a:bodyPr>
-          <a:lstStyle/>
-          <a:p>
-            <a:pPr marL="342900" indent="-342900">
-              <a:spcAft>
-                <a:spcPts val="600"/>
-              </a:spcAft>
-              <a:buFont typeface="Arial" panose="020B0604020202020204" pitchFamily="34" charset="0"/>
-              <a:buChar char="•"/>
-              <a:defRPr/>
-            </a:pPr>
-            <a:r>
-              <a:rPr lang="sr-Cyrl-RS" dirty="0" smtClean="0">
-                <a:solidFill>
-                  <a:schemeClr val="tx1"/>
-                </a:solidFill>
-                <a:latin typeface="Garamond" panose="02020404030301010803" pitchFamily="18" charset="0"/>
-              </a:rPr>
-              <a:t>То су класе</a:t>
-            </a:r>
-            <a:r>
-              <a:rPr lang="en-US" dirty="0" smtClean="0">
-                <a:solidFill>
-                  <a:schemeClr val="tx1"/>
-                </a:solidFill>
-                <a:latin typeface="Garamond" panose="02020404030301010803" pitchFamily="18" charset="0"/>
-              </a:rPr>
-              <a:t> </a:t>
-            </a:r>
-            <a:r>
-              <a:rPr lang="en-US" sz="2000" dirty="0" err="1" smtClean="0">
-                <a:solidFill>
-                  <a:schemeClr val="tx1"/>
-                </a:solidFill>
-                <a:latin typeface="+mn-lt"/>
-              </a:rPr>
-              <a:t>java.time.LocalDate</a:t>
-            </a:r>
-            <a:r>
-              <a:rPr lang="sr-Cyrl-RS" dirty="0" smtClean="0">
-                <a:solidFill>
-                  <a:schemeClr val="tx1"/>
-                </a:solidFill>
-                <a:latin typeface="Garamond" panose="02020404030301010803" pitchFamily="18" charset="0"/>
-              </a:rPr>
-              <a:t>, </a:t>
-            </a:r>
-            <a:r>
-              <a:rPr lang="en-US" sz="2000" dirty="0" err="1" smtClean="0">
-                <a:solidFill>
-                  <a:schemeClr val="tx1"/>
-                </a:solidFill>
-                <a:latin typeface="+mn-lt"/>
-              </a:rPr>
-              <a:t>java.time.LocalTime</a:t>
-            </a:r>
-            <a:r>
-              <a:rPr lang="en-US" dirty="0" smtClean="0">
-                <a:solidFill>
-                  <a:schemeClr val="tx1"/>
-                </a:solidFill>
-              </a:rPr>
-              <a:t> </a:t>
-            </a:r>
-            <a:r>
-              <a:rPr lang="sr-Cyrl-RS" dirty="0" smtClean="0">
-                <a:solidFill>
-                  <a:schemeClr val="tx1"/>
-                </a:solidFill>
-                <a:latin typeface="Garamond" panose="02020404030301010803" pitchFamily="18" charset="0"/>
-              </a:rPr>
-              <a:t>и </a:t>
-            </a:r>
-            <a:r>
-              <a:rPr lang="en-US" sz="2000" dirty="0" err="1" smtClean="0">
-                <a:solidFill>
-                  <a:schemeClr val="tx1"/>
-                </a:solidFill>
-                <a:latin typeface="+mn-lt"/>
-              </a:rPr>
-              <a:t>java.time.LocalDateTime</a:t>
-            </a:r>
-            <a:r>
-              <a:rPr lang="sr-Cyrl-RS" dirty="0" smtClean="0">
-                <a:solidFill>
-                  <a:schemeClr val="tx1"/>
-                </a:solidFill>
-                <a:latin typeface="Garamond" panose="02020404030301010803" pitchFamily="18" charset="0"/>
-              </a:rPr>
-              <a:t> које служе за рад са само са датумима, само са временима у дану и са паровима датум-време, респективано</a:t>
-            </a:r>
-          </a:p>
-          <a:p>
-            <a:pPr marL="800100" lvl="1" indent="-342900">
-              <a:spcAft>
-                <a:spcPts val="600"/>
-              </a:spcAft>
-              <a:buFont typeface="Arial" panose="020B0604020202020204" pitchFamily="34" charset="0"/>
-              <a:buChar char="•"/>
-              <a:defRPr/>
-            </a:pPr>
-            <a:r>
-              <a:rPr lang="sr-Cyrl-RS" dirty="0" smtClean="0">
-                <a:solidFill>
-                  <a:schemeClr val="tx1"/>
-                </a:solidFill>
-                <a:latin typeface="Garamond" panose="02020404030301010803" pitchFamily="18" charset="0"/>
-              </a:rPr>
-              <a:t>класе су уведене релативно скоро, раније се користила класа </a:t>
-            </a:r>
-            <a:r>
-              <a:rPr lang="en-US" sz="2000" dirty="0" err="1" smtClean="0">
-                <a:solidFill>
-                  <a:schemeClr val="tx1"/>
-                </a:solidFill>
-                <a:latin typeface="+mn-lt"/>
-              </a:rPr>
-              <a:t>java.util.Date</a:t>
-            </a:r>
-            <a:r>
-              <a:rPr lang="en-US" dirty="0" smtClean="0">
-                <a:solidFill>
-                  <a:schemeClr val="tx1"/>
-                </a:solidFill>
-                <a:latin typeface="Garamond" panose="02020404030301010803" pitchFamily="18" charset="0"/>
-              </a:rPr>
-              <a:t>, </a:t>
-            </a:r>
-            <a:r>
-              <a:rPr lang="sr-Cyrl-RS" dirty="0" smtClean="0">
-                <a:solidFill>
-                  <a:schemeClr val="tx1"/>
-                </a:solidFill>
-                <a:latin typeface="Garamond" panose="02020404030301010803" pitchFamily="18" charset="0"/>
-              </a:rPr>
-              <a:t>са којом је било проблема</a:t>
-            </a:r>
-          </a:p>
-          <a:p>
-            <a:pPr marL="800100" lvl="1" indent="-342900">
-              <a:spcAft>
-                <a:spcPts val="600"/>
-              </a:spcAft>
-              <a:buFont typeface="Arial" panose="020B0604020202020204" pitchFamily="34" charset="0"/>
-              <a:buChar char="•"/>
-              <a:defRPr/>
-            </a:pPr>
-            <a:r>
-              <a:rPr lang="sr-Cyrl-RS" dirty="0">
-                <a:solidFill>
-                  <a:schemeClr val="tx1"/>
-                </a:solidFill>
-                <a:latin typeface="Garamond" panose="02020404030301010803" pitchFamily="18" charset="0"/>
-              </a:rPr>
-              <a:t>к</a:t>
-            </a:r>
-            <a:r>
-              <a:rPr lang="sr-Cyrl-RS" dirty="0" smtClean="0">
-                <a:solidFill>
-                  <a:schemeClr val="tx1"/>
-                </a:solidFill>
-                <a:latin typeface="Garamond" panose="02020404030301010803" pitchFamily="18" charset="0"/>
-              </a:rPr>
-              <a:t>ако се класе не налазе у пакету </a:t>
-            </a:r>
-            <a:r>
-              <a:rPr lang="sr-Latn-RS" sz="2000" dirty="0" err="1" smtClean="0">
-                <a:solidFill>
-                  <a:schemeClr val="tx1"/>
-                </a:solidFill>
-                <a:latin typeface="+mn-lt"/>
-              </a:rPr>
-              <a:t>java.lang</a:t>
-            </a:r>
-            <a:r>
-              <a:rPr lang="sr-Latn-RS" dirty="0" smtClean="0">
-                <a:solidFill>
-                  <a:schemeClr val="tx1"/>
-                </a:solidFill>
-                <a:latin typeface="Garamond" panose="02020404030301010803" pitchFamily="18" charset="0"/>
-              </a:rPr>
-              <a:t>, </a:t>
-            </a:r>
-            <a:r>
-              <a:rPr lang="sr-Cyrl-RS" dirty="0" smtClean="0">
-                <a:solidFill>
-                  <a:schemeClr val="tx1"/>
-                </a:solidFill>
-                <a:latin typeface="Garamond" panose="02020404030301010803" pitchFamily="18" charset="0"/>
-              </a:rPr>
-              <a:t>то се приликом реферисања на њих мора користити пуно име тих класа</a:t>
-            </a:r>
-          </a:p>
-          <a:p>
-            <a:pPr marL="342900" indent="-342900">
-              <a:spcAft>
-                <a:spcPts val="600"/>
-              </a:spcAft>
-              <a:buFont typeface="Arial" panose="020B0604020202020204" pitchFamily="34" charset="0"/>
-              <a:buChar char="•"/>
-              <a:defRPr/>
-            </a:pPr>
-            <a:r>
-              <a:rPr lang="sr-Cyrl-RS" dirty="0" smtClean="0">
-                <a:solidFill>
-                  <a:schemeClr val="tx1"/>
-                </a:solidFill>
-                <a:latin typeface="Garamond" panose="02020404030301010803" pitchFamily="18" charset="0"/>
-              </a:rPr>
-              <a:t>Садрже методе </a:t>
-            </a:r>
-            <a:r>
-              <a:rPr lang="sr-Cyrl-RS" dirty="0">
-                <a:solidFill>
-                  <a:schemeClr val="tx1"/>
-                </a:solidFill>
-                <a:latin typeface="Garamond" panose="02020404030301010803" pitchFamily="18" charset="0"/>
-              </a:rPr>
-              <a:t>за реализацију основних </a:t>
-            </a:r>
-            <a:r>
-              <a:rPr lang="sr-Cyrl-RS" dirty="0" smtClean="0">
-                <a:solidFill>
-                  <a:schemeClr val="tx1"/>
-                </a:solidFill>
-                <a:latin typeface="Garamond" panose="02020404030301010803" pitchFamily="18" charset="0"/>
-              </a:rPr>
-              <a:t>операција над датум-временима као </a:t>
-            </a:r>
-            <a:r>
-              <a:rPr lang="sr-Cyrl-RS" dirty="0">
-                <a:solidFill>
-                  <a:schemeClr val="tx1"/>
-                </a:solidFill>
-                <a:latin typeface="Garamond" panose="02020404030301010803" pitchFamily="18" charset="0"/>
-              </a:rPr>
-              <a:t>што су </a:t>
-            </a:r>
-            <a:r>
-              <a:rPr lang="sr-Cyrl-RS" dirty="0" smtClean="0">
-                <a:solidFill>
-                  <a:schemeClr val="tx1"/>
-                </a:solidFill>
-                <a:latin typeface="Garamond" panose="02020404030301010803" pitchFamily="18" charset="0"/>
-              </a:rPr>
-              <a:t>поређења датум-времена, одређивање датума-времена на основу постојећег, мерење протеклог времена између два датума-времена и </a:t>
-            </a:r>
-            <a:r>
-              <a:rPr lang="sr-Cyrl-RS" dirty="0">
-                <a:solidFill>
-                  <a:schemeClr val="tx1"/>
-                </a:solidFill>
-                <a:latin typeface="Garamond" panose="02020404030301010803" pitchFamily="18" charset="0"/>
-              </a:rPr>
-              <a:t>сл</a:t>
-            </a:r>
-            <a:r>
-              <a:rPr lang="sr-Cyrl-RS" dirty="0" smtClean="0">
-                <a:solidFill>
-                  <a:schemeClr val="tx1"/>
-                </a:solidFill>
-                <a:latin typeface="Garamond" panose="02020404030301010803" pitchFamily="18" charset="0"/>
-              </a:rPr>
-              <a:t>.</a:t>
-            </a:r>
-          </a:p>
-          <a:p>
-            <a:pPr marL="342900" indent="-342900">
-              <a:spcAft>
-                <a:spcPts val="600"/>
-              </a:spcAft>
-              <a:buFont typeface="Arial" panose="020B0604020202020204" pitchFamily="34" charset="0"/>
-              <a:buChar char="•"/>
-              <a:defRPr/>
-            </a:pPr>
-            <a:r>
-              <a:rPr lang="sr-Cyrl-RS" dirty="0" smtClean="0">
-                <a:solidFill>
-                  <a:schemeClr val="tx1"/>
-                </a:solidFill>
-                <a:latin typeface="Garamond" panose="02020404030301010803" pitchFamily="18" charset="0"/>
-              </a:rPr>
-              <a:t>За форматирање се користи </a:t>
-            </a:r>
-            <a:r>
-              <a:rPr lang="en-US" sz="2000" dirty="0" err="1" smtClean="0">
-                <a:solidFill>
-                  <a:schemeClr val="tx1"/>
-                </a:solidFill>
-                <a:latin typeface="+mn-lt"/>
-              </a:rPr>
-              <a:t>java.time.format.DateTimeFormatter</a:t>
-            </a:r>
-            <a:r>
-              <a:rPr lang="sr-Cyrl-RS" dirty="0" smtClean="0">
-                <a:solidFill>
-                  <a:schemeClr val="tx1"/>
-                </a:solidFill>
-                <a:latin typeface="Garamond" panose="02020404030301010803" pitchFamily="18" charset="0"/>
-              </a:rPr>
-              <a:t> </a:t>
-            </a:r>
-          </a:p>
-        </p:txBody>
-      </p:sp>
-      <p:sp>
-        <p:nvSpPr>
-          <p:cNvPr id="6" name="Title 1"/>
-          <p:cNvSpPr txBox="1">
-            <a:spLocks/>
-          </p:cNvSpPr>
-          <p:nvPr/>
-        </p:nvSpPr>
-        <p:spPr>
-          <a:xfrm>
-            <a:off x="1403350" y="538163"/>
-            <a:ext cx="7751763" cy="868362"/>
-          </a:xfrm>
-          <a:prstGeom prst="rect">
-            <a:avLst/>
-          </a:prstGeom>
-        </p:spPr>
-        <p:txBody>
-          <a:bodyPr/>
-          <a:lstStyle>
-            <a:lvl1pPr algn="l" rtl="0" eaLnBrk="0" fontAlgn="base" hangingPunct="0">
-              <a:spcBef>
-                <a:spcPct val="0"/>
-              </a:spcBef>
-              <a:spcAft>
-                <a:spcPct val="0"/>
-              </a:spcAft>
-              <a:defRPr sz="3800">
-                <a:solidFill>
-                  <a:schemeClr val="tx2"/>
-                </a:solidFill>
-                <a:latin typeface="+mj-lt"/>
-                <a:ea typeface="+mj-ea"/>
-                <a:cs typeface="+mj-cs"/>
-              </a:defRPr>
-            </a:lvl1pPr>
-            <a:lvl2pPr algn="l" rtl="0" eaLnBrk="0" fontAlgn="base" hangingPunct="0">
-              <a:spcBef>
-                <a:spcPct val="0"/>
-              </a:spcBef>
-              <a:spcAft>
-                <a:spcPct val="0"/>
-              </a:spcAft>
-              <a:defRPr sz="3800">
-                <a:solidFill>
-                  <a:schemeClr val="tx2"/>
-                </a:solidFill>
-                <a:latin typeface="Arial" charset="0"/>
-              </a:defRPr>
-            </a:lvl2pPr>
-            <a:lvl3pPr algn="l" rtl="0" eaLnBrk="0" fontAlgn="base" hangingPunct="0">
-              <a:spcBef>
-                <a:spcPct val="0"/>
-              </a:spcBef>
-              <a:spcAft>
-                <a:spcPct val="0"/>
-              </a:spcAft>
-              <a:defRPr sz="3800">
-                <a:solidFill>
-                  <a:schemeClr val="tx2"/>
-                </a:solidFill>
-                <a:latin typeface="Arial" charset="0"/>
-              </a:defRPr>
-            </a:lvl3pPr>
-            <a:lvl4pPr algn="l" rtl="0" eaLnBrk="0" fontAlgn="base" hangingPunct="0">
-              <a:spcBef>
-                <a:spcPct val="0"/>
-              </a:spcBef>
-              <a:spcAft>
-                <a:spcPct val="0"/>
-              </a:spcAft>
-              <a:defRPr sz="3800">
-                <a:solidFill>
-                  <a:schemeClr val="tx2"/>
-                </a:solidFill>
-                <a:latin typeface="Arial" charset="0"/>
-              </a:defRPr>
-            </a:lvl4pPr>
-            <a:lvl5pPr algn="l" rtl="0" eaLnBrk="0" fontAlgn="base" hangingPunct="0">
-              <a:spcBef>
-                <a:spcPct val="0"/>
-              </a:spcBef>
-              <a:spcAft>
-                <a:spcPct val="0"/>
-              </a:spcAft>
-              <a:defRPr sz="3800">
-                <a:solidFill>
-                  <a:schemeClr val="tx2"/>
-                </a:solidFill>
-                <a:latin typeface="Arial" charset="0"/>
-              </a:defRPr>
-            </a:lvl5pPr>
-            <a:lvl6pPr marL="457200" algn="l" rtl="0" fontAlgn="base">
-              <a:spcBef>
-                <a:spcPct val="0"/>
-              </a:spcBef>
-              <a:spcAft>
-                <a:spcPct val="0"/>
-              </a:spcAft>
-              <a:defRPr sz="3800">
-                <a:solidFill>
-                  <a:schemeClr val="tx2"/>
-                </a:solidFill>
-                <a:latin typeface="Arial" charset="0"/>
-              </a:defRPr>
-            </a:lvl6pPr>
-            <a:lvl7pPr marL="914400" algn="l" rtl="0" fontAlgn="base">
-              <a:spcBef>
-                <a:spcPct val="0"/>
-              </a:spcBef>
-              <a:spcAft>
-                <a:spcPct val="0"/>
-              </a:spcAft>
-              <a:defRPr sz="3800">
-                <a:solidFill>
-                  <a:schemeClr val="tx2"/>
-                </a:solidFill>
-                <a:latin typeface="Arial" charset="0"/>
-              </a:defRPr>
-            </a:lvl7pPr>
-            <a:lvl8pPr marL="1371600" algn="l" rtl="0" fontAlgn="base">
-              <a:spcBef>
-                <a:spcPct val="0"/>
-              </a:spcBef>
-              <a:spcAft>
-                <a:spcPct val="0"/>
-              </a:spcAft>
-              <a:defRPr sz="3800">
-                <a:solidFill>
-                  <a:schemeClr val="tx2"/>
-                </a:solidFill>
-                <a:latin typeface="Arial" charset="0"/>
-              </a:defRPr>
-            </a:lvl8pPr>
-            <a:lvl9pPr marL="1828800" algn="l" rtl="0" fontAlgn="base">
-              <a:spcBef>
-                <a:spcPct val="0"/>
-              </a:spcBef>
-              <a:spcAft>
-                <a:spcPct val="0"/>
-              </a:spcAft>
-              <a:defRPr sz="3800">
-                <a:solidFill>
-                  <a:schemeClr val="tx2"/>
-                </a:solidFill>
-                <a:latin typeface="Arial" charset="0"/>
-              </a:defRPr>
-            </a:lvl9pPr>
-          </a:lstStyle>
-          <a:p>
-            <a:pPr>
-              <a:defRPr/>
-            </a:pPr>
-            <a:r>
-              <a:rPr lang="sr-Cyrl-RS" sz="3600" b="1" kern="0" dirty="0" smtClean="0">
-                <a:solidFill>
-                  <a:srgbClr val="0070C0"/>
-                </a:solidFill>
-              </a:rPr>
-              <a:t>Класе за манипулацију са датумима и временима</a:t>
-            </a:r>
-            <a:endParaRPr lang="en-US" sz="3600" b="1" kern="0" dirty="0" smtClean="0">
-              <a:solidFill>
-                <a:srgbClr val="0070C0"/>
-              </a:solidFill>
-            </a:endParaRPr>
-          </a:p>
-        </p:txBody>
-      </p:sp>
-    </p:spTree>
-    <p:extLst>
-      <p:ext uri="{BB962C8B-B14F-4D97-AF65-F5344CB8AC3E}">
-        <p14:creationId xmlns:p14="http://schemas.microsoft.com/office/powerpoint/2010/main" val="2668005090"/>
-      </p:ext>
-    </p:extLst>
-  </p:cSld>
-  <p:clrMapOvr>
-    <a:masterClrMapping/>
-  </p:clrMapOvr>
-  <p:timing>
-    <p:tnLst>
-      <p:par>
-        <p:cTn id="1" dur="indefinite" restart="never" nodeType="tmRoot">
-          <p:childTnLst>
-            <p:seq concurrent="1" nextAc="seek">
-              <p:cTn id="2" dur="indefinite" nodeType="mainSeq">
-                <p:childTnLst>
-                  <p:par>
-                    <p:cTn id="3" fill="hold">
-                      <p:stCondLst>
-                        <p:cond delay="indefinite"/>
-                      </p:stCondLst>
-                      <p:childTnLst>
-                        <p:par>
-                          <p:cTn id="4" fill="hold">
-                            <p:stCondLst>
-                              <p:cond delay="0"/>
-                            </p:stCondLst>
-                            <p:childTnLst>
-                              <p:par>
-                                <p:cTn id="5" presetID="10" presetClass="entr" presetSubtype="0" fill="hold" nodeType="clickEffect">
-                                  <p:stCondLst>
-                                    <p:cond delay="0"/>
-                                  </p:stCondLst>
-                                  <p:childTnLst>
-                                    <p:set>
-                                      <p:cBhvr>
-                                        <p:cTn id="6" dur="1" fill="hold">
-                                          <p:stCondLst>
-                                            <p:cond delay="0"/>
-                                          </p:stCondLst>
-                                        </p:cTn>
-                                        <p:tgtEl>
-                                          <p:spTgt spid="18437">
-                                            <p:txEl>
-                                              <p:pRg st="0" end="0"/>
-                                            </p:txEl>
-                                          </p:spTgt>
-                                        </p:tgtEl>
-                                        <p:attrNameLst>
-                                          <p:attrName>style.visibility</p:attrName>
-                                        </p:attrNameLst>
-                                      </p:cBhvr>
-                                      <p:to>
-                                        <p:strVal val="visible"/>
-                                      </p:to>
-                                    </p:set>
-                                    <p:animEffect transition="in" filter="fade">
-                                      <p:cBhvr>
-                                        <p:cTn id="7" dur="500"/>
-                                        <p:tgtEl>
-                                          <p:spTgt spid="18437">
-                                            <p:txEl>
-                                              <p:pRg st="0" end="0"/>
-                                            </p:txEl>
-                                          </p:spTgt>
-                                        </p:tgtEl>
-                                      </p:cBhvr>
-                                    </p:animEffect>
-                                  </p:childTnLst>
-                                </p:cTn>
-                              </p:par>
-                              <p:par>
-                                <p:cTn id="8" presetID="10" presetClass="entr" presetSubtype="0" fill="hold" nodeType="withEffect">
-                                  <p:stCondLst>
-                                    <p:cond delay="0"/>
-                                  </p:stCondLst>
-                                  <p:childTnLst>
-                                    <p:set>
-                                      <p:cBhvr>
-                                        <p:cTn id="9" dur="1" fill="hold">
-                                          <p:stCondLst>
-                                            <p:cond delay="0"/>
-                                          </p:stCondLst>
-                                        </p:cTn>
-                                        <p:tgtEl>
-                                          <p:spTgt spid="18437">
-                                            <p:txEl>
-                                              <p:pRg st="1" end="1"/>
-                                            </p:txEl>
-                                          </p:spTgt>
-                                        </p:tgtEl>
-                                        <p:attrNameLst>
-                                          <p:attrName>style.visibility</p:attrName>
-                                        </p:attrNameLst>
-                                      </p:cBhvr>
-                                      <p:to>
-                                        <p:strVal val="visible"/>
-                                      </p:to>
-                                    </p:set>
-                                    <p:animEffect transition="in" filter="fade">
-                                      <p:cBhvr>
-                                        <p:cTn id="10" dur="500"/>
-                                        <p:tgtEl>
-                                          <p:spTgt spid="18437">
-                                            <p:txEl>
-                                              <p:pRg st="1" end="1"/>
-                                            </p:txEl>
-                                          </p:spTgt>
-                                        </p:tgtEl>
-                                      </p:cBhvr>
-                                    </p:animEffect>
-                                  </p:childTnLst>
-                                </p:cTn>
-                              </p:par>
-                              <p:par>
-                                <p:cTn id="11" presetID="10" presetClass="entr" presetSubtype="0" fill="hold" nodeType="withEffect">
-                                  <p:stCondLst>
-                                    <p:cond delay="0"/>
-                                  </p:stCondLst>
-                                  <p:childTnLst>
-                                    <p:set>
-                                      <p:cBhvr>
-                                        <p:cTn id="12" dur="1" fill="hold">
-                                          <p:stCondLst>
-                                            <p:cond delay="0"/>
-                                          </p:stCondLst>
-                                        </p:cTn>
-                                        <p:tgtEl>
-                                          <p:spTgt spid="18437">
-                                            <p:txEl>
-                                              <p:pRg st="2" end="2"/>
-                                            </p:txEl>
-                                          </p:spTgt>
-                                        </p:tgtEl>
-                                        <p:attrNameLst>
-                                          <p:attrName>style.visibility</p:attrName>
-                                        </p:attrNameLst>
-                                      </p:cBhvr>
-                                      <p:to>
-                                        <p:strVal val="visible"/>
-                                      </p:to>
-                                    </p:set>
-                                    <p:animEffect transition="in" filter="fade">
-                                      <p:cBhvr>
-                                        <p:cTn id="13" dur="500"/>
-                                        <p:tgtEl>
-                                          <p:spTgt spid="18437">
-                                            <p:txEl>
-                                              <p:pRg st="2" end="2"/>
-                                            </p:txEl>
-                                          </p:spTgt>
-                                        </p:tgtEl>
-                                      </p:cBhvr>
-                                    </p:animEffect>
-                                  </p:childTnLst>
-                                </p:cTn>
-                              </p:par>
-                            </p:childTnLst>
-                          </p:cTn>
-                        </p:par>
-                      </p:childTnLst>
-                    </p:cTn>
-                  </p:par>
-                  <p:par>
-                    <p:cTn id="14" fill="hold">
-                      <p:stCondLst>
-                        <p:cond delay="indefinite"/>
-                      </p:stCondLst>
-                      <p:childTnLst>
-                        <p:par>
-                          <p:cTn id="15" fill="hold">
-                            <p:stCondLst>
-                              <p:cond delay="0"/>
-                            </p:stCondLst>
-                            <p:childTnLst>
-                              <p:par>
-                                <p:cTn id="16" presetID="10" presetClass="entr" presetSubtype="0" fill="hold" nodeType="clickEffect">
-                                  <p:stCondLst>
-                                    <p:cond delay="0"/>
-                                  </p:stCondLst>
-                                  <p:childTnLst>
-                                    <p:set>
-                                      <p:cBhvr>
-                                        <p:cTn id="17" dur="1" fill="hold">
-                                          <p:stCondLst>
-                                            <p:cond delay="0"/>
-                                          </p:stCondLst>
-                                        </p:cTn>
-                                        <p:tgtEl>
-                                          <p:spTgt spid="18437">
-                                            <p:txEl>
-                                              <p:pRg st="3" end="3"/>
-                                            </p:txEl>
-                                          </p:spTgt>
-                                        </p:tgtEl>
-                                        <p:attrNameLst>
-                                          <p:attrName>style.visibility</p:attrName>
-                                        </p:attrNameLst>
-                                      </p:cBhvr>
-                                      <p:to>
-                                        <p:strVal val="visible"/>
-                                      </p:to>
-                                    </p:set>
-                                    <p:animEffect transition="in" filter="fade">
-                                      <p:cBhvr>
-                                        <p:cTn id="18" dur="500"/>
-                                        <p:tgtEl>
-                                          <p:spTgt spid="18437">
-                                            <p:txEl>
-                                              <p:pRg st="3" end="3"/>
-                                            </p:txEl>
-                                          </p:spTgt>
-                                        </p:tgtEl>
-                                      </p:cBhvr>
-                                    </p:animEffect>
-                                  </p:childTnLst>
-                                </p:cTn>
-                              </p:par>
-                            </p:childTnLst>
-                          </p:cTn>
-                        </p:par>
-                      </p:childTnLst>
-                    </p:cTn>
-                  </p:par>
-                  <p:par>
-                    <p:cTn id="19" fill="hold">
-                      <p:stCondLst>
-                        <p:cond delay="indefinite"/>
-                      </p:stCondLst>
-                      <p:childTnLst>
-                        <p:par>
-                          <p:cTn id="20" fill="hold">
-                            <p:stCondLst>
-                              <p:cond delay="0"/>
-                            </p:stCondLst>
-                            <p:childTnLst>
-                              <p:par>
-                                <p:cTn id="21" presetID="10" presetClass="entr" presetSubtype="0" fill="hold" nodeType="clickEffect">
-                                  <p:stCondLst>
-                                    <p:cond delay="0"/>
-                                  </p:stCondLst>
-                                  <p:childTnLst>
-                                    <p:set>
-                                      <p:cBhvr>
-                                        <p:cTn id="22" dur="1" fill="hold">
-                                          <p:stCondLst>
-                                            <p:cond delay="0"/>
-                                          </p:stCondLst>
-                                        </p:cTn>
-                                        <p:tgtEl>
-                                          <p:spTgt spid="18437">
-                                            <p:txEl>
-                                              <p:pRg st="4" end="4"/>
-                                            </p:txEl>
-                                          </p:spTgt>
-                                        </p:tgtEl>
-                                        <p:attrNameLst>
-                                          <p:attrName>style.visibility</p:attrName>
-                                        </p:attrNameLst>
-                                      </p:cBhvr>
-                                      <p:to>
-                                        <p:strVal val="visible"/>
-                                      </p:to>
-                                    </p:set>
-                                    <p:animEffect transition="in" filter="fade">
-                                      <p:cBhvr>
-                                        <p:cTn id="23" dur="500"/>
-                                        <p:tgtEl>
-                                          <p:spTgt spid="18437">
-                                            <p:txEl>
-                                              <p:pRg st="4" end="4"/>
-                                            </p:txEl>
-                                          </p:spTgt>
-                                        </p:tgtEl>
-                                      </p:cBhvr>
-                                    </p:animEffect>
-                                  </p:childTnLst>
-                                </p:cTn>
-                              </p:par>
-                            </p:childTnLst>
-                          </p:cTn>
-                        </p:par>
-                      </p:childTnLst>
-                    </p:cTn>
-                  </p:par>
-                </p:childTnLst>
-              </p:cTn>
-              <p:prevCondLst>
-                <p:cond evt="onPrev" delay="0">
-                  <p:tgtEl>
-                    <p:sldTgt/>
-                  </p:tgtEl>
-                </p:cond>
-              </p:prevCondLst>
-              <p:nextCondLst>
-                <p:cond evt="onNext" delay="0">
-                  <p:tgtEl>
-                    <p:sldTgt/>
-                  </p:tgtEl>
-                </p:cond>
-              </p:nextCondLst>
-            </p:seq>
-          </p:childTnLst>
-        </p:cTn>
-      </p:par>
-    </p:tnLst>
-  </p:timing>
-</p:sld>
-</file>
-
-<file path=ppt/slides/slide21.xml><?xml version="1.0" encoding="utf-8"?>
-<p:sld xmlns:a="http://schemas.openxmlformats.org/drawingml/2006/main" xmlns:r="http://schemas.openxmlformats.org/officeDocument/2006/relationships" xmlns:p="http://schemas.openxmlformats.org/presentationml/2006/main">
-  <p:cSld>
-    <p:spTree>
-      <p:nvGrpSpPr>
-        <p:cNvPr id="1" name=""/>
-        <p:cNvGrpSpPr/>
-        <p:nvPr/>
-      </p:nvGrpSpPr>
-      <p:grpSpPr>
-        <a:xfrm>
-          <a:off x="0" y="0"/>
-          <a:ext cx="0" cy="0"/>
-          <a:chOff x="0" y="0"/>
-          <a:chExt cx="0" cy="0"/>
-        </a:xfrm>
-      </p:grpSpPr>
-      <p:sp>
-        <p:nvSpPr>
-          <p:cNvPr id="5122" name="Text Box 2"/>
-          <p:cNvSpPr txBox="1">
-            <a:spLocks noChangeArrowheads="1"/>
-          </p:cNvSpPr>
-          <p:nvPr/>
-        </p:nvSpPr>
-        <p:spPr bwMode="auto">
-          <a:xfrm>
-            <a:off x="1219200" y="685800"/>
-            <a:ext cx="6705600" cy="457200"/>
-          </a:xfrm>
-          <a:prstGeom prst="rect">
-            <a:avLst/>
-          </a:prstGeom>
-          <a:noFill/>
-          <a:ln>
-            <a:noFill/>
-          </a:ln>
-          <a:extLst>
-            <a:ext uri="{909E8E84-426E-40DD-AFC4-6F175D3DCCD1}">
-              <a14:hiddenFill xmlns:a14="http://schemas.microsoft.com/office/drawing/2010/main">
-                <a:solidFill>
-                  <a:srgbClr val="FFFFFF"/>
-                </a:solidFill>
-              </a14:hiddenFill>
-            </a:ext>
-            <a:ext uri="{91240B29-F687-4F45-9708-019B960494DF}">
-              <a14:hiddenLine xmlns:a14="http://schemas.microsoft.com/office/drawing/2010/main" w="12700">
-                <a:solidFill>
-                  <a:srgbClr val="000000"/>
-                </a:solidFill>
-                <a:miter lim="800000"/>
-                <a:headEnd/>
-                <a:tailEnd/>
-              </a14:hiddenLine>
-            </a:ext>
-          </a:extLst>
-        </p:spPr>
-        <p:txBody>
-          <a:bodyPr>
-            <a:spAutoFit/>
-          </a:bodyPr>
-          <a:lstStyle>
-            <a:lvl1pPr>
-              <a:spcBef>
-                <a:spcPct val="20000"/>
-              </a:spcBef>
-              <a:buClr>
-                <a:schemeClr val="accent1"/>
-              </a:buClr>
-              <a:buFont typeface="Wingdings" panose="05000000000000000000" pitchFamily="2" charset="2"/>
-              <a:buChar char="l"/>
-              <a:defRPr sz="3200">
-                <a:solidFill>
-                  <a:schemeClr val="tx1"/>
-                </a:solidFill>
-                <a:latin typeface="Arial" panose="020B0604020202020204" pitchFamily="34" charset="0"/>
-              </a:defRPr>
-            </a:lvl1pPr>
-            <a:lvl2pPr marL="742950" indent="-285750">
-              <a:spcBef>
-                <a:spcPct val="20000"/>
-              </a:spcBef>
-              <a:buClr>
-                <a:schemeClr val="accent1"/>
-              </a:buClr>
-              <a:buFont typeface="Wingdings" panose="05000000000000000000" pitchFamily="2" charset="2"/>
-              <a:buChar char="¡"/>
-              <a:defRPr sz="2700">
-                <a:solidFill>
-                  <a:schemeClr val="tx1"/>
-                </a:solidFill>
-                <a:latin typeface="Arial" panose="020B0604020202020204" pitchFamily="34" charset="0"/>
-              </a:defRPr>
-            </a:lvl2pPr>
-            <a:lvl3pPr marL="1143000" indent="-228600">
-              <a:spcBef>
-                <a:spcPct val="20000"/>
-              </a:spcBef>
-              <a:buClr>
-                <a:schemeClr val="accent1"/>
-              </a:buClr>
-              <a:buFont typeface="Wingdings" panose="05000000000000000000" pitchFamily="2" charset="2"/>
-              <a:buChar char="l"/>
-              <a:defRPr sz="2300">
-                <a:solidFill>
-                  <a:schemeClr val="tx1"/>
-                </a:solidFill>
-                <a:latin typeface="Arial" panose="020B0604020202020204" pitchFamily="34" charset="0"/>
-              </a:defRPr>
-            </a:lvl3pPr>
-            <a:lvl4pPr marL="1600200" indent="-228600">
-              <a:spcBef>
-                <a:spcPct val="20000"/>
-              </a:spcBef>
-              <a:buClr>
-                <a:schemeClr val="accent1"/>
-              </a:buClr>
-              <a:buChar char="•"/>
-              <a:defRPr sz="2000">
-                <a:solidFill>
-                  <a:schemeClr val="tx1"/>
-                </a:solidFill>
-                <a:latin typeface="Arial" panose="020B0604020202020204" pitchFamily="34" charset="0"/>
-              </a:defRPr>
-            </a:lvl4pPr>
-            <a:lvl5pPr marL="2057400" indent="-228600">
-              <a:spcBef>
-                <a:spcPct val="20000"/>
-              </a:spcBef>
-              <a:buClr>
-                <a:schemeClr val="accent1"/>
-              </a:buClr>
-              <a:buFont typeface="Wingdings" panose="05000000000000000000" pitchFamily="2" charset="2"/>
-              <a:buChar char=""/>
-              <a:defRPr sz="2000">
-                <a:solidFill>
-                  <a:schemeClr val="tx1"/>
-                </a:solidFill>
-                <a:latin typeface="Arial" panose="020B0604020202020204" pitchFamily="34" charset="0"/>
-              </a:defRPr>
-            </a:lvl5pPr>
-            <a:lvl6pPr marL="2514600" indent="-228600" eaLnBrk="0" fontAlgn="base" hangingPunct="0">
-              <a:spcBef>
-                <a:spcPct val="20000"/>
-              </a:spcBef>
-              <a:spcAft>
-                <a:spcPct val="0"/>
-              </a:spcAft>
-              <a:buClr>
-                <a:schemeClr val="accent1"/>
-              </a:buClr>
-              <a:buFont typeface="Wingdings" panose="05000000000000000000" pitchFamily="2" charset="2"/>
-              <a:buChar char=""/>
-              <a:defRPr sz="2000">
-                <a:solidFill>
-                  <a:schemeClr val="tx1"/>
-                </a:solidFill>
-                <a:latin typeface="Arial" panose="020B0604020202020204" pitchFamily="34" charset="0"/>
-              </a:defRPr>
-            </a:lvl6pPr>
-            <a:lvl7pPr marL="2971800" indent="-228600" eaLnBrk="0" fontAlgn="base" hangingPunct="0">
-              <a:spcBef>
-                <a:spcPct val="20000"/>
-              </a:spcBef>
-              <a:spcAft>
-                <a:spcPct val="0"/>
-              </a:spcAft>
-              <a:buClr>
-                <a:schemeClr val="accent1"/>
-              </a:buClr>
-              <a:buFont typeface="Wingdings" panose="05000000000000000000" pitchFamily="2" charset="2"/>
-              <a:buChar char=""/>
-              <a:defRPr sz="2000">
-                <a:solidFill>
-                  <a:schemeClr val="tx1"/>
-                </a:solidFill>
-                <a:latin typeface="Arial" panose="020B0604020202020204" pitchFamily="34" charset="0"/>
-              </a:defRPr>
-            </a:lvl7pPr>
-            <a:lvl8pPr marL="3429000" indent="-228600" eaLnBrk="0" fontAlgn="base" hangingPunct="0">
-              <a:spcBef>
-                <a:spcPct val="20000"/>
-              </a:spcBef>
-              <a:spcAft>
-                <a:spcPct val="0"/>
-              </a:spcAft>
-              <a:buClr>
-                <a:schemeClr val="accent1"/>
-              </a:buClr>
-              <a:buFont typeface="Wingdings" panose="05000000000000000000" pitchFamily="2" charset="2"/>
-              <a:buChar char=""/>
-              <a:defRPr sz="2000">
-                <a:solidFill>
-                  <a:schemeClr val="tx1"/>
-                </a:solidFill>
-                <a:latin typeface="Arial" panose="020B0604020202020204" pitchFamily="34" charset="0"/>
-              </a:defRPr>
-            </a:lvl8pPr>
-            <a:lvl9pPr marL="3886200" indent="-228600" eaLnBrk="0" fontAlgn="base" hangingPunct="0">
-              <a:spcBef>
-                <a:spcPct val="20000"/>
-              </a:spcBef>
-              <a:spcAft>
-                <a:spcPct val="0"/>
-              </a:spcAft>
-              <a:buClr>
-                <a:schemeClr val="accent1"/>
-              </a:buClr>
-              <a:buFont typeface="Wingdings" panose="05000000000000000000" pitchFamily="2" charset="2"/>
-              <a:buChar char=""/>
-              <a:defRPr sz="2000">
-                <a:solidFill>
-                  <a:schemeClr val="tx1"/>
-                </a:solidFill>
-                <a:latin typeface="Arial" panose="020B0604020202020204" pitchFamily="34" charset="0"/>
-              </a:defRPr>
-            </a:lvl9pPr>
-          </a:lstStyle>
-          <a:p>
-            <a:pPr>
-              <a:spcBef>
-                <a:spcPct val="50000"/>
-              </a:spcBef>
-              <a:buClrTx/>
-              <a:buFontTx/>
-              <a:buNone/>
-            </a:pPr>
-            <a:endParaRPr lang="sr-Latn-CS" altLang="en-US" sz="2400">
-              <a:latin typeface="Times New Roman" panose="02020603050405020304" pitchFamily="18" charset="0"/>
-            </a:endParaRPr>
-          </a:p>
-        </p:txBody>
-      </p:sp>
-      <p:sp>
-        <p:nvSpPr>
-          <p:cNvPr id="5123" name="Text Box 3"/>
-          <p:cNvSpPr txBox="1">
-            <a:spLocks noChangeArrowheads="1"/>
-          </p:cNvSpPr>
-          <p:nvPr/>
-        </p:nvSpPr>
-        <p:spPr bwMode="auto">
-          <a:xfrm>
-            <a:off x="685800" y="838200"/>
-            <a:ext cx="7620000" cy="457200"/>
-          </a:xfrm>
-          <a:prstGeom prst="rect">
-            <a:avLst/>
-          </a:prstGeom>
-          <a:noFill/>
-          <a:ln>
-            <a:noFill/>
-          </a:ln>
-          <a:extLst>
-            <a:ext uri="{909E8E84-426E-40DD-AFC4-6F175D3DCCD1}">
-              <a14:hiddenFill xmlns:a14="http://schemas.microsoft.com/office/drawing/2010/main">
-                <a:solidFill>
-                  <a:srgbClr val="FFFFFF"/>
-                </a:solidFill>
-              </a14:hiddenFill>
-            </a:ext>
-            <a:ext uri="{91240B29-F687-4F45-9708-019B960494DF}">
-              <a14:hiddenLine xmlns:a14="http://schemas.microsoft.com/office/drawing/2010/main" w="12700">
-                <a:solidFill>
-                  <a:srgbClr val="000000"/>
-                </a:solidFill>
-                <a:miter lim="800000"/>
-                <a:headEnd/>
-                <a:tailEnd/>
-              </a14:hiddenLine>
-            </a:ext>
-          </a:extLst>
-        </p:spPr>
-        <p:txBody>
-          <a:bodyPr>
-            <a:spAutoFit/>
-          </a:bodyPr>
-          <a:lstStyle>
-            <a:lvl1pPr>
-              <a:spcBef>
-                <a:spcPct val="20000"/>
-              </a:spcBef>
-              <a:buClr>
-                <a:schemeClr val="accent1"/>
-              </a:buClr>
-              <a:buFont typeface="Wingdings" panose="05000000000000000000" pitchFamily="2" charset="2"/>
-              <a:buChar char="l"/>
-              <a:defRPr sz="3200">
-                <a:solidFill>
-                  <a:schemeClr val="tx1"/>
-                </a:solidFill>
-                <a:latin typeface="Arial" panose="020B0604020202020204" pitchFamily="34" charset="0"/>
-              </a:defRPr>
-            </a:lvl1pPr>
-            <a:lvl2pPr marL="742950" indent="-285750">
-              <a:spcBef>
-                <a:spcPct val="20000"/>
-              </a:spcBef>
-              <a:buClr>
-                <a:schemeClr val="accent1"/>
-              </a:buClr>
-              <a:buFont typeface="Wingdings" panose="05000000000000000000" pitchFamily="2" charset="2"/>
-              <a:buChar char="¡"/>
-              <a:defRPr sz="2700">
-                <a:solidFill>
-                  <a:schemeClr val="tx1"/>
-                </a:solidFill>
-                <a:latin typeface="Arial" panose="020B0604020202020204" pitchFamily="34" charset="0"/>
-              </a:defRPr>
-            </a:lvl2pPr>
-            <a:lvl3pPr marL="1143000" indent="-228600">
-              <a:spcBef>
-                <a:spcPct val="20000"/>
-              </a:spcBef>
-              <a:buClr>
-                <a:schemeClr val="accent1"/>
-              </a:buClr>
-              <a:buFont typeface="Wingdings" panose="05000000000000000000" pitchFamily="2" charset="2"/>
-              <a:buChar char="l"/>
-              <a:defRPr sz="2300">
-                <a:solidFill>
-                  <a:schemeClr val="tx1"/>
-                </a:solidFill>
-                <a:latin typeface="Arial" panose="020B0604020202020204" pitchFamily="34" charset="0"/>
-              </a:defRPr>
-            </a:lvl3pPr>
-            <a:lvl4pPr marL="1600200" indent="-228600">
-              <a:spcBef>
-                <a:spcPct val="20000"/>
-              </a:spcBef>
-              <a:buClr>
-                <a:schemeClr val="accent1"/>
-              </a:buClr>
-              <a:buChar char="•"/>
-              <a:defRPr sz="2000">
-                <a:solidFill>
-                  <a:schemeClr val="tx1"/>
-                </a:solidFill>
-                <a:latin typeface="Arial" panose="020B0604020202020204" pitchFamily="34" charset="0"/>
-              </a:defRPr>
-            </a:lvl4pPr>
-            <a:lvl5pPr marL="2057400" indent="-228600">
-              <a:spcBef>
-                <a:spcPct val="20000"/>
-              </a:spcBef>
-              <a:buClr>
-                <a:schemeClr val="accent1"/>
-              </a:buClr>
-              <a:buFont typeface="Wingdings" panose="05000000000000000000" pitchFamily="2" charset="2"/>
-              <a:buChar char=""/>
-              <a:defRPr sz="2000">
-                <a:solidFill>
-                  <a:schemeClr val="tx1"/>
-                </a:solidFill>
-                <a:latin typeface="Arial" panose="020B0604020202020204" pitchFamily="34" charset="0"/>
-              </a:defRPr>
-            </a:lvl5pPr>
-            <a:lvl6pPr marL="2514600" indent="-228600" eaLnBrk="0" fontAlgn="base" hangingPunct="0">
-              <a:spcBef>
-                <a:spcPct val="20000"/>
-              </a:spcBef>
-              <a:spcAft>
-                <a:spcPct val="0"/>
-              </a:spcAft>
-              <a:buClr>
-                <a:schemeClr val="accent1"/>
-              </a:buClr>
-              <a:buFont typeface="Wingdings" panose="05000000000000000000" pitchFamily="2" charset="2"/>
-              <a:buChar char=""/>
-              <a:defRPr sz="2000">
-                <a:solidFill>
-                  <a:schemeClr val="tx1"/>
-                </a:solidFill>
-                <a:latin typeface="Arial" panose="020B0604020202020204" pitchFamily="34" charset="0"/>
-              </a:defRPr>
-            </a:lvl6pPr>
-            <a:lvl7pPr marL="2971800" indent="-228600" eaLnBrk="0" fontAlgn="base" hangingPunct="0">
-              <a:spcBef>
-                <a:spcPct val="20000"/>
-              </a:spcBef>
-              <a:spcAft>
-                <a:spcPct val="0"/>
-              </a:spcAft>
-              <a:buClr>
-                <a:schemeClr val="accent1"/>
-              </a:buClr>
-              <a:buFont typeface="Wingdings" panose="05000000000000000000" pitchFamily="2" charset="2"/>
-              <a:buChar char=""/>
-              <a:defRPr sz="2000">
-                <a:solidFill>
-                  <a:schemeClr val="tx1"/>
-                </a:solidFill>
-                <a:latin typeface="Arial" panose="020B0604020202020204" pitchFamily="34" charset="0"/>
-              </a:defRPr>
-            </a:lvl7pPr>
-            <a:lvl8pPr marL="3429000" indent="-228600" eaLnBrk="0" fontAlgn="base" hangingPunct="0">
-              <a:spcBef>
-                <a:spcPct val="20000"/>
-              </a:spcBef>
-              <a:spcAft>
-                <a:spcPct val="0"/>
-              </a:spcAft>
-              <a:buClr>
-                <a:schemeClr val="accent1"/>
-              </a:buClr>
-              <a:buFont typeface="Wingdings" panose="05000000000000000000" pitchFamily="2" charset="2"/>
-              <a:buChar char=""/>
-              <a:defRPr sz="2000">
-                <a:solidFill>
-                  <a:schemeClr val="tx1"/>
-                </a:solidFill>
-                <a:latin typeface="Arial" panose="020B0604020202020204" pitchFamily="34" charset="0"/>
-              </a:defRPr>
-            </a:lvl8pPr>
-            <a:lvl9pPr marL="3886200" indent="-228600" eaLnBrk="0" fontAlgn="base" hangingPunct="0">
-              <a:spcBef>
-                <a:spcPct val="20000"/>
-              </a:spcBef>
-              <a:spcAft>
-                <a:spcPct val="0"/>
-              </a:spcAft>
-              <a:buClr>
-                <a:schemeClr val="accent1"/>
-              </a:buClr>
-              <a:buFont typeface="Wingdings" panose="05000000000000000000" pitchFamily="2" charset="2"/>
-              <a:buChar char=""/>
-              <a:defRPr sz="2000">
-                <a:solidFill>
-                  <a:schemeClr val="tx1"/>
-                </a:solidFill>
-                <a:latin typeface="Arial" panose="020B0604020202020204" pitchFamily="34" charset="0"/>
-              </a:defRPr>
-            </a:lvl9pPr>
-          </a:lstStyle>
-          <a:p>
-            <a:pPr>
-              <a:spcBef>
-                <a:spcPct val="50000"/>
-              </a:spcBef>
-              <a:buClrTx/>
-              <a:buFontTx/>
-              <a:buNone/>
-            </a:pPr>
-            <a:endParaRPr lang="sr-Latn-CS" altLang="en-US" sz="2400">
-              <a:latin typeface="Times New Roman" panose="02020603050405020304" pitchFamily="18" charset="0"/>
-            </a:endParaRPr>
-          </a:p>
-        </p:txBody>
-      </p:sp>
-      <p:sp>
-        <p:nvSpPr>
-          <p:cNvPr id="18437" name="Rectangle 5"/>
-          <p:cNvSpPr>
-            <a:spLocks noChangeArrowheads="1"/>
-          </p:cNvSpPr>
-          <p:nvPr/>
-        </p:nvSpPr>
-        <p:spPr bwMode="auto">
-          <a:xfrm>
             <a:off x="655638" y="1484784"/>
             <a:ext cx="8380412" cy="5355312"/>
           </a:xfrm>
@@ -21122,6 +18295,2833 @@
                                           <p:spTgt spid="18437">
                                             <p:txEl>
                                               <p:pRg st="6" end="6"/>
+                                            </p:txEl>
+                                          </p:spTgt>
+                                        </p:tgtEl>
+                                      </p:cBhvr>
+                                    </p:animEffect>
+                                  </p:childTnLst>
+                                </p:cTn>
+                              </p:par>
+                            </p:childTnLst>
+                          </p:cTn>
+                        </p:par>
+                      </p:childTnLst>
+                    </p:cTn>
+                  </p:par>
+                </p:childTnLst>
+              </p:cTn>
+              <p:prevCondLst>
+                <p:cond evt="onPrev" delay="0">
+                  <p:tgtEl>
+                    <p:sldTgt/>
+                  </p:tgtEl>
+                </p:cond>
+              </p:prevCondLst>
+              <p:nextCondLst>
+                <p:cond evt="onNext" delay="0">
+                  <p:tgtEl>
+                    <p:sldTgt/>
+                  </p:tgtEl>
+                </p:cond>
+              </p:nextCondLst>
+            </p:seq>
+          </p:childTnLst>
+        </p:cTn>
+      </p:par>
+    </p:tnLst>
+  </p:timing>
+</p:sld>
+</file>
+
+<file path=ppt/slides/slide2.xml><?xml version="1.0" encoding="utf-8"?>
+<p:sld xmlns:a="http://schemas.openxmlformats.org/drawingml/2006/main" xmlns:r="http://schemas.openxmlformats.org/officeDocument/2006/relationships" xmlns:p="http://schemas.openxmlformats.org/presentationml/2006/main">
+  <p:cSld>
+    <p:spTree>
+      <p:nvGrpSpPr>
+        <p:cNvPr id="1" name=""/>
+        <p:cNvGrpSpPr/>
+        <p:nvPr/>
+      </p:nvGrpSpPr>
+      <p:grpSpPr>
+        <a:xfrm>
+          <a:off x="0" y="0"/>
+          <a:ext cx="0" cy="0"/>
+          <a:chOff x="0" y="0"/>
+          <a:chExt cx="0" cy="0"/>
+        </a:xfrm>
+      </p:grpSpPr>
+      <p:sp>
+        <p:nvSpPr>
+          <p:cNvPr id="4098" name="Rectangle 2"/>
+          <p:cNvSpPr>
+            <a:spLocks noGrp="1" noChangeArrowheads="1"/>
+          </p:cNvSpPr>
+          <p:nvPr>
+            <p:ph type="ctrTitle"/>
+          </p:nvPr>
+        </p:nvSpPr>
+        <p:spPr>
+          <a:xfrm>
+            <a:off x="395288" y="1628775"/>
+            <a:ext cx="8569325" cy="1144588"/>
+          </a:xfrm>
+        </p:spPr>
+        <p:txBody>
+          <a:bodyPr/>
+          <a:lstStyle/>
+          <a:p>
+            <a:pPr eaLnBrk="1" hangingPunct="1"/>
+            <a:r>
+              <a:rPr lang="sr-Cyrl-RS" altLang="en-US" sz="5400" dirty="0" smtClean="0">
+                <a:solidFill>
+                  <a:srgbClr val="3366FF"/>
+                </a:solidFill>
+              </a:rPr>
+              <a:t>Улазна тачка Јава програма</a:t>
+            </a:r>
+            <a:br>
+              <a:rPr lang="sr-Cyrl-RS" altLang="en-US" sz="5400" dirty="0" smtClean="0">
+                <a:solidFill>
+                  <a:srgbClr val="3366FF"/>
+                </a:solidFill>
+              </a:rPr>
+            </a:br>
+            <a:r>
+              <a:rPr lang="sr-Cyrl-RS" altLang="en-US" sz="5400" dirty="0" smtClean="0">
+                <a:solidFill>
+                  <a:srgbClr val="3366FF"/>
+                </a:solidFill>
+              </a:rPr>
+              <a:t>Статичке функције</a:t>
+            </a:r>
+            <a:endParaRPr lang="sr-Latn-CS" altLang="en-US" sz="5400" dirty="0" smtClean="0">
+              <a:solidFill>
+                <a:srgbClr val="3366FF"/>
+              </a:solidFill>
+            </a:endParaRPr>
+          </a:p>
+        </p:txBody>
+      </p:sp>
+      <p:sp>
+        <p:nvSpPr>
+          <p:cNvPr id="5" name="Rectangle 3"/>
+          <p:cNvSpPr txBox="1">
+            <a:spLocks noChangeArrowheads="1"/>
+          </p:cNvSpPr>
+          <p:nvPr/>
+        </p:nvSpPr>
+        <p:spPr bwMode="auto">
+          <a:xfrm>
+            <a:off x="3563888" y="3356992"/>
+            <a:ext cx="5110162" cy="1752600"/>
+          </a:xfrm>
+          <a:prstGeom prst="rect">
+            <a:avLst/>
+          </a:prstGeom>
+          <a:noFill/>
+          <a:ln>
+            <a:noFill/>
+          </a:ln>
+          <a:extLst>
+            <a:ext uri="{909E8E84-426E-40DD-AFC4-6F175D3DCCD1}">
+              <a14:hiddenFill xmlns:a14="http://schemas.microsoft.com/office/drawing/2010/main">
+                <a:solidFill>
+                  <a:srgbClr val="FFFFFF"/>
+                </a:solidFill>
+              </a14:hiddenFill>
+            </a:ext>
+            <a:ext uri="{91240B29-F687-4F45-9708-019B960494DF}">
+              <a14:hiddenLine xmlns:a14="http://schemas.microsoft.com/office/drawing/2010/main" w="9525">
+                <a:solidFill>
+                  <a:srgbClr val="000000"/>
+                </a:solidFill>
+                <a:miter lim="800000"/>
+                <a:headEnd/>
+                <a:tailEnd/>
+              </a14:hiddenLine>
+            </a:ext>
+          </a:extLst>
+        </p:spPr>
+        <p:txBody>
+          <a:bodyPr vert="horz" wrap="square" lIns="91440" tIns="45720" rIns="91440" bIns="45720" numCol="1" anchor="t" anchorCtr="0" compatLnSpc="1">
+            <a:prstTxWarp prst="textNoShape">
+              <a:avLst/>
+            </a:prstTxWarp>
+          </a:bodyPr>
+          <a:lstStyle>
+            <a:lvl1pPr marL="0" indent="0" algn="r" rtl="0" eaLnBrk="0" fontAlgn="base" hangingPunct="0">
+              <a:spcBef>
+                <a:spcPct val="20000"/>
+              </a:spcBef>
+              <a:spcAft>
+                <a:spcPct val="0"/>
+              </a:spcAft>
+              <a:buClr>
+                <a:schemeClr val="accent1"/>
+              </a:buClr>
+              <a:buFont typeface="Wingdings" panose="05000000000000000000" pitchFamily="2" charset="2"/>
+              <a:buNone/>
+              <a:defRPr sz="3200">
+                <a:solidFill>
+                  <a:schemeClr val="tx1"/>
+                </a:solidFill>
+                <a:latin typeface="+mn-lt"/>
+                <a:ea typeface="+mn-ea"/>
+                <a:cs typeface="+mn-cs"/>
+              </a:defRPr>
+            </a:lvl1pPr>
+            <a:lvl2pPr marL="742950" indent="-285750" algn="l" rtl="0" eaLnBrk="0" fontAlgn="base" hangingPunct="0">
+              <a:spcBef>
+                <a:spcPct val="20000"/>
+              </a:spcBef>
+              <a:spcAft>
+                <a:spcPct val="0"/>
+              </a:spcAft>
+              <a:buClr>
+                <a:schemeClr val="accent1"/>
+              </a:buClr>
+              <a:buFont typeface="Wingdings" panose="05000000000000000000" pitchFamily="2" charset="2"/>
+              <a:buChar char="¡"/>
+              <a:defRPr sz="2700">
+                <a:solidFill>
+                  <a:schemeClr val="tx1"/>
+                </a:solidFill>
+                <a:latin typeface="+mn-lt"/>
+              </a:defRPr>
+            </a:lvl2pPr>
+            <a:lvl3pPr marL="1143000" indent="-228600" algn="l" rtl="0" eaLnBrk="0" fontAlgn="base" hangingPunct="0">
+              <a:spcBef>
+                <a:spcPct val="20000"/>
+              </a:spcBef>
+              <a:spcAft>
+                <a:spcPct val="0"/>
+              </a:spcAft>
+              <a:buClr>
+                <a:schemeClr val="accent1"/>
+              </a:buClr>
+              <a:buFont typeface="Wingdings" panose="05000000000000000000" pitchFamily="2" charset="2"/>
+              <a:buChar char="l"/>
+              <a:defRPr sz="2300">
+                <a:solidFill>
+                  <a:schemeClr val="tx1"/>
+                </a:solidFill>
+                <a:latin typeface="+mn-lt"/>
+              </a:defRPr>
+            </a:lvl3pPr>
+            <a:lvl4pPr marL="1600200" indent="-228600" algn="l" rtl="0" eaLnBrk="0" fontAlgn="base" hangingPunct="0">
+              <a:spcBef>
+                <a:spcPct val="20000"/>
+              </a:spcBef>
+              <a:spcAft>
+                <a:spcPct val="0"/>
+              </a:spcAft>
+              <a:buClr>
+                <a:schemeClr val="accent1"/>
+              </a:buClr>
+              <a:buChar char="•"/>
+              <a:defRPr sz="2000">
+                <a:solidFill>
+                  <a:schemeClr val="tx1"/>
+                </a:solidFill>
+                <a:latin typeface="+mn-lt"/>
+              </a:defRPr>
+            </a:lvl4pPr>
+            <a:lvl5pPr marL="2057400" indent="-228600" algn="l" rtl="0" eaLnBrk="0" fontAlgn="base" hangingPunct="0">
+              <a:spcBef>
+                <a:spcPct val="20000"/>
+              </a:spcBef>
+              <a:spcAft>
+                <a:spcPct val="0"/>
+              </a:spcAft>
+              <a:buClr>
+                <a:schemeClr val="accent1"/>
+              </a:buClr>
+              <a:buFont typeface="Wingdings" panose="05000000000000000000" pitchFamily="2" charset="2"/>
+              <a:buChar char=""/>
+              <a:defRPr sz="2000">
+                <a:solidFill>
+                  <a:schemeClr val="tx1"/>
+                </a:solidFill>
+                <a:latin typeface="+mn-lt"/>
+              </a:defRPr>
+            </a:lvl5pPr>
+            <a:lvl6pPr marL="2514600" indent="-228600" algn="l" rtl="0" fontAlgn="base">
+              <a:spcBef>
+                <a:spcPct val="20000"/>
+              </a:spcBef>
+              <a:spcAft>
+                <a:spcPct val="0"/>
+              </a:spcAft>
+              <a:buClr>
+                <a:schemeClr val="accent1"/>
+              </a:buClr>
+              <a:buFont typeface="Wingdings" pitchFamily="2" charset="2"/>
+              <a:buChar char=""/>
+              <a:defRPr sz="2000">
+                <a:solidFill>
+                  <a:schemeClr val="tx1"/>
+                </a:solidFill>
+                <a:latin typeface="+mn-lt"/>
+              </a:defRPr>
+            </a:lvl6pPr>
+            <a:lvl7pPr marL="2971800" indent="-228600" algn="l" rtl="0" fontAlgn="base">
+              <a:spcBef>
+                <a:spcPct val="20000"/>
+              </a:spcBef>
+              <a:spcAft>
+                <a:spcPct val="0"/>
+              </a:spcAft>
+              <a:buClr>
+                <a:schemeClr val="accent1"/>
+              </a:buClr>
+              <a:buFont typeface="Wingdings" pitchFamily="2" charset="2"/>
+              <a:buChar char=""/>
+              <a:defRPr sz="2000">
+                <a:solidFill>
+                  <a:schemeClr val="tx1"/>
+                </a:solidFill>
+                <a:latin typeface="+mn-lt"/>
+              </a:defRPr>
+            </a:lvl7pPr>
+            <a:lvl8pPr marL="3429000" indent="-228600" algn="l" rtl="0" fontAlgn="base">
+              <a:spcBef>
+                <a:spcPct val="20000"/>
+              </a:spcBef>
+              <a:spcAft>
+                <a:spcPct val="0"/>
+              </a:spcAft>
+              <a:buClr>
+                <a:schemeClr val="accent1"/>
+              </a:buClr>
+              <a:buFont typeface="Wingdings" pitchFamily="2" charset="2"/>
+              <a:buChar char=""/>
+              <a:defRPr sz="2000">
+                <a:solidFill>
+                  <a:schemeClr val="tx1"/>
+                </a:solidFill>
+                <a:latin typeface="+mn-lt"/>
+              </a:defRPr>
+            </a:lvl8pPr>
+            <a:lvl9pPr marL="3886200" indent="-228600" algn="l" rtl="0" fontAlgn="base">
+              <a:spcBef>
+                <a:spcPct val="20000"/>
+              </a:spcBef>
+              <a:spcAft>
+                <a:spcPct val="0"/>
+              </a:spcAft>
+              <a:buClr>
+                <a:schemeClr val="accent1"/>
+              </a:buClr>
+              <a:buFont typeface="Wingdings" pitchFamily="2" charset="2"/>
+              <a:buChar char=""/>
+              <a:defRPr sz="2000">
+                <a:solidFill>
+                  <a:schemeClr val="tx1"/>
+                </a:solidFill>
+                <a:latin typeface="+mn-lt"/>
+              </a:defRPr>
+            </a:lvl9pPr>
+          </a:lstStyle>
+          <a:p>
+            <a:pPr eaLnBrk="1" hangingPunct="1"/>
+            <a:r>
+              <a:rPr lang="sr-Cyrl-RS" altLang="en-US" kern="0" dirty="0" smtClean="0">
+                <a:solidFill>
+                  <a:srgbClr val="993300"/>
+                </a:solidFill>
+                <a:latin typeface="Times New Roman" panose="02020603050405020304" pitchFamily="18" charset="0"/>
+                <a:cs typeface="Times New Roman" panose="02020603050405020304" pitchFamily="18" charset="0"/>
+              </a:rPr>
+              <a:t>Владимир Филиповић</a:t>
+            </a:r>
+            <a:endParaRPr lang="en-US" altLang="en-US" kern="0" dirty="0" smtClean="0">
+              <a:solidFill>
+                <a:srgbClr val="993300"/>
+              </a:solidFill>
+              <a:latin typeface="Times New Roman" panose="02020603050405020304" pitchFamily="18" charset="0"/>
+              <a:cs typeface="Times New Roman" panose="02020603050405020304" pitchFamily="18" charset="0"/>
+            </a:endParaRPr>
+          </a:p>
+          <a:p>
+            <a:pPr eaLnBrk="1" hangingPunct="1"/>
+            <a:r>
+              <a:rPr lang="sr-Latn-CS" altLang="en-US" kern="0" dirty="0" smtClean="0">
+                <a:hlinkClick r:id="rId2"/>
+              </a:rPr>
+              <a:t>vladaf@matf.bg.ac.</a:t>
+            </a:r>
+            <a:r>
+              <a:rPr lang="en-US" altLang="en-US" kern="0" dirty="0" err="1" smtClean="0">
+                <a:hlinkClick r:id="rId2"/>
+              </a:rPr>
+              <a:t>rs</a:t>
+            </a:r>
+            <a:endParaRPr lang="sr-Latn-RS" altLang="en-US" kern="0" dirty="0" smtClean="0"/>
+          </a:p>
+          <a:p>
+            <a:pPr eaLnBrk="1" hangingPunct="1"/>
+            <a:r>
+              <a:rPr lang="sr-Cyrl-RS" altLang="en-US" kern="0" dirty="0" smtClean="0">
+                <a:solidFill>
+                  <a:srgbClr val="993300"/>
+                </a:solidFill>
+                <a:latin typeface="Times New Roman" panose="02020603050405020304" pitchFamily="18" charset="0"/>
+                <a:cs typeface="Times New Roman" panose="02020603050405020304" pitchFamily="18" charset="0"/>
+              </a:rPr>
+              <a:t>Александар Картељ</a:t>
+            </a:r>
+            <a:endParaRPr lang="en-US" altLang="en-US" kern="0" dirty="0" smtClean="0">
+              <a:solidFill>
+                <a:srgbClr val="993300"/>
+              </a:solidFill>
+              <a:latin typeface="Times New Roman" panose="02020603050405020304" pitchFamily="18" charset="0"/>
+              <a:cs typeface="Times New Roman" panose="02020603050405020304" pitchFamily="18" charset="0"/>
+            </a:endParaRPr>
+          </a:p>
+          <a:p>
+            <a:pPr eaLnBrk="1" hangingPunct="1"/>
+            <a:r>
+              <a:rPr lang="en-US" altLang="en-US" kern="0" dirty="0" smtClean="0">
+                <a:hlinkClick r:id="rId3"/>
+              </a:rPr>
+              <a:t>k</a:t>
+            </a:r>
+            <a:r>
+              <a:rPr lang="sr-Latn-RS" altLang="en-US" kern="0" dirty="0" smtClean="0">
+                <a:hlinkClick r:id="rId3"/>
+              </a:rPr>
+              <a:t>artelj</a:t>
+            </a:r>
+            <a:r>
+              <a:rPr lang="en-US" altLang="en-US" kern="0" dirty="0" smtClean="0">
+                <a:hlinkClick r:id="rId3"/>
+              </a:rPr>
+              <a:t>@matf.bg.ac.rs</a:t>
+            </a:r>
+            <a:endParaRPr lang="en-US" altLang="en-US" kern="0" dirty="0"/>
+          </a:p>
+        </p:txBody>
+      </p:sp>
+    </p:spTree>
+  </p:cSld>
+  <p:clrMapOvr>
+    <a:masterClrMapping/>
+  </p:clrMapOvr>
+  <p:transition spd="slow"/>
+  <p:timing>
+    <p:tnLst>
+      <p:par>
+        <p:cTn id="1" dur="indefinite" restart="never" nodeType="tmRoot"/>
+      </p:par>
+    </p:tnLst>
+  </p:timing>
+</p:sld>
+</file>
+
+<file path=ppt/slides/slide20.xml><?xml version="1.0" encoding="utf-8"?>
+<p:sld xmlns:a="http://schemas.openxmlformats.org/drawingml/2006/main" xmlns:r="http://schemas.openxmlformats.org/officeDocument/2006/relationships" xmlns:p="http://schemas.openxmlformats.org/presentationml/2006/main">
+  <p:cSld>
+    <p:spTree>
+      <p:nvGrpSpPr>
+        <p:cNvPr id="1" name=""/>
+        <p:cNvGrpSpPr/>
+        <p:nvPr/>
+      </p:nvGrpSpPr>
+      <p:grpSpPr>
+        <a:xfrm>
+          <a:off x="0" y="0"/>
+          <a:ext cx="0" cy="0"/>
+          <a:chOff x="0" y="0"/>
+          <a:chExt cx="0" cy="0"/>
+        </a:xfrm>
+      </p:grpSpPr>
+      <p:sp>
+        <p:nvSpPr>
+          <p:cNvPr id="5122" name="Text Box 2"/>
+          <p:cNvSpPr txBox="1">
+            <a:spLocks noChangeArrowheads="1"/>
+          </p:cNvSpPr>
+          <p:nvPr/>
+        </p:nvSpPr>
+        <p:spPr bwMode="auto">
+          <a:xfrm>
+            <a:off x="1219200" y="685800"/>
+            <a:ext cx="6705600" cy="457200"/>
+          </a:xfrm>
+          <a:prstGeom prst="rect">
+            <a:avLst/>
+          </a:prstGeom>
+          <a:noFill/>
+          <a:ln>
+            <a:noFill/>
+          </a:ln>
+          <a:extLst>
+            <a:ext uri="{909E8E84-426E-40DD-AFC4-6F175D3DCCD1}">
+              <a14:hiddenFill xmlns:a14="http://schemas.microsoft.com/office/drawing/2010/main">
+                <a:solidFill>
+                  <a:srgbClr val="FFFFFF"/>
+                </a:solidFill>
+              </a14:hiddenFill>
+            </a:ext>
+            <a:ext uri="{91240B29-F687-4F45-9708-019B960494DF}">
+              <a14:hiddenLine xmlns:a14="http://schemas.microsoft.com/office/drawing/2010/main" w="12700">
+                <a:solidFill>
+                  <a:srgbClr val="000000"/>
+                </a:solidFill>
+                <a:miter lim="800000"/>
+                <a:headEnd/>
+                <a:tailEnd/>
+              </a14:hiddenLine>
+            </a:ext>
+          </a:extLst>
+        </p:spPr>
+        <p:txBody>
+          <a:bodyPr>
+            <a:spAutoFit/>
+          </a:bodyPr>
+          <a:lstStyle>
+            <a:lvl1pPr>
+              <a:spcBef>
+                <a:spcPct val="20000"/>
+              </a:spcBef>
+              <a:buClr>
+                <a:schemeClr val="accent1"/>
+              </a:buClr>
+              <a:buFont typeface="Wingdings" panose="05000000000000000000" pitchFamily="2" charset="2"/>
+              <a:buChar char="l"/>
+              <a:defRPr sz="3200">
+                <a:solidFill>
+                  <a:schemeClr val="tx1"/>
+                </a:solidFill>
+                <a:latin typeface="Arial" panose="020B0604020202020204" pitchFamily="34" charset="0"/>
+              </a:defRPr>
+            </a:lvl1pPr>
+            <a:lvl2pPr marL="742950" indent="-285750">
+              <a:spcBef>
+                <a:spcPct val="20000"/>
+              </a:spcBef>
+              <a:buClr>
+                <a:schemeClr val="accent1"/>
+              </a:buClr>
+              <a:buFont typeface="Wingdings" panose="05000000000000000000" pitchFamily="2" charset="2"/>
+              <a:buChar char="¡"/>
+              <a:defRPr sz="2700">
+                <a:solidFill>
+                  <a:schemeClr val="tx1"/>
+                </a:solidFill>
+                <a:latin typeface="Arial" panose="020B0604020202020204" pitchFamily="34" charset="0"/>
+              </a:defRPr>
+            </a:lvl2pPr>
+            <a:lvl3pPr marL="1143000" indent="-228600">
+              <a:spcBef>
+                <a:spcPct val="20000"/>
+              </a:spcBef>
+              <a:buClr>
+                <a:schemeClr val="accent1"/>
+              </a:buClr>
+              <a:buFont typeface="Wingdings" panose="05000000000000000000" pitchFamily="2" charset="2"/>
+              <a:buChar char="l"/>
+              <a:defRPr sz="2300">
+                <a:solidFill>
+                  <a:schemeClr val="tx1"/>
+                </a:solidFill>
+                <a:latin typeface="Arial" panose="020B0604020202020204" pitchFamily="34" charset="0"/>
+              </a:defRPr>
+            </a:lvl3pPr>
+            <a:lvl4pPr marL="1600200" indent="-228600">
+              <a:spcBef>
+                <a:spcPct val="20000"/>
+              </a:spcBef>
+              <a:buClr>
+                <a:schemeClr val="accent1"/>
+              </a:buClr>
+              <a:buChar char="•"/>
+              <a:defRPr sz="2000">
+                <a:solidFill>
+                  <a:schemeClr val="tx1"/>
+                </a:solidFill>
+                <a:latin typeface="Arial" panose="020B0604020202020204" pitchFamily="34" charset="0"/>
+              </a:defRPr>
+            </a:lvl4pPr>
+            <a:lvl5pPr marL="2057400" indent="-228600">
+              <a:spcBef>
+                <a:spcPct val="20000"/>
+              </a:spcBef>
+              <a:buClr>
+                <a:schemeClr val="accent1"/>
+              </a:buClr>
+              <a:buFont typeface="Wingdings" panose="05000000000000000000" pitchFamily="2" charset="2"/>
+              <a:buChar char=""/>
+              <a:defRPr sz="2000">
+                <a:solidFill>
+                  <a:schemeClr val="tx1"/>
+                </a:solidFill>
+                <a:latin typeface="Arial" panose="020B0604020202020204" pitchFamily="34" charset="0"/>
+              </a:defRPr>
+            </a:lvl5pPr>
+            <a:lvl6pPr marL="2514600" indent="-228600" eaLnBrk="0" fontAlgn="base" hangingPunct="0">
+              <a:spcBef>
+                <a:spcPct val="20000"/>
+              </a:spcBef>
+              <a:spcAft>
+                <a:spcPct val="0"/>
+              </a:spcAft>
+              <a:buClr>
+                <a:schemeClr val="accent1"/>
+              </a:buClr>
+              <a:buFont typeface="Wingdings" panose="05000000000000000000" pitchFamily="2" charset="2"/>
+              <a:buChar char=""/>
+              <a:defRPr sz="2000">
+                <a:solidFill>
+                  <a:schemeClr val="tx1"/>
+                </a:solidFill>
+                <a:latin typeface="Arial" panose="020B0604020202020204" pitchFamily="34" charset="0"/>
+              </a:defRPr>
+            </a:lvl6pPr>
+            <a:lvl7pPr marL="2971800" indent="-228600" eaLnBrk="0" fontAlgn="base" hangingPunct="0">
+              <a:spcBef>
+                <a:spcPct val="20000"/>
+              </a:spcBef>
+              <a:spcAft>
+                <a:spcPct val="0"/>
+              </a:spcAft>
+              <a:buClr>
+                <a:schemeClr val="accent1"/>
+              </a:buClr>
+              <a:buFont typeface="Wingdings" panose="05000000000000000000" pitchFamily="2" charset="2"/>
+              <a:buChar char=""/>
+              <a:defRPr sz="2000">
+                <a:solidFill>
+                  <a:schemeClr val="tx1"/>
+                </a:solidFill>
+                <a:latin typeface="Arial" panose="020B0604020202020204" pitchFamily="34" charset="0"/>
+              </a:defRPr>
+            </a:lvl7pPr>
+            <a:lvl8pPr marL="3429000" indent="-228600" eaLnBrk="0" fontAlgn="base" hangingPunct="0">
+              <a:spcBef>
+                <a:spcPct val="20000"/>
+              </a:spcBef>
+              <a:spcAft>
+                <a:spcPct val="0"/>
+              </a:spcAft>
+              <a:buClr>
+                <a:schemeClr val="accent1"/>
+              </a:buClr>
+              <a:buFont typeface="Wingdings" panose="05000000000000000000" pitchFamily="2" charset="2"/>
+              <a:buChar char=""/>
+              <a:defRPr sz="2000">
+                <a:solidFill>
+                  <a:schemeClr val="tx1"/>
+                </a:solidFill>
+                <a:latin typeface="Arial" panose="020B0604020202020204" pitchFamily="34" charset="0"/>
+              </a:defRPr>
+            </a:lvl8pPr>
+            <a:lvl9pPr marL="3886200" indent="-228600" eaLnBrk="0" fontAlgn="base" hangingPunct="0">
+              <a:spcBef>
+                <a:spcPct val="20000"/>
+              </a:spcBef>
+              <a:spcAft>
+                <a:spcPct val="0"/>
+              </a:spcAft>
+              <a:buClr>
+                <a:schemeClr val="accent1"/>
+              </a:buClr>
+              <a:buFont typeface="Wingdings" panose="05000000000000000000" pitchFamily="2" charset="2"/>
+              <a:buChar char=""/>
+              <a:defRPr sz="2000">
+                <a:solidFill>
+                  <a:schemeClr val="tx1"/>
+                </a:solidFill>
+                <a:latin typeface="Arial" panose="020B0604020202020204" pitchFamily="34" charset="0"/>
+              </a:defRPr>
+            </a:lvl9pPr>
+          </a:lstStyle>
+          <a:p>
+            <a:pPr>
+              <a:spcBef>
+                <a:spcPct val="50000"/>
+              </a:spcBef>
+              <a:buClrTx/>
+              <a:buFontTx/>
+              <a:buNone/>
+            </a:pPr>
+            <a:endParaRPr lang="sr-Latn-CS" altLang="en-US" sz="2400">
+              <a:latin typeface="Times New Roman" panose="02020603050405020304" pitchFamily="18" charset="0"/>
+            </a:endParaRPr>
+          </a:p>
+        </p:txBody>
+      </p:sp>
+      <p:sp>
+        <p:nvSpPr>
+          <p:cNvPr id="5123" name="Text Box 3"/>
+          <p:cNvSpPr txBox="1">
+            <a:spLocks noChangeArrowheads="1"/>
+          </p:cNvSpPr>
+          <p:nvPr/>
+        </p:nvSpPr>
+        <p:spPr bwMode="auto">
+          <a:xfrm>
+            <a:off x="685800" y="838200"/>
+            <a:ext cx="7620000" cy="457200"/>
+          </a:xfrm>
+          <a:prstGeom prst="rect">
+            <a:avLst/>
+          </a:prstGeom>
+          <a:noFill/>
+          <a:ln>
+            <a:noFill/>
+          </a:ln>
+          <a:extLst>
+            <a:ext uri="{909E8E84-426E-40DD-AFC4-6F175D3DCCD1}">
+              <a14:hiddenFill xmlns:a14="http://schemas.microsoft.com/office/drawing/2010/main">
+                <a:solidFill>
+                  <a:srgbClr val="FFFFFF"/>
+                </a:solidFill>
+              </a14:hiddenFill>
+            </a:ext>
+            <a:ext uri="{91240B29-F687-4F45-9708-019B960494DF}">
+              <a14:hiddenLine xmlns:a14="http://schemas.microsoft.com/office/drawing/2010/main" w="12700">
+                <a:solidFill>
+                  <a:srgbClr val="000000"/>
+                </a:solidFill>
+                <a:miter lim="800000"/>
+                <a:headEnd/>
+                <a:tailEnd/>
+              </a14:hiddenLine>
+            </a:ext>
+          </a:extLst>
+        </p:spPr>
+        <p:txBody>
+          <a:bodyPr>
+            <a:spAutoFit/>
+          </a:bodyPr>
+          <a:lstStyle>
+            <a:lvl1pPr>
+              <a:spcBef>
+                <a:spcPct val="20000"/>
+              </a:spcBef>
+              <a:buClr>
+                <a:schemeClr val="accent1"/>
+              </a:buClr>
+              <a:buFont typeface="Wingdings" panose="05000000000000000000" pitchFamily="2" charset="2"/>
+              <a:buChar char="l"/>
+              <a:defRPr sz="3200">
+                <a:solidFill>
+                  <a:schemeClr val="tx1"/>
+                </a:solidFill>
+                <a:latin typeface="Arial" panose="020B0604020202020204" pitchFamily="34" charset="0"/>
+              </a:defRPr>
+            </a:lvl1pPr>
+            <a:lvl2pPr marL="742950" indent="-285750">
+              <a:spcBef>
+                <a:spcPct val="20000"/>
+              </a:spcBef>
+              <a:buClr>
+                <a:schemeClr val="accent1"/>
+              </a:buClr>
+              <a:buFont typeface="Wingdings" panose="05000000000000000000" pitchFamily="2" charset="2"/>
+              <a:buChar char="¡"/>
+              <a:defRPr sz="2700">
+                <a:solidFill>
+                  <a:schemeClr val="tx1"/>
+                </a:solidFill>
+                <a:latin typeface="Arial" panose="020B0604020202020204" pitchFamily="34" charset="0"/>
+              </a:defRPr>
+            </a:lvl2pPr>
+            <a:lvl3pPr marL="1143000" indent="-228600">
+              <a:spcBef>
+                <a:spcPct val="20000"/>
+              </a:spcBef>
+              <a:buClr>
+                <a:schemeClr val="accent1"/>
+              </a:buClr>
+              <a:buFont typeface="Wingdings" panose="05000000000000000000" pitchFamily="2" charset="2"/>
+              <a:buChar char="l"/>
+              <a:defRPr sz="2300">
+                <a:solidFill>
+                  <a:schemeClr val="tx1"/>
+                </a:solidFill>
+                <a:latin typeface="Arial" panose="020B0604020202020204" pitchFamily="34" charset="0"/>
+              </a:defRPr>
+            </a:lvl3pPr>
+            <a:lvl4pPr marL="1600200" indent="-228600">
+              <a:spcBef>
+                <a:spcPct val="20000"/>
+              </a:spcBef>
+              <a:buClr>
+                <a:schemeClr val="accent1"/>
+              </a:buClr>
+              <a:buChar char="•"/>
+              <a:defRPr sz="2000">
+                <a:solidFill>
+                  <a:schemeClr val="tx1"/>
+                </a:solidFill>
+                <a:latin typeface="Arial" panose="020B0604020202020204" pitchFamily="34" charset="0"/>
+              </a:defRPr>
+            </a:lvl4pPr>
+            <a:lvl5pPr marL="2057400" indent="-228600">
+              <a:spcBef>
+                <a:spcPct val="20000"/>
+              </a:spcBef>
+              <a:buClr>
+                <a:schemeClr val="accent1"/>
+              </a:buClr>
+              <a:buFont typeface="Wingdings" panose="05000000000000000000" pitchFamily="2" charset="2"/>
+              <a:buChar char=""/>
+              <a:defRPr sz="2000">
+                <a:solidFill>
+                  <a:schemeClr val="tx1"/>
+                </a:solidFill>
+                <a:latin typeface="Arial" panose="020B0604020202020204" pitchFamily="34" charset="0"/>
+              </a:defRPr>
+            </a:lvl5pPr>
+            <a:lvl6pPr marL="2514600" indent="-228600" eaLnBrk="0" fontAlgn="base" hangingPunct="0">
+              <a:spcBef>
+                <a:spcPct val="20000"/>
+              </a:spcBef>
+              <a:spcAft>
+                <a:spcPct val="0"/>
+              </a:spcAft>
+              <a:buClr>
+                <a:schemeClr val="accent1"/>
+              </a:buClr>
+              <a:buFont typeface="Wingdings" panose="05000000000000000000" pitchFamily="2" charset="2"/>
+              <a:buChar char=""/>
+              <a:defRPr sz="2000">
+                <a:solidFill>
+                  <a:schemeClr val="tx1"/>
+                </a:solidFill>
+                <a:latin typeface="Arial" panose="020B0604020202020204" pitchFamily="34" charset="0"/>
+              </a:defRPr>
+            </a:lvl6pPr>
+            <a:lvl7pPr marL="2971800" indent="-228600" eaLnBrk="0" fontAlgn="base" hangingPunct="0">
+              <a:spcBef>
+                <a:spcPct val="20000"/>
+              </a:spcBef>
+              <a:spcAft>
+                <a:spcPct val="0"/>
+              </a:spcAft>
+              <a:buClr>
+                <a:schemeClr val="accent1"/>
+              </a:buClr>
+              <a:buFont typeface="Wingdings" panose="05000000000000000000" pitchFamily="2" charset="2"/>
+              <a:buChar char=""/>
+              <a:defRPr sz="2000">
+                <a:solidFill>
+                  <a:schemeClr val="tx1"/>
+                </a:solidFill>
+                <a:latin typeface="Arial" panose="020B0604020202020204" pitchFamily="34" charset="0"/>
+              </a:defRPr>
+            </a:lvl7pPr>
+            <a:lvl8pPr marL="3429000" indent="-228600" eaLnBrk="0" fontAlgn="base" hangingPunct="0">
+              <a:spcBef>
+                <a:spcPct val="20000"/>
+              </a:spcBef>
+              <a:spcAft>
+                <a:spcPct val="0"/>
+              </a:spcAft>
+              <a:buClr>
+                <a:schemeClr val="accent1"/>
+              </a:buClr>
+              <a:buFont typeface="Wingdings" panose="05000000000000000000" pitchFamily="2" charset="2"/>
+              <a:buChar char=""/>
+              <a:defRPr sz="2000">
+                <a:solidFill>
+                  <a:schemeClr val="tx1"/>
+                </a:solidFill>
+                <a:latin typeface="Arial" panose="020B0604020202020204" pitchFamily="34" charset="0"/>
+              </a:defRPr>
+            </a:lvl8pPr>
+            <a:lvl9pPr marL="3886200" indent="-228600" eaLnBrk="0" fontAlgn="base" hangingPunct="0">
+              <a:spcBef>
+                <a:spcPct val="20000"/>
+              </a:spcBef>
+              <a:spcAft>
+                <a:spcPct val="0"/>
+              </a:spcAft>
+              <a:buClr>
+                <a:schemeClr val="accent1"/>
+              </a:buClr>
+              <a:buFont typeface="Wingdings" panose="05000000000000000000" pitchFamily="2" charset="2"/>
+              <a:buChar char=""/>
+              <a:defRPr sz="2000">
+                <a:solidFill>
+                  <a:schemeClr val="tx1"/>
+                </a:solidFill>
+                <a:latin typeface="Arial" panose="020B0604020202020204" pitchFamily="34" charset="0"/>
+              </a:defRPr>
+            </a:lvl9pPr>
+          </a:lstStyle>
+          <a:p>
+            <a:pPr>
+              <a:spcBef>
+                <a:spcPct val="50000"/>
+              </a:spcBef>
+              <a:buClrTx/>
+              <a:buFontTx/>
+              <a:buNone/>
+            </a:pPr>
+            <a:endParaRPr lang="sr-Latn-CS" altLang="en-US" sz="2400">
+              <a:latin typeface="Times New Roman" panose="02020603050405020304" pitchFamily="18" charset="0"/>
+            </a:endParaRPr>
+          </a:p>
+        </p:txBody>
+      </p:sp>
+      <p:sp>
+        <p:nvSpPr>
+          <p:cNvPr id="18437" name="Rectangle 5"/>
+          <p:cNvSpPr>
+            <a:spLocks noChangeArrowheads="1"/>
+          </p:cNvSpPr>
+          <p:nvPr/>
+        </p:nvSpPr>
+        <p:spPr bwMode="auto">
+          <a:xfrm>
+            <a:off x="655638" y="1412875"/>
+            <a:ext cx="8380412" cy="3647152"/>
+          </a:xfrm>
+          <a:prstGeom prst="rect">
+            <a:avLst/>
+          </a:prstGeom>
+          <a:noFill/>
+          <a:ln>
+            <a:noFill/>
+          </a:ln>
+          <a:extLst>
+            <a:ext uri="{909E8E84-426E-40DD-AFC4-6F175D3DCCD1}">
+              <a14:hiddenFill xmlns:a14="http://schemas.microsoft.com/office/drawing/2010/main">
+                <a:solidFill>
+                  <a:srgbClr val="FFFFFF"/>
+                </a:solidFill>
+              </a14:hiddenFill>
+            </a:ext>
+            <a:ext uri="{91240B29-F687-4F45-9708-019B960494DF}">
+              <a14:hiddenLine xmlns:a14="http://schemas.microsoft.com/office/drawing/2010/main" w="12700">
+                <a:solidFill>
+                  <a:srgbClr val="000000"/>
+                </a:solidFill>
+                <a:miter lim="800000"/>
+                <a:headEnd/>
+                <a:tailEnd/>
+              </a14:hiddenLine>
+            </a:ext>
+          </a:extLst>
+        </p:spPr>
+        <p:txBody>
+          <a:bodyPr>
+            <a:spAutoFit/>
+          </a:bodyPr>
+          <a:lstStyle/>
+          <a:p>
+            <a:pPr marL="342900" indent="-342900">
+              <a:spcAft>
+                <a:spcPts val="600"/>
+              </a:spcAft>
+              <a:buFont typeface="Arial" panose="020B0604020202020204" pitchFamily="34" charset="0"/>
+              <a:buChar char="•"/>
+              <a:defRPr/>
+            </a:pPr>
+            <a:r>
+              <a:rPr lang="sr-Cyrl-RS" dirty="0" smtClean="0">
+                <a:solidFill>
+                  <a:schemeClr val="tx1"/>
+                </a:solidFill>
+                <a:latin typeface="Garamond" panose="02020404030301010803" pitchFamily="18" charset="0"/>
+              </a:rPr>
+              <a:t>Класа</a:t>
+            </a:r>
+            <a:r>
+              <a:rPr lang="en-US" dirty="0" smtClean="0">
+                <a:solidFill>
+                  <a:schemeClr val="tx1"/>
+                </a:solidFill>
+                <a:latin typeface="Garamond" panose="02020404030301010803" pitchFamily="18" charset="0"/>
+              </a:rPr>
+              <a:t> </a:t>
+            </a:r>
+            <a:r>
+              <a:rPr lang="en-US" sz="2000" dirty="0" err="1">
+                <a:solidFill>
+                  <a:schemeClr val="tx1"/>
+                </a:solidFill>
+                <a:latin typeface="+mn-lt"/>
+              </a:rPr>
+              <a:t>java.lang.Math</a:t>
+            </a:r>
+            <a:r>
+              <a:rPr lang="en-US" dirty="0">
+                <a:solidFill>
+                  <a:schemeClr val="tx1"/>
+                </a:solidFill>
+                <a:latin typeface="Garamond" panose="02020404030301010803" pitchFamily="18" charset="0"/>
+              </a:rPr>
+              <a:t> </a:t>
+            </a:r>
+            <a:r>
+              <a:rPr lang="sr-Cyrl-RS" dirty="0" smtClean="0">
+                <a:solidFill>
+                  <a:schemeClr val="tx1"/>
+                </a:solidFill>
+                <a:latin typeface="Garamond" panose="02020404030301010803" pitchFamily="18" charset="0"/>
+              </a:rPr>
+              <a:t>садржи:</a:t>
+            </a:r>
+          </a:p>
+          <a:p>
+            <a:pPr marL="800100" lvl="1" indent="-342900">
+              <a:spcAft>
+                <a:spcPts val="600"/>
+              </a:spcAft>
+              <a:buFont typeface="Arial" panose="020B0604020202020204" pitchFamily="34" charset="0"/>
+              <a:buChar char="•"/>
+              <a:defRPr/>
+            </a:pPr>
+            <a:r>
+              <a:rPr lang="sr-Cyrl-RS" dirty="0" smtClean="0">
+                <a:solidFill>
+                  <a:schemeClr val="tx1"/>
+                </a:solidFill>
+                <a:latin typeface="Garamond" panose="02020404030301010803" pitchFamily="18" charset="0"/>
+              </a:rPr>
+              <a:t>математичке константе </a:t>
+            </a:r>
+            <a:r>
+              <a:rPr lang="sr-Cyrl-RS" sz="2000" dirty="0" smtClean="0">
+                <a:solidFill>
+                  <a:schemeClr val="tx1"/>
+                </a:solidFill>
+                <a:latin typeface="+mn-lt"/>
+              </a:rPr>
+              <a:t>е</a:t>
+            </a:r>
+            <a:r>
+              <a:rPr lang="sr-Cyrl-RS" dirty="0" smtClean="0">
+                <a:solidFill>
+                  <a:schemeClr val="tx1"/>
+                </a:solidFill>
+                <a:latin typeface="Garamond" panose="02020404030301010803" pitchFamily="18" charset="0"/>
+              </a:rPr>
+              <a:t> и </a:t>
+            </a:r>
+            <a:r>
+              <a:rPr lang="el-GR" b="1" dirty="0" smtClean="0">
+                <a:solidFill>
+                  <a:schemeClr val="tx1"/>
+                </a:solidFill>
+                <a:latin typeface="Garamond" panose="02020404030301010803" pitchFamily="18" charset="0"/>
+              </a:rPr>
+              <a:t>π</a:t>
+            </a:r>
+            <a:r>
+              <a:rPr lang="sr-Cyrl-RS" dirty="0" smtClean="0">
+                <a:solidFill>
+                  <a:schemeClr val="tx1"/>
+                </a:solidFill>
+                <a:latin typeface="Garamond" panose="02020404030301010803" pitchFamily="18" charset="0"/>
+              </a:rPr>
+              <a:t>, исказане као бројеве у покретном зарезу двоструке тачности (64 бита по формату </a:t>
+            </a:r>
+            <a:r>
+              <a:rPr lang="en-US" dirty="0" smtClean="0">
+                <a:solidFill>
+                  <a:schemeClr val="tx1"/>
+                </a:solidFill>
+                <a:latin typeface="Garamond" panose="02020404030301010803" pitchFamily="18" charset="0"/>
+              </a:rPr>
+              <a:t>IEEE 754</a:t>
+            </a:r>
+            <a:r>
+              <a:rPr lang="sr-Cyrl-RS" dirty="0" smtClean="0">
+                <a:solidFill>
+                  <a:schemeClr val="tx1"/>
+                </a:solidFill>
+                <a:latin typeface="Garamond" panose="02020404030301010803" pitchFamily="18" charset="0"/>
+              </a:rPr>
+              <a:t>)</a:t>
+            </a:r>
+          </a:p>
+          <a:p>
+            <a:pPr marL="800100" lvl="1" indent="-342900">
+              <a:spcAft>
+                <a:spcPts val="600"/>
+              </a:spcAft>
+              <a:buFont typeface="Arial" panose="020B0604020202020204" pitchFamily="34" charset="0"/>
+              <a:buChar char="•"/>
+              <a:defRPr/>
+            </a:pPr>
+            <a:r>
+              <a:rPr lang="sr-Cyrl-RS" dirty="0" smtClean="0">
+                <a:solidFill>
+                  <a:schemeClr val="tx1"/>
+                </a:solidFill>
+                <a:latin typeface="Garamond" panose="02020404030301010803" pitchFamily="18" charset="0"/>
+              </a:rPr>
+              <a:t>методе за реализацију основних математичких операција, као што су експоненцијалне и логаритамске функције, степеновање, тригонометрија и сл.</a:t>
+            </a:r>
+          </a:p>
+          <a:p>
+            <a:pPr marL="800100" lvl="1" indent="-342900">
+              <a:spcAft>
+                <a:spcPts val="600"/>
+              </a:spcAft>
+              <a:buFont typeface="Arial" panose="020B0604020202020204" pitchFamily="34" charset="0"/>
+              <a:buChar char="•"/>
+              <a:defRPr/>
+            </a:pPr>
+            <a:r>
+              <a:rPr lang="sr-Cyrl-RS" dirty="0">
+                <a:solidFill>
+                  <a:schemeClr val="tx1"/>
+                </a:solidFill>
+                <a:latin typeface="Garamond" panose="02020404030301010803" pitchFamily="18" charset="0"/>
+              </a:rPr>
+              <a:t>м</a:t>
+            </a:r>
+            <a:r>
+              <a:rPr lang="sr-Cyrl-RS" dirty="0" smtClean="0">
+                <a:solidFill>
+                  <a:schemeClr val="tx1"/>
+                </a:solidFill>
+                <a:latin typeface="Garamond" panose="02020404030301010803" pitchFamily="18" charset="0"/>
+              </a:rPr>
+              <a:t>етоде за генерисање псеудо-случајних бројева из интервала </a:t>
+            </a:r>
+            <a:r>
+              <a:rPr lang="en-US" b="1" dirty="0" smtClean="0">
+                <a:solidFill>
+                  <a:schemeClr val="tx1"/>
+                </a:solidFill>
+                <a:latin typeface="Garamond" panose="02020404030301010803" pitchFamily="18" charset="0"/>
+              </a:rPr>
+              <a:t>[</a:t>
+            </a:r>
+            <a:r>
+              <a:rPr lang="sr-Cyrl-RS" b="1" dirty="0" smtClean="0">
+                <a:solidFill>
+                  <a:schemeClr val="tx1"/>
+                </a:solidFill>
+                <a:latin typeface="Garamond" panose="02020404030301010803" pitchFamily="18" charset="0"/>
+              </a:rPr>
+              <a:t>0,1)</a:t>
+            </a:r>
+            <a:r>
+              <a:rPr lang="en-US" b="1" dirty="0" smtClean="0">
+                <a:solidFill>
+                  <a:schemeClr val="tx1"/>
+                </a:solidFill>
+                <a:latin typeface="Garamond" panose="02020404030301010803" pitchFamily="18" charset="0"/>
+              </a:rPr>
+              <a:t> </a:t>
+            </a:r>
+            <a:r>
+              <a:rPr lang="sr-Cyrl-RS" dirty="0" smtClean="0">
+                <a:solidFill>
+                  <a:schemeClr val="tx1"/>
+                </a:solidFill>
+                <a:latin typeface="Garamond" panose="02020404030301010803" pitchFamily="18" charset="0"/>
+              </a:rPr>
+              <a:t>по униформној расподели</a:t>
+            </a:r>
+          </a:p>
+        </p:txBody>
+      </p:sp>
+      <p:sp>
+        <p:nvSpPr>
+          <p:cNvPr id="6" name="Title 1"/>
+          <p:cNvSpPr txBox="1">
+            <a:spLocks/>
+          </p:cNvSpPr>
+          <p:nvPr/>
+        </p:nvSpPr>
+        <p:spPr>
+          <a:xfrm>
+            <a:off x="1403350" y="538163"/>
+            <a:ext cx="7751763" cy="868362"/>
+          </a:xfrm>
+          <a:prstGeom prst="rect">
+            <a:avLst/>
+          </a:prstGeom>
+        </p:spPr>
+        <p:txBody>
+          <a:bodyPr/>
+          <a:lstStyle>
+            <a:lvl1pPr algn="l" rtl="0" eaLnBrk="0" fontAlgn="base" hangingPunct="0">
+              <a:spcBef>
+                <a:spcPct val="0"/>
+              </a:spcBef>
+              <a:spcAft>
+                <a:spcPct val="0"/>
+              </a:spcAft>
+              <a:defRPr sz="3800">
+                <a:solidFill>
+                  <a:schemeClr val="tx2"/>
+                </a:solidFill>
+                <a:latin typeface="+mj-lt"/>
+                <a:ea typeface="+mj-ea"/>
+                <a:cs typeface="+mj-cs"/>
+              </a:defRPr>
+            </a:lvl1pPr>
+            <a:lvl2pPr algn="l" rtl="0" eaLnBrk="0" fontAlgn="base" hangingPunct="0">
+              <a:spcBef>
+                <a:spcPct val="0"/>
+              </a:spcBef>
+              <a:spcAft>
+                <a:spcPct val="0"/>
+              </a:spcAft>
+              <a:defRPr sz="3800">
+                <a:solidFill>
+                  <a:schemeClr val="tx2"/>
+                </a:solidFill>
+                <a:latin typeface="Arial" charset="0"/>
+              </a:defRPr>
+            </a:lvl2pPr>
+            <a:lvl3pPr algn="l" rtl="0" eaLnBrk="0" fontAlgn="base" hangingPunct="0">
+              <a:spcBef>
+                <a:spcPct val="0"/>
+              </a:spcBef>
+              <a:spcAft>
+                <a:spcPct val="0"/>
+              </a:spcAft>
+              <a:defRPr sz="3800">
+                <a:solidFill>
+                  <a:schemeClr val="tx2"/>
+                </a:solidFill>
+                <a:latin typeface="Arial" charset="0"/>
+              </a:defRPr>
+            </a:lvl3pPr>
+            <a:lvl4pPr algn="l" rtl="0" eaLnBrk="0" fontAlgn="base" hangingPunct="0">
+              <a:spcBef>
+                <a:spcPct val="0"/>
+              </a:spcBef>
+              <a:spcAft>
+                <a:spcPct val="0"/>
+              </a:spcAft>
+              <a:defRPr sz="3800">
+                <a:solidFill>
+                  <a:schemeClr val="tx2"/>
+                </a:solidFill>
+                <a:latin typeface="Arial" charset="0"/>
+              </a:defRPr>
+            </a:lvl4pPr>
+            <a:lvl5pPr algn="l" rtl="0" eaLnBrk="0" fontAlgn="base" hangingPunct="0">
+              <a:spcBef>
+                <a:spcPct val="0"/>
+              </a:spcBef>
+              <a:spcAft>
+                <a:spcPct val="0"/>
+              </a:spcAft>
+              <a:defRPr sz="3800">
+                <a:solidFill>
+                  <a:schemeClr val="tx2"/>
+                </a:solidFill>
+                <a:latin typeface="Arial" charset="0"/>
+              </a:defRPr>
+            </a:lvl5pPr>
+            <a:lvl6pPr marL="457200" algn="l" rtl="0" fontAlgn="base">
+              <a:spcBef>
+                <a:spcPct val="0"/>
+              </a:spcBef>
+              <a:spcAft>
+                <a:spcPct val="0"/>
+              </a:spcAft>
+              <a:defRPr sz="3800">
+                <a:solidFill>
+                  <a:schemeClr val="tx2"/>
+                </a:solidFill>
+                <a:latin typeface="Arial" charset="0"/>
+              </a:defRPr>
+            </a:lvl6pPr>
+            <a:lvl7pPr marL="914400" algn="l" rtl="0" fontAlgn="base">
+              <a:spcBef>
+                <a:spcPct val="0"/>
+              </a:spcBef>
+              <a:spcAft>
+                <a:spcPct val="0"/>
+              </a:spcAft>
+              <a:defRPr sz="3800">
+                <a:solidFill>
+                  <a:schemeClr val="tx2"/>
+                </a:solidFill>
+                <a:latin typeface="Arial" charset="0"/>
+              </a:defRPr>
+            </a:lvl7pPr>
+            <a:lvl8pPr marL="1371600" algn="l" rtl="0" fontAlgn="base">
+              <a:spcBef>
+                <a:spcPct val="0"/>
+              </a:spcBef>
+              <a:spcAft>
+                <a:spcPct val="0"/>
+              </a:spcAft>
+              <a:defRPr sz="3800">
+                <a:solidFill>
+                  <a:schemeClr val="tx2"/>
+                </a:solidFill>
+                <a:latin typeface="Arial" charset="0"/>
+              </a:defRPr>
+            </a:lvl8pPr>
+            <a:lvl9pPr marL="1828800" algn="l" rtl="0" fontAlgn="base">
+              <a:spcBef>
+                <a:spcPct val="0"/>
+              </a:spcBef>
+              <a:spcAft>
+                <a:spcPct val="0"/>
+              </a:spcAft>
+              <a:defRPr sz="3800">
+                <a:solidFill>
+                  <a:schemeClr val="tx2"/>
+                </a:solidFill>
+                <a:latin typeface="Arial" charset="0"/>
+              </a:defRPr>
+            </a:lvl9pPr>
+          </a:lstStyle>
+          <a:p>
+            <a:pPr>
+              <a:defRPr/>
+            </a:pPr>
+            <a:r>
+              <a:rPr lang="sr-Cyrl-RS" sz="3600" b="1" kern="0" dirty="0" smtClean="0">
+                <a:solidFill>
+                  <a:srgbClr val="0070C0"/>
+                </a:solidFill>
+              </a:rPr>
+              <a:t>Клас</a:t>
+            </a:r>
+            <a:r>
+              <a:rPr lang="sr-Cyrl-RS" sz="3600" b="1" kern="0" dirty="0">
+                <a:solidFill>
+                  <a:srgbClr val="0070C0"/>
+                </a:solidFill>
+              </a:rPr>
+              <a:t>а</a:t>
+            </a:r>
+            <a:r>
+              <a:rPr lang="sr-Cyrl-RS" sz="3600" b="1" kern="0" dirty="0" smtClean="0">
+                <a:solidFill>
+                  <a:srgbClr val="0070C0"/>
+                </a:solidFill>
+              </a:rPr>
+              <a:t> </a:t>
+            </a:r>
+            <a:r>
+              <a:rPr lang="en-US" sz="3600" b="1" kern="0" dirty="0" smtClean="0">
+                <a:solidFill>
+                  <a:srgbClr val="0070C0"/>
+                </a:solidFill>
+              </a:rPr>
+              <a:t>Math</a:t>
+            </a:r>
+          </a:p>
+        </p:txBody>
+      </p:sp>
+    </p:spTree>
+    <p:extLst>
+      <p:ext uri="{BB962C8B-B14F-4D97-AF65-F5344CB8AC3E}">
+        <p14:creationId xmlns:p14="http://schemas.microsoft.com/office/powerpoint/2010/main" val="4057926643"/>
+      </p:ext>
+    </p:extLst>
+  </p:cSld>
+  <p:clrMapOvr>
+    <a:masterClrMapping/>
+  </p:clrMapOvr>
+  <p:timing>
+    <p:tnLst>
+      <p:par>
+        <p:cTn id="1" dur="indefinite" restart="never" nodeType="tmRoot">
+          <p:childTnLst>
+            <p:seq concurrent="1" nextAc="seek">
+              <p:cTn id="2" dur="indefinite" nodeType="mainSeq">
+                <p:childTnLst>
+                  <p:par>
+                    <p:cTn id="3" fill="hold">
+                      <p:stCondLst>
+                        <p:cond delay="indefinite"/>
+                      </p:stCondLst>
+                      <p:childTnLst>
+                        <p:par>
+                          <p:cTn id="4" fill="hold">
+                            <p:stCondLst>
+                              <p:cond delay="0"/>
+                            </p:stCondLst>
+                            <p:childTnLst>
+                              <p:par>
+                                <p:cTn id="5" presetID="10" presetClass="entr" presetSubtype="0" fill="hold" nodeType="clickEffect">
+                                  <p:stCondLst>
+                                    <p:cond delay="0"/>
+                                  </p:stCondLst>
+                                  <p:childTnLst>
+                                    <p:set>
+                                      <p:cBhvr>
+                                        <p:cTn id="6" dur="1" fill="hold">
+                                          <p:stCondLst>
+                                            <p:cond delay="0"/>
+                                          </p:stCondLst>
+                                        </p:cTn>
+                                        <p:tgtEl>
+                                          <p:spTgt spid="18437">
+                                            <p:txEl>
+                                              <p:pRg st="0" end="0"/>
+                                            </p:txEl>
+                                          </p:spTgt>
+                                        </p:tgtEl>
+                                        <p:attrNameLst>
+                                          <p:attrName>style.visibility</p:attrName>
+                                        </p:attrNameLst>
+                                      </p:cBhvr>
+                                      <p:to>
+                                        <p:strVal val="visible"/>
+                                      </p:to>
+                                    </p:set>
+                                    <p:animEffect transition="in" filter="fade">
+                                      <p:cBhvr>
+                                        <p:cTn id="7" dur="500"/>
+                                        <p:tgtEl>
+                                          <p:spTgt spid="18437">
+                                            <p:txEl>
+                                              <p:pRg st="0" end="0"/>
+                                            </p:txEl>
+                                          </p:spTgt>
+                                        </p:tgtEl>
+                                      </p:cBhvr>
+                                    </p:animEffect>
+                                  </p:childTnLst>
+                                </p:cTn>
+                              </p:par>
+                              <p:par>
+                                <p:cTn id="8" presetID="10" presetClass="entr" presetSubtype="0" fill="hold" nodeType="withEffect">
+                                  <p:stCondLst>
+                                    <p:cond delay="0"/>
+                                  </p:stCondLst>
+                                  <p:childTnLst>
+                                    <p:set>
+                                      <p:cBhvr>
+                                        <p:cTn id="9" dur="1" fill="hold">
+                                          <p:stCondLst>
+                                            <p:cond delay="0"/>
+                                          </p:stCondLst>
+                                        </p:cTn>
+                                        <p:tgtEl>
+                                          <p:spTgt spid="18437">
+                                            <p:txEl>
+                                              <p:pRg st="1" end="1"/>
+                                            </p:txEl>
+                                          </p:spTgt>
+                                        </p:tgtEl>
+                                        <p:attrNameLst>
+                                          <p:attrName>style.visibility</p:attrName>
+                                        </p:attrNameLst>
+                                      </p:cBhvr>
+                                      <p:to>
+                                        <p:strVal val="visible"/>
+                                      </p:to>
+                                    </p:set>
+                                    <p:animEffect transition="in" filter="fade">
+                                      <p:cBhvr>
+                                        <p:cTn id="10" dur="500"/>
+                                        <p:tgtEl>
+                                          <p:spTgt spid="18437">
+                                            <p:txEl>
+                                              <p:pRg st="1" end="1"/>
+                                            </p:txEl>
+                                          </p:spTgt>
+                                        </p:tgtEl>
+                                      </p:cBhvr>
+                                    </p:animEffect>
+                                  </p:childTnLst>
+                                </p:cTn>
+                              </p:par>
+                            </p:childTnLst>
+                          </p:cTn>
+                        </p:par>
+                      </p:childTnLst>
+                    </p:cTn>
+                  </p:par>
+                  <p:par>
+                    <p:cTn id="11" fill="hold">
+                      <p:stCondLst>
+                        <p:cond delay="indefinite"/>
+                      </p:stCondLst>
+                      <p:childTnLst>
+                        <p:par>
+                          <p:cTn id="12" fill="hold">
+                            <p:stCondLst>
+                              <p:cond delay="0"/>
+                            </p:stCondLst>
+                            <p:childTnLst>
+                              <p:par>
+                                <p:cTn id="13" presetID="10" presetClass="entr" presetSubtype="0" fill="hold" nodeType="clickEffect">
+                                  <p:stCondLst>
+                                    <p:cond delay="0"/>
+                                  </p:stCondLst>
+                                  <p:childTnLst>
+                                    <p:set>
+                                      <p:cBhvr>
+                                        <p:cTn id="14" dur="1" fill="hold">
+                                          <p:stCondLst>
+                                            <p:cond delay="0"/>
+                                          </p:stCondLst>
+                                        </p:cTn>
+                                        <p:tgtEl>
+                                          <p:spTgt spid="18437">
+                                            <p:txEl>
+                                              <p:pRg st="2" end="2"/>
+                                            </p:txEl>
+                                          </p:spTgt>
+                                        </p:tgtEl>
+                                        <p:attrNameLst>
+                                          <p:attrName>style.visibility</p:attrName>
+                                        </p:attrNameLst>
+                                      </p:cBhvr>
+                                      <p:to>
+                                        <p:strVal val="visible"/>
+                                      </p:to>
+                                    </p:set>
+                                    <p:animEffect transition="in" filter="fade">
+                                      <p:cBhvr>
+                                        <p:cTn id="15" dur="500"/>
+                                        <p:tgtEl>
+                                          <p:spTgt spid="18437">
+                                            <p:txEl>
+                                              <p:pRg st="2" end="2"/>
+                                            </p:txEl>
+                                          </p:spTgt>
+                                        </p:tgtEl>
+                                      </p:cBhvr>
+                                    </p:animEffect>
+                                  </p:childTnLst>
+                                </p:cTn>
+                              </p:par>
+                            </p:childTnLst>
+                          </p:cTn>
+                        </p:par>
+                      </p:childTnLst>
+                    </p:cTn>
+                  </p:par>
+                  <p:par>
+                    <p:cTn id="16" fill="hold">
+                      <p:stCondLst>
+                        <p:cond delay="indefinite"/>
+                      </p:stCondLst>
+                      <p:childTnLst>
+                        <p:par>
+                          <p:cTn id="17" fill="hold">
+                            <p:stCondLst>
+                              <p:cond delay="0"/>
+                            </p:stCondLst>
+                            <p:childTnLst>
+                              <p:par>
+                                <p:cTn id="18" presetID="10" presetClass="entr" presetSubtype="0" fill="hold" nodeType="clickEffect">
+                                  <p:stCondLst>
+                                    <p:cond delay="0"/>
+                                  </p:stCondLst>
+                                  <p:childTnLst>
+                                    <p:set>
+                                      <p:cBhvr>
+                                        <p:cTn id="19" dur="1" fill="hold">
+                                          <p:stCondLst>
+                                            <p:cond delay="0"/>
+                                          </p:stCondLst>
+                                        </p:cTn>
+                                        <p:tgtEl>
+                                          <p:spTgt spid="18437">
+                                            <p:txEl>
+                                              <p:pRg st="3" end="3"/>
+                                            </p:txEl>
+                                          </p:spTgt>
+                                        </p:tgtEl>
+                                        <p:attrNameLst>
+                                          <p:attrName>style.visibility</p:attrName>
+                                        </p:attrNameLst>
+                                      </p:cBhvr>
+                                      <p:to>
+                                        <p:strVal val="visible"/>
+                                      </p:to>
+                                    </p:set>
+                                    <p:animEffect transition="in" filter="fade">
+                                      <p:cBhvr>
+                                        <p:cTn id="20" dur="500"/>
+                                        <p:tgtEl>
+                                          <p:spTgt spid="18437">
+                                            <p:txEl>
+                                              <p:pRg st="3" end="3"/>
+                                            </p:txEl>
+                                          </p:spTgt>
+                                        </p:tgtEl>
+                                      </p:cBhvr>
+                                    </p:animEffect>
+                                  </p:childTnLst>
+                                </p:cTn>
+                              </p:par>
+                            </p:childTnLst>
+                          </p:cTn>
+                        </p:par>
+                      </p:childTnLst>
+                    </p:cTn>
+                  </p:par>
+                </p:childTnLst>
+              </p:cTn>
+              <p:prevCondLst>
+                <p:cond evt="onPrev" delay="0">
+                  <p:tgtEl>
+                    <p:sldTgt/>
+                  </p:tgtEl>
+                </p:cond>
+              </p:prevCondLst>
+              <p:nextCondLst>
+                <p:cond evt="onNext" delay="0">
+                  <p:tgtEl>
+                    <p:sldTgt/>
+                  </p:tgtEl>
+                </p:cond>
+              </p:nextCondLst>
+            </p:seq>
+          </p:childTnLst>
+        </p:cTn>
+      </p:par>
+    </p:tnLst>
+  </p:timing>
+</p:sld>
+</file>
+
+<file path=ppt/slides/slide21.xml><?xml version="1.0" encoding="utf-8"?>
+<p:sld xmlns:a="http://schemas.openxmlformats.org/drawingml/2006/main" xmlns:r="http://schemas.openxmlformats.org/officeDocument/2006/relationships" xmlns:p="http://schemas.openxmlformats.org/presentationml/2006/main">
+  <p:cSld>
+    <p:spTree>
+      <p:nvGrpSpPr>
+        <p:cNvPr id="1" name=""/>
+        <p:cNvGrpSpPr/>
+        <p:nvPr/>
+      </p:nvGrpSpPr>
+      <p:grpSpPr>
+        <a:xfrm>
+          <a:off x="0" y="0"/>
+          <a:ext cx="0" cy="0"/>
+          <a:chOff x="0" y="0"/>
+          <a:chExt cx="0" cy="0"/>
+        </a:xfrm>
+      </p:grpSpPr>
+      <p:sp>
+        <p:nvSpPr>
+          <p:cNvPr id="5122" name="Text Box 2"/>
+          <p:cNvSpPr txBox="1">
+            <a:spLocks noChangeArrowheads="1"/>
+          </p:cNvSpPr>
+          <p:nvPr/>
+        </p:nvSpPr>
+        <p:spPr bwMode="auto">
+          <a:xfrm>
+            <a:off x="1219200" y="685800"/>
+            <a:ext cx="6705600" cy="457200"/>
+          </a:xfrm>
+          <a:prstGeom prst="rect">
+            <a:avLst/>
+          </a:prstGeom>
+          <a:noFill/>
+          <a:ln>
+            <a:noFill/>
+          </a:ln>
+          <a:extLst>
+            <a:ext uri="{909E8E84-426E-40DD-AFC4-6F175D3DCCD1}">
+              <a14:hiddenFill xmlns:a14="http://schemas.microsoft.com/office/drawing/2010/main">
+                <a:solidFill>
+                  <a:srgbClr val="FFFFFF"/>
+                </a:solidFill>
+              </a14:hiddenFill>
+            </a:ext>
+            <a:ext uri="{91240B29-F687-4F45-9708-019B960494DF}">
+              <a14:hiddenLine xmlns:a14="http://schemas.microsoft.com/office/drawing/2010/main" w="12700">
+                <a:solidFill>
+                  <a:srgbClr val="000000"/>
+                </a:solidFill>
+                <a:miter lim="800000"/>
+                <a:headEnd/>
+                <a:tailEnd/>
+              </a14:hiddenLine>
+            </a:ext>
+          </a:extLst>
+        </p:spPr>
+        <p:txBody>
+          <a:bodyPr>
+            <a:spAutoFit/>
+          </a:bodyPr>
+          <a:lstStyle>
+            <a:lvl1pPr>
+              <a:spcBef>
+                <a:spcPct val="20000"/>
+              </a:spcBef>
+              <a:buClr>
+                <a:schemeClr val="accent1"/>
+              </a:buClr>
+              <a:buFont typeface="Wingdings" panose="05000000000000000000" pitchFamily="2" charset="2"/>
+              <a:buChar char="l"/>
+              <a:defRPr sz="3200">
+                <a:solidFill>
+                  <a:schemeClr val="tx1"/>
+                </a:solidFill>
+                <a:latin typeface="Arial" panose="020B0604020202020204" pitchFamily="34" charset="0"/>
+              </a:defRPr>
+            </a:lvl1pPr>
+            <a:lvl2pPr marL="742950" indent="-285750">
+              <a:spcBef>
+                <a:spcPct val="20000"/>
+              </a:spcBef>
+              <a:buClr>
+                <a:schemeClr val="accent1"/>
+              </a:buClr>
+              <a:buFont typeface="Wingdings" panose="05000000000000000000" pitchFamily="2" charset="2"/>
+              <a:buChar char="¡"/>
+              <a:defRPr sz="2700">
+                <a:solidFill>
+                  <a:schemeClr val="tx1"/>
+                </a:solidFill>
+                <a:latin typeface="Arial" panose="020B0604020202020204" pitchFamily="34" charset="0"/>
+              </a:defRPr>
+            </a:lvl2pPr>
+            <a:lvl3pPr marL="1143000" indent="-228600">
+              <a:spcBef>
+                <a:spcPct val="20000"/>
+              </a:spcBef>
+              <a:buClr>
+                <a:schemeClr val="accent1"/>
+              </a:buClr>
+              <a:buFont typeface="Wingdings" panose="05000000000000000000" pitchFamily="2" charset="2"/>
+              <a:buChar char="l"/>
+              <a:defRPr sz="2300">
+                <a:solidFill>
+                  <a:schemeClr val="tx1"/>
+                </a:solidFill>
+                <a:latin typeface="Arial" panose="020B0604020202020204" pitchFamily="34" charset="0"/>
+              </a:defRPr>
+            </a:lvl3pPr>
+            <a:lvl4pPr marL="1600200" indent="-228600">
+              <a:spcBef>
+                <a:spcPct val="20000"/>
+              </a:spcBef>
+              <a:buClr>
+                <a:schemeClr val="accent1"/>
+              </a:buClr>
+              <a:buChar char="•"/>
+              <a:defRPr sz="2000">
+                <a:solidFill>
+                  <a:schemeClr val="tx1"/>
+                </a:solidFill>
+                <a:latin typeface="Arial" panose="020B0604020202020204" pitchFamily="34" charset="0"/>
+              </a:defRPr>
+            </a:lvl4pPr>
+            <a:lvl5pPr marL="2057400" indent="-228600">
+              <a:spcBef>
+                <a:spcPct val="20000"/>
+              </a:spcBef>
+              <a:buClr>
+                <a:schemeClr val="accent1"/>
+              </a:buClr>
+              <a:buFont typeface="Wingdings" panose="05000000000000000000" pitchFamily="2" charset="2"/>
+              <a:buChar char=""/>
+              <a:defRPr sz="2000">
+                <a:solidFill>
+                  <a:schemeClr val="tx1"/>
+                </a:solidFill>
+                <a:latin typeface="Arial" panose="020B0604020202020204" pitchFamily="34" charset="0"/>
+              </a:defRPr>
+            </a:lvl5pPr>
+            <a:lvl6pPr marL="2514600" indent="-228600" eaLnBrk="0" fontAlgn="base" hangingPunct="0">
+              <a:spcBef>
+                <a:spcPct val="20000"/>
+              </a:spcBef>
+              <a:spcAft>
+                <a:spcPct val="0"/>
+              </a:spcAft>
+              <a:buClr>
+                <a:schemeClr val="accent1"/>
+              </a:buClr>
+              <a:buFont typeface="Wingdings" panose="05000000000000000000" pitchFamily="2" charset="2"/>
+              <a:buChar char=""/>
+              <a:defRPr sz="2000">
+                <a:solidFill>
+                  <a:schemeClr val="tx1"/>
+                </a:solidFill>
+                <a:latin typeface="Arial" panose="020B0604020202020204" pitchFamily="34" charset="0"/>
+              </a:defRPr>
+            </a:lvl6pPr>
+            <a:lvl7pPr marL="2971800" indent="-228600" eaLnBrk="0" fontAlgn="base" hangingPunct="0">
+              <a:spcBef>
+                <a:spcPct val="20000"/>
+              </a:spcBef>
+              <a:spcAft>
+                <a:spcPct val="0"/>
+              </a:spcAft>
+              <a:buClr>
+                <a:schemeClr val="accent1"/>
+              </a:buClr>
+              <a:buFont typeface="Wingdings" panose="05000000000000000000" pitchFamily="2" charset="2"/>
+              <a:buChar char=""/>
+              <a:defRPr sz="2000">
+                <a:solidFill>
+                  <a:schemeClr val="tx1"/>
+                </a:solidFill>
+                <a:latin typeface="Arial" panose="020B0604020202020204" pitchFamily="34" charset="0"/>
+              </a:defRPr>
+            </a:lvl7pPr>
+            <a:lvl8pPr marL="3429000" indent="-228600" eaLnBrk="0" fontAlgn="base" hangingPunct="0">
+              <a:spcBef>
+                <a:spcPct val="20000"/>
+              </a:spcBef>
+              <a:spcAft>
+                <a:spcPct val="0"/>
+              </a:spcAft>
+              <a:buClr>
+                <a:schemeClr val="accent1"/>
+              </a:buClr>
+              <a:buFont typeface="Wingdings" panose="05000000000000000000" pitchFamily="2" charset="2"/>
+              <a:buChar char=""/>
+              <a:defRPr sz="2000">
+                <a:solidFill>
+                  <a:schemeClr val="tx1"/>
+                </a:solidFill>
+                <a:latin typeface="Arial" panose="020B0604020202020204" pitchFamily="34" charset="0"/>
+              </a:defRPr>
+            </a:lvl8pPr>
+            <a:lvl9pPr marL="3886200" indent="-228600" eaLnBrk="0" fontAlgn="base" hangingPunct="0">
+              <a:spcBef>
+                <a:spcPct val="20000"/>
+              </a:spcBef>
+              <a:spcAft>
+                <a:spcPct val="0"/>
+              </a:spcAft>
+              <a:buClr>
+                <a:schemeClr val="accent1"/>
+              </a:buClr>
+              <a:buFont typeface="Wingdings" panose="05000000000000000000" pitchFamily="2" charset="2"/>
+              <a:buChar char=""/>
+              <a:defRPr sz="2000">
+                <a:solidFill>
+                  <a:schemeClr val="tx1"/>
+                </a:solidFill>
+                <a:latin typeface="Arial" panose="020B0604020202020204" pitchFamily="34" charset="0"/>
+              </a:defRPr>
+            </a:lvl9pPr>
+          </a:lstStyle>
+          <a:p>
+            <a:pPr>
+              <a:spcBef>
+                <a:spcPct val="50000"/>
+              </a:spcBef>
+              <a:buClrTx/>
+              <a:buFontTx/>
+              <a:buNone/>
+            </a:pPr>
+            <a:endParaRPr lang="sr-Latn-CS" altLang="en-US" sz="2400">
+              <a:latin typeface="Times New Roman" panose="02020603050405020304" pitchFamily="18" charset="0"/>
+            </a:endParaRPr>
+          </a:p>
+        </p:txBody>
+      </p:sp>
+      <p:sp>
+        <p:nvSpPr>
+          <p:cNvPr id="5123" name="Text Box 3"/>
+          <p:cNvSpPr txBox="1">
+            <a:spLocks noChangeArrowheads="1"/>
+          </p:cNvSpPr>
+          <p:nvPr/>
+        </p:nvSpPr>
+        <p:spPr bwMode="auto">
+          <a:xfrm>
+            <a:off x="685800" y="838200"/>
+            <a:ext cx="7620000" cy="457200"/>
+          </a:xfrm>
+          <a:prstGeom prst="rect">
+            <a:avLst/>
+          </a:prstGeom>
+          <a:noFill/>
+          <a:ln>
+            <a:noFill/>
+          </a:ln>
+          <a:extLst>
+            <a:ext uri="{909E8E84-426E-40DD-AFC4-6F175D3DCCD1}">
+              <a14:hiddenFill xmlns:a14="http://schemas.microsoft.com/office/drawing/2010/main">
+                <a:solidFill>
+                  <a:srgbClr val="FFFFFF"/>
+                </a:solidFill>
+              </a14:hiddenFill>
+            </a:ext>
+            <a:ext uri="{91240B29-F687-4F45-9708-019B960494DF}">
+              <a14:hiddenLine xmlns:a14="http://schemas.microsoft.com/office/drawing/2010/main" w="12700">
+                <a:solidFill>
+                  <a:srgbClr val="000000"/>
+                </a:solidFill>
+                <a:miter lim="800000"/>
+                <a:headEnd/>
+                <a:tailEnd/>
+              </a14:hiddenLine>
+            </a:ext>
+          </a:extLst>
+        </p:spPr>
+        <p:txBody>
+          <a:bodyPr>
+            <a:spAutoFit/>
+          </a:bodyPr>
+          <a:lstStyle>
+            <a:lvl1pPr>
+              <a:spcBef>
+                <a:spcPct val="20000"/>
+              </a:spcBef>
+              <a:buClr>
+                <a:schemeClr val="accent1"/>
+              </a:buClr>
+              <a:buFont typeface="Wingdings" panose="05000000000000000000" pitchFamily="2" charset="2"/>
+              <a:buChar char="l"/>
+              <a:defRPr sz="3200">
+                <a:solidFill>
+                  <a:schemeClr val="tx1"/>
+                </a:solidFill>
+                <a:latin typeface="Arial" panose="020B0604020202020204" pitchFamily="34" charset="0"/>
+              </a:defRPr>
+            </a:lvl1pPr>
+            <a:lvl2pPr marL="742950" indent="-285750">
+              <a:spcBef>
+                <a:spcPct val="20000"/>
+              </a:spcBef>
+              <a:buClr>
+                <a:schemeClr val="accent1"/>
+              </a:buClr>
+              <a:buFont typeface="Wingdings" panose="05000000000000000000" pitchFamily="2" charset="2"/>
+              <a:buChar char="¡"/>
+              <a:defRPr sz="2700">
+                <a:solidFill>
+                  <a:schemeClr val="tx1"/>
+                </a:solidFill>
+                <a:latin typeface="Arial" panose="020B0604020202020204" pitchFamily="34" charset="0"/>
+              </a:defRPr>
+            </a:lvl2pPr>
+            <a:lvl3pPr marL="1143000" indent="-228600">
+              <a:spcBef>
+                <a:spcPct val="20000"/>
+              </a:spcBef>
+              <a:buClr>
+                <a:schemeClr val="accent1"/>
+              </a:buClr>
+              <a:buFont typeface="Wingdings" panose="05000000000000000000" pitchFamily="2" charset="2"/>
+              <a:buChar char="l"/>
+              <a:defRPr sz="2300">
+                <a:solidFill>
+                  <a:schemeClr val="tx1"/>
+                </a:solidFill>
+                <a:latin typeface="Arial" panose="020B0604020202020204" pitchFamily="34" charset="0"/>
+              </a:defRPr>
+            </a:lvl3pPr>
+            <a:lvl4pPr marL="1600200" indent="-228600">
+              <a:spcBef>
+                <a:spcPct val="20000"/>
+              </a:spcBef>
+              <a:buClr>
+                <a:schemeClr val="accent1"/>
+              </a:buClr>
+              <a:buChar char="•"/>
+              <a:defRPr sz="2000">
+                <a:solidFill>
+                  <a:schemeClr val="tx1"/>
+                </a:solidFill>
+                <a:latin typeface="Arial" panose="020B0604020202020204" pitchFamily="34" charset="0"/>
+              </a:defRPr>
+            </a:lvl4pPr>
+            <a:lvl5pPr marL="2057400" indent="-228600">
+              <a:spcBef>
+                <a:spcPct val="20000"/>
+              </a:spcBef>
+              <a:buClr>
+                <a:schemeClr val="accent1"/>
+              </a:buClr>
+              <a:buFont typeface="Wingdings" panose="05000000000000000000" pitchFamily="2" charset="2"/>
+              <a:buChar char=""/>
+              <a:defRPr sz="2000">
+                <a:solidFill>
+                  <a:schemeClr val="tx1"/>
+                </a:solidFill>
+                <a:latin typeface="Arial" panose="020B0604020202020204" pitchFamily="34" charset="0"/>
+              </a:defRPr>
+            </a:lvl5pPr>
+            <a:lvl6pPr marL="2514600" indent="-228600" eaLnBrk="0" fontAlgn="base" hangingPunct="0">
+              <a:spcBef>
+                <a:spcPct val="20000"/>
+              </a:spcBef>
+              <a:spcAft>
+                <a:spcPct val="0"/>
+              </a:spcAft>
+              <a:buClr>
+                <a:schemeClr val="accent1"/>
+              </a:buClr>
+              <a:buFont typeface="Wingdings" panose="05000000000000000000" pitchFamily="2" charset="2"/>
+              <a:buChar char=""/>
+              <a:defRPr sz="2000">
+                <a:solidFill>
+                  <a:schemeClr val="tx1"/>
+                </a:solidFill>
+                <a:latin typeface="Arial" panose="020B0604020202020204" pitchFamily="34" charset="0"/>
+              </a:defRPr>
+            </a:lvl6pPr>
+            <a:lvl7pPr marL="2971800" indent="-228600" eaLnBrk="0" fontAlgn="base" hangingPunct="0">
+              <a:spcBef>
+                <a:spcPct val="20000"/>
+              </a:spcBef>
+              <a:spcAft>
+                <a:spcPct val="0"/>
+              </a:spcAft>
+              <a:buClr>
+                <a:schemeClr val="accent1"/>
+              </a:buClr>
+              <a:buFont typeface="Wingdings" panose="05000000000000000000" pitchFamily="2" charset="2"/>
+              <a:buChar char=""/>
+              <a:defRPr sz="2000">
+                <a:solidFill>
+                  <a:schemeClr val="tx1"/>
+                </a:solidFill>
+                <a:latin typeface="Arial" panose="020B0604020202020204" pitchFamily="34" charset="0"/>
+              </a:defRPr>
+            </a:lvl7pPr>
+            <a:lvl8pPr marL="3429000" indent="-228600" eaLnBrk="0" fontAlgn="base" hangingPunct="0">
+              <a:spcBef>
+                <a:spcPct val="20000"/>
+              </a:spcBef>
+              <a:spcAft>
+                <a:spcPct val="0"/>
+              </a:spcAft>
+              <a:buClr>
+                <a:schemeClr val="accent1"/>
+              </a:buClr>
+              <a:buFont typeface="Wingdings" panose="05000000000000000000" pitchFamily="2" charset="2"/>
+              <a:buChar char=""/>
+              <a:defRPr sz="2000">
+                <a:solidFill>
+                  <a:schemeClr val="tx1"/>
+                </a:solidFill>
+                <a:latin typeface="Arial" panose="020B0604020202020204" pitchFamily="34" charset="0"/>
+              </a:defRPr>
+            </a:lvl8pPr>
+            <a:lvl9pPr marL="3886200" indent="-228600" eaLnBrk="0" fontAlgn="base" hangingPunct="0">
+              <a:spcBef>
+                <a:spcPct val="20000"/>
+              </a:spcBef>
+              <a:spcAft>
+                <a:spcPct val="0"/>
+              </a:spcAft>
+              <a:buClr>
+                <a:schemeClr val="accent1"/>
+              </a:buClr>
+              <a:buFont typeface="Wingdings" panose="05000000000000000000" pitchFamily="2" charset="2"/>
+              <a:buChar char=""/>
+              <a:defRPr sz="2000">
+                <a:solidFill>
+                  <a:schemeClr val="tx1"/>
+                </a:solidFill>
+                <a:latin typeface="Arial" panose="020B0604020202020204" pitchFamily="34" charset="0"/>
+              </a:defRPr>
+            </a:lvl9pPr>
+          </a:lstStyle>
+          <a:p>
+            <a:pPr>
+              <a:spcBef>
+                <a:spcPct val="50000"/>
+              </a:spcBef>
+              <a:buClrTx/>
+              <a:buFontTx/>
+              <a:buNone/>
+            </a:pPr>
+            <a:endParaRPr lang="sr-Latn-CS" altLang="en-US" sz="2400">
+              <a:latin typeface="Times New Roman" panose="02020603050405020304" pitchFamily="18" charset="0"/>
+            </a:endParaRPr>
+          </a:p>
+        </p:txBody>
+      </p:sp>
+      <p:sp>
+        <p:nvSpPr>
+          <p:cNvPr id="18437" name="Rectangle 5"/>
+          <p:cNvSpPr>
+            <a:spLocks noChangeArrowheads="1"/>
+          </p:cNvSpPr>
+          <p:nvPr/>
+        </p:nvSpPr>
+        <p:spPr bwMode="auto">
+          <a:xfrm>
+            <a:off x="655638" y="1654056"/>
+            <a:ext cx="8380412" cy="5201424"/>
+          </a:xfrm>
+          <a:prstGeom prst="rect">
+            <a:avLst/>
+          </a:prstGeom>
+          <a:noFill/>
+          <a:ln>
+            <a:noFill/>
+          </a:ln>
+          <a:extLst>
+            <a:ext uri="{909E8E84-426E-40DD-AFC4-6F175D3DCCD1}">
+              <a14:hiddenFill xmlns:a14="http://schemas.microsoft.com/office/drawing/2010/main">
+                <a:solidFill>
+                  <a:srgbClr val="FFFFFF"/>
+                </a:solidFill>
+              </a14:hiddenFill>
+            </a:ext>
+            <a:ext uri="{91240B29-F687-4F45-9708-019B960494DF}">
+              <a14:hiddenLine xmlns:a14="http://schemas.microsoft.com/office/drawing/2010/main" w="12700">
+                <a:solidFill>
+                  <a:srgbClr val="000000"/>
+                </a:solidFill>
+                <a:miter lim="800000"/>
+                <a:headEnd/>
+                <a:tailEnd/>
+              </a14:hiddenLine>
+            </a:ext>
+          </a:extLst>
+        </p:spPr>
+        <p:txBody>
+          <a:bodyPr>
+            <a:spAutoFit/>
+          </a:bodyPr>
+          <a:lstStyle/>
+          <a:p>
+            <a:pPr marL="342900" indent="-342900">
+              <a:spcAft>
+                <a:spcPts val="600"/>
+              </a:spcAft>
+              <a:buFont typeface="Arial" panose="020B0604020202020204" pitchFamily="34" charset="0"/>
+              <a:buChar char="•"/>
+              <a:defRPr/>
+            </a:pPr>
+            <a:r>
+              <a:rPr lang="sr-Cyrl-RS" dirty="0" smtClean="0">
+                <a:solidFill>
+                  <a:schemeClr val="tx1"/>
+                </a:solidFill>
+                <a:latin typeface="Garamond" panose="02020404030301010803" pitchFamily="18" charset="0"/>
+              </a:rPr>
+              <a:t>То су класе</a:t>
+            </a:r>
+            <a:r>
+              <a:rPr lang="en-US" dirty="0" smtClean="0">
+                <a:solidFill>
+                  <a:schemeClr val="tx1"/>
+                </a:solidFill>
+                <a:latin typeface="Garamond" panose="02020404030301010803" pitchFamily="18" charset="0"/>
+              </a:rPr>
+              <a:t> </a:t>
+            </a:r>
+            <a:r>
+              <a:rPr lang="en-US" sz="2000" dirty="0" err="1" smtClean="0">
+                <a:solidFill>
+                  <a:schemeClr val="tx1"/>
+                </a:solidFill>
+                <a:latin typeface="+mn-lt"/>
+              </a:rPr>
+              <a:t>java.time.LocalDate</a:t>
+            </a:r>
+            <a:r>
+              <a:rPr lang="sr-Cyrl-RS" dirty="0" smtClean="0">
+                <a:solidFill>
+                  <a:schemeClr val="tx1"/>
+                </a:solidFill>
+                <a:latin typeface="Garamond" panose="02020404030301010803" pitchFamily="18" charset="0"/>
+              </a:rPr>
+              <a:t>, </a:t>
+            </a:r>
+            <a:r>
+              <a:rPr lang="en-US" sz="2000" dirty="0" err="1" smtClean="0">
+                <a:solidFill>
+                  <a:schemeClr val="tx1"/>
+                </a:solidFill>
+                <a:latin typeface="+mn-lt"/>
+              </a:rPr>
+              <a:t>java.time.LocalTime</a:t>
+            </a:r>
+            <a:r>
+              <a:rPr lang="en-US" dirty="0" smtClean="0">
+                <a:solidFill>
+                  <a:schemeClr val="tx1"/>
+                </a:solidFill>
+              </a:rPr>
+              <a:t> </a:t>
+            </a:r>
+            <a:r>
+              <a:rPr lang="sr-Cyrl-RS" dirty="0" smtClean="0">
+                <a:solidFill>
+                  <a:schemeClr val="tx1"/>
+                </a:solidFill>
+                <a:latin typeface="Garamond" panose="02020404030301010803" pitchFamily="18" charset="0"/>
+              </a:rPr>
+              <a:t>и </a:t>
+            </a:r>
+            <a:r>
+              <a:rPr lang="en-US" sz="2000" dirty="0" err="1" smtClean="0">
+                <a:solidFill>
+                  <a:schemeClr val="tx1"/>
+                </a:solidFill>
+                <a:latin typeface="+mn-lt"/>
+              </a:rPr>
+              <a:t>java.time.LocalDateTime</a:t>
+            </a:r>
+            <a:r>
+              <a:rPr lang="sr-Cyrl-RS" dirty="0" smtClean="0">
+                <a:solidFill>
+                  <a:schemeClr val="tx1"/>
+                </a:solidFill>
+                <a:latin typeface="Garamond" panose="02020404030301010803" pitchFamily="18" charset="0"/>
+              </a:rPr>
+              <a:t> које служе за рад са само са датумима, само са временима у дану и са паровима датум-време, респективано</a:t>
+            </a:r>
+          </a:p>
+          <a:p>
+            <a:pPr marL="800100" lvl="1" indent="-342900">
+              <a:spcAft>
+                <a:spcPts val="600"/>
+              </a:spcAft>
+              <a:buFont typeface="Arial" panose="020B0604020202020204" pitchFamily="34" charset="0"/>
+              <a:buChar char="•"/>
+              <a:defRPr/>
+            </a:pPr>
+            <a:r>
+              <a:rPr lang="sr-Cyrl-RS" dirty="0" smtClean="0">
+                <a:solidFill>
+                  <a:schemeClr val="tx1"/>
+                </a:solidFill>
+                <a:latin typeface="Garamond" panose="02020404030301010803" pitchFamily="18" charset="0"/>
+              </a:rPr>
+              <a:t>класе су уведене релативно скоро, раније се користила класа </a:t>
+            </a:r>
+            <a:r>
+              <a:rPr lang="en-US" sz="2000" dirty="0" err="1" smtClean="0">
+                <a:solidFill>
+                  <a:schemeClr val="tx1"/>
+                </a:solidFill>
+                <a:latin typeface="+mn-lt"/>
+              </a:rPr>
+              <a:t>java.util.Date</a:t>
+            </a:r>
+            <a:r>
+              <a:rPr lang="en-US" dirty="0" smtClean="0">
+                <a:solidFill>
+                  <a:schemeClr val="tx1"/>
+                </a:solidFill>
+                <a:latin typeface="Garamond" panose="02020404030301010803" pitchFamily="18" charset="0"/>
+              </a:rPr>
+              <a:t>, </a:t>
+            </a:r>
+            <a:r>
+              <a:rPr lang="sr-Cyrl-RS" dirty="0" smtClean="0">
+                <a:solidFill>
+                  <a:schemeClr val="tx1"/>
+                </a:solidFill>
+                <a:latin typeface="Garamond" panose="02020404030301010803" pitchFamily="18" charset="0"/>
+              </a:rPr>
+              <a:t>са којом је било проблема</a:t>
+            </a:r>
+          </a:p>
+          <a:p>
+            <a:pPr marL="800100" lvl="1" indent="-342900">
+              <a:spcAft>
+                <a:spcPts val="600"/>
+              </a:spcAft>
+              <a:buFont typeface="Arial" panose="020B0604020202020204" pitchFamily="34" charset="0"/>
+              <a:buChar char="•"/>
+              <a:defRPr/>
+            </a:pPr>
+            <a:r>
+              <a:rPr lang="sr-Cyrl-RS" dirty="0">
+                <a:solidFill>
+                  <a:schemeClr val="tx1"/>
+                </a:solidFill>
+                <a:latin typeface="Garamond" panose="02020404030301010803" pitchFamily="18" charset="0"/>
+              </a:rPr>
+              <a:t>к</a:t>
+            </a:r>
+            <a:r>
+              <a:rPr lang="sr-Cyrl-RS" dirty="0" smtClean="0">
+                <a:solidFill>
+                  <a:schemeClr val="tx1"/>
+                </a:solidFill>
+                <a:latin typeface="Garamond" panose="02020404030301010803" pitchFamily="18" charset="0"/>
+              </a:rPr>
+              <a:t>ако се класе не налазе у пакету </a:t>
+            </a:r>
+            <a:r>
+              <a:rPr lang="sr-Latn-RS" sz="2000" dirty="0" err="1" smtClean="0">
+                <a:solidFill>
+                  <a:schemeClr val="tx1"/>
+                </a:solidFill>
+                <a:latin typeface="+mn-lt"/>
+              </a:rPr>
+              <a:t>java.lang</a:t>
+            </a:r>
+            <a:r>
+              <a:rPr lang="sr-Latn-RS" dirty="0" smtClean="0">
+                <a:solidFill>
+                  <a:schemeClr val="tx1"/>
+                </a:solidFill>
+                <a:latin typeface="Garamond" panose="02020404030301010803" pitchFamily="18" charset="0"/>
+              </a:rPr>
+              <a:t>, </a:t>
+            </a:r>
+            <a:r>
+              <a:rPr lang="sr-Cyrl-RS" dirty="0" smtClean="0">
+                <a:solidFill>
+                  <a:schemeClr val="tx1"/>
+                </a:solidFill>
+                <a:latin typeface="Garamond" panose="02020404030301010803" pitchFamily="18" charset="0"/>
+              </a:rPr>
+              <a:t>то се приликом реферисања на њих мора користити пуно име тих класа</a:t>
+            </a:r>
+          </a:p>
+          <a:p>
+            <a:pPr marL="342900" indent="-342900">
+              <a:spcAft>
+                <a:spcPts val="600"/>
+              </a:spcAft>
+              <a:buFont typeface="Arial" panose="020B0604020202020204" pitchFamily="34" charset="0"/>
+              <a:buChar char="•"/>
+              <a:defRPr/>
+            </a:pPr>
+            <a:r>
+              <a:rPr lang="sr-Cyrl-RS" dirty="0" smtClean="0">
+                <a:solidFill>
+                  <a:schemeClr val="tx1"/>
+                </a:solidFill>
+                <a:latin typeface="Garamond" panose="02020404030301010803" pitchFamily="18" charset="0"/>
+              </a:rPr>
+              <a:t>Садрже методе </a:t>
+            </a:r>
+            <a:r>
+              <a:rPr lang="sr-Cyrl-RS" dirty="0">
+                <a:solidFill>
+                  <a:schemeClr val="tx1"/>
+                </a:solidFill>
+                <a:latin typeface="Garamond" panose="02020404030301010803" pitchFamily="18" charset="0"/>
+              </a:rPr>
+              <a:t>за реализацију основних </a:t>
+            </a:r>
+            <a:r>
+              <a:rPr lang="sr-Cyrl-RS" dirty="0" smtClean="0">
+                <a:solidFill>
+                  <a:schemeClr val="tx1"/>
+                </a:solidFill>
+                <a:latin typeface="Garamond" panose="02020404030301010803" pitchFamily="18" charset="0"/>
+              </a:rPr>
+              <a:t>операција над датум-временима као </a:t>
+            </a:r>
+            <a:r>
+              <a:rPr lang="sr-Cyrl-RS" dirty="0">
+                <a:solidFill>
+                  <a:schemeClr val="tx1"/>
+                </a:solidFill>
+                <a:latin typeface="Garamond" panose="02020404030301010803" pitchFamily="18" charset="0"/>
+              </a:rPr>
+              <a:t>што су </a:t>
+            </a:r>
+            <a:r>
+              <a:rPr lang="sr-Cyrl-RS" dirty="0" smtClean="0">
+                <a:solidFill>
+                  <a:schemeClr val="tx1"/>
+                </a:solidFill>
+                <a:latin typeface="Garamond" panose="02020404030301010803" pitchFamily="18" charset="0"/>
+              </a:rPr>
+              <a:t>поређења датум-времена, одређивање датума-времена на основу постојећег, мерење протеклог времена између два датума-времена и </a:t>
+            </a:r>
+            <a:r>
+              <a:rPr lang="sr-Cyrl-RS" dirty="0">
+                <a:solidFill>
+                  <a:schemeClr val="tx1"/>
+                </a:solidFill>
+                <a:latin typeface="Garamond" panose="02020404030301010803" pitchFamily="18" charset="0"/>
+              </a:rPr>
+              <a:t>сл</a:t>
+            </a:r>
+            <a:r>
+              <a:rPr lang="sr-Cyrl-RS" dirty="0" smtClean="0">
+                <a:solidFill>
+                  <a:schemeClr val="tx1"/>
+                </a:solidFill>
+                <a:latin typeface="Garamond" panose="02020404030301010803" pitchFamily="18" charset="0"/>
+              </a:rPr>
+              <a:t>.</a:t>
+            </a:r>
+          </a:p>
+          <a:p>
+            <a:pPr marL="342900" indent="-342900">
+              <a:spcAft>
+                <a:spcPts val="600"/>
+              </a:spcAft>
+              <a:buFont typeface="Arial" panose="020B0604020202020204" pitchFamily="34" charset="0"/>
+              <a:buChar char="•"/>
+              <a:defRPr/>
+            </a:pPr>
+            <a:r>
+              <a:rPr lang="sr-Cyrl-RS" dirty="0" smtClean="0">
+                <a:solidFill>
+                  <a:schemeClr val="tx1"/>
+                </a:solidFill>
+                <a:latin typeface="Garamond" panose="02020404030301010803" pitchFamily="18" charset="0"/>
+              </a:rPr>
+              <a:t>За форматирање се користи </a:t>
+            </a:r>
+            <a:r>
+              <a:rPr lang="en-US" sz="2000" dirty="0" err="1" smtClean="0">
+                <a:solidFill>
+                  <a:schemeClr val="tx1"/>
+                </a:solidFill>
+                <a:latin typeface="+mn-lt"/>
+              </a:rPr>
+              <a:t>java.time.format.DateTimeFormatter</a:t>
+            </a:r>
+            <a:r>
+              <a:rPr lang="sr-Cyrl-RS" dirty="0" smtClean="0">
+                <a:solidFill>
+                  <a:schemeClr val="tx1"/>
+                </a:solidFill>
+                <a:latin typeface="Garamond" panose="02020404030301010803" pitchFamily="18" charset="0"/>
+              </a:rPr>
+              <a:t> </a:t>
+            </a:r>
+          </a:p>
+        </p:txBody>
+      </p:sp>
+      <p:sp>
+        <p:nvSpPr>
+          <p:cNvPr id="6" name="Title 1"/>
+          <p:cNvSpPr txBox="1">
+            <a:spLocks/>
+          </p:cNvSpPr>
+          <p:nvPr/>
+        </p:nvSpPr>
+        <p:spPr>
+          <a:xfrm>
+            <a:off x="1403350" y="538163"/>
+            <a:ext cx="7751763" cy="868362"/>
+          </a:xfrm>
+          <a:prstGeom prst="rect">
+            <a:avLst/>
+          </a:prstGeom>
+        </p:spPr>
+        <p:txBody>
+          <a:bodyPr/>
+          <a:lstStyle>
+            <a:lvl1pPr algn="l" rtl="0" eaLnBrk="0" fontAlgn="base" hangingPunct="0">
+              <a:spcBef>
+                <a:spcPct val="0"/>
+              </a:spcBef>
+              <a:spcAft>
+                <a:spcPct val="0"/>
+              </a:spcAft>
+              <a:defRPr sz="3800">
+                <a:solidFill>
+                  <a:schemeClr val="tx2"/>
+                </a:solidFill>
+                <a:latin typeface="+mj-lt"/>
+                <a:ea typeface="+mj-ea"/>
+                <a:cs typeface="+mj-cs"/>
+              </a:defRPr>
+            </a:lvl1pPr>
+            <a:lvl2pPr algn="l" rtl="0" eaLnBrk="0" fontAlgn="base" hangingPunct="0">
+              <a:spcBef>
+                <a:spcPct val="0"/>
+              </a:spcBef>
+              <a:spcAft>
+                <a:spcPct val="0"/>
+              </a:spcAft>
+              <a:defRPr sz="3800">
+                <a:solidFill>
+                  <a:schemeClr val="tx2"/>
+                </a:solidFill>
+                <a:latin typeface="Arial" charset="0"/>
+              </a:defRPr>
+            </a:lvl2pPr>
+            <a:lvl3pPr algn="l" rtl="0" eaLnBrk="0" fontAlgn="base" hangingPunct="0">
+              <a:spcBef>
+                <a:spcPct val="0"/>
+              </a:spcBef>
+              <a:spcAft>
+                <a:spcPct val="0"/>
+              </a:spcAft>
+              <a:defRPr sz="3800">
+                <a:solidFill>
+                  <a:schemeClr val="tx2"/>
+                </a:solidFill>
+                <a:latin typeface="Arial" charset="0"/>
+              </a:defRPr>
+            </a:lvl3pPr>
+            <a:lvl4pPr algn="l" rtl="0" eaLnBrk="0" fontAlgn="base" hangingPunct="0">
+              <a:spcBef>
+                <a:spcPct val="0"/>
+              </a:spcBef>
+              <a:spcAft>
+                <a:spcPct val="0"/>
+              </a:spcAft>
+              <a:defRPr sz="3800">
+                <a:solidFill>
+                  <a:schemeClr val="tx2"/>
+                </a:solidFill>
+                <a:latin typeface="Arial" charset="0"/>
+              </a:defRPr>
+            </a:lvl4pPr>
+            <a:lvl5pPr algn="l" rtl="0" eaLnBrk="0" fontAlgn="base" hangingPunct="0">
+              <a:spcBef>
+                <a:spcPct val="0"/>
+              </a:spcBef>
+              <a:spcAft>
+                <a:spcPct val="0"/>
+              </a:spcAft>
+              <a:defRPr sz="3800">
+                <a:solidFill>
+                  <a:schemeClr val="tx2"/>
+                </a:solidFill>
+                <a:latin typeface="Arial" charset="0"/>
+              </a:defRPr>
+            </a:lvl5pPr>
+            <a:lvl6pPr marL="457200" algn="l" rtl="0" fontAlgn="base">
+              <a:spcBef>
+                <a:spcPct val="0"/>
+              </a:spcBef>
+              <a:spcAft>
+                <a:spcPct val="0"/>
+              </a:spcAft>
+              <a:defRPr sz="3800">
+                <a:solidFill>
+                  <a:schemeClr val="tx2"/>
+                </a:solidFill>
+                <a:latin typeface="Arial" charset="0"/>
+              </a:defRPr>
+            </a:lvl6pPr>
+            <a:lvl7pPr marL="914400" algn="l" rtl="0" fontAlgn="base">
+              <a:spcBef>
+                <a:spcPct val="0"/>
+              </a:spcBef>
+              <a:spcAft>
+                <a:spcPct val="0"/>
+              </a:spcAft>
+              <a:defRPr sz="3800">
+                <a:solidFill>
+                  <a:schemeClr val="tx2"/>
+                </a:solidFill>
+                <a:latin typeface="Arial" charset="0"/>
+              </a:defRPr>
+            </a:lvl7pPr>
+            <a:lvl8pPr marL="1371600" algn="l" rtl="0" fontAlgn="base">
+              <a:spcBef>
+                <a:spcPct val="0"/>
+              </a:spcBef>
+              <a:spcAft>
+                <a:spcPct val="0"/>
+              </a:spcAft>
+              <a:defRPr sz="3800">
+                <a:solidFill>
+                  <a:schemeClr val="tx2"/>
+                </a:solidFill>
+                <a:latin typeface="Arial" charset="0"/>
+              </a:defRPr>
+            </a:lvl8pPr>
+            <a:lvl9pPr marL="1828800" algn="l" rtl="0" fontAlgn="base">
+              <a:spcBef>
+                <a:spcPct val="0"/>
+              </a:spcBef>
+              <a:spcAft>
+                <a:spcPct val="0"/>
+              </a:spcAft>
+              <a:defRPr sz="3800">
+                <a:solidFill>
+                  <a:schemeClr val="tx2"/>
+                </a:solidFill>
+                <a:latin typeface="Arial" charset="0"/>
+              </a:defRPr>
+            </a:lvl9pPr>
+          </a:lstStyle>
+          <a:p>
+            <a:pPr>
+              <a:defRPr/>
+            </a:pPr>
+            <a:r>
+              <a:rPr lang="sr-Cyrl-RS" sz="3600" b="1" kern="0" dirty="0" smtClean="0">
+                <a:solidFill>
+                  <a:srgbClr val="0070C0"/>
+                </a:solidFill>
+              </a:rPr>
+              <a:t>Класе за манипулацију са датумима и временима</a:t>
+            </a:r>
+            <a:endParaRPr lang="en-US" sz="3600" b="1" kern="0" dirty="0" smtClean="0">
+              <a:solidFill>
+                <a:srgbClr val="0070C0"/>
+              </a:solidFill>
+            </a:endParaRPr>
+          </a:p>
+        </p:txBody>
+      </p:sp>
+    </p:spTree>
+    <p:extLst>
+      <p:ext uri="{BB962C8B-B14F-4D97-AF65-F5344CB8AC3E}">
+        <p14:creationId xmlns:p14="http://schemas.microsoft.com/office/powerpoint/2010/main" val="2668005090"/>
+      </p:ext>
+    </p:extLst>
+  </p:cSld>
+  <p:clrMapOvr>
+    <a:masterClrMapping/>
+  </p:clrMapOvr>
+  <p:timing>
+    <p:tnLst>
+      <p:par>
+        <p:cTn id="1" dur="indefinite" restart="never" nodeType="tmRoot">
+          <p:childTnLst>
+            <p:seq concurrent="1" nextAc="seek">
+              <p:cTn id="2" dur="indefinite" nodeType="mainSeq">
+                <p:childTnLst>
+                  <p:par>
+                    <p:cTn id="3" fill="hold">
+                      <p:stCondLst>
+                        <p:cond delay="indefinite"/>
+                      </p:stCondLst>
+                      <p:childTnLst>
+                        <p:par>
+                          <p:cTn id="4" fill="hold">
+                            <p:stCondLst>
+                              <p:cond delay="0"/>
+                            </p:stCondLst>
+                            <p:childTnLst>
+                              <p:par>
+                                <p:cTn id="5" presetID="10" presetClass="entr" presetSubtype="0" fill="hold" nodeType="clickEffect">
+                                  <p:stCondLst>
+                                    <p:cond delay="0"/>
+                                  </p:stCondLst>
+                                  <p:childTnLst>
+                                    <p:set>
+                                      <p:cBhvr>
+                                        <p:cTn id="6" dur="1" fill="hold">
+                                          <p:stCondLst>
+                                            <p:cond delay="0"/>
+                                          </p:stCondLst>
+                                        </p:cTn>
+                                        <p:tgtEl>
+                                          <p:spTgt spid="18437">
+                                            <p:txEl>
+                                              <p:pRg st="0" end="0"/>
+                                            </p:txEl>
+                                          </p:spTgt>
+                                        </p:tgtEl>
+                                        <p:attrNameLst>
+                                          <p:attrName>style.visibility</p:attrName>
+                                        </p:attrNameLst>
+                                      </p:cBhvr>
+                                      <p:to>
+                                        <p:strVal val="visible"/>
+                                      </p:to>
+                                    </p:set>
+                                    <p:animEffect transition="in" filter="fade">
+                                      <p:cBhvr>
+                                        <p:cTn id="7" dur="500"/>
+                                        <p:tgtEl>
+                                          <p:spTgt spid="18437">
+                                            <p:txEl>
+                                              <p:pRg st="0" end="0"/>
+                                            </p:txEl>
+                                          </p:spTgt>
+                                        </p:tgtEl>
+                                      </p:cBhvr>
+                                    </p:animEffect>
+                                  </p:childTnLst>
+                                </p:cTn>
+                              </p:par>
+                              <p:par>
+                                <p:cTn id="8" presetID="10" presetClass="entr" presetSubtype="0" fill="hold" nodeType="withEffect">
+                                  <p:stCondLst>
+                                    <p:cond delay="0"/>
+                                  </p:stCondLst>
+                                  <p:childTnLst>
+                                    <p:set>
+                                      <p:cBhvr>
+                                        <p:cTn id="9" dur="1" fill="hold">
+                                          <p:stCondLst>
+                                            <p:cond delay="0"/>
+                                          </p:stCondLst>
+                                        </p:cTn>
+                                        <p:tgtEl>
+                                          <p:spTgt spid="18437">
+                                            <p:txEl>
+                                              <p:pRg st="1" end="1"/>
+                                            </p:txEl>
+                                          </p:spTgt>
+                                        </p:tgtEl>
+                                        <p:attrNameLst>
+                                          <p:attrName>style.visibility</p:attrName>
+                                        </p:attrNameLst>
+                                      </p:cBhvr>
+                                      <p:to>
+                                        <p:strVal val="visible"/>
+                                      </p:to>
+                                    </p:set>
+                                    <p:animEffect transition="in" filter="fade">
+                                      <p:cBhvr>
+                                        <p:cTn id="10" dur="500"/>
+                                        <p:tgtEl>
+                                          <p:spTgt spid="18437">
+                                            <p:txEl>
+                                              <p:pRg st="1" end="1"/>
+                                            </p:txEl>
+                                          </p:spTgt>
+                                        </p:tgtEl>
+                                      </p:cBhvr>
+                                    </p:animEffect>
+                                  </p:childTnLst>
+                                </p:cTn>
+                              </p:par>
+                              <p:par>
+                                <p:cTn id="11" presetID="10" presetClass="entr" presetSubtype="0" fill="hold" nodeType="withEffect">
+                                  <p:stCondLst>
+                                    <p:cond delay="0"/>
+                                  </p:stCondLst>
+                                  <p:childTnLst>
+                                    <p:set>
+                                      <p:cBhvr>
+                                        <p:cTn id="12" dur="1" fill="hold">
+                                          <p:stCondLst>
+                                            <p:cond delay="0"/>
+                                          </p:stCondLst>
+                                        </p:cTn>
+                                        <p:tgtEl>
+                                          <p:spTgt spid="18437">
+                                            <p:txEl>
+                                              <p:pRg st="2" end="2"/>
+                                            </p:txEl>
+                                          </p:spTgt>
+                                        </p:tgtEl>
+                                        <p:attrNameLst>
+                                          <p:attrName>style.visibility</p:attrName>
+                                        </p:attrNameLst>
+                                      </p:cBhvr>
+                                      <p:to>
+                                        <p:strVal val="visible"/>
+                                      </p:to>
+                                    </p:set>
+                                    <p:animEffect transition="in" filter="fade">
+                                      <p:cBhvr>
+                                        <p:cTn id="13" dur="500"/>
+                                        <p:tgtEl>
+                                          <p:spTgt spid="18437">
+                                            <p:txEl>
+                                              <p:pRg st="2" end="2"/>
+                                            </p:txEl>
+                                          </p:spTgt>
+                                        </p:tgtEl>
+                                      </p:cBhvr>
+                                    </p:animEffect>
+                                  </p:childTnLst>
+                                </p:cTn>
+                              </p:par>
+                            </p:childTnLst>
+                          </p:cTn>
+                        </p:par>
+                      </p:childTnLst>
+                    </p:cTn>
+                  </p:par>
+                  <p:par>
+                    <p:cTn id="14" fill="hold">
+                      <p:stCondLst>
+                        <p:cond delay="indefinite"/>
+                      </p:stCondLst>
+                      <p:childTnLst>
+                        <p:par>
+                          <p:cTn id="15" fill="hold">
+                            <p:stCondLst>
+                              <p:cond delay="0"/>
+                            </p:stCondLst>
+                            <p:childTnLst>
+                              <p:par>
+                                <p:cTn id="16" presetID="10" presetClass="entr" presetSubtype="0" fill="hold" nodeType="clickEffect">
+                                  <p:stCondLst>
+                                    <p:cond delay="0"/>
+                                  </p:stCondLst>
+                                  <p:childTnLst>
+                                    <p:set>
+                                      <p:cBhvr>
+                                        <p:cTn id="17" dur="1" fill="hold">
+                                          <p:stCondLst>
+                                            <p:cond delay="0"/>
+                                          </p:stCondLst>
+                                        </p:cTn>
+                                        <p:tgtEl>
+                                          <p:spTgt spid="18437">
+                                            <p:txEl>
+                                              <p:pRg st="3" end="3"/>
+                                            </p:txEl>
+                                          </p:spTgt>
+                                        </p:tgtEl>
+                                        <p:attrNameLst>
+                                          <p:attrName>style.visibility</p:attrName>
+                                        </p:attrNameLst>
+                                      </p:cBhvr>
+                                      <p:to>
+                                        <p:strVal val="visible"/>
+                                      </p:to>
+                                    </p:set>
+                                    <p:animEffect transition="in" filter="fade">
+                                      <p:cBhvr>
+                                        <p:cTn id="18" dur="500"/>
+                                        <p:tgtEl>
+                                          <p:spTgt spid="18437">
+                                            <p:txEl>
+                                              <p:pRg st="3" end="3"/>
+                                            </p:txEl>
+                                          </p:spTgt>
+                                        </p:tgtEl>
+                                      </p:cBhvr>
+                                    </p:animEffect>
+                                  </p:childTnLst>
+                                </p:cTn>
+                              </p:par>
+                            </p:childTnLst>
+                          </p:cTn>
+                        </p:par>
+                      </p:childTnLst>
+                    </p:cTn>
+                  </p:par>
+                  <p:par>
+                    <p:cTn id="19" fill="hold">
+                      <p:stCondLst>
+                        <p:cond delay="indefinite"/>
+                      </p:stCondLst>
+                      <p:childTnLst>
+                        <p:par>
+                          <p:cTn id="20" fill="hold">
+                            <p:stCondLst>
+                              <p:cond delay="0"/>
+                            </p:stCondLst>
+                            <p:childTnLst>
+                              <p:par>
+                                <p:cTn id="21" presetID="10" presetClass="entr" presetSubtype="0" fill="hold" nodeType="clickEffect">
+                                  <p:stCondLst>
+                                    <p:cond delay="0"/>
+                                  </p:stCondLst>
+                                  <p:childTnLst>
+                                    <p:set>
+                                      <p:cBhvr>
+                                        <p:cTn id="22" dur="1" fill="hold">
+                                          <p:stCondLst>
+                                            <p:cond delay="0"/>
+                                          </p:stCondLst>
+                                        </p:cTn>
+                                        <p:tgtEl>
+                                          <p:spTgt spid="18437">
+                                            <p:txEl>
+                                              <p:pRg st="4" end="4"/>
+                                            </p:txEl>
+                                          </p:spTgt>
+                                        </p:tgtEl>
+                                        <p:attrNameLst>
+                                          <p:attrName>style.visibility</p:attrName>
+                                        </p:attrNameLst>
+                                      </p:cBhvr>
+                                      <p:to>
+                                        <p:strVal val="visible"/>
+                                      </p:to>
+                                    </p:set>
+                                    <p:animEffect transition="in" filter="fade">
+                                      <p:cBhvr>
+                                        <p:cTn id="23" dur="500"/>
+                                        <p:tgtEl>
+                                          <p:spTgt spid="18437">
+                                            <p:txEl>
+                                              <p:pRg st="4" end="4"/>
                                             </p:txEl>
                                           </p:spTgt>
                                         </p:tgtEl>

--- a/predavanja/prezentacije/OOP07-1-Predefinisani tipovi u Javi.pptx
+++ b/predavanja/prezentacije/OOP07-1-Predefinisani tipovi u Javi.pptx
@@ -5,43 +5,44 @@
     <p:sldMasterId id="2147483721" r:id="rId1"/>
   </p:sldMasterIdLst>
   <p:notesMasterIdLst>
-    <p:notesMasterId r:id="rId24"/>
+    <p:notesMasterId r:id="rId25"/>
   </p:notesMasterIdLst>
   <p:handoutMasterIdLst>
-    <p:handoutMasterId r:id="rId25"/>
+    <p:handoutMasterId r:id="rId26"/>
   </p:handoutMasterIdLst>
   <p:sldIdLst>
     <p:sldId id="284" r:id="rId2"/>
     <p:sldId id="285" r:id="rId3"/>
     <p:sldId id="267" r:id="rId4"/>
-    <p:sldId id="286" r:id="rId5"/>
-    <p:sldId id="289" r:id="rId6"/>
-    <p:sldId id="288" r:id="rId7"/>
-    <p:sldId id="290" r:id="rId8"/>
-    <p:sldId id="291" r:id="rId9"/>
-    <p:sldId id="304" r:id="rId10"/>
-    <p:sldId id="287" r:id="rId11"/>
-    <p:sldId id="293" r:id="rId12"/>
-    <p:sldId id="292" r:id="rId13"/>
-    <p:sldId id="294" r:id="rId14"/>
-    <p:sldId id="295" r:id="rId15"/>
-    <p:sldId id="296" r:id="rId16"/>
-    <p:sldId id="297" r:id="rId17"/>
-    <p:sldId id="298" r:id="rId18"/>
-    <p:sldId id="299" r:id="rId19"/>
-    <p:sldId id="303" r:id="rId20"/>
-    <p:sldId id="300" r:id="rId21"/>
-    <p:sldId id="302" r:id="rId22"/>
-    <p:sldId id="283" r:id="rId23"/>
+    <p:sldId id="305" r:id="rId5"/>
+    <p:sldId id="286" r:id="rId6"/>
+    <p:sldId id="289" r:id="rId7"/>
+    <p:sldId id="288" r:id="rId8"/>
+    <p:sldId id="290" r:id="rId9"/>
+    <p:sldId id="291" r:id="rId10"/>
+    <p:sldId id="304" r:id="rId11"/>
+    <p:sldId id="287" r:id="rId12"/>
+    <p:sldId id="293" r:id="rId13"/>
+    <p:sldId id="292" r:id="rId14"/>
+    <p:sldId id="294" r:id="rId15"/>
+    <p:sldId id="295" r:id="rId16"/>
+    <p:sldId id="296" r:id="rId17"/>
+    <p:sldId id="297" r:id="rId18"/>
+    <p:sldId id="298" r:id="rId19"/>
+    <p:sldId id="299" r:id="rId20"/>
+    <p:sldId id="303" r:id="rId21"/>
+    <p:sldId id="300" r:id="rId22"/>
+    <p:sldId id="302" r:id="rId23"/>
+    <p:sldId id="283" r:id="rId24"/>
   </p:sldIdLst>
   <p:sldSz cx="9144000" cy="6858000" type="screen4x3"/>
   <p:notesSz cx="6858000" cy="9144000"/>
   <p:embeddedFontLst>
     <p:embeddedFont>
       <p:font typeface="Garamond" panose="02020404030301010803" pitchFamily="18" charset="0"/>
-      <p:regular r:id="rId26"/>
-      <p:bold r:id="rId27"/>
-      <p:italic r:id="rId28"/>
+      <p:regular r:id="rId27"/>
+      <p:bold r:id="rId28"/>
+      <p:italic r:id="rId29"/>
     </p:embeddedFont>
   </p:embeddedFontLst>
   <p:kinsoku lang="ja-JP" invalStChars="、。，．・：；？！゛゜ヽヾゝゞ々ー’”）〕］｝〉》」』】°‰′″℃￠％ぁぃぅぇぉっゃゅょゎァィゥェォッャュョヮヵヶ!%),.:;?]}｡｣､･ｧｨｩｪｫｬｭｮｯｰﾞﾟ" invalEndChars="‘“（〔［｛〈《「『【￥＄$([\{｢￡"/>
@@ -2212,7 +2213,7 @@
                 </a:solidFill>
                 <a:cs typeface="Arial" panose="020B0604020202020204" pitchFamily="34" charset="0"/>
               </a:rPr>
-              <a:t>21</a:t>
+              <a:t>23</a:t>
             </a:r>
             <a:endParaRPr lang="en-US" altLang="sr-Latn-RS" sz="800" dirty="0">
               <a:solidFill>
@@ -3857,6 +3858,419 @@
       </p:grpSpPr>
       <p:sp>
         <p:nvSpPr>
+          <p:cNvPr id="4098" name="Rectangle 2"/>
+          <p:cNvSpPr>
+            <a:spLocks noGrp="1" noChangeArrowheads="1"/>
+          </p:cNvSpPr>
+          <p:nvPr>
+            <p:ph type="ctrTitle"/>
+          </p:nvPr>
+        </p:nvSpPr>
+        <p:spPr>
+          <a:xfrm>
+            <a:off x="395288" y="1628775"/>
+            <a:ext cx="8569325" cy="1144588"/>
+          </a:xfrm>
+        </p:spPr>
+        <p:txBody>
+          <a:bodyPr/>
+          <a:lstStyle/>
+          <a:p>
+            <a:pPr eaLnBrk="1" hangingPunct="1"/>
+            <a:r>
+              <a:rPr lang="sr-Cyrl-RS" altLang="en-US" sz="5400" dirty="0" smtClean="0">
+                <a:solidFill>
+                  <a:srgbClr val="3366FF"/>
+                </a:solidFill>
+              </a:rPr>
+              <a:t>Предефинисани </a:t>
+            </a:r>
+            <a:r>
+              <a:rPr lang="en-US" altLang="en-US" sz="5400" dirty="0" smtClean="0">
+                <a:solidFill>
+                  <a:srgbClr val="3366FF"/>
+                </a:solidFill>
+              </a:rPr>
+              <a:t/>
+            </a:r>
+            <a:br>
+              <a:rPr lang="en-US" altLang="en-US" sz="5400" dirty="0" smtClean="0">
+                <a:solidFill>
+                  <a:srgbClr val="3366FF"/>
+                </a:solidFill>
+              </a:rPr>
+            </a:br>
+            <a:r>
+              <a:rPr lang="sr-Cyrl-RS" altLang="en-US" sz="5400" dirty="0" smtClean="0">
+                <a:solidFill>
+                  <a:srgbClr val="3366FF"/>
+                </a:solidFill>
+              </a:rPr>
+              <a:t>типови и објекти </a:t>
+            </a:r>
+            <a:br>
+              <a:rPr lang="sr-Cyrl-RS" altLang="en-US" sz="5400" dirty="0" smtClean="0">
+                <a:solidFill>
+                  <a:srgbClr val="3366FF"/>
+                </a:solidFill>
+              </a:rPr>
+            </a:br>
+            <a:r>
+              <a:rPr lang="sr-Cyrl-RS" altLang="en-US" sz="5400" dirty="0" smtClean="0">
+                <a:solidFill>
+                  <a:srgbClr val="3366FF"/>
+                </a:solidFill>
+              </a:rPr>
+              <a:t>у програмском језику Јава</a:t>
+            </a:r>
+            <a:endParaRPr lang="sr-Latn-CS" altLang="en-US" sz="5400" dirty="0" smtClean="0">
+              <a:solidFill>
+                <a:srgbClr val="3366FF"/>
+              </a:solidFill>
+            </a:endParaRPr>
+          </a:p>
+        </p:txBody>
+      </p:sp>
+      <p:sp>
+        <p:nvSpPr>
+          <p:cNvPr id="5" name="Rectangle 3"/>
+          <p:cNvSpPr txBox="1">
+            <a:spLocks noChangeArrowheads="1"/>
+          </p:cNvSpPr>
+          <p:nvPr/>
+        </p:nvSpPr>
+        <p:spPr bwMode="auto">
+          <a:xfrm>
+            <a:off x="3563888" y="3356992"/>
+            <a:ext cx="5110162" cy="1752600"/>
+          </a:xfrm>
+          <a:prstGeom prst="rect">
+            <a:avLst/>
+          </a:prstGeom>
+          <a:noFill/>
+          <a:ln>
+            <a:noFill/>
+          </a:ln>
+          <a:extLst>
+            <a:ext uri="{909E8E84-426E-40DD-AFC4-6F175D3DCCD1}">
+              <a14:hiddenFill xmlns:a14="http://schemas.microsoft.com/office/drawing/2010/main">
+                <a:solidFill>
+                  <a:srgbClr val="FFFFFF"/>
+                </a:solidFill>
+              </a14:hiddenFill>
+            </a:ext>
+            <a:ext uri="{91240B29-F687-4F45-9708-019B960494DF}">
+              <a14:hiddenLine xmlns:a14="http://schemas.microsoft.com/office/drawing/2010/main" w="9525">
+                <a:solidFill>
+                  <a:srgbClr val="000000"/>
+                </a:solidFill>
+                <a:miter lim="800000"/>
+                <a:headEnd/>
+                <a:tailEnd/>
+              </a14:hiddenLine>
+            </a:ext>
+          </a:extLst>
+        </p:spPr>
+        <p:txBody>
+          <a:bodyPr vert="horz" wrap="square" lIns="91440" tIns="45720" rIns="91440" bIns="45720" numCol="1" anchor="t" anchorCtr="0" compatLnSpc="1">
+            <a:prstTxWarp prst="textNoShape">
+              <a:avLst/>
+            </a:prstTxWarp>
+          </a:bodyPr>
+          <a:lstStyle>
+            <a:lvl1pPr marL="0" indent="0" algn="r" rtl="0" eaLnBrk="0" fontAlgn="base" hangingPunct="0">
+              <a:spcBef>
+                <a:spcPct val="20000"/>
+              </a:spcBef>
+              <a:spcAft>
+                <a:spcPct val="0"/>
+              </a:spcAft>
+              <a:buClr>
+                <a:schemeClr val="accent1"/>
+              </a:buClr>
+              <a:buFont typeface="Wingdings" panose="05000000000000000000" pitchFamily="2" charset="2"/>
+              <a:buNone/>
+              <a:defRPr sz="3200">
+                <a:solidFill>
+                  <a:schemeClr val="tx1"/>
+                </a:solidFill>
+                <a:latin typeface="+mn-lt"/>
+                <a:ea typeface="+mn-ea"/>
+                <a:cs typeface="+mn-cs"/>
+              </a:defRPr>
+            </a:lvl1pPr>
+            <a:lvl2pPr marL="742950" indent="-285750" algn="l" rtl="0" eaLnBrk="0" fontAlgn="base" hangingPunct="0">
+              <a:spcBef>
+                <a:spcPct val="20000"/>
+              </a:spcBef>
+              <a:spcAft>
+                <a:spcPct val="0"/>
+              </a:spcAft>
+              <a:buClr>
+                <a:schemeClr val="accent1"/>
+              </a:buClr>
+              <a:buFont typeface="Wingdings" panose="05000000000000000000" pitchFamily="2" charset="2"/>
+              <a:buChar char="¡"/>
+              <a:defRPr sz="2700">
+                <a:solidFill>
+                  <a:schemeClr val="tx1"/>
+                </a:solidFill>
+                <a:latin typeface="+mn-lt"/>
+              </a:defRPr>
+            </a:lvl2pPr>
+            <a:lvl3pPr marL="1143000" indent="-228600" algn="l" rtl="0" eaLnBrk="0" fontAlgn="base" hangingPunct="0">
+              <a:spcBef>
+                <a:spcPct val="20000"/>
+              </a:spcBef>
+              <a:spcAft>
+                <a:spcPct val="0"/>
+              </a:spcAft>
+              <a:buClr>
+                <a:schemeClr val="accent1"/>
+              </a:buClr>
+              <a:buFont typeface="Wingdings" panose="05000000000000000000" pitchFamily="2" charset="2"/>
+              <a:buChar char="l"/>
+              <a:defRPr sz="2300">
+                <a:solidFill>
+                  <a:schemeClr val="tx1"/>
+                </a:solidFill>
+                <a:latin typeface="+mn-lt"/>
+              </a:defRPr>
+            </a:lvl3pPr>
+            <a:lvl4pPr marL="1600200" indent="-228600" algn="l" rtl="0" eaLnBrk="0" fontAlgn="base" hangingPunct="0">
+              <a:spcBef>
+                <a:spcPct val="20000"/>
+              </a:spcBef>
+              <a:spcAft>
+                <a:spcPct val="0"/>
+              </a:spcAft>
+              <a:buClr>
+                <a:schemeClr val="accent1"/>
+              </a:buClr>
+              <a:buChar char="•"/>
+              <a:defRPr sz="2000">
+                <a:solidFill>
+                  <a:schemeClr val="tx1"/>
+                </a:solidFill>
+                <a:latin typeface="+mn-lt"/>
+              </a:defRPr>
+            </a:lvl4pPr>
+            <a:lvl5pPr marL="2057400" indent="-228600" algn="l" rtl="0" eaLnBrk="0" fontAlgn="base" hangingPunct="0">
+              <a:spcBef>
+                <a:spcPct val="20000"/>
+              </a:spcBef>
+              <a:spcAft>
+                <a:spcPct val="0"/>
+              </a:spcAft>
+              <a:buClr>
+                <a:schemeClr val="accent1"/>
+              </a:buClr>
+              <a:buFont typeface="Wingdings" panose="05000000000000000000" pitchFamily="2" charset="2"/>
+              <a:buChar char=""/>
+              <a:defRPr sz="2000">
+                <a:solidFill>
+                  <a:schemeClr val="tx1"/>
+                </a:solidFill>
+                <a:latin typeface="+mn-lt"/>
+              </a:defRPr>
+            </a:lvl5pPr>
+            <a:lvl6pPr marL="2514600" indent="-228600" algn="l" rtl="0" fontAlgn="base">
+              <a:spcBef>
+                <a:spcPct val="20000"/>
+              </a:spcBef>
+              <a:spcAft>
+                <a:spcPct val="0"/>
+              </a:spcAft>
+              <a:buClr>
+                <a:schemeClr val="accent1"/>
+              </a:buClr>
+              <a:buFont typeface="Wingdings" pitchFamily="2" charset="2"/>
+              <a:buChar char=""/>
+              <a:defRPr sz="2000">
+                <a:solidFill>
+                  <a:schemeClr val="tx1"/>
+                </a:solidFill>
+                <a:latin typeface="+mn-lt"/>
+              </a:defRPr>
+            </a:lvl6pPr>
+            <a:lvl7pPr marL="2971800" indent="-228600" algn="l" rtl="0" fontAlgn="base">
+              <a:spcBef>
+                <a:spcPct val="20000"/>
+              </a:spcBef>
+              <a:spcAft>
+                <a:spcPct val="0"/>
+              </a:spcAft>
+              <a:buClr>
+                <a:schemeClr val="accent1"/>
+              </a:buClr>
+              <a:buFont typeface="Wingdings" pitchFamily="2" charset="2"/>
+              <a:buChar char=""/>
+              <a:defRPr sz="2000">
+                <a:solidFill>
+                  <a:schemeClr val="tx1"/>
+                </a:solidFill>
+                <a:latin typeface="+mn-lt"/>
+              </a:defRPr>
+            </a:lvl7pPr>
+            <a:lvl8pPr marL="3429000" indent="-228600" algn="l" rtl="0" fontAlgn="base">
+              <a:spcBef>
+                <a:spcPct val="20000"/>
+              </a:spcBef>
+              <a:spcAft>
+                <a:spcPct val="0"/>
+              </a:spcAft>
+              <a:buClr>
+                <a:schemeClr val="accent1"/>
+              </a:buClr>
+              <a:buFont typeface="Wingdings" pitchFamily="2" charset="2"/>
+              <a:buChar char=""/>
+              <a:defRPr sz="2000">
+                <a:solidFill>
+                  <a:schemeClr val="tx1"/>
+                </a:solidFill>
+                <a:latin typeface="+mn-lt"/>
+              </a:defRPr>
+            </a:lvl8pPr>
+            <a:lvl9pPr marL="3886200" indent="-228600" algn="l" rtl="0" fontAlgn="base">
+              <a:spcBef>
+                <a:spcPct val="20000"/>
+              </a:spcBef>
+              <a:spcAft>
+                <a:spcPct val="0"/>
+              </a:spcAft>
+              <a:buClr>
+                <a:schemeClr val="accent1"/>
+              </a:buClr>
+              <a:buFont typeface="Wingdings" pitchFamily="2" charset="2"/>
+              <a:buChar char=""/>
+              <a:defRPr sz="2000">
+                <a:solidFill>
+                  <a:schemeClr val="tx1"/>
+                </a:solidFill>
+                <a:latin typeface="+mn-lt"/>
+              </a:defRPr>
+            </a:lvl9pPr>
+          </a:lstStyle>
+          <a:p>
+            <a:pPr eaLnBrk="1" hangingPunct="1"/>
+            <a:r>
+              <a:rPr lang="sr-Cyrl-RS" altLang="en-US" kern="0" dirty="0" smtClean="0">
+                <a:solidFill>
+                  <a:srgbClr val="993300"/>
+                </a:solidFill>
+                <a:latin typeface="Times New Roman" panose="02020603050405020304" pitchFamily="18" charset="0"/>
+                <a:cs typeface="Times New Roman" panose="02020603050405020304" pitchFamily="18" charset="0"/>
+              </a:rPr>
+              <a:t>Владимир Филиповић</a:t>
+            </a:r>
+            <a:endParaRPr lang="en-US" altLang="en-US" kern="0" dirty="0" smtClean="0">
+              <a:solidFill>
+                <a:srgbClr val="993300"/>
+              </a:solidFill>
+              <a:latin typeface="Times New Roman" panose="02020603050405020304" pitchFamily="18" charset="0"/>
+              <a:cs typeface="Times New Roman" panose="02020603050405020304" pitchFamily="18" charset="0"/>
+            </a:endParaRPr>
+          </a:p>
+          <a:p>
+            <a:pPr eaLnBrk="1" hangingPunct="1"/>
+            <a:r>
+              <a:rPr lang="sr-Latn-CS" altLang="en-US" kern="0" dirty="0" smtClean="0">
+                <a:hlinkClick r:id="rId2"/>
+              </a:rPr>
+              <a:t>vladaf@matf.bg.ac.</a:t>
+            </a:r>
+            <a:r>
+              <a:rPr lang="en-US" altLang="en-US" kern="0" dirty="0" err="1" smtClean="0">
+                <a:hlinkClick r:id="rId2"/>
+              </a:rPr>
+              <a:t>rs</a:t>
+            </a:r>
+            <a:endParaRPr lang="sr-Latn-RS" altLang="en-US" kern="0" dirty="0" smtClean="0"/>
+          </a:p>
+          <a:p>
+            <a:pPr eaLnBrk="1" hangingPunct="1"/>
+            <a:r>
+              <a:rPr lang="sr-Cyrl-RS" altLang="en-US" kern="0" dirty="0" smtClean="0">
+                <a:solidFill>
+                  <a:srgbClr val="993300"/>
+                </a:solidFill>
+                <a:latin typeface="Times New Roman" panose="02020603050405020304" pitchFamily="18" charset="0"/>
+                <a:cs typeface="Times New Roman" panose="02020603050405020304" pitchFamily="18" charset="0"/>
+              </a:rPr>
+              <a:t>Александар Картељ</a:t>
+            </a:r>
+            <a:endParaRPr lang="en-US" altLang="en-US" kern="0" dirty="0" smtClean="0">
+              <a:solidFill>
+                <a:srgbClr val="993300"/>
+              </a:solidFill>
+              <a:latin typeface="Times New Roman" panose="02020603050405020304" pitchFamily="18" charset="0"/>
+              <a:cs typeface="Times New Roman" panose="02020603050405020304" pitchFamily="18" charset="0"/>
+            </a:endParaRPr>
+          </a:p>
+          <a:p>
+            <a:pPr eaLnBrk="1" hangingPunct="1"/>
+            <a:r>
+              <a:rPr lang="en-US" altLang="en-US" kern="0" dirty="0" smtClean="0">
+                <a:hlinkClick r:id="rId3"/>
+              </a:rPr>
+              <a:t>k</a:t>
+            </a:r>
+            <a:r>
+              <a:rPr lang="sr-Latn-RS" altLang="en-US" kern="0" dirty="0" smtClean="0">
+                <a:hlinkClick r:id="rId3"/>
+              </a:rPr>
+              <a:t>artelj</a:t>
+            </a:r>
+            <a:r>
+              <a:rPr lang="en-US" altLang="en-US" kern="0" dirty="0" smtClean="0">
+                <a:hlinkClick r:id="rId3"/>
+              </a:rPr>
+              <a:t>@matf.bg.ac.rs</a:t>
+            </a:r>
+            <a:endParaRPr lang="en-US" altLang="en-US" kern="0" dirty="0"/>
+          </a:p>
+        </p:txBody>
+      </p:sp>
+    </p:spTree>
+    <p:extLst>
+      <p:ext uri="{BB962C8B-B14F-4D97-AF65-F5344CB8AC3E}">
+        <p14:creationId xmlns:p14="http://schemas.microsoft.com/office/powerpoint/2010/main" val="756229801"/>
+      </p:ext>
+    </p:extLst>
+  </p:cSld>
+  <p:clrMapOvr>
+    <a:masterClrMapping/>
+  </p:clrMapOvr>
+  <p:transition spd="slow"/>
+  <p:timing>
+    <p:tnLst>
+      <p:par>
+        <p:cTn id="1" dur="indefinite" restart="never" nodeType="tmRoot"/>
+      </p:par>
+    </p:tnLst>
+  </p:timing>
+</p:sld>
+</file>
+
+<file path=ppt/slides/slide11.xml><?xml version="1.0" encoding="utf-8"?>
+<p:sld xmlns:a="http://schemas.openxmlformats.org/drawingml/2006/main" xmlns:r="http://schemas.openxmlformats.org/officeDocument/2006/relationships" xmlns:p="http://schemas.openxmlformats.org/presentationml/2006/main">
+  <p:cSld>
+    <p:spTree>
+      <p:nvGrpSpPr>
+        <p:cNvPr id="1" name=""/>
+        <p:cNvGrpSpPr/>
+        <p:nvPr/>
+      </p:nvGrpSpPr>
+      <p:grpSpPr>
+        <a:xfrm>
+          <a:off x="0" y="0"/>
+          <a:ext cx="0" cy="0"/>
+          <a:chOff x="0" y="0"/>
+          <a:chExt cx="0" cy="0"/>
+        </a:xfrm>
+      </p:grpSpPr>
+      <p:sp>
+        <p:nvSpPr>
           <p:cNvPr id="5122" name="Text Box 2"/>
           <p:cNvSpPr txBox="1">
             <a:spLocks noChangeArrowheads="1"/>
@@ -5228,7 +5642,7 @@
 </p:sld>
 </file>
 
-<file path=ppt/slides/slide11.xml><?xml version="1.0" encoding="utf-8"?>
+<file path=ppt/slides/slide12.xml><?xml version="1.0" encoding="utf-8"?>
 <p:sld xmlns:a="http://schemas.openxmlformats.org/drawingml/2006/main" xmlns:r="http://schemas.openxmlformats.org/officeDocument/2006/relationships" xmlns:p="http://schemas.openxmlformats.org/presentationml/2006/main">
   <p:cSld>
     <p:spTree>
@@ -6902,7 +7316,7 @@
 </p:sld>
 </file>
 
-<file path=ppt/slides/slide12.xml><?xml version="1.0" encoding="utf-8"?>
+<file path=ppt/slides/slide13.xml><?xml version="1.0" encoding="utf-8"?>
 <p:sld xmlns:a="http://schemas.openxmlformats.org/drawingml/2006/main" xmlns:r="http://schemas.openxmlformats.org/officeDocument/2006/relationships" xmlns:p="http://schemas.openxmlformats.org/presentationml/2006/main">
   <p:cSld>
     <p:spTree>
@@ -8062,7 +8476,7 @@
 </p:sld>
 </file>
 
-<file path=ppt/slides/slide13.xml><?xml version="1.0" encoding="utf-8"?>
+<file path=ppt/slides/slide14.xml><?xml version="1.0" encoding="utf-8"?>
 <p:sld xmlns:a="http://schemas.openxmlformats.org/drawingml/2006/main" xmlns:r="http://schemas.openxmlformats.org/officeDocument/2006/relationships" xmlns:p="http://schemas.openxmlformats.org/presentationml/2006/main">
   <p:cSld>
     <p:spTree>
@@ -9368,7 +9782,7 @@
 </p:sld>
 </file>
 
-<file path=ppt/slides/slide14.xml><?xml version="1.0" encoding="utf-8"?>
+<file path=ppt/slides/slide15.xml><?xml version="1.0" encoding="utf-8"?>
 <p:sld xmlns:a="http://schemas.openxmlformats.org/drawingml/2006/main" xmlns:r="http://schemas.openxmlformats.org/officeDocument/2006/relationships" xmlns:p="http://schemas.openxmlformats.org/presentationml/2006/main">
   <p:cSld>
     <p:spTree>
@@ -10647,7 +11061,7 @@
 </p:sld>
 </file>
 
-<file path=ppt/slides/slide15.xml><?xml version="1.0" encoding="utf-8"?>
+<file path=ppt/slides/slide16.xml><?xml version="1.0" encoding="utf-8"?>
 <p:sld xmlns:a="http://schemas.openxmlformats.org/drawingml/2006/main" xmlns:r="http://schemas.openxmlformats.org/officeDocument/2006/relationships" xmlns:p="http://schemas.openxmlformats.org/presentationml/2006/main">
   <p:cSld>
     <p:spTree>
@@ -12217,7 +12631,7 @@
 </p:sld>
 </file>
 
-<file path=ppt/slides/slide16.xml><?xml version="1.0" encoding="utf-8"?>
+<file path=ppt/slides/slide17.xml><?xml version="1.0" encoding="utf-8"?>
 <p:sld xmlns:a="http://schemas.openxmlformats.org/drawingml/2006/main" xmlns:r="http://schemas.openxmlformats.org/officeDocument/2006/relationships" xmlns:p="http://schemas.openxmlformats.org/presentationml/2006/main">
   <p:cSld>
     <p:spTree>
@@ -13786,7 +14200,7 @@
 </p:sld>
 </file>
 
-<file path=ppt/slides/slide17.xml><?xml version="1.0" encoding="utf-8"?>
+<file path=ppt/slides/slide18.xml><?xml version="1.0" encoding="utf-8"?>
 <p:sld xmlns:a="http://schemas.openxmlformats.org/drawingml/2006/main" xmlns:r="http://schemas.openxmlformats.org/officeDocument/2006/relationships" xmlns:p="http://schemas.openxmlformats.org/presentationml/2006/main">
   <p:cSld>
     <p:spTree>
@@ -15344,7 +15758,7 @@
 </p:sld>
 </file>
 
-<file path=ppt/slides/slide18.xml><?xml version="1.0" encoding="utf-8"?>
+<file path=ppt/slides/slide19.xml><?xml version="1.0" encoding="utf-8"?>
 <p:sld xmlns:a="http://schemas.openxmlformats.org/drawingml/2006/main" xmlns:r="http://schemas.openxmlformats.org/officeDocument/2006/relationships" xmlns:p="http://schemas.openxmlformats.org/presentationml/2006/main">
   <p:cSld>
     <p:spTree>
@@ -16761,7 +17175,392 @@
 </p:sld>
 </file>
 
-<file path=ppt/slides/slide19.xml><?xml version="1.0" encoding="utf-8"?>
+<file path=ppt/slides/slide2.xml><?xml version="1.0" encoding="utf-8"?>
+<p:sld xmlns:a="http://schemas.openxmlformats.org/drawingml/2006/main" xmlns:r="http://schemas.openxmlformats.org/officeDocument/2006/relationships" xmlns:p="http://schemas.openxmlformats.org/presentationml/2006/main">
+  <p:cSld>
+    <p:spTree>
+      <p:nvGrpSpPr>
+        <p:cNvPr id="1" name=""/>
+        <p:cNvGrpSpPr/>
+        <p:nvPr/>
+      </p:nvGrpSpPr>
+      <p:grpSpPr>
+        <a:xfrm>
+          <a:off x="0" y="0"/>
+          <a:ext cx="0" cy="0"/>
+          <a:chOff x="0" y="0"/>
+          <a:chExt cx="0" cy="0"/>
+        </a:xfrm>
+      </p:grpSpPr>
+      <p:sp>
+        <p:nvSpPr>
+          <p:cNvPr id="4098" name="Rectangle 2"/>
+          <p:cNvSpPr>
+            <a:spLocks noGrp="1" noChangeArrowheads="1"/>
+          </p:cNvSpPr>
+          <p:nvPr>
+            <p:ph type="ctrTitle"/>
+          </p:nvPr>
+        </p:nvSpPr>
+        <p:spPr>
+          <a:xfrm>
+            <a:off x="395288" y="1628775"/>
+            <a:ext cx="8569325" cy="1144588"/>
+          </a:xfrm>
+        </p:spPr>
+        <p:txBody>
+          <a:bodyPr/>
+          <a:lstStyle/>
+          <a:p>
+            <a:pPr eaLnBrk="1" hangingPunct="1"/>
+            <a:r>
+              <a:rPr lang="sr-Cyrl-RS" altLang="en-US" sz="5400" dirty="0" smtClean="0">
+                <a:solidFill>
+                  <a:srgbClr val="3366FF"/>
+                </a:solidFill>
+              </a:rPr>
+              <a:t>Улазна тачка Јава програма</a:t>
+            </a:r>
+            <a:br>
+              <a:rPr lang="sr-Cyrl-RS" altLang="en-US" sz="5400" dirty="0" smtClean="0">
+                <a:solidFill>
+                  <a:srgbClr val="3366FF"/>
+                </a:solidFill>
+              </a:rPr>
+            </a:br>
+            <a:r>
+              <a:rPr lang="sr-Cyrl-RS" altLang="en-US" sz="5400" dirty="0" smtClean="0">
+                <a:solidFill>
+                  <a:srgbClr val="3366FF"/>
+                </a:solidFill>
+              </a:rPr>
+              <a:t>Статичке функције</a:t>
+            </a:r>
+            <a:endParaRPr lang="sr-Latn-CS" altLang="en-US" sz="5400" dirty="0" smtClean="0">
+              <a:solidFill>
+                <a:srgbClr val="3366FF"/>
+              </a:solidFill>
+            </a:endParaRPr>
+          </a:p>
+        </p:txBody>
+      </p:sp>
+      <p:sp>
+        <p:nvSpPr>
+          <p:cNvPr id="5" name="Rectangle 3"/>
+          <p:cNvSpPr txBox="1">
+            <a:spLocks noChangeArrowheads="1"/>
+          </p:cNvSpPr>
+          <p:nvPr/>
+        </p:nvSpPr>
+        <p:spPr bwMode="auto">
+          <a:xfrm>
+            <a:off x="3563888" y="3356992"/>
+            <a:ext cx="5110162" cy="1752600"/>
+          </a:xfrm>
+          <a:prstGeom prst="rect">
+            <a:avLst/>
+          </a:prstGeom>
+          <a:noFill/>
+          <a:ln>
+            <a:noFill/>
+          </a:ln>
+          <a:extLst>
+            <a:ext uri="{909E8E84-426E-40DD-AFC4-6F175D3DCCD1}">
+              <a14:hiddenFill xmlns:a14="http://schemas.microsoft.com/office/drawing/2010/main">
+                <a:solidFill>
+                  <a:srgbClr val="FFFFFF"/>
+                </a:solidFill>
+              </a14:hiddenFill>
+            </a:ext>
+            <a:ext uri="{91240B29-F687-4F45-9708-019B960494DF}">
+              <a14:hiddenLine xmlns:a14="http://schemas.microsoft.com/office/drawing/2010/main" w="9525">
+                <a:solidFill>
+                  <a:srgbClr val="000000"/>
+                </a:solidFill>
+                <a:miter lim="800000"/>
+                <a:headEnd/>
+                <a:tailEnd/>
+              </a14:hiddenLine>
+            </a:ext>
+          </a:extLst>
+        </p:spPr>
+        <p:txBody>
+          <a:bodyPr vert="horz" wrap="square" lIns="91440" tIns="45720" rIns="91440" bIns="45720" numCol="1" anchor="t" anchorCtr="0" compatLnSpc="1">
+            <a:prstTxWarp prst="textNoShape">
+              <a:avLst/>
+            </a:prstTxWarp>
+          </a:bodyPr>
+          <a:lstStyle>
+            <a:lvl1pPr marL="0" indent="0" algn="r" rtl="0" eaLnBrk="0" fontAlgn="base" hangingPunct="0">
+              <a:spcBef>
+                <a:spcPct val="20000"/>
+              </a:spcBef>
+              <a:spcAft>
+                <a:spcPct val="0"/>
+              </a:spcAft>
+              <a:buClr>
+                <a:schemeClr val="accent1"/>
+              </a:buClr>
+              <a:buFont typeface="Wingdings" panose="05000000000000000000" pitchFamily="2" charset="2"/>
+              <a:buNone/>
+              <a:defRPr sz="3200">
+                <a:solidFill>
+                  <a:schemeClr val="tx1"/>
+                </a:solidFill>
+                <a:latin typeface="+mn-lt"/>
+                <a:ea typeface="+mn-ea"/>
+                <a:cs typeface="+mn-cs"/>
+              </a:defRPr>
+            </a:lvl1pPr>
+            <a:lvl2pPr marL="742950" indent="-285750" algn="l" rtl="0" eaLnBrk="0" fontAlgn="base" hangingPunct="0">
+              <a:spcBef>
+                <a:spcPct val="20000"/>
+              </a:spcBef>
+              <a:spcAft>
+                <a:spcPct val="0"/>
+              </a:spcAft>
+              <a:buClr>
+                <a:schemeClr val="accent1"/>
+              </a:buClr>
+              <a:buFont typeface="Wingdings" panose="05000000000000000000" pitchFamily="2" charset="2"/>
+              <a:buChar char="¡"/>
+              <a:defRPr sz="2700">
+                <a:solidFill>
+                  <a:schemeClr val="tx1"/>
+                </a:solidFill>
+                <a:latin typeface="+mn-lt"/>
+              </a:defRPr>
+            </a:lvl2pPr>
+            <a:lvl3pPr marL="1143000" indent="-228600" algn="l" rtl="0" eaLnBrk="0" fontAlgn="base" hangingPunct="0">
+              <a:spcBef>
+                <a:spcPct val="20000"/>
+              </a:spcBef>
+              <a:spcAft>
+                <a:spcPct val="0"/>
+              </a:spcAft>
+              <a:buClr>
+                <a:schemeClr val="accent1"/>
+              </a:buClr>
+              <a:buFont typeface="Wingdings" panose="05000000000000000000" pitchFamily="2" charset="2"/>
+              <a:buChar char="l"/>
+              <a:defRPr sz="2300">
+                <a:solidFill>
+                  <a:schemeClr val="tx1"/>
+                </a:solidFill>
+                <a:latin typeface="+mn-lt"/>
+              </a:defRPr>
+            </a:lvl3pPr>
+            <a:lvl4pPr marL="1600200" indent="-228600" algn="l" rtl="0" eaLnBrk="0" fontAlgn="base" hangingPunct="0">
+              <a:spcBef>
+                <a:spcPct val="20000"/>
+              </a:spcBef>
+              <a:spcAft>
+                <a:spcPct val="0"/>
+              </a:spcAft>
+              <a:buClr>
+                <a:schemeClr val="accent1"/>
+              </a:buClr>
+              <a:buChar char="•"/>
+              <a:defRPr sz="2000">
+                <a:solidFill>
+                  <a:schemeClr val="tx1"/>
+                </a:solidFill>
+                <a:latin typeface="+mn-lt"/>
+              </a:defRPr>
+            </a:lvl4pPr>
+            <a:lvl5pPr marL="2057400" indent="-228600" algn="l" rtl="0" eaLnBrk="0" fontAlgn="base" hangingPunct="0">
+              <a:spcBef>
+                <a:spcPct val="20000"/>
+              </a:spcBef>
+              <a:spcAft>
+                <a:spcPct val="0"/>
+              </a:spcAft>
+              <a:buClr>
+                <a:schemeClr val="accent1"/>
+              </a:buClr>
+              <a:buFont typeface="Wingdings" panose="05000000000000000000" pitchFamily="2" charset="2"/>
+              <a:buChar char=""/>
+              <a:defRPr sz="2000">
+                <a:solidFill>
+                  <a:schemeClr val="tx1"/>
+                </a:solidFill>
+                <a:latin typeface="+mn-lt"/>
+              </a:defRPr>
+            </a:lvl5pPr>
+            <a:lvl6pPr marL="2514600" indent="-228600" algn="l" rtl="0" fontAlgn="base">
+              <a:spcBef>
+                <a:spcPct val="20000"/>
+              </a:spcBef>
+              <a:spcAft>
+                <a:spcPct val="0"/>
+              </a:spcAft>
+              <a:buClr>
+                <a:schemeClr val="accent1"/>
+              </a:buClr>
+              <a:buFont typeface="Wingdings" pitchFamily="2" charset="2"/>
+              <a:buChar char=""/>
+              <a:defRPr sz="2000">
+                <a:solidFill>
+                  <a:schemeClr val="tx1"/>
+                </a:solidFill>
+                <a:latin typeface="+mn-lt"/>
+              </a:defRPr>
+            </a:lvl6pPr>
+            <a:lvl7pPr marL="2971800" indent="-228600" algn="l" rtl="0" fontAlgn="base">
+              <a:spcBef>
+                <a:spcPct val="20000"/>
+              </a:spcBef>
+              <a:spcAft>
+                <a:spcPct val="0"/>
+              </a:spcAft>
+              <a:buClr>
+                <a:schemeClr val="accent1"/>
+              </a:buClr>
+              <a:buFont typeface="Wingdings" pitchFamily="2" charset="2"/>
+              <a:buChar char=""/>
+              <a:defRPr sz="2000">
+                <a:solidFill>
+                  <a:schemeClr val="tx1"/>
+                </a:solidFill>
+                <a:latin typeface="+mn-lt"/>
+              </a:defRPr>
+            </a:lvl7pPr>
+            <a:lvl8pPr marL="3429000" indent="-228600" algn="l" rtl="0" fontAlgn="base">
+              <a:spcBef>
+                <a:spcPct val="20000"/>
+              </a:spcBef>
+              <a:spcAft>
+                <a:spcPct val="0"/>
+              </a:spcAft>
+              <a:buClr>
+                <a:schemeClr val="accent1"/>
+              </a:buClr>
+              <a:buFont typeface="Wingdings" pitchFamily="2" charset="2"/>
+              <a:buChar char=""/>
+              <a:defRPr sz="2000">
+                <a:solidFill>
+                  <a:schemeClr val="tx1"/>
+                </a:solidFill>
+                <a:latin typeface="+mn-lt"/>
+              </a:defRPr>
+            </a:lvl8pPr>
+            <a:lvl9pPr marL="3886200" indent="-228600" algn="l" rtl="0" fontAlgn="base">
+              <a:spcBef>
+                <a:spcPct val="20000"/>
+              </a:spcBef>
+              <a:spcAft>
+                <a:spcPct val="0"/>
+              </a:spcAft>
+              <a:buClr>
+                <a:schemeClr val="accent1"/>
+              </a:buClr>
+              <a:buFont typeface="Wingdings" pitchFamily="2" charset="2"/>
+              <a:buChar char=""/>
+              <a:defRPr sz="2000">
+                <a:solidFill>
+                  <a:schemeClr val="tx1"/>
+                </a:solidFill>
+                <a:latin typeface="+mn-lt"/>
+              </a:defRPr>
+            </a:lvl9pPr>
+          </a:lstStyle>
+          <a:p>
+            <a:pPr eaLnBrk="1" hangingPunct="1"/>
+            <a:r>
+              <a:rPr lang="sr-Cyrl-RS" altLang="en-US" kern="0" dirty="0" smtClean="0">
+                <a:solidFill>
+                  <a:srgbClr val="993300"/>
+                </a:solidFill>
+                <a:latin typeface="Times New Roman" panose="02020603050405020304" pitchFamily="18" charset="0"/>
+                <a:cs typeface="Times New Roman" panose="02020603050405020304" pitchFamily="18" charset="0"/>
+              </a:rPr>
+              <a:t>Владимир Филиповић</a:t>
+            </a:r>
+            <a:endParaRPr lang="en-US" altLang="en-US" kern="0" dirty="0" smtClean="0">
+              <a:solidFill>
+                <a:srgbClr val="993300"/>
+              </a:solidFill>
+              <a:latin typeface="Times New Roman" panose="02020603050405020304" pitchFamily="18" charset="0"/>
+              <a:cs typeface="Times New Roman" panose="02020603050405020304" pitchFamily="18" charset="0"/>
+            </a:endParaRPr>
+          </a:p>
+          <a:p>
+            <a:pPr eaLnBrk="1" hangingPunct="1"/>
+            <a:r>
+              <a:rPr lang="sr-Latn-CS" altLang="en-US" kern="0" dirty="0" smtClean="0">
+                <a:hlinkClick r:id="rId2"/>
+              </a:rPr>
+              <a:t>vladaf@matf.bg.ac.</a:t>
+            </a:r>
+            <a:r>
+              <a:rPr lang="en-US" altLang="en-US" kern="0" dirty="0" err="1" smtClean="0">
+                <a:hlinkClick r:id="rId2"/>
+              </a:rPr>
+              <a:t>rs</a:t>
+            </a:r>
+            <a:endParaRPr lang="sr-Latn-RS" altLang="en-US" kern="0" dirty="0" smtClean="0"/>
+          </a:p>
+          <a:p>
+            <a:pPr eaLnBrk="1" hangingPunct="1"/>
+            <a:r>
+              <a:rPr lang="sr-Cyrl-RS" altLang="en-US" kern="0" dirty="0" smtClean="0">
+                <a:solidFill>
+                  <a:srgbClr val="993300"/>
+                </a:solidFill>
+                <a:latin typeface="Times New Roman" panose="02020603050405020304" pitchFamily="18" charset="0"/>
+                <a:cs typeface="Times New Roman" panose="02020603050405020304" pitchFamily="18" charset="0"/>
+              </a:rPr>
+              <a:t>Александар Картељ</a:t>
+            </a:r>
+            <a:endParaRPr lang="en-US" altLang="en-US" kern="0" dirty="0" smtClean="0">
+              <a:solidFill>
+                <a:srgbClr val="993300"/>
+              </a:solidFill>
+              <a:latin typeface="Times New Roman" panose="02020603050405020304" pitchFamily="18" charset="0"/>
+              <a:cs typeface="Times New Roman" panose="02020603050405020304" pitchFamily="18" charset="0"/>
+            </a:endParaRPr>
+          </a:p>
+          <a:p>
+            <a:pPr eaLnBrk="1" hangingPunct="1"/>
+            <a:r>
+              <a:rPr lang="en-US" altLang="en-US" kern="0" dirty="0" smtClean="0">
+                <a:hlinkClick r:id="rId3"/>
+              </a:rPr>
+              <a:t>k</a:t>
+            </a:r>
+            <a:r>
+              <a:rPr lang="sr-Latn-RS" altLang="en-US" kern="0" dirty="0" smtClean="0">
+                <a:hlinkClick r:id="rId3"/>
+              </a:rPr>
+              <a:t>artelj</a:t>
+            </a:r>
+            <a:r>
+              <a:rPr lang="en-US" altLang="en-US" kern="0" dirty="0" smtClean="0">
+                <a:hlinkClick r:id="rId3"/>
+              </a:rPr>
+              <a:t>@matf.bg.ac.rs</a:t>
+            </a:r>
+            <a:endParaRPr lang="en-US" altLang="en-US" kern="0" dirty="0"/>
+          </a:p>
+        </p:txBody>
+      </p:sp>
+    </p:spTree>
+  </p:cSld>
+  <p:clrMapOvr>
+    <a:masterClrMapping/>
+  </p:clrMapOvr>
+  <p:transition spd="slow"/>
+  <p:timing>
+    <p:tnLst>
+      <p:par>
+        <p:cTn id="1" dur="indefinite" restart="never" nodeType="tmRoot"/>
+      </p:par>
+    </p:tnLst>
+  </p:timing>
+</p:sld>
+</file>
+
+<file path=ppt/slides/slide20.xml><?xml version="1.0" encoding="utf-8"?>
 <p:sld xmlns:a="http://schemas.openxmlformats.org/drawingml/2006/main" xmlns:r="http://schemas.openxmlformats.org/officeDocument/2006/relationships" xmlns:p="http://schemas.openxmlformats.org/presentationml/2006/main">
   <p:cSld>
     <p:spTree>
@@ -18334,392 +19133,7 @@
 </p:sld>
 </file>
 
-<file path=ppt/slides/slide2.xml><?xml version="1.0" encoding="utf-8"?>
-<p:sld xmlns:a="http://schemas.openxmlformats.org/drawingml/2006/main" xmlns:r="http://schemas.openxmlformats.org/officeDocument/2006/relationships" xmlns:p="http://schemas.openxmlformats.org/presentationml/2006/main">
-  <p:cSld>
-    <p:spTree>
-      <p:nvGrpSpPr>
-        <p:cNvPr id="1" name=""/>
-        <p:cNvGrpSpPr/>
-        <p:nvPr/>
-      </p:nvGrpSpPr>
-      <p:grpSpPr>
-        <a:xfrm>
-          <a:off x="0" y="0"/>
-          <a:ext cx="0" cy="0"/>
-          <a:chOff x="0" y="0"/>
-          <a:chExt cx="0" cy="0"/>
-        </a:xfrm>
-      </p:grpSpPr>
-      <p:sp>
-        <p:nvSpPr>
-          <p:cNvPr id="4098" name="Rectangle 2"/>
-          <p:cNvSpPr>
-            <a:spLocks noGrp="1" noChangeArrowheads="1"/>
-          </p:cNvSpPr>
-          <p:nvPr>
-            <p:ph type="ctrTitle"/>
-          </p:nvPr>
-        </p:nvSpPr>
-        <p:spPr>
-          <a:xfrm>
-            <a:off x="395288" y="1628775"/>
-            <a:ext cx="8569325" cy="1144588"/>
-          </a:xfrm>
-        </p:spPr>
-        <p:txBody>
-          <a:bodyPr/>
-          <a:lstStyle/>
-          <a:p>
-            <a:pPr eaLnBrk="1" hangingPunct="1"/>
-            <a:r>
-              <a:rPr lang="sr-Cyrl-RS" altLang="en-US" sz="5400" dirty="0" smtClean="0">
-                <a:solidFill>
-                  <a:srgbClr val="3366FF"/>
-                </a:solidFill>
-              </a:rPr>
-              <a:t>Улазна тачка Јава програма</a:t>
-            </a:r>
-            <a:br>
-              <a:rPr lang="sr-Cyrl-RS" altLang="en-US" sz="5400" dirty="0" smtClean="0">
-                <a:solidFill>
-                  <a:srgbClr val="3366FF"/>
-                </a:solidFill>
-              </a:rPr>
-            </a:br>
-            <a:r>
-              <a:rPr lang="sr-Cyrl-RS" altLang="en-US" sz="5400" dirty="0" smtClean="0">
-                <a:solidFill>
-                  <a:srgbClr val="3366FF"/>
-                </a:solidFill>
-              </a:rPr>
-              <a:t>Статичке функције</a:t>
-            </a:r>
-            <a:endParaRPr lang="sr-Latn-CS" altLang="en-US" sz="5400" dirty="0" smtClean="0">
-              <a:solidFill>
-                <a:srgbClr val="3366FF"/>
-              </a:solidFill>
-            </a:endParaRPr>
-          </a:p>
-        </p:txBody>
-      </p:sp>
-      <p:sp>
-        <p:nvSpPr>
-          <p:cNvPr id="5" name="Rectangle 3"/>
-          <p:cNvSpPr txBox="1">
-            <a:spLocks noChangeArrowheads="1"/>
-          </p:cNvSpPr>
-          <p:nvPr/>
-        </p:nvSpPr>
-        <p:spPr bwMode="auto">
-          <a:xfrm>
-            <a:off x="3563888" y="3356992"/>
-            <a:ext cx="5110162" cy="1752600"/>
-          </a:xfrm>
-          <a:prstGeom prst="rect">
-            <a:avLst/>
-          </a:prstGeom>
-          <a:noFill/>
-          <a:ln>
-            <a:noFill/>
-          </a:ln>
-          <a:extLst>
-            <a:ext uri="{909E8E84-426E-40DD-AFC4-6F175D3DCCD1}">
-              <a14:hiddenFill xmlns:a14="http://schemas.microsoft.com/office/drawing/2010/main">
-                <a:solidFill>
-                  <a:srgbClr val="FFFFFF"/>
-                </a:solidFill>
-              </a14:hiddenFill>
-            </a:ext>
-            <a:ext uri="{91240B29-F687-4F45-9708-019B960494DF}">
-              <a14:hiddenLine xmlns:a14="http://schemas.microsoft.com/office/drawing/2010/main" w="9525">
-                <a:solidFill>
-                  <a:srgbClr val="000000"/>
-                </a:solidFill>
-                <a:miter lim="800000"/>
-                <a:headEnd/>
-                <a:tailEnd/>
-              </a14:hiddenLine>
-            </a:ext>
-          </a:extLst>
-        </p:spPr>
-        <p:txBody>
-          <a:bodyPr vert="horz" wrap="square" lIns="91440" tIns="45720" rIns="91440" bIns="45720" numCol="1" anchor="t" anchorCtr="0" compatLnSpc="1">
-            <a:prstTxWarp prst="textNoShape">
-              <a:avLst/>
-            </a:prstTxWarp>
-          </a:bodyPr>
-          <a:lstStyle>
-            <a:lvl1pPr marL="0" indent="0" algn="r" rtl="0" eaLnBrk="0" fontAlgn="base" hangingPunct="0">
-              <a:spcBef>
-                <a:spcPct val="20000"/>
-              </a:spcBef>
-              <a:spcAft>
-                <a:spcPct val="0"/>
-              </a:spcAft>
-              <a:buClr>
-                <a:schemeClr val="accent1"/>
-              </a:buClr>
-              <a:buFont typeface="Wingdings" panose="05000000000000000000" pitchFamily="2" charset="2"/>
-              <a:buNone/>
-              <a:defRPr sz="3200">
-                <a:solidFill>
-                  <a:schemeClr val="tx1"/>
-                </a:solidFill>
-                <a:latin typeface="+mn-lt"/>
-                <a:ea typeface="+mn-ea"/>
-                <a:cs typeface="+mn-cs"/>
-              </a:defRPr>
-            </a:lvl1pPr>
-            <a:lvl2pPr marL="742950" indent="-285750" algn="l" rtl="0" eaLnBrk="0" fontAlgn="base" hangingPunct="0">
-              <a:spcBef>
-                <a:spcPct val="20000"/>
-              </a:spcBef>
-              <a:spcAft>
-                <a:spcPct val="0"/>
-              </a:spcAft>
-              <a:buClr>
-                <a:schemeClr val="accent1"/>
-              </a:buClr>
-              <a:buFont typeface="Wingdings" panose="05000000000000000000" pitchFamily="2" charset="2"/>
-              <a:buChar char="¡"/>
-              <a:defRPr sz="2700">
-                <a:solidFill>
-                  <a:schemeClr val="tx1"/>
-                </a:solidFill>
-                <a:latin typeface="+mn-lt"/>
-              </a:defRPr>
-            </a:lvl2pPr>
-            <a:lvl3pPr marL="1143000" indent="-228600" algn="l" rtl="0" eaLnBrk="0" fontAlgn="base" hangingPunct="0">
-              <a:spcBef>
-                <a:spcPct val="20000"/>
-              </a:spcBef>
-              <a:spcAft>
-                <a:spcPct val="0"/>
-              </a:spcAft>
-              <a:buClr>
-                <a:schemeClr val="accent1"/>
-              </a:buClr>
-              <a:buFont typeface="Wingdings" panose="05000000000000000000" pitchFamily="2" charset="2"/>
-              <a:buChar char="l"/>
-              <a:defRPr sz="2300">
-                <a:solidFill>
-                  <a:schemeClr val="tx1"/>
-                </a:solidFill>
-                <a:latin typeface="+mn-lt"/>
-              </a:defRPr>
-            </a:lvl3pPr>
-            <a:lvl4pPr marL="1600200" indent="-228600" algn="l" rtl="0" eaLnBrk="0" fontAlgn="base" hangingPunct="0">
-              <a:spcBef>
-                <a:spcPct val="20000"/>
-              </a:spcBef>
-              <a:spcAft>
-                <a:spcPct val="0"/>
-              </a:spcAft>
-              <a:buClr>
-                <a:schemeClr val="accent1"/>
-              </a:buClr>
-              <a:buChar char="•"/>
-              <a:defRPr sz="2000">
-                <a:solidFill>
-                  <a:schemeClr val="tx1"/>
-                </a:solidFill>
-                <a:latin typeface="+mn-lt"/>
-              </a:defRPr>
-            </a:lvl4pPr>
-            <a:lvl5pPr marL="2057400" indent="-228600" algn="l" rtl="0" eaLnBrk="0" fontAlgn="base" hangingPunct="0">
-              <a:spcBef>
-                <a:spcPct val="20000"/>
-              </a:spcBef>
-              <a:spcAft>
-                <a:spcPct val="0"/>
-              </a:spcAft>
-              <a:buClr>
-                <a:schemeClr val="accent1"/>
-              </a:buClr>
-              <a:buFont typeface="Wingdings" panose="05000000000000000000" pitchFamily="2" charset="2"/>
-              <a:buChar char=""/>
-              <a:defRPr sz="2000">
-                <a:solidFill>
-                  <a:schemeClr val="tx1"/>
-                </a:solidFill>
-                <a:latin typeface="+mn-lt"/>
-              </a:defRPr>
-            </a:lvl5pPr>
-            <a:lvl6pPr marL="2514600" indent="-228600" algn="l" rtl="0" fontAlgn="base">
-              <a:spcBef>
-                <a:spcPct val="20000"/>
-              </a:spcBef>
-              <a:spcAft>
-                <a:spcPct val="0"/>
-              </a:spcAft>
-              <a:buClr>
-                <a:schemeClr val="accent1"/>
-              </a:buClr>
-              <a:buFont typeface="Wingdings" pitchFamily="2" charset="2"/>
-              <a:buChar char=""/>
-              <a:defRPr sz="2000">
-                <a:solidFill>
-                  <a:schemeClr val="tx1"/>
-                </a:solidFill>
-                <a:latin typeface="+mn-lt"/>
-              </a:defRPr>
-            </a:lvl6pPr>
-            <a:lvl7pPr marL="2971800" indent="-228600" algn="l" rtl="0" fontAlgn="base">
-              <a:spcBef>
-                <a:spcPct val="20000"/>
-              </a:spcBef>
-              <a:spcAft>
-                <a:spcPct val="0"/>
-              </a:spcAft>
-              <a:buClr>
-                <a:schemeClr val="accent1"/>
-              </a:buClr>
-              <a:buFont typeface="Wingdings" pitchFamily="2" charset="2"/>
-              <a:buChar char=""/>
-              <a:defRPr sz="2000">
-                <a:solidFill>
-                  <a:schemeClr val="tx1"/>
-                </a:solidFill>
-                <a:latin typeface="+mn-lt"/>
-              </a:defRPr>
-            </a:lvl7pPr>
-            <a:lvl8pPr marL="3429000" indent="-228600" algn="l" rtl="0" fontAlgn="base">
-              <a:spcBef>
-                <a:spcPct val="20000"/>
-              </a:spcBef>
-              <a:spcAft>
-                <a:spcPct val="0"/>
-              </a:spcAft>
-              <a:buClr>
-                <a:schemeClr val="accent1"/>
-              </a:buClr>
-              <a:buFont typeface="Wingdings" pitchFamily="2" charset="2"/>
-              <a:buChar char=""/>
-              <a:defRPr sz="2000">
-                <a:solidFill>
-                  <a:schemeClr val="tx1"/>
-                </a:solidFill>
-                <a:latin typeface="+mn-lt"/>
-              </a:defRPr>
-            </a:lvl8pPr>
-            <a:lvl9pPr marL="3886200" indent="-228600" algn="l" rtl="0" fontAlgn="base">
-              <a:spcBef>
-                <a:spcPct val="20000"/>
-              </a:spcBef>
-              <a:spcAft>
-                <a:spcPct val="0"/>
-              </a:spcAft>
-              <a:buClr>
-                <a:schemeClr val="accent1"/>
-              </a:buClr>
-              <a:buFont typeface="Wingdings" pitchFamily="2" charset="2"/>
-              <a:buChar char=""/>
-              <a:defRPr sz="2000">
-                <a:solidFill>
-                  <a:schemeClr val="tx1"/>
-                </a:solidFill>
-                <a:latin typeface="+mn-lt"/>
-              </a:defRPr>
-            </a:lvl9pPr>
-          </a:lstStyle>
-          <a:p>
-            <a:pPr eaLnBrk="1" hangingPunct="1"/>
-            <a:r>
-              <a:rPr lang="sr-Cyrl-RS" altLang="en-US" kern="0" dirty="0" smtClean="0">
-                <a:solidFill>
-                  <a:srgbClr val="993300"/>
-                </a:solidFill>
-                <a:latin typeface="Times New Roman" panose="02020603050405020304" pitchFamily="18" charset="0"/>
-                <a:cs typeface="Times New Roman" panose="02020603050405020304" pitchFamily="18" charset="0"/>
-              </a:rPr>
-              <a:t>Владимир Филиповић</a:t>
-            </a:r>
-            <a:endParaRPr lang="en-US" altLang="en-US" kern="0" dirty="0" smtClean="0">
-              <a:solidFill>
-                <a:srgbClr val="993300"/>
-              </a:solidFill>
-              <a:latin typeface="Times New Roman" panose="02020603050405020304" pitchFamily="18" charset="0"/>
-              <a:cs typeface="Times New Roman" panose="02020603050405020304" pitchFamily="18" charset="0"/>
-            </a:endParaRPr>
-          </a:p>
-          <a:p>
-            <a:pPr eaLnBrk="1" hangingPunct="1"/>
-            <a:r>
-              <a:rPr lang="sr-Latn-CS" altLang="en-US" kern="0" dirty="0" smtClean="0">
-                <a:hlinkClick r:id="rId2"/>
-              </a:rPr>
-              <a:t>vladaf@matf.bg.ac.</a:t>
-            </a:r>
-            <a:r>
-              <a:rPr lang="en-US" altLang="en-US" kern="0" dirty="0" err="1" smtClean="0">
-                <a:hlinkClick r:id="rId2"/>
-              </a:rPr>
-              <a:t>rs</a:t>
-            </a:r>
-            <a:endParaRPr lang="sr-Latn-RS" altLang="en-US" kern="0" dirty="0" smtClean="0"/>
-          </a:p>
-          <a:p>
-            <a:pPr eaLnBrk="1" hangingPunct="1"/>
-            <a:r>
-              <a:rPr lang="sr-Cyrl-RS" altLang="en-US" kern="0" dirty="0" smtClean="0">
-                <a:solidFill>
-                  <a:srgbClr val="993300"/>
-                </a:solidFill>
-                <a:latin typeface="Times New Roman" panose="02020603050405020304" pitchFamily="18" charset="0"/>
-                <a:cs typeface="Times New Roman" panose="02020603050405020304" pitchFamily="18" charset="0"/>
-              </a:rPr>
-              <a:t>Александар Картељ</a:t>
-            </a:r>
-            <a:endParaRPr lang="en-US" altLang="en-US" kern="0" dirty="0" smtClean="0">
-              <a:solidFill>
-                <a:srgbClr val="993300"/>
-              </a:solidFill>
-              <a:latin typeface="Times New Roman" panose="02020603050405020304" pitchFamily="18" charset="0"/>
-              <a:cs typeface="Times New Roman" panose="02020603050405020304" pitchFamily="18" charset="0"/>
-            </a:endParaRPr>
-          </a:p>
-          <a:p>
-            <a:pPr eaLnBrk="1" hangingPunct="1"/>
-            <a:r>
-              <a:rPr lang="en-US" altLang="en-US" kern="0" dirty="0" smtClean="0">
-                <a:hlinkClick r:id="rId3"/>
-              </a:rPr>
-              <a:t>k</a:t>
-            </a:r>
-            <a:r>
-              <a:rPr lang="sr-Latn-RS" altLang="en-US" kern="0" dirty="0" smtClean="0">
-                <a:hlinkClick r:id="rId3"/>
-              </a:rPr>
-              <a:t>artelj</a:t>
-            </a:r>
-            <a:r>
-              <a:rPr lang="en-US" altLang="en-US" kern="0" dirty="0" smtClean="0">
-                <a:hlinkClick r:id="rId3"/>
-              </a:rPr>
-              <a:t>@matf.bg.ac.rs</a:t>
-            </a:r>
-            <a:endParaRPr lang="en-US" altLang="en-US" kern="0" dirty="0"/>
-          </a:p>
-        </p:txBody>
-      </p:sp>
-    </p:spTree>
-  </p:cSld>
-  <p:clrMapOvr>
-    <a:masterClrMapping/>
-  </p:clrMapOvr>
-  <p:transition spd="slow"/>
-  <p:timing>
-    <p:tnLst>
-      <p:par>
-        <p:cTn id="1" dur="indefinite" restart="never" nodeType="tmRoot"/>
-      </p:par>
-    </p:tnLst>
-  </p:timing>
-</p:sld>
-</file>
-
-<file path=ppt/slides/slide20.xml><?xml version="1.0" encoding="utf-8"?>
+<file path=ppt/slides/slide21.xml><?xml version="1.0" encoding="utf-8"?>
 <p:sld xmlns:a="http://schemas.openxmlformats.org/drawingml/2006/main" xmlns:r="http://schemas.openxmlformats.org/officeDocument/2006/relationships" xmlns:p="http://schemas.openxmlformats.org/presentationml/2006/main">
   <p:cSld>
     <p:spTree>
@@ -19883,7 +20297,7 @@
 </p:sld>
 </file>
 
-<file path=ppt/slides/slide21.xml><?xml version="1.0" encoding="utf-8"?>
+<file path=ppt/slides/slide22.xml><?xml version="1.0" encoding="utf-8"?>
 <p:sld xmlns:a="http://schemas.openxmlformats.org/drawingml/2006/main" xmlns:r="http://schemas.openxmlformats.org/officeDocument/2006/relationships" xmlns:p="http://schemas.openxmlformats.org/presentationml/2006/main">
   <p:cSld>
     <p:spTree>
@@ -21161,7 +21575,7 @@
 </p:sld>
 </file>
 
-<file path=ppt/slides/slide22.xml><?xml version="1.0" encoding="utf-8"?>
+<file path=ppt/slides/slide23.xml><?xml version="1.0" encoding="utf-8"?>
 <p:sld xmlns:a="http://schemas.openxmlformats.org/drawingml/2006/main" xmlns:r="http://schemas.openxmlformats.org/officeDocument/2006/relationships" xmlns:p="http://schemas.openxmlformats.org/presentationml/2006/main">
   <p:cSld>
     <p:spTree>
@@ -23612,6 +24026,1637 @@
         </p:nvSpPr>
         <p:spPr bwMode="auto">
           <a:xfrm>
+            <a:off x="655638" y="1412875"/>
+            <a:ext cx="8380412" cy="4816703"/>
+          </a:xfrm>
+          <a:prstGeom prst="rect">
+            <a:avLst/>
+          </a:prstGeom>
+          <a:noFill/>
+          <a:ln>
+            <a:noFill/>
+          </a:ln>
+          <a:extLst>
+            <a:ext uri="{909E8E84-426E-40DD-AFC4-6F175D3DCCD1}">
+              <a14:hiddenFill xmlns:a14="http://schemas.microsoft.com/office/drawing/2010/main">
+                <a:solidFill>
+                  <a:srgbClr val="FFFFFF"/>
+                </a:solidFill>
+              </a14:hiddenFill>
+            </a:ext>
+            <a:ext uri="{91240B29-F687-4F45-9708-019B960494DF}">
+              <a14:hiddenLine xmlns:a14="http://schemas.microsoft.com/office/drawing/2010/main" w="12700">
+                <a:solidFill>
+                  <a:srgbClr val="000000"/>
+                </a:solidFill>
+                <a:miter lim="800000"/>
+                <a:headEnd/>
+                <a:tailEnd/>
+              </a14:hiddenLine>
+            </a:ext>
+          </a:extLst>
+        </p:spPr>
+        <p:txBody>
+          <a:bodyPr>
+            <a:spAutoFit/>
+          </a:bodyPr>
+          <a:lstStyle/>
+          <a:p>
+            <a:pPr marL="342900" indent="-342900">
+              <a:spcAft>
+                <a:spcPts val="600"/>
+              </a:spcAft>
+              <a:buFont typeface="Arial" panose="020B0604020202020204" pitchFamily="34" charset="0"/>
+              <a:buChar char="•"/>
+              <a:defRPr/>
+            </a:pPr>
+            <a:r>
+              <a:rPr lang="sr-Cyrl-RS" dirty="0" smtClean="0">
+                <a:solidFill>
+                  <a:schemeClr val="tx1"/>
+                </a:solidFill>
+                <a:latin typeface="Garamond" pitchFamily="18" charset="0"/>
+              </a:rPr>
+              <a:t>На пример: </a:t>
+            </a:r>
+          </a:p>
+          <a:p>
+            <a:pPr marL="800100" lvl="1" indent="-342900">
+              <a:spcAft>
+                <a:spcPts val="600"/>
+              </a:spcAft>
+              <a:buFont typeface="Arial" panose="020B0604020202020204" pitchFamily="34" charset="0"/>
+              <a:buChar char="•"/>
+              <a:defRPr/>
+            </a:pPr>
+            <a:r>
+              <a:rPr lang="sr-Cyrl-RS" dirty="0" smtClean="0">
+                <a:solidFill>
+                  <a:schemeClr val="tx1"/>
+                </a:solidFill>
+                <a:latin typeface="Garamond" pitchFamily="18" charset="0"/>
+              </a:rPr>
+              <a:t>Ако заглавље </a:t>
+            </a:r>
+            <a:r>
+              <a:rPr lang="sr-Cyrl-RS" dirty="0" smtClean="0">
+                <a:solidFill>
+                  <a:schemeClr val="tx1"/>
+                </a:solidFill>
+                <a:latin typeface="Garamond" pitchFamily="18" charset="0"/>
+              </a:rPr>
+              <a:t>овог метода </a:t>
+            </a:r>
+            <a:r>
+              <a:rPr lang="sr-Cyrl-RS" dirty="0">
+                <a:solidFill>
+                  <a:schemeClr val="tx1"/>
+                </a:solidFill>
+                <a:latin typeface="Garamond" pitchFamily="18" charset="0"/>
+              </a:rPr>
+              <a:t>у класи </a:t>
+            </a:r>
+            <a:r>
+              <a:rPr lang="en-US" sz="2000" dirty="0">
+                <a:solidFill>
+                  <a:schemeClr val="tx1"/>
+                </a:solidFill>
+                <a:latin typeface="+mn-lt"/>
+              </a:rPr>
+              <a:t>Test</a:t>
+            </a:r>
+            <a:r>
+              <a:rPr lang="en-US" dirty="0">
+                <a:solidFill>
+                  <a:schemeClr val="tx1"/>
+                </a:solidFill>
+                <a:latin typeface="Garamond" pitchFamily="18" charset="0"/>
+              </a:rPr>
+              <a:t> </a:t>
+            </a:r>
+            <a:r>
+              <a:rPr lang="sr-Cyrl-RS" dirty="0">
+                <a:solidFill>
+                  <a:schemeClr val="tx1"/>
+                </a:solidFill>
+                <a:latin typeface="Garamond" pitchFamily="18" charset="0"/>
+              </a:rPr>
+              <a:t>садржаној у датотеци </a:t>
+            </a:r>
+            <a:r>
+              <a:rPr lang="en-US" sz="2000" dirty="0">
+                <a:solidFill>
+                  <a:schemeClr val="tx1"/>
+                </a:solidFill>
+                <a:latin typeface="+mn-lt"/>
+              </a:rPr>
+              <a:t>Test.java</a:t>
+            </a:r>
+            <a:r>
+              <a:rPr lang="en-US" dirty="0">
+                <a:solidFill>
+                  <a:schemeClr val="tx1"/>
+                </a:solidFill>
+                <a:latin typeface="Garamond" pitchFamily="18" charset="0"/>
+              </a:rPr>
+              <a:t> </a:t>
+            </a:r>
+            <a:r>
+              <a:rPr lang="sr-Cyrl-RS" dirty="0" smtClean="0">
+                <a:solidFill>
+                  <a:schemeClr val="tx1"/>
+                </a:solidFill>
+                <a:latin typeface="Garamond" pitchFamily="18" charset="0"/>
+              </a:rPr>
+              <a:t>има </a:t>
+            </a:r>
+            <a:r>
+              <a:rPr lang="sr-Cyrl-RS" dirty="0" smtClean="0">
+                <a:solidFill>
+                  <a:schemeClr val="tx1"/>
+                </a:solidFill>
+                <a:latin typeface="Garamond" pitchFamily="18" charset="0"/>
+              </a:rPr>
+              <a:t>следећи облик:</a:t>
+            </a:r>
+          </a:p>
+          <a:p>
+            <a:pPr>
+              <a:spcAft>
+                <a:spcPts val="600"/>
+              </a:spcAft>
+              <a:defRPr/>
+            </a:pPr>
+            <a:r>
+              <a:rPr lang="sr-Cyrl-RS" sz="2000" dirty="0">
+                <a:solidFill>
+                  <a:schemeClr val="tx1"/>
+                </a:solidFill>
+                <a:latin typeface="+mn-lt"/>
+              </a:rPr>
+              <a:t> </a:t>
+            </a:r>
+            <a:r>
+              <a:rPr lang="sr-Cyrl-RS" sz="2000" dirty="0" smtClean="0">
+                <a:solidFill>
+                  <a:schemeClr val="tx1"/>
+                </a:solidFill>
+                <a:latin typeface="+mn-lt"/>
+              </a:rPr>
+              <a:t>     </a:t>
+            </a:r>
+            <a:r>
+              <a:rPr lang="en-US" sz="2000" dirty="0" smtClean="0">
+                <a:solidFill>
+                  <a:schemeClr val="tx1"/>
+                </a:solidFill>
+                <a:latin typeface="+mn-lt"/>
+              </a:rPr>
+              <a:t>public </a:t>
+            </a:r>
+            <a:r>
+              <a:rPr lang="en-US" sz="2000" dirty="0" smtClean="0">
+                <a:solidFill>
+                  <a:schemeClr val="tx1"/>
+                </a:solidFill>
+                <a:latin typeface="+mn-lt"/>
+              </a:rPr>
+              <a:t>static void main(String[] </a:t>
+            </a:r>
+            <a:r>
+              <a:rPr lang="en-US" sz="2000" dirty="0" err="1" smtClean="0">
+                <a:solidFill>
+                  <a:schemeClr val="tx1"/>
+                </a:solidFill>
+                <a:latin typeface="+mn-lt"/>
+              </a:rPr>
+              <a:t>argumentiKomandneLinije</a:t>
+            </a:r>
+            <a:r>
+              <a:rPr lang="en-US" sz="2000" dirty="0" smtClean="0">
+                <a:solidFill>
+                  <a:schemeClr val="tx1"/>
+                </a:solidFill>
+                <a:latin typeface="+mn-lt"/>
+              </a:rPr>
+              <a:t>) </a:t>
+            </a:r>
+            <a:endParaRPr lang="sr-Cyrl-RS" sz="2000" dirty="0" smtClean="0">
+              <a:solidFill>
+                <a:schemeClr val="tx1"/>
+              </a:solidFill>
+              <a:latin typeface="+mn-lt"/>
+            </a:endParaRPr>
+          </a:p>
+          <a:p>
+            <a:pPr marL="800100" lvl="1" indent="-342900">
+              <a:spcAft>
+                <a:spcPts val="600"/>
+              </a:spcAft>
+              <a:buFont typeface="Arial" panose="020B0604020202020204" pitchFamily="34" charset="0"/>
+              <a:buChar char="•"/>
+              <a:defRPr/>
+            </a:pPr>
+            <a:r>
+              <a:rPr lang="sr-Cyrl-RS" dirty="0">
+                <a:solidFill>
+                  <a:schemeClr val="tx1"/>
+                </a:solidFill>
+                <a:latin typeface="Garamond" pitchFamily="18" charset="0"/>
+              </a:rPr>
+              <a:t>Ако </a:t>
+            </a:r>
+            <a:r>
+              <a:rPr lang="sr-Cyrl-RS" dirty="0" smtClean="0">
+                <a:solidFill>
+                  <a:schemeClr val="tx1"/>
+                </a:solidFill>
+                <a:latin typeface="Garamond" pitchFamily="18" charset="0"/>
+              </a:rPr>
+              <a:t>је покретање тог програма релизовано наредбом у командној линији:</a:t>
+            </a:r>
+          </a:p>
+          <a:p>
+            <a:pPr lvl="1">
+              <a:spcAft>
+                <a:spcPts val="600"/>
+              </a:spcAft>
+              <a:defRPr/>
+            </a:pPr>
+            <a:r>
+              <a:rPr lang="en-US" sz="2000" dirty="0">
+                <a:solidFill>
+                  <a:schemeClr val="tx1"/>
+                </a:solidFill>
+                <a:latin typeface="+mn-lt"/>
+              </a:rPr>
+              <a:t>j</a:t>
+            </a:r>
+            <a:r>
+              <a:rPr lang="en-US" sz="2000" dirty="0" smtClean="0">
+                <a:solidFill>
+                  <a:schemeClr val="tx1"/>
+                </a:solidFill>
+                <a:latin typeface="+mn-lt"/>
+              </a:rPr>
+              <a:t>ava Test </a:t>
+            </a:r>
+            <a:r>
+              <a:rPr lang="en-US" sz="2000" dirty="0" err="1" smtClean="0">
+                <a:solidFill>
+                  <a:schemeClr val="tx1"/>
+                </a:solidFill>
+                <a:latin typeface="+mn-lt"/>
+              </a:rPr>
+              <a:t>miki</a:t>
+            </a:r>
+            <a:r>
+              <a:rPr lang="en-US" sz="2000" dirty="0" smtClean="0">
+                <a:solidFill>
+                  <a:schemeClr val="tx1"/>
+                </a:solidFill>
+                <a:latin typeface="+mn-lt"/>
+              </a:rPr>
+              <a:t> </a:t>
+            </a:r>
+            <a:r>
+              <a:rPr lang="en-US" sz="2000" dirty="0" err="1" smtClean="0">
+                <a:solidFill>
+                  <a:schemeClr val="tx1"/>
+                </a:solidFill>
+                <a:latin typeface="+mn-lt"/>
+              </a:rPr>
+              <a:t>maus</a:t>
+            </a:r>
+            <a:r>
+              <a:rPr lang="en-US" sz="2000" dirty="0" smtClean="0">
+                <a:solidFill>
+                  <a:schemeClr val="tx1"/>
+                </a:solidFill>
+                <a:latin typeface="+mn-lt"/>
+              </a:rPr>
+              <a:t> “</a:t>
+            </a:r>
+            <a:r>
+              <a:rPr lang="en-US" sz="2000" dirty="0" err="1" smtClean="0">
+                <a:solidFill>
+                  <a:schemeClr val="tx1"/>
+                </a:solidFill>
+                <a:latin typeface="+mn-lt"/>
+              </a:rPr>
+              <a:t>paja</a:t>
+            </a:r>
+            <a:r>
+              <a:rPr lang="en-US" sz="2000" dirty="0" smtClean="0">
+                <a:solidFill>
+                  <a:schemeClr val="tx1"/>
+                </a:solidFill>
+                <a:latin typeface="+mn-lt"/>
+              </a:rPr>
+              <a:t> </a:t>
+            </a:r>
+            <a:r>
+              <a:rPr lang="en-US" sz="2000" dirty="0" err="1" smtClean="0">
+                <a:solidFill>
+                  <a:schemeClr val="tx1"/>
+                </a:solidFill>
+                <a:latin typeface="+mn-lt"/>
+              </a:rPr>
+              <a:t>patak</a:t>
+            </a:r>
+            <a:r>
+              <a:rPr lang="en-US" sz="2000" dirty="0" smtClean="0">
+                <a:solidFill>
+                  <a:schemeClr val="tx1"/>
+                </a:solidFill>
+                <a:latin typeface="+mn-lt"/>
+              </a:rPr>
+              <a:t>“ 123 45</a:t>
+            </a:r>
+            <a:endParaRPr lang="sr-Cyrl-RS" sz="2000" dirty="0">
+              <a:solidFill>
+                <a:schemeClr val="tx1"/>
+              </a:solidFill>
+              <a:latin typeface="+mn-lt"/>
+            </a:endParaRPr>
+          </a:p>
+          <a:p>
+            <a:pPr marL="800100" lvl="1" indent="-342900">
+              <a:spcAft>
+                <a:spcPts val="600"/>
+              </a:spcAft>
+              <a:buFont typeface="Arial" panose="020B0604020202020204" pitchFamily="34" charset="0"/>
+              <a:buChar char="•"/>
+              <a:defRPr/>
+            </a:pPr>
+            <a:r>
+              <a:rPr lang="sr-Cyrl-RS" dirty="0" smtClean="0">
+                <a:solidFill>
+                  <a:schemeClr val="tx1"/>
+                </a:solidFill>
+                <a:latin typeface="Garamond" pitchFamily="18" charset="0"/>
+              </a:rPr>
+              <a:t>Тада ће променљива </a:t>
+            </a:r>
+            <a:r>
+              <a:rPr lang="en-US" sz="2000" dirty="0" err="1">
+                <a:solidFill>
+                  <a:schemeClr val="tx1"/>
+                </a:solidFill>
+                <a:latin typeface="+mn-lt"/>
+              </a:rPr>
+              <a:t>argumentiKomandneLinije</a:t>
+            </a:r>
+            <a:r>
+              <a:rPr lang="en-US" dirty="0">
+                <a:solidFill>
+                  <a:schemeClr val="tx1"/>
+                </a:solidFill>
+                <a:latin typeface="Garamond" panose="02020404030301010803" pitchFamily="18" charset="0"/>
+              </a:rPr>
+              <a:t> </a:t>
+            </a:r>
+            <a:r>
+              <a:rPr lang="sr-Cyrl-RS" dirty="0" smtClean="0">
+                <a:solidFill>
+                  <a:schemeClr val="tx1"/>
+                </a:solidFill>
+                <a:latin typeface="Garamond" pitchFamily="18" charset="0"/>
+              </a:rPr>
+              <a:t>реферисати на петочлани низ ниски који ће редом садржати следеће елементе:</a:t>
+            </a:r>
+            <a:endParaRPr lang="sr-Cyrl-RS" dirty="0">
+              <a:solidFill>
+                <a:schemeClr val="tx1"/>
+              </a:solidFill>
+              <a:latin typeface="Garamond" pitchFamily="18" charset="0"/>
+            </a:endParaRPr>
+          </a:p>
+          <a:p>
+            <a:pPr>
+              <a:spcAft>
+                <a:spcPts val="600"/>
+              </a:spcAft>
+              <a:defRPr/>
+            </a:pPr>
+            <a:r>
+              <a:rPr lang="sr-Cyrl-RS" sz="2000" dirty="0" smtClean="0">
+                <a:solidFill>
+                  <a:schemeClr val="tx1"/>
+                </a:solidFill>
+                <a:latin typeface="+mn-lt"/>
+              </a:rPr>
+              <a:t>             </a:t>
+            </a:r>
+            <a:r>
+              <a:rPr lang="en-US" sz="2000" dirty="0" smtClean="0">
+                <a:solidFill>
+                  <a:schemeClr val="tx1"/>
+                </a:solidFill>
+                <a:latin typeface="+mn-lt"/>
+              </a:rPr>
+              <a:t>“</a:t>
+            </a:r>
+            <a:r>
+              <a:rPr lang="en-US" sz="2000" dirty="0" err="1" smtClean="0">
+                <a:solidFill>
+                  <a:schemeClr val="tx1"/>
+                </a:solidFill>
+                <a:latin typeface="+mn-lt"/>
+              </a:rPr>
+              <a:t>miki</a:t>
+            </a:r>
+            <a:r>
+              <a:rPr lang="en-US" sz="2000" dirty="0" smtClean="0">
+                <a:solidFill>
+                  <a:schemeClr val="tx1"/>
+                </a:solidFill>
+                <a:latin typeface="+mn-lt"/>
+              </a:rPr>
+              <a:t>“</a:t>
+            </a:r>
+            <a:r>
+              <a:rPr lang="sr-Cyrl-RS" sz="2000" dirty="0" smtClean="0">
+                <a:solidFill>
+                  <a:schemeClr val="tx1"/>
+                </a:solidFill>
+                <a:latin typeface="+mn-lt"/>
+              </a:rPr>
+              <a:t>, </a:t>
+            </a:r>
+            <a:r>
+              <a:rPr lang="en-US" sz="2000" dirty="0" smtClean="0">
+                <a:solidFill>
+                  <a:schemeClr val="tx1"/>
+                </a:solidFill>
+                <a:latin typeface="+mn-lt"/>
+              </a:rPr>
+              <a:t>“</a:t>
+            </a:r>
+            <a:r>
+              <a:rPr lang="en-US" sz="2000" dirty="0" err="1" smtClean="0">
+                <a:solidFill>
+                  <a:schemeClr val="tx1"/>
+                </a:solidFill>
+                <a:latin typeface="+mn-lt"/>
+              </a:rPr>
+              <a:t>maus</a:t>
+            </a:r>
+            <a:r>
+              <a:rPr lang="en-US" sz="2000" dirty="0" smtClean="0">
+                <a:solidFill>
+                  <a:schemeClr val="tx1"/>
+                </a:solidFill>
+                <a:latin typeface="+mn-lt"/>
+              </a:rPr>
+              <a:t>“</a:t>
+            </a:r>
+            <a:r>
+              <a:rPr lang="sr-Cyrl-RS" sz="2000" dirty="0" smtClean="0">
+                <a:solidFill>
+                  <a:schemeClr val="tx1"/>
+                </a:solidFill>
+                <a:latin typeface="+mn-lt"/>
+              </a:rPr>
+              <a:t>,</a:t>
+            </a:r>
+            <a:r>
+              <a:rPr lang="en-US" sz="2000" dirty="0" smtClean="0">
+                <a:solidFill>
+                  <a:schemeClr val="tx1"/>
+                </a:solidFill>
+                <a:latin typeface="+mn-lt"/>
+              </a:rPr>
+              <a:t> </a:t>
+            </a:r>
+            <a:r>
+              <a:rPr lang="en-US" sz="2000" dirty="0">
+                <a:solidFill>
+                  <a:schemeClr val="tx1"/>
+                </a:solidFill>
+                <a:latin typeface="+mn-lt"/>
+              </a:rPr>
+              <a:t>“</a:t>
+            </a:r>
+            <a:r>
+              <a:rPr lang="en-US" sz="2000" dirty="0" err="1">
+                <a:solidFill>
+                  <a:schemeClr val="tx1"/>
+                </a:solidFill>
+                <a:latin typeface="+mn-lt"/>
+              </a:rPr>
+              <a:t>paja</a:t>
+            </a:r>
+            <a:r>
+              <a:rPr lang="en-US" sz="2000" dirty="0">
+                <a:solidFill>
+                  <a:schemeClr val="tx1"/>
+                </a:solidFill>
+                <a:latin typeface="+mn-lt"/>
+              </a:rPr>
+              <a:t> </a:t>
+            </a:r>
+            <a:r>
+              <a:rPr lang="en-US" sz="2000" dirty="0" err="1">
+                <a:solidFill>
+                  <a:schemeClr val="tx1"/>
+                </a:solidFill>
+                <a:latin typeface="+mn-lt"/>
+              </a:rPr>
+              <a:t>patak</a:t>
+            </a:r>
+            <a:r>
+              <a:rPr lang="en-US" sz="2000" dirty="0" smtClean="0">
+                <a:solidFill>
+                  <a:schemeClr val="tx1"/>
+                </a:solidFill>
+                <a:latin typeface="+mn-lt"/>
+              </a:rPr>
+              <a:t>“</a:t>
+            </a:r>
+            <a:r>
+              <a:rPr lang="sr-Cyrl-RS" sz="2000" dirty="0" smtClean="0">
+                <a:solidFill>
+                  <a:schemeClr val="tx1"/>
+                </a:solidFill>
+                <a:latin typeface="+mn-lt"/>
+              </a:rPr>
+              <a:t>, </a:t>
+            </a:r>
+            <a:r>
+              <a:rPr lang="en-US" sz="2000" dirty="0" smtClean="0">
+                <a:solidFill>
+                  <a:schemeClr val="tx1"/>
+                </a:solidFill>
+                <a:latin typeface="+mn-lt"/>
+              </a:rPr>
+              <a:t>“123“</a:t>
+            </a:r>
+            <a:r>
+              <a:rPr lang="sr-Cyrl-RS" sz="2000" dirty="0" smtClean="0">
+                <a:solidFill>
+                  <a:schemeClr val="tx1"/>
+                </a:solidFill>
+                <a:latin typeface="+mn-lt"/>
+              </a:rPr>
+              <a:t>, </a:t>
+            </a:r>
+            <a:r>
+              <a:rPr lang="en-US" sz="2000" dirty="0" smtClean="0">
+                <a:solidFill>
+                  <a:schemeClr val="tx1"/>
+                </a:solidFill>
+                <a:latin typeface="+mn-lt"/>
+              </a:rPr>
+              <a:t>“45“ </a:t>
+            </a:r>
+            <a:endParaRPr lang="en-US" sz="2000" dirty="0">
+              <a:solidFill>
+                <a:schemeClr val="tx1"/>
+              </a:solidFill>
+              <a:latin typeface="+mn-lt"/>
+            </a:endParaRPr>
+          </a:p>
+          <a:p>
+            <a:pPr>
+              <a:spcAft>
+                <a:spcPts val="600"/>
+              </a:spcAft>
+              <a:defRPr/>
+            </a:pPr>
+            <a:endParaRPr lang="en-US" sz="2000" dirty="0">
+              <a:solidFill>
+                <a:schemeClr val="tx1"/>
+              </a:solidFill>
+              <a:latin typeface="+mn-lt"/>
+            </a:endParaRPr>
+          </a:p>
+        </p:txBody>
+      </p:sp>
+      <p:sp>
+        <p:nvSpPr>
+          <p:cNvPr id="6" name="Title 1"/>
+          <p:cNvSpPr txBox="1">
+            <a:spLocks/>
+          </p:cNvSpPr>
+          <p:nvPr/>
+        </p:nvSpPr>
+        <p:spPr>
+          <a:xfrm>
+            <a:off x="1403350" y="538163"/>
+            <a:ext cx="7751763" cy="868362"/>
+          </a:xfrm>
+          <a:prstGeom prst="rect">
+            <a:avLst/>
+          </a:prstGeom>
+        </p:spPr>
+        <p:txBody>
+          <a:bodyPr/>
+          <a:lstStyle>
+            <a:lvl1pPr algn="l" rtl="0" eaLnBrk="0" fontAlgn="base" hangingPunct="0">
+              <a:spcBef>
+                <a:spcPct val="0"/>
+              </a:spcBef>
+              <a:spcAft>
+                <a:spcPct val="0"/>
+              </a:spcAft>
+              <a:defRPr sz="3800">
+                <a:solidFill>
+                  <a:schemeClr val="tx2"/>
+                </a:solidFill>
+                <a:latin typeface="+mj-lt"/>
+                <a:ea typeface="+mj-ea"/>
+                <a:cs typeface="+mj-cs"/>
+              </a:defRPr>
+            </a:lvl1pPr>
+            <a:lvl2pPr algn="l" rtl="0" eaLnBrk="0" fontAlgn="base" hangingPunct="0">
+              <a:spcBef>
+                <a:spcPct val="0"/>
+              </a:spcBef>
+              <a:spcAft>
+                <a:spcPct val="0"/>
+              </a:spcAft>
+              <a:defRPr sz="3800">
+                <a:solidFill>
+                  <a:schemeClr val="tx2"/>
+                </a:solidFill>
+                <a:latin typeface="Arial" charset="0"/>
+              </a:defRPr>
+            </a:lvl2pPr>
+            <a:lvl3pPr algn="l" rtl="0" eaLnBrk="0" fontAlgn="base" hangingPunct="0">
+              <a:spcBef>
+                <a:spcPct val="0"/>
+              </a:spcBef>
+              <a:spcAft>
+                <a:spcPct val="0"/>
+              </a:spcAft>
+              <a:defRPr sz="3800">
+                <a:solidFill>
+                  <a:schemeClr val="tx2"/>
+                </a:solidFill>
+                <a:latin typeface="Arial" charset="0"/>
+              </a:defRPr>
+            </a:lvl3pPr>
+            <a:lvl4pPr algn="l" rtl="0" eaLnBrk="0" fontAlgn="base" hangingPunct="0">
+              <a:spcBef>
+                <a:spcPct val="0"/>
+              </a:spcBef>
+              <a:spcAft>
+                <a:spcPct val="0"/>
+              </a:spcAft>
+              <a:defRPr sz="3800">
+                <a:solidFill>
+                  <a:schemeClr val="tx2"/>
+                </a:solidFill>
+                <a:latin typeface="Arial" charset="0"/>
+              </a:defRPr>
+            </a:lvl4pPr>
+            <a:lvl5pPr algn="l" rtl="0" eaLnBrk="0" fontAlgn="base" hangingPunct="0">
+              <a:spcBef>
+                <a:spcPct val="0"/>
+              </a:spcBef>
+              <a:spcAft>
+                <a:spcPct val="0"/>
+              </a:spcAft>
+              <a:defRPr sz="3800">
+                <a:solidFill>
+                  <a:schemeClr val="tx2"/>
+                </a:solidFill>
+                <a:latin typeface="Arial" charset="0"/>
+              </a:defRPr>
+            </a:lvl5pPr>
+            <a:lvl6pPr marL="457200" algn="l" rtl="0" fontAlgn="base">
+              <a:spcBef>
+                <a:spcPct val="0"/>
+              </a:spcBef>
+              <a:spcAft>
+                <a:spcPct val="0"/>
+              </a:spcAft>
+              <a:defRPr sz="3800">
+                <a:solidFill>
+                  <a:schemeClr val="tx2"/>
+                </a:solidFill>
+                <a:latin typeface="Arial" charset="0"/>
+              </a:defRPr>
+            </a:lvl6pPr>
+            <a:lvl7pPr marL="914400" algn="l" rtl="0" fontAlgn="base">
+              <a:spcBef>
+                <a:spcPct val="0"/>
+              </a:spcBef>
+              <a:spcAft>
+                <a:spcPct val="0"/>
+              </a:spcAft>
+              <a:defRPr sz="3800">
+                <a:solidFill>
+                  <a:schemeClr val="tx2"/>
+                </a:solidFill>
+                <a:latin typeface="Arial" charset="0"/>
+              </a:defRPr>
+            </a:lvl7pPr>
+            <a:lvl8pPr marL="1371600" algn="l" rtl="0" fontAlgn="base">
+              <a:spcBef>
+                <a:spcPct val="0"/>
+              </a:spcBef>
+              <a:spcAft>
+                <a:spcPct val="0"/>
+              </a:spcAft>
+              <a:defRPr sz="3800">
+                <a:solidFill>
+                  <a:schemeClr val="tx2"/>
+                </a:solidFill>
+                <a:latin typeface="Arial" charset="0"/>
+              </a:defRPr>
+            </a:lvl8pPr>
+            <a:lvl9pPr marL="1828800" algn="l" rtl="0" fontAlgn="base">
+              <a:spcBef>
+                <a:spcPct val="0"/>
+              </a:spcBef>
+              <a:spcAft>
+                <a:spcPct val="0"/>
+              </a:spcAft>
+              <a:defRPr sz="3800">
+                <a:solidFill>
+                  <a:schemeClr val="tx2"/>
+                </a:solidFill>
+                <a:latin typeface="Arial" charset="0"/>
+              </a:defRPr>
+            </a:lvl9pPr>
+          </a:lstStyle>
+          <a:p>
+            <a:pPr>
+              <a:defRPr/>
+            </a:pPr>
+            <a:r>
+              <a:rPr lang="sr-Cyrl-RS" sz="3600" b="1" kern="0" dirty="0">
+                <a:solidFill>
+                  <a:srgbClr val="0070C0"/>
+                </a:solidFill>
+              </a:rPr>
+              <a:t>Улазна тачка </a:t>
+            </a:r>
+            <a:r>
+              <a:rPr lang="sr-Cyrl-RS" sz="3600" b="1" kern="0" dirty="0" smtClean="0">
+                <a:solidFill>
+                  <a:srgbClr val="0070C0"/>
+                </a:solidFill>
+              </a:rPr>
+              <a:t>програма</a:t>
+            </a:r>
+            <a:r>
+              <a:rPr lang="en-US" sz="3600" b="1" kern="0" dirty="0" smtClean="0">
+                <a:solidFill>
+                  <a:srgbClr val="0070C0"/>
+                </a:solidFill>
+              </a:rPr>
+              <a:t> (2)</a:t>
+            </a:r>
+            <a:endParaRPr lang="en-US" sz="3600" b="1" kern="0" dirty="0" smtClean="0">
+              <a:solidFill>
+                <a:srgbClr val="0070C0"/>
+              </a:solidFill>
+            </a:endParaRPr>
+          </a:p>
+        </p:txBody>
+      </p:sp>
+    </p:spTree>
+    <p:extLst>
+      <p:ext uri="{BB962C8B-B14F-4D97-AF65-F5344CB8AC3E}">
+        <p14:creationId xmlns:p14="http://schemas.microsoft.com/office/powerpoint/2010/main" val="294207181"/>
+      </p:ext>
+    </p:extLst>
+  </p:cSld>
+  <p:clrMapOvr>
+    <a:masterClrMapping/>
+  </p:clrMapOvr>
+  <p:timing>
+    <p:tnLst>
+      <p:par>
+        <p:cTn id="1" dur="indefinite" restart="never" nodeType="tmRoot">
+          <p:childTnLst>
+            <p:seq concurrent="1" nextAc="seek">
+              <p:cTn id="2" dur="indefinite" nodeType="mainSeq">
+                <p:childTnLst>
+                  <p:par>
+                    <p:cTn id="3" fill="hold">
+                      <p:stCondLst>
+                        <p:cond delay="indefinite"/>
+                      </p:stCondLst>
+                      <p:childTnLst>
+                        <p:par>
+                          <p:cTn id="4" fill="hold">
+                            <p:stCondLst>
+                              <p:cond delay="0"/>
+                            </p:stCondLst>
+                            <p:childTnLst>
+                              <p:par>
+                                <p:cTn id="5" presetID="10" presetClass="entr" presetSubtype="0" fill="hold" nodeType="clickEffect">
+                                  <p:stCondLst>
+                                    <p:cond delay="0"/>
+                                  </p:stCondLst>
+                                  <p:childTnLst>
+                                    <p:set>
+                                      <p:cBhvr>
+                                        <p:cTn id="6" dur="1" fill="hold">
+                                          <p:stCondLst>
+                                            <p:cond delay="0"/>
+                                          </p:stCondLst>
+                                        </p:cTn>
+                                        <p:tgtEl>
+                                          <p:spTgt spid="18437">
+                                            <p:txEl>
+                                              <p:pRg st="0" end="0"/>
+                                            </p:txEl>
+                                          </p:spTgt>
+                                        </p:tgtEl>
+                                        <p:attrNameLst>
+                                          <p:attrName>style.visibility</p:attrName>
+                                        </p:attrNameLst>
+                                      </p:cBhvr>
+                                      <p:to>
+                                        <p:strVal val="visible"/>
+                                      </p:to>
+                                    </p:set>
+                                    <p:animEffect transition="in" filter="fade">
+                                      <p:cBhvr>
+                                        <p:cTn id="7" dur="500"/>
+                                        <p:tgtEl>
+                                          <p:spTgt spid="18437">
+                                            <p:txEl>
+                                              <p:pRg st="0" end="0"/>
+                                            </p:txEl>
+                                          </p:spTgt>
+                                        </p:tgtEl>
+                                      </p:cBhvr>
+                                    </p:animEffect>
+                                  </p:childTnLst>
+                                </p:cTn>
+                              </p:par>
+                            </p:childTnLst>
+                          </p:cTn>
+                        </p:par>
+                      </p:childTnLst>
+                    </p:cTn>
+                  </p:par>
+                  <p:par>
+                    <p:cTn id="8" fill="hold">
+                      <p:stCondLst>
+                        <p:cond delay="indefinite"/>
+                      </p:stCondLst>
+                      <p:childTnLst>
+                        <p:par>
+                          <p:cTn id="9" fill="hold">
+                            <p:stCondLst>
+                              <p:cond delay="0"/>
+                            </p:stCondLst>
+                            <p:childTnLst>
+                              <p:par>
+                                <p:cTn id="10" presetID="10" presetClass="entr" presetSubtype="0" fill="hold" nodeType="clickEffect">
+                                  <p:stCondLst>
+                                    <p:cond delay="0"/>
+                                  </p:stCondLst>
+                                  <p:childTnLst>
+                                    <p:set>
+                                      <p:cBhvr>
+                                        <p:cTn id="11" dur="1" fill="hold">
+                                          <p:stCondLst>
+                                            <p:cond delay="0"/>
+                                          </p:stCondLst>
+                                        </p:cTn>
+                                        <p:tgtEl>
+                                          <p:spTgt spid="18437">
+                                            <p:txEl>
+                                              <p:pRg st="1" end="1"/>
+                                            </p:txEl>
+                                          </p:spTgt>
+                                        </p:tgtEl>
+                                        <p:attrNameLst>
+                                          <p:attrName>style.visibility</p:attrName>
+                                        </p:attrNameLst>
+                                      </p:cBhvr>
+                                      <p:to>
+                                        <p:strVal val="visible"/>
+                                      </p:to>
+                                    </p:set>
+                                    <p:animEffect transition="in" filter="fade">
+                                      <p:cBhvr>
+                                        <p:cTn id="12" dur="500"/>
+                                        <p:tgtEl>
+                                          <p:spTgt spid="18437">
+                                            <p:txEl>
+                                              <p:pRg st="1" end="1"/>
+                                            </p:txEl>
+                                          </p:spTgt>
+                                        </p:tgtEl>
+                                      </p:cBhvr>
+                                    </p:animEffect>
+                                  </p:childTnLst>
+                                </p:cTn>
+                              </p:par>
+                              <p:par>
+                                <p:cTn id="13" presetID="10" presetClass="entr" presetSubtype="0" fill="hold" nodeType="withEffect">
+                                  <p:stCondLst>
+                                    <p:cond delay="0"/>
+                                  </p:stCondLst>
+                                  <p:childTnLst>
+                                    <p:set>
+                                      <p:cBhvr>
+                                        <p:cTn id="14" dur="1" fill="hold">
+                                          <p:stCondLst>
+                                            <p:cond delay="0"/>
+                                          </p:stCondLst>
+                                        </p:cTn>
+                                        <p:tgtEl>
+                                          <p:spTgt spid="18437">
+                                            <p:txEl>
+                                              <p:pRg st="2" end="2"/>
+                                            </p:txEl>
+                                          </p:spTgt>
+                                        </p:tgtEl>
+                                        <p:attrNameLst>
+                                          <p:attrName>style.visibility</p:attrName>
+                                        </p:attrNameLst>
+                                      </p:cBhvr>
+                                      <p:to>
+                                        <p:strVal val="visible"/>
+                                      </p:to>
+                                    </p:set>
+                                    <p:animEffect transition="in" filter="fade">
+                                      <p:cBhvr>
+                                        <p:cTn id="15" dur="500"/>
+                                        <p:tgtEl>
+                                          <p:spTgt spid="18437">
+                                            <p:txEl>
+                                              <p:pRg st="2" end="2"/>
+                                            </p:txEl>
+                                          </p:spTgt>
+                                        </p:tgtEl>
+                                      </p:cBhvr>
+                                    </p:animEffect>
+                                  </p:childTnLst>
+                                </p:cTn>
+                              </p:par>
+                              <p:par>
+                                <p:cTn id="16" presetID="10" presetClass="entr" presetSubtype="0" fill="hold" nodeType="withEffect">
+                                  <p:stCondLst>
+                                    <p:cond delay="0"/>
+                                  </p:stCondLst>
+                                  <p:childTnLst>
+                                    <p:set>
+                                      <p:cBhvr>
+                                        <p:cTn id="17" dur="1" fill="hold">
+                                          <p:stCondLst>
+                                            <p:cond delay="0"/>
+                                          </p:stCondLst>
+                                        </p:cTn>
+                                        <p:tgtEl>
+                                          <p:spTgt spid="18437">
+                                            <p:txEl>
+                                              <p:pRg st="3" end="3"/>
+                                            </p:txEl>
+                                          </p:spTgt>
+                                        </p:tgtEl>
+                                        <p:attrNameLst>
+                                          <p:attrName>style.visibility</p:attrName>
+                                        </p:attrNameLst>
+                                      </p:cBhvr>
+                                      <p:to>
+                                        <p:strVal val="visible"/>
+                                      </p:to>
+                                    </p:set>
+                                    <p:animEffect transition="in" filter="fade">
+                                      <p:cBhvr>
+                                        <p:cTn id="18" dur="500"/>
+                                        <p:tgtEl>
+                                          <p:spTgt spid="18437">
+                                            <p:txEl>
+                                              <p:pRg st="3" end="3"/>
+                                            </p:txEl>
+                                          </p:spTgt>
+                                        </p:tgtEl>
+                                      </p:cBhvr>
+                                    </p:animEffect>
+                                  </p:childTnLst>
+                                </p:cTn>
+                              </p:par>
+                              <p:par>
+                                <p:cTn id="19" presetID="10" presetClass="entr" presetSubtype="0" fill="hold" nodeType="withEffect">
+                                  <p:stCondLst>
+                                    <p:cond delay="0"/>
+                                  </p:stCondLst>
+                                  <p:childTnLst>
+                                    <p:set>
+                                      <p:cBhvr>
+                                        <p:cTn id="20" dur="1" fill="hold">
+                                          <p:stCondLst>
+                                            <p:cond delay="0"/>
+                                          </p:stCondLst>
+                                        </p:cTn>
+                                        <p:tgtEl>
+                                          <p:spTgt spid="18437">
+                                            <p:txEl>
+                                              <p:pRg st="4" end="4"/>
+                                            </p:txEl>
+                                          </p:spTgt>
+                                        </p:tgtEl>
+                                        <p:attrNameLst>
+                                          <p:attrName>style.visibility</p:attrName>
+                                        </p:attrNameLst>
+                                      </p:cBhvr>
+                                      <p:to>
+                                        <p:strVal val="visible"/>
+                                      </p:to>
+                                    </p:set>
+                                    <p:animEffect transition="in" filter="fade">
+                                      <p:cBhvr>
+                                        <p:cTn id="21" dur="500"/>
+                                        <p:tgtEl>
+                                          <p:spTgt spid="18437">
+                                            <p:txEl>
+                                              <p:pRg st="4" end="4"/>
+                                            </p:txEl>
+                                          </p:spTgt>
+                                        </p:tgtEl>
+                                      </p:cBhvr>
+                                    </p:animEffect>
+                                  </p:childTnLst>
+                                </p:cTn>
+                              </p:par>
+                              <p:par>
+                                <p:cTn id="22" presetID="10" presetClass="entr" presetSubtype="0" fill="hold" nodeType="withEffect">
+                                  <p:stCondLst>
+                                    <p:cond delay="0"/>
+                                  </p:stCondLst>
+                                  <p:childTnLst>
+                                    <p:set>
+                                      <p:cBhvr>
+                                        <p:cTn id="23" dur="1" fill="hold">
+                                          <p:stCondLst>
+                                            <p:cond delay="0"/>
+                                          </p:stCondLst>
+                                        </p:cTn>
+                                        <p:tgtEl>
+                                          <p:spTgt spid="18437">
+                                            <p:txEl>
+                                              <p:pRg st="6" end="6"/>
+                                            </p:txEl>
+                                          </p:spTgt>
+                                        </p:tgtEl>
+                                        <p:attrNameLst>
+                                          <p:attrName>style.visibility</p:attrName>
+                                        </p:attrNameLst>
+                                      </p:cBhvr>
+                                      <p:to>
+                                        <p:strVal val="visible"/>
+                                      </p:to>
+                                    </p:set>
+                                    <p:animEffect transition="in" filter="fade">
+                                      <p:cBhvr>
+                                        <p:cTn id="24" dur="500"/>
+                                        <p:tgtEl>
+                                          <p:spTgt spid="18437">
+                                            <p:txEl>
+                                              <p:pRg st="6" end="6"/>
+                                            </p:txEl>
+                                          </p:spTgt>
+                                        </p:tgtEl>
+                                      </p:cBhvr>
+                                    </p:animEffect>
+                                  </p:childTnLst>
+                                </p:cTn>
+                              </p:par>
+                              <p:par>
+                                <p:cTn id="25" presetID="10" presetClass="entr" presetSubtype="0" fill="hold" nodeType="withEffect">
+                                  <p:stCondLst>
+                                    <p:cond delay="0"/>
+                                  </p:stCondLst>
+                                  <p:childTnLst>
+                                    <p:set>
+                                      <p:cBhvr>
+                                        <p:cTn id="26" dur="1" fill="hold">
+                                          <p:stCondLst>
+                                            <p:cond delay="0"/>
+                                          </p:stCondLst>
+                                        </p:cTn>
+                                        <p:tgtEl>
+                                          <p:spTgt spid="18437">
+                                            <p:txEl>
+                                              <p:pRg st="5" end="5"/>
+                                            </p:txEl>
+                                          </p:spTgt>
+                                        </p:tgtEl>
+                                        <p:attrNameLst>
+                                          <p:attrName>style.visibility</p:attrName>
+                                        </p:attrNameLst>
+                                      </p:cBhvr>
+                                      <p:to>
+                                        <p:strVal val="visible"/>
+                                      </p:to>
+                                    </p:set>
+                                    <p:animEffect transition="in" filter="fade">
+                                      <p:cBhvr>
+                                        <p:cTn id="27" dur="500"/>
+                                        <p:tgtEl>
+                                          <p:spTgt spid="18437">
+                                            <p:txEl>
+                                              <p:pRg st="5" end="5"/>
+                                            </p:txEl>
+                                          </p:spTgt>
+                                        </p:tgtEl>
+                                      </p:cBhvr>
+                                    </p:animEffect>
+                                  </p:childTnLst>
+                                </p:cTn>
+                              </p:par>
+                            </p:childTnLst>
+                          </p:cTn>
+                        </p:par>
+                      </p:childTnLst>
+                    </p:cTn>
+                  </p:par>
+                </p:childTnLst>
+              </p:cTn>
+              <p:prevCondLst>
+                <p:cond evt="onPrev" delay="0">
+                  <p:tgtEl>
+                    <p:sldTgt/>
+                  </p:tgtEl>
+                </p:cond>
+              </p:prevCondLst>
+              <p:nextCondLst>
+                <p:cond evt="onNext" delay="0">
+                  <p:tgtEl>
+                    <p:sldTgt/>
+                  </p:tgtEl>
+                </p:cond>
+              </p:nextCondLst>
+            </p:seq>
+          </p:childTnLst>
+        </p:cTn>
+      </p:par>
+    </p:tnLst>
+  </p:timing>
+</p:sld>
+</file>
+
+<file path=ppt/slides/slide5.xml><?xml version="1.0" encoding="utf-8"?>
+<p:sld xmlns:a="http://schemas.openxmlformats.org/drawingml/2006/main" xmlns:r="http://schemas.openxmlformats.org/officeDocument/2006/relationships" xmlns:p="http://schemas.openxmlformats.org/presentationml/2006/main">
+  <p:cSld>
+    <p:spTree>
+      <p:nvGrpSpPr>
+        <p:cNvPr id="1" name=""/>
+        <p:cNvGrpSpPr/>
+        <p:nvPr/>
+      </p:nvGrpSpPr>
+      <p:grpSpPr>
+        <a:xfrm>
+          <a:off x="0" y="0"/>
+          <a:ext cx="0" cy="0"/>
+          <a:chOff x="0" y="0"/>
+          <a:chExt cx="0" cy="0"/>
+        </a:xfrm>
+      </p:grpSpPr>
+      <p:sp>
+        <p:nvSpPr>
+          <p:cNvPr id="5122" name="Text Box 2"/>
+          <p:cNvSpPr txBox="1">
+            <a:spLocks noChangeArrowheads="1"/>
+          </p:cNvSpPr>
+          <p:nvPr/>
+        </p:nvSpPr>
+        <p:spPr bwMode="auto">
+          <a:xfrm>
+            <a:off x="1219200" y="685800"/>
+            <a:ext cx="6705600" cy="457200"/>
+          </a:xfrm>
+          <a:prstGeom prst="rect">
+            <a:avLst/>
+          </a:prstGeom>
+          <a:noFill/>
+          <a:ln>
+            <a:noFill/>
+          </a:ln>
+          <a:extLst>
+            <a:ext uri="{909E8E84-426E-40DD-AFC4-6F175D3DCCD1}">
+              <a14:hiddenFill xmlns:a14="http://schemas.microsoft.com/office/drawing/2010/main">
+                <a:solidFill>
+                  <a:srgbClr val="FFFFFF"/>
+                </a:solidFill>
+              </a14:hiddenFill>
+            </a:ext>
+            <a:ext uri="{91240B29-F687-4F45-9708-019B960494DF}">
+              <a14:hiddenLine xmlns:a14="http://schemas.microsoft.com/office/drawing/2010/main" w="12700">
+                <a:solidFill>
+                  <a:srgbClr val="000000"/>
+                </a:solidFill>
+                <a:miter lim="800000"/>
+                <a:headEnd/>
+                <a:tailEnd/>
+              </a14:hiddenLine>
+            </a:ext>
+          </a:extLst>
+        </p:spPr>
+        <p:txBody>
+          <a:bodyPr>
+            <a:spAutoFit/>
+          </a:bodyPr>
+          <a:lstStyle>
+            <a:lvl1pPr>
+              <a:spcBef>
+                <a:spcPct val="20000"/>
+              </a:spcBef>
+              <a:buClr>
+                <a:schemeClr val="accent1"/>
+              </a:buClr>
+              <a:buFont typeface="Wingdings" panose="05000000000000000000" pitchFamily="2" charset="2"/>
+              <a:buChar char="l"/>
+              <a:defRPr sz="3200">
+                <a:solidFill>
+                  <a:schemeClr val="tx1"/>
+                </a:solidFill>
+                <a:latin typeface="Arial" panose="020B0604020202020204" pitchFamily="34" charset="0"/>
+              </a:defRPr>
+            </a:lvl1pPr>
+            <a:lvl2pPr marL="742950" indent="-285750">
+              <a:spcBef>
+                <a:spcPct val="20000"/>
+              </a:spcBef>
+              <a:buClr>
+                <a:schemeClr val="accent1"/>
+              </a:buClr>
+              <a:buFont typeface="Wingdings" panose="05000000000000000000" pitchFamily="2" charset="2"/>
+              <a:buChar char="¡"/>
+              <a:defRPr sz="2700">
+                <a:solidFill>
+                  <a:schemeClr val="tx1"/>
+                </a:solidFill>
+                <a:latin typeface="Arial" panose="020B0604020202020204" pitchFamily="34" charset="0"/>
+              </a:defRPr>
+            </a:lvl2pPr>
+            <a:lvl3pPr marL="1143000" indent="-228600">
+              <a:spcBef>
+                <a:spcPct val="20000"/>
+              </a:spcBef>
+              <a:buClr>
+                <a:schemeClr val="accent1"/>
+              </a:buClr>
+              <a:buFont typeface="Wingdings" panose="05000000000000000000" pitchFamily="2" charset="2"/>
+              <a:buChar char="l"/>
+              <a:defRPr sz="2300">
+                <a:solidFill>
+                  <a:schemeClr val="tx1"/>
+                </a:solidFill>
+                <a:latin typeface="Arial" panose="020B0604020202020204" pitchFamily="34" charset="0"/>
+              </a:defRPr>
+            </a:lvl3pPr>
+            <a:lvl4pPr marL="1600200" indent="-228600">
+              <a:spcBef>
+                <a:spcPct val="20000"/>
+              </a:spcBef>
+              <a:buClr>
+                <a:schemeClr val="accent1"/>
+              </a:buClr>
+              <a:buChar char="•"/>
+              <a:defRPr sz="2000">
+                <a:solidFill>
+                  <a:schemeClr val="tx1"/>
+                </a:solidFill>
+                <a:latin typeface="Arial" panose="020B0604020202020204" pitchFamily="34" charset="0"/>
+              </a:defRPr>
+            </a:lvl4pPr>
+            <a:lvl5pPr marL="2057400" indent="-228600">
+              <a:spcBef>
+                <a:spcPct val="20000"/>
+              </a:spcBef>
+              <a:buClr>
+                <a:schemeClr val="accent1"/>
+              </a:buClr>
+              <a:buFont typeface="Wingdings" panose="05000000000000000000" pitchFamily="2" charset="2"/>
+              <a:buChar char=""/>
+              <a:defRPr sz="2000">
+                <a:solidFill>
+                  <a:schemeClr val="tx1"/>
+                </a:solidFill>
+                <a:latin typeface="Arial" panose="020B0604020202020204" pitchFamily="34" charset="0"/>
+              </a:defRPr>
+            </a:lvl5pPr>
+            <a:lvl6pPr marL="2514600" indent="-228600" eaLnBrk="0" fontAlgn="base" hangingPunct="0">
+              <a:spcBef>
+                <a:spcPct val="20000"/>
+              </a:spcBef>
+              <a:spcAft>
+                <a:spcPct val="0"/>
+              </a:spcAft>
+              <a:buClr>
+                <a:schemeClr val="accent1"/>
+              </a:buClr>
+              <a:buFont typeface="Wingdings" panose="05000000000000000000" pitchFamily="2" charset="2"/>
+              <a:buChar char=""/>
+              <a:defRPr sz="2000">
+                <a:solidFill>
+                  <a:schemeClr val="tx1"/>
+                </a:solidFill>
+                <a:latin typeface="Arial" panose="020B0604020202020204" pitchFamily="34" charset="0"/>
+              </a:defRPr>
+            </a:lvl6pPr>
+            <a:lvl7pPr marL="2971800" indent="-228600" eaLnBrk="0" fontAlgn="base" hangingPunct="0">
+              <a:spcBef>
+                <a:spcPct val="20000"/>
+              </a:spcBef>
+              <a:spcAft>
+                <a:spcPct val="0"/>
+              </a:spcAft>
+              <a:buClr>
+                <a:schemeClr val="accent1"/>
+              </a:buClr>
+              <a:buFont typeface="Wingdings" panose="05000000000000000000" pitchFamily="2" charset="2"/>
+              <a:buChar char=""/>
+              <a:defRPr sz="2000">
+                <a:solidFill>
+                  <a:schemeClr val="tx1"/>
+                </a:solidFill>
+                <a:latin typeface="Arial" panose="020B0604020202020204" pitchFamily="34" charset="0"/>
+              </a:defRPr>
+            </a:lvl7pPr>
+            <a:lvl8pPr marL="3429000" indent="-228600" eaLnBrk="0" fontAlgn="base" hangingPunct="0">
+              <a:spcBef>
+                <a:spcPct val="20000"/>
+              </a:spcBef>
+              <a:spcAft>
+                <a:spcPct val="0"/>
+              </a:spcAft>
+              <a:buClr>
+                <a:schemeClr val="accent1"/>
+              </a:buClr>
+              <a:buFont typeface="Wingdings" panose="05000000000000000000" pitchFamily="2" charset="2"/>
+              <a:buChar char=""/>
+              <a:defRPr sz="2000">
+                <a:solidFill>
+                  <a:schemeClr val="tx1"/>
+                </a:solidFill>
+                <a:latin typeface="Arial" panose="020B0604020202020204" pitchFamily="34" charset="0"/>
+              </a:defRPr>
+            </a:lvl8pPr>
+            <a:lvl9pPr marL="3886200" indent="-228600" eaLnBrk="0" fontAlgn="base" hangingPunct="0">
+              <a:spcBef>
+                <a:spcPct val="20000"/>
+              </a:spcBef>
+              <a:spcAft>
+                <a:spcPct val="0"/>
+              </a:spcAft>
+              <a:buClr>
+                <a:schemeClr val="accent1"/>
+              </a:buClr>
+              <a:buFont typeface="Wingdings" panose="05000000000000000000" pitchFamily="2" charset="2"/>
+              <a:buChar char=""/>
+              <a:defRPr sz="2000">
+                <a:solidFill>
+                  <a:schemeClr val="tx1"/>
+                </a:solidFill>
+                <a:latin typeface="Arial" panose="020B0604020202020204" pitchFamily="34" charset="0"/>
+              </a:defRPr>
+            </a:lvl9pPr>
+          </a:lstStyle>
+          <a:p>
+            <a:pPr>
+              <a:spcBef>
+                <a:spcPct val="50000"/>
+              </a:spcBef>
+              <a:buClrTx/>
+              <a:buFontTx/>
+              <a:buNone/>
+            </a:pPr>
+            <a:endParaRPr lang="sr-Latn-CS" altLang="en-US" sz="2400">
+              <a:latin typeface="Times New Roman" panose="02020603050405020304" pitchFamily="18" charset="0"/>
+            </a:endParaRPr>
+          </a:p>
+        </p:txBody>
+      </p:sp>
+      <p:sp>
+        <p:nvSpPr>
+          <p:cNvPr id="5123" name="Text Box 3"/>
+          <p:cNvSpPr txBox="1">
+            <a:spLocks noChangeArrowheads="1"/>
+          </p:cNvSpPr>
+          <p:nvPr/>
+        </p:nvSpPr>
+        <p:spPr bwMode="auto">
+          <a:xfrm>
+            <a:off x="685800" y="838200"/>
+            <a:ext cx="7620000" cy="457200"/>
+          </a:xfrm>
+          <a:prstGeom prst="rect">
+            <a:avLst/>
+          </a:prstGeom>
+          <a:noFill/>
+          <a:ln>
+            <a:noFill/>
+          </a:ln>
+          <a:extLst>
+            <a:ext uri="{909E8E84-426E-40DD-AFC4-6F175D3DCCD1}">
+              <a14:hiddenFill xmlns:a14="http://schemas.microsoft.com/office/drawing/2010/main">
+                <a:solidFill>
+                  <a:srgbClr val="FFFFFF"/>
+                </a:solidFill>
+              </a14:hiddenFill>
+            </a:ext>
+            <a:ext uri="{91240B29-F687-4F45-9708-019B960494DF}">
+              <a14:hiddenLine xmlns:a14="http://schemas.microsoft.com/office/drawing/2010/main" w="12700">
+                <a:solidFill>
+                  <a:srgbClr val="000000"/>
+                </a:solidFill>
+                <a:miter lim="800000"/>
+                <a:headEnd/>
+                <a:tailEnd/>
+              </a14:hiddenLine>
+            </a:ext>
+          </a:extLst>
+        </p:spPr>
+        <p:txBody>
+          <a:bodyPr>
+            <a:spAutoFit/>
+          </a:bodyPr>
+          <a:lstStyle>
+            <a:lvl1pPr>
+              <a:spcBef>
+                <a:spcPct val="20000"/>
+              </a:spcBef>
+              <a:buClr>
+                <a:schemeClr val="accent1"/>
+              </a:buClr>
+              <a:buFont typeface="Wingdings" panose="05000000000000000000" pitchFamily="2" charset="2"/>
+              <a:buChar char="l"/>
+              <a:defRPr sz="3200">
+                <a:solidFill>
+                  <a:schemeClr val="tx1"/>
+                </a:solidFill>
+                <a:latin typeface="Arial" panose="020B0604020202020204" pitchFamily="34" charset="0"/>
+              </a:defRPr>
+            </a:lvl1pPr>
+            <a:lvl2pPr marL="742950" indent="-285750">
+              <a:spcBef>
+                <a:spcPct val="20000"/>
+              </a:spcBef>
+              <a:buClr>
+                <a:schemeClr val="accent1"/>
+              </a:buClr>
+              <a:buFont typeface="Wingdings" panose="05000000000000000000" pitchFamily="2" charset="2"/>
+              <a:buChar char="¡"/>
+              <a:defRPr sz="2700">
+                <a:solidFill>
+                  <a:schemeClr val="tx1"/>
+                </a:solidFill>
+                <a:latin typeface="Arial" panose="020B0604020202020204" pitchFamily="34" charset="0"/>
+              </a:defRPr>
+            </a:lvl2pPr>
+            <a:lvl3pPr marL="1143000" indent="-228600">
+              <a:spcBef>
+                <a:spcPct val="20000"/>
+              </a:spcBef>
+              <a:buClr>
+                <a:schemeClr val="accent1"/>
+              </a:buClr>
+              <a:buFont typeface="Wingdings" panose="05000000000000000000" pitchFamily="2" charset="2"/>
+              <a:buChar char="l"/>
+              <a:defRPr sz="2300">
+                <a:solidFill>
+                  <a:schemeClr val="tx1"/>
+                </a:solidFill>
+                <a:latin typeface="Arial" panose="020B0604020202020204" pitchFamily="34" charset="0"/>
+              </a:defRPr>
+            </a:lvl3pPr>
+            <a:lvl4pPr marL="1600200" indent="-228600">
+              <a:spcBef>
+                <a:spcPct val="20000"/>
+              </a:spcBef>
+              <a:buClr>
+                <a:schemeClr val="accent1"/>
+              </a:buClr>
+              <a:buChar char="•"/>
+              <a:defRPr sz="2000">
+                <a:solidFill>
+                  <a:schemeClr val="tx1"/>
+                </a:solidFill>
+                <a:latin typeface="Arial" panose="020B0604020202020204" pitchFamily="34" charset="0"/>
+              </a:defRPr>
+            </a:lvl4pPr>
+            <a:lvl5pPr marL="2057400" indent="-228600">
+              <a:spcBef>
+                <a:spcPct val="20000"/>
+              </a:spcBef>
+              <a:buClr>
+                <a:schemeClr val="accent1"/>
+              </a:buClr>
+              <a:buFont typeface="Wingdings" panose="05000000000000000000" pitchFamily="2" charset="2"/>
+              <a:buChar char=""/>
+              <a:defRPr sz="2000">
+                <a:solidFill>
+                  <a:schemeClr val="tx1"/>
+                </a:solidFill>
+                <a:latin typeface="Arial" panose="020B0604020202020204" pitchFamily="34" charset="0"/>
+              </a:defRPr>
+            </a:lvl5pPr>
+            <a:lvl6pPr marL="2514600" indent="-228600" eaLnBrk="0" fontAlgn="base" hangingPunct="0">
+              <a:spcBef>
+                <a:spcPct val="20000"/>
+              </a:spcBef>
+              <a:spcAft>
+                <a:spcPct val="0"/>
+              </a:spcAft>
+              <a:buClr>
+                <a:schemeClr val="accent1"/>
+              </a:buClr>
+              <a:buFont typeface="Wingdings" panose="05000000000000000000" pitchFamily="2" charset="2"/>
+              <a:buChar char=""/>
+              <a:defRPr sz="2000">
+                <a:solidFill>
+                  <a:schemeClr val="tx1"/>
+                </a:solidFill>
+                <a:latin typeface="Arial" panose="020B0604020202020204" pitchFamily="34" charset="0"/>
+              </a:defRPr>
+            </a:lvl6pPr>
+            <a:lvl7pPr marL="2971800" indent="-228600" eaLnBrk="0" fontAlgn="base" hangingPunct="0">
+              <a:spcBef>
+                <a:spcPct val="20000"/>
+              </a:spcBef>
+              <a:spcAft>
+                <a:spcPct val="0"/>
+              </a:spcAft>
+              <a:buClr>
+                <a:schemeClr val="accent1"/>
+              </a:buClr>
+              <a:buFont typeface="Wingdings" panose="05000000000000000000" pitchFamily="2" charset="2"/>
+              <a:buChar char=""/>
+              <a:defRPr sz="2000">
+                <a:solidFill>
+                  <a:schemeClr val="tx1"/>
+                </a:solidFill>
+                <a:latin typeface="Arial" panose="020B0604020202020204" pitchFamily="34" charset="0"/>
+              </a:defRPr>
+            </a:lvl7pPr>
+            <a:lvl8pPr marL="3429000" indent="-228600" eaLnBrk="0" fontAlgn="base" hangingPunct="0">
+              <a:spcBef>
+                <a:spcPct val="20000"/>
+              </a:spcBef>
+              <a:spcAft>
+                <a:spcPct val="0"/>
+              </a:spcAft>
+              <a:buClr>
+                <a:schemeClr val="accent1"/>
+              </a:buClr>
+              <a:buFont typeface="Wingdings" panose="05000000000000000000" pitchFamily="2" charset="2"/>
+              <a:buChar char=""/>
+              <a:defRPr sz="2000">
+                <a:solidFill>
+                  <a:schemeClr val="tx1"/>
+                </a:solidFill>
+                <a:latin typeface="Arial" panose="020B0604020202020204" pitchFamily="34" charset="0"/>
+              </a:defRPr>
+            </a:lvl8pPr>
+            <a:lvl9pPr marL="3886200" indent="-228600" eaLnBrk="0" fontAlgn="base" hangingPunct="0">
+              <a:spcBef>
+                <a:spcPct val="20000"/>
+              </a:spcBef>
+              <a:spcAft>
+                <a:spcPct val="0"/>
+              </a:spcAft>
+              <a:buClr>
+                <a:schemeClr val="accent1"/>
+              </a:buClr>
+              <a:buFont typeface="Wingdings" panose="05000000000000000000" pitchFamily="2" charset="2"/>
+              <a:buChar char=""/>
+              <a:defRPr sz="2000">
+                <a:solidFill>
+                  <a:schemeClr val="tx1"/>
+                </a:solidFill>
+                <a:latin typeface="Arial" panose="020B0604020202020204" pitchFamily="34" charset="0"/>
+              </a:defRPr>
+            </a:lvl9pPr>
+          </a:lstStyle>
+          <a:p>
+            <a:pPr>
+              <a:spcBef>
+                <a:spcPct val="50000"/>
+              </a:spcBef>
+              <a:buClrTx/>
+              <a:buFontTx/>
+              <a:buNone/>
+            </a:pPr>
+            <a:endParaRPr lang="sr-Latn-CS" altLang="en-US" sz="2400">
+              <a:latin typeface="Times New Roman" panose="02020603050405020304" pitchFamily="18" charset="0"/>
+            </a:endParaRPr>
+          </a:p>
+        </p:txBody>
+      </p:sp>
+      <p:sp>
+        <p:nvSpPr>
+          <p:cNvPr id="18437" name="Rectangle 5"/>
+          <p:cNvSpPr>
+            <a:spLocks noChangeArrowheads="1"/>
+          </p:cNvSpPr>
+          <p:nvPr/>
+        </p:nvSpPr>
+        <p:spPr bwMode="auto">
+          <a:xfrm>
             <a:off x="655638" y="1611372"/>
             <a:ext cx="8380412" cy="5278368"/>
           </a:xfrm>
@@ -24469,7 +26514,7 @@
 </p:sld>
 </file>
 
-<file path=ppt/slides/slide5.xml><?xml version="1.0" encoding="utf-8"?>
+<file path=ppt/slides/slide6.xml><?xml version="1.0" encoding="utf-8"?>
 <p:sld xmlns:a="http://schemas.openxmlformats.org/drawingml/2006/main" xmlns:r="http://schemas.openxmlformats.org/officeDocument/2006/relationships" xmlns:p="http://schemas.openxmlformats.org/presentationml/2006/main">
   <p:cSld>
     <p:spTree>
@@ -26583,7 +28628,7 @@
 </p:sld>
 </file>
 
-<file path=ppt/slides/slide6.xml><?xml version="1.0" encoding="utf-8"?>
+<file path=ppt/slides/slide7.xml><?xml version="1.0" encoding="utf-8"?>
 <p:sld xmlns:a="http://schemas.openxmlformats.org/drawingml/2006/main" xmlns:r="http://schemas.openxmlformats.org/officeDocument/2006/relationships" xmlns:p="http://schemas.openxmlformats.org/presentationml/2006/main">
   <p:cSld>
     <p:spTree>
@@ -27717,7 +29762,7 @@
 </p:sld>
 </file>
 
-<file path=ppt/slides/slide7.xml><?xml version="1.0" encoding="utf-8"?>
+<file path=ppt/slides/slide8.xml><?xml version="1.0" encoding="utf-8"?>
 <p:sld xmlns:a="http://schemas.openxmlformats.org/drawingml/2006/main" xmlns:r="http://schemas.openxmlformats.org/officeDocument/2006/relationships" xmlns:p="http://schemas.openxmlformats.org/presentationml/2006/main">
   <p:cSld>
     <p:spTree>
@@ -28902,7 +30947,7 @@
 </p:sld>
 </file>
 
-<file path=ppt/slides/slide8.xml><?xml version="1.0" encoding="utf-8"?>
+<file path=ppt/slides/slide9.xml><?xml version="1.0" encoding="utf-8"?>
 <p:sld xmlns:a="http://schemas.openxmlformats.org/drawingml/2006/main" xmlns:r="http://schemas.openxmlformats.org/officeDocument/2006/relationships" xmlns:p="http://schemas.openxmlformats.org/presentationml/2006/main">
   <p:cSld>
     <p:spTree>
@@ -30237,419 +32282,6 @@
             </p:seq>
           </p:childTnLst>
         </p:cTn>
-      </p:par>
-    </p:tnLst>
-  </p:timing>
-</p:sld>
-</file>
-
-<file path=ppt/slides/slide9.xml><?xml version="1.0" encoding="utf-8"?>
-<p:sld xmlns:a="http://schemas.openxmlformats.org/drawingml/2006/main" xmlns:r="http://schemas.openxmlformats.org/officeDocument/2006/relationships" xmlns:p="http://schemas.openxmlformats.org/presentationml/2006/main">
-  <p:cSld>
-    <p:spTree>
-      <p:nvGrpSpPr>
-        <p:cNvPr id="1" name=""/>
-        <p:cNvGrpSpPr/>
-        <p:nvPr/>
-      </p:nvGrpSpPr>
-      <p:grpSpPr>
-        <a:xfrm>
-          <a:off x="0" y="0"/>
-          <a:ext cx="0" cy="0"/>
-          <a:chOff x="0" y="0"/>
-          <a:chExt cx="0" cy="0"/>
-        </a:xfrm>
-      </p:grpSpPr>
-      <p:sp>
-        <p:nvSpPr>
-          <p:cNvPr id="4098" name="Rectangle 2"/>
-          <p:cNvSpPr>
-            <a:spLocks noGrp="1" noChangeArrowheads="1"/>
-          </p:cNvSpPr>
-          <p:nvPr>
-            <p:ph type="ctrTitle"/>
-          </p:nvPr>
-        </p:nvSpPr>
-        <p:spPr>
-          <a:xfrm>
-            <a:off x="395288" y="1628775"/>
-            <a:ext cx="8569325" cy="1144588"/>
-          </a:xfrm>
-        </p:spPr>
-        <p:txBody>
-          <a:bodyPr/>
-          <a:lstStyle/>
-          <a:p>
-            <a:pPr eaLnBrk="1" hangingPunct="1"/>
-            <a:r>
-              <a:rPr lang="sr-Cyrl-RS" altLang="en-US" sz="5400" dirty="0" smtClean="0">
-                <a:solidFill>
-                  <a:srgbClr val="3366FF"/>
-                </a:solidFill>
-              </a:rPr>
-              <a:t>Предефинисани </a:t>
-            </a:r>
-            <a:r>
-              <a:rPr lang="en-US" altLang="en-US" sz="5400" dirty="0" smtClean="0">
-                <a:solidFill>
-                  <a:srgbClr val="3366FF"/>
-                </a:solidFill>
-              </a:rPr>
-              <a:t/>
-            </a:r>
-            <a:br>
-              <a:rPr lang="en-US" altLang="en-US" sz="5400" dirty="0" smtClean="0">
-                <a:solidFill>
-                  <a:srgbClr val="3366FF"/>
-                </a:solidFill>
-              </a:rPr>
-            </a:br>
-            <a:r>
-              <a:rPr lang="sr-Cyrl-RS" altLang="en-US" sz="5400" dirty="0" smtClean="0">
-                <a:solidFill>
-                  <a:srgbClr val="3366FF"/>
-                </a:solidFill>
-              </a:rPr>
-              <a:t>типови и објекти </a:t>
-            </a:r>
-            <a:br>
-              <a:rPr lang="sr-Cyrl-RS" altLang="en-US" sz="5400" dirty="0" smtClean="0">
-                <a:solidFill>
-                  <a:srgbClr val="3366FF"/>
-                </a:solidFill>
-              </a:rPr>
-            </a:br>
-            <a:r>
-              <a:rPr lang="sr-Cyrl-RS" altLang="en-US" sz="5400" dirty="0" smtClean="0">
-                <a:solidFill>
-                  <a:srgbClr val="3366FF"/>
-                </a:solidFill>
-              </a:rPr>
-              <a:t>у програмском језику Јава</a:t>
-            </a:r>
-            <a:endParaRPr lang="sr-Latn-CS" altLang="en-US" sz="5400" dirty="0" smtClean="0">
-              <a:solidFill>
-                <a:srgbClr val="3366FF"/>
-              </a:solidFill>
-            </a:endParaRPr>
-          </a:p>
-        </p:txBody>
-      </p:sp>
-      <p:sp>
-        <p:nvSpPr>
-          <p:cNvPr id="5" name="Rectangle 3"/>
-          <p:cNvSpPr txBox="1">
-            <a:spLocks noChangeArrowheads="1"/>
-          </p:cNvSpPr>
-          <p:nvPr/>
-        </p:nvSpPr>
-        <p:spPr bwMode="auto">
-          <a:xfrm>
-            <a:off x="3563888" y="3356992"/>
-            <a:ext cx="5110162" cy="1752600"/>
-          </a:xfrm>
-          <a:prstGeom prst="rect">
-            <a:avLst/>
-          </a:prstGeom>
-          <a:noFill/>
-          <a:ln>
-            <a:noFill/>
-          </a:ln>
-          <a:extLst>
-            <a:ext uri="{909E8E84-426E-40DD-AFC4-6F175D3DCCD1}">
-              <a14:hiddenFill xmlns:a14="http://schemas.microsoft.com/office/drawing/2010/main">
-                <a:solidFill>
-                  <a:srgbClr val="FFFFFF"/>
-                </a:solidFill>
-              </a14:hiddenFill>
-            </a:ext>
-            <a:ext uri="{91240B29-F687-4F45-9708-019B960494DF}">
-              <a14:hiddenLine xmlns:a14="http://schemas.microsoft.com/office/drawing/2010/main" w="9525">
-                <a:solidFill>
-                  <a:srgbClr val="000000"/>
-                </a:solidFill>
-                <a:miter lim="800000"/>
-                <a:headEnd/>
-                <a:tailEnd/>
-              </a14:hiddenLine>
-            </a:ext>
-          </a:extLst>
-        </p:spPr>
-        <p:txBody>
-          <a:bodyPr vert="horz" wrap="square" lIns="91440" tIns="45720" rIns="91440" bIns="45720" numCol="1" anchor="t" anchorCtr="0" compatLnSpc="1">
-            <a:prstTxWarp prst="textNoShape">
-              <a:avLst/>
-            </a:prstTxWarp>
-          </a:bodyPr>
-          <a:lstStyle>
-            <a:lvl1pPr marL="0" indent="0" algn="r" rtl="0" eaLnBrk="0" fontAlgn="base" hangingPunct="0">
-              <a:spcBef>
-                <a:spcPct val="20000"/>
-              </a:spcBef>
-              <a:spcAft>
-                <a:spcPct val="0"/>
-              </a:spcAft>
-              <a:buClr>
-                <a:schemeClr val="accent1"/>
-              </a:buClr>
-              <a:buFont typeface="Wingdings" panose="05000000000000000000" pitchFamily="2" charset="2"/>
-              <a:buNone/>
-              <a:defRPr sz="3200">
-                <a:solidFill>
-                  <a:schemeClr val="tx1"/>
-                </a:solidFill>
-                <a:latin typeface="+mn-lt"/>
-                <a:ea typeface="+mn-ea"/>
-                <a:cs typeface="+mn-cs"/>
-              </a:defRPr>
-            </a:lvl1pPr>
-            <a:lvl2pPr marL="742950" indent="-285750" algn="l" rtl="0" eaLnBrk="0" fontAlgn="base" hangingPunct="0">
-              <a:spcBef>
-                <a:spcPct val="20000"/>
-              </a:spcBef>
-              <a:spcAft>
-                <a:spcPct val="0"/>
-              </a:spcAft>
-              <a:buClr>
-                <a:schemeClr val="accent1"/>
-              </a:buClr>
-              <a:buFont typeface="Wingdings" panose="05000000000000000000" pitchFamily="2" charset="2"/>
-              <a:buChar char="¡"/>
-              <a:defRPr sz="2700">
-                <a:solidFill>
-                  <a:schemeClr val="tx1"/>
-                </a:solidFill>
-                <a:latin typeface="+mn-lt"/>
-              </a:defRPr>
-            </a:lvl2pPr>
-            <a:lvl3pPr marL="1143000" indent="-228600" algn="l" rtl="0" eaLnBrk="0" fontAlgn="base" hangingPunct="0">
-              <a:spcBef>
-                <a:spcPct val="20000"/>
-              </a:spcBef>
-              <a:spcAft>
-                <a:spcPct val="0"/>
-              </a:spcAft>
-              <a:buClr>
-                <a:schemeClr val="accent1"/>
-              </a:buClr>
-              <a:buFont typeface="Wingdings" panose="05000000000000000000" pitchFamily="2" charset="2"/>
-              <a:buChar char="l"/>
-              <a:defRPr sz="2300">
-                <a:solidFill>
-                  <a:schemeClr val="tx1"/>
-                </a:solidFill>
-                <a:latin typeface="+mn-lt"/>
-              </a:defRPr>
-            </a:lvl3pPr>
-            <a:lvl4pPr marL="1600200" indent="-228600" algn="l" rtl="0" eaLnBrk="0" fontAlgn="base" hangingPunct="0">
-              <a:spcBef>
-                <a:spcPct val="20000"/>
-              </a:spcBef>
-              <a:spcAft>
-                <a:spcPct val="0"/>
-              </a:spcAft>
-              <a:buClr>
-                <a:schemeClr val="accent1"/>
-              </a:buClr>
-              <a:buChar char="•"/>
-              <a:defRPr sz="2000">
-                <a:solidFill>
-                  <a:schemeClr val="tx1"/>
-                </a:solidFill>
-                <a:latin typeface="+mn-lt"/>
-              </a:defRPr>
-            </a:lvl4pPr>
-            <a:lvl5pPr marL="2057400" indent="-228600" algn="l" rtl="0" eaLnBrk="0" fontAlgn="base" hangingPunct="0">
-              <a:spcBef>
-                <a:spcPct val="20000"/>
-              </a:spcBef>
-              <a:spcAft>
-                <a:spcPct val="0"/>
-              </a:spcAft>
-              <a:buClr>
-                <a:schemeClr val="accent1"/>
-              </a:buClr>
-              <a:buFont typeface="Wingdings" panose="05000000000000000000" pitchFamily="2" charset="2"/>
-              <a:buChar char=""/>
-              <a:defRPr sz="2000">
-                <a:solidFill>
-                  <a:schemeClr val="tx1"/>
-                </a:solidFill>
-                <a:latin typeface="+mn-lt"/>
-              </a:defRPr>
-            </a:lvl5pPr>
-            <a:lvl6pPr marL="2514600" indent="-228600" algn="l" rtl="0" fontAlgn="base">
-              <a:spcBef>
-                <a:spcPct val="20000"/>
-              </a:spcBef>
-              <a:spcAft>
-                <a:spcPct val="0"/>
-              </a:spcAft>
-              <a:buClr>
-                <a:schemeClr val="accent1"/>
-              </a:buClr>
-              <a:buFont typeface="Wingdings" pitchFamily="2" charset="2"/>
-              <a:buChar char=""/>
-              <a:defRPr sz="2000">
-                <a:solidFill>
-                  <a:schemeClr val="tx1"/>
-                </a:solidFill>
-                <a:latin typeface="+mn-lt"/>
-              </a:defRPr>
-            </a:lvl6pPr>
-            <a:lvl7pPr marL="2971800" indent="-228600" algn="l" rtl="0" fontAlgn="base">
-              <a:spcBef>
-                <a:spcPct val="20000"/>
-              </a:spcBef>
-              <a:spcAft>
-                <a:spcPct val="0"/>
-              </a:spcAft>
-              <a:buClr>
-                <a:schemeClr val="accent1"/>
-              </a:buClr>
-              <a:buFont typeface="Wingdings" pitchFamily="2" charset="2"/>
-              <a:buChar char=""/>
-              <a:defRPr sz="2000">
-                <a:solidFill>
-                  <a:schemeClr val="tx1"/>
-                </a:solidFill>
-                <a:latin typeface="+mn-lt"/>
-              </a:defRPr>
-            </a:lvl7pPr>
-            <a:lvl8pPr marL="3429000" indent="-228600" algn="l" rtl="0" fontAlgn="base">
-              <a:spcBef>
-                <a:spcPct val="20000"/>
-              </a:spcBef>
-              <a:spcAft>
-                <a:spcPct val="0"/>
-              </a:spcAft>
-              <a:buClr>
-                <a:schemeClr val="accent1"/>
-              </a:buClr>
-              <a:buFont typeface="Wingdings" pitchFamily="2" charset="2"/>
-              <a:buChar char=""/>
-              <a:defRPr sz="2000">
-                <a:solidFill>
-                  <a:schemeClr val="tx1"/>
-                </a:solidFill>
-                <a:latin typeface="+mn-lt"/>
-              </a:defRPr>
-            </a:lvl8pPr>
-            <a:lvl9pPr marL="3886200" indent="-228600" algn="l" rtl="0" fontAlgn="base">
-              <a:spcBef>
-                <a:spcPct val="20000"/>
-              </a:spcBef>
-              <a:spcAft>
-                <a:spcPct val="0"/>
-              </a:spcAft>
-              <a:buClr>
-                <a:schemeClr val="accent1"/>
-              </a:buClr>
-              <a:buFont typeface="Wingdings" pitchFamily="2" charset="2"/>
-              <a:buChar char=""/>
-              <a:defRPr sz="2000">
-                <a:solidFill>
-                  <a:schemeClr val="tx1"/>
-                </a:solidFill>
-                <a:latin typeface="+mn-lt"/>
-              </a:defRPr>
-            </a:lvl9pPr>
-          </a:lstStyle>
-          <a:p>
-            <a:pPr eaLnBrk="1" hangingPunct="1"/>
-            <a:r>
-              <a:rPr lang="sr-Cyrl-RS" altLang="en-US" kern="0" dirty="0" smtClean="0">
-                <a:solidFill>
-                  <a:srgbClr val="993300"/>
-                </a:solidFill>
-                <a:latin typeface="Times New Roman" panose="02020603050405020304" pitchFamily="18" charset="0"/>
-                <a:cs typeface="Times New Roman" panose="02020603050405020304" pitchFamily="18" charset="0"/>
-              </a:rPr>
-              <a:t>Владимир Филиповић</a:t>
-            </a:r>
-            <a:endParaRPr lang="en-US" altLang="en-US" kern="0" dirty="0" smtClean="0">
-              <a:solidFill>
-                <a:srgbClr val="993300"/>
-              </a:solidFill>
-              <a:latin typeface="Times New Roman" panose="02020603050405020304" pitchFamily="18" charset="0"/>
-              <a:cs typeface="Times New Roman" panose="02020603050405020304" pitchFamily="18" charset="0"/>
-            </a:endParaRPr>
-          </a:p>
-          <a:p>
-            <a:pPr eaLnBrk="1" hangingPunct="1"/>
-            <a:r>
-              <a:rPr lang="sr-Latn-CS" altLang="en-US" kern="0" dirty="0" smtClean="0">
-                <a:hlinkClick r:id="rId2"/>
-              </a:rPr>
-              <a:t>vladaf@matf.bg.ac.</a:t>
-            </a:r>
-            <a:r>
-              <a:rPr lang="en-US" altLang="en-US" kern="0" dirty="0" err="1" smtClean="0">
-                <a:hlinkClick r:id="rId2"/>
-              </a:rPr>
-              <a:t>rs</a:t>
-            </a:r>
-            <a:endParaRPr lang="sr-Latn-RS" altLang="en-US" kern="0" dirty="0" smtClean="0"/>
-          </a:p>
-          <a:p>
-            <a:pPr eaLnBrk="1" hangingPunct="1"/>
-            <a:r>
-              <a:rPr lang="sr-Cyrl-RS" altLang="en-US" kern="0" dirty="0" smtClean="0">
-                <a:solidFill>
-                  <a:srgbClr val="993300"/>
-                </a:solidFill>
-                <a:latin typeface="Times New Roman" panose="02020603050405020304" pitchFamily="18" charset="0"/>
-                <a:cs typeface="Times New Roman" panose="02020603050405020304" pitchFamily="18" charset="0"/>
-              </a:rPr>
-              <a:t>Александар Картељ</a:t>
-            </a:r>
-            <a:endParaRPr lang="en-US" altLang="en-US" kern="0" dirty="0" smtClean="0">
-              <a:solidFill>
-                <a:srgbClr val="993300"/>
-              </a:solidFill>
-              <a:latin typeface="Times New Roman" panose="02020603050405020304" pitchFamily="18" charset="0"/>
-              <a:cs typeface="Times New Roman" panose="02020603050405020304" pitchFamily="18" charset="0"/>
-            </a:endParaRPr>
-          </a:p>
-          <a:p>
-            <a:pPr eaLnBrk="1" hangingPunct="1"/>
-            <a:r>
-              <a:rPr lang="en-US" altLang="en-US" kern="0" dirty="0" smtClean="0">
-                <a:hlinkClick r:id="rId3"/>
-              </a:rPr>
-              <a:t>k</a:t>
-            </a:r>
-            <a:r>
-              <a:rPr lang="sr-Latn-RS" altLang="en-US" kern="0" dirty="0" smtClean="0">
-                <a:hlinkClick r:id="rId3"/>
-              </a:rPr>
-              <a:t>artelj</a:t>
-            </a:r>
-            <a:r>
-              <a:rPr lang="en-US" altLang="en-US" kern="0" dirty="0" smtClean="0">
-                <a:hlinkClick r:id="rId3"/>
-              </a:rPr>
-              <a:t>@matf.bg.ac.rs</a:t>
-            </a:r>
-            <a:endParaRPr lang="en-US" altLang="en-US" kern="0" dirty="0"/>
-          </a:p>
-        </p:txBody>
-      </p:sp>
-    </p:spTree>
-    <p:extLst>
-      <p:ext uri="{BB962C8B-B14F-4D97-AF65-F5344CB8AC3E}">
-        <p14:creationId xmlns:p14="http://schemas.microsoft.com/office/powerpoint/2010/main" val="756229801"/>
-      </p:ext>
-    </p:extLst>
-  </p:cSld>
-  <p:clrMapOvr>
-    <a:masterClrMapping/>
-  </p:clrMapOvr>
-  <p:transition spd="slow"/>
-  <p:timing>
-    <p:tnLst>
-      <p:par>
-        <p:cTn id="1" dur="indefinite" restart="never" nodeType="tmRoot"/>
       </p:par>
     </p:tnLst>
   </p:timing>

--- a/predavanja/prezentacije/OOP07-1-Predefinisani tipovi u Javi.pptx
+++ b/predavanja/prezentacije/OOP07-1-Predefinisani tipovi u Javi.pptx
@@ -5,10 +5,10 @@
     <p:sldMasterId id="2147483721" r:id="rId1"/>
   </p:sldMasterIdLst>
   <p:notesMasterIdLst>
-    <p:notesMasterId r:id="rId25"/>
+    <p:notesMasterId r:id="rId29"/>
   </p:notesMasterIdLst>
   <p:handoutMasterIdLst>
-    <p:handoutMasterId r:id="rId26"/>
+    <p:handoutMasterId r:id="rId30"/>
   </p:handoutMasterIdLst>
   <p:sldIdLst>
     <p:sldId id="284" r:id="rId2"/>
@@ -25,24 +25,28 @@
     <p:sldId id="293" r:id="rId13"/>
     <p:sldId id="292" r:id="rId14"/>
     <p:sldId id="294" r:id="rId15"/>
-    <p:sldId id="295" r:id="rId16"/>
-    <p:sldId id="296" r:id="rId17"/>
-    <p:sldId id="297" r:id="rId18"/>
-    <p:sldId id="298" r:id="rId19"/>
-    <p:sldId id="299" r:id="rId20"/>
-    <p:sldId id="303" r:id="rId21"/>
-    <p:sldId id="300" r:id="rId22"/>
-    <p:sldId id="302" r:id="rId23"/>
-    <p:sldId id="283" r:id="rId24"/>
+    <p:sldId id="306" r:id="rId16"/>
+    <p:sldId id="307" r:id="rId17"/>
+    <p:sldId id="308" r:id="rId18"/>
+    <p:sldId id="309" r:id="rId19"/>
+    <p:sldId id="295" r:id="rId20"/>
+    <p:sldId id="296" r:id="rId21"/>
+    <p:sldId id="297" r:id="rId22"/>
+    <p:sldId id="298" r:id="rId23"/>
+    <p:sldId id="299" r:id="rId24"/>
+    <p:sldId id="303" r:id="rId25"/>
+    <p:sldId id="300" r:id="rId26"/>
+    <p:sldId id="302" r:id="rId27"/>
+    <p:sldId id="283" r:id="rId28"/>
   </p:sldIdLst>
   <p:sldSz cx="9144000" cy="6858000" type="screen4x3"/>
   <p:notesSz cx="6858000" cy="9144000"/>
   <p:embeddedFontLst>
     <p:embeddedFont>
       <p:font typeface="Garamond" panose="02020404030301010803" pitchFamily="18" charset="0"/>
-      <p:regular r:id="rId27"/>
-      <p:bold r:id="rId28"/>
-      <p:italic r:id="rId29"/>
+      <p:regular r:id="rId31"/>
+      <p:bold r:id="rId32"/>
+      <p:italic r:id="rId33"/>
     </p:embeddedFont>
   </p:embeddedFontLst>
   <p:kinsoku lang="ja-JP" invalStChars="、。，．・：；？！゛゜ヽヾゝゞ々ー’”）〕］｝〉》」』】°‰′″℃￠％ぁぃぅぇぉっゃゅょゎァィゥェォッャュョヮヵヶ!%),.:;?]}｡｣､･ｧｨｩｪｫｬｭｮｯｰﾞﾟ" invalEndChars="‘“（〔［｛〈《「『【￥＄$([\{｢￡"/>
@@ -1670,6 +1674,13 @@
   <p:clrMapOvr>
     <a:masterClrMapping/>
   </p:clrMapOvr>
+  <p:timing>
+    <p:tnLst>
+      <p:par>
+        <p:cTn id="1" dur="indefinite" restart="never" nodeType="tmRoot"/>
+      </p:par>
+    </p:tnLst>
+  </p:timing>
 </p:sldLayout>
 </file>
 
@@ -2213,7 +2224,7 @@
                 </a:solidFill>
                 <a:cs typeface="Arial" panose="020B0604020202020204" pitchFamily="34" charset="0"/>
               </a:rPr>
-              <a:t>23</a:t>
+              <a:t>27</a:t>
             </a:r>
             <a:endParaRPr lang="en-US" altLang="sr-Latn-RS" sz="800" dirty="0">
               <a:solidFill>
@@ -9041,7 +9052,25 @@
                 </a:solidFill>
                 <a:latin typeface="Garamond" pitchFamily="18" charset="0"/>
               </a:rPr>
-              <a:t>Сви ниска литерали у програмском језику јава, као што је нпр. </a:t>
+              <a:t>Сви ниска литерали у програмском језику </a:t>
+            </a:r>
+            <a:r>
+              <a:rPr lang="sr-Cyrl-RS" dirty="0" smtClean="0">
+                <a:solidFill>
+                  <a:schemeClr val="tx1"/>
+                </a:solidFill>
+                <a:latin typeface="Garamond" pitchFamily="18" charset="0"/>
+              </a:rPr>
+              <a:t>Јава</a:t>
+            </a:r>
+            <a:r>
+              <a:rPr lang="sr-Cyrl-RS" dirty="0" smtClean="0">
+                <a:solidFill>
+                  <a:schemeClr val="tx1"/>
+                </a:solidFill>
+                <a:latin typeface="Garamond" pitchFamily="18" charset="0"/>
+              </a:rPr>
+              <a:t>, као што је нпр. </a:t>
             </a:r>
             <a:r>
               <a:rPr lang="en-US" sz="2000" dirty="0" smtClean="0">
@@ -9801,6 +9830,5657 @@
       </p:grpSpPr>
       <p:sp>
         <p:nvSpPr>
+          <p:cNvPr id="54274" name="Text Box 2"/>
+          <p:cNvSpPr txBox="1">
+            <a:spLocks noChangeArrowheads="1"/>
+          </p:cNvSpPr>
+          <p:nvPr/>
+        </p:nvSpPr>
+        <p:spPr bwMode="auto">
+          <a:xfrm>
+            <a:off x="461963" y="1417638"/>
+            <a:ext cx="8682037" cy="4436599"/>
+          </a:xfrm>
+          <a:prstGeom prst="rect">
+            <a:avLst/>
+          </a:prstGeom>
+          <a:noFill/>
+          <a:ln>
+            <a:noFill/>
+          </a:ln>
+          <a:extLst>
+            <a:ext uri="{909E8E84-426E-40DD-AFC4-6F175D3DCCD1}">
+              <a14:hiddenFill xmlns:a14="http://schemas.microsoft.com/office/drawing/2010/main">
+                <a:solidFill>
+                  <a:srgbClr val="FFFFFF"/>
+                </a:solidFill>
+              </a14:hiddenFill>
+            </a:ext>
+            <a:ext uri="{91240B29-F687-4F45-9708-019B960494DF}">
+              <a14:hiddenLine xmlns:a14="http://schemas.microsoft.com/office/drawing/2010/main" w="9525">
+                <a:solidFill>
+                  <a:srgbClr val="000000"/>
+                </a:solidFill>
+                <a:miter lim="800000"/>
+                <a:headEnd/>
+                <a:tailEnd/>
+              </a14:hiddenLine>
+            </a:ext>
+          </a:extLst>
+        </p:spPr>
+        <p:txBody>
+          <a:bodyPr>
+            <a:spAutoFit/>
+          </a:bodyPr>
+          <a:lstStyle>
+            <a:lvl1pPr eaLnBrk="0" hangingPunct="0">
+              <a:defRPr sz="2400">
+                <a:solidFill>
+                  <a:schemeClr val="tx1"/>
+                </a:solidFill>
+                <a:latin typeface="Times New Roman" pitchFamily="18" charset="0"/>
+              </a:defRPr>
+            </a:lvl1pPr>
+            <a:lvl2pPr marL="742950" indent="-285750" eaLnBrk="0" hangingPunct="0">
+              <a:defRPr sz="2400">
+                <a:solidFill>
+                  <a:schemeClr val="tx1"/>
+                </a:solidFill>
+                <a:latin typeface="Times New Roman" pitchFamily="18" charset="0"/>
+              </a:defRPr>
+            </a:lvl2pPr>
+            <a:lvl3pPr marL="1143000" indent="-228600" eaLnBrk="0" hangingPunct="0">
+              <a:defRPr sz="2400">
+                <a:solidFill>
+                  <a:schemeClr val="tx1"/>
+                </a:solidFill>
+                <a:latin typeface="Times New Roman" pitchFamily="18" charset="0"/>
+              </a:defRPr>
+            </a:lvl3pPr>
+            <a:lvl4pPr marL="1600200" indent="-228600" eaLnBrk="0" hangingPunct="0">
+              <a:defRPr sz="2400">
+                <a:solidFill>
+                  <a:schemeClr val="tx1"/>
+                </a:solidFill>
+                <a:latin typeface="Times New Roman" pitchFamily="18" charset="0"/>
+              </a:defRPr>
+            </a:lvl4pPr>
+            <a:lvl5pPr marL="2057400" indent="-228600" eaLnBrk="0" hangingPunct="0">
+              <a:defRPr sz="2400">
+                <a:solidFill>
+                  <a:schemeClr val="tx1"/>
+                </a:solidFill>
+                <a:latin typeface="Times New Roman" pitchFamily="18" charset="0"/>
+              </a:defRPr>
+            </a:lvl5pPr>
+            <a:lvl6pPr marL="2514600" indent="-228600" eaLnBrk="0" fontAlgn="base" hangingPunct="0">
+              <a:spcBef>
+                <a:spcPct val="0"/>
+              </a:spcBef>
+              <a:spcAft>
+                <a:spcPct val="0"/>
+              </a:spcAft>
+              <a:defRPr sz="2400">
+                <a:solidFill>
+                  <a:schemeClr val="tx1"/>
+                </a:solidFill>
+                <a:latin typeface="Times New Roman" pitchFamily="18" charset="0"/>
+              </a:defRPr>
+            </a:lvl6pPr>
+            <a:lvl7pPr marL="2971800" indent="-228600" eaLnBrk="0" fontAlgn="base" hangingPunct="0">
+              <a:spcBef>
+                <a:spcPct val="0"/>
+              </a:spcBef>
+              <a:spcAft>
+                <a:spcPct val="0"/>
+              </a:spcAft>
+              <a:defRPr sz="2400">
+                <a:solidFill>
+                  <a:schemeClr val="tx1"/>
+                </a:solidFill>
+                <a:latin typeface="Times New Roman" pitchFamily="18" charset="0"/>
+              </a:defRPr>
+            </a:lvl7pPr>
+            <a:lvl8pPr marL="3429000" indent="-228600" eaLnBrk="0" fontAlgn="base" hangingPunct="0">
+              <a:spcBef>
+                <a:spcPct val="0"/>
+              </a:spcBef>
+              <a:spcAft>
+                <a:spcPct val="0"/>
+              </a:spcAft>
+              <a:defRPr sz="2400">
+                <a:solidFill>
+                  <a:schemeClr val="tx1"/>
+                </a:solidFill>
+                <a:latin typeface="Times New Roman" pitchFamily="18" charset="0"/>
+              </a:defRPr>
+            </a:lvl8pPr>
+            <a:lvl9pPr marL="3886200" indent="-228600" eaLnBrk="0" fontAlgn="base" hangingPunct="0">
+              <a:spcBef>
+                <a:spcPct val="0"/>
+              </a:spcBef>
+              <a:spcAft>
+                <a:spcPct val="0"/>
+              </a:spcAft>
+              <a:defRPr sz="2400">
+                <a:solidFill>
+                  <a:schemeClr val="tx1"/>
+                </a:solidFill>
+                <a:latin typeface="Times New Roman" pitchFamily="18" charset="0"/>
+              </a:defRPr>
+            </a:lvl9pPr>
+          </a:lstStyle>
+          <a:p>
+            <a:pPr marL="342900" indent="-342900">
+              <a:lnSpc>
+                <a:spcPct val="80000"/>
+              </a:lnSpc>
+              <a:spcBef>
+                <a:spcPts val="600"/>
+              </a:spcBef>
+              <a:buFont typeface="Arial" panose="020B0604020202020204" pitchFamily="34" charset="0"/>
+              <a:buChar char="•"/>
+              <a:defRPr/>
+            </a:pPr>
+            <a:r>
+              <a:rPr lang="sr-Cyrl-RS" dirty="0" smtClean="0">
+                <a:latin typeface="Garamond" pitchFamily="18" charset="0"/>
+              </a:rPr>
+              <a:t>Дужина </a:t>
+            </a:r>
+            <a:r>
+              <a:rPr lang="sr-Cyrl-RS" dirty="0" smtClean="0">
+                <a:latin typeface="Garamond" pitchFamily="18" charset="0"/>
+              </a:rPr>
+              <a:t>ниске </a:t>
+            </a:r>
+            <a:r>
+              <a:rPr lang="sr-Cyrl-RS" dirty="0" smtClean="0">
+                <a:latin typeface="Garamond" pitchFamily="18" charset="0"/>
+              </a:rPr>
+              <a:t>одређује се позивом метода</a:t>
+            </a:r>
+            <a:r>
+              <a:rPr lang="vi-VN" dirty="0" smtClean="0">
+                <a:latin typeface="Garamond" pitchFamily="18" charset="0"/>
+              </a:rPr>
+              <a:t> </a:t>
+            </a:r>
+            <a:r>
+              <a:rPr lang="vi-VN" sz="2000" dirty="0">
+                <a:latin typeface="+mn-lt"/>
+              </a:rPr>
+              <a:t>length</a:t>
+            </a:r>
+            <a:r>
+              <a:rPr lang="vi-VN" sz="2000" dirty="0" smtClean="0">
+                <a:latin typeface="+mn-lt"/>
+              </a:rPr>
+              <a:t>()</a:t>
+            </a:r>
+            <a:r>
+              <a:rPr lang="sr-Latn-CS" dirty="0" smtClean="0">
+                <a:latin typeface="Garamond" pitchFamily="18" charset="0"/>
+              </a:rPr>
+              <a:t> </a:t>
+            </a:r>
+            <a:endParaRPr lang="sr-Cyrl-RS" dirty="0" smtClean="0">
+              <a:latin typeface="Garamond" pitchFamily="18" charset="0"/>
+            </a:endParaRPr>
+          </a:p>
+          <a:p>
+            <a:pPr marL="342900" indent="-342900">
+              <a:lnSpc>
+                <a:spcPct val="80000"/>
+              </a:lnSpc>
+              <a:spcBef>
+                <a:spcPts val="600"/>
+              </a:spcBef>
+              <a:buFont typeface="Arial" panose="020B0604020202020204" pitchFamily="34" charset="0"/>
+              <a:buChar char="•"/>
+              <a:defRPr/>
+            </a:pPr>
+            <a:r>
+              <a:rPr lang="ru-RU" dirty="0" smtClean="0">
+                <a:latin typeface="Garamond" pitchFamily="18" charset="0"/>
+              </a:rPr>
+              <a:t>Надовезивање, тј. конкатенација </a:t>
+            </a:r>
+            <a:r>
+              <a:rPr lang="ru-RU" dirty="0" smtClean="0">
+                <a:latin typeface="Garamond" pitchFamily="18" charset="0"/>
+              </a:rPr>
+              <a:t>ниски </a:t>
+            </a:r>
+            <a:r>
+              <a:rPr lang="ru-RU" dirty="0">
+                <a:latin typeface="Garamond" pitchFamily="18" charset="0"/>
+              </a:rPr>
+              <a:t>врши се </a:t>
+            </a:r>
+            <a:r>
+              <a:rPr lang="ru-RU" dirty="0" smtClean="0">
+                <a:latin typeface="Garamond" pitchFamily="18" charset="0"/>
+              </a:rPr>
+              <a:t>оператором </a:t>
+            </a:r>
+            <a:r>
+              <a:rPr lang="en-US" b="1" dirty="0" smtClean="0">
+                <a:latin typeface="Garamond" pitchFamily="18" charset="0"/>
+              </a:rPr>
+              <a:t>+</a:t>
+            </a:r>
+            <a:r>
+              <a:rPr lang="en-US" dirty="0" smtClean="0">
+                <a:latin typeface="Garamond" pitchFamily="18" charset="0"/>
+              </a:rPr>
+              <a:t>.</a:t>
+            </a:r>
+            <a:r>
+              <a:rPr lang="sr-Cyrl-RS" dirty="0">
+                <a:latin typeface="Garamond" pitchFamily="18" charset="0"/>
+              </a:rPr>
+              <a:t> </a:t>
+            </a:r>
+            <a:r>
+              <a:rPr lang="ru-RU" dirty="0" smtClean="0">
+                <a:latin typeface="Garamond" pitchFamily="18" charset="0"/>
+              </a:rPr>
+              <a:t>Као </a:t>
+            </a:r>
+            <a:r>
+              <a:rPr lang="ru-RU" dirty="0">
+                <a:latin typeface="Garamond" pitchFamily="18" charset="0"/>
+              </a:rPr>
+              <a:t>резултат се креира нови објекат класе </a:t>
+            </a:r>
+            <a:r>
+              <a:rPr lang="ru-RU" sz="2000" dirty="0">
+                <a:latin typeface="+mn-lt"/>
+              </a:rPr>
+              <a:t>String</a:t>
+            </a:r>
+            <a:r>
+              <a:rPr lang="ru-RU" sz="2000" dirty="0">
+                <a:latin typeface="Garamond" pitchFamily="18" charset="0"/>
+              </a:rPr>
+              <a:t> </a:t>
+            </a:r>
+            <a:r>
+              <a:rPr lang="ru-RU" dirty="0">
+                <a:latin typeface="Garamond" pitchFamily="18" charset="0"/>
+              </a:rPr>
+              <a:t>који садржи </a:t>
+            </a:r>
+            <a:r>
+              <a:rPr lang="ru-RU" dirty="0" smtClean="0">
+                <a:latin typeface="Garamond" pitchFamily="18" charset="0"/>
+              </a:rPr>
+              <a:t>новодобијену ниску</a:t>
+            </a:r>
+            <a:endParaRPr lang="sr-Cyrl-RS" dirty="0" smtClean="0">
+              <a:latin typeface="Garamond" pitchFamily="18" charset="0"/>
+            </a:endParaRPr>
+          </a:p>
+          <a:p>
+            <a:pPr>
+              <a:lnSpc>
+                <a:spcPct val="80000"/>
+              </a:lnSpc>
+              <a:spcBef>
+                <a:spcPts val="600"/>
+              </a:spcBef>
+              <a:defRPr/>
+            </a:pPr>
+            <a:r>
+              <a:rPr lang="sr-Cyrl-RS" b="1" dirty="0" smtClean="0">
+                <a:latin typeface="Garamond" pitchFamily="18" charset="0"/>
+              </a:rPr>
+              <a:t>Пример.</a:t>
+            </a:r>
+            <a:r>
+              <a:rPr lang="sr-Cyrl-RS" dirty="0" smtClean="0">
+                <a:latin typeface="Garamond" pitchFamily="18" charset="0"/>
+              </a:rPr>
+              <a:t> Пример надовезивања </a:t>
+            </a:r>
+            <a:r>
+              <a:rPr lang="sr-Cyrl-RS" dirty="0" smtClean="0">
+                <a:latin typeface="Garamond" pitchFamily="18" charset="0"/>
+              </a:rPr>
+              <a:t>ниски </a:t>
+            </a:r>
+            <a:endParaRPr lang="sr-Cyrl-RS" dirty="0" smtClean="0">
+              <a:latin typeface="Garamond" pitchFamily="18" charset="0"/>
+            </a:endParaRPr>
+          </a:p>
+          <a:p>
+            <a:r>
+              <a:rPr lang="sr-Cyrl-RS" sz="1500" dirty="0" smtClean="0">
+                <a:solidFill>
+                  <a:srgbClr val="000000"/>
+                </a:solidFill>
+                <a:latin typeface="Courier New" panose="02070309020205020404" pitchFamily="49" charset="0"/>
+              </a:rPr>
+              <a:t>	</a:t>
+            </a:r>
+          </a:p>
+          <a:p>
+            <a:r>
+              <a:rPr lang="sr-Cyrl-RS" sz="1500" dirty="0">
+                <a:solidFill>
+                  <a:srgbClr val="000000"/>
+                </a:solidFill>
+                <a:latin typeface="Courier New" panose="02070309020205020404" pitchFamily="49" charset="0"/>
+              </a:rPr>
+              <a:t>	</a:t>
+            </a:r>
+            <a:r>
+              <a:rPr lang="en-US" sz="1500" dirty="0" smtClean="0">
+                <a:solidFill>
+                  <a:srgbClr val="000000"/>
+                </a:solidFill>
+                <a:latin typeface="Courier New" panose="02070309020205020404" pitchFamily="49" charset="0"/>
+              </a:rPr>
+              <a:t>String </a:t>
+            </a:r>
+            <a:r>
+              <a:rPr lang="en-US" sz="1500" dirty="0">
+                <a:solidFill>
+                  <a:srgbClr val="000000"/>
+                </a:solidFill>
+                <a:latin typeface="Courier New" panose="02070309020205020404" pitchFamily="49" charset="0"/>
+              </a:rPr>
+              <a:t>date </a:t>
+            </a:r>
+            <a:r>
+              <a:rPr lang="en-US" sz="1500" b="1" dirty="0">
+                <a:solidFill>
+                  <a:srgbClr val="000080"/>
+                </a:solidFill>
+                <a:latin typeface="Courier New" panose="02070309020205020404" pitchFamily="49" charset="0"/>
+              </a:rPr>
+              <a:t>=</a:t>
+            </a:r>
+            <a:r>
+              <a:rPr lang="en-US" sz="1500" dirty="0">
+                <a:solidFill>
+                  <a:srgbClr val="000000"/>
+                </a:solidFill>
+                <a:latin typeface="Courier New" panose="02070309020205020404" pitchFamily="49" charset="0"/>
+              </a:rPr>
+              <a:t> “13</a:t>
+            </a:r>
+            <a:r>
+              <a:rPr lang="en-US" sz="1500" b="1" dirty="0">
+                <a:solidFill>
+                  <a:srgbClr val="000080"/>
+                </a:solidFill>
+                <a:latin typeface="Courier New" panose="02070309020205020404" pitchFamily="49" charset="0"/>
+              </a:rPr>
+              <a:t>.</a:t>
+            </a:r>
+            <a:r>
+              <a:rPr lang="en-US" sz="1500" dirty="0">
+                <a:solidFill>
+                  <a:srgbClr val="000000"/>
+                </a:solidFill>
+                <a:latin typeface="Courier New" panose="02070309020205020404" pitchFamily="49" charset="0"/>
+              </a:rPr>
+              <a:t> “</a:t>
+            </a:r>
+            <a:r>
+              <a:rPr lang="en-US" sz="1500" b="1" dirty="0">
+                <a:solidFill>
+                  <a:srgbClr val="000080"/>
+                </a:solidFill>
+                <a:latin typeface="Courier New" panose="02070309020205020404" pitchFamily="49" charset="0"/>
+              </a:rPr>
+              <a:t>;</a:t>
+            </a:r>
+            <a:r>
+              <a:rPr lang="en-US" sz="1500" dirty="0">
+                <a:solidFill>
+                  <a:srgbClr val="000000"/>
+                </a:solidFill>
+                <a:latin typeface="Courier New" panose="02070309020205020404" pitchFamily="49" charset="0"/>
+              </a:rPr>
+              <a:t> </a:t>
+            </a:r>
+            <a:endParaRPr lang="sr-Cyrl-RS" sz="1500" dirty="0" smtClean="0">
+              <a:solidFill>
+                <a:srgbClr val="000000"/>
+              </a:solidFill>
+              <a:latin typeface="Courier New" panose="02070309020205020404" pitchFamily="49" charset="0"/>
+            </a:endParaRPr>
+          </a:p>
+          <a:p>
+            <a:r>
+              <a:rPr lang="sr-Cyrl-RS" sz="1500" dirty="0">
+                <a:solidFill>
+                  <a:srgbClr val="000000"/>
+                </a:solidFill>
+                <a:latin typeface="Courier New" panose="02070309020205020404" pitchFamily="49" charset="0"/>
+              </a:rPr>
+              <a:t>	</a:t>
+            </a:r>
+            <a:r>
+              <a:rPr lang="en-US" sz="1500" dirty="0" smtClean="0">
+                <a:solidFill>
+                  <a:srgbClr val="000000"/>
+                </a:solidFill>
+                <a:latin typeface="Courier New" panose="02070309020205020404" pitchFamily="49" charset="0"/>
+              </a:rPr>
+              <a:t>String </a:t>
+            </a:r>
+            <a:r>
+              <a:rPr lang="en-US" sz="1500" dirty="0">
+                <a:solidFill>
+                  <a:srgbClr val="000000"/>
+                </a:solidFill>
+                <a:latin typeface="Courier New" panose="02070309020205020404" pitchFamily="49" charset="0"/>
+              </a:rPr>
+              <a:t>month </a:t>
+            </a:r>
+            <a:r>
+              <a:rPr lang="en-US" sz="1500" b="1" dirty="0">
+                <a:solidFill>
+                  <a:srgbClr val="000080"/>
+                </a:solidFill>
+                <a:latin typeface="Courier New" panose="02070309020205020404" pitchFamily="49" charset="0"/>
+              </a:rPr>
+              <a:t>=</a:t>
+            </a:r>
+            <a:r>
+              <a:rPr lang="en-US" sz="1500" dirty="0">
+                <a:solidFill>
+                  <a:srgbClr val="000000"/>
+                </a:solidFill>
+                <a:latin typeface="Courier New" panose="02070309020205020404" pitchFamily="49" charset="0"/>
+              </a:rPr>
+              <a:t> “May”</a:t>
+            </a:r>
+            <a:r>
+              <a:rPr lang="en-US" sz="1500" b="1" dirty="0">
+                <a:solidFill>
+                  <a:srgbClr val="000080"/>
+                </a:solidFill>
+                <a:latin typeface="Courier New" panose="02070309020205020404" pitchFamily="49" charset="0"/>
+              </a:rPr>
+              <a:t>;</a:t>
+            </a:r>
+            <a:r>
+              <a:rPr lang="en-US" sz="1500" dirty="0">
+                <a:solidFill>
+                  <a:srgbClr val="000000"/>
+                </a:solidFill>
+                <a:latin typeface="Courier New" panose="02070309020205020404" pitchFamily="49" charset="0"/>
+              </a:rPr>
+              <a:t> </a:t>
+            </a:r>
+            <a:endParaRPr lang="sr-Cyrl-RS" sz="1500" dirty="0" smtClean="0">
+              <a:solidFill>
+                <a:srgbClr val="000000"/>
+              </a:solidFill>
+              <a:latin typeface="Courier New" panose="02070309020205020404" pitchFamily="49" charset="0"/>
+            </a:endParaRPr>
+          </a:p>
+          <a:p>
+            <a:r>
+              <a:rPr lang="sr-Cyrl-RS" sz="1500" dirty="0">
+                <a:solidFill>
+                  <a:srgbClr val="000000"/>
+                </a:solidFill>
+                <a:latin typeface="Courier New" panose="02070309020205020404" pitchFamily="49" charset="0"/>
+              </a:rPr>
+              <a:t>	</a:t>
+            </a:r>
+            <a:r>
+              <a:rPr lang="en-US" sz="1500" dirty="0" smtClean="0">
+                <a:solidFill>
+                  <a:srgbClr val="000000"/>
+                </a:solidFill>
+                <a:latin typeface="Courier New" panose="02070309020205020404" pitchFamily="49" charset="0"/>
+              </a:rPr>
+              <a:t>String </a:t>
+            </a:r>
+            <a:r>
+              <a:rPr lang="en-US" sz="1500" dirty="0">
+                <a:solidFill>
+                  <a:srgbClr val="000000"/>
+                </a:solidFill>
+                <a:latin typeface="Courier New" panose="02070309020205020404" pitchFamily="49" charset="0"/>
+              </a:rPr>
+              <a:t>day </a:t>
+            </a:r>
+            <a:r>
+              <a:rPr lang="en-US" sz="1500" b="1" dirty="0">
+                <a:solidFill>
+                  <a:srgbClr val="000080"/>
+                </a:solidFill>
+                <a:latin typeface="Courier New" panose="02070309020205020404" pitchFamily="49" charset="0"/>
+              </a:rPr>
+              <a:t>=</a:t>
+            </a:r>
+            <a:r>
+              <a:rPr lang="en-US" sz="1500" dirty="0">
+                <a:solidFill>
+                  <a:srgbClr val="000000"/>
+                </a:solidFill>
+                <a:latin typeface="Courier New" panose="02070309020205020404" pitchFamily="49" charset="0"/>
+              </a:rPr>
+              <a:t> date </a:t>
+            </a:r>
+            <a:r>
+              <a:rPr lang="en-US" sz="1500" b="1" dirty="0">
+                <a:solidFill>
+                  <a:srgbClr val="000080"/>
+                </a:solidFill>
+                <a:latin typeface="Courier New" panose="02070309020205020404" pitchFamily="49" charset="0"/>
+              </a:rPr>
+              <a:t>+</a:t>
+            </a:r>
+            <a:r>
+              <a:rPr lang="en-US" sz="1500" dirty="0">
+                <a:solidFill>
+                  <a:srgbClr val="000000"/>
+                </a:solidFill>
+                <a:latin typeface="Courier New" panose="02070309020205020404" pitchFamily="49" charset="0"/>
+              </a:rPr>
+              <a:t> month</a:t>
+            </a:r>
+            <a:r>
+              <a:rPr lang="en-US" sz="1500" b="1" dirty="0">
+                <a:solidFill>
+                  <a:srgbClr val="000080"/>
+                </a:solidFill>
+                <a:latin typeface="Courier New" panose="02070309020205020404" pitchFamily="49" charset="0"/>
+              </a:rPr>
+              <a:t>;</a:t>
+            </a:r>
+            <a:r>
+              <a:rPr lang="en-US" sz="1500" dirty="0">
+                <a:solidFill>
+                  <a:srgbClr val="000000"/>
+                </a:solidFill>
+                <a:latin typeface="Courier New" panose="02070309020205020404" pitchFamily="49" charset="0"/>
+              </a:rPr>
+              <a:t> </a:t>
+            </a:r>
+            <a:r>
+              <a:rPr lang="en-US" sz="1500" dirty="0">
+                <a:solidFill>
+                  <a:srgbClr val="008000"/>
+                </a:solidFill>
+                <a:latin typeface="Courier New" panose="02070309020205020404" pitchFamily="49" charset="0"/>
+              </a:rPr>
+              <a:t>// </a:t>
+            </a:r>
+            <a:r>
+              <a:rPr lang="en-US" sz="1500" dirty="0" err="1">
+                <a:solidFill>
+                  <a:srgbClr val="008000"/>
+                </a:solidFill>
+                <a:latin typeface="Courier New" panose="02070309020205020404" pitchFamily="49" charset="0"/>
+              </a:rPr>
+              <a:t>rezultat</a:t>
+            </a:r>
+            <a:r>
+              <a:rPr lang="en-US" sz="1500" dirty="0">
+                <a:solidFill>
+                  <a:srgbClr val="008000"/>
+                </a:solidFill>
+                <a:latin typeface="Courier New" panose="02070309020205020404" pitchFamily="49" charset="0"/>
+              </a:rPr>
+              <a:t> je “13. May</a:t>
+            </a:r>
+            <a:r>
+              <a:rPr lang="en-US" sz="1500" dirty="0" smtClean="0">
+                <a:solidFill>
+                  <a:srgbClr val="008000"/>
+                </a:solidFill>
+                <a:latin typeface="Courier New" panose="02070309020205020404" pitchFamily="49" charset="0"/>
+              </a:rPr>
+              <a:t>”</a:t>
+            </a:r>
+            <a:endParaRPr lang="sr-Cyrl-RS" sz="1500" dirty="0" smtClean="0">
+              <a:latin typeface="Garamond" pitchFamily="18" charset="0"/>
+            </a:endParaRPr>
+          </a:p>
+          <a:p>
+            <a:pPr marL="342900" indent="-342900">
+              <a:lnSpc>
+                <a:spcPct val="80000"/>
+              </a:lnSpc>
+              <a:spcBef>
+                <a:spcPts val="600"/>
+              </a:spcBef>
+              <a:buFont typeface="Arial" panose="020B0604020202020204" pitchFamily="34" charset="0"/>
+              <a:buChar char="•"/>
+              <a:defRPr/>
+            </a:pPr>
+            <a:r>
+              <a:rPr lang="sr-Cyrl-RS" dirty="0" smtClean="0">
+                <a:latin typeface="Garamond" pitchFamily="18" charset="0"/>
+              </a:rPr>
+              <a:t>За доделу надовезаних </a:t>
+            </a:r>
+            <a:r>
+              <a:rPr lang="sr-Cyrl-RS" dirty="0" smtClean="0">
+                <a:latin typeface="Garamond" pitchFamily="18" charset="0"/>
+              </a:rPr>
+              <a:t>ниски </a:t>
+            </a:r>
+            <a:r>
+              <a:rPr lang="sr-Cyrl-RS" dirty="0" smtClean="0">
+                <a:latin typeface="Garamond" pitchFamily="18" charset="0"/>
+              </a:rPr>
+              <a:t>се може користити и оператор</a:t>
+            </a:r>
+            <a:r>
+              <a:rPr lang="sr-Latn-CS" dirty="0" smtClean="0">
+                <a:latin typeface="Garamond" panose="02020404030301010803" pitchFamily="18" charset="0"/>
+              </a:rPr>
+              <a:t> </a:t>
+            </a:r>
+            <a:r>
+              <a:rPr lang="sr-Latn-CS" b="1" dirty="0" smtClean="0">
+                <a:latin typeface="Garamond" panose="02020404030301010803" pitchFamily="18" charset="0"/>
+              </a:rPr>
+              <a:t>+=</a:t>
+            </a:r>
+            <a:endParaRPr lang="sr-Latn-CS" dirty="0">
+              <a:latin typeface="Garamond" panose="02020404030301010803" pitchFamily="18" charset="0"/>
+            </a:endParaRPr>
+          </a:p>
+          <a:p>
+            <a:pPr>
+              <a:lnSpc>
+                <a:spcPct val="80000"/>
+              </a:lnSpc>
+              <a:spcBef>
+                <a:spcPts val="600"/>
+              </a:spcBef>
+              <a:defRPr/>
+            </a:pPr>
+            <a:r>
+              <a:rPr lang="sr-Cyrl-RS" b="1" dirty="0" smtClean="0">
+                <a:latin typeface="Garamond" pitchFamily="18" charset="0"/>
+              </a:rPr>
+              <a:t>Пример</a:t>
+            </a:r>
+            <a:r>
+              <a:rPr lang="sr-Cyrl-RS" b="1" dirty="0">
+                <a:latin typeface="Garamond" pitchFamily="18" charset="0"/>
+              </a:rPr>
+              <a:t>.</a:t>
+            </a:r>
+            <a:r>
+              <a:rPr lang="sr-Cyrl-RS" dirty="0">
+                <a:latin typeface="Garamond" pitchFamily="18" charset="0"/>
+              </a:rPr>
+              <a:t> Пример </a:t>
+            </a:r>
+            <a:r>
+              <a:rPr lang="sr-Cyrl-RS" dirty="0" smtClean="0">
+                <a:latin typeface="Garamond" pitchFamily="18" charset="0"/>
+              </a:rPr>
+              <a:t>коришћења доделе уз надовезивање </a:t>
+            </a:r>
+            <a:r>
+              <a:rPr lang="sr-Cyrl-RS" dirty="0" smtClean="0">
+                <a:latin typeface="Garamond" pitchFamily="18" charset="0"/>
+              </a:rPr>
+              <a:t>ниски </a:t>
+            </a:r>
+            <a:endParaRPr lang="sr-Cyrl-RS" dirty="0">
+              <a:latin typeface="Garamond" pitchFamily="18" charset="0"/>
+            </a:endParaRPr>
+          </a:p>
+          <a:p>
+            <a:r>
+              <a:rPr lang="sr-Cyrl-RS" sz="1800" dirty="0" smtClean="0">
+                <a:latin typeface="+mn-lt"/>
+              </a:rPr>
+              <a:t> 	</a:t>
+            </a:r>
+          </a:p>
+          <a:p>
+            <a:r>
+              <a:rPr lang="sr-Cyrl-RS" sz="1800" dirty="0">
+                <a:solidFill>
+                  <a:srgbClr val="000000"/>
+                </a:solidFill>
+                <a:latin typeface="+mn-lt"/>
+              </a:rPr>
+              <a:t>	</a:t>
+            </a:r>
+            <a:r>
+              <a:rPr lang="en-US" sz="1500" dirty="0" smtClean="0">
+                <a:solidFill>
+                  <a:srgbClr val="000000"/>
+                </a:solidFill>
+                <a:latin typeface="Courier New" panose="02070309020205020404" pitchFamily="49" charset="0"/>
+              </a:rPr>
+              <a:t>String </a:t>
+            </a:r>
+            <a:r>
+              <a:rPr lang="en-US" sz="1500" dirty="0">
+                <a:solidFill>
+                  <a:srgbClr val="000000"/>
+                </a:solidFill>
+                <a:latin typeface="Courier New" panose="02070309020205020404" pitchFamily="49" charset="0"/>
+              </a:rPr>
+              <a:t>phrase </a:t>
+            </a:r>
+            <a:r>
+              <a:rPr lang="en-US" sz="1500" b="1" dirty="0">
+                <a:solidFill>
+                  <a:srgbClr val="000080"/>
+                </a:solidFill>
+                <a:latin typeface="Courier New" panose="02070309020205020404" pitchFamily="49" charset="0"/>
+              </a:rPr>
+              <a:t>=</a:t>
+            </a:r>
+            <a:r>
+              <a:rPr lang="en-US" sz="1500" dirty="0">
+                <a:solidFill>
+                  <a:srgbClr val="000000"/>
+                </a:solidFill>
+                <a:latin typeface="Courier New" panose="02070309020205020404" pitchFamily="49" charset="0"/>
+              </a:rPr>
+              <a:t> “The quick brown fox”</a:t>
+            </a:r>
+            <a:r>
+              <a:rPr lang="en-US" sz="1500" b="1" dirty="0">
+                <a:solidFill>
+                  <a:srgbClr val="000080"/>
+                </a:solidFill>
+                <a:latin typeface="Courier New" panose="02070309020205020404" pitchFamily="49" charset="0"/>
+              </a:rPr>
+              <a:t>;</a:t>
+            </a:r>
+            <a:r>
+              <a:rPr lang="en-US" sz="1500" dirty="0">
+                <a:solidFill>
+                  <a:srgbClr val="000000"/>
+                </a:solidFill>
+                <a:latin typeface="Courier New" panose="02070309020205020404" pitchFamily="49" charset="0"/>
+              </a:rPr>
+              <a:t> </a:t>
+            </a:r>
+            <a:endParaRPr lang="sr-Cyrl-RS" sz="1500" dirty="0" smtClean="0">
+              <a:solidFill>
+                <a:srgbClr val="000000"/>
+              </a:solidFill>
+              <a:latin typeface="Courier New" panose="02070309020205020404" pitchFamily="49" charset="0"/>
+            </a:endParaRPr>
+          </a:p>
+          <a:p>
+            <a:r>
+              <a:rPr lang="sr-Cyrl-RS" sz="1500" dirty="0">
+                <a:solidFill>
+                  <a:srgbClr val="000000"/>
+                </a:solidFill>
+                <a:latin typeface="Courier New" panose="02070309020205020404" pitchFamily="49" charset="0"/>
+              </a:rPr>
+              <a:t>	</a:t>
+            </a:r>
+            <a:r>
+              <a:rPr lang="en-US" sz="1500" dirty="0" smtClean="0">
+                <a:solidFill>
+                  <a:srgbClr val="000000"/>
+                </a:solidFill>
+                <a:latin typeface="Courier New" panose="02070309020205020404" pitchFamily="49" charset="0"/>
+              </a:rPr>
+              <a:t>phrase </a:t>
+            </a:r>
+            <a:r>
+              <a:rPr lang="en-US" sz="1500" b="1" dirty="0">
+                <a:solidFill>
+                  <a:srgbClr val="000080"/>
+                </a:solidFill>
+                <a:latin typeface="Courier New" panose="02070309020205020404" pitchFamily="49" charset="0"/>
+              </a:rPr>
+              <a:t>+=</a:t>
+            </a:r>
+            <a:r>
+              <a:rPr lang="en-US" sz="1500" dirty="0">
+                <a:solidFill>
+                  <a:srgbClr val="000000"/>
+                </a:solidFill>
+                <a:latin typeface="Courier New" panose="02070309020205020404" pitchFamily="49" charset="0"/>
+              </a:rPr>
+              <a:t> “ jumps over the lazy dog”</a:t>
+            </a:r>
+            <a:r>
+              <a:rPr lang="en-US" sz="1500" b="1" dirty="0">
+                <a:solidFill>
+                  <a:srgbClr val="000080"/>
+                </a:solidFill>
+                <a:latin typeface="Courier New" panose="02070309020205020404" pitchFamily="49" charset="0"/>
+              </a:rPr>
+              <a:t>;</a:t>
+            </a:r>
+            <a:endParaRPr lang="en-US" sz="1500" dirty="0"/>
+          </a:p>
+          <a:p>
+            <a:pPr>
+              <a:lnSpc>
+                <a:spcPct val="80000"/>
+              </a:lnSpc>
+              <a:spcBef>
+                <a:spcPts val="300"/>
+              </a:spcBef>
+              <a:defRPr/>
+            </a:pPr>
+            <a:endParaRPr lang="sr-Latn-CS" sz="1800" dirty="0">
+              <a:latin typeface="+mn-lt"/>
+            </a:endParaRPr>
+          </a:p>
+        </p:txBody>
+      </p:sp>
+      <p:sp>
+        <p:nvSpPr>
+          <p:cNvPr id="5" name="Title 1"/>
+          <p:cNvSpPr txBox="1">
+            <a:spLocks/>
+          </p:cNvSpPr>
+          <p:nvPr/>
+        </p:nvSpPr>
+        <p:spPr>
+          <a:xfrm>
+            <a:off x="1371600" y="544413"/>
+            <a:ext cx="7772400" cy="868363"/>
+          </a:xfrm>
+          <a:prstGeom prst="rect">
+            <a:avLst/>
+          </a:prstGeom>
+        </p:spPr>
+        <p:txBody>
+          <a:bodyPr/>
+          <a:lstStyle>
+            <a:lvl1pPr algn="l" rtl="0" eaLnBrk="0" fontAlgn="base" hangingPunct="0">
+              <a:spcBef>
+                <a:spcPct val="0"/>
+              </a:spcBef>
+              <a:spcAft>
+                <a:spcPct val="0"/>
+              </a:spcAft>
+              <a:defRPr sz="3800">
+                <a:solidFill>
+                  <a:schemeClr val="tx2"/>
+                </a:solidFill>
+                <a:latin typeface="+mj-lt"/>
+                <a:ea typeface="+mj-ea"/>
+                <a:cs typeface="+mj-cs"/>
+              </a:defRPr>
+            </a:lvl1pPr>
+            <a:lvl2pPr algn="l" rtl="0" eaLnBrk="0" fontAlgn="base" hangingPunct="0">
+              <a:spcBef>
+                <a:spcPct val="0"/>
+              </a:spcBef>
+              <a:spcAft>
+                <a:spcPct val="0"/>
+              </a:spcAft>
+              <a:defRPr sz="3800">
+                <a:solidFill>
+                  <a:schemeClr val="tx2"/>
+                </a:solidFill>
+                <a:latin typeface="Arial" charset="0"/>
+              </a:defRPr>
+            </a:lvl2pPr>
+            <a:lvl3pPr algn="l" rtl="0" eaLnBrk="0" fontAlgn="base" hangingPunct="0">
+              <a:spcBef>
+                <a:spcPct val="0"/>
+              </a:spcBef>
+              <a:spcAft>
+                <a:spcPct val="0"/>
+              </a:spcAft>
+              <a:defRPr sz="3800">
+                <a:solidFill>
+                  <a:schemeClr val="tx2"/>
+                </a:solidFill>
+                <a:latin typeface="Arial" charset="0"/>
+              </a:defRPr>
+            </a:lvl3pPr>
+            <a:lvl4pPr algn="l" rtl="0" eaLnBrk="0" fontAlgn="base" hangingPunct="0">
+              <a:spcBef>
+                <a:spcPct val="0"/>
+              </a:spcBef>
+              <a:spcAft>
+                <a:spcPct val="0"/>
+              </a:spcAft>
+              <a:defRPr sz="3800">
+                <a:solidFill>
+                  <a:schemeClr val="tx2"/>
+                </a:solidFill>
+                <a:latin typeface="Arial" charset="0"/>
+              </a:defRPr>
+            </a:lvl4pPr>
+            <a:lvl5pPr algn="l" rtl="0" eaLnBrk="0" fontAlgn="base" hangingPunct="0">
+              <a:spcBef>
+                <a:spcPct val="0"/>
+              </a:spcBef>
+              <a:spcAft>
+                <a:spcPct val="0"/>
+              </a:spcAft>
+              <a:defRPr sz="3800">
+                <a:solidFill>
+                  <a:schemeClr val="tx2"/>
+                </a:solidFill>
+                <a:latin typeface="Arial" charset="0"/>
+              </a:defRPr>
+            </a:lvl5pPr>
+            <a:lvl6pPr marL="457200" algn="l" rtl="0" fontAlgn="base">
+              <a:spcBef>
+                <a:spcPct val="0"/>
+              </a:spcBef>
+              <a:spcAft>
+                <a:spcPct val="0"/>
+              </a:spcAft>
+              <a:defRPr sz="3800">
+                <a:solidFill>
+                  <a:schemeClr val="tx2"/>
+                </a:solidFill>
+                <a:latin typeface="Arial" charset="0"/>
+              </a:defRPr>
+            </a:lvl6pPr>
+            <a:lvl7pPr marL="914400" algn="l" rtl="0" fontAlgn="base">
+              <a:spcBef>
+                <a:spcPct val="0"/>
+              </a:spcBef>
+              <a:spcAft>
+                <a:spcPct val="0"/>
+              </a:spcAft>
+              <a:defRPr sz="3800">
+                <a:solidFill>
+                  <a:schemeClr val="tx2"/>
+                </a:solidFill>
+                <a:latin typeface="Arial" charset="0"/>
+              </a:defRPr>
+            </a:lvl7pPr>
+            <a:lvl8pPr marL="1371600" algn="l" rtl="0" fontAlgn="base">
+              <a:spcBef>
+                <a:spcPct val="0"/>
+              </a:spcBef>
+              <a:spcAft>
+                <a:spcPct val="0"/>
+              </a:spcAft>
+              <a:defRPr sz="3800">
+                <a:solidFill>
+                  <a:schemeClr val="tx2"/>
+                </a:solidFill>
+                <a:latin typeface="Arial" charset="0"/>
+              </a:defRPr>
+            </a:lvl8pPr>
+            <a:lvl9pPr marL="1828800" algn="l" rtl="0" fontAlgn="base">
+              <a:spcBef>
+                <a:spcPct val="0"/>
+              </a:spcBef>
+              <a:spcAft>
+                <a:spcPct val="0"/>
+              </a:spcAft>
+              <a:defRPr sz="3800">
+                <a:solidFill>
+                  <a:schemeClr val="tx2"/>
+                </a:solidFill>
+                <a:latin typeface="Arial" charset="0"/>
+              </a:defRPr>
+            </a:lvl9pPr>
+          </a:lstStyle>
+          <a:p>
+            <a:pPr>
+              <a:defRPr/>
+            </a:pPr>
+            <a:r>
+              <a:rPr lang="sr-Cyrl-RS" sz="3600" b="1" kern="0" dirty="0">
+                <a:solidFill>
+                  <a:srgbClr val="0070C0"/>
+                </a:solidFill>
+              </a:rPr>
+              <a:t>Класа </a:t>
+            </a:r>
+            <a:r>
+              <a:rPr lang="en-US" sz="3600" b="1" kern="0" dirty="0" smtClean="0">
+                <a:solidFill>
+                  <a:srgbClr val="0070C0"/>
+                </a:solidFill>
+              </a:rPr>
+              <a:t>String</a:t>
+            </a:r>
+            <a:r>
+              <a:rPr lang="sr-Cyrl-RS" sz="3600" b="1" kern="0" dirty="0" smtClean="0">
+                <a:solidFill>
+                  <a:srgbClr val="0070C0"/>
+                </a:solidFill>
+              </a:rPr>
+              <a:t> (2)</a:t>
+            </a:r>
+            <a:endParaRPr lang="en-US" sz="3600" b="1" kern="0" dirty="0">
+              <a:solidFill>
+                <a:srgbClr val="0070C0"/>
+              </a:solidFill>
+            </a:endParaRPr>
+          </a:p>
+        </p:txBody>
+      </p:sp>
+      <p:sp>
+        <p:nvSpPr>
+          <p:cNvPr id="2" name="Rectangle 1"/>
+          <p:cNvSpPr/>
+          <p:nvPr/>
+        </p:nvSpPr>
+        <p:spPr>
+          <a:xfrm>
+            <a:off x="1371600" y="3276600"/>
+            <a:ext cx="5943600" cy="762000"/>
+          </a:xfrm>
+          <a:prstGeom prst="rect">
+            <a:avLst/>
+          </a:prstGeom>
+          <a:noFill/>
+        </p:spPr>
+        <p:style>
+          <a:lnRef idx="2">
+            <a:schemeClr val="accent1">
+              <a:shade val="50000"/>
+            </a:schemeClr>
+          </a:lnRef>
+          <a:fillRef idx="1">
+            <a:schemeClr val="accent1"/>
+          </a:fillRef>
+          <a:effectRef idx="0">
+            <a:schemeClr val="accent1"/>
+          </a:effectRef>
+          <a:fontRef idx="minor">
+            <a:schemeClr val="lt1"/>
+          </a:fontRef>
+        </p:style>
+        <p:txBody>
+          <a:bodyPr rtlCol="0" anchor="ctr"/>
+          <a:lstStyle/>
+          <a:p>
+            <a:pPr algn="ctr"/>
+            <a:endParaRPr lang="sr-Latn-RS"/>
+          </a:p>
+        </p:txBody>
+      </p:sp>
+      <p:sp>
+        <p:nvSpPr>
+          <p:cNvPr id="3" name="Rectangle 2"/>
+          <p:cNvSpPr/>
+          <p:nvPr/>
+        </p:nvSpPr>
+        <p:spPr>
+          <a:xfrm>
+            <a:off x="1371600" y="4979640"/>
+            <a:ext cx="4495800" cy="609600"/>
+          </a:xfrm>
+          <a:prstGeom prst="rect">
+            <a:avLst/>
+          </a:prstGeom>
+          <a:noFill/>
+        </p:spPr>
+        <p:style>
+          <a:lnRef idx="2">
+            <a:schemeClr val="accent1">
+              <a:shade val="50000"/>
+            </a:schemeClr>
+          </a:lnRef>
+          <a:fillRef idx="1">
+            <a:schemeClr val="accent1"/>
+          </a:fillRef>
+          <a:effectRef idx="0">
+            <a:schemeClr val="accent1"/>
+          </a:effectRef>
+          <a:fontRef idx="minor">
+            <a:schemeClr val="lt1"/>
+          </a:fontRef>
+        </p:style>
+        <p:txBody>
+          <a:bodyPr rtlCol="0" anchor="ctr"/>
+          <a:lstStyle/>
+          <a:p>
+            <a:pPr algn="ctr"/>
+            <a:endParaRPr lang="sr-Latn-RS"/>
+          </a:p>
+        </p:txBody>
+      </p:sp>
+    </p:spTree>
+    <p:extLst>
+      <p:ext uri="{BB962C8B-B14F-4D97-AF65-F5344CB8AC3E}">
+        <p14:creationId xmlns:p14="http://schemas.microsoft.com/office/powerpoint/2010/main" val="3368189837"/>
+      </p:ext>
+    </p:extLst>
+  </p:cSld>
+  <p:clrMapOvr>
+    <a:masterClrMapping/>
+  </p:clrMapOvr>
+  <p:timing>
+    <p:tnLst>
+      <p:par>
+        <p:cTn id="1" dur="indefinite" restart="never" nodeType="tmRoot">
+          <p:childTnLst>
+            <p:seq concurrent="1" nextAc="seek">
+              <p:cTn id="2" dur="indefinite" nodeType="mainSeq">
+                <p:childTnLst>
+                  <p:par>
+                    <p:cTn id="3" fill="hold" nodeType="clickPar">
+                      <p:stCondLst>
+                        <p:cond delay="indefinite"/>
+                      </p:stCondLst>
+                      <p:childTnLst>
+                        <p:par>
+                          <p:cTn id="4" fill="hold" nodeType="withGroup">
+                            <p:stCondLst>
+                              <p:cond delay="0"/>
+                            </p:stCondLst>
+                            <p:childTnLst>
+                              <p:par>
+                                <p:cTn id="5" presetID="3" presetClass="entr" presetSubtype="10" fill="hold" nodeType="clickEffect">
+                                  <p:stCondLst>
+                                    <p:cond delay="0"/>
+                                  </p:stCondLst>
+                                  <p:childTnLst>
+                                    <p:set>
+                                      <p:cBhvr>
+                                        <p:cTn id="6" dur="1" fill="hold">
+                                          <p:stCondLst>
+                                            <p:cond delay="0"/>
+                                          </p:stCondLst>
+                                        </p:cTn>
+                                        <p:tgtEl>
+                                          <p:spTgt spid="54274">
+                                            <p:txEl>
+                                              <p:pRg st="0" end="0"/>
+                                            </p:txEl>
+                                          </p:spTgt>
+                                        </p:tgtEl>
+                                        <p:attrNameLst>
+                                          <p:attrName>style.visibility</p:attrName>
+                                        </p:attrNameLst>
+                                      </p:cBhvr>
+                                      <p:to>
+                                        <p:strVal val="visible"/>
+                                      </p:to>
+                                    </p:set>
+                                    <p:animEffect transition="in" filter="blinds(horizontal)">
+                                      <p:cBhvr>
+                                        <p:cTn id="7" dur="500"/>
+                                        <p:tgtEl>
+                                          <p:spTgt spid="54274">
+                                            <p:txEl>
+                                              <p:pRg st="0" end="0"/>
+                                            </p:txEl>
+                                          </p:spTgt>
+                                        </p:tgtEl>
+                                      </p:cBhvr>
+                                    </p:animEffect>
+                                  </p:childTnLst>
+                                </p:cTn>
+                              </p:par>
+                            </p:childTnLst>
+                          </p:cTn>
+                        </p:par>
+                      </p:childTnLst>
+                    </p:cTn>
+                  </p:par>
+                  <p:par>
+                    <p:cTn id="8" fill="hold" nodeType="clickPar">
+                      <p:stCondLst>
+                        <p:cond delay="indefinite"/>
+                      </p:stCondLst>
+                      <p:childTnLst>
+                        <p:par>
+                          <p:cTn id="9" fill="hold" nodeType="withGroup">
+                            <p:stCondLst>
+                              <p:cond delay="0"/>
+                            </p:stCondLst>
+                            <p:childTnLst>
+                              <p:par>
+                                <p:cTn id="10" presetID="3" presetClass="entr" presetSubtype="10" fill="hold" nodeType="clickEffect">
+                                  <p:stCondLst>
+                                    <p:cond delay="0"/>
+                                  </p:stCondLst>
+                                  <p:childTnLst>
+                                    <p:set>
+                                      <p:cBhvr>
+                                        <p:cTn id="11" dur="1" fill="hold">
+                                          <p:stCondLst>
+                                            <p:cond delay="0"/>
+                                          </p:stCondLst>
+                                        </p:cTn>
+                                        <p:tgtEl>
+                                          <p:spTgt spid="54274">
+                                            <p:txEl>
+                                              <p:pRg st="1" end="1"/>
+                                            </p:txEl>
+                                          </p:spTgt>
+                                        </p:tgtEl>
+                                        <p:attrNameLst>
+                                          <p:attrName>style.visibility</p:attrName>
+                                        </p:attrNameLst>
+                                      </p:cBhvr>
+                                      <p:to>
+                                        <p:strVal val="visible"/>
+                                      </p:to>
+                                    </p:set>
+                                    <p:animEffect transition="in" filter="blinds(horizontal)">
+                                      <p:cBhvr>
+                                        <p:cTn id="12" dur="500"/>
+                                        <p:tgtEl>
+                                          <p:spTgt spid="54274">
+                                            <p:txEl>
+                                              <p:pRg st="1" end="1"/>
+                                            </p:txEl>
+                                          </p:spTgt>
+                                        </p:tgtEl>
+                                      </p:cBhvr>
+                                    </p:animEffect>
+                                  </p:childTnLst>
+                                </p:cTn>
+                              </p:par>
+                            </p:childTnLst>
+                          </p:cTn>
+                        </p:par>
+                      </p:childTnLst>
+                    </p:cTn>
+                  </p:par>
+                  <p:par>
+                    <p:cTn id="13" fill="hold" nodeType="clickPar">
+                      <p:stCondLst>
+                        <p:cond delay="indefinite"/>
+                      </p:stCondLst>
+                      <p:childTnLst>
+                        <p:par>
+                          <p:cTn id="14" fill="hold" nodeType="withGroup">
+                            <p:stCondLst>
+                              <p:cond delay="0"/>
+                            </p:stCondLst>
+                            <p:childTnLst>
+                              <p:par>
+                                <p:cTn id="15" presetID="3" presetClass="entr" presetSubtype="10" fill="hold" nodeType="clickEffect">
+                                  <p:stCondLst>
+                                    <p:cond delay="0"/>
+                                  </p:stCondLst>
+                                  <p:childTnLst>
+                                    <p:set>
+                                      <p:cBhvr>
+                                        <p:cTn id="16" dur="1" fill="hold">
+                                          <p:stCondLst>
+                                            <p:cond delay="0"/>
+                                          </p:stCondLst>
+                                        </p:cTn>
+                                        <p:tgtEl>
+                                          <p:spTgt spid="54274">
+                                            <p:txEl>
+                                              <p:pRg st="2" end="2"/>
+                                            </p:txEl>
+                                          </p:spTgt>
+                                        </p:tgtEl>
+                                        <p:attrNameLst>
+                                          <p:attrName>style.visibility</p:attrName>
+                                        </p:attrNameLst>
+                                      </p:cBhvr>
+                                      <p:to>
+                                        <p:strVal val="visible"/>
+                                      </p:to>
+                                    </p:set>
+                                    <p:animEffect transition="in" filter="blinds(horizontal)">
+                                      <p:cBhvr>
+                                        <p:cTn id="17" dur="500"/>
+                                        <p:tgtEl>
+                                          <p:spTgt spid="54274">
+                                            <p:txEl>
+                                              <p:pRg st="2" end="2"/>
+                                            </p:txEl>
+                                          </p:spTgt>
+                                        </p:tgtEl>
+                                      </p:cBhvr>
+                                    </p:animEffect>
+                                  </p:childTnLst>
+                                </p:cTn>
+                              </p:par>
+                              <p:par>
+                                <p:cTn id="18" presetID="10" presetClass="entr" presetSubtype="0" fill="hold" grpId="0" nodeType="withEffect">
+                                  <p:stCondLst>
+                                    <p:cond delay="0"/>
+                                  </p:stCondLst>
+                                  <p:childTnLst>
+                                    <p:set>
+                                      <p:cBhvr>
+                                        <p:cTn id="19" dur="1" fill="hold">
+                                          <p:stCondLst>
+                                            <p:cond delay="0"/>
+                                          </p:stCondLst>
+                                        </p:cTn>
+                                        <p:tgtEl>
+                                          <p:spTgt spid="2"/>
+                                        </p:tgtEl>
+                                        <p:attrNameLst>
+                                          <p:attrName>style.visibility</p:attrName>
+                                        </p:attrNameLst>
+                                      </p:cBhvr>
+                                      <p:to>
+                                        <p:strVal val="visible"/>
+                                      </p:to>
+                                    </p:set>
+                                    <p:animEffect transition="in" filter="fade">
+                                      <p:cBhvr>
+                                        <p:cTn id="20" dur="500"/>
+                                        <p:tgtEl>
+                                          <p:spTgt spid="2"/>
+                                        </p:tgtEl>
+                                      </p:cBhvr>
+                                    </p:animEffect>
+                                  </p:childTnLst>
+                                </p:cTn>
+                              </p:par>
+                              <p:par>
+                                <p:cTn id="21" presetID="3" presetClass="entr" presetSubtype="10" fill="hold" nodeType="withEffect">
+                                  <p:stCondLst>
+                                    <p:cond delay="0"/>
+                                  </p:stCondLst>
+                                  <p:childTnLst>
+                                    <p:set>
+                                      <p:cBhvr>
+                                        <p:cTn id="22" dur="1" fill="hold">
+                                          <p:stCondLst>
+                                            <p:cond delay="0"/>
+                                          </p:stCondLst>
+                                        </p:cTn>
+                                        <p:tgtEl>
+                                          <p:spTgt spid="54274">
+                                            <p:txEl>
+                                              <p:pRg st="3" end="3"/>
+                                            </p:txEl>
+                                          </p:spTgt>
+                                        </p:tgtEl>
+                                        <p:attrNameLst>
+                                          <p:attrName>style.visibility</p:attrName>
+                                        </p:attrNameLst>
+                                      </p:cBhvr>
+                                      <p:to>
+                                        <p:strVal val="visible"/>
+                                      </p:to>
+                                    </p:set>
+                                    <p:animEffect transition="in" filter="blinds(horizontal)">
+                                      <p:cBhvr>
+                                        <p:cTn id="23" dur="500"/>
+                                        <p:tgtEl>
+                                          <p:spTgt spid="54274">
+                                            <p:txEl>
+                                              <p:pRg st="3" end="3"/>
+                                            </p:txEl>
+                                          </p:spTgt>
+                                        </p:tgtEl>
+                                      </p:cBhvr>
+                                    </p:animEffect>
+                                  </p:childTnLst>
+                                </p:cTn>
+                              </p:par>
+                              <p:par>
+                                <p:cTn id="24" presetID="3" presetClass="entr" presetSubtype="10" fill="hold" nodeType="withEffect">
+                                  <p:stCondLst>
+                                    <p:cond delay="0"/>
+                                  </p:stCondLst>
+                                  <p:childTnLst>
+                                    <p:set>
+                                      <p:cBhvr>
+                                        <p:cTn id="25" dur="1" fill="hold">
+                                          <p:stCondLst>
+                                            <p:cond delay="0"/>
+                                          </p:stCondLst>
+                                        </p:cTn>
+                                        <p:tgtEl>
+                                          <p:spTgt spid="54274">
+                                            <p:txEl>
+                                              <p:pRg st="4" end="4"/>
+                                            </p:txEl>
+                                          </p:spTgt>
+                                        </p:tgtEl>
+                                        <p:attrNameLst>
+                                          <p:attrName>style.visibility</p:attrName>
+                                        </p:attrNameLst>
+                                      </p:cBhvr>
+                                      <p:to>
+                                        <p:strVal val="visible"/>
+                                      </p:to>
+                                    </p:set>
+                                    <p:animEffect transition="in" filter="blinds(horizontal)">
+                                      <p:cBhvr>
+                                        <p:cTn id="26" dur="500"/>
+                                        <p:tgtEl>
+                                          <p:spTgt spid="54274">
+                                            <p:txEl>
+                                              <p:pRg st="4" end="4"/>
+                                            </p:txEl>
+                                          </p:spTgt>
+                                        </p:tgtEl>
+                                      </p:cBhvr>
+                                    </p:animEffect>
+                                  </p:childTnLst>
+                                </p:cTn>
+                              </p:par>
+                              <p:par>
+                                <p:cTn id="27" presetID="3" presetClass="entr" presetSubtype="10" fill="hold" nodeType="withEffect">
+                                  <p:stCondLst>
+                                    <p:cond delay="0"/>
+                                  </p:stCondLst>
+                                  <p:childTnLst>
+                                    <p:set>
+                                      <p:cBhvr>
+                                        <p:cTn id="28" dur="1" fill="hold">
+                                          <p:stCondLst>
+                                            <p:cond delay="0"/>
+                                          </p:stCondLst>
+                                        </p:cTn>
+                                        <p:tgtEl>
+                                          <p:spTgt spid="54274">
+                                            <p:txEl>
+                                              <p:pRg st="5" end="5"/>
+                                            </p:txEl>
+                                          </p:spTgt>
+                                        </p:tgtEl>
+                                        <p:attrNameLst>
+                                          <p:attrName>style.visibility</p:attrName>
+                                        </p:attrNameLst>
+                                      </p:cBhvr>
+                                      <p:to>
+                                        <p:strVal val="visible"/>
+                                      </p:to>
+                                    </p:set>
+                                    <p:animEffect transition="in" filter="blinds(horizontal)">
+                                      <p:cBhvr>
+                                        <p:cTn id="29" dur="500"/>
+                                        <p:tgtEl>
+                                          <p:spTgt spid="54274">
+                                            <p:txEl>
+                                              <p:pRg st="5" end="5"/>
+                                            </p:txEl>
+                                          </p:spTgt>
+                                        </p:tgtEl>
+                                      </p:cBhvr>
+                                    </p:animEffect>
+                                  </p:childTnLst>
+                                </p:cTn>
+                              </p:par>
+                              <p:par>
+                                <p:cTn id="30" presetID="3" presetClass="entr" presetSubtype="10" fill="hold" nodeType="withEffect">
+                                  <p:stCondLst>
+                                    <p:cond delay="0"/>
+                                  </p:stCondLst>
+                                  <p:childTnLst>
+                                    <p:set>
+                                      <p:cBhvr>
+                                        <p:cTn id="31" dur="1" fill="hold">
+                                          <p:stCondLst>
+                                            <p:cond delay="0"/>
+                                          </p:stCondLst>
+                                        </p:cTn>
+                                        <p:tgtEl>
+                                          <p:spTgt spid="54274">
+                                            <p:txEl>
+                                              <p:pRg st="6" end="6"/>
+                                            </p:txEl>
+                                          </p:spTgt>
+                                        </p:tgtEl>
+                                        <p:attrNameLst>
+                                          <p:attrName>style.visibility</p:attrName>
+                                        </p:attrNameLst>
+                                      </p:cBhvr>
+                                      <p:to>
+                                        <p:strVal val="visible"/>
+                                      </p:to>
+                                    </p:set>
+                                    <p:animEffect transition="in" filter="blinds(horizontal)">
+                                      <p:cBhvr>
+                                        <p:cTn id="32" dur="500"/>
+                                        <p:tgtEl>
+                                          <p:spTgt spid="54274">
+                                            <p:txEl>
+                                              <p:pRg st="6" end="6"/>
+                                            </p:txEl>
+                                          </p:spTgt>
+                                        </p:tgtEl>
+                                      </p:cBhvr>
+                                    </p:animEffect>
+                                  </p:childTnLst>
+                                </p:cTn>
+                              </p:par>
+                            </p:childTnLst>
+                          </p:cTn>
+                        </p:par>
+                      </p:childTnLst>
+                    </p:cTn>
+                  </p:par>
+                  <p:par>
+                    <p:cTn id="33" fill="hold">
+                      <p:stCondLst>
+                        <p:cond delay="indefinite"/>
+                      </p:stCondLst>
+                      <p:childTnLst>
+                        <p:par>
+                          <p:cTn id="34" fill="hold">
+                            <p:stCondLst>
+                              <p:cond delay="0"/>
+                            </p:stCondLst>
+                            <p:childTnLst>
+                              <p:par>
+                                <p:cTn id="35" presetID="3" presetClass="entr" presetSubtype="10" fill="hold" nodeType="clickEffect">
+                                  <p:stCondLst>
+                                    <p:cond delay="0"/>
+                                  </p:stCondLst>
+                                  <p:childTnLst>
+                                    <p:set>
+                                      <p:cBhvr>
+                                        <p:cTn id="36" dur="1" fill="hold">
+                                          <p:stCondLst>
+                                            <p:cond delay="0"/>
+                                          </p:stCondLst>
+                                        </p:cTn>
+                                        <p:tgtEl>
+                                          <p:spTgt spid="54274">
+                                            <p:txEl>
+                                              <p:pRg st="7" end="7"/>
+                                            </p:txEl>
+                                          </p:spTgt>
+                                        </p:tgtEl>
+                                        <p:attrNameLst>
+                                          <p:attrName>style.visibility</p:attrName>
+                                        </p:attrNameLst>
+                                      </p:cBhvr>
+                                      <p:to>
+                                        <p:strVal val="visible"/>
+                                      </p:to>
+                                    </p:set>
+                                    <p:animEffect transition="in" filter="blinds(horizontal)">
+                                      <p:cBhvr>
+                                        <p:cTn id="37" dur="500"/>
+                                        <p:tgtEl>
+                                          <p:spTgt spid="54274">
+                                            <p:txEl>
+                                              <p:pRg st="7" end="7"/>
+                                            </p:txEl>
+                                          </p:spTgt>
+                                        </p:tgtEl>
+                                      </p:cBhvr>
+                                    </p:animEffect>
+                                  </p:childTnLst>
+                                </p:cTn>
+                              </p:par>
+                            </p:childTnLst>
+                          </p:cTn>
+                        </p:par>
+                      </p:childTnLst>
+                    </p:cTn>
+                  </p:par>
+                  <p:par>
+                    <p:cTn id="38" fill="hold" nodeType="clickPar">
+                      <p:stCondLst>
+                        <p:cond delay="indefinite"/>
+                      </p:stCondLst>
+                      <p:childTnLst>
+                        <p:par>
+                          <p:cTn id="39" fill="hold" nodeType="withGroup">
+                            <p:stCondLst>
+                              <p:cond delay="0"/>
+                            </p:stCondLst>
+                            <p:childTnLst>
+                              <p:par>
+                                <p:cTn id="40" presetID="3" presetClass="entr" presetSubtype="10" fill="hold" nodeType="clickEffect">
+                                  <p:stCondLst>
+                                    <p:cond delay="0"/>
+                                  </p:stCondLst>
+                                  <p:childTnLst>
+                                    <p:set>
+                                      <p:cBhvr>
+                                        <p:cTn id="41" dur="1" fill="hold">
+                                          <p:stCondLst>
+                                            <p:cond delay="0"/>
+                                          </p:stCondLst>
+                                        </p:cTn>
+                                        <p:tgtEl>
+                                          <p:spTgt spid="54274">
+                                            <p:txEl>
+                                              <p:pRg st="8" end="8"/>
+                                            </p:txEl>
+                                          </p:spTgt>
+                                        </p:tgtEl>
+                                        <p:attrNameLst>
+                                          <p:attrName>style.visibility</p:attrName>
+                                        </p:attrNameLst>
+                                      </p:cBhvr>
+                                      <p:to>
+                                        <p:strVal val="visible"/>
+                                      </p:to>
+                                    </p:set>
+                                    <p:animEffect transition="in" filter="blinds(horizontal)">
+                                      <p:cBhvr>
+                                        <p:cTn id="42" dur="500"/>
+                                        <p:tgtEl>
+                                          <p:spTgt spid="54274">
+                                            <p:txEl>
+                                              <p:pRg st="8" end="8"/>
+                                            </p:txEl>
+                                          </p:spTgt>
+                                        </p:tgtEl>
+                                      </p:cBhvr>
+                                    </p:animEffect>
+                                  </p:childTnLst>
+                                </p:cTn>
+                              </p:par>
+                              <p:par>
+                                <p:cTn id="43" presetID="10" presetClass="entr" presetSubtype="0" fill="hold" grpId="0" nodeType="withEffect">
+                                  <p:stCondLst>
+                                    <p:cond delay="0"/>
+                                  </p:stCondLst>
+                                  <p:childTnLst>
+                                    <p:set>
+                                      <p:cBhvr>
+                                        <p:cTn id="44" dur="1" fill="hold">
+                                          <p:stCondLst>
+                                            <p:cond delay="0"/>
+                                          </p:stCondLst>
+                                        </p:cTn>
+                                        <p:tgtEl>
+                                          <p:spTgt spid="3"/>
+                                        </p:tgtEl>
+                                        <p:attrNameLst>
+                                          <p:attrName>style.visibility</p:attrName>
+                                        </p:attrNameLst>
+                                      </p:cBhvr>
+                                      <p:to>
+                                        <p:strVal val="visible"/>
+                                      </p:to>
+                                    </p:set>
+                                    <p:animEffect transition="in" filter="fade">
+                                      <p:cBhvr>
+                                        <p:cTn id="45" dur="500"/>
+                                        <p:tgtEl>
+                                          <p:spTgt spid="3"/>
+                                        </p:tgtEl>
+                                      </p:cBhvr>
+                                    </p:animEffect>
+                                  </p:childTnLst>
+                                </p:cTn>
+                              </p:par>
+                              <p:par>
+                                <p:cTn id="46" presetID="3" presetClass="entr" presetSubtype="10" fill="hold" nodeType="withEffect">
+                                  <p:stCondLst>
+                                    <p:cond delay="0"/>
+                                  </p:stCondLst>
+                                  <p:childTnLst>
+                                    <p:set>
+                                      <p:cBhvr>
+                                        <p:cTn id="47" dur="1" fill="hold">
+                                          <p:stCondLst>
+                                            <p:cond delay="0"/>
+                                          </p:stCondLst>
+                                        </p:cTn>
+                                        <p:tgtEl>
+                                          <p:spTgt spid="54274">
+                                            <p:txEl>
+                                              <p:pRg st="9" end="9"/>
+                                            </p:txEl>
+                                          </p:spTgt>
+                                        </p:tgtEl>
+                                        <p:attrNameLst>
+                                          <p:attrName>style.visibility</p:attrName>
+                                        </p:attrNameLst>
+                                      </p:cBhvr>
+                                      <p:to>
+                                        <p:strVal val="visible"/>
+                                      </p:to>
+                                    </p:set>
+                                    <p:animEffect transition="in" filter="blinds(horizontal)">
+                                      <p:cBhvr>
+                                        <p:cTn id="48" dur="500"/>
+                                        <p:tgtEl>
+                                          <p:spTgt spid="54274">
+                                            <p:txEl>
+                                              <p:pRg st="9" end="9"/>
+                                            </p:txEl>
+                                          </p:spTgt>
+                                        </p:tgtEl>
+                                      </p:cBhvr>
+                                    </p:animEffect>
+                                  </p:childTnLst>
+                                </p:cTn>
+                              </p:par>
+                              <p:par>
+                                <p:cTn id="49" presetID="3" presetClass="entr" presetSubtype="10" fill="hold" nodeType="withEffect">
+                                  <p:stCondLst>
+                                    <p:cond delay="0"/>
+                                  </p:stCondLst>
+                                  <p:childTnLst>
+                                    <p:set>
+                                      <p:cBhvr>
+                                        <p:cTn id="50" dur="1" fill="hold">
+                                          <p:stCondLst>
+                                            <p:cond delay="0"/>
+                                          </p:stCondLst>
+                                        </p:cTn>
+                                        <p:tgtEl>
+                                          <p:spTgt spid="54274">
+                                            <p:txEl>
+                                              <p:pRg st="10" end="10"/>
+                                            </p:txEl>
+                                          </p:spTgt>
+                                        </p:tgtEl>
+                                        <p:attrNameLst>
+                                          <p:attrName>style.visibility</p:attrName>
+                                        </p:attrNameLst>
+                                      </p:cBhvr>
+                                      <p:to>
+                                        <p:strVal val="visible"/>
+                                      </p:to>
+                                    </p:set>
+                                    <p:animEffect transition="in" filter="blinds(horizontal)">
+                                      <p:cBhvr>
+                                        <p:cTn id="51" dur="500"/>
+                                        <p:tgtEl>
+                                          <p:spTgt spid="54274">
+                                            <p:txEl>
+                                              <p:pRg st="10" end="10"/>
+                                            </p:txEl>
+                                          </p:spTgt>
+                                        </p:tgtEl>
+                                      </p:cBhvr>
+                                    </p:animEffect>
+                                  </p:childTnLst>
+                                </p:cTn>
+                              </p:par>
+                              <p:par>
+                                <p:cTn id="52" presetID="3" presetClass="entr" presetSubtype="10" fill="hold" nodeType="withEffect">
+                                  <p:stCondLst>
+                                    <p:cond delay="0"/>
+                                  </p:stCondLst>
+                                  <p:childTnLst>
+                                    <p:set>
+                                      <p:cBhvr>
+                                        <p:cTn id="53" dur="1" fill="hold">
+                                          <p:stCondLst>
+                                            <p:cond delay="0"/>
+                                          </p:stCondLst>
+                                        </p:cTn>
+                                        <p:tgtEl>
+                                          <p:spTgt spid="54274">
+                                            <p:txEl>
+                                              <p:pRg st="11" end="11"/>
+                                            </p:txEl>
+                                          </p:spTgt>
+                                        </p:tgtEl>
+                                        <p:attrNameLst>
+                                          <p:attrName>style.visibility</p:attrName>
+                                        </p:attrNameLst>
+                                      </p:cBhvr>
+                                      <p:to>
+                                        <p:strVal val="visible"/>
+                                      </p:to>
+                                    </p:set>
+                                    <p:animEffect transition="in" filter="blinds(horizontal)">
+                                      <p:cBhvr>
+                                        <p:cTn id="54" dur="500"/>
+                                        <p:tgtEl>
+                                          <p:spTgt spid="54274">
+                                            <p:txEl>
+                                              <p:pRg st="11" end="11"/>
+                                            </p:txEl>
+                                          </p:spTgt>
+                                        </p:tgtEl>
+                                      </p:cBhvr>
+                                    </p:animEffect>
+                                  </p:childTnLst>
+                                </p:cTn>
+                              </p:par>
+                            </p:childTnLst>
+                          </p:cTn>
+                        </p:par>
+                      </p:childTnLst>
+                    </p:cTn>
+                  </p:par>
+                </p:childTnLst>
+              </p:cTn>
+              <p:prevCondLst>
+                <p:cond evt="onPrev" delay="0">
+                  <p:tgtEl>
+                    <p:sldTgt/>
+                  </p:tgtEl>
+                </p:cond>
+              </p:prevCondLst>
+              <p:nextCondLst>
+                <p:cond evt="onNext" delay="0">
+                  <p:tgtEl>
+                    <p:sldTgt/>
+                  </p:tgtEl>
+                </p:cond>
+              </p:nextCondLst>
+            </p:seq>
+          </p:childTnLst>
+        </p:cTn>
+      </p:par>
+    </p:tnLst>
+    <p:bldLst>
+      <p:bldP spid="2" grpId="0" animBg="1"/>
+      <p:bldP spid="3" grpId="0" animBg="1"/>
+    </p:bldLst>
+  </p:timing>
+</p:sld>
+</file>
+
+<file path=ppt/slides/slide16.xml><?xml version="1.0" encoding="utf-8"?>
+<p:sld xmlns:a="http://schemas.openxmlformats.org/drawingml/2006/main" xmlns:r="http://schemas.openxmlformats.org/officeDocument/2006/relationships" xmlns:p="http://schemas.openxmlformats.org/presentationml/2006/main">
+  <p:cSld>
+    <p:spTree>
+      <p:nvGrpSpPr>
+        <p:cNvPr id="1" name=""/>
+        <p:cNvGrpSpPr/>
+        <p:nvPr/>
+      </p:nvGrpSpPr>
+      <p:grpSpPr>
+        <a:xfrm>
+          <a:off x="0" y="0"/>
+          <a:ext cx="0" cy="0"/>
+          <a:chOff x="0" y="0"/>
+          <a:chExt cx="0" cy="0"/>
+        </a:xfrm>
+      </p:grpSpPr>
+      <p:sp>
+        <p:nvSpPr>
+          <p:cNvPr id="54274" name="Text Box 2"/>
+          <p:cNvSpPr txBox="1">
+            <a:spLocks noChangeArrowheads="1"/>
+          </p:cNvSpPr>
+          <p:nvPr/>
+        </p:nvSpPr>
+        <p:spPr bwMode="auto">
+          <a:xfrm>
+            <a:off x="461963" y="1417638"/>
+            <a:ext cx="8682037" cy="4151906"/>
+          </a:xfrm>
+          <a:prstGeom prst="rect">
+            <a:avLst/>
+          </a:prstGeom>
+          <a:noFill/>
+          <a:ln>
+            <a:noFill/>
+          </a:ln>
+          <a:extLst>
+            <a:ext uri="{909E8E84-426E-40DD-AFC4-6F175D3DCCD1}">
+              <a14:hiddenFill xmlns:a14="http://schemas.microsoft.com/office/drawing/2010/main">
+                <a:solidFill>
+                  <a:srgbClr val="FFFFFF"/>
+                </a:solidFill>
+              </a14:hiddenFill>
+            </a:ext>
+            <a:ext uri="{91240B29-F687-4F45-9708-019B960494DF}">
+              <a14:hiddenLine xmlns:a14="http://schemas.microsoft.com/office/drawing/2010/main" w="9525">
+                <a:solidFill>
+                  <a:srgbClr val="000000"/>
+                </a:solidFill>
+                <a:miter lim="800000"/>
+                <a:headEnd/>
+                <a:tailEnd/>
+              </a14:hiddenLine>
+            </a:ext>
+          </a:extLst>
+        </p:spPr>
+        <p:txBody>
+          <a:bodyPr>
+            <a:spAutoFit/>
+          </a:bodyPr>
+          <a:lstStyle>
+            <a:lvl1pPr eaLnBrk="0" hangingPunct="0">
+              <a:defRPr sz="2400">
+                <a:solidFill>
+                  <a:schemeClr val="tx1"/>
+                </a:solidFill>
+                <a:latin typeface="Times New Roman" pitchFamily="18" charset="0"/>
+              </a:defRPr>
+            </a:lvl1pPr>
+            <a:lvl2pPr marL="742950" indent="-285750" eaLnBrk="0" hangingPunct="0">
+              <a:defRPr sz="2400">
+                <a:solidFill>
+                  <a:schemeClr val="tx1"/>
+                </a:solidFill>
+                <a:latin typeface="Times New Roman" pitchFamily="18" charset="0"/>
+              </a:defRPr>
+            </a:lvl2pPr>
+            <a:lvl3pPr marL="1143000" indent="-228600" eaLnBrk="0" hangingPunct="0">
+              <a:defRPr sz="2400">
+                <a:solidFill>
+                  <a:schemeClr val="tx1"/>
+                </a:solidFill>
+                <a:latin typeface="Times New Roman" pitchFamily="18" charset="0"/>
+              </a:defRPr>
+            </a:lvl3pPr>
+            <a:lvl4pPr marL="1600200" indent="-228600" eaLnBrk="0" hangingPunct="0">
+              <a:defRPr sz="2400">
+                <a:solidFill>
+                  <a:schemeClr val="tx1"/>
+                </a:solidFill>
+                <a:latin typeface="Times New Roman" pitchFamily="18" charset="0"/>
+              </a:defRPr>
+            </a:lvl4pPr>
+            <a:lvl5pPr marL="2057400" indent="-228600" eaLnBrk="0" hangingPunct="0">
+              <a:defRPr sz="2400">
+                <a:solidFill>
+                  <a:schemeClr val="tx1"/>
+                </a:solidFill>
+                <a:latin typeface="Times New Roman" pitchFamily="18" charset="0"/>
+              </a:defRPr>
+            </a:lvl5pPr>
+            <a:lvl6pPr marL="2514600" indent="-228600" eaLnBrk="0" fontAlgn="base" hangingPunct="0">
+              <a:spcBef>
+                <a:spcPct val="0"/>
+              </a:spcBef>
+              <a:spcAft>
+                <a:spcPct val="0"/>
+              </a:spcAft>
+              <a:defRPr sz="2400">
+                <a:solidFill>
+                  <a:schemeClr val="tx1"/>
+                </a:solidFill>
+                <a:latin typeface="Times New Roman" pitchFamily="18" charset="0"/>
+              </a:defRPr>
+            </a:lvl6pPr>
+            <a:lvl7pPr marL="2971800" indent="-228600" eaLnBrk="0" fontAlgn="base" hangingPunct="0">
+              <a:spcBef>
+                <a:spcPct val="0"/>
+              </a:spcBef>
+              <a:spcAft>
+                <a:spcPct val="0"/>
+              </a:spcAft>
+              <a:defRPr sz="2400">
+                <a:solidFill>
+                  <a:schemeClr val="tx1"/>
+                </a:solidFill>
+                <a:latin typeface="Times New Roman" pitchFamily="18" charset="0"/>
+              </a:defRPr>
+            </a:lvl7pPr>
+            <a:lvl8pPr marL="3429000" indent="-228600" eaLnBrk="0" fontAlgn="base" hangingPunct="0">
+              <a:spcBef>
+                <a:spcPct val="0"/>
+              </a:spcBef>
+              <a:spcAft>
+                <a:spcPct val="0"/>
+              </a:spcAft>
+              <a:defRPr sz="2400">
+                <a:solidFill>
+                  <a:schemeClr val="tx1"/>
+                </a:solidFill>
+                <a:latin typeface="Times New Roman" pitchFamily="18" charset="0"/>
+              </a:defRPr>
+            </a:lvl8pPr>
+            <a:lvl9pPr marL="3886200" indent="-228600" eaLnBrk="0" fontAlgn="base" hangingPunct="0">
+              <a:spcBef>
+                <a:spcPct val="0"/>
+              </a:spcBef>
+              <a:spcAft>
+                <a:spcPct val="0"/>
+              </a:spcAft>
+              <a:defRPr sz="2400">
+                <a:solidFill>
+                  <a:schemeClr val="tx1"/>
+                </a:solidFill>
+                <a:latin typeface="Times New Roman" pitchFamily="18" charset="0"/>
+              </a:defRPr>
+            </a:lvl9pPr>
+          </a:lstStyle>
+          <a:p>
+            <a:pPr marL="342900" indent="-342900">
+              <a:lnSpc>
+                <a:spcPct val="80000"/>
+              </a:lnSpc>
+              <a:spcBef>
+                <a:spcPts val="600"/>
+              </a:spcBef>
+              <a:buFont typeface="Arial" panose="020B0604020202020204" pitchFamily="34" charset="0"/>
+              <a:buChar char="•"/>
+              <a:defRPr/>
+            </a:pPr>
+            <a:endParaRPr lang="sr-Cyrl-RS" sz="1000" dirty="0" smtClean="0">
+              <a:latin typeface="Garamond" pitchFamily="18" charset="0"/>
+            </a:endParaRPr>
+          </a:p>
+          <a:p>
+            <a:pPr marL="342900" indent="-342900">
+              <a:lnSpc>
+                <a:spcPct val="80000"/>
+              </a:lnSpc>
+              <a:spcBef>
+                <a:spcPts val="600"/>
+              </a:spcBef>
+              <a:buFont typeface="Arial" panose="020B0604020202020204" pitchFamily="34" charset="0"/>
+              <a:buChar char="•"/>
+              <a:defRPr/>
+            </a:pPr>
+            <a:r>
+              <a:rPr lang="sr-Cyrl-RS" dirty="0" smtClean="0">
+                <a:latin typeface="Garamond" pitchFamily="18" charset="0"/>
+              </a:rPr>
+              <a:t>Израз</a:t>
+            </a:r>
+            <a:r>
+              <a:rPr lang="vi-VN" dirty="0" smtClean="0">
+                <a:latin typeface="Garamond" pitchFamily="18" charset="0"/>
+              </a:rPr>
+              <a:t> </a:t>
+            </a:r>
+            <a:r>
+              <a:rPr lang="vi-VN" sz="2000" dirty="0">
+                <a:latin typeface="+mn-lt"/>
+              </a:rPr>
+              <a:t>string1 == string2</a:t>
+            </a:r>
+            <a:r>
+              <a:rPr lang="vi-VN" sz="2000" dirty="0">
+                <a:latin typeface="Garamond" pitchFamily="18" charset="0"/>
+              </a:rPr>
+              <a:t> </a:t>
+            </a:r>
+            <a:r>
+              <a:rPr lang="sr-Cyrl-RS" dirty="0" smtClean="0">
+                <a:latin typeface="Garamond" pitchFamily="18" charset="0"/>
+              </a:rPr>
+              <a:t>проверава да ли две променљиве типа</a:t>
+            </a:r>
+            <a:r>
+              <a:rPr lang="vi-VN" dirty="0" smtClean="0">
+                <a:latin typeface="Garamond" pitchFamily="18" charset="0"/>
+              </a:rPr>
+              <a:t> </a:t>
+            </a:r>
+            <a:r>
+              <a:rPr lang="vi-VN" sz="2000" dirty="0">
+                <a:latin typeface="+mn-lt"/>
+              </a:rPr>
+              <a:t>String</a:t>
+            </a:r>
+            <a:r>
+              <a:rPr lang="vi-VN" sz="2000" dirty="0">
+                <a:latin typeface="Garamond" pitchFamily="18" charset="0"/>
+              </a:rPr>
+              <a:t> </a:t>
+            </a:r>
+            <a:r>
+              <a:rPr lang="sr-Cyrl-RS" dirty="0" smtClean="0">
+                <a:latin typeface="Garamond" pitchFamily="18" charset="0"/>
+              </a:rPr>
+              <a:t>реферишу на исти објекат у меморији</a:t>
+            </a:r>
+            <a:r>
+              <a:rPr lang="vi-VN" sz="2800" dirty="0" smtClean="0">
+                <a:latin typeface="Garamond" pitchFamily="18" charset="0"/>
+              </a:rPr>
+              <a:t>. </a:t>
+            </a:r>
+            <a:endParaRPr lang="en-US" sz="2800" dirty="0" smtClean="0">
+              <a:latin typeface="Garamond" pitchFamily="18" charset="0"/>
+            </a:endParaRPr>
+          </a:p>
+          <a:p>
+            <a:pPr marL="342900" indent="-342900">
+              <a:lnSpc>
+                <a:spcPct val="80000"/>
+              </a:lnSpc>
+              <a:spcBef>
+                <a:spcPts val="600"/>
+              </a:spcBef>
+              <a:buFont typeface="Arial" panose="020B0604020202020204" pitchFamily="34" charset="0"/>
+              <a:buChar char="•"/>
+              <a:defRPr/>
+            </a:pPr>
+            <a:r>
+              <a:rPr lang="sr-Cyrl-RS" dirty="0" smtClean="0">
+                <a:latin typeface="Garamond" pitchFamily="18" charset="0"/>
+              </a:rPr>
+              <a:t>Дакле, не</a:t>
+            </a:r>
+            <a:r>
+              <a:rPr lang="vi-VN" dirty="0" smtClean="0">
+                <a:latin typeface="Garamond" pitchFamily="18" charset="0"/>
+              </a:rPr>
+              <a:t> </a:t>
+            </a:r>
+            <a:r>
+              <a:rPr lang="sr-Cyrl-RS" dirty="0" smtClean="0">
+                <a:latin typeface="Garamond" pitchFamily="18" charset="0"/>
+              </a:rPr>
+              <a:t>пореде се садржаји</a:t>
+            </a:r>
+            <a:r>
+              <a:rPr lang="vi-VN" dirty="0" smtClean="0">
+                <a:latin typeface="Garamond" pitchFamily="18" charset="0"/>
+              </a:rPr>
+              <a:t> </a:t>
+            </a:r>
+            <a:r>
+              <a:rPr lang="vi-VN" sz="2000" dirty="0">
+                <a:latin typeface="+mn-lt"/>
+              </a:rPr>
+              <a:t>String</a:t>
+            </a:r>
+            <a:r>
+              <a:rPr lang="vi-VN" sz="2000" dirty="0">
+                <a:latin typeface="Garamond" pitchFamily="18" charset="0"/>
+              </a:rPr>
+              <a:t> </a:t>
+            </a:r>
+            <a:r>
+              <a:rPr lang="sr-Cyrl-RS" dirty="0" smtClean="0">
+                <a:latin typeface="Garamond" pitchFamily="18" charset="0"/>
+              </a:rPr>
+              <a:t>објеката</a:t>
+            </a:r>
+            <a:r>
+              <a:rPr lang="vi-VN" dirty="0" smtClean="0">
+                <a:latin typeface="Garamond" pitchFamily="18" charset="0"/>
+              </a:rPr>
+              <a:t>, </a:t>
+            </a:r>
+            <a:r>
+              <a:rPr lang="sr-Cyrl-RS" dirty="0" smtClean="0">
+                <a:latin typeface="Garamond" pitchFamily="18" charset="0"/>
+              </a:rPr>
+              <a:t>већ се пореде референце на </a:t>
+            </a:r>
+            <a:r>
+              <a:rPr lang="sr-Cyrl-RS" dirty="0" smtClean="0">
+                <a:latin typeface="Garamond" pitchFamily="18" charset="0"/>
+              </a:rPr>
+              <a:t>ниска </a:t>
+            </a:r>
+            <a:r>
+              <a:rPr lang="sr-Cyrl-RS" dirty="0" smtClean="0">
+                <a:latin typeface="Garamond" pitchFamily="18" charset="0"/>
+              </a:rPr>
+              <a:t>објекте</a:t>
+            </a:r>
+            <a:r>
+              <a:rPr lang="vi-VN" dirty="0" smtClean="0">
+                <a:latin typeface="Garamond" pitchFamily="18" charset="0"/>
+              </a:rPr>
+              <a:t>.</a:t>
+            </a:r>
+            <a:endParaRPr lang="vi-VN" dirty="0">
+              <a:latin typeface="Garamond" pitchFamily="18" charset="0"/>
+            </a:endParaRPr>
+          </a:p>
+          <a:p>
+            <a:pPr marL="342900" indent="-342900">
+              <a:lnSpc>
+                <a:spcPct val="80000"/>
+              </a:lnSpc>
+              <a:spcBef>
+                <a:spcPts val="600"/>
+              </a:spcBef>
+              <a:buFont typeface="Arial" panose="020B0604020202020204" pitchFamily="34" charset="0"/>
+              <a:buChar char="•"/>
+              <a:defRPr/>
+            </a:pPr>
+            <a:r>
+              <a:rPr lang="sr-Cyrl-RS" dirty="0" smtClean="0">
+                <a:latin typeface="Garamond" pitchFamily="18" charset="0"/>
+              </a:rPr>
+              <a:t>За поређење </a:t>
+            </a:r>
+            <a:r>
+              <a:rPr lang="vi-VN" sz="2000" dirty="0" smtClean="0">
+                <a:latin typeface="+mn-lt"/>
+              </a:rPr>
+              <a:t>String</a:t>
+            </a:r>
+            <a:r>
+              <a:rPr lang="vi-VN" sz="2000" dirty="0" smtClean="0">
+                <a:latin typeface="Garamond" pitchFamily="18" charset="0"/>
+              </a:rPr>
+              <a:t> </a:t>
+            </a:r>
+            <a:r>
+              <a:rPr lang="vi-VN" dirty="0" smtClean="0">
+                <a:latin typeface="Garamond" pitchFamily="18" charset="0"/>
+              </a:rPr>
+              <a:t>o</a:t>
+            </a:r>
+            <a:r>
+              <a:rPr lang="sr-Cyrl-RS" dirty="0" smtClean="0">
+                <a:latin typeface="Garamond" pitchFamily="18" charset="0"/>
+              </a:rPr>
+              <a:t>бјеката у односу на садржај користи се </a:t>
+            </a:r>
+            <a:r>
+              <a:rPr lang="vi-VN" sz="2000" dirty="0" smtClean="0">
+                <a:latin typeface="+mn-lt"/>
+              </a:rPr>
+              <a:t>equals()</a:t>
+            </a:r>
+            <a:r>
+              <a:rPr lang="sr-Cyrl-RS" sz="2000" dirty="0" smtClean="0">
+                <a:latin typeface="+mn-lt"/>
+              </a:rPr>
+              <a:t> </a:t>
+            </a:r>
+            <a:r>
+              <a:rPr lang="sr-Cyrl-RS" dirty="0" smtClean="0">
+                <a:latin typeface="Garamond" pitchFamily="18" charset="0"/>
+              </a:rPr>
+              <a:t>или </a:t>
+            </a:r>
+            <a:r>
+              <a:rPr lang="vi-VN" sz="2000" dirty="0" smtClean="0">
+                <a:latin typeface="Arial" panose="020B0604020202020204" pitchFamily="34" charset="0"/>
+                <a:cs typeface="Arial" panose="020B0604020202020204" pitchFamily="34" charset="0"/>
+              </a:rPr>
+              <a:t>equalsIgnoreCase</a:t>
+            </a:r>
+            <a:r>
+              <a:rPr lang="vi-VN" sz="2000" dirty="0">
+                <a:latin typeface="Arial" panose="020B0604020202020204" pitchFamily="34" charset="0"/>
+                <a:cs typeface="Arial" panose="020B0604020202020204" pitchFamily="34" charset="0"/>
+              </a:rPr>
+              <a:t>()</a:t>
+            </a:r>
+            <a:r>
+              <a:rPr lang="vi-VN" dirty="0"/>
+              <a:t>.</a:t>
+            </a:r>
+            <a:endParaRPr lang="sr-Cyrl-RS" sz="2800" dirty="0"/>
+          </a:p>
+          <a:p>
+            <a:pPr marL="342900" indent="-342900">
+              <a:lnSpc>
+                <a:spcPct val="80000"/>
+              </a:lnSpc>
+              <a:spcBef>
+                <a:spcPts val="600"/>
+              </a:spcBef>
+              <a:buFont typeface="Arial" panose="020B0604020202020204" pitchFamily="34" charset="0"/>
+              <a:buChar char="•"/>
+              <a:defRPr/>
+            </a:pPr>
+            <a:r>
+              <a:rPr lang="sr-Cyrl-RS" dirty="0" smtClean="0">
+                <a:latin typeface="Garamond" panose="02020404030301010803" pitchFamily="18" charset="0"/>
+              </a:rPr>
+              <a:t>Лексикографско поређење </a:t>
+            </a:r>
+            <a:r>
+              <a:rPr lang="sr-Cyrl-RS" dirty="0" smtClean="0">
+                <a:latin typeface="Garamond" panose="02020404030301010803" pitchFamily="18" charset="0"/>
+              </a:rPr>
+              <a:t>ниски </a:t>
+            </a:r>
+            <a:r>
+              <a:rPr lang="sr-Cyrl-RS" dirty="0" smtClean="0">
+                <a:latin typeface="Garamond" panose="02020404030301010803" pitchFamily="18" charset="0"/>
+              </a:rPr>
+              <a:t>врши се позивом метода</a:t>
+            </a:r>
+            <a:r>
+              <a:rPr lang="vi-VN" dirty="0" smtClean="0">
+                <a:latin typeface="Garamond" panose="02020404030301010803" pitchFamily="18" charset="0"/>
+              </a:rPr>
+              <a:t> </a:t>
+            </a:r>
+            <a:r>
+              <a:rPr lang="vi-VN" sz="2000" dirty="0">
+                <a:latin typeface="+mn-lt"/>
+              </a:rPr>
+              <a:t>compareTo(String</a:t>
+            </a:r>
+            <a:r>
+              <a:rPr lang="vi-VN" sz="2000" dirty="0" smtClean="0">
+                <a:latin typeface="+mn-lt"/>
+              </a:rPr>
+              <a:t>)</a:t>
+            </a:r>
+            <a:r>
+              <a:rPr lang="sr-Cyrl-RS" sz="2000" dirty="0" smtClean="0">
+                <a:latin typeface="Garamond" panose="02020404030301010803" pitchFamily="18" charset="0"/>
+              </a:rPr>
+              <a:t>,</a:t>
+            </a:r>
+            <a:endParaRPr lang="sr-Cyrl-RS" dirty="0">
+              <a:latin typeface="Garamond" panose="02020404030301010803" pitchFamily="18" charset="0"/>
+            </a:endParaRPr>
+          </a:p>
+          <a:p>
+            <a:pPr marL="342900" indent="-342900">
+              <a:lnSpc>
+                <a:spcPct val="80000"/>
+              </a:lnSpc>
+              <a:spcBef>
+                <a:spcPts val="600"/>
+              </a:spcBef>
+              <a:buFont typeface="Arial" panose="020B0604020202020204" pitchFamily="34" charset="0"/>
+              <a:buChar char="•"/>
+              <a:defRPr/>
+            </a:pPr>
+            <a:r>
+              <a:rPr lang="sr-Cyrl-RS" dirty="0" smtClean="0">
+                <a:latin typeface="Garamond" panose="02020404030301010803" pitchFamily="18" charset="0"/>
+              </a:rPr>
+              <a:t>Метод враће следећу вредност</a:t>
+            </a:r>
+            <a:r>
+              <a:rPr lang="vi-VN" dirty="0" smtClean="0">
+                <a:latin typeface="Garamond" panose="02020404030301010803" pitchFamily="18" charset="0"/>
+              </a:rPr>
+              <a:t>:</a:t>
+            </a:r>
+            <a:endParaRPr lang="vi-VN" dirty="0">
+              <a:latin typeface="Garamond" panose="02020404030301010803" pitchFamily="18" charset="0"/>
+            </a:endParaRPr>
+          </a:p>
+          <a:p>
+            <a:pPr marL="1200150" lvl="1" indent="-457200">
+              <a:lnSpc>
+                <a:spcPct val="80000"/>
+              </a:lnSpc>
+              <a:spcBef>
+                <a:spcPts val="0"/>
+              </a:spcBef>
+              <a:buFont typeface="+mj-lt"/>
+              <a:buAutoNum type="arabicPeriod"/>
+              <a:defRPr/>
+            </a:pPr>
+            <a:r>
+              <a:rPr lang="sr-Cyrl-RS" sz="2000" dirty="0" smtClean="0">
+                <a:latin typeface="+mn-lt"/>
+              </a:rPr>
+              <a:t>   </a:t>
+            </a:r>
+            <a:r>
+              <a:rPr lang="vi-VN" sz="2000" dirty="0" smtClean="0">
+                <a:latin typeface="+mn-lt"/>
+              </a:rPr>
+              <a:t>&lt;</a:t>
+            </a:r>
+            <a:r>
+              <a:rPr lang="vi-VN" sz="2000" dirty="0" smtClean="0">
+                <a:latin typeface="Garamond" panose="02020404030301010803" pitchFamily="18" charset="0"/>
+              </a:rPr>
+              <a:t> </a:t>
+            </a:r>
+            <a:r>
+              <a:rPr lang="vi-VN" sz="2000" dirty="0">
+                <a:latin typeface="+mn-lt"/>
+              </a:rPr>
+              <a:t>0</a:t>
+            </a:r>
+            <a:r>
+              <a:rPr lang="vi-VN" sz="2000" dirty="0">
+                <a:latin typeface="Garamond" panose="02020404030301010803" pitchFamily="18" charset="0"/>
+              </a:rPr>
+              <a:t> </a:t>
+            </a:r>
+            <a:r>
+              <a:rPr lang="vi-VN" sz="2000" dirty="0" smtClean="0">
+                <a:latin typeface="Garamond" panose="02020404030301010803" pitchFamily="18" charset="0"/>
+              </a:rPr>
+              <a:t>o</a:t>
+            </a:r>
+            <a:r>
+              <a:rPr lang="sr-Cyrl-RS" sz="2000" dirty="0" smtClean="0">
+                <a:latin typeface="Garamond" panose="02020404030301010803" pitchFamily="18" charset="0"/>
+              </a:rPr>
+              <a:t>бјекат је лексикографски „испред“ тј. „мањи“ од аргумента</a:t>
+            </a:r>
+            <a:endParaRPr lang="vi-VN" sz="2000" dirty="0">
+              <a:latin typeface="Garamond" panose="02020404030301010803" pitchFamily="18" charset="0"/>
+            </a:endParaRPr>
+          </a:p>
+          <a:p>
+            <a:pPr marL="1200150" lvl="1" indent="-457200">
+              <a:lnSpc>
+                <a:spcPct val="80000"/>
+              </a:lnSpc>
+              <a:spcBef>
+                <a:spcPts val="600"/>
+              </a:spcBef>
+              <a:buFont typeface="+mj-lt"/>
+              <a:buAutoNum type="arabicPeriod"/>
+              <a:defRPr/>
+            </a:pPr>
+            <a:r>
+              <a:rPr lang="sr-Cyrl-RS" sz="2000" dirty="0" smtClean="0">
+                <a:latin typeface="+mn-lt"/>
+              </a:rPr>
+              <a:t>   </a:t>
+            </a:r>
+            <a:r>
+              <a:rPr lang="vi-VN" sz="2000" dirty="0" smtClean="0">
+                <a:latin typeface="+mn-lt"/>
+              </a:rPr>
+              <a:t>=</a:t>
+            </a:r>
+            <a:r>
+              <a:rPr lang="vi-VN" sz="2000" dirty="0" smtClean="0">
+                <a:latin typeface="Garamond" panose="02020404030301010803" pitchFamily="18" charset="0"/>
+              </a:rPr>
+              <a:t> </a:t>
+            </a:r>
+            <a:r>
+              <a:rPr lang="vi-VN" sz="2000" dirty="0">
+                <a:latin typeface="+mn-lt"/>
+              </a:rPr>
+              <a:t>0</a:t>
+            </a:r>
+            <a:r>
+              <a:rPr lang="vi-VN" sz="2000" dirty="0">
+                <a:latin typeface="Garamond" panose="02020404030301010803" pitchFamily="18" charset="0"/>
+              </a:rPr>
+              <a:t> </a:t>
+            </a:r>
+            <a:r>
+              <a:rPr lang="sr-Cyrl-RS" sz="2000" dirty="0" smtClean="0">
+                <a:latin typeface="Garamond" panose="02020404030301010803" pitchFamily="18" charset="0"/>
+              </a:rPr>
+              <a:t>објекат је једнак аргументу</a:t>
+            </a:r>
+            <a:endParaRPr lang="vi-VN" sz="2000" dirty="0">
+              <a:latin typeface="Garamond" panose="02020404030301010803" pitchFamily="18" charset="0"/>
+            </a:endParaRPr>
+          </a:p>
+          <a:p>
+            <a:pPr marL="1200150" lvl="1" indent="-457200">
+              <a:lnSpc>
+                <a:spcPct val="80000"/>
+              </a:lnSpc>
+              <a:spcBef>
+                <a:spcPts val="600"/>
+              </a:spcBef>
+              <a:buFont typeface="+mj-lt"/>
+              <a:buAutoNum type="arabicPeriod"/>
+              <a:defRPr/>
+            </a:pPr>
+            <a:r>
+              <a:rPr lang="sr-Cyrl-RS" sz="2000" dirty="0" smtClean="0">
+                <a:latin typeface="+mn-lt"/>
+              </a:rPr>
+              <a:t>   </a:t>
+            </a:r>
+            <a:r>
+              <a:rPr lang="vi-VN" sz="2000" dirty="0" smtClean="0">
+                <a:latin typeface="+mn-lt"/>
+              </a:rPr>
+              <a:t>&gt;</a:t>
+            </a:r>
+            <a:r>
+              <a:rPr lang="vi-VN" sz="2000" dirty="0" smtClean="0">
+                <a:latin typeface="Garamond" panose="02020404030301010803" pitchFamily="18" charset="0"/>
+              </a:rPr>
+              <a:t> </a:t>
+            </a:r>
+            <a:r>
+              <a:rPr lang="vi-VN" sz="2000" dirty="0">
+                <a:latin typeface="+mn-lt"/>
+              </a:rPr>
+              <a:t>0</a:t>
+            </a:r>
+            <a:r>
+              <a:rPr lang="vi-VN" sz="2000" dirty="0">
+                <a:latin typeface="Garamond" panose="02020404030301010803" pitchFamily="18" charset="0"/>
+              </a:rPr>
+              <a:t> </a:t>
+            </a:r>
+            <a:r>
+              <a:rPr lang="vi-VN" sz="2000" dirty="0" smtClean="0">
+                <a:latin typeface="Garamond" panose="02020404030301010803" pitchFamily="18" charset="0"/>
+              </a:rPr>
+              <a:t>o</a:t>
+            </a:r>
+            <a:r>
+              <a:rPr lang="sr-Cyrl-RS" sz="2000" dirty="0" smtClean="0">
+                <a:latin typeface="Garamond" panose="02020404030301010803" pitchFamily="18" charset="0"/>
+              </a:rPr>
+              <a:t>бјекат је лексикографски „иза“ тј. „већи“ од аргумента</a:t>
+            </a:r>
+            <a:endParaRPr lang="sr-Latn-CS" sz="2000" dirty="0" smtClean="0">
+              <a:latin typeface="Garamond" panose="02020404030301010803" pitchFamily="18" charset="0"/>
+            </a:endParaRPr>
+          </a:p>
+        </p:txBody>
+      </p:sp>
+      <p:sp>
+        <p:nvSpPr>
+          <p:cNvPr id="5" name="Title 1"/>
+          <p:cNvSpPr txBox="1">
+            <a:spLocks/>
+          </p:cNvSpPr>
+          <p:nvPr/>
+        </p:nvSpPr>
+        <p:spPr>
+          <a:xfrm>
+            <a:off x="1371600" y="549275"/>
+            <a:ext cx="7772400" cy="868363"/>
+          </a:xfrm>
+          <a:prstGeom prst="rect">
+            <a:avLst/>
+          </a:prstGeom>
+        </p:spPr>
+        <p:txBody>
+          <a:bodyPr/>
+          <a:lstStyle>
+            <a:lvl1pPr algn="l" rtl="0" eaLnBrk="0" fontAlgn="base" hangingPunct="0">
+              <a:spcBef>
+                <a:spcPct val="0"/>
+              </a:spcBef>
+              <a:spcAft>
+                <a:spcPct val="0"/>
+              </a:spcAft>
+              <a:defRPr sz="3800">
+                <a:solidFill>
+                  <a:schemeClr val="tx2"/>
+                </a:solidFill>
+                <a:latin typeface="+mj-lt"/>
+                <a:ea typeface="+mj-ea"/>
+                <a:cs typeface="+mj-cs"/>
+              </a:defRPr>
+            </a:lvl1pPr>
+            <a:lvl2pPr algn="l" rtl="0" eaLnBrk="0" fontAlgn="base" hangingPunct="0">
+              <a:spcBef>
+                <a:spcPct val="0"/>
+              </a:spcBef>
+              <a:spcAft>
+                <a:spcPct val="0"/>
+              </a:spcAft>
+              <a:defRPr sz="3800">
+                <a:solidFill>
+                  <a:schemeClr val="tx2"/>
+                </a:solidFill>
+                <a:latin typeface="Arial" charset="0"/>
+              </a:defRPr>
+            </a:lvl2pPr>
+            <a:lvl3pPr algn="l" rtl="0" eaLnBrk="0" fontAlgn="base" hangingPunct="0">
+              <a:spcBef>
+                <a:spcPct val="0"/>
+              </a:spcBef>
+              <a:spcAft>
+                <a:spcPct val="0"/>
+              </a:spcAft>
+              <a:defRPr sz="3800">
+                <a:solidFill>
+                  <a:schemeClr val="tx2"/>
+                </a:solidFill>
+                <a:latin typeface="Arial" charset="0"/>
+              </a:defRPr>
+            </a:lvl3pPr>
+            <a:lvl4pPr algn="l" rtl="0" eaLnBrk="0" fontAlgn="base" hangingPunct="0">
+              <a:spcBef>
+                <a:spcPct val="0"/>
+              </a:spcBef>
+              <a:spcAft>
+                <a:spcPct val="0"/>
+              </a:spcAft>
+              <a:defRPr sz="3800">
+                <a:solidFill>
+                  <a:schemeClr val="tx2"/>
+                </a:solidFill>
+                <a:latin typeface="Arial" charset="0"/>
+              </a:defRPr>
+            </a:lvl4pPr>
+            <a:lvl5pPr algn="l" rtl="0" eaLnBrk="0" fontAlgn="base" hangingPunct="0">
+              <a:spcBef>
+                <a:spcPct val="0"/>
+              </a:spcBef>
+              <a:spcAft>
+                <a:spcPct val="0"/>
+              </a:spcAft>
+              <a:defRPr sz="3800">
+                <a:solidFill>
+                  <a:schemeClr val="tx2"/>
+                </a:solidFill>
+                <a:latin typeface="Arial" charset="0"/>
+              </a:defRPr>
+            </a:lvl5pPr>
+            <a:lvl6pPr marL="457200" algn="l" rtl="0" fontAlgn="base">
+              <a:spcBef>
+                <a:spcPct val="0"/>
+              </a:spcBef>
+              <a:spcAft>
+                <a:spcPct val="0"/>
+              </a:spcAft>
+              <a:defRPr sz="3800">
+                <a:solidFill>
+                  <a:schemeClr val="tx2"/>
+                </a:solidFill>
+                <a:latin typeface="Arial" charset="0"/>
+              </a:defRPr>
+            </a:lvl6pPr>
+            <a:lvl7pPr marL="914400" algn="l" rtl="0" fontAlgn="base">
+              <a:spcBef>
+                <a:spcPct val="0"/>
+              </a:spcBef>
+              <a:spcAft>
+                <a:spcPct val="0"/>
+              </a:spcAft>
+              <a:defRPr sz="3800">
+                <a:solidFill>
+                  <a:schemeClr val="tx2"/>
+                </a:solidFill>
+                <a:latin typeface="Arial" charset="0"/>
+              </a:defRPr>
+            </a:lvl7pPr>
+            <a:lvl8pPr marL="1371600" algn="l" rtl="0" fontAlgn="base">
+              <a:spcBef>
+                <a:spcPct val="0"/>
+              </a:spcBef>
+              <a:spcAft>
+                <a:spcPct val="0"/>
+              </a:spcAft>
+              <a:defRPr sz="3800">
+                <a:solidFill>
+                  <a:schemeClr val="tx2"/>
+                </a:solidFill>
+                <a:latin typeface="Arial" charset="0"/>
+              </a:defRPr>
+            </a:lvl8pPr>
+            <a:lvl9pPr marL="1828800" algn="l" rtl="0" fontAlgn="base">
+              <a:spcBef>
+                <a:spcPct val="0"/>
+              </a:spcBef>
+              <a:spcAft>
+                <a:spcPct val="0"/>
+              </a:spcAft>
+              <a:defRPr sz="3800">
+                <a:solidFill>
+                  <a:schemeClr val="tx2"/>
+                </a:solidFill>
+                <a:latin typeface="Arial" charset="0"/>
+              </a:defRPr>
+            </a:lvl9pPr>
+          </a:lstStyle>
+          <a:p>
+            <a:pPr>
+              <a:defRPr/>
+            </a:pPr>
+            <a:r>
+              <a:rPr lang="sr-Cyrl-RS" sz="3600" b="1" kern="0" dirty="0">
+                <a:solidFill>
+                  <a:srgbClr val="0070C0"/>
+                </a:solidFill>
+              </a:rPr>
+              <a:t>Класа </a:t>
+            </a:r>
+            <a:r>
+              <a:rPr lang="en-US" sz="3600" b="1" kern="0" dirty="0" smtClean="0">
+                <a:solidFill>
+                  <a:srgbClr val="0070C0"/>
+                </a:solidFill>
+              </a:rPr>
+              <a:t>String</a:t>
+            </a:r>
+            <a:r>
+              <a:rPr lang="sr-Cyrl-RS" sz="3600" b="1" kern="0" dirty="0" smtClean="0">
+                <a:solidFill>
+                  <a:srgbClr val="0070C0"/>
+                </a:solidFill>
+              </a:rPr>
+              <a:t> </a:t>
+            </a:r>
+            <a:r>
+              <a:rPr lang="sr-Cyrl-RS" sz="3600" b="1" kern="0" dirty="0" smtClean="0">
+                <a:solidFill>
+                  <a:srgbClr val="0070C0"/>
+                </a:solidFill>
+              </a:rPr>
+              <a:t>(3)</a:t>
+            </a:r>
+            <a:endParaRPr lang="en-US" sz="3600" b="1" kern="0" dirty="0">
+              <a:solidFill>
+                <a:srgbClr val="0070C0"/>
+              </a:solidFill>
+            </a:endParaRPr>
+          </a:p>
+        </p:txBody>
+      </p:sp>
+    </p:spTree>
+    <p:extLst>
+      <p:ext uri="{BB962C8B-B14F-4D97-AF65-F5344CB8AC3E}">
+        <p14:creationId xmlns:p14="http://schemas.microsoft.com/office/powerpoint/2010/main" val="2275606588"/>
+      </p:ext>
+    </p:extLst>
+  </p:cSld>
+  <p:clrMapOvr>
+    <a:masterClrMapping/>
+  </p:clrMapOvr>
+  <p:timing>
+    <p:tnLst>
+      <p:par>
+        <p:cTn id="1" dur="indefinite" restart="never" nodeType="tmRoot">
+          <p:childTnLst>
+            <p:seq concurrent="1" nextAc="seek">
+              <p:cTn id="2" dur="indefinite" nodeType="mainSeq">
+                <p:childTnLst>
+                  <p:par>
+                    <p:cTn id="3" fill="hold">
+                      <p:stCondLst>
+                        <p:cond delay="indefinite"/>
+                      </p:stCondLst>
+                      <p:childTnLst>
+                        <p:par>
+                          <p:cTn id="4" fill="hold">
+                            <p:stCondLst>
+                              <p:cond delay="0"/>
+                            </p:stCondLst>
+                            <p:childTnLst>
+                              <p:par>
+                                <p:cTn id="5" presetID="3" presetClass="entr" presetSubtype="10" fill="hold" nodeType="clickEffect">
+                                  <p:stCondLst>
+                                    <p:cond delay="0"/>
+                                  </p:stCondLst>
+                                  <p:childTnLst>
+                                    <p:set>
+                                      <p:cBhvr>
+                                        <p:cTn id="6" dur="1" fill="hold">
+                                          <p:stCondLst>
+                                            <p:cond delay="0"/>
+                                          </p:stCondLst>
+                                        </p:cTn>
+                                        <p:tgtEl>
+                                          <p:spTgt spid="54274">
+                                            <p:txEl>
+                                              <p:pRg st="1" end="1"/>
+                                            </p:txEl>
+                                          </p:spTgt>
+                                        </p:tgtEl>
+                                        <p:attrNameLst>
+                                          <p:attrName>style.visibility</p:attrName>
+                                        </p:attrNameLst>
+                                      </p:cBhvr>
+                                      <p:to>
+                                        <p:strVal val="visible"/>
+                                      </p:to>
+                                    </p:set>
+                                    <p:animEffect transition="in" filter="blinds(horizontal)">
+                                      <p:cBhvr>
+                                        <p:cTn id="7" dur="500"/>
+                                        <p:tgtEl>
+                                          <p:spTgt spid="54274">
+                                            <p:txEl>
+                                              <p:pRg st="1" end="1"/>
+                                            </p:txEl>
+                                          </p:spTgt>
+                                        </p:tgtEl>
+                                      </p:cBhvr>
+                                    </p:animEffect>
+                                  </p:childTnLst>
+                                </p:cTn>
+                              </p:par>
+                            </p:childTnLst>
+                          </p:cTn>
+                        </p:par>
+                      </p:childTnLst>
+                    </p:cTn>
+                  </p:par>
+                  <p:par>
+                    <p:cTn id="8" fill="hold">
+                      <p:stCondLst>
+                        <p:cond delay="indefinite"/>
+                      </p:stCondLst>
+                      <p:childTnLst>
+                        <p:par>
+                          <p:cTn id="9" fill="hold">
+                            <p:stCondLst>
+                              <p:cond delay="0"/>
+                            </p:stCondLst>
+                            <p:childTnLst>
+                              <p:par>
+                                <p:cTn id="10" presetID="3" presetClass="entr" presetSubtype="10" fill="hold" nodeType="clickEffect">
+                                  <p:stCondLst>
+                                    <p:cond delay="0"/>
+                                  </p:stCondLst>
+                                  <p:childTnLst>
+                                    <p:set>
+                                      <p:cBhvr>
+                                        <p:cTn id="11" dur="1" fill="hold">
+                                          <p:stCondLst>
+                                            <p:cond delay="0"/>
+                                          </p:stCondLst>
+                                        </p:cTn>
+                                        <p:tgtEl>
+                                          <p:spTgt spid="54274">
+                                            <p:txEl>
+                                              <p:pRg st="2" end="2"/>
+                                            </p:txEl>
+                                          </p:spTgt>
+                                        </p:tgtEl>
+                                        <p:attrNameLst>
+                                          <p:attrName>style.visibility</p:attrName>
+                                        </p:attrNameLst>
+                                      </p:cBhvr>
+                                      <p:to>
+                                        <p:strVal val="visible"/>
+                                      </p:to>
+                                    </p:set>
+                                    <p:animEffect transition="in" filter="blinds(horizontal)">
+                                      <p:cBhvr>
+                                        <p:cTn id="12" dur="500"/>
+                                        <p:tgtEl>
+                                          <p:spTgt spid="54274">
+                                            <p:txEl>
+                                              <p:pRg st="2" end="2"/>
+                                            </p:txEl>
+                                          </p:spTgt>
+                                        </p:tgtEl>
+                                      </p:cBhvr>
+                                    </p:animEffect>
+                                  </p:childTnLst>
+                                </p:cTn>
+                              </p:par>
+                            </p:childTnLst>
+                          </p:cTn>
+                        </p:par>
+                      </p:childTnLst>
+                    </p:cTn>
+                  </p:par>
+                  <p:par>
+                    <p:cTn id="13" fill="hold" nodeType="clickPar">
+                      <p:stCondLst>
+                        <p:cond delay="indefinite"/>
+                      </p:stCondLst>
+                      <p:childTnLst>
+                        <p:par>
+                          <p:cTn id="14" fill="hold" nodeType="withGroup">
+                            <p:stCondLst>
+                              <p:cond delay="0"/>
+                            </p:stCondLst>
+                            <p:childTnLst>
+                              <p:par>
+                                <p:cTn id="15" presetID="3" presetClass="entr" presetSubtype="10" fill="hold" nodeType="clickEffect">
+                                  <p:stCondLst>
+                                    <p:cond delay="0"/>
+                                  </p:stCondLst>
+                                  <p:childTnLst>
+                                    <p:set>
+                                      <p:cBhvr>
+                                        <p:cTn id="16" dur="1" fill="hold">
+                                          <p:stCondLst>
+                                            <p:cond delay="0"/>
+                                          </p:stCondLst>
+                                        </p:cTn>
+                                        <p:tgtEl>
+                                          <p:spTgt spid="54274">
+                                            <p:txEl>
+                                              <p:pRg st="3" end="3"/>
+                                            </p:txEl>
+                                          </p:spTgt>
+                                        </p:tgtEl>
+                                        <p:attrNameLst>
+                                          <p:attrName>style.visibility</p:attrName>
+                                        </p:attrNameLst>
+                                      </p:cBhvr>
+                                      <p:to>
+                                        <p:strVal val="visible"/>
+                                      </p:to>
+                                    </p:set>
+                                    <p:animEffect transition="in" filter="blinds(horizontal)">
+                                      <p:cBhvr>
+                                        <p:cTn id="17" dur="500"/>
+                                        <p:tgtEl>
+                                          <p:spTgt spid="54274">
+                                            <p:txEl>
+                                              <p:pRg st="3" end="3"/>
+                                            </p:txEl>
+                                          </p:spTgt>
+                                        </p:tgtEl>
+                                      </p:cBhvr>
+                                    </p:animEffect>
+                                  </p:childTnLst>
+                                </p:cTn>
+                              </p:par>
+                            </p:childTnLst>
+                          </p:cTn>
+                        </p:par>
+                      </p:childTnLst>
+                    </p:cTn>
+                  </p:par>
+                  <p:par>
+                    <p:cTn id="18" fill="hold" nodeType="clickPar">
+                      <p:stCondLst>
+                        <p:cond delay="indefinite"/>
+                      </p:stCondLst>
+                      <p:childTnLst>
+                        <p:par>
+                          <p:cTn id="19" fill="hold" nodeType="withGroup">
+                            <p:stCondLst>
+                              <p:cond delay="0"/>
+                            </p:stCondLst>
+                            <p:childTnLst>
+                              <p:par>
+                                <p:cTn id="20" presetID="3" presetClass="entr" presetSubtype="10" fill="hold" nodeType="clickEffect">
+                                  <p:stCondLst>
+                                    <p:cond delay="0"/>
+                                  </p:stCondLst>
+                                  <p:childTnLst>
+                                    <p:set>
+                                      <p:cBhvr>
+                                        <p:cTn id="21" dur="1" fill="hold">
+                                          <p:stCondLst>
+                                            <p:cond delay="0"/>
+                                          </p:stCondLst>
+                                        </p:cTn>
+                                        <p:tgtEl>
+                                          <p:spTgt spid="54274">
+                                            <p:txEl>
+                                              <p:pRg st="4" end="4"/>
+                                            </p:txEl>
+                                          </p:spTgt>
+                                        </p:tgtEl>
+                                        <p:attrNameLst>
+                                          <p:attrName>style.visibility</p:attrName>
+                                        </p:attrNameLst>
+                                      </p:cBhvr>
+                                      <p:to>
+                                        <p:strVal val="visible"/>
+                                      </p:to>
+                                    </p:set>
+                                    <p:animEffect transition="in" filter="blinds(horizontal)">
+                                      <p:cBhvr>
+                                        <p:cTn id="22" dur="500"/>
+                                        <p:tgtEl>
+                                          <p:spTgt spid="54274">
+                                            <p:txEl>
+                                              <p:pRg st="4" end="4"/>
+                                            </p:txEl>
+                                          </p:spTgt>
+                                        </p:tgtEl>
+                                      </p:cBhvr>
+                                    </p:animEffect>
+                                  </p:childTnLst>
+                                </p:cTn>
+                              </p:par>
+                            </p:childTnLst>
+                          </p:cTn>
+                        </p:par>
+                      </p:childTnLst>
+                    </p:cTn>
+                  </p:par>
+                  <p:par>
+                    <p:cTn id="23" fill="hold">
+                      <p:stCondLst>
+                        <p:cond delay="indefinite"/>
+                      </p:stCondLst>
+                      <p:childTnLst>
+                        <p:par>
+                          <p:cTn id="24" fill="hold">
+                            <p:stCondLst>
+                              <p:cond delay="0"/>
+                            </p:stCondLst>
+                            <p:childTnLst>
+                              <p:par>
+                                <p:cTn id="25" presetID="3" presetClass="entr" presetSubtype="10" fill="hold" nodeType="clickEffect">
+                                  <p:stCondLst>
+                                    <p:cond delay="0"/>
+                                  </p:stCondLst>
+                                  <p:childTnLst>
+                                    <p:set>
+                                      <p:cBhvr>
+                                        <p:cTn id="26" dur="1" fill="hold">
+                                          <p:stCondLst>
+                                            <p:cond delay="0"/>
+                                          </p:stCondLst>
+                                        </p:cTn>
+                                        <p:tgtEl>
+                                          <p:spTgt spid="54274">
+                                            <p:txEl>
+                                              <p:pRg st="5" end="5"/>
+                                            </p:txEl>
+                                          </p:spTgt>
+                                        </p:tgtEl>
+                                        <p:attrNameLst>
+                                          <p:attrName>style.visibility</p:attrName>
+                                        </p:attrNameLst>
+                                      </p:cBhvr>
+                                      <p:to>
+                                        <p:strVal val="visible"/>
+                                      </p:to>
+                                    </p:set>
+                                    <p:animEffect transition="in" filter="blinds(horizontal)">
+                                      <p:cBhvr>
+                                        <p:cTn id="27" dur="500"/>
+                                        <p:tgtEl>
+                                          <p:spTgt spid="54274">
+                                            <p:txEl>
+                                              <p:pRg st="5" end="5"/>
+                                            </p:txEl>
+                                          </p:spTgt>
+                                        </p:tgtEl>
+                                      </p:cBhvr>
+                                    </p:animEffect>
+                                  </p:childTnLst>
+                                </p:cTn>
+                              </p:par>
+                              <p:par>
+                                <p:cTn id="28" presetID="3" presetClass="entr" presetSubtype="10" fill="hold" nodeType="withEffect">
+                                  <p:stCondLst>
+                                    <p:cond delay="0"/>
+                                  </p:stCondLst>
+                                  <p:childTnLst>
+                                    <p:set>
+                                      <p:cBhvr>
+                                        <p:cTn id="29" dur="1" fill="hold">
+                                          <p:stCondLst>
+                                            <p:cond delay="0"/>
+                                          </p:stCondLst>
+                                        </p:cTn>
+                                        <p:tgtEl>
+                                          <p:spTgt spid="54274">
+                                            <p:txEl>
+                                              <p:pRg st="6" end="6"/>
+                                            </p:txEl>
+                                          </p:spTgt>
+                                        </p:tgtEl>
+                                        <p:attrNameLst>
+                                          <p:attrName>style.visibility</p:attrName>
+                                        </p:attrNameLst>
+                                      </p:cBhvr>
+                                      <p:to>
+                                        <p:strVal val="visible"/>
+                                      </p:to>
+                                    </p:set>
+                                    <p:animEffect transition="in" filter="blinds(horizontal)">
+                                      <p:cBhvr>
+                                        <p:cTn id="30" dur="500"/>
+                                        <p:tgtEl>
+                                          <p:spTgt spid="54274">
+                                            <p:txEl>
+                                              <p:pRg st="6" end="6"/>
+                                            </p:txEl>
+                                          </p:spTgt>
+                                        </p:tgtEl>
+                                      </p:cBhvr>
+                                    </p:animEffect>
+                                  </p:childTnLst>
+                                </p:cTn>
+                              </p:par>
+                              <p:par>
+                                <p:cTn id="31" presetID="3" presetClass="entr" presetSubtype="10" fill="hold" nodeType="withEffect">
+                                  <p:stCondLst>
+                                    <p:cond delay="0"/>
+                                  </p:stCondLst>
+                                  <p:childTnLst>
+                                    <p:set>
+                                      <p:cBhvr>
+                                        <p:cTn id="32" dur="1" fill="hold">
+                                          <p:stCondLst>
+                                            <p:cond delay="0"/>
+                                          </p:stCondLst>
+                                        </p:cTn>
+                                        <p:tgtEl>
+                                          <p:spTgt spid="54274">
+                                            <p:txEl>
+                                              <p:pRg st="7" end="7"/>
+                                            </p:txEl>
+                                          </p:spTgt>
+                                        </p:tgtEl>
+                                        <p:attrNameLst>
+                                          <p:attrName>style.visibility</p:attrName>
+                                        </p:attrNameLst>
+                                      </p:cBhvr>
+                                      <p:to>
+                                        <p:strVal val="visible"/>
+                                      </p:to>
+                                    </p:set>
+                                    <p:animEffect transition="in" filter="blinds(horizontal)">
+                                      <p:cBhvr>
+                                        <p:cTn id="33" dur="500"/>
+                                        <p:tgtEl>
+                                          <p:spTgt spid="54274">
+                                            <p:txEl>
+                                              <p:pRg st="7" end="7"/>
+                                            </p:txEl>
+                                          </p:spTgt>
+                                        </p:tgtEl>
+                                      </p:cBhvr>
+                                    </p:animEffect>
+                                  </p:childTnLst>
+                                </p:cTn>
+                              </p:par>
+                              <p:par>
+                                <p:cTn id="34" presetID="3" presetClass="entr" presetSubtype="10" fill="hold" nodeType="withEffect">
+                                  <p:stCondLst>
+                                    <p:cond delay="0"/>
+                                  </p:stCondLst>
+                                  <p:childTnLst>
+                                    <p:set>
+                                      <p:cBhvr>
+                                        <p:cTn id="35" dur="1" fill="hold">
+                                          <p:stCondLst>
+                                            <p:cond delay="0"/>
+                                          </p:stCondLst>
+                                        </p:cTn>
+                                        <p:tgtEl>
+                                          <p:spTgt spid="54274">
+                                            <p:txEl>
+                                              <p:pRg st="8" end="8"/>
+                                            </p:txEl>
+                                          </p:spTgt>
+                                        </p:tgtEl>
+                                        <p:attrNameLst>
+                                          <p:attrName>style.visibility</p:attrName>
+                                        </p:attrNameLst>
+                                      </p:cBhvr>
+                                      <p:to>
+                                        <p:strVal val="visible"/>
+                                      </p:to>
+                                    </p:set>
+                                    <p:animEffect transition="in" filter="blinds(horizontal)">
+                                      <p:cBhvr>
+                                        <p:cTn id="36" dur="500"/>
+                                        <p:tgtEl>
+                                          <p:spTgt spid="54274">
+                                            <p:txEl>
+                                              <p:pRg st="8" end="8"/>
+                                            </p:txEl>
+                                          </p:spTgt>
+                                        </p:tgtEl>
+                                      </p:cBhvr>
+                                    </p:animEffect>
+                                  </p:childTnLst>
+                                </p:cTn>
+                              </p:par>
+                            </p:childTnLst>
+                          </p:cTn>
+                        </p:par>
+                      </p:childTnLst>
+                    </p:cTn>
+                  </p:par>
+                </p:childTnLst>
+              </p:cTn>
+              <p:prevCondLst>
+                <p:cond evt="onPrev" delay="0">
+                  <p:tgtEl>
+                    <p:sldTgt/>
+                  </p:tgtEl>
+                </p:cond>
+              </p:prevCondLst>
+              <p:nextCondLst>
+                <p:cond evt="onNext" delay="0">
+                  <p:tgtEl>
+                    <p:sldTgt/>
+                  </p:tgtEl>
+                </p:cond>
+              </p:nextCondLst>
+            </p:seq>
+          </p:childTnLst>
+        </p:cTn>
+      </p:par>
+    </p:tnLst>
+  </p:timing>
+</p:sld>
+</file>
+
+<file path=ppt/slides/slide17.xml><?xml version="1.0" encoding="utf-8"?>
+<p:sld xmlns:a="http://schemas.openxmlformats.org/drawingml/2006/main" xmlns:r="http://schemas.openxmlformats.org/officeDocument/2006/relationships" xmlns:p="http://schemas.openxmlformats.org/presentationml/2006/main">
+  <p:cSld>
+    <p:spTree>
+      <p:nvGrpSpPr>
+        <p:cNvPr id="1" name=""/>
+        <p:cNvGrpSpPr/>
+        <p:nvPr/>
+      </p:nvGrpSpPr>
+      <p:grpSpPr>
+        <a:xfrm>
+          <a:off x="0" y="0"/>
+          <a:ext cx="0" cy="0"/>
+          <a:chOff x="0" y="0"/>
+          <a:chExt cx="0" cy="0"/>
+        </a:xfrm>
+      </p:grpSpPr>
+      <p:sp>
+        <p:nvSpPr>
+          <p:cNvPr id="54274" name="Text Box 2"/>
+          <p:cNvSpPr txBox="1">
+            <a:spLocks noChangeArrowheads="1"/>
+          </p:cNvSpPr>
+          <p:nvPr/>
+        </p:nvSpPr>
+        <p:spPr bwMode="auto">
+          <a:xfrm>
+            <a:off x="461963" y="1417638"/>
+            <a:ext cx="8682037" cy="4622804"/>
+          </a:xfrm>
+          <a:prstGeom prst="rect">
+            <a:avLst/>
+          </a:prstGeom>
+          <a:noFill/>
+          <a:ln>
+            <a:noFill/>
+          </a:ln>
+          <a:extLst>
+            <a:ext uri="{909E8E84-426E-40DD-AFC4-6F175D3DCCD1}">
+              <a14:hiddenFill xmlns:a14="http://schemas.microsoft.com/office/drawing/2010/main">
+                <a:solidFill>
+                  <a:srgbClr val="FFFFFF"/>
+                </a:solidFill>
+              </a14:hiddenFill>
+            </a:ext>
+            <a:ext uri="{91240B29-F687-4F45-9708-019B960494DF}">
+              <a14:hiddenLine xmlns:a14="http://schemas.microsoft.com/office/drawing/2010/main" w="9525">
+                <a:solidFill>
+                  <a:srgbClr val="000000"/>
+                </a:solidFill>
+                <a:miter lim="800000"/>
+                <a:headEnd/>
+                <a:tailEnd/>
+              </a14:hiddenLine>
+            </a:ext>
+          </a:extLst>
+        </p:spPr>
+        <p:txBody>
+          <a:bodyPr>
+            <a:spAutoFit/>
+          </a:bodyPr>
+          <a:lstStyle>
+            <a:lvl1pPr eaLnBrk="0" hangingPunct="0">
+              <a:defRPr sz="2400">
+                <a:solidFill>
+                  <a:schemeClr val="tx1"/>
+                </a:solidFill>
+                <a:latin typeface="Times New Roman" pitchFamily="18" charset="0"/>
+              </a:defRPr>
+            </a:lvl1pPr>
+            <a:lvl2pPr marL="742950" indent="-285750" eaLnBrk="0" hangingPunct="0">
+              <a:defRPr sz="2400">
+                <a:solidFill>
+                  <a:schemeClr val="tx1"/>
+                </a:solidFill>
+                <a:latin typeface="Times New Roman" pitchFamily="18" charset="0"/>
+              </a:defRPr>
+            </a:lvl2pPr>
+            <a:lvl3pPr marL="1143000" indent="-228600" eaLnBrk="0" hangingPunct="0">
+              <a:defRPr sz="2400">
+                <a:solidFill>
+                  <a:schemeClr val="tx1"/>
+                </a:solidFill>
+                <a:latin typeface="Times New Roman" pitchFamily="18" charset="0"/>
+              </a:defRPr>
+            </a:lvl3pPr>
+            <a:lvl4pPr marL="1600200" indent="-228600" eaLnBrk="0" hangingPunct="0">
+              <a:defRPr sz="2400">
+                <a:solidFill>
+                  <a:schemeClr val="tx1"/>
+                </a:solidFill>
+                <a:latin typeface="Times New Roman" pitchFamily="18" charset="0"/>
+              </a:defRPr>
+            </a:lvl4pPr>
+            <a:lvl5pPr marL="2057400" indent="-228600" eaLnBrk="0" hangingPunct="0">
+              <a:defRPr sz="2400">
+                <a:solidFill>
+                  <a:schemeClr val="tx1"/>
+                </a:solidFill>
+                <a:latin typeface="Times New Roman" pitchFamily="18" charset="0"/>
+              </a:defRPr>
+            </a:lvl5pPr>
+            <a:lvl6pPr marL="2514600" indent="-228600" eaLnBrk="0" fontAlgn="base" hangingPunct="0">
+              <a:spcBef>
+                <a:spcPct val="0"/>
+              </a:spcBef>
+              <a:spcAft>
+                <a:spcPct val="0"/>
+              </a:spcAft>
+              <a:defRPr sz="2400">
+                <a:solidFill>
+                  <a:schemeClr val="tx1"/>
+                </a:solidFill>
+                <a:latin typeface="Times New Roman" pitchFamily="18" charset="0"/>
+              </a:defRPr>
+            </a:lvl6pPr>
+            <a:lvl7pPr marL="2971800" indent="-228600" eaLnBrk="0" fontAlgn="base" hangingPunct="0">
+              <a:spcBef>
+                <a:spcPct val="0"/>
+              </a:spcBef>
+              <a:spcAft>
+                <a:spcPct val="0"/>
+              </a:spcAft>
+              <a:defRPr sz="2400">
+                <a:solidFill>
+                  <a:schemeClr val="tx1"/>
+                </a:solidFill>
+                <a:latin typeface="Times New Roman" pitchFamily="18" charset="0"/>
+              </a:defRPr>
+            </a:lvl7pPr>
+            <a:lvl8pPr marL="3429000" indent="-228600" eaLnBrk="0" fontAlgn="base" hangingPunct="0">
+              <a:spcBef>
+                <a:spcPct val="0"/>
+              </a:spcBef>
+              <a:spcAft>
+                <a:spcPct val="0"/>
+              </a:spcAft>
+              <a:defRPr sz="2400">
+                <a:solidFill>
+                  <a:schemeClr val="tx1"/>
+                </a:solidFill>
+                <a:latin typeface="Times New Roman" pitchFamily="18" charset="0"/>
+              </a:defRPr>
+            </a:lvl8pPr>
+            <a:lvl9pPr marL="3886200" indent="-228600" eaLnBrk="0" fontAlgn="base" hangingPunct="0">
+              <a:spcBef>
+                <a:spcPct val="0"/>
+              </a:spcBef>
+              <a:spcAft>
+                <a:spcPct val="0"/>
+              </a:spcAft>
+              <a:defRPr sz="2400">
+                <a:solidFill>
+                  <a:schemeClr val="tx1"/>
+                </a:solidFill>
+                <a:latin typeface="Times New Roman" pitchFamily="18" charset="0"/>
+              </a:defRPr>
+            </a:lvl9pPr>
+          </a:lstStyle>
+          <a:p>
+            <a:pPr>
+              <a:lnSpc>
+                <a:spcPct val="80000"/>
+              </a:lnSpc>
+              <a:spcBef>
+                <a:spcPts val="600"/>
+              </a:spcBef>
+              <a:defRPr/>
+            </a:pPr>
+            <a:r>
+              <a:rPr lang="sr-Cyrl-RS" sz="1800" b="1" dirty="0" smtClean="0">
+                <a:latin typeface="+mn-lt"/>
+              </a:rPr>
+              <a:t>Још неке важније методе:</a:t>
+            </a:r>
+            <a:endParaRPr lang="sr-Cyrl-RS" sz="1800" b="1" dirty="0" smtClean="0">
+              <a:latin typeface="+mn-lt"/>
+            </a:endParaRPr>
+          </a:p>
+          <a:p>
+            <a:pPr marL="342900" indent="-342900">
+              <a:lnSpc>
+                <a:spcPct val="80000"/>
+              </a:lnSpc>
+              <a:spcBef>
+                <a:spcPts val="0"/>
+              </a:spcBef>
+              <a:buFont typeface="Arial" panose="020B0604020202020204" pitchFamily="34" charset="0"/>
+              <a:buChar char="•"/>
+              <a:defRPr/>
+            </a:pPr>
+            <a:endParaRPr lang="sr-Cyrl-RS" sz="1000" dirty="0" smtClean="0">
+              <a:latin typeface="+mn-lt"/>
+            </a:endParaRPr>
+          </a:p>
+          <a:p>
+            <a:pPr marL="342900" indent="-342900">
+              <a:lnSpc>
+                <a:spcPct val="80000"/>
+              </a:lnSpc>
+              <a:spcBef>
+                <a:spcPts val="0"/>
+              </a:spcBef>
+              <a:buFont typeface="Arial" panose="020B0604020202020204" pitchFamily="34" charset="0"/>
+              <a:buChar char="•"/>
+              <a:defRPr/>
+            </a:pPr>
+            <a:r>
+              <a:rPr lang="vi-VN" sz="2000" dirty="0" smtClean="0">
+                <a:latin typeface="+mn-lt"/>
+              </a:rPr>
+              <a:t>valueOf</a:t>
+            </a:r>
+            <a:r>
+              <a:rPr lang="vi-VN" sz="2000" dirty="0" smtClean="0">
+                <a:latin typeface="+mn-lt"/>
+              </a:rPr>
+              <a:t>()</a:t>
+            </a:r>
+            <a:r>
+              <a:rPr lang="sr-Cyrl-RS" sz="2200" dirty="0">
+                <a:latin typeface="Garamond" panose="02020404030301010803" pitchFamily="18" charset="0"/>
+              </a:rPr>
+              <a:t/>
+            </a:r>
+            <a:br>
+              <a:rPr lang="sr-Cyrl-RS" sz="2200" dirty="0">
+                <a:latin typeface="Garamond" panose="02020404030301010803" pitchFamily="18" charset="0"/>
+              </a:rPr>
+            </a:br>
+            <a:r>
+              <a:rPr lang="sr-Cyrl-RS" sz="2200" dirty="0" smtClean="0">
+                <a:latin typeface="Garamond" panose="02020404030301010803" pitchFamily="18" charset="0"/>
+              </a:rPr>
+              <a:t>Статички метод који креира</a:t>
+            </a:r>
+            <a:r>
+              <a:rPr lang="vi-VN" sz="2200" dirty="0" smtClean="0">
+                <a:latin typeface="+mn-lt"/>
+              </a:rPr>
+              <a:t> </a:t>
+            </a:r>
+            <a:r>
+              <a:rPr lang="vi-VN" sz="2000" dirty="0">
+                <a:latin typeface="+mn-lt"/>
+              </a:rPr>
+              <a:t>String</a:t>
+            </a:r>
+            <a:r>
+              <a:rPr lang="vi-VN" sz="2200" dirty="0">
+                <a:latin typeface="+mn-lt"/>
+              </a:rPr>
+              <a:t> </a:t>
+            </a:r>
+            <a:r>
+              <a:rPr lang="sr-Cyrl-RS" sz="2200" dirty="0" smtClean="0">
+                <a:latin typeface="Garamond" panose="02020404030301010803" pitchFamily="18" charset="0"/>
+              </a:rPr>
+              <a:t>објекат од вредности произвољног примитивног типа</a:t>
+            </a:r>
+            <a:r>
+              <a:rPr lang="vi-VN" sz="2200" dirty="0" smtClean="0">
+                <a:latin typeface="+mn-lt"/>
+              </a:rPr>
+              <a:t>.</a:t>
+            </a:r>
+            <a:endParaRPr lang="sr-Cyrl-RS" sz="2200" dirty="0" smtClean="0">
+              <a:latin typeface="+mn-lt"/>
+            </a:endParaRPr>
+          </a:p>
+          <a:p>
+            <a:pPr marL="342900" indent="-342900">
+              <a:lnSpc>
+                <a:spcPct val="80000"/>
+              </a:lnSpc>
+              <a:spcBef>
+                <a:spcPts val="0"/>
+              </a:spcBef>
+              <a:buFont typeface="Arial" panose="020B0604020202020204" pitchFamily="34" charset="0"/>
+              <a:buChar char="•"/>
+              <a:defRPr/>
+            </a:pPr>
+            <a:endParaRPr lang="vi-VN" sz="1000" dirty="0">
+              <a:latin typeface="+mn-lt"/>
+            </a:endParaRPr>
+          </a:p>
+          <a:p>
+            <a:pPr marL="342900" indent="-342900">
+              <a:lnSpc>
+                <a:spcPct val="80000"/>
+              </a:lnSpc>
+              <a:spcBef>
+                <a:spcPts val="0"/>
+              </a:spcBef>
+              <a:buFont typeface="Arial" panose="020B0604020202020204" pitchFamily="34" charset="0"/>
+              <a:buChar char="•"/>
+              <a:defRPr/>
+            </a:pPr>
+            <a:r>
+              <a:rPr lang="vi-VN" sz="2000" dirty="0" smtClean="0">
+                <a:latin typeface="+mn-lt"/>
+              </a:rPr>
+              <a:t>startsWith(</a:t>
+            </a:r>
+            <a:r>
+              <a:rPr lang="sr-Latn-RS" sz="2000" dirty="0" smtClean="0">
+                <a:latin typeface="+mn-lt"/>
+              </a:rPr>
+              <a:t>String s</a:t>
+            </a:r>
+            <a:r>
+              <a:rPr lang="vi-VN" sz="2000" dirty="0" smtClean="0">
+                <a:latin typeface="+mn-lt"/>
+              </a:rPr>
+              <a:t>)</a:t>
+            </a:r>
+            <a:r>
+              <a:rPr lang="sr-Latn-RS" sz="2000" dirty="0" smtClean="0">
+                <a:latin typeface="+mn-lt"/>
+              </a:rPr>
+              <a:t>, </a:t>
+            </a:r>
+            <a:r>
+              <a:rPr lang="vi-VN" sz="2000" dirty="0" smtClean="0">
+                <a:latin typeface="+mn-lt"/>
+              </a:rPr>
+              <a:t>endsWith(</a:t>
+            </a:r>
+            <a:r>
+              <a:rPr lang="sr-Latn-RS" sz="2000" dirty="0" smtClean="0">
+                <a:latin typeface="+mn-lt"/>
+              </a:rPr>
+              <a:t>String)</a:t>
+            </a:r>
+            <a:r>
+              <a:rPr lang="sr-Cyrl-RS" sz="2200" dirty="0">
+                <a:latin typeface="Garamond" panose="02020404030301010803" pitchFamily="18" charset="0"/>
+              </a:rPr>
+              <a:t/>
+            </a:r>
+            <a:br>
+              <a:rPr lang="sr-Cyrl-RS" sz="2200" dirty="0">
+                <a:latin typeface="Garamond" panose="02020404030301010803" pitchFamily="18" charset="0"/>
+              </a:rPr>
+            </a:br>
+            <a:r>
+              <a:rPr lang="sr-Cyrl-RS" sz="2200" dirty="0" smtClean="0">
+                <a:latin typeface="Garamond" panose="02020404030301010803" pitchFamily="18" charset="0"/>
+              </a:rPr>
+              <a:t>Овим методама се провера да ли </a:t>
+            </a:r>
+            <a:r>
+              <a:rPr lang="sr-Cyrl-RS" sz="2200" dirty="0" smtClean="0">
+                <a:latin typeface="Garamond" panose="02020404030301010803" pitchFamily="18" charset="0"/>
+              </a:rPr>
+              <a:t>ниска садржи </a:t>
+            </a:r>
+            <a:r>
+              <a:rPr lang="sr-Cyrl-RS" sz="2200" dirty="0" smtClean="0">
+                <a:latin typeface="Garamond" panose="02020404030301010803" pitchFamily="18" charset="0"/>
+              </a:rPr>
+              <a:t>прослеђени </a:t>
+            </a:r>
+            <a:r>
+              <a:rPr lang="sr-Cyrl-RS" sz="2200" dirty="0" smtClean="0">
+                <a:latin typeface="Garamond" panose="02020404030301010803" pitchFamily="18" charset="0"/>
+              </a:rPr>
+              <a:t>аргумент </a:t>
+            </a:r>
+            <a:r>
+              <a:rPr lang="sr-Cyrl-RS" sz="2200" dirty="0" smtClean="0">
+                <a:latin typeface="Garamond" panose="02020404030301010803" pitchFamily="18" charset="0"/>
+              </a:rPr>
+              <a:t>као део садржаја на свом почетку или крају. </a:t>
+            </a:r>
+            <a:endParaRPr lang="sr-Cyrl-RS" sz="2200" dirty="0" smtClean="0">
+              <a:latin typeface="Garamond" panose="02020404030301010803" pitchFamily="18" charset="0"/>
+            </a:endParaRPr>
+          </a:p>
+          <a:p>
+            <a:pPr marL="342900" indent="-342900">
+              <a:lnSpc>
+                <a:spcPct val="80000"/>
+              </a:lnSpc>
+              <a:spcBef>
+                <a:spcPts val="0"/>
+              </a:spcBef>
+              <a:buFont typeface="Arial" panose="020B0604020202020204" pitchFamily="34" charset="0"/>
+              <a:buChar char="•"/>
+              <a:defRPr/>
+            </a:pPr>
+            <a:endParaRPr lang="sr-Latn-RS" sz="1000" dirty="0" smtClean="0">
+              <a:latin typeface="Garamond" panose="02020404030301010803" pitchFamily="18" charset="0"/>
+            </a:endParaRPr>
+          </a:p>
+          <a:p>
+            <a:pPr marL="342900" indent="-342900">
+              <a:lnSpc>
+                <a:spcPct val="80000"/>
+              </a:lnSpc>
+              <a:spcBef>
+                <a:spcPts val="0"/>
+              </a:spcBef>
+              <a:buFont typeface="Arial" panose="020B0604020202020204" pitchFamily="34" charset="0"/>
+              <a:buChar char="•"/>
+              <a:defRPr/>
+            </a:pPr>
+            <a:r>
+              <a:rPr lang="vi-VN" sz="2000" dirty="0" smtClean="0">
+                <a:latin typeface="+mn-lt"/>
+              </a:rPr>
+              <a:t>indexOf(int ch)</a:t>
+            </a:r>
+            <a:r>
+              <a:rPr lang="sr-Latn-RS" sz="2000" dirty="0" smtClean="0">
+                <a:latin typeface="+mn-lt"/>
+              </a:rPr>
+              <a:t>, </a:t>
+            </a:r>
+            <a:r>
+              <a:rPr lang="vi-VN" sz="2000" dirty="0" smtClean="0">
+                <a:latin typeface="+mn-lt"/>
+              </a:rPr>
+              <a:t>indexOf(String </a:t>
+            </a:r>
+            <a:r>
+              <a:rPr lang="vi-VN" sz="2000" dirty="0">
+                <a:latin typeface="+mn-lt"/>
+              </a:rPr>
+              <a:t>str</a:t>
+            </a:r>
+            <a:r>
+              <a:rPr lang="vi-VN" sz="2000" dirty="0" smtClean="0">
+                <a:latin typeface="+mn-lt"/>
+              </a:rPr>
+              <a:t>)</a:t>
+            </a:r>
+            <a:r>
+              <a:rPr lang="sr-Cyrl-RS" sz="2000" dirty="0" smtClean="0">
+                <a:latin typeface="+mn-lt"/>
+              </a:rPr>
+              <a:t/>
+            </a:r>
+            <a:br>
+              <a:rPr lang="sr-Cyrl-RS" sz="2000" dirty="0" smtClean="0">
+                <a:latin typeface="+mn-lt"/>
+              </a:rPr>
+            </a:br>
+            <a:r>
+              <a:rPr lang="sr-Cyrl-RS" sz="2200" dirty="0" smtClean="0">
+                <a:latin typeface="Garamond" panose="02020404030301010803" pitchFamily="18" charset="0"/>
+              </a:rPr>
+              <a:t>Овим методама се реализује претраживање </a:t>
+            </a:r>
+            <a:r>
+              <a:rPr lang="sr-Cyrl-RS" sz="2200" dirty="0" smtClean="0">
+                <a:latin typeface="Garamond" panose="02020404030301010803" pitchFamily="18" charset="0"/>
+              </a:rPr>
+              <a:t>дате ниске, </a:t>
+            </a:r>
+            <a:r>
+              <a:rPr lang="sr-Cyrl-RS" sz="2200" dirty="0" smtClean="0">
+                <a:latin typeface="Garamond" panose="02020404030301010803" pitchFamily="18" charset="0"/>
+              </a:rPr>
+              <a:t>слева удесно тј. од почетка према крају.</a:t>
+            </a:r>
+            <a:r>
+              <a:rPr lang="vi-VN" sz="2200" dirty="0" smtClean="0">
+                <a:latin typeface="+mn-lt"/>
+              </a:rPr>
+              <a:t> </a:t>
+            </a:r>
+            <a:r>
+              <a:rPr lang="sr-Cyrl-RS" sz="2200" dirty="0" smtClean="0">
+                <a:latin typeface="Garamond" panose="02020404030301010803" pitchFamily="18" charset="0"/>
+              </a:rPr>
+              <a:t>Метод враћа (нула-базиран) индекс прве појаве датог елемента или </a:t>
+            </a:r>
+            <a:r>
+              <a:rPr lang="vi-VN" sz="2000" dirty="0" smtClean="0">
+                <a:latin typeface="+mn-lt"/>
+              </a:rPr>
+              <a:t>-</a:t>
+            </a:r>
+            <a:r>
+              <a:rPr lang="vi-VN" sz="2000" dirty="0">
+                <a:latin typeface="+mn-lt"/>
+              </a:rPr>
+              <a:t>1</a:t>
+            </a:r>
+            <a:r>
+              <a:rPr lang="vi-VN" sz="2200" dirty="0">
+                <a:latin typeface="+mn-lt"/>
+              </a:rPr>
+              <a:t> </a:t>
+            </a:r>
+            <a:r>
+              <a:rPr lang="sr-Cyrl-RS" sz="2200" dirty="0" smtClean="0">
+                <a:latin typeface="Garamond" panose="02020404030301010803" pitchFamily="18" charset="0"/>
+              </a:rPr>
+              <a:t>елеменат </a:t>
+            </a:r>
+            <a:r>
+              <a:rPr lang="sr-Cyrl-RS" sz="2200" dirty="0" smtClean="0">
+                <a:latin typeface="Garamond" panose="02020404030301010803" pitchFamily="18" charset="0"/>
+              </a:rPr>
+              <a:t>није </a:t>
+            </a:r>
+            <a:r>
+              <a:rPr lang="sr-Cyrl-RS" sz="2200" dirty="0" smtClean="0">
+                <a:latin typeface="Garamond" panose="02020404030301010803" pitchFamily="18" charset="0"/>
+              </a:rPr>
+              <a:t>пронађен</a:t>
+            </a:r>
+            <a:r>
+              <a:rPr lang="vi-VN" sz="2200" dirty="0" smtClean="0">
+                <a:latin typeface="+mn-lt"/>
+              </a:rPr>
+              <a:t>.</a:t>
+            </a:r>
+            <a:endParaRPr lang="sr-Cyrl-RS" sz="2200" dirty="0" smtClean="0">
+              <a:latin typeface="+mn-lt"/>
+            </a:endParaRPr>
+          </a:p>
+          <a:p>
+            <a:pPr marL="342900" indent="-342900">
+              <a:lnSpc>
+                <a:spcPct val="80000"/>
+              </a:lnSpc>
+              <a:spcBef>
+                <a:spcPts val="0"/>
+              </a:spcBef>
+              <a:buFont typeface="Arial" panose="020B0604020202020204" pitchFamily="34" charset="0"/>
+              <a:buChar char="•"/>
+              <a:defRPr/>
+            </a:pPr>
+            <a:endParaRPr lang="vi-VN" sz="1000" dirty="0">
+              <a:latin typeface="+mn-lt"/>
+            </a:endParaRPr>
+          </a:p>
+          <a:p>
+            <a:pPr marL="342900" indent="-342900">
+              <a:lnSpc>
+                <a:spcPct val="80000"/>
+              </a:lnSpc>
+              <a:spcBef>
+                <a:spcPts val="0"/>
+              </a:spcBef>
+              <a:buFont typeface="Arial" panose="020B0604020202020204" pitchFamily="34" charset="0"/>
+              <a:buChar char="•"/>
+              <a:defRPr/>
+            </a:pPr>
+            <a:r>
+              <a:rPr lang="vi-VN" sz="2000" dirty="0" smtClean="0">
+                <a:latin typeface="+mn-lt"/>
+              </a:rPr>
+              <a:t>lastIndexOf(int ch)</a:t>
+            </a:r>
+            <a:r>
+              <a:rPr lang="sr-Latn-RS" sz="2000" dirty="0" smtClean="0">
+                <a:latin typeface="+mn-lt"/>
+              </a:rPr>
+              <a:t>, </a:t>
+            </a:r>
+            <a:r>
+              <a:rPr lang="vi-VN" sz="2000" dirty="0" smtClean="0">
+                <a:latin typeface="+mn-lt"/>
+              </a:rPr>
+              <a:t>lastIndexOf(String str)</a:t>
+            </a:r>
+            <a:r>
+              <a:rPr lang="sr-Latn-RS" sz="2000" dirty="0" smtClean="0">
+                <a:latin typeface="+mn-lt"/>
+              </a:rPr>
+              <a:t> </a:t>
+            </a:r>
+            <a:r>
+              <a:rPr lang="sr-Cyrl-RS" sz="2200" dirty="0" smtClean="0">
+                <a:latin typeface="+mn-lt"/>
+              </a:rPr>
+              <a:t/>
+            </a:r>
+            <a:br>
+              <a:rPr lang="sr-Cyrl-RS" sz="2200" dirty="0" smtClean="0">
+                <a:latin typeface="+mn-lt"/>
+              </a:rPr>
+            </a:br>
+            <a:r>
+              <a:rPr lang="ru-RU" sz="2200" dirty="0" err="1" smtClean="0">
+                <a:latin typeface="Garamond" panose="02020404030301010803" pitchFamily="18" charset="0"/>
+              </a:rPr>
+              <a:t>Овим</a:t>
+            </a:r>
+            <a:r>
+              <a:rPr lang="ru-RU" sz="2200" dirty="0" smtClean="0">
+                <a:latin typeface="Garamond" panose="02020404030301010803" pitchFamily="18" charset="0"/>
+              </a:rPr>
+              <a:t> метод</a:t>
+            </a:r>
+            <a:r>
+              <a:rPr lang="sr-Cyrl-RS" sz="2200" dirty="0" smtClean="0">
+                <a:latin typeface="Garamond" panose="02020404030301010803" pitchFamily="18" charset="0"/>
+              </a:rPr>
+              <a:t>ама</a:t>
+            </a:r>
+            <a:r>
+              <a:rPr lang="ru-RU" sz="2200" dirty="0" smtClean="0">
+                <a:latin typeface="Garamond" panose="02020404030301010803" pitchFamily="18" charset="0"/>
+              </a:rPr>
+              <a:t> </a:t>
+            </a:r>
+            <a:r>
+              <a:rPr lang="ru-RU" sz="2200" dirty="0">
+                <a:latin typeface="Garamond" panose="02020404030301010803" pitchFamily="18" charset="0"/>
+              </a:rPr>
+              <a:t>се реализује претраживање </a:t>
+            </a:r>
+            <a:r>
+              <a:rPr lang="ru-RU" sz="2200" dirty="0" smtClean="0">
+                <a:latin typeface="Garamond" panose="02020404030301010803" pitchFamily="18" charset="0"/>
+              </a:rPr>
+              <a:t>дате ниске, </a:t>
+            </a:r>
+            <a:r>
+              <a:rPr lang="ru-RU" sz="2200" dirty="0" smtClean="0">
+                <a:latin typeface="Garamond" panose="02020404030301010803" pitchFamily="18" charset="0"/>
+              </a:rPr>
+              <a:t>сдесна улево </a:t>
+            </a:r>
+            <a:r>
+              <a:rPr lang="ru-RU" sz="2200" dirty="0">
+                <a:latin typeface="Garamond" panose="02020404030301010803" pitchFamily="18" charset="0"/>
+              </a:rPr>
+              <a:t>тј. од </a:t>
+            </a:r>
+            <a:r>
+              <a:rPr lang="ru-RU" sz="2200" dirty="0" smtClean="0">
+                <a:latin typeface="Garamond" panose="02020404030301010803" pitchFamily="18" charset="0"/>
+              </a:rPr>
+              <a:t>краја </a:t>
+            </a:r>
+            <a:r>
+              <a:rPr lang="ru-RU" sz="2200" dirty="0">
+                <a:latin typeface="Garamond" panose="02020404030301010803" pitchFamily="18" charset="0"/>
+              </a:rPr>
+              <a:t>према </a:t>
+            </a:r>
+            <a:r>
+              <a:rPr lang="ru-RU" sz="2200" dirty="0" smtClean="0">
+                <a:latin typeface="Garamond" panose="02020404030301010803" pitchFamily="18" charset="0"/>
+              </a:rPr>
+              <a:t>почетку. </a:t>
+            </a:r>
+            <a:r>
+              <a:rPr lang="ru-RU" sz="2200" dirty="0">
+                <a:latin typeface="Garamond" panose="02020404030301010803" pitchFamily="18" charset="0"/>
+              </a:rPr>
+              <a:t>Метод враћа (нула-базиран) индекс прве појаве датог елемента или </a:t>
+            </a:r>
+            <a:r>
+              <a:rPr lang="ru-RU" sz="2000" dirty="0">
+                <a:latin typeface="+mn-lt"/>
+              </a:rPr>
+              <a:t>-1</a:t>
+            </a:r>
+            <a:r>
+              <a:rPr lang="ru-RU" sz="2200" dirty="0">
+                <a:latin typeface="Garamond" panose="02020404030301010803" pitchFamily="18" charset="0"/>
+              </a:rPr>
+              <a:t> елеменат </a:t>
+            </a:r>
+            <a:r>
+              <a:rPr lang="ru-RU" sz="2200" dirty="0" smtClean="0">
+                <a:latin typeface="Garamond" panose="02020404030301010803" pitchFamily="18" charset="0"/>
+              </a:rPr>
+              <a:t>није </a:t>
+            </a:r>
+            <a:r>
+              <a:rPr lang="ru-RU" sz="2200" dirty="0">
+                <a:latin typeface="Garamond" panose="02020404030301010803" pitchFamily="18" charset="0"/>
+              </a:rPr>
+              <a:t>пронађен</a:t>
+            </a:r>
+            <a:r>
+              <a:rPr lang="vi-VN" sz="2200" dirty="0" smtClean="0">
+                <a:latin typeface="+mn-lt"/>
+              </a:rPr>
+              <a:t>.</a:t>
+            </a:r>
+          </a:p>
+        </p:txBody>
+      </p:sp>
+      <p:sp>
+        <p:nvSpPr>
+          <p:cNvPr id="5" name="Title 1"/>
+          <p:cNvSpPr txBox="1">
+            <a:spLocks/>
+          </p:cNvSpPr>
+          <p:nvPr/>
+        </p:nvSpPr>
+        <p:spPr>
+          <a:xfrm>
+            <a:off x="1371600" y="549275"/>
+            <a:ext cx="7772400" cy="868363"/>
+          </a:xfrm>
+          <a:prstGeom prst="rect">
+            <a:avLst/>
+          </a:prstGeom>
+        </p:spPr>
+        <p:txBody>
+          <a:bodyPr/>
+          <a:lstStyle>
+            <a:lvl1pPr algn="l" rtl="0" eaLnBrk="0" fontAlgn="base" hangingPunct="0">
+              <a:spcBef>
+                <a:spcPct val="0"/>
+              </a:spcBef>
+              <a:spcAft>
+                <a:spcPct val="0"/>
+              </a:spcAft>
+              <a:defRPr sz="3800">
+                <a:solidFill>
+                  <a:schemeClr val="tx2"/>
+                </a:solidFill>
+                <a:latin typeface="+mj-lt"/>
+                <a:ea typeface="+mj-ea"/>
+                <a:cs typeface="+mj-cs"/>
+              </a:defRPr>
+            </a:lvl1pPr>
+            <a:lvl2pPr algn="l" rtl="0" eaLnBrk="0" fontAlgn="base" hangingPunct="0">
+              <a:spcBef>
+                <a:spcPct val="0"/>
+              </a:spcBef>
+              <a:spcAft>
+                <a:spcPct val="0"/>
+              </a:spcAft>
+              <a:defRPr sz="3800">
+                <a:solidFill>
+                  <a:schemeClr val="tx2"/>
+                </a:solidFill>
+                <a:latin typeface="Arial" charset="0"/>
+              </a:defRPr>
+            </a:lvl2pPr>
+            <a:lvl3pPr algn="l" rtl="0" eaLnBrk="0" fontAlgn="base" hangingPunct="0">
+              <a:spcBef>
+                <a:spcPct val="0"/>
+              </a:spcBef>
+              <a:spcAft>
+                <a:spcPct val="0"/>
+              </a:spcAft>
+              <a:defRPr sz="3800">
+                <a:solidFill>
+                  <a:schemeClr val="tx2"/>
+                </a:solidFill>
+                <a:latin typeface="Arial" charset="0"/>
+              </a:defRPr>
+            </a:lvl3pPr>
+            <a:lvl4pPr algn="l" rtl="0" eaLnBrk="0" fontAlgn="base" hangingPunct="0">
+              <a:spcBef>
+                <a:spcPct val="0"/>
+              </a:spcBef>
+              <a:spcAft>
+                <a:spcPct val="0"/>
+              </a:spcAft>
+              <a:defRPr sz="3800">
+                <a:solidFill>
+                  <a:schemeClr val="tx2"/>
+                </a:solidFill>
+                <a:latin typeface="Arial" charset="0"/>
+              </a:defRPr>
+            </a:lvl4pPr>
+            <a:lvl5pPr algn="l" rtl="0" eaLnBrk="0" fontAlgn="base" hangingPunct="0">
+              <a:spcBef>
+                <a:spcPct val="0"/>
+              </a:spcBef>
+              <a:spcAft>
+                <a:spcPct val="0"/>
+              </a:spcAft>
+              <a:defRPr sz="3800">
+                <a:solidFill>
+                  <a:schemeClr val="tx2"/>
+                </a:solidFill>
+                <a:latin typeface="Arial" charset="0"/>
+              </a:defRPr>
+            </a:lvl5pPr>
+            <a:lvl6pPr marL="457200" algn="l" rtl="0" fontAlgn="base">
+              <a:spcBef>
+                <a:spcPct val="0"/>
+              </a:spcBef>
+              <a:spcAft>
+                <a:spcPct val="0"/>
+              </a:spcAft>
+              <a:defRPr sz="3800">
+                <a:solidFill>
+                  <a:schemeClr val="tx2"/>
+                </a:solidFill>
+                <a:latin typeface="Arial" charset="0"/>
+              </a:defRPr>
+            </a:lvl6pPr>
+            <a:lvl7pPr marL="914400" algn="l" rtl="0" fontAlgn="base">
+              <a:spcBef>
+                <a:spcPct val="0"/>
+              </a:spcBef>
+              <a:spcAft>
+                <a:spcPct val="0"/>
+              </a:spcAft>
+              <a:defRPr sz="3800">
+                <a:solidFill>
+                  <a:schemeClr val="tx2"/>
+                </a:solidFill>
+                <a:latin typeface="Arial" charset="0"/>
+              </a:defRPr>
+            </a:lvl7pPr>
+            <a:lvl8pPr marL="1371600" algn="l" rtl="0" fontAlgn="base">
+              <a:spcBef>
+                <a:spcPct val="0"/>
+              </a:spcBef>
+              <a:spcAft>
+                <a:spcPct val="0"/>
+              </a:spcAft>
+              <a:defRPr sz="3800">
+                <a:solidFill>
+                  <a:schemeClr val="tx2"/>
+                </a:solidFill>
+                <a:latin typeface="Arial" charset="0"/>
+              </a:defRPr>
+            </a:lvl8pPr>
+            <a:lvl9pPr marL="1828800" algn="l" rtl="0" fontAlgn="base">
+              <a:spcBef>
+                <a:spcPct val="0"/>
+              </a:spcBef>
+              <a:spcAft>
+                <a:spcPct val="0"/>
+              </a:spcAft>
+              <a:defRPr sz="3800">
+                <a:solidFill>
+                  <a:schemeClr val="tx2"/>
+                </a:solidFill>
+                <a:latin typeface="Arial" charset="0"/>
+              </a:defRPr>
+            </a:lvl9pPr>
+          </a:lstStyle>
+          <a:p>
+            <a:pPr>
+              <a:defRPr/>
+            </a:pPr>
+            <a:r>
+              <a:rPr lang="sr-Cyrl-RS" sz="3600" b="1" kern="0" dirty="0">
+                <a:solidFill>
+                  <a:srgbClr val="0070C0"/>
+                </a:solidFill>
+              </a:rPr>
+              <a:t>Класа </a:t>
+            </a:r>
+            <a:r>
+              <a:rPr lang="en-US" sz="3600" b="1" kern="0" dirty="0" smtClean="0">
+                <a:solidFill>
+                  <a:srgbClr val="0070C0"/>
+                </a:solidFill>
+              </a:rPr>
+              <a:t>String</a:t>
+            </a:r>
+            <a:r>
+              <a:rPr lang="sr-Cyrl-RS" sz="3600" b="1" kern="0" dirty="0" smtClean="0">
+                <a:solidFill>
+                  <a:srgbClr val="0070C0"/>
+                </a:solidFill>
+              </a:rPr>
+              <a:t> </a:t>
+            </a:r>
+            <a:r>
+              <a:rPr lang="sr-Cyrl-RS" sz="3600" b="1" kern="0" dirty="0" smtClean="0">
+                <a:solidFill>
+                  <a:srgbClr val="0070C0"/>
+                </a:solidFill>
+              </a:rPr>
+              <a:t>(4)</a:t>
+            </a:r>
+            <a:endParaRPr lang="en-US" sz="3600" b="1" kern="0" dirty="0">
+              <a:solidFill>
+                <a:srgbClr val="0070C0"/>
+              </a:solidFill>
+            </a:endParaRPr>
+          </a:p>
+        </p:txBody>
+      </p:sp>
+    </p:spTree>
+    <p:extLst>
+      <p:ext uri="{BB962C8B-B14F-4D97-AF65-F5344CB8AC3E}">
+        <p14:creationId xmlns:p14="http://schemas.microsoft.com/office/powerpoint/2010/main" val="667449646"/>
+      </p:ext>
+    </p:extLst>
+  </p:cSld>
+  <p:clrMapOvr>
+    <a:masterClrMapping/>
+  </p:clrMapOvr>
+  <p:timing>
+    <p:tnLst>
+      <p:par>
+        <p:cTn id="1" dur="indefinite" restart="never" nodeType="tmRoot">
+          <p:childTnLst>
+            <p:seq concurrent="1" nextAc="seek">
+              <p:cTn id="2" dur="indefinite" nodeType="mainSeq">
+                <p:childTnLst>
+                  <p:par>
+                    <p:cTn id="3" fill="hold" nodeType="clickPar">
+                      <p:stCondLst>
+                        <p:cond delay="indefinite"/>
+                      </p:stCondLst>
+                      <p:childTnLst>
+                        <p:par>
+                          <p:cTn id="4" fill="hold" nodeType="withGroup">
+                            <p:stCondLst>
+                              <p:cond delay="0"/>
+                            </p:stCondLst>
+                            <p:childTnLst>
+                              <p:par>
+                                <p:cTn id="5" presetID="10" presetClass="entr" presetSubtype="0" fill="hold" nodeType="clickEffect">
+                                  <p:stCondLst>
+                                    <p:cond delay="0"/>
+                                  </p:stCondLst>
+                                  <p:childTnLst>
+                                    <p:set>
+                                      <p:cBhvr>
+                                        <p:cTn id="6" dur="1" fill="hold">
+                                          <p:stCondLst>
+                                            <p:cond delay="0"/>
+                                          </p:stCondLst>
+                                        </p:cTn>
+                                        <p:tgtEl>
+                                          <p:spTgt spid="54274">
+                                            <p:txEl>
+                                              <p:pRg st="0" end="0"/>
+                                            </p:txEl>
+                                          </p:spTgt>
+                                        </p:tgtEl>
+                                        <p:attrNameLst>
+                                          <p:attrName>style.visibility</p:attrName>
+                                        </p:attrNameLst>
+                                      </p:cBhvr>
+                                      <p:to>
+                                        <p:strVal val="visible"/>
+                                      </p:to>
+                                    </p:set>
+                                    <p:animEffect transition="in" filter="fade">
+                                      <p:cBhvr>
+                                        <p:cTn id="7" dur="500"/>
+                                        <p:tgtEl>
+                                          <p:spTgt spid="54274">
+                                            <p:txEl>
+                                              <p:pRg st="0" end="0"/>
+                                            </p:txEl>
+                                          </p:spTgt>
+                                        </p:tgtEl>
+                                      </p:cBhvr>
+                                    </p:animEffect>
+                                  </p:childTnLst>
+                                </p:cTn>
+                              </p:par>
+                              <p:par>
+                                <p:cTn id="8" presetID="10" presetClass="entr" presetSubtype="0" fill="hold" nodeType="withEffect">
+                                  <p:stCondLst>
+                                    <p:cond delay="0"/>
+                                  </p:stCondLst>
+                                  <p:childTnLst>
+                                    <p:set>
+                                      <p:cBhvr>
+                                        <p:cTn id="9" dur="1" fill="hold">
+                                          <p:stCondLst>
+                                            <p:cond delay="0"/>
+                                          </p:stCondLst>
+                                        </p:cTn>
+                                        <p:tgtEl>
+                                          <p:spTgt spid="54274">
+                                            <p:txEl>
+                                              <p:pRg st="2" end="2"/>
+                                            </p:txEl>
+                                          </p:spTgt>
+                                        </p:tgtEl>
+                                        <p:attrNameLst>
+                                          <p:attrName>style.visibility</p:attrName>
+                                        </p:attrNameLst>
+                                      </p:cBhvr>
+                                      <p:to>
+                                        <p:strVal val="visible"/>
+                                      </p:to>
+                                    </p:set>
+                                    <p:animEffect transition="in" filter="fade">
+                                      <p:cBhvr>
+                                        <p:cTn id="10" dur="500"/>
+                                        <p:tgtEl>
+                                          <p:spTgt spid="54274">
+                                            <p:txEl>
+                                              <p:pRg st="2" end="2"/>
+                                            </p:txEl>
+                                          </p:spTgt>
+                                        </p:tgtEl>
+                                      </p:cBhvr>
+                                    </p:animEffect>
+                                  </p:childTnLst>
+                                </p:cTn>
+                              </p:par>
+                              <p:par>
+                                <p:cTn id="11" presetID="10" presetClass="entr" presetSubtype="0" fill="hold" nodeType="withEffect">
+                                  <p:stCondLst>
+                                    <p:cond delay="0"/>
+                                  </p:stCondLst>
+                                  <p:childTnLst>
+                                    <p:set>
+                                      <p:cBhvr>
+                                        <p:cTn id="12" dur="1" fill="hold">
+                                          <p:stCondLst>
+                                            <p:cond delay="0"/>
+                                          </p:stCondLst>
+                                        </p:cTn>
+                                        <p:tgtEl>
+                                          <p:spTgt spid="54274">
+                                            <p:txEl>
+                                              <p:pRg st="4" end="4"/>
+                                            </p:txEl>
+                                          </p:spTgt>
+                                        </p:tgtEl>
+                                        <p:attrNameLst>
+                                          <p:attrName>style.visibility</p:attrName>
+                                        </p:attrNameLst>
+                                      </p:cBhvr>
+                                      <p:to>
+                                        <p:strVal val="visible"/>
+                                      </p:to>
+                                    </p:set>
+                                    <p:animEffect transition="in" filter="fade">
+                                      <p:cBhvr>
+                                        <p:cTn id="13" dur="500"/>
+                                        <p:tgtEl>
+                                          <p:spTgt spid="54274">
+                                            <p:txEl>
+                                              <p:pRg st="4" end="4"/>
+                                            </p:txEl>
+                                          </p:spTgt>
+                                        </p:tgtEl>
+                                      </p:cBhvr>
+                                    </p:animEffect>
+                                  </p:childTnLst>
+                                </p:cTn>
+                              </p:par>
+                              <p:par>
+                                <p:cTn id="14" presetID="10" presetClass="entr" presetSubtype="0" fill="hold" nodeType="withEffect">
+                                  <p:stCondLst>
+                                    <p:cond delay="0"/>
+                                  </p:stCondLst>
+                                  <p:childTnLst>
+                                    <p:set>
+                                      <p:cBhvr>
+                                        <p:cTn id="15" dur="1" fill="hold">
+                                          <p:stCondLst>
+                                            <p:cond delay="0"/>
+                                          </p:stCondLst>
+                                        </p:cTn>
+                                        <p:tgtEl>
+                                          <p:spTgt spid="54274">
+                                            <p:txEl>
+                                              <p:pRg st="6" end="6"/>
+                                            </p:txEl>
+                                          </p:spTgt>
+                                        </p:tgtEl>
+                                        <p:attrNameLst>
+                                          <p:attrName>style.visibility</p:attrName>
+                                        </p:attrNameLst>
+                                      </p:cBhvr>
+                                      <p:to>
+                                        <p:strVal val="visible"/>
+                                      </p:to>
+                                    </p:set>
+                                    <p:animEffect transition="in" filter="fade">
+                                      <p:cBhvr>
+                                        <p:cTn id="16" dur="500"/>
+                                        <p:tgtEl>
+                                          <p:spTgt spid="54274">
+                                            <p:txEl>
+                                              <p:pRg st="6" end="6"/>
+                                            </p:txEl>
+                                          </p:spTgt>
+                                        </p:tgtEl>
+                                      </p:cBhvr>
+                                    </p:animEffect>
+                                  </p:childTnLst>
+                                </p:cTn>
+                              </p:par>
+                              <p:par>
+                                <p:cTn id="17" presetID="10" presetClass="entr" presetSubtype="0" fill="hold" nodeType="withEffect">
+                                  <p:stCondLst>
+                                    <p:cond delay="0"/>
+                                  </p:stCondLst>
+                                  <p:childTnLst>
+                                    <p:set>
+                                      <p:cBhvr>
+                                        <p:cTn id="18" dur="1" fill="hold">
+                                          <p:stCondLst>
+                                            <p:cond delay="0"/>
+                                          </p:stCondLst>
+                                        </p:cTn>
+                                        <p:tgtEl>
+                                          <p:spTgt spid="54274">
+                                            <p:txEl>
+                                              <p:pRg st="8" end="8"/>
+                                            </p:txEl>
+                                          </p:spTgt>
+                                        </p:tgtEl>
+                                        <p:attrNameLst>
+                                          <p:attrName>style.visibility</p:attrName>
+                                        </p:attrNameLst>
+                                      </p:cBhvr>
+                                      <p:to>
+                                        <p:strVal val="visible"/>
+                                      </p:to>
+                                    </p:set>
+                                    <p:animEffect transition="in" filter="fade">
+                                      <p:cBhvr>
+                                        <p:cTn id="19" dur="500"/>
+                                        <p:tgtEl>
+                                          <p:spTgt spid="54274">
+                                            <p:txEl>
+                                              <p:pRg st="8" end="8"/>
+                                            </p:txEl>
+                                          </p:spTgt>
+                                        </p:tgtEl>
+                                      </p:cBhvr>
+                                    </p:animEffect>
+                                  </p:childTnLst>
+                                </p:cTn>
+                              </p:par>
+                            </p:childTnLst>
+                          </p:cTn>
+                        </p:par>
+                      </p:childTnLst>
+                    </p:cTn>
+                  </p:par>
+                </p:childTnLst>
+              </p:cTn>
+              <p:prevCondLst>
+                <p:cond evt="onPrev" delay="0">
+                  <p:tgtEl>
+                    <p:sldTgt/>
+                  </p:tgtEl>
+                </p:cond>
+              </p:prevCondLst>
+              <p:nextCondLst>
+                <p:cond evt="onNext" delay="0">
+                  <p:tgtEl>
+                    <p:sldTgt/>
+                  </p:tgtEl>
+                </p:cond>
+              </p:nextCondLst>
+            </p:seq>
+          </p:childTnLst>
+        </p:cTn>
+      </p:par>
+    </p:tnLst>
+  </p:timing>
+</p:sld>
+</file>
+
+<file path=ppt/slides/slide18.xml><?xml version="1.0" encoding="utf-8"?>
+<p:sld xmlns:a="http://schemas.openxmlformats.org/drawingml/2006/main" xmlns:r="http://schemas.openxmlformats.org/officeDocument/2006/relationships" xmlns:p="http://schemas.openxmlformats.org/presentationml/2006/main">
+  <p:cSld>
+    <p:spTree>
+      <p:nvGrpSpPr>
+        <p:cNvPr id="1" name=""/>
+        <p:cNvGrpSpPr/>
+        <p:nvPr/>
+      </p:nvGrpSpPr>
+      <p:grpSpPr>
+        <a:xfrm>
+          <a:off x="0" y="0"/>
+          <a:ext cx="0" cy="0"/>
+          <a:chOff x="0" y="0"/>
+          <a:chExt cx="0" cy="0"/>
+        </a:xfrm>
+      </p:grpSpPr>
+      <p:sp>
+        <p:nvSpPr>
+          <p:cNvPr id="54274" name="Text Box 2"/>
+          <p:cNvSpPr txBox="1">
+            <a:spLocks noChangeArrowheads="1"/>
+          </p:cNvSpPr>
+          <p:nvPr/>
+        </p:nvSpPr>
+        <p:spPr bwMode="auto">
+          <a:xfrm>
+            <a:off x="461963" y="1417638"/>
+            <a:ext cx="8682037" cy="5509200"/>
+          </a:xfrm>
+          <a:prstGeom prst="rect">
+            <a:avLst/>
+          </a:prstGeom>
+          <a:noFill/>
+          <a:ln>
+            <a:noFill/>
+          </a:ln>
+          <a:extLst>
+            <a:ext uri="{909E8E84-426E-40DD-AFC4-6F175D3DCCD1}">
+              <a14:hiddenFill xmlns:a14="http://schemas.microsoft.com/office/drawing/2010/main">
+                <a:solidFill>
+                  <a:srgbClr val="FFFFFF"/>
+                </a:solidFill>
+              </a14:hiddenFill>
+            </a:ext>
+            <a:ext uri="{91240B29-F687-4F45-9708-019B960494DF}">
+              <a14:hiddenLine xmlns:a14="http://schemas.microsoft.com/office/drawing/2010/main" w="9525">
+                <a:solidFill>
+                  <a:srgbClr val="000000"/>
+                </a:solidFill>
+                <a:miter lim="800000"/>
+                <a:headEnd/>
+                <a:tailEnd/>
+              </a14:hiddenLine>
+            </a:ext>
+          </a:extLst>
+        </p:spPr>
+        <p:txBody>
+          <a:bodyPr>
+            <a:spAutoFit/>
+          </a:bodyPr>
+          <a:lstStyle>
+            <a:lvl1pPr eaLnBrk="0" hangingPunct="0">
+              <a:defRPr sz="2400">
+                <a:solidFill>
+                  <a:schemeClr val="tx1"/>
+                </a:solidFill>
+                <a:latin typeface="Times New Roman" pitchFamily="18" charset="0"/>
+              </a:defRPr>
+            </a:lvl1pPr>
+            <a:lvl2pPr marL="742950" indent="-285750" eaLnBrk="0" hangingPunct="0">
+              <a:defRPr sz="2400">
+                <a:solidFill>
+                  <a:schemeClr val="tx1"/>
+                </a:solidFill>
+                <a:latin typeface="Times New Roman" pitchFamily="18" charset="0"/>
+              </a:defRPr>
+            </a:lvl2pPr>
+            <a:lvl3pPr marL="1143000" indent="-228600" eaLnBrk="0" hangingPunct="0">
+              <a:defRPr sz="2400">
+                <a:solidFill>
+                  <a:schemeClr val="tx1"/>
+                </a:solidFill>
+                <a:latin typeface="Times New Roman" pitchFamily="18" charset="0"/>
+              </a:defRPr>
+            </a:lvl3pPr>
+            <a:lvl4pPr marL="1600200" indent="-228600" eaLnBrk="0" hangingPunct="0">
+              <a:defRPr sz="2400">
+                <a:solidFill>
+                  <a:schemeClr val="tx1"/>
+                </a:solidFill>
+                <a:latin typeface="Times New Roman" pitchFamily="18" charset="0"/>
+              </a:defRPr>
+            </a:lvl4pPr>
+            <a:lvl5pPr marL="2057400" indent="-228600" eaLnBrk="0" hangingPunct="0">
+              <a:defRPr sz="2400">
+                <a:solidFill>
+                  <a:schemeClr val="tx1"/>
+                </a:solidFill>
+                <a:latin typeface="Times New Roman" pitchFamily="18" charset="0"/>
+              </a:defRPr>
+            </a:lvl5pPr>
+            <a:lvl6pPr marL="2514600" indent="-228600" eaLnBrk="0" fontAlgn="base" hangingPunct="0">
+              <a:spcBef>
+                <a:spcPct val="0"/>
+              </a:spcBef>
+              <a:spcAft>
+                <a:spcPct val="0"/>
+              </a:spcAft>
+              <a:defRPr sz="2400">
+                <a:solidFill>
+                  <a:schemeClr val="tx1"/>
+                </a:solidFill>
+                <a:latin typeface="Times New Roman" pitchFamily="18" charset="0"/>
+              </a:defRPr>
+            </a:lvl6pPr>
+            <a:lvl7pPr marL="2971800" indent="-228600" eaLnBrk="0" fontAlgn="base" hangingPunct="0">
+              <a:spcBef>
+                <a:spcPct val="0"/>
+              </a:spcBef>
+              <a:spcAft>
+                <a:spcPct val="0"/>
+              </a:spcAft>
+              <a:defRPr sz="2400">
+                <a:solidFill>
+                  <a:schemeClr val="tx1"/>
+                </a:solidFill>
+                <a:latin typeface="Times New Roman" pitchFamily="18" charset="0"/>
+              </a:defRPr>
+            </a:lvl7pPr>
+            <a:lvl8pPr marL="3429000" indent="-228600" eaLnBrk="0" fontAlgn="base" hangingPunct="0">
+              <a:spcBef>
+                <a:spcPct val="0"/>
+              </a:spcBef>
+              <a:spcAft>
+                <a:spcPct val="0"/>
+              </a:spcAft>
+              <a:defRPr sz="2400">
+                <a:solidFill>
+                  <a:schemeClr val="tx1"/>
+                </a:solidFill>
+                <a:latin typeface="Times New Roman" pitchFamily="18" charset="0"/>
+              </a:defRPr>
+            </a:lvl8pPr>
+            <a:lvl9pPr marL="3886200" indent="-228600" eaLnBrk="0" fontAlgn="base" hangingPunct="0">
+              <a:spcBef>
+                <a:spcPct val="0"/>
+              </a:spcBef>
+              <a:spcAft>
+                <a:spcPct val="0"/>
+              </a:spcAft>
+              <a:defRPr sz="2400">
+                <a:solidFill>
+                  <a:schemeClr val="tx1"/>
+                </a:solidFill>
+                <a:latin typeface="Times New Roman" pitchFamily="18" charset="0"/>
+              </a:defRPr>
+            </a:lvl9pPr>
+          </a:lstStyle>
+          <a:p>
+            <a:pPr>
+              <a:lnSpc>
+                <a:spcPct val="80000"/>
+              </a:lnSpc>
+              <a:spcBef>
+                <a:spcPts val="600"/>
+              </a:spcBef>
+              <a:defRPr/>
+            </a:pPr>
+            <a:r>
+              <a:rPr lang="sr-Cyrl-RS" sz="1800" b="1" dirty="0" smtClean="0">
+                <a:latin typeface="+mn-lt"/>
+              </a:rPr>
+              <a:t>Још неке важније методе:</a:t>
+            </a:r>
+            <a:endParaRPr lang="sr-Cyrl-RS" sz="1800" b="1" dirty="0" smtClean="0">
+              <a:latin typeface="+mn-lt"/>
+            </a:endParaRPr>
+          </a:p>
+          <a:p>
+            <a:pPr marL="285750" indent="-285750">
+              <a:lnSpc>
+                <a:spcPct val="80000"/>
+              </a:lnSpc>
+              <a:spcBef>
+                <a:spcPts val="0"/>
+              </a:spcBef>
+              <a:buFont typeface="Arial" panose="020B0604020202020204" pitchFamily="34" charset="0"/>
+              <a:buChar char="•"/>
+              <a:defRPr/>
+            </a:pPr>
+            <a:endParaRPr lang="sr-Cyrl-RS" sz="1000" dirty="0" smtClean="0">
+              <a:latin typeface="+mn-lt"/>
+            </a:endParaRPr>
+          </a:p>
+          <a:p>
+            <a:pPr marL="285750" indent="-285750">
+              <a:lnSpc>
+                <a:spcPct val="80000"/>
+              </a:lnSpc>
+              <a:spcBef>
+                <a:spcPts val="0"/>
+              </a:spcBef>
+              <a:buFont typeface="Arial" panose="020B0604020202020204" pitchFamily="34" charset="0"/>
+              <a:buChar char="•"/>
+              <a:defRPr/>
+            </a:pPr>
+            <a:r>
+              <a:rPr lang="vi-VN" sz="2000" dirty="0" smtClean="0">
+                <a:latin typeface="+mn-lt"/>
+              </a:rPr>
+              <a:t>String substring(int</a:t>
+            </a:r>
+            <a:r>
+              <a:rPr lang="sr-Cyrl-RS" sz="2000" dirty="0" smtClean="0">
+                <a:latin typeface="+mn-lt"/>
+              </a:rPr>
+              <a:t> </a:t>
+            </a:r>
+            <a:r>
+              <a:rPr lang="en-US" sz="2000" dirty="0" smtClean="0">
+                <a:latin typeface="+mn-lt"/>
+              </a:rPr>
+              <a:t>start</a:t>
+            </a:r>
+            <a:r>
+              <a:rPr lang="vi-VN" sz="2000" dirty="0" smtClean="0">
+                <a:latin typeface="+mn-lt"/>
+              </a:rPr>
+              <a:t>) </a:t>
+            </a:r>
+            <a:r>
+              <a:rPr lang="sr-Cyrl-RS" sz="2200" dirty="0" smtClean="0">
+                <a:latin typeface="Garamond" panose="02020404030301010803" pitchFamily="18" charset="0"/>
+              </a:rPr>
+              <a:t/>
+            </a:r>
+            <a:br>
+              <a:rPr lang="sr-Cyrl-RS" sz="2200" dirty="0" smtClean="0">
+                <a:latin typeface="Garamond" panose="02020404030301010803" pitchFamily="18" charset="0"/>
+              </a:rPr>
+            </a:br>
+            <a:r>
+              <a:rPr lang="sr-Cyrl-RS" sz="2200" dirty="0" smtClean="0">
+                <a:latin typeface="Garamond" panose="02020404030301010803" pitchFamily="18" charset="0"/>
+              </a:rPr>
+              <a:t>Метод враћа </a:t>
+            </a:r>
+            <a:r>
+              <a:rPr lang="sr-Cyrl-RS" sz="2200" dirty="0" smtClean="0">
+                <a:latin typeface="Garamond" panose="02020404030301010803" pitchFamily="18" charset="0"/>
+              </a:rPr>
+              <a:t>подниску дате ниске </a:t>
+            </a:r>
+            <a:r>
+              <a:rPr lang="sr-Cyrl-RS" sz="2200" dirty="0" smtClean="0">
+                <a:latin typeface="Garamond" panose="02020404030301010803" pitchFamily="18" charset="0"/>
+              </a:rPr>
+              <a:t>који почиње од (нула базираног) индекса </a:t>
+            </a:r>
+            <a:r>
+              <a:rPr lang="en-US" sz="2000" dirty="0" smtClean="0">
+                <a:latin typeface="+mn-lt"/>
+              </a:rPr>
+              <a:t>start</a:t>
+            </a:r>
+            <a:r>
+              <a:rPr lang="sr-Cyrl-RS" sz="2200" dirty="0" smtClean="0">
+                <a:latin typeface="Garamond" panose="02020404030301010803" pitchFamily="18" charset="0"/>
+              </a:rPr>
+              <a:t> задатог као </a:t>
+            </a:r>
+            <a:r>
+              <a:rPr lang="sr-Cyrl-RS" sz="2200" dirty="0" smtClean="0">
+                <a:latin typeface="Garamond" panose="02020404030301010803" pitchFamily="18" charset="0"/>
+              </a:rPr>
+              <a:t>аргумент</a:t>
+            </a:r>
+          </a:p>
+          <a:p>
+            <a:pPr marL="285750" indent="-285750">
+              <a:lnSpc>
+                <a:spcPct val="80000"/>
+              </a:lnSpc>
+              <a:spcBef>
+                <a:spcPts val="0"/>
+              </a:spcBef>
+              <a:buFont typeface="Arial" panose="020B0604020202020204" pitchFamily="34" charset="0"/>
+              <a:buChar char="•"/>
+              <a:defRPr/>
+            </a:pPr>
+            <a:endParaRPr lang="vi-VN" sz="1000" dirty="0">
+              <a:latin typeface="+mn-lt"/>
+            </a:endParaRPr>
+          </a:p>
+          <a:p>
+            <a:pPr marL="285750" indent="-285750">
+              <a:lnSpc>
+                <a:spcPct val="80000"/>
+              </a:lnSpc>
+              <a:spcBef>
+                <a:spcPts val="0"/>
+              </a:spcBef>
+              <a:buFont typeface="Arial" panose="020B0604020202020204" pitchFamily="34" charset="0"/>
+              <a:buChar char="•"/>
+              <a:defRPr/>
+            </a:pPr>
+            <a:r>
+              <a:rPr lang="vi-VN" sz="2000" dirty="0">
+                <a:latin typeface="+mn-lt"/>
+              </a:rPr>
+              <a:t>String substring(int start, int end) </a:t>
+            </a:r>
+            <a:r>
+              <a:rPr lang="sr-Cyrl-RS" sz="2200" dirty="0" smtClean="0">
+                <a:latin typeface="Garamond" panose="02020404030301010803" pitchFamily="18" charset="0"/>
+              </a:rPr>
+              <a:t/>
+            </a:r>
+            <a:br>
+              <a:rPr lang="sr-Cyrl-RS" sz="2200" dirty="0" smtClean="0">
+                <a:latin typeface="Garamond" panose="02020404030301010803" pitchFamily="18" charset="0"/>
+              </a:rPr>
+            </a:br>
+            <a:r>
+              <a:rPr lang="ru-RU" sz="2200" dirty="0">
+                <a:latin typeface="Garamond" panose="02020404030301010803" pitchFamily="18" charset="0"/>
+              </a:rPr>
+              <a:t>Метод враћа подстринг датог стринга који почиње од (нула базираног) индекса </a:t>
+            </a:r>
+            <a:r>
+              <a:rPr lang="ru-RU" sz="2000" dirty="0" smtClean="0">
+                <a:latin typeface="+mn-lt"/>
+              </a:rPr>
+              <a:t>start</a:t>
+            </a:r>
+            <a:r>
+              <a:rPr lang="vi-VN" sz="2200" dirty="0" smtClean="0">
+                <a:latin typeface="+mn-lt"/>
+              </a:rPr>
+              <a:t>, </a:t>
+            </a:r>
+            <a:r>
+              <a:rPr lang="vi-VN" sz="2200" dirty="0">
+                <a:latin typeface="Garamond" panose="02020404030301010803" pitchFamily="18" charset="0"/>
+              </a:rPr>
+              <a:t>a</a:t>
+            </a:r>
+            <a:r>
+              <a:rPr lang="sr-Cyrl-RS" sz="2200" dirty="0">
+                <a:latin typeface="Garamond" panose="02020404030301010803" pitchFamily="18" charset="0"/>
+              </a:rPr>
+              <a:t> </a:t>
+            </a:r>
+            <a:r>
+              <a:rPr lang="sr-Cyrl-RS" sz="2200" dirty="0" smtClean="0">
+                <a:latin typeface="Garamond" panose="02020404030301010803" pitchFamily="18" charset="0"/>
+              </a:rPr>
+              <a:t>завршава са индексом </a:t>
+            </a:r>
+            <a:r>
+              <a:rPr lang="vi-VN" sz="2000" dirty="0" smtClean="0">
+                <a:latin typeface="+mn-lt"/>
+              </a:rPr>
+              <a:t>end-1</a:t>
+            </a:r>
+            <a:endParaRPr lang="sr-Cyrl-RS" sz="2000" dirty="0" smtClean="0">
+              <a:latin typeface="+mn-lt"/>
+            </a:endParaRPr>
+          </a:p>
+          <a:p>
+            <a:pPr marL="285750" indent="-285750">
+              <a:lnSpc>
+                <a:spcPct val="80000"/>
+              </a:lnSpc>
+              <a:spcBef>
+                <a:spcPts val="0"/>
+              </a:spcBef>
+              <a:buFont typeface="Arial" panose="020B0604020202020204" pitchFamily="34" charset="0"/>
+              <a:buChar char="•"/>
+              <a:defRPr/>
+            </a:pPr>
+            <a:endParaRPr lang="vi-VN" sz="1000" dirty="0">
+              <a:latin typeface="+mn-lt"/>
+            </a:endParaRPr>
+          </a:p>
+          <a:p>
+            <a:pPr marL="285750" indent="-285750">
+              <a:lnSpc>
+                <a:spcPct val="80000"/>
+              </a:lnSpc>
+              <a:spcBef>
+                <a:spcPts val="0"/>
+              </a:spcBef>
+              <a:buFont typeface="Arial" panose="020B0604020202020204" pitchFamily="34" charset="0"/>
+              <a:buChar char="•"/>
+              <a:defRPr/>
+            </a:pPr>
+            <a:r>
+              <a:rPr lang="vi-VN" sz="2000" dirty="0" smtClean="0">
+                <a:latin typeface="+mn-lt"/>
+              </a:rPr>
+              <a:t>String </a:t>
+            </a:r>
+            <a:r>
+              <a:rPr lang="vi-VN" sz="2000" dirty="0">
+                <a:latin typeface="+mn-lt"/>
+              </a:rPr>
+              <a:t>replace(char, char) </a:t>
+            </a:r>
+            <a:r>
+              <a:rPr lang="sr-Cyrl-RS" sz="2000" dirty="0" smtClean="0">
+                <a:latin typeface="+mn-lt"/>
+              </a:rPr>
+              <a:t/>
+            </a:r>
+            <a:br>
+              <a:rPr lang="sr-Cyrl-RS" sz="2000" dirty="0" smtClean="0">
+                <a:latin typeface="+mn-lt"/>
+              </a:rPr>
+            </a:br>
+            <a:r>
+              <a:rPr lang="sr-Cyrl-RS" sz="2200" dirty="0" smtClean="0">
+                <a:latin typeface="Garamond" panose="02020404030301010803" pitchFamily="18" charset="0"/>
+              </a:rPr>
+              <a:t>Метод </a:t>
+            </a:r>
+            <a:r>
+              <a:rPr lang="sr-Cyrl-RS" sz="2200" dirty="0" smtClean="0">
+                <a:latin typeface="Garamond" panose="02020404030301010803" pitchFamily="18" charset="0"/>
+              </a:rPr>
+              <a:t>као резултат враће нову ниску, у којој ће свака </a:t>
+            </a:r>
+            <a:r>
+              <a:rPr lang="sr-Cyrl-RS" sz="2200" dirty="0" smtClean="0">
+                <a:latin typeface="Garamond" panose="02020404030301010803" pitchFamily="18" charset="0"/>
+              </a:rPr>
+              <a:t>појаву првог </a:t>
+            </a:r>
+            <a:r>
+              <a:rPr lang="sr-Cyrl-RS" sz="2200" dirty="0" smtClean="0">
+                <a:latin typeface="Garamond" panose="02020404030301010803" pitchFamily="18" charset="0"/>
+              </a:rPr>
+              <a:t>знака бити замењена </a:t>
+            </a:r>
+            <a:r>
+              <a:rPr lang="sr-Cyrl-RS" sz="2200" dirty="0" smtClean="0">
+                <a:latin typeface="Garamond" panose="02020404030301010803" pitchFamily="18" charset="0"/>
+              </a:rPr>
+              <a:t>другим </a:t>
+            </a:r>
+            <a:r>
+              <a:rPr lang="sr-Cyrl-RS" sz="2200" dirty="0" smtClean="0">
+                <a:latin typeface="Garamond" panose="02020404030301010803" pitchFamily="18" charset="0"/>
+              </a:rPr>
+              <a:t>знаком</a:t>
+            </a:r>
+            <a:r>
+              <a:rPr lang="vi-VN" sz="2200" dirty="0" smtClean="0">
+                <a:latin typeface="+mn-lt"/>
+              </a:rPr>
+              <a:t>.</a:t>
+            </a:r>
+            <a:endParaRPr lang="sr-Cyrl-RS" sz="2200" dirty="0" smtClean="0">
+              <a:latin typeface="+mn-lt"/>
+            </a:endParaRPr>
+          </a:p>
+          <a:p>
+            <a:pPr marL="285750" indent="-285750">
+              <a:lnSpc>
+                <a:spcPct val="80000"/>
+              </a:lnSpc>
+              <a:spcBef>
+                <a:spcPts val="0"/>
+              </a:spcBef>
+              <a:buFont typeface="Arial" panose="020B0604020202020204" pitchFamily="34" charset="0"/>
+              <a:buChar char="•"/>
+              <a:defRPr/>
+            </a:pPr>
+            <a:endParaRPr lang="vi-VN" sz="1000" dirty="0">
+              <a:latin typeface="+mn-lt"/>
+            </a:endParaRPr>
+          </a:p>
+          <a:p>
+            <a:pPr marL="285750" indent="-285750">
+              <a:lnSpc>
+                <a:spcPct val="80000"/>
+              </a:lnSpc>
+              <a:spcBef>
+                <a:spcPts val="0"/>
+              </a:spcBef>
+              <a:buFont typeface="Arial" panose="020B0604020202020204" pitchFamily="34" charset="0"/>
+              <a:buChar char="•"/>
+              <a:defRPr/>
+            </a:pPr>
+            <a:r>
+              <a:rPr lang="vi-VN" sz="2000" dirty="0">
+                <a:latin typeface="+mn-lt"/>
+              </a:rPr>
+              <a:t>String trim</a:t>
+            </a:r>
+            <a:r>
+              <a:rPr lang="vi-VN" sz="2000" dirty="0" smtClean="0">
+                <a:latin typeface="+mn-lt"/>
+              </a:rPr>
+              <a:t>()</a:t>
+            </a:r>
+            <a:r>
+              <a:rPr lang="sr-Cyrl-RS" sz="2000" dirty="0" smtClean="0">
+                <a:latin typeface="+mn-lt"/>
+              </a:rPr>
+              <a:t/>
+            </a:r>
+            <a:br>
+              <a:rPr lang="sr-Cyrl-RS" sz="2000" dirty="0" smtClean="0">
+                <a:latin typeface="+mn-lt"/>
+              </a:rPr>
+            </a:br>
+            <a:r>
+              <a:rPr lang="sr-Cyrl-RS" sz="2200" dirty="0" smtClean="0">
+                <a:latin typeface="Garamond" panose="02020404030301010803" pitchFamily="18" charset="0"/>
+              </a:rPr>
+              <a:t>Метод </a:t>
+            </a:r>
+            <a:r>
+              <a:rPr lang="sr-Cyrl-RS" sz="2200" dirty="0">
+                <a:latin typeface="Garamond" panose="02020404030301010803" pitchFamily="18" charset="0"/>
+              </a:rPr>
+              <a:t>као резултат враћа </a:t>
+            </a:r>
+            <a:r>
+              <a:rPr lang="sr-Cyrl-RS" sz="2200" dirty="0" smtClean="0">
+                <a:latin typeface="Garamond" panose="02020404030301010803" pitchFamily="18" charset="0"/>
+              </a:rPr>
+              <a:t>нову ниску у којој су избрисане </a:t>
+            </a:r>
+            <a:r>
+              <a:rPr lang="sr-Cyrl-RS" sz="2200" dirty="0" smtClean="0">
+                <a:latin typeface="Garamond" panose="02020404030301010803" pitchFamily="18" charset="0"/>
+              </a:rPr>
+              <a:t>белине са почетка/краја </a:t>
+            </a:r>
+            <a:r>
+              <a:rPr lang="sr-Cyrl-RS" sz="2200" dirty="0" smtClean="0">
+                <a:latin typeface="Garamond" panose="02020404030301010803" pitchFamily="18" charset="0"/>
+              </a:rPr>
+              <a:t>ниске</a:t>
+            </a:r>
+            <a:r>
+              <a:rPr lang="vi-VN" sz="2200" dirty="0" smtClean="0">
+                <a:latin typeface="+mn-lt"/>
+              </a:rPr>
+              <a:t>.</a:t>
+            </a:r>
+            <a:endParaRPr lang="sr-Cyrl-RS" sz="2200" dirty="0" smtClean="0">
+              <a:latin typeface="+mn-lt"/>
+            </a:endParaRPr>
+          </a:p>
+          <a:p>
+            <a:pPr marL="285750" indent="-285750">
+              <a:lnSpc>
+                <a:spcPct val="80000"/>
+              </a:lnSpc>
+              <a:spcBef>
+                <a:spcPts val="0"/>
+              </a:spcBef>
+              <a:buFont typeface="Arial" panose="020B0604020202020204" pitchFamily="34" charset="0"/>
+              <a:buChar char="•"/>
+              <a:defRPr/>
+            </a:pPr>
+            <a:endParaRPr lang="en-US" sz="1000" dirty="0" smtClean="0">
+              <a:latin typeface="Garamond" panose="02020404030301010803" pitchFamily="18" charset="0"/>
+            </a:endParaRPr>
+          </a:p>
+          <a:p>
+            <a:pPr marL="285750" indent="-285750">
+              <a:lnSpc>
+                <a:spcPct val="80000"/>
+              </a:lnSpc>
+              <a:spcBef>
+                <a:spcPts val="0"/>
+              </a:spcBef>
+              <a:buFont typeface="Arial" panose="020B0604020202020204" pitchFamily="34" charset="0"/>
+              <a:buChar char="•"/>
+              <a:defRPr/>
+            </a:pPr>
+            <a:r>
+              <a:rPr lang="sr-Latn-CS" sz="2000" dirty="0" smtClean="0">
+                <a:latin typeface="+mn-lt"/>
+              </a:rPr>
+              <a:t>char</a:t>
+            </a:r>
+            <a:r>
+              <a:rPr lang="sr-Latn-CS" sz="2000" dirty="0">
+                <a:latin typeface="+mn-lt"/>
+              </a:rPr>
+              <a:t>[] </a:t>
+            </a:r>
+            <a:r>
+              <a:rPr lang="sr-Latn-CS" sz="2000" dirty="0" smtClean="0">
+                <a:latin typeface="+mn-lt"/>
+              </a:rPr>
+              <a:t>toCharArray()</a:t>
+            </a:r>
+            <a:r>
+              <a:rPr lang="sr-Cyrl-RS" sz="2200" dirty="0" smtClean="0">
+                <a:latin typeface="Garamond" panose="02020404030301010803" pitchFamily="18" charset="0"/>
+              </a:rPr>
+              <a:t/>
+            </a:r>
+            <a:br>
+              <a:rPr lang="sr-Cyrl-RS" sz="2200" dirty="0" smtClean="0">
+                <a:latin typeface="Garamond" panose="02020404030301010803" pitchFamily="18" charset="0"/>
+              </a:rPr>
+            </a:br>
+            <a:r>
+              <a:rPr lang="sr-Cyrl-RS" sz="2200" dirty="0" smtClean="0">
+                <a:latin typeface="Garamond" panose="02020404030301010803" pitchFamily="18" charset="0"/>
+              </a:rPr>
+              <a:t>Метод прави низ знакова на основу садржаја датог </a:t>
+            </a:r>
+            <a:r>
+              <a:rPr lang="sr-Latn-CS" sz="2000" dirty="0" smtClean="0">
+                <a:latin typeface="+mn-lt"/>
+              </a:rPr>
+              <a:t>String</a:t>
+            </a:r>
+            <a:r>
+              <a:rPr lang="sr-Latn-CS" sz="2200" dirty="0" smtClean="0">
+                <a:latin typeface="Garamond" panose="02020404030301010803" pitchFamily="18" charset="0"/>
+              </a:rPr>
+              <a:t> </a:t>
+            </a:r>
+            <a:r>
+              <a:rPr lang="sr-Cyrl-RS" sz="2200" dirty="0" smtClean="0">
+                <a:latin typeface="Garamond" panose="02020404030301010803" pitchFamily="18" charset="0"/>
+              </a:rPr>
+              <a:t>објекта</a:t>
+            </a:r>
+          </a:p>
+          <a:p>
+            <a:pPr marL="285750" indent="-285750">
+              <a:lnSpc>
+                <a:spcPct val="80000"/>
+              </a:lnSpc>
+              <a:spcBef>
+                <a:spcPts val="0"/>
+              </a:spcBef>
+              <a:buFont typeface="Arial" panose="020B0604020202020204" pitchFamily="34" charset="0"/>
+              <a:buChar char="•"/>
+              <a:defRPr/>
+            </a:pPr>
+            <a:endParaRPr lang="sr-Latn-CS" sz="1000" dirty="0">
+              <a:latin typeface="+mn-lt"/>
+            </a:endParaRPr>
+          </a:p>
+          <a:p>
+            <a:pPr marL="285750" indent="-285750">
+              <a:lnSpc>
+                <a:spcPct val="80000"/>
+              </a:lnSpc>
+              <a:spcBef>
+                <a:spcPts val="0"/>
+              </a:spcBef>
+              <a:buFont typeface="Arial" panose="020B0604020202020204" pitchFamily="34" charset="0"/>
+              <a:buChar char="•"/>
+              <a:defRPr/>
+            </a:pPr>
+            <a:r>
+              <a:rPr lang="sr-Latn-CS" sz="2000" dirty="0" err="1">
+                <a:latin typeface="+mj-lt"/>
+              </a:rPr>
+              <a:t>String.copyValueOf</a:t>
+            </a:r>
+            <a:r>
+              <a:rPr lang="sr-Latn-CS" sz="2000" dirty="0">
+                <a:latin typeface="+mj-lt"/>
+              </a:rPr>
+              <a:t>(</a:t>
+            </a:r>
+            <a:r>
+              <a:rPr lang="sr-Latn-CS" sz="2000" dirty="0" err="1">
+                <a:latin typeface="+mj-lt"/>
+              </a:rPr>
+              <a:t>char</a:t>
+            </a:r>
+            <a:r>
+              <a:rPr lang="sr-Latn-CS" sz="2000" dirty="0" smtClean="0">
+                <a:latin typeface="+mj-lt"/>
+              </a:rPr>
+              <a:t>[])</a:t>
+            </a:r>
+            <a:r>
+              <a:rPr lang="sr-Cyrl-RS" sz="2200" dirty="0">
+                <a:latin typeface="Garamond" panose="02020404030301010803" pitchFamily="18" charset="0"/>
+              </a:rPr>
+              <a:t/>
+            </a:r>
+            <a:br>
+              <a:rPr lang="sr-Cyrl-RS" sz="2200" dirty="0">
+                <a:latin typeface="Garamond" panose="02020404030301010803" pitchFamily="18" charset="0"/>
+              </a:rPr>
+            </a:br>
+            <a:r>
+              <a:rPr lang="sr-Cyrl-RS" sz="2200" dirty="0" smtClean="0">
+                <a:latin typeface="Garamond" panose="02020404030301010803" pitchFamily="18" charset="0"/>
+              </a:rPr>
+              <a:t>Статички метод креира </a:t>
+            </a:r>
+            <a:r>
+              <a:rPr lang="en-US" sz="2000" dirty="0" smtClean="0">
+                <a:latin typeface="+mn-lt"/>
+              </a:rPr>
+              <a:t>String</a:t>
+            </a:r>
+            <a:r>
+              <a:rPr lang="en-US" sz="2200" dirty="0" smtClean="0">
+                <a:latin typeface="Garamond" panose="02020404030301010803" pitchFamily="18" charset="0"/>
+              </a:rPr>
+              <a:t> </a:t>
+            </a:r>
+            <a:r>
+              <a:rPr lang="sr-Cyrl-RS" sz="2200" dirty="0" smtClean="0">
+                <a:latin typeface="Garamond" panose="02020404030301010803" pitchFamily="18" charset="0"/>
+              </a:rPr>
+              <a:t>објект на основу низа знакова који су прослеђени као аргумент</a:t>
+            </a:r>
+            <a:r>
+              <a:rPr lang="sr-Cyrl-RS" sz="2200" dirty="0" smtClean="0">
+                <a:latin typeface="Garamond" panose="02020404030301010803" pitchFamily="18" charset="0"/>
+              </a:rPr>
+              <a:t>.</a:t>
+            </a:r>
+            <a:endParaRPr lang="sr-Latn-CS" sz="2200" dirty="0">
+              <a:latin typeface="Garamond" panose="02020404030301010803" pitchFamily="18" charset="0"/>
+            </a:endParaRPr>
+          </a:p>
+        </p:txBody>
+      </p:sp>
+      <p:sp>
+        <p:nvSpPr>
+          <p:cNvPr id="5" name="Title 1"/>
+          <p:cNvSpPr txBox="1">
+            <a:spLocks/>
+          </p:cNvSpPr>
+          <p:nvPr/>
+        </p:nvSpPr>
+        <p:spPr>
+          <a:xfrm>
+            <a:off x="1371600" y="549275"/>
+            <a:ext cx="7772400" cy="868363"/>
+          </a:xfrm>
+          <a:prstGeom prst="rect">
+            <a:avLst/>
+          </a:prstGeom>
+        </p:spPr>
+        <p:txBody>
+          <a:bodyPr/>
+          <a:lstStyle>
+            <a:lvl1pPr algn="l" rtl="0" eaLnBrk="0" fontAlgn="base" hangingPunct="0">
+              <a:spcBef>
+                <a:spcPct val="0"/>
+              </a:spcBef>
+              <a:spcAft>
+                <a:spcPct val="0"/>
+              </a:spcAft>
+              <a:defRPr sz="3800">
+                <a:solidFill>
+                  <a:schemeClr val="tx2"/>
+                </a:solidFill>
+                <a:latin typeface="+mj-lt"/>
+                <a:ea typeface="+mj-ea"/>
+                <a:cs typeface="+mj-cs"/>
+              </a:defRPr>
+            </a:lvl1pPr>
+            <a:lvl2pPr algn="l" rtl="0" eaLnBrk="0" fontAlgn="base" hangingPunct="0">
+              <a:spcBef>
+                <a:spcPct val="0"/>
+              </a:spcBef>
+              <a:spcAft>
+                <a:spcPct val="0"/>
+              </a:spcAft>
+              <a:defRPr sz="3800">
+                <a:solidFill>
+                  <a:schemeClr val="tx2"/>
+                </a:solidFill>
+                <a:latin typeface="Arial" charset="0"/>
+              </a:defRPr>
+            </a:lvl2pPr>
+            <a:lvl3pPr algn="l" rtl="0" eaLnBrk="0" fontAlgn="base" hangingPunct="0">
+              <a:spcBef>
+                <a:spcPct val="0"/>
+              </a:spcBef>
+              <a:spcAft>
+                <a:spcPct val="0"/>
+              </a:spcAft>
+              <a:defRPr sz="3800">
+                <a:solidFill>
+                  <a:schemeClr val="tx2"/>
+                </a:solidFill>
+                <a:latin typeface="Arial" charset="0"/>
+              </a:defRPr>
+            </a:lvl3pPr>
+            <a:lvl4pPr algn="l" rtl="0" eaLnBrk="0" fontAlgn="base" hangingPunct="0">
+              <a:spcBef>
+                <a:spcPct val="0"/>
+              </a:spcBef>
+              <a:spcAft>
+                <a:spcPct val="0"/>
+              </a:spcAft>
+              <a:defRPr sz="3800">
+                <a:solidFill>
+                  <a:schemeClr val="tx2"/>
+                </a:solidFill>
+                <a:latin typeface="Arial" charset="0"/>
+              </a:defRPr>
+            </a:lvl4pPr>
+            <a:lvl5pPr algn="l" rtl="0" eaLnBrk="0" fontAlgn="base" hangingPunct="0">
+              <a:spcBef>
+                <a:spcPct val="0"/>
+              </a:spcBef>
+              <a:spcAft>
+                <a:spcPct val="0"/>
+              </a:spcAft>
+              <a:defRPr sz="3800">
+                <a:solidFill>
+                  <a:schemeClr val="tx2"/>
+                </a:solidFill>
+                <a:latin typeface="Arial" charset="0"/>
+              </a:defRPr>
+            </a:lvl5pPr>
+            <a:lvl6pPr marL="457200" algn="l" rtl="0" fontAlgn="base">
+              <a:spcBef>
+                <a:spcPct val="0"/>
+              </a:spcBef>
+              <a:spcAft>
+                <a:spcPct val="0"/>
+              </a:spcAft>
+              <a:defRPr sz="3800">
+                <a:solidFill>
+                  <a:schemeClr val="tx2"/>
+                </a:solidFill>
+                <a:latin typeface="Arial" charset="0"/>
+              </a:defRPr>
+            </a:lvl6pPr>
+            <a:lvl7pPr marL="914400" algn="l" rtl="0" fontAlgn="base">
+              <a:spcBef>
+                <a:spcPct val="0"/>
+              </a:spcBef>
+              <a:spcAft>
+                <a:spcPct val="0"/>
+              </a:spcAft>
+              <a:defRPr sz="3800">
+                <a:solidFill>
+                  <a:schemeClr val="tx2"/>
+                </a:solidFill>
+                <a:latin typeface="Arial" charset="0"/>
+              </a:defRPr>
+            </a:lvl7pPr>
+            <a:lvl8pPr marL="1371600" algn="l" rtl="0" fontAlgn="base">
+              <a:spcBef>
+                <a:spcPct val="0"/>
+              </a:spcBef>
+              <a:spcAft>
+                <a:spcPct val="0"/>
+              </a:spcAft>
+              <a:defRPr sz="3800">
+                <a:solidFill>
+                  <a:schemeClr val="tx2"/>
+                </a:solidFill>
+                <a:latin typeface="Arial" charset="0"/>
+              </a:defRPr>
+            </a:lvl8pPr>
+            <a:lvl9pPr marL="1828800" algn="l" rtl="0" fontAlgn="base">
+              <a:spcBef>
+                <a:spcPct val="0"/>
+              </a:spcBef>
+              <a:spcAft>
+                <a:spcPct val="0"/>
+              </a:spcAft>
+              <a:defRPr sz="3800">
+                <a:solidFill>
+                  <a:schemeClr val="tx2"/>
+                </a:solidFill>
+                <a:latin typeface="Arial" charset="0"/>
+              </a:defRPr>
+            </a:lvl9pPr>
+          </a:lstStyle>
+          <a:p>
+            <a:pPr>
+              <a:defRPr/>
+            </a:pPr>
+            <a:r>
+              <a:rPr lang="sr-Cyrl-RS" sz="3600" b="1" kern="0" dirty="0">
+                <a:solidFill>
+                  <a:srgbClr val="0070C0"/>
+                </a:solidFill>
+              </a:rPr>
+              <a:t>Класа </a:t>
+            </a:r>
+            <a:r>
+              <a:rPr lang="en-US" sz="3600" b="1" kern="0" dirty="0" smtClean="0">
+                <a:solidFill>
+                  <a:srgbClr val="0070C0"/>
+                </a:solidFill>
+              </a:rPr>
+              <a:t>String</a:t>
+            </a:r>
+            <a:r>
+              <a:rPr lang="sr-Cyrl-RS" sz="3600" b="1" kern="0" dirty="0" smtClean="0">
+                <a:solidFill>
+                  <a:srgbClr val="0070C0"/>
+                </a:solidFill>
+              </a:rPr>
+              <a:t> (5)</a:t>
+            </a:r>
+            <a:endParaRPr lang="en-US" sz="3600" b="1" kern="0" dirty="0">
+              <a:solidFill>
+                <a:srgbClr val="0070C0"/>
+              </a:solidFill>
+            </a:endParaRPr>
+          </a:p>
+        </p:txBody>
+      </p:sp>
+    </p:spTree>
+    <p:extLst>
+      <p:ext uri="{BB962C8B-B14F-4D97-AF65-F5344CB8AC3E}">
+        <p14:creationId xmlns:p14="http://schemas.microsoft.com/office/powerpoint/2010/main" val="388555833"/>
+      </p:ext>
+    </p:extLst>
+  </p:cSld>
+  <p:clrMapOvr>
+    <a:masterClrMapping/>
+  </p:clrMapOvr>
+  <p:timing>
+    <p:tnLst>
+      <p:par>
+        <p:cTn id="1" dur="indefinite" restart="never" nodeType="tmRoot">
+          <p:childTnLst>
+            <p:seq concurrent="1" nextAc="seek">
+              <p:cTn id="2" dur="indefinite" nodeType="mainSeq">
+                <p:childTnLst>
+                  <p:par>
+                    <p:cTn id="3" fill="hold" nodeType="clickPar">
+                      <p:stCondLst>
+                        <p:cond delay="indefinite"/>
+                      </p:stCondLst>
+                      <p:childTnLst>
+                        <p:par>
+                          <p:cTn id="4" fill="hold" nodeType="withGroup">
+                            <p:stCondLst>
+                              <p:cond delay="0"/>
+                            </p:stCondLst>
+                            <p:childTnLst>
+                              <p:par>
+                                <p:cTn id="5" presetID="3" presetClass="entr" presetSubtype="10" fill="hold" nodeType="clickEffect">
+                                  <p:stCondLst>
+                                    <p:cond delay="0"/>
+                                  </p:stCondLst>
+                                  <p:childTnLst>
+                                    <p:set>
+                                      <p:cBhvr>
+                                        <p:cTn id="6" dur="1" fill="hold">
+                                          <p:stCondLst>
+                                            <p:cond delay="0"/>
+                                          </p:stCondLst>
+                                        </p:cTn>
+                                        <p:tgtEl>
+                                          <p:spTgt spid="54274">
+                                            <p:txEl>
+                                              <p:pRg st="0" end="0"/>
+                                            </p:txEl>
+                                          </p:spTgt>
+                                        </p:tgtEl>
+                                        <p:attrNameLst>
+                                          <p:attrName>style.visibility</p:attrName>
+                                        </p:attrNameLst>
+                                      </p:cBhvr>
+                                      <p:to>
+                                        <p:strVal val="visible"/>
+                                      </p:to>
+                                    </p:set>
+                                    <p:animEffect transition="in" filter="blinds(horizontal)">
+                                      <p:cBhvr>
+                                        <p:cTn id="7" dur="500"/>
+                                        <p:tgtEl>
+                                          <p:spTgt spid="54274">
+                                            <p:txEl>
+                                              <p:pRg st="0" end="0"/>
+                                            </p:txEl>
+                                          </p:spTgt>
+                                        </p:tgtEl>
+                                      </p:cBhvr>
+                                    </p:animEffect>
+                                  </p:childTnLst>
+                                </p:cTn>
+                              </p:par>
+                              <p:par>
+                                <p:cTn id="8" presetID="10" presetClass="entr" presetSubtype="0" fill="hold" nodeType="withEffect">
+                                  <p:stCondLst>
+                                    <p:cond delay="0"/>
+                                  </p:stCondLst>
+                                  <p:childTnLst>
+                                    <p:set>
+                                      <p:cBhvr>
+                                        <p:cTn id="9" dur="1" fill="hold">
+                                          <p:stCondLst>
+                                            <p:cond delay="0"/>
+                                          </p:stCondLst>
+                                        </p:cTn>
+                                        <p:tgtEl>
+                                          <p:spTgt spid="54274">
+                                            <p:txEl>
+                                              <p:pRg st="2" end="2"/>
+                                            </p:txEl>
+                                          </p:spTgt>
+                                        </p:tgtEl>
+                                        <p:attrNameLst>
+                                          <p:attrName>style.visibility</p:attrName>
+                                        </p:attrNameLst>
+                                      </p:cBhvr>
+                                      <p:to>
+                                        <p:strVal val="visible"/>
+                                      </p:to>
+                                    </p:set>
+                                    <p:animEffect transition="in" filter="fade">
+                                      <p:cBhvr>
+                                        <p:cTn id="10" dur="500"/>
+                                        <p:tgtEl>
+                                          <p:spTgt spid="54274">
+                                            <p:txEl>
+                                              <p:pRg st="2" end="2"/>
+                                            </p:txEl>
+                                          </p:spTgt>
+                                        </p:tgtEl>
+                                      </p:cBhvr>
+                                    </p:animEffect>
+                                  </p:childTnLst>
+                                </p:cTn>
+                              </p:par>
+                              <p:par>
+                                <p:cTn id="11" presetID="10" presetClass="entr" presetSubtype="0" fill="hold" nodeType="withEffect">
+                                  <p:stCondLst>
+                                    <p:cond delay="0"/>
+                                  </p:stCondLst>
+                                  <p:childTnLst>
+                                    <p:set>
+                                      <p:cBhvr>
+                                        <p:cTn id="12" dur="1" fill="hold">
+                                          <p:stCondLst>
+                                            <p:cond delay="0"/>
+                                          </p:stCondLst>
+                                        </p:cTn>
+                                        <p:tgtEl>
+                                          <p:spTgt spid="54274">
+                                            <p:txEl>
+                                              <p:pRg st="4" end="4"/>
+                                            </p:txEl>
+                                          </p:spTgt>
+                                        </p:tgtEl>
+                                        <p:attrNameLst>
+                                          <p:attrName>style.visibility</p:attrName>
+                                        </p:attrNameLst>
+                                      </p:cBhvr>
+                                      <p:to>
+                                        <p:strVal val="visible"/>
+                                      </p:to>
+                                    </p:set>
+                                    <p:animEffect transition="in" filter="fade">
+                                      <p:cBhvr>
+                                        <p:cTn id="13" dur="500"/>
+                                        <p:tgtEl>
+                                          <p:spTgt spid="54274">
+                                            <p:txEl>
+                                              <p:pRg st="4" end="4"/>
+                                            </p:txEl>
+                                          </p:spTgt>
+                                        </p:tgtEl>
+                                      </p:cBhvr>
+                                    </p:animEffect>
+                                  </p:childTnLst>
+                                </p:cTn>
+                              </p:par>
+                              <p:par>
+                                <p:cTn id="14" presetID="10" presetClass="entr" presetSubtype="0" fill="hold" nodeType="withEffect">
+                                  <p:stCondLst>
+                                    <p:cond delay="0"/>
+                                  </p:stCondLst>
+                                  <p:childTnLst>
+                                    <p:set>
+                                      <p:cBhvr>
+                                        <p:cTn id="15" dur="1" fill="hold">
+                                          <p:stCondLst>
+                                            <p:cond delay="0"/>
+                                          </p:stCondLst>
+                                        </p:cTn>
+                                        <p:tgtEl>
+                                          <p:spTgt spid="54274">
+                                            <p:txEl>
+                                              <p:pRg st="6" end="6"/>
+                                            </p:txEl>
+                                          </p:spTgt>
+                                        </p:tgtEl>
+                                        <p:attrNameLst>
+                                          <p:attrName>style.visibility</p:attrName>
+                                        </p:attrNameLst>
+                                      </p:cBhvr>
+                                      <p:to>
+                                        <p:strVal val="visible"/>
+                                      </p:to>
+                                    </p:set>
+                                    <p:animEffect transition="in" filter="fade">
+                                      <p:cBhvr>
+                                        <p:cTn id="16" dur="500"/>
+                                        <p:tgtEl>
+                                          <p:spTgt spid="54274">
+                                            <p:txEl>
+                                              <p:pRg st="6" end="6"/>
+                                            </p:txEl>
+                                          </p:spTgt>
+                                        </p:tgtEl>
+                                      </p:cBhvr>
+                                    </p:animEffect>
+                                  </p:childTnLst>
+                                </p:cTn>
+                              </p:par>
+                              <p:par>
+                                <p:cTn id="17" presetID="10" presetClass="entr" presetSubtype="0" fill="hold" nodeType="withEffect">
+                                  <p:stCondLst>
+                                    <p:cond delay="0"/>
+                                  </p:stCondLst>
+                                  <p:childTnLst>
+                                    <p:set>
+                                      <p:cBhvr>
+                                        <p:cTn id="18" dur="1" fill="hold">
+                                          <p:stCondLst>
+                                            <p:cond delay="0"/>
+                                          </p:stCondLst>
+                                        </p:cTn>
+                                        <p:tgtEl>
+                                          <p:spTgt spid="54274">
+                                            <p:txEl>
+                                              <p:pRg st="8" end="8"/>
+                                            </p:txEl>
+                                          </p:spTgt>
+                                        </p:tgtEl>
+                                        <p:attrNameLst>
+                                          <p:attrName>style.visibility</p:attrName>
+                                        </p:attrNameLst>
+                                      </p:cBhvr>
+                                      <p:to>
+                                        <p:strVal val="visible"/>
+                                      </p:to>
+                                    </p:set>
+                                    <p:animEffect transition="in" filter="fade">
+                                      <p:cBhvr>
+                                        <p:cTn id="19" dur="500"/>
+                                        <p:tgtEl>
+                                          <p:spTgt spid="54274">
+                                            <p:txEl>
+                                              <p:pRg st="8" end="8"/>
+                                            </p:txEl>
+                                          </p:spTgt>
+                                        </p:tgtEl>
+                                      </p:cBhvr>
+                                    </p:animEffect>
+                                  </p:childTnLst>
+                                </p:cTn>
+                              </p:par>
+                              <p:par>
+                                <p:cTn id="20" presetID="10" presetClass="entr" presetSubtype="0" fill="hold" nodeType="withEffect">
+                                  <p:stCondLst>
+                                    <p:cond delay="0"/>
+                                  </p:stCondLst>
+                                  <p:childTnLst>
+                                    <p:set>
+                                      <p:cBhvr>
+                                        <p:cTn id="21" dur="1" fill="hold">
+                                          <p:stCondLst>
+                                            <p:cond delay="0"/>
+                                          </p:stCondLst>
+                                        </p:cTn>
+                                        <p:tgtEl>
+                                          <p:spTgt spid="54274">
+                                            <p:txEl>
+                                              <p:pRg st="10" end="10"/>
+                                            </p:txEl>
+                                          </p:spTgt>
+                                        </p:tgtEl>
+                                        <p:attrNameLst>
+                                          <p:attrName>style.visibility</p:attrName>
+                                        </p:attrNameLst>
+                                      </p:cBhvr>
+                                      <p:to>
+                                        <p:strVal val="visible"/>
+                                      </p:to>
+                                    </p:set>
+                                    <p:animEffect transition="in" filter="fade">
+                                      <p:cBhvr>
+                                        <p:cTn id="22" dur="500"/>
+                                        <p:tgtEl>
+                                          <p:spTgt spid="54274">
+                                            <p:txEl>
+                                              <p:pRg st="10" end="10"/>
+                                            </p:txEl>
+                                          </p:spTgt>
+                                        </p:tgtEl>
+                                      </p:cBhvr>
+                                    </p:animEffect>
+                                  </p:childTnLst>
+                                </p:cTn>
+                              </p:par>
+                              <p:par>
+                                <p:cTn id="23" presetID="10" presetClass="entr" presetSubtype="0" fill="hold" nodeType="withEffect">
+                                  <p:stCondLst>
+                                    <p:cond delay="0"/>
+                                  </p:stCondLst>
+                                  <p:childTnLst>
+                                    <p:set>
+                                      <p:cBhvr>
+                                        <p:cTn id="24" dur="1" fill="hold">
+                                          <p:stCondLst>
+                                            <p:cond delay="0"/>
+                                          </p:stCondLst>
+                                        </p:cTn>
+                                        <p:tgtEl>
+                                          <p:spTgt spid="54274">
+                                            <p:txEl>
+                                              <p:pRg st="12" end="12"/>
+                                            </p:txEl>
+                                          </p:spTgt>
+                                        </p:tgtEl>
+                                        <p:attrNameLst>
+                                          <p:attrName>style.visibility</p:attrName>
+                                        </p:attrNameLst>
+                                      </p:cBhvr>
+                                      <p:to>
+                                        <p:strVal val="visible"/>
+                                      </p:to>
+                                    </p:set>
+                                    <p:animEffect transition="in" filter="fade">
+                                      <p:cBhvr>
+                                        <p:cTn id="25" dur="500"/>
+                                        <p:tgtEl>
+                                          <p:spTgt spid="54274">
+                                            <p:txEl>
+                                              <p:pRg st="12" end="12"/>
+                                            </p:txEl>
+                                          </p:spTgt>
+                                        </p:tgtEl>
+                                      </p:cBhvr>
+                                    </p:animEffect>
+                                  </p:childTnLst>
+                                </p:cTn>
+                              </p:par>
+                            </p:childTnLst>
+                          </p:cTn>
+                        </p:par>
+                      </p:childTnLst>
+                    </p:cTn>
+                  </p:par>
+                </p:childTnLst>
+              </p:cTn>
+              <p:prevCondLst>
+                <p:cond evt="onPrev" delay="0">
+                  <p:tgtEl>
+                    <p:sldTgt/>
+                  </p:tgtEl>
+                </p:cond>
+              </p:prevCondLst>
+              <p:nextCondLst>
+                <p:cond evt="onNext" delay="0">
+                  <p:tgtEl>
+                    <p:sldTgt/>
+                  </p:tgtEl>
+                </p:cond>
+              </p:nextCondLst>
+            </p:seq>
+          </p:childTnLst>
+        </p:cTn>
+      </p:par>
+    </p:tnLst>
+  </p:timing>
+</p:sld>
+</file>
+
+<file path=ppt/slides/slide19.xml><?xml version="1.0" encoding="utf-8"?>
+<p:sld xmlns:a="http://schemas.openxmlformats.org/drawingml/2006/main" xmlns:r="http://schemas.openxmlformats.org/officeDocument/2006/relationships" xmlns:p="http://schemas.openxmlformats.org/presentationml/2006/main">
+  <p:cSld>
+    <p:spTree>
+      <p:nvGrpSpPr>
+        <p:cNvPr id="1" name=""/>
+        <p:cNvGrpSpPr/>
+        <p:nvPr/>
+      </p:nvGrpSpPr>
+      <p:grpSpPr>
+        <a:xfrm>
+          <a:off x="0" y="0"/>
+          <a:ext cx="0" cy="0"/>
+          <a:chOff x="0" y="0"/>
+          <a:chExt cx="0" cy="0"/>
+        </a:xfrm>
+      </p:grpSpPr>
+      <p:sp>
+        <p:nvSpPr>
           <p:cNvPr id="5122" name="Text Box 2"/>
           <p:cNvSpPr txBox="1">
             <a:spLocks noChangeArrowheads="1"/>
@@ -11061,7 +16741,392 @@
 </p:sld>
 </file>
 
-<file path=ppt/slides/slide16.xml><?xml version="1.0" encoding="utf-8"?>
+<file path=ppt/slides/slide2.xml><?xml version="1.0" encoding="utf-8"?>
+<p:sld xmlns:a="http://schemas.openxmlformats.org/drawingml/2006/main" xmlns:r="http://schemas.openxmlformats.org/officeDocument/2006/relationships" xmlns:p="http://schemas.openxmlformats.org/presentationml/2006/main">
+  <p:cSld>
+    <p:spTree>
+      <p:nvGrpSpPr>
+        <p:cNvPr id="1" name=""/>
+        <p:cNvGrpSpPr/>
+        <p:nvPr/>
+      </p:nvGrpSpPr>
+      <p:grpSpPr>
+        <a:xfrm>
+          <a:off x="0" y="0"/>
+          <a:ext cx="0" cy="0"/>
+          <a:chOff x="0" y="0"/>
+          <a:chExt cx="0" cy="0"/>
+        </a:xfrm>
+      </p:grpSpPr>
+      <p:sp>
+        <p:nvSpPr>
+          <p:cNvPr id="4098" name="Rectangle 2"/>
+          <p:cNvSpPr>
+            <a:spLocks noGrp="1" noChangeArrowheads="1"/>
+          </p:cNvSpPr>
+          <p:nvPr>
+            <p:ph type="ctrTitle"/>
+          </p:nvPr>
+        </p:nvSpPr>
+        <p:spPr>
+          <a:xfrm>
+            <a:off x="395288" y="1628775"/>
+            <a:ext cx="8569325" cy="1144588"/>
+          </a:xfrm>
+        </p:spPr>
+        <p:txBody>
+          <a:bodyPr/>
+          <a:lstStyle/>
+          <a:p>
+            <a:pPr eaLnBrk="1" hangingPunct="1"/>
+            <a:r>
+              <a:rPr lang="sr-Cyrl-RS" altLang="en-US" sz="5400" dirty="0" smtClean="0">
+                <a:solidFill>
+                  <a:srgbClr val="3366FF"/>
+                </a:solidFill>
+              </a:rPr>
+              <a:t>Улазна тачка Јава програма</a:t>
+            </a:r>
+            <a:br>
+              <a:rPr lang="sr-Cyrl-RS" altLang="en-US" sz="5400" dirty="0" smtClean="0">
+                <a:solidFill>
+                  <a:srgbClr val="3366FF"/>
+                </a:solidFill>
+              </a:rPr>
+            </a:br>
+            <a:r>
+              <a:rPr lang="sr-Cyrl-RS" altLang="en-US" sz="5400" dirty="0" smtClean="0">
+                <a:solidFill>
+                  <a:srgbClr val="3366FF"/>
+                </a:solidFill>
+              </a:rPr>
+              <a:t>Статичке функције</a:t>
+            </a:r>
+            <a:endParaRPr lang="sr-Latn-CS" altLang="en-US" sz="5400" dirty="0" smtClean="0">
+              <a:solidFill>
+                <a:srgbClr val="3366FF"/>
+              </a:solidFill>
+            </a:endParaRPr>
+          </a:p>
+        </p:txBody>
+      </p:sp>
+      <p:sp>
+        <p:nvSpPr>
+          <p:cNvPr id="5" name="Rectangle 3"/>
+          <p:cNvSpPr txBox="1">
+            <a:spLocks noChangeArrowheads="1"/>
+          </p:cNvSpPr>
+          <p:nvPr/>
+        </p:nvSpPr>
+        <p:spPr bwMode="auto">
+          <a:xfrm>
+            <a:off x="3563888" y="3356992"/>
+            <a:ext cx="5110162" cy="1752600"/>
+          </a:xfrm>
+          <a:prstGeom prst="rect">
+            <a:avLst/>
+          </a:prstGeom>
+          <a:noFill/>
+          <a:ln>
+            <a:noFill/>
+          </a:ln>
+          <a:extLst>
+            <a:ext uri="{909E8E84-426E-40DD-AFC4-6F175D3DCCD1}">
+              <a14:hiddenFill xmlns:a14="http://schemas.microsoft.com/office/drawing/2010/main">
+                <a:solidFill>
+                  <a:srgbClr val="FFFFFF"/>
+                </a:solidFill>
+              </a14:hiddenFill>
+            </a:ext>
+            <a:ext uri="{91240B29-F687-4F45-9708-019B960494DF}">
+              <a14:hiddenLine xmlns:a14="http://schemas.microsoft.com/office/drawing/2010/main" w="9525">
+                <a:solidFill>
+                  <a:srgbClr val="000000"/>
+                </a:solidFill>
+                <a:miter lim="800000"/>
+                <a:headEnd/>
+                <a:tailEnd/>
+              </a14:hiddenLine>
+            </a:ext>
+          </a:extLst>
+        </p:spPr>
+        <p:txBody>
+          <a:bodyPr vert="horz" wrap="square" lIns="91440" tIns="45720" rIns="91440" bIns="45720" numCol="1" anchor="t" anchorCtr="0" compatLnSpc="1">
+            <a:prstTxWarp prst="textNoShape">
+              <a:avLst/>
+            </a:prstTxWarp>
+          </a:bodyPr>
+          <a:lstStyle>
+            <a:lvl1pPr marL="0" indent="0" algn="r" rtl="0" eaLnBrk="0" fontAlgn="base" hangingPunct="0">
+              <a:spcBef>
+                <a:spcPct val="20000"/>
+              </a:spcBef>
+              <a:spcAft>
+                <a:spcPct val="0"/>
+              </a:spcAft>
+              <a:buClr>
+                <a:schemeClr val="accent1"/>
+              </a:buClr>
+              <a:buFont typeface="Wingdings" panose="05000000000000000000" pitchFamily="2" charset="2"/>
+              <a:buNone/>
+              <a:defRPr sz="3200">
+                <a:solidFill>
+                  <a:schemeClr val="tx1"/>
+                </a:solidFill>
+                <a:latin typeface="+mn-lt"/>
+                <a:ea typeface="+mn-ea"/>
+                <a:cs typeface="+mn-cs"/>
+              </a:defRPr>
+            </a:lvl1pPr>
+            <a:lvl2pPr marL="742950" indent="-285750" algn="l" rtl="0" eaLnBrk="0" fontAlgn="base" hangingPunct="0">
+              <a:spcBef>
+                <a:spcPct val="20000"/>
+              </a:spcBef>
+              <a:spcAft>
+                <a:spcPct val="0"/>
+              </a:spcAft>
+              <a:buClr>
+                <a:schemeClr val="accent1"/>
+              </a:buClr>
+              <a:buFont typeface="Wingdings" panose="05000000000000000000" pitchFamily="2" charset="2"/>
+              <a:buChar char="¡"/>
+              <a:defRPr sz="2700">
+                <a:solidFill>
+                  <a:schemeClr val="tx1"/>
+                </a:solidFill>
+                <a:latin typeface="+mn-lt"/>
+              </a:defRPr>
+            </a:lvl2pPr>
+            <a:lvl3pPr marL="1143000" indent="-228600" algn="l" rtl="0" eaLnBrk="0" fontAlgn="base" hangingPunct="0">
+              <a:spcBef>
+                <a:spcPct val="20000"/>
+              </a:spcBef>
+              <a:spcAft>
+                <a:spcPct val="0"/>
+              </a:spcAft>
+              <a:buClr>
+                <a:schemeClr val="accent1"/>
+              </a:buClr>
+              <a:buFont typeface="Wingdings" panose="05000000000000000000" pitchFamily="2" charset="2"/>
+              <a:buChar char="l"/>
+              <a:defRPr sz="2300">
+                <a:solidFill>
+                  <a:schemeClr val="tx1"/>
+                </a:solidFill>
+                <a:latin typeface="+mn-lt"/>
+              </a:defRPr>
+            </a:lvl3pPr>
+            <a:lvl4pPr marL="1600200" indent="-228600" algn="l" rtl="0" eaLnBrk="0" fontAlgn="base" hangingPunct="0">
+              <a:spcBef>
+                <a:spcPct val="20000"/>
+              </a:spcBef>
+              <a:spcAft>
+                <a:spcPct val="0"/>
+              </a:spcAft>
+              <a:buClr>
+                <a:schemeClr val="accent1"/>
+              </a:buClr>
+              <a:buChar char="•"/>
+              <a:defRPr sz="2000">
+                <a:solidFill>
+                  <a:schemeClr val="tx1"/>
+                </a:solidFill>
+                <a:latin typeface="+mn-lt"/>
+              </a:defRPr>
+            </a:lvl4pPr>
+            <a:lvl5pPr marL="2057400" indent="-228600" algn="l" rtl="0" eaLnBrk="0" fontAlgn="base" hangingPunct="0">
+              <a:spcBef>
+                <a:spcPct val="20000"/>
+              </a:spcBef>
+              <a:spcAft>
+                <a:spcPct val="0"/>
+              </a:spcAft>
+              <a:buClr>
+                <a:schemeClr val="accent1"/>
+              </a:buClr>
+              <a:buFont typeface="Wingdings" panose="05000000000000000000" pitchFamily="2" charset="2"/>
+              <a:buChar char=""/>
+              <a:defRPr sz="2000">
+                <a:solidFill>
+                  <a:schemeClr val="tx1"/>
+                </a:solidFill>
+                <a:latin typeface="+mn-lt"/>
+              </a:defRPr>
+            </a:lvl5pPr>
+            <a:lvl6pPr marL="2514600" indent="-228600" algn="l" rtl="0" fontAlgn="base">
+              <a:spcBef>
+                <a:spcPct val="20000"/>
+              </a:spcBef>
+              <a:spcAft>
+                <a:spcPct val="0"/>
+              </a:spcAft>
+              <a:buClr>
+                <a:schemeClr val="accent1"/>
+              </a:buClr>
+              <a:buFont typeface="Wingdings" pitchFamily="2" charset="2"/>
+              <a:buChar char=""/>
+              <a:defRPr sz="2000">
+                <a:solidFill>
+                  <a:schemeClr val="tx1"/>
+                </a:solidFill>
+                <a:latin typeface="+mn-lt"/>
+              </a:defRPr>
+            </a:lvl6pPr>
+            <a:lvl7pPr marL="2971800" indent="-228600" algn="l" rtl="0" fontAlgn="base">
+              <a:spcBef>
+                <a:spcPct val="20000"/>
+              </a:spcBef>
+              <a:spcAft>
+                <a:spcPct val="0"/>
+              </a:spcAft>
+              <a:buClr>
+                <a:schemeClr val="accent1"/>
+              </a:buClr>
+              <a:buFont typeface="Wingdings" pitchFamily="2" charset="2"/>
+              <a:buChar char=""/>
+              <a:defRPr sz="2000">
+                <a:solidFill>
+                  <a:schemeClr val="tx1"/>
+                </a:solidFill>
+                <a:latin typeface="+mn-lt"/>
+              </a:defRPr>
+            </a:lvl7pPr>
+            <a:lvl8pPr marL="3429000" indent="-228600" algn="l" rtl="0" fontAlgn="base">
+              <a:spcBef>
+                <a:spcPct val="20000"/>
+              </a:spcBef>
+              <a:spcAft>
+                <a:spcPct val="0"/>
+              </a:spcAft>
+              <a:buClr>
+                <a:schemeClr val="accent1"/>
+              </a:buClr>
+              <a:buFont typeface="Wingdings" pitchFamily="2" charset="2"/>
+              <a:buChar char=""/>
+              <a:defRPr sz="2000">
+                <a:solidFill>
+                  <a:schemeClr val="tx1"/>
+                </a:solidFill>
+                <a:latin typeface="+mn-lt"/>
+              </a:defRPr>
+            </a:lvl8pPr>
+            <a:lvl9pPr marL="3886200" indent="-228600" algn="l" rtl="0" fontAlgn="base">
+              <a:spcBef>
+                <a:spcPct val="20000"/>
+              </a:spcBef>
+              <a:spcAft>
+                <a:spcPct val="0"/>
+              </a:spcAft>
+              <a:buClr>
+                <a:schemeClr val="accent1"/>
+              </a:buClr>
+              <a:buFont typeface="Wingdings" pitchFamily="2" charset="2"/>
+              <a:buChar char=""/>
+              <a:defRPr sz="2000">
+                <a:solidFill>
+                  <a:schemeClr val="tx1"/>
+                </a:solidFill>
+                <a:latin typeface="+mn-lt"/>
+              </a:defRPr>
+            </a:lvl9pPr>
+          </a:lstStyle>
+          <a:p>
+            <a:pPr eaLnBrk="1" hangingPunct="1"/>
+            <a:r>
+              <a:rPr lang="sr-Cyrl-RS" altLang="en-US" kern="0" dirty="0" smtClean="0">
+                <a:solidFill>
+                  <a:srgbClr val="993300"/>
+                </a:solidFill>
+                <a:latin typeface="Times New Roman" panose="02020603050405020304" pitchFamily="18" charset="0"/>
+                <a:cs typeface="Times New Roman" panose="02020603050405020304" pitchFamily="18" charset="0"/>
+              </a:rPr>
+              <a:t>Владимир Филиповић</a:t>
+            </a:r>
+            <a:endParaRPr lang="en-US" altLang="en-US" kern="0" dirty="0" smtClean="0">
+              <a:solidFill>
+                <a:srgbClr val="993300"/>
+              </a:solidFill>
+              <a:latin typeface="Times New Roman" panose="02020603050405020304" pitchFamily="18" charset="0"/>
+              <a:cs typeface="Times New Roman" panose="02020603050405020304" pitchFamily="18" charset="0"/>
+            </a:endParaRPr>
+          </a:p>
+          <a:p>
+            <a:pPr eaLnBrk="1" hangingPunct="1"/>
+            <a:r>
+              <a:rPr lang="sr-Latn-CS" altLang="en-US" kern="0" dirty="0" smtClean="0">
+                <a:hlinkClick r:id="rId2"/>
+              </a:rPr>
+              <a:t>vladaf@matf.bg.ac.</a:t>
+            </a:r>
+            <a:r>
+              <a:rPr lang="en-US" altLang="en-US" kern="0" dirty="0" err="1" smtClean="0">
+                <a:hlinkClick r:id="rId2"/>
+              </a:rPr>
+              <a:t>rs</a:t>
+            </a:r>
+            <a:endParaRPr lang="sr-Latn-RS" altLang="en-US" kern="0" dirty="0" smtClean="0"/>
+          </a:p>
+          <a:p>
+            <a:pPr eaLnBrk="1" hangingPunct="1"/>
+            <a:r>
+              <a:rPr lang="sr-Cyrl-RS" altLang="en-US" kern="0" dirty="0" smtClean="0">
+                <a:solidFill>
+                  <a:srgbClr val="993300"/>
+                </a:solidFill>
+                <a:latin typeface="Times New Roman" panose="02020603050405020304" pitchFamily="18" charset="0"/>
+                <a:cs typeface="Times New Roman" panose="02020603050405020304" pitchFamily="18" charset="0"/>
+              </a:rPr>
+              <a:t>Александар Картељ</a:t>
+            </a:r>
+            <a:endParaRPr lang="en-US" altLang="en-US" kern="0" dirty="0" smtClean="0">
+              <a:solidFill>
+                <a:srgbClr val="993300"/>
+              </a:solidFill>
+              <a:latin typeface="Times New Roman" panose="02020603050405020304" pitchFamily="18" charset="0"/>
+              <a:cs typeface="Times New Roman" panose="02020603050405020304" pitchFamily="18" charset="0"/>
+            </a:endParaRPr>
+          </a:p>
+          <a:p>
+            <a:pPr eaLnBrk="1" hangingPunct="1"/>
+            <a:r>
+              <a:rPr lang="en-US" altLang="en-US" kern="0" dirty="0" smtClean="0">
+                <a:hlinkClick r:id="rId3"/>
+              </a:rPr>
+              <a:t>k</a:t>
+            </a:r>
+            <a:r>
+              <a:rPr lang="sr-Latn-RS" altLang="en-US" kern="0" dirty="0" smtClean="0">
+                <a:hlinkClick r:id="rId3"/>
+              </a:rPr>
+              <a:t>artelj</a:t>
+            </a:r>
+            <a:r>
+              <a:rPr lang="en-US" altLang="en-US" kern="0" dirty="0" smtClean="0">
+                <a:hlinkClick r:id="rId3"/>
+              </a:rPr>
+              <a:t>@matf.bg.ac.rs</a:t>
+            </a:r>
+            <a:endParaRPr lang="en-US" altLang="en-US" kern="0" dirty="0"/>
+          </a:p>
+        </p:txBody>
+      </p:sp>
+    </p:spTree>
+  </p:cSld>
+  <p:clrMapOvr>
+    <a:masterClrMapping/>
+  </p:clrMapOvr>
+  <p:transition spd="slow"/>
+  <p:timing>
+    <p:tnLst>
+      <p:par>
+        <p:cTn id="1" dur="indefinite" restart="never" nodeType="tmRoot"/>
+      </p:par>
+    </p:tnLst>
+  </p:timing>
+</p:sld>
+</file>
+
+<file path=ppt/slides/slide20.xml><?xml version="1.0" encoding="utf-8"?>
 <p:sld xmlns:a="http://schemas.openxmlformats.org/drawingml/2006/main" xmlns:r="http://schemas.openxmlformats.org/officeDocument/2006/relationships" xmlns:p="http://schemas.openxmlformats.org/presentationml/2006/main">
   <p:cSld>
     <p:spTree>
@@ -12631,7 +18696,7 @@
 </p:sld>
 </file>
 
-<file path=ppt/slides/slide17.xml><?xml version="1.0" encoding="utf-8"?>
+<file path=ppt/slides/slide21.xml><?xml version="1.0" encoding="utf-8"?>
 <p:sld xmlns:a="http://schemas.openxmlformats.org/drawingml/2006/main" xmlns:r="http://schemas.openxmlformats.org/officeDocument/2006/relationships" xmlns:p="http://schemas.openxmlformats.org/presentationml/2006/main">
   <p:cSld>
     <p:spTree>
@@ -14200,7 +20265,7 @@
 </p:sld>
 </file>
 
-<file path=ppt/slides/slide18.xml><?xml version="1.0" encoding="utf-8"?>
+<file path=ppt/slides/slide22.xml><?xml version="1.0" encoding="utf-8"?>
 <p:sld xmlns:a="http://schemas.openxmlformats.org/drawingml/2006/main" xmlns:r="http://schemas.openxmlformats.org/officeDocument/2006/relationships" xmlns:p="http://schemas.openxmlformats.org/presentationml/2006/main">
   <p:cSld>
     <p:spTree>
@@ -15758,7 +21823,7 @@
 </p:sld>
 </file>
 
-<file path=ppt/slides/slide19.xml><?xml version="1.0" encoding="utf-8"?>
+<file path=ppt/slides/slide23.xml><?xml version="1.0" encoding="utf-8"?>
 <p:sld xmlns:a="http://schemas.openxmlformats.org/drawingml/2006/main" xmlns:r="http://schemas.openxmlformats.org/officeDocument/2006/relationships" xmlns:p="http://schemas.openxmlformats.org/presentationml/2006/main">
   <p:cSld>
     <p:spTree>
@@ -17175,392 +23240,7 @@
 </p:sld>
 </file>
 
-<file path=ppt/slides/slide2.xml><?xml version="1.0" encoding="utf-8"?>
-<p:sld xmlns:a="http://schemas.openxmlformats.org/drawingml/2006/main" xmlns:r="http://schemas.openxmlformats.org/officeDocument/2006/relationships" xmlns:p="http://schemas.openxmlformats.org/presentationml/2006/main">
-  <p:cSld>
-    <p:spTree>
-      <p:nvGrpSpPr>
-        <p:cNvPr id="1" name=""/>
-        <p:cNvGrpSpPr/>
-        <p:nvPr/>
-      </p:nvGrpSpPr>
-      <p:grpSpPr>
-        <a:xfrm>
-          <a:off x="0" y="0"/>
-          <a:ext cx="0" cy="0"/>
-          <a:chOff x="0" y="0"/>
-          <a:chExt cx="0" cy="0"/>
-        </a:xfrm>
-      </p:grpSpPr>
-      <p:sp>
-        <p:nvSpPr>
-          <p:cNvPr id="4098" name="Rectangle 2"/>
-          <p:cNvSpPr>
-            <a:spLocks noGrp="1" noChangeArrowheads="1"/>
-          </p:cNvSpPr>
-          <p:nvPr>
-            <p:ph type="ctrTitle"/>
-          </p:nvPr>
-        </p:nvSpPr>
-        <p:spPr>
-          <a:xfrm>
-            <a:off x="395288" y="1628775"/>
-            <a:ext cx="8569325" cy="1144588"/>
-          </a:xfrm>
-        </p:spPr>
-        <p:txBody>
-          <a:bodyPr/>
-          <a:lstStyle/>
-          <a:p>
-            <a:pPr eaLnBrk="1" hangingPunct="1"/>
-            <a:r>
-              <a:rPr lang="sr-Cyrl-RS" altLang="en-US" sz="5400" dirty="0" smtClean="0">
-                <a:solidFill>
-                  <a:srgbClr val="3366FF"/>
-                </a:solidFill>
-              </a:rPr>
-              <a:t>Улазна тачка Јава програма</a:t>
-            </a:r>
-            <a:br>
-              <a:rPr lang="sr-Cyrl-RS" altLang="en-US" sz="5400" dirty="0" smtClean="0">
-                <a:solidFill>
-                  <a:srgbClr val="3366FF"/>
-                </a:solidFill>
-              </a:rPr>
-            </a:br>
-            <a:r>
-              <a:rPr lang="sr-Cyrl-RS" altLang="en-US" sz="5400" dirty="0" smtClean="0">
-                <a:solidFill>
-                  <a:srgbClr val="3366FF"/>
-                </a:solidFill>
-              </a:rPr>
-              <a:t>Статичке функције</a:t>
-            </a:r>
-            <a:endParaRPr lang="sr-Latn-CS" altLang="en-US" sz="5400" dirty="0" smtClean="0">
-              <a:solidFill>
-                <a:srgbClr val="3366FF"/>
-              </a:solidFill>
-            </a:endParaRPr>
-          </a:p>
-        </p:txBody>
-      </p:sp>
-      <p:sp>
-        <p:nvSpPr>
-          <p:cNvPr id="5" name="Rectangle 3"/>
-          <p:cNvSpPr txBox="1">
-            <a:spLocks noChangeArrowheads="1"/>
-          </p:cNvSpPr>
-          <p:nvPr/>
-        </p:nvSpPr>
-        <p:spPr bwMode="auto">
-          <a:xfrm>
-            <a:off x="3563888" y="3356992"/>
-            <a:ext cx="5110162" cy="1752600"/>
-          </a:xfrm>
-          <a:prstGeom prst="rect">
-            <a:avLst/>
-          </a:prstGeom>
-          <a:noFill/>
-          <a:ln>
-            <a:noFill/>
-          </a:ln>
-          <a:extLst>
-            <a:ext uri="{909E8E84-426E-40DD-AFC4-6F175D3DCCD1}">
-              <a14:hiddenFill xmlns:a14="http://schemas.microsoft.com/office/drawing/2010/main">
-                <a:solidFill>
-                  <a:srgbClr val="FFFFFF"/>
-                </a:solidFill>
-              </a14:hiddenFill>
-            </a:ext>
-            <a:ext uri="{91240B29-F687-4F45-9708-019B960494DF}">
-              <a14:hiddenLine xmlns:a14="http://schemas.microsoft.com/office/drawing/2010/main" w="9525">
-                <a:solidFill>
-                  <a:srgbClr val="000000"/>
-                </a:solidFill>
-                <a:miter lim="800000"/>
-                <a:headEnd/>
-                <a:tailEnd/>
-              </a14:hiddenLine>
-            </a:ext>
-          </a:extLst>
-        </p:spPr>
-        <p:txBody>
-          <a:bodyPr vert="horz" wrap="square" lIns="91440" tIns="45720" rIns="91440" bIns="45720" numCol="1" anchor="t" anchorCtr="0" compatLnSpc="1">
-            <a:prstTxWarp prst="textNoShape">
-              <a:avLst/>
-            </a:prstTxWarp>
-          </a:bodyPr>
-          <a:lstStyle>
-            <a:lvl1pPr marL="0" indent="0" algn="r" rtl="0" eaLnBrk="0" fontAlgn="base" hangingPunct="0">
-              <a:spcBef>
-                <a:spcPct val="20000"/>
-              </a:spcBef>
-              <a:spcAft>
-                <a:spcPct val="0"/>
-              </a:spcAft>
-              <a:buClr>
-                <a:schemeClr val="accent1"/>
-              </a:buClr>
-              <a:buFont typeface="Wingdings" panose="05000000000000000000" pitchFamily="2" charset="2"/>
-              <a:buNone/>
-              <a:defRPr sz="3200">
-                <a:solidFill>
-                  <a:schemeClr val="tx1"/>
-                </a:solidFill>
-                <a:latin typeface="+mn-lt"/>
-                <a:ea typeface="+mn-ea"/>
-                <a:cs typeface="+mn-cs"/>
-              </a:defRPr>
-            </a:lvl1pPr>
-            <a:lvl2pPr marL="742950" indent="-285750" algn="l" rtl="0" eaLnBrk="0" fontAlgn="base" hangingPunct="0">
-              <a:spcBef>
-                <a:spcPct val="20000"/>
-              </a:spcBef>
-              <a:spcAft>
-                <a:spcPct val="0"/>
-              </a:spcAft>
-              <a:buClr>
-                <a:schemeClr val="accent1"/>
-              </a:buClr>
-              <a:buFont typeface="Wingdings" panose="05000000000000000000" pitchFamily="2" charset="2"/>
-              <a:buChar char="¡"/>
-              <a:defRPr sz="2700">
-                <a:solidFill>
-                  <a:schemeClr val="tx1"/>
-                </a:solidFill>
-                <a:latin typeface="+mn-lt"/>
-              </a:defRPr>
-            </a:lvl2pPr>
-            <a:lvl3pPr marL="1143000" indent="-228600" algn="l" rtl="0" eaLnBrk="0" fontAlgn="base" hangingPunct="0">
-              <a:spcBef>
-                <a:spcPct val="20000"/>
-              </a:spcBef>
-              <a:spcAft>
-                <a:spcPct val="0"/>
-              </a:spcAft>
-              <a:buClr>
-                <a:schemeClr val="accent1"/>
-              </a:buClr>
-              <a:buFont typeface="Wingdings" panose="05000000000000000000" pitchFamily="2" charset="2"/>
-              <a:buChar char="l"/>
-              <a:defRPr sz="2300">
-                <a:solidFill>
-                  <a:schemeClr val="tx1"/>
-                </a:solidFill>
-                <a:latin typeface="+mn-lt"/>
-              </a:defRPr>
-            </a:lvl3pPr>
-            <a:lvl4pPr marL="1600200" indent="-228600" algn="l" rtl="0" eaLnBrk="0" fontAlgn="base" hangingPunct="0">
-              <a:spcBef>
-                <a:spcPct val="20000"/>
-              </a:spcBef>
-              <a:spcAft>
-                <a:spcPct val="0"/>
-              </a:spcAft>
-              <a:buClr>
-                <a:schemeClr val="accent1"/>
-              </a:buClr>
-              <a:buChar char="•"/>
-              <a:defRPr sz="2000">
-                <a:solidFill>
-                  <a:schemeClr val="tx1"/>
-                </a:solidFill>
-                <a:latin typeface="+mn-lt"/>
-              </a:defRPr>
-            </a:lvl4pPr>
-            <a:lvl5pPr marL="2057400" indent="-228600" algn="l" rtl="0" eaLnBrk="0" fontAlgn="base" hangingPunct="0">
-              <a:spcBef>
-                <a:spcPct val="20000"/>
-              </a:spcBef>
-              <a:spcAft>
-                <a:spcPct val="0"/>
-              </a:spcAft>
-              <a:buClr>
-                <a:schemeClr val="accent1"/>
-              </a:buClr>
-              <a:buFont typeface="Wingdings" panose="05000000000000000000" pitchFamily="2" charset="2"/>
-              <a:buChar char=""/>
-              <a:defRPr sz="2000">
-                <a:solidFill>
-                  <a:schemeClr val="tx1"/>
-                </a:solidFill>
-                <a:latin typeface="+mn-lt"/>
-              </a:defRPr>
-            </a:lvl5pPr>
-            <a:lvl6pPr marL="2514600" indent="-228600" algn="l" rtl="0" fontAlgn="base">
-              <a:spcBef>
-                <a:spcPct val="20000"/>
-              </a:spcBef>
-              <a:spcAft>
-                <a:spcPct val="0"/>
-              </a:spcAft>
-              <a:buClr>
-                <a:schemeClr val="accent1"/>
-              </a:buClr>
-              <a:buFont typeface="Wingdings" pitchFamily="2" charset="2"/>
-              <a:buChar char=""/>
-              <a:defRPr sz="2000">
-                <a:solidFill>
-                  <a:schemeClr val="tx1"/>
-                </a:solidFill>
-                <a:latin typeface="+mn-lt"/>
-              </a:defRPr>
-            </a:lvl6pPr>
-            <a:lvl7pPr marL="2971800" indent="-228600" algn="l" rtl="0" fontAlgn="base">
-              <a:spcBef>
-                <a:spcPct val="20000"/>
-              </a:spcBef>
-              <a:spcAft>
-                <a:spcPct val="0"/>
-              </a:spcAft>
-              <a:buClr>
-                <a:schemeClr val="accent1"/>
-              </a:buClr>
-              <a:buFont typeface="Wingdings" pitchFamily="2" charset="2"/>
-              <a:buChar char=""/>
-              <a:defRPr sz="2000">
-                <a:solidFill>
-                  <a:schemeClr val="tx1"/>
-                </a:solidFill>
-                <a:latin typeface="+mn-lt"/>
-              </a:defRPr>
-            </a:lvl7pPr>
-            <a:lvl8pPr marL="3429000" indent="-228600" algn="l" rtl="0" fontAlgn="base">
-              <a:spcBef>
-                <a:spcPct val="20000"/>
-              </a:spcBef>
-              <a:spcAft>
-                <a:spcPct val="0"/>
-              </a:spcAft>
-              <a:buClr>
-                <a:schemeClr val="accent1"/>
-              </a:buClr>
-              <a:buFont typeface="Wingdings" pitchFamily="2" charset="2"/>
-              <a:buChar char=""/>
-              <a:defRPr sz="2000">
-                <a:solidFill>
-                  <a:schemeClr val="tx1"/>
-                </a:solidFill>
-                <a:latin typeface="+mn-lt"/>
-              </a:defRPr>
-            </a:lvl8pPr>
-            <a:lvl9pPr marL="3886200" indent="-228600" algn="l" rtl="0" fontAlgn="base">
-              <a:spcBef>
-                <a:spcPct val="20000"/>
-              </a:spcBef>
-              <a:spcAft>
-                <a:spcPct val="0"/>
-              </a:spcAft>
-              <a:buClr>
-                <a:schemeClr val="accent1"/>
-              </a:buClr>
-              <a:buFont typeface="Wingdings" pitchFamily="2" charset="2"/>
-              <a:buChar char=""/>
-              <a:defRPr sz="2000">
-                <a:solidFill>
-                  <a:schemeClr val="tx1"/>
-                </a:solidFill>
-                <a:latin typeface="+mn-lt"/>
-              </a:defRPr>
-            </a:lvl9pPr>
-          </a:lstStyle>
-          <a:p>
-            <a:pPr eaLnBrk="1" hangingPunct="1"/>
-            <a:r>
-              <a:rPr lang="sr-Cyrl-RS" altLang="en-US" kern="0" dirty="0" smtClean="0">
-                <a:solidFill>
-                  <a:srgbClr val="993300"/>
-                </a:solidFill>
-                <a:latin typeface="Times New Roman" panose="02020603050405020304" pitchFamily="18" charset="0"/>
-                <a:cs typeface="Times New Roman" panose="02020603050405020304" pitchFamily="18" charset="0"/>
-              </a:rPr>
-              <a:t>Владимир Филиповић</a:t>
-            </a:r>
-            <a:endParaRPr lang="en-US" altLang="en-US" kern="0" dirty="0" smtClean="0">
-              <a:solidFill>
-                <a:srgbClr val="993300"/>
-              </a:solidFill>
-              <a:latin typeface="Times New Roman" panose="02020603050405020304" pitchFamily="18" charset="0"/>
-              <a:cs typeface="Times New Roman" panose="02020603050405020304" pitchFamily="18" charset="0"/>
-            </a:endParaRPr>
-          </a:p>
-          <a:p>
-            <a:pPr eaLnBrk="1" hangingPunct="1"/>
-            <a:r>
-              <a:rPr lang="sr-Latn-CS" altLang="en-US" kern="0" dirty="0" smtClean="0">
-                <a:hlinkClick r:id="rId2"/>
-              </a:rPr>
-              <a:t>vladaf@matf.bg.ac.</a:t>
-            </a:r>
-            <a:r>
-              <a:rPr lang="en-US" altLang="en-US" kern="0" dirty="0" err="1" smtClean="0">
-                <a:hlinkClick r:id="rId2"/>
-              </a:rPr>
-              <a:t>rs</a:t>
-            </a:r>
-            <a:endParaRPr lang="sr-Latn-RS" altLang="en-US" kern="0" dirty="0" smtClean="0"/>
-          </a:p>
-          <a:p>
-            <a:pPr eaLnBrk="1" hangingPunct="1"/>
-            <a:r>
-              <a:rPr lang="sr-Cyrl-RS" altLang="en-US" kern="0" dirty="0" smtClean="0">
-                <a:solidFill>
-                  <a:srgbClr val="993300"/>
-                </a:solidFill>
-                <a:latin typeface="Times New Roman" panose="02020603050405020304" pitchFamily="18" charset="0"/>
-                <a:cs typeface="Times New Roman" panose="02020603050405020304" pitchFamily="18" charset="0"/>
-              </a:rPr>
-              <a:t>Александар Картељ</a:t>
-            </a:r>
-            <a:endParaRPr lang="en-US" altLang="en-US" kern="0" dirty="0" smtClean="0">
-              <a:solidFill>
-                <a:srgbClr val="993300"/>
-              </a:solidFill>
-              <a:latin typeface="Times New Roman" panose="02020603050405020304" pitchFamily="18" charset="0"/>
-              <a:cs typeface="Times New Roman" panose="02020603050405020304" pitchFamily="18" charset="0"/>
-            </a:endParaRPr>
-          </a:p>
-          <a:p>
-            <a:pPr eaLnBrk="1" hangingPunct="1"/>
-            <a:r>
-              <a:rPr lang="en-US" altLang="en-US" kern="0" dirty="0" smtClean="0">
-                <a:hlinkClick r:id="rId3"/>
-              </a:rPr>
-              <a:t>k</a:t>
-            </a:r>
-            <a:r>
-              <a:rPr lang="sr-Latn-RS" altLang="en-US" kern="0" dirty="0" smtClean="0">
-                <a:hlinkClick r:id="rId3"/>
-              </a:rPr>
-              <a:t>artelj</a:t>
-            </a:r>
-            <a:r>
-              <a:rPr lang="en-US" altLang="en-US" kern="0" dirty="0" smtClean="0">
-                <a:hlinkClick r:id="rId3"/>
-              </a:rPr>
-              <a:t>@matf.bg.ac.rs</a:t>
-            </a:r>
-            <a:endParaRPr lang="en-US" altLang="en-US" kern="0" dirty="0"/>
-          </a:p>
-        </p:txBody>
-      </p:sp>
-    </p:spTree>
-  </p:cSld>
-  <p:clrMapOvr>
-    <a:masterClrMapping/>
-  </p:clrMapOvr>
-  <p:transition spd="slow"/>
-  <p:timing>
-    <p:tnLst>
-      <p:par>
-        <p:cTn id="1" dur="indefinite" restart="never" nodeType="tmRoot"/>
-      </p:par>
-    </p:tnLst>
-  </p:timing>
-</p:sld>
-</file>
-
-<file path=ppt/slides/slide20.xml><?xml version="1.0" encoding="utf-8"?>
+<file path=ppt/slides/slide24.xml><?xml version="1.0" encoding="utf-8"?>
 <p:sld xmlns:a="http://schemas.openxmlformats.org/drawingml/2006/main" xmlns:r="http://schemas.openxmlformats.org/officeDocument/2006/relationships" xmlns:p="http://schemas.openxmlformats.org/presentationml/2006/main">
   <p:cSld>
     <p:spTree>
@@ -19133,7 +24813,7 @@
 </p:sld>
 </file>
 
-<file path=ppt/slides/slide21.xml><?xml version="1.0" encoding="utf-8"?>
+<file path=ppt/slides/slide25.xml><?xml version="1.0" encoding="utf-8"?>
 <p:sld xmlns:a="http://schemas.openxmlformats.org/drawingml/2006/main" xmlns:r="http://schemas.openxmlformats.org/officeDocument/2006/relationships" xmlns:p="http://schemas.openxmlformats.org/presentationml/2006/main">
   <p:cSld>
     <p:spTree>
@@ -20297,7 +25977,7 @@
 </p:sld>
 </file>
 
-<file path=ppt/slides/slide22.xml><?xml version="1.0" encoding="utf-8"?>
+<file path=ppt/slides/slide26.xml><?xml version="1.0" encoding="utf-8"?>
 <p:sld xmlns:a="http://schemas.openxmlformats.org/drawingml/2006/main" xmlns:r="http://schemas.openxmlformats.org/officeDocument/2006/relationships" xmlns:p="http://schemas.openxmlformats.org/presentationml/2006/main">
   <p:cSld>
     <p:spTree>
@@ -21575,7 +27255,7 @@
 </p:sld>
 </file>
 
-<file path=ppt/slides/slide23.xml><?xml version="1.0" encoding="utf-8"?>
+<file path=ppt/slides/slide27.xml><?xml version="1.0" encoding="utf-8"?>
 <p:sld xmlns:a="http://schemas.openxmlformats.org/drawingml/2006/main" xmlns:r="http://schemas.openxmlformats.org/officeDocument/2006/relationships" xmlns:p="http://schemas.openxmlformats.org/presentationml/2006/main">
   <p:cSld>
     <p:spTree>
@@ -24096,7 +29776,61 @@
                 </a:solidFill>
                 <a:latin typeface="Garamond" pitchFamily="18" charset="0"/>
               </a:rPr>
-              <a:t>Ако заглавље </a:t>
+              <a:t>Ако заглавље овог метода </a:t>
+            </a:r>
+            <a:r>
+              <a:rPr lang="sr-Cyrl-RS" dirty="0">
+                <a:solidFill>
+                  <a:schemeClr val="tx1"/>
+                </a:solidFill>
+                <a:latin typeface="Garamond" pitchFamily="18" charset="0"/>
+              </a:rPr>
+              <a:t>у класи </a:t>
+            </a:r>
+            <a:r>
+              <a:rPr lang="en-US" sz="2000" dirty="0">
+                <a:solidFill>
+                  <a:schemeClr val="tx1"/>
+                </a:solidFill>
+                <a:latin typeface="+mn-lt"/>
+              </a:rPr>
+              <a:t>Test</a:t>
+            </a:r>
+            <a:r>
+              <a:rPr lang="en-US" dirty="0">
+                <a:solidFill>
+                  <a:schemeClr val="tx1"/>
+                </a:solidFill>
+                <a:latin typeface="Garamond" pitchFamily="18" charset="0"/>
+              </a:rPr>
+              <a:t> </a:t>
+            </a:r>
+            <a:r>
+              <a:rPr lang="sr-Cyrl-RS" dirty="0">
+                <a:solidFill>
+                  <a:schemeClr val="tx1"/>
+                </a:solidFill>
+                <a:latin typeface="Garamond" pitchFamily="18" charset="0"/>
+              </a:rPr>
+              <a:t>садржаној у датотеци </a:t>
+            </a:r>
+            <a:r>
+              <a:rPr lang="en-US" sz="2000" dirty="0">
+                <a:solidFill>
+                  <a:schemeClr val="tx1"/>
+                </a:solidFill>
+                <a:latin typeface="+mn-lt"/>
+              </a:rPr>
+              <a:t>Test.java</a:t>
+            </a:r>
+            <a:r>
+              <a:rPr lang="en-US" dirty="0">
+                <a:solidFill>
+                  <a:schemeClr val="tx1"/>
+                </a:solidFill>
+                <a:latin typeface="Garamond" pitchFamily="18" charset="0"/>
+              </a:rPr>
+              <a:t> </a:t>
             </a:r>
             <a:r>
               <a:rPr lang="sr-Cyrl-RS" dirty="0" smtClean="0">
@@ -24105,79 +29839,7 @@
                 </a:solidFill>
                 <a:latin typeface="Garamond" pitchFamily="18" charset="0"/>
               </a:rPr>
-              <a:t>овог метода </a:t>
-            </a:r>
-            <a:r>
-              <a:rPr lang="sr-Cyrl-RS" dirty="0">
-                <a:solidFill>
-                  <a:schemeClr val="tx1"/>
-                </a:solidFill>
-                <a:latin typeface="Garamond" pitchFamily="18" charset="0"/>
-              </a:rPr>
-              <a:t>у класи </a:t>
-            </a:r>
-            <a:r>
-              <a:rPr lang="en-US" sz="2000" dirty="0">
-                <a:solidFill>
-                  <a:schemeClr val="tx1"/>
-                </a:solidFill>
-                <a:latin typeface="+mn-lt"/>
-              </a:rPr>
-              <a:t>Test</a:t>
-            </a:r>
-            <a:r>
-              <a:rPr lang="en-US" dirty="0">
-                <a:solidFill>
-                  <a:schemeClr val="tx1"/>
-                </a:solidFill>
-                <a:latin typeface="Garamond" pitchFamily="18" charset="0"/>
-              </a:rPr>
-              <a:t> </a:t>
-            </a:r>
-            <a:r>
-              <a:rPr lang="sr-Cyrl-RS" dirty="0">
-                <a:solidFill>
-                  <a:schemeClr val="tx1"/>
-                </a:solidFill>
-                <a:latin typeface="Garamond" pitchFamily="18" charset="0"/>
-              </a:rPr>
-              <a:t>садржаној у датотеци </a:t>
-            </a:r>
-            <a:r>
-              <a:rPr lang="en-US" sz="2000" dirty="0">
-                <a:solidFill>
-                  <a:schemeClr val="tx1"/>
-                </a:solidFill>
-                <a:latin typeface="+mn-lt"/>
-              </a:rPr>
-              <a:t>Test.java</a:t>
-            </a:r>
-            <a:r>
-              <a:rPr lang="en-US" dirty="0">
-                <a:solidFill>
-                  <a:schemeClr val="tx1"/>
-                </a:solidFill>
-                <a:latin typeface="Garamond" pitchFamily="18" charset="0"/>
-              </a:rPr>
-              <a:t> </a:t>
-            </a:r>
-            <a:r>
-              <a:rPr lang="sr-Cyrl-RS" dirty="0" smtClean="0">
-                <a:solidFill>
-                  <a:schemeClr val="tx1"/>
-                </a:solidFill>
-                <a:latin typeface="Garamond" pitchFamily="18" charset="0"/>
-              </a:rPr>
-              <a:t>има </a:t>
-            </a:r>
-            <a:r>
-              <a:rPr lang="sr-Cyrl-RS" dirty="0" smtClean="0">
-                <a:solidFill>
-                  <a:schemeClr val="tx1"/>
-                </a:solidFill>
-                <a:latin typeface="Garamond" pitchFamily="18" charset="0"/>
-              </a:rPr>
-              <a:t>следећи облик:</a:t>
+              <a:t>има следећи облик:</a:t>
             </a:r>
           </a:p>
           <a:p>
@@ -24212,16 +29874,7 @@
                 </a:solidFill>
                 <a:latin typeface="+mn-lt"/>
               </a:rPr>
-              <a:t>public </a:t>
-            </a:r>
-            <a:r>
-              <a:rPr lang="en-US" sz="2000" dirty="0" smtClean="0">
-                <a:solidFill>
-                  <a:schemeClr val="tx1"/>
-                </a:solidFill>
-                <a:latin typeface="+mn-lt"/>
-              </a:rPr>
-              <a:t>static void main(String[] </a:t>
+              <a:t>public static void main(String[] </a:t>
             </a:r>
             <a:r>
               <a:rPr lang="en-US" sz="2000" dirty="0" err="1" smtClean="0">
@@ -24810,11 +30463,6 @@
               </a:rPr>
               <a:t> (2)</a:t>
             </a:r>
-            <a:endParaRPr lang="en-US" sz="3600" b="1" kern="0" dirty="0" smtClean="0">
-              <a:solidFill>
-                <a:srgbClr val="0070C0"/>
-              </a:solidFill>
-            </a:endParaRPr>
           </a:p>
         </p:txBody>
       </p:sp>
